--- a/Poster.pptx
+++ b/Poster.pptx
@@ -2,12 +2,12 @@
 <file path=ppt/presentation.xml><?xml version="1.0" encoding="utf-8"?>
 <p:presentation xmlns:a="http://schemas.openxmlformats.org/drawingml/2006/main" xmlns:r="http://schemas.openxmlformats.org/officeDocument/2006/relationships" xmlns:p="http://schemas.openxmlformats.org/presentationml/2006/main" saveSubsetFonts="1">
   <p:sldMasterIdLst>
-    <p:sldMasterId id="2147483684" r:id="rId1"/>
+    <p:sldMasterId id="2147483696" r:id="rId1"/>
   </p:sldMasterIdLst>
   <p:sldIdLst>
     <p:sldId id="256" r:id="rId2"/>
   </p:sldIdLst>
-  <p:sldSz cx="16459200" cy="10972800"/>
+  <p:sldSz cx="13716000" cy="18288000"/>
   <p:notesSz cx="6858000" cy="9144000"/>
   <p:defaultTextStyle>
     <a:defPPr>
@@ -104,6 +104,11 @@
       </a:defRPr>
     </a:lvl9pPr>
   </p:defaultTextStyle>
+  <p:extLst>
+    <p:ext uri="{EFAFB233-063F-42B5-8137-9DF3F51BA10A}">
+      <p15:sldGuideLst xmlns:p15="http://schemas.microsoft.com/office/powerpoint/2012/main"/>
+    </p:ext>
+  </p:extLst>
 </p:presentation>
 </file>
 
@@ -136,15 +141,15 @@
         </p:nvSpPr>
         <p:spPr>
           <a:xfrm>
-            <a:off x="1234440" y="1795781"/>
-            <a:ext cx="13990320" cy="3820160"/>
+            <a:off x="1028700" y="2992968"/>
+            <a:ext cx="11658600" cy="6366933"/>
           </a:xfrm>
         </p:spPr>
         <p:txBody>
           <a:bodyPr anchor="b"/>
           <a:lstStyle>
             <a:lvl1pPr algn="ctr">
-              <a:defRPr sz="9600"/>
+              <a:defRPr sz="9000"/>
             </a:lvl1pPr>
           </a:lstStyle>
           <a:p>
@@ -168,8 +173,8 @@
         </p:nvSpPr>
         <p:spPr>
           <a:xfrm>
-            <a:off x="2057400" y="5763261"/>
-            <a:ext cx="12344400" cy="2649219"/>
+            <a:off x="1714500" y="9605435"/>
+            <a:ext cx="10287000" cy="4415365"/>
           </a:xfrm>
         </p:spPr>
         <p:txBody>
@@ -177,39 +182,39 @@
           <a:lstStyle>
             <a:lvl1pPr marL="0" indent="0" algn="ctr">
               <a:buNone/>
-              <a:defRPr sz="3840"/>
+              <a:defRPr sz="3600"/>
             </a:lvl1pPr>
-            <a:lvl2pPr marL="731520" indent="0" algn="ctr">
-              <a:buNone/>
-              <a:defRPr sz="3200"/>
+            <a:lvl2pPr marL="685800" indent="0" algn="ctr">
+              <a:buNone/>
+              <a:defRPr sz="3000"/>
             </a:lvl2pPr>
-            <a:lvl3pPr marL="1463040" indent="0" algn="ctr">
-              <a:buNone/>
-              <a:defRPr sz="2880"/>
+            <a:lvl3pPr marL="1371600" indent="0" algn="ctr">
+              <a:buNone/>
+              <a:defRPr sz="2700"/>
             </a:lvl3pPr>
-            <a:lvl4pPr marL="2194560" indent="0" algn="ctr">
-              <a:buNone/>
-              <a:defRPr sz="2560"/>
+            <a:lvl4pPr marL="2057400" indent="0" algn="ctr">
+              <a:buNone/>
+              <a:defRPr sz="2400"/>
             </a:lvl4pPr>
-            <a:lvl5pPr marL="2926080" indent="0" algn="ctr">
-              <a:buNone/>
-              <a:defRPr sz="2560"/>
+            <a:lvl5pPr marL="2743200" indent="0" algn="ctr">
+              <a:buNone/>
+              <a:defRPr sz="2400"/>
             </a:lvl5pPr>
-            <a:lvl6pPr marL="3657600" indent="0" algn="ctr">
-              <a:buNone/>
-              <a:defRPr sz="2560"/>
+            <a:lvl6pPr marL="3429000" indent="0" algn="ctr">
+              <a:buNone/>
+              <a:defRPr sz="2400"/>
             </a:lvl6pPr>
-            <a:lvl7pPr marL="4389120" indent="0" algn="ctr">
-              <a:buNone/>
-              <a:defRPr sz="2560"/>
+            <a:lvl7pPr marL="4114800" indent="0" algn="ctr">
+              <a:buNone/>
+              <a:defRPr sz="2400"/>
             </a:lvl7pPr>
-            <a:lvl8pPr marL="5120640" indent="0" algn="ctr">
-              <a:buNone/>
-              <a:defRPr sz="2560"/>
+            <a:lvl8pPr marL="4800600" indent="0" algn="ctr">
+              <a:buNone/>
+              <a:defRPr sz="2400"/>
             </a:lvl8pPr>
-            <a:lvl9pPr marL="5852160" indent="0" algn="ctr">
-              <a:buNone/>
-              <a:defRPr sz="2560"/>
+            <a:lvl9pPr marL="5486400" indent="0" algn="ctr">
+              <a:buNone/>
+              <a:defRPr sz="2400"/>
             </a:lvl9pPr>
           </a:lstStyle>
           <a:p>
@@ -238,7 +243,7 @@
           <a:p>
             <a:fld id="{9D3AC320-B950-4C88-844B-3041557FCF54}" type="datetimeFigureOut">
               <a:rPr lang="en-US" smtClean="0"/>
-              <a:t>5/1/2018</a:t>
+              <a:t>5/3/2018</a:t>
             </a:fld>
             <a:endParaRPr lang="en-US"/>
           </a:p>
@@ -289,7 +294,7 @@
     </p:spTree>
     <p:extLst>
       <p:ext uri="{BB962C8B-B14F-4D97-AF65-F5344CB8AC3E}">
-        <p14:creationId xmlns:p14="http://schemas.microsoft.com/office/powerpoint/2010/main" val="1384711522"/>
+        <p14:creationId xmlns:p14="http://schemas.microsoft.com/office/powerpoint/2010/main" val="994298516"/>
       </p:ext>
     </p:extLst>
   </p:cSld>
@@ -408,7 +413,7 @@
           <a:p>
             <a:fld id="{9D3AC320-B950-4C88-844B-3041557FCF54}" type="datetimeFigureOut">
               <a:rPr lang="en-US" smtClean="0"/>
-              <a:t>5/1/2018</a:t>
+              <a:t>5/3/2018</a:t>
             </a:fld>
             <a:endParaRPr lang="en-US"/>
           </a:p>
@@ -459,7 +464,7 @@
     </p:spTree>
     <p:extLst>
       <p:ext uri="{BB962C8B-B14F-4D97-AF65-F5344CB8AC3E}">
-        <p14:creationId xmlns:p14="http://schemas.microsoft.com/office/powerpoint/2010/main" val="3830727774"/>
+        <p14:creationId xmlns:p14="http://schemas.microsoft.com/office/powerpoint/2010/main" val="434076925"/>
       </p:ext>
     </p:extLst>
   </p:cSld>
@@ -498,8 +503,8 @@
         </p:nvSpPr>
         <p:spPr>
           <a:xfrm>
-            <a:off x="11778616" y="584200"/>
-            <a:ext cx="3549015" cy="9298941"/>
+            <a:off x="9815513" y="973667"/>
+            <a:ext cx="2957513" cy="15498235"/>
           </a:xfrm>
         </p:spPr>
         <p:txBody>
@@ -526,8 +531,8 @@
         </p:nvSpPr>
         <p:spPr>
           <a:xfrm>
-            <a:off x="1131571" y="584200"/>
-            <a:ext cx="10441305" cy="9298941"/>
+            <a:off x="942976" y="973667"/>
+            <a:ext cx="8701088" cy="15498235"/>
           </a:xfrm>
         </p:spPr>
         <p:txBody>
@@ -588,7 +593,7 @@
           <a:p>
             <a:fld id="{9D3AC320-B950-4C88-844B-3041557FCF54}" type="datetimeFigureOut">
               <a:rPr lang="en-US" smtClean="0"/>
-              <a:t>5/1/2018</a:t>
+              <a:t>5/3/2018</a:t>
             </a:fld>
             <a:endParaRPr lang="en-US"/>
           </a:p>
@@ -639,7 +644,7 @@
     </p:spTree>
     <p:extLst>
       <p:ext uri="{BB962C8B-B14F-4D97-AF65-F5344CB8AC3E}">
-        <p14:creationId xmlns:p14="http://schemas.microsoft.com/office/powerpoint/2010/main" val="732004473"/>
+        <p14:creationId xmlns:p14="http://schemas.microsoft.com/office/powerpoint/2010/main" val="3585017885"/>
       </p:ext>
     </p:extLst>
   </p:cSld>
@@ -758,7 +763,7 @@
           <a:p>
             <a:fld id="{9D3AC320-B950-4C88-844B-3041557FCF54}" type="datetimeFigureOut">
               <a:rPr lang="en-US" smtClean="0"/>
-              <a:t>5/1/2018</a:t>
+              <a:t>5/3/2018</a:t>
             </a:fld>
             <a:endParaRPr lang="en-US"/>
           </a:p>
@@ -809,7 +814,7 @@
     </p:spTree>
     <p:extLst>
       <p:ext uri="{BB962C8B-B14F-4D97-AF65-F5344CB8AC3E}">
-        <p14:creationId xmlns:p14="http://schemas.microsoft.com/office/powerpoint/2010/main" val="620344101"/>
+        <p14:creationId xmlns:p14="http://schemas.microsoft.com/office/powerpoint/2010/main" val="2897177280"/>
       </p:ext>
     </p:extLst>
   </p:cSld>
@@ -848,15 +853,15 @@
         </p:nvSpPr>
         <p:spPr>
           <a:xfrm>
-            <a:off x="1122998" y="2735583"/>
-            <a:ext cx="14196060" cy="4564379"/>
+            <a:off x="935832" y="4559305"/>
+            <a:ext cx="11830050" cy="7607299"/>
           </a:xfrm>
         </p:spPr>
         <p:txBody>
           <a:bodyPr anchor="b"/>
           <a:lstStyle>
             <a:lvl1pPr>
-              <a:defRPr sz="9600"/>
+              <a:defRPr sz="9000"/>
             </a:lvl1pPr>
           </a:lstStyle>
           <a:p>
@@ -880,8 +885,8 @@
         </p:nvSpPr>
         <p:spPr>
           <a:xfrm>
-            <a:off x="1122998" y="7343143"/>
-            <a:ext cx="14196060" cy="2400299"/>
+            <a:off x="935832" y="12238572"/>
+            <a:ext cx="11830050" cy="4000499"/>
           </a:xfrm>
         </p:spPr>
         <p:txBody>
@@ -889,15 +894,15 @@
           <a:lstStyle>
             <a:lvl1pPr marL="0" indent="0">
               <a:buNone/>
-              <a:defRPr sz="3840">
+              <a:defRPr sz="3600">
                 <a:solidFill>
                   <a:schemeClr val="tx1"/>
                 </a:solidFill>
               </a:defRPr>
             </a:lvl1pPr>
-            <a:lvl2pPr marL="731520" indent="0">
-              <a:buNone/>
-              <a:defRPr sz="3200">
+            <a:lvl2pPr marL="685800" indent="0">
+              <a:buNone/>
+              <a:defRPr sz="3000">
                 <a:solidFill>
                   <a:schemeClr val="tx1">
                     <a:tint val="75000"/>
@@ -905,9 +910,9 @@
                 </a:solidFill>
               </a:defRPr>
             </a:lvl2pPr>
-            <a:lvl3pPr marL="1463040" indent="0">
-              <a:buNone/>
-              <a:defRPr sz="2880">
+            <a:lvl3pPr marL="1371600" indent="0">
+              <a:buNone/>
+              <a:defRPr sz="2700">
                 <a:solidFill>
                   <a:schemeClr val="tx1">
                     <a:tint val="75000"/>
@@ -915,9 +920,9 @@
                 </a:solidFill>
               </a:defRPr>
             </a:lvl3pPr>
-            <a:lvl4pPr marL="2194560" indent="0">
-              <a:buNone/>
-              <a:defRPr sz="2560">
+            <a:lvl4pPr marL="2057400" indent="0">
+              <a:buNone/>
+              <a:defRPr sz="2400">
                 <a:solidFill>
                   <a:schemeClr val="tx1">
                     <a:tint val="75000"/>
@@ -925,9 +930,9 @@
                 </a:solidFill>
               </a:defRPr>
             </a:lvl4pPr>
-            <a:lvl5pPr marL="2926080" indent="0">
-              <a:buNone/>
-              <a:defRPr sz="2560">
+            <a:lvl5pPr marL="2743200" indent="0">
+              <a:buNone/>
+              <a:defRPr sz="2400">
                 <a:solidFill>
                   <a:schemeClr val="tx1">
                     <a:tint val="75000"/>
@@ -935,9 +940,9 @@
                 </a:solidFill>
               </a:defRPr>
             </a:lvl5pPr>
-            <a:lvl6pPr marL="3657600" indent="0">
-              <a:buNone/>
-              <a:defRPr sz="2560">
+            <a:lvl6pPr marL="3429000" indent="0">
+              <a:buNone/>
+              <a:defRPr sz="2400">
                 <a:solidFill>
                   <a:schemeClr val="tx1">
                     <a:tint val="75000"/>
@@ -945,9 +950,9 @@
                 </a:solidFill>
               </a:defRPr>
             </a:lvl6pPr>
-            <a:lvl7pPr marL="4389120" indent="0">
-              <a:buNone/>
-              <a:defRPr sz="2560">
+            <a:lvl7pPr marL="4114800" indent="0">
+              <a:buNone/>
+              <a:defRPr sz="2400">
                 <a:solidFill>
                   <a:schemeClr val="tx1">
                     <a:tint val="75000"/>
@@ -955,9 +960,9 @@
                 </a:solidFill>
               </a:defRPr>
             </a:lvl7pPr>
-            <a:lvl8pPr marL="5120640" indent="0">
-              <a:buNone/>
-              <a:defRPr sz="2560">
+            <a:lvl8pPr marL="4800600" indent="0">
+              <a:buNone/>
+              <a:defRPr sz="2400">
                 <a:solidFill>
                   <a:schemeClr val="tx1">
                     <a:tint val="75000"/>
@@ -965,9 +970,9 @@
                 </a:solidFill>
               </a:defRPr>
             </a:lvl8pPr>
-            <a:lvl9pPr marL="5852160" indent="0">
-              <a:buNone/>
-              <a:defRPr sz="2560">
+            <a:lvl9pPr marL="5486400" indent="0">
+              <a:buNone/>
+              <a:defRPr sz="2400">
                 <a:solidFill>
                   <a:schemeClr val="tx1">
                     <a:tint val="75000"/>
@@ -1002,7 +1007,7 @@
           <a:p>
             <a:fld id="{9D3AC320-B950-4C88-844B-3041557FCF54}" type="datetimeFigureOut">
               <a:rPr lang="en-US" smtClean="0"/>
-              <a:t>5/1/2018</a:t>
+              <a:t>5/3/2018</a:t>
             </a:fld>
             <a:endParaRPr lang="en-US"/>
           </a:p>
@@ -1053,7 +1058,7 @@
     </p:spTree>
     <p:extLst>
       <p:ext uri="{BB962C8B-B14F-4D97-AF65-F5344CB8AC3E}">
-        <p14:creationId xmlns:p14="http://schemas.microsoft.com/office/powerpoint/2010/main" val="2087491895"/>
+        <p14:creationId xmlns:p14="http://schemas.microsoft.com/office/powerpoint/2010/main" val="1008663702"/>
       </p:ext>
     </p:extLst>
   </p:cSld>
@@ -1115,8 +1120,8 @@
         </p:nvSpPr>
         <p:spPr>
           <a:xfrm>
-            <a:off x="1131570" y="2921000"/>
-            <a:ext cx="6995160" cy="6962141"/>
+            <a:off x="942975" y="4868333"/>
+            <a:ext cx="5829300" cy="11603568"/>
           </a:xfrm>
         </p:spPr>
         <p:txBody>
@@ -1172,8 +1177,8 @@
         </p:nvSpPr>
         <p:spPr>
           <a:xfrm>
-            <a:off x="8332470" y="2921000"/>
-            <a:ext cx="6995160" cy="6962141"/>
+            <a:off x="6943725" y="4868333"/>
+            <a:ext cx="5829300" cy="11603568"/>
           </a:xfrm>
         </p:spPr>
         <p:txBody>
@@ -1234,7 +1239,7 @@
           <a:p>
             <a:fld id="{9D3AC320-B950-4C88-844B-3041557FCF54}" type="datetimeFigureOut">
               <a:rPr lang="en-US" smtClean="0"/>
-              <a:t>5/1/2018</a:t>
+              <a:t>5/3/2018</a:t>
             </a:fld>
             <a:endParaRPr lang="en-US"/>
           </a:p>
@@ -1285,7 +1290,7 @@
     </p:spTree>
     <p:extLst>
       <p:ext uri="{BB962C8B-B14F-4D97-AF65-F5344CB8AC3E}">
-        <p14:creationId xmlns:p14="http://schemas.microsoft.com/office/powerpoint/2010/main" val="2917446229"/>
+        <p14:creationId xmlns:p14="http://schemas.microsoft.com/office/powerpoint/2010/main" val="2421545433"/>
       </p:ext>
     </p:extLst>
   </p:cSld>
@@ -1324,8 +1329,8 @@
         </p:nvSpPr>
         <p:spPr>
           <a:xfrm>
-            <a:off x="1133714" y="584202"/>
-            <a:ext cx="14196060" cy="2120901"/>
+            <a:off x="944762" y="973671"/>
+            <a:ext cx="11830050" cy="3534835"/>
           </a:xfrm>
         </p:spPr>
         <p:txBody>
@@ -1352,8 +1357,8 @@
         </p:nvSpPr>
         <p:spPr>
           <a:xfrm>
-            <a:off x="1133716" y="2689861"/>
-            <a:ext cx="6963012" cy="1318259"/>
+            <a:off x="944763" y="4483101"/>
+            <a:ext cx="5802510" cy="2197099"/>
           </a:xfrm>
         </p:spPr>
         <p:txBody>
@@ -1361,39 +1366,39 @@
           <a:lstStyle>
             <a:lvl1pPr marL="0" indent="0">
               <a:buNone/>
-              <a:defRPr sz="3840" b="1"/>
+              <a:defRPr sz="3600" b="1"/>
             </a:lvl1pPr>
-            <a:lvl2pPr marL="731520" indent="0">
-              <a:buNone/>
-              <a:defRPr sz="3200" b="1"/>
+            <a:lvl2pPr marL="685800" indent="0">
+              <a:buNone/>
+              <a:defRPr sz="3000" b="1"/>
             </a:lvl2pPr>
-            <a:lvl3pPr marL="1463040" indent="0">
-              <a:buNone/>
-              <a:defRPr sz="2880" b="1"/>
+            <a:lvl3pPr marL="1371600" indent="0">
+              <a:buNone/>
+              <a:defRPr sz="2700" b="1"/>
             </a:lvl3pPr>
-            <a:lvl4pPr marL="2194560" indent="0">
-              <a:buNone/>
-              <a:defRPr sz="2560" b="1"/>
+            <a:lvl4pPr marL="2057400" indent="0">
+              <a:buNone/>
+              <a:defRPr sz="2400" b="1"/>
             </a:lvl4pPr>
-            <a:lvl5pPr marL="2926080" indent="0">
-              <a:buNone/>
-              <a:defRPr sz="2560" b="1"/>
+            <a:lvl5pPr marL="2743200" indent="0">
+              <a:buNone/>
+              <a:defRPr sz="2400" b="1"/>
             </a:lvl5pPr>
-            <a:lvl6pPr marL="3657600" indent="0">
-              <a:buNone/>
-              <a:defRPr sz="2560" b="1"/>
+            <a:lvl6pPr marL="3429000" indent="0">
+              <a:buNone/>
+              <a:defRPr sz="2400" b="1"/>
             </a:lvl6pPr>
-            <a:lvl7pPr marL="4389120" indent="0">
-              <a:buNone/>
-              <a:defRPr sz="2560" b="1"/>
+            <a:lvl7pPr marL="4114800" indent="0">
+              <a:buNone/>
+              <a:defRPr sz="2400" b="1"/>
             </a:lvl7pPr>
-            <a:lvl8pPr marL="5120640" indent="0">
-              <a:buNone/>
-              <a:defRPr sz="2560" b="1"/>
+            <a:lvl8pPr marL="4800600" indent="0">
+              <a:buNone/>
+              <a:defRPr sz="2400" b="1"/>
             </a:lvl8pPr>
-            <a:lvl9pPr marL="5852160" indent="0">
-              <a:buNone/>
-              <a:defRPr sz="2560" b="1"/>
+            <a:lvl9pPr marL="5486400" indent="0">
+              <a:buNone/>
+              <a:defRPr sz="2400" b="1"/>
             </a:lvl9pPr>
           </a:lstStyle>
           <a:p>
@@ -1417,8 +1422,8 @@
         </p:nvSpPr>
         <p:spPr>
           <a:xfrm>
-            <a:off x="1133716" y="4008120"/>
-            <a:ext cx="6963012" cy="5895341"/>
+            <a:off x="944763" y="6680200"/>
+            <a:ext cx="5802510" cy="9825568"/>
           </a:xfrm>
         </p:spPr>
         <p:txBody>
@@ -1474,8 +1479,8 @@
         </p:nvSpPr>
         <p:spPr>
           <a:xfrm>
-            <a:off x="8332471" y="2689861"/>
-            <a:ext cx="6997304" cy="1318259"/>
+            <a:off x="6943726" y="4483101"/>
+            <a:ext cx="5831087" cy="2197099"/>
           </a:xfrm>
         </p:spPr>
         <p:txBody>
@@ -1483,39 +1488,39 @@
           <a:lstStyle>
             <a:lvl1pPr marL="0" indent="0">
               <a:buNone/>
-              <a:defRPr sz="3840" b="1"/>
+              <a:defRPr sz="3600" b="1"/>
             </a:lvl1pPr>
-            <a:lvl2pPr marL="731520" indent="0">
-              <a:buNone/>
-              <a:defRPr sz="3200" b="1"/>
+            <a:lvl2pPr marL="685800" indent="0">
+              <a:buNone/>
+              <a:defRPr sz="3000" b="1"/>
             </a:lvl2pPr>
-            <a:lvl3pPr marL="1463040" indent="0">
-              <a:buNone/>
-              <a:defRPr sz="2880" b="1"/>
+            <a:lvl3pPr marL="1371600" indent="0">
+              <a:buNone/>
+              <a:defRPr sz="2700" b="1"/>
             </a:lvl3pPr>
-            <a:lvl4pPr marL="2194560" indent="0">
-              <a:buNone/>
-              <a:defRPr sz="2560" b="1"/>
+            <a:lvl4pPr marL="2057400" indent="0">
+              <a:buNone/>
+              <a:defRPr sz="2400" b="1"/>
             </a:lvl4pPr>
-            <a:lvl5pPr marL="2926080" indent="0">
-              <a:buNone/>
-              <a:defRPr sz="2560" b="1"/>
+            <a:lvl5pPr marL="2743200" indent="0">
+              <a:buNone/>
+              <a:defRPr sz="2400" b="1"/>
             </a:lvl5pPr>
-            <a:lvl6pPr marL="3657600" indent="0">
-              <a:buNone/>
-              <a:defRPr sz="2560" b="1"/>
+            <a:lvl6pPr marL="3429000" indent="0">
+              <a:buNone/>
+              <a:defRPr sz="2400" b="1"/>
             </a:lvl6pPr>
-            <a:lvl7pPr marL="4389120" indent="0">
-              <a:buNone/>
-              <a:defRPr sz="2560" b="1"/>
+            <a:lvl7pPr marL="4114800" indent="0">
+              <a:buNone/>
+              <a:defRPr sz="2400" b="1"/>
             </a:lvl7pPr>
-            <a:lvl8pPr marL="5120640" indent="0">
-              <a:buNone/>
-              <a:defRPr sz="2560" b="1"/>
+            <a:lvl8pPr marL="4800600" indent="0">
+              <a:buNone/>
+              <a:defRPr sz="2400" b="1"/>
             </a:lvl8pPr>
-            <a:lvl9pPr marL="5852160" indent="0">
-              <a:buNone/>
-              <a:defRPr sz="2560" b="1"/>
+            <a:lvl9pPr marL="5486400" indent="0">
+              <a:buNone/>
+              <a:defRPr sz="2400" b="1"/>
             </a:lvl9pPr>
           </a:lstStyle>
           <a:p>
@@ -1539,8 +1544,8 @@
         </p:nvSpPr>
         <p:spPr>
           <a:xfrm>
-            <a:off x="8332471" y="4008120"/>
-            <a:ext cx="6997304" cy="5895341"/>
+            <a:off x="6943726" y="6680200"/>
+            <a:ext cx="5831087" cy="9825568"/>
           </a:xfrm>
         </p:spPr>
         <p:txBody>
@@ -1601,7 +1606,7 @@
           <a:p>
             <a:fld id="{9D3AC320-B950-4C88-844B-3041557FCF54}" type="datetimeFigureOut">
               <a:rPr lang="en-US" smtClean="0"/>
-              <a:t>5/1/2018</a:t>
+              <a:t>5/3/2018</a:t>
             </a:fld>
             <a:endParaRPr lang="en-US"/>
           </a:p>
@@ -1652,7 +1657,7 @@
     </p:spTree>
     <p:extLst>
       <p:ext uri="{BB962C8B-B14F-4D97-AF65-F5344CB8AC3E}">
-        <p14:creationId xmlns:p14="http://schemas.microsoft.com/office/powerpoint/2010/main" val="1992850758"/>
+        <p14:creationId xmlns:p14="http://schemas.microsoft.com/office/powerpoint/2010/main" val="3821262671"/>
       </p:ext>
     </p:extLst>
   </p:cSld>
@@ -1719,7 +1724,7 @@
           <a:p>
             <a:fld id="{9D3AC320-B950-4C88-844B-3041557FCF54}" type="datetimeFigureOut">
               <a:rPr lang="en-US" smtClean="0"/>
-              <a:t>5/1/2018</a:t>
+              <a:t>5/3/2018</a:t>
             </a:fld>
             <a:endParaRPr lang="en-US"/>
           </a:p>
@@ -1770,7 +1775,7 @@
     </p:spTree>
     <p:extLst>
       <p:ext uri="{BB962C8B-B14F-4D97-AF65-F5344CB8AC3E}">
-        <p14:creationId xmlns:p14="http://schemas.microsoft.com/office/powerpoint/2010/main" val="368399480"/>
+        <p14:creationId xmlns:p14="http://schemas.microsoft.com/office/powerpoint/2010/main" val="3008878182"/>
       </p:ext>
     </p:extLst>
   </p:cSld>
@@ -1814,7 +1819,7 @@
           <a:p>
             <a:fld id="{9D3AC320-B950-4C88-844B-3041557FCF54}" type="datetimeFigureOut">
               <a:rPr lang="en-US" smtClean="0"/>
-              <a:t>5/1/2018</a:t>
+              <a:t>5/3/2018</a:t>
             </a:fld>
             <a:endParaRPr lang="en-US"/>
           </a:p>
@@ -1865,7 +1870,7 @@
     </p:spTree>
     <p:extLst>
       <p:ext uri="{BB962C8B-B14F-4D97-AF65-F5344CB8AC3E}">
-        <p14:creationId xmlns:p14="http://schemas.microsoft.com/office/powerpoint/2010/main" val="492712907"/>
+        <p14:creationId xmlns:p14="http://schemas.microsoft.com/office/powerpoint/2010/main" val="3892281363"/>
       </p:ext>
     </p:extLst>
   </p:cSld>
@@ -1904,15 +1909,15 @@
         </p:nvSpPr>
         <p:spPr>
           <a:xfrm>
-            <a:off x="1133714" y="731520"/>
-            <a:ext cx="5308520" cy="2560320"/>
+            <a:off x="944762" y="1219200"/>
+            <a:ext cx="4423767" cy="4267200"/>
           </a:xfrm>
         </p:spPr>
         <p:txBody>
           <a:bodyPr anchor="b"/>
           <a:lstStyle>
             <a:lvl1pPr>
-              <a:defRPr sz="5120"/>
+              <a:defRPr sz="4800"/>
             </a:lvl1pPr>
           </a:lstStyle>
           <a:p>
@@ -1936,39 +1941,39 @@
         </p:nvSpPr>
         <p:spPr>
           <a:xfrm>
-            <a:off x="6997304" y="1579882"/>
-            <a:ext cx="8332470" cy="7797800"/>
+            <a:off x="5831087" y="2633138"/>
+            <a:ext cx="6943725" cy="12996333"/>
           </a:xfrm>
         </p:spPr>
         <p:txBody>
           <a:bodyPr/>
           <a:lstStyle>
             <a:lvl1pPr>
-              <a:defRPr sz="5120"/>
+              <a:defRPr sz="4800"/>
             </a:lvl1pPr>
             <a:lvl2pPr>
-              <a:defRPr sz="4480"/>
+              <a:defRPr sz="4200"/>
             </a:lvl2pPr>
             <a:lvl3pPr>
-              <a:defRPr sz="3840"/>
+              <a:defRPr sz="3600"/>
             </a:lvl3pPr>
             <a:lvl4pPr>
-              <a:defRPr sz="3200"/>
+              <a:defRPr sz="3000"/>
             </a:lvl4pPr>
             <a:lvl5pPr>
-              <a:defRPr sz="3200"/>
+              <a:defRPr sz="3000"/>
             </a:lvl5pPr>
             <a:lvl6pPr>
-              <a:defRPr sz="3200"/>
+              <a:defRPr sz="3000"/>
             </a:lvl6pPr>
             <a:lvl7pPr>
-              <a:defRPr sz="3200"/>
+              <a:defRPr sz="3000"/>
             </a:lvl7pPr>
             <a:lvl8pPr>
-              <a:defRPr sz="3200"/>
+              <a:defRPr sz="3000"/>
             </a:lvl8pPr>
             <a:lvl9pPr>
-              <a:defRPr sz="3200"/>
+              <a:defRPr sz="3000"/>
             </a:lvl9pPr>
           </a:lstStyle>
           <a:p>
@@ -2021,8 +2026,8 @@
         </p:nvSpPr>
         <p:spPr>
           <a:xfrm>
-            <a:off x="1133714" y="3291840"/>
-            <a:ext cx="5308520" cy="6098541"/>
+            <a:off x="944762" y="5486400"/>
+            <a:ext cx="4423767" cy="10164235"/>
           </a:xfrm>
         </p:spPr>
         <p:txBody>
@@ -2030,39 +2035,39 @@
           <a:lstStyle>
             <a:lvl1pPr marL="0" indent="0">
               <a:buNone/>
-              <a:defRPr sz="2560"/>
+              <a:defRPr sz="2400"/>
             </a:lvl1pPr>
-            <a:lvl2pPr marL="731520" indent="0">
-              <a:buNone/>
-              <a:defRPr sz="2240"/>
+            <a:lvl2pPr marL="685800" indent="0">
+              <a:buNone/>
+              <a:defRPr sz="2100"/>
             </a:lvl2pPr>
-            <a:lvl3pPr marL="1463040" indent="0">
-              <a:buNone/>
-              <a:defRPr sz="1920"/>
+            <a:lvl3pPr marL="1371600" indent="0">
+              <a:buNone/>
+              <a:defRPr sz="1800"/>
             </a:lvl3pPr>
-            <a:lvl4pPr marL="2194560" indent="0">
-              <a:buNone/>
-              <a:defRPr sz="1600"/>
+            <a:lvl4pPr marL="2057400" indent="0">
+              <a:buNone/>
+              <a:defRPr sz="1500"/>
             </a:lvl4pPr>
-            <a:lvl5pPr marL="2926080" indent="0">
-              <a:buNone/>
-              <a:defRPr sz="1600"/>
+            <a:lvl5pPr marL="2743200" indent="0">
+              <a:buNone/>
+              <a:defRPr sz="1500"/>
             </a:lvl5pPr>
-            <a:lvl6pPr marL="3657600" indent="0">
-              <a:buNone/>
-              <a:defRPr sz="1600"/>
+            <a:lvl6pPr marL="3429000" indent="0">
+              <a:buNone/>
+              <a:defRPr sz="1500"/>
             </a:lvl6pPr>
-            <a:lvl7pPr marL="4389120" indent="0">
-              <a:buNone/>
-              <a:defRPr sz="1600"/>
+            <a:lvl7pPr marL="4114800" indent="0">
+              <a:buNone/>
+              <a:defRPr sz="1500"/>
             </a:lvl7pPr>
-            <a:lvl8pPr marL="5120640" indent="0">
-              <a:buNone/>
-              <a:defRPr sz="1600"/>
+            <a:lvl8pPr marL="4800600" indent="0">
+              <a:buNone/>
+              <a:defRPr sz="1500"/>
             </a:lvl8pPr>
-            <a:lvl9pPr marL="5852160" indent="0">
-              <a:buNone/>
-              <a:defRPr sz="1600"/>
+            <a:lvl9pPr marL="5486400" indent="0">
+              <a:buNone/>
+              <a:defRPr sz="1500"/>
             </a:lvl9pPr>
           </a:lstStyle>
           <a:p>
@@ -2091,7 +2096,7 @@
           <a:p>
             <a:fld id="{9D3AC320-B950-4C88-844B-3041557FCF54}" type="datetimeFigureOut">
               <a:rPr lang="en-US" smtClean="0"/>
-              <a:t>5/1/2018</a:t>
+              <a:t>5/3/2018</a:t>
             </a:fld>
             <a:endParaRPr lang="en-US"/>
           </a:p>
@@ -2142,7 +2147,7 @@
     </p:spTree>
     <p:extLst>
       <p:ext uri="{BB962C8B-B14F-4D97-AF65-F5344CB8AC3E}">
-        <p14:creationId xmlns:p14="http://schemas.microsoft.com/office/powerpoint/2010/main" val="121280439"/>
+        <p14:creationId xmlns:p14="http://schemas.microsoft.com/office/powerpoint/2010/main" val="3259954903"/>
       </p:ext>
     </p:extLst>
   </p:cSld>
@@ -2181,15 +2186,15 @@
         </p:nvSpPr>
         <p:spPr>
           <a:xfrm>
-            <a:off x="1133714" y="731520"/>
-            <a:ext cx="5308520" cy="2560320"/>
+            <a:off x="944762" y="1219200"/>
+            <a:ext cx="4423767" cy="4267200"/>
           </a:xfrm>
         </p:spPr>
         <p:txBody>
           <a:bodyPr anchor="b"/>
           <a:lstStyle>
             <a:lvl1pPr>
-              <a:defRPr sz="5120"/>
+              <a:defRPr sz="4800"/>
             </a:lvl1pPr>
           </a:lstStyle>
           <a:p>
@@ -2213,8 +2218,8 @@
         </p:nvSpPr>
         <p:spPr>
           <a:xfrm>
-            <a:off x="6997304" y="1579882"/>
-            <a:ext cx="8332470" cy="7797800"/>
+            <a:off x="5831087" y="2633138"/>
+            <a:ext cx="6943725" cy="12996333"/>
           </a:xfrm>
         </p:spPr>
         <p:txBody>
@@ -2222,39 +2227,39 @@
           <a:lstStyle>
             <a:lvl1pPr marL="0" indent="0">
               <a:buNone/>
-              <a:defRPr sz="5120"/>
+              <a:defRPr sz="4800"/>
             </a:lvl1pPr>
-            <a:lvl2pPr marL="731520" indent="0">
-              <a:buNone/>
-              <a:defRPr sz="4480"/>
+            <a:lvl2pPr marL="685800" indent="0">
+              <a:buNone/>
+              <a:defRPr sz="4200"/>
             </a:lvl2pPr>
-            <a:lvl3pPr marL="1463040" indent="0">
-              <a:buNone/>
-              <a:defRPr sz="3840"/>
+            <a:lvl3pPr marL="1371600" indent="0">
+              <a:buNone/>
+              <a:defRPr sz="3600"/>
             </a:lvl3pPr>
-            <a:lvl4pPr marL="2194560" indent="0">
-              <a:buNone/>
-              <a:defRPr sz="3200"/>
+            <a:lvl4pPr marL="2057400" indent="0">
+              <a:buNone/>
+              <a:defRPr sz="3000"/>
             </a:lvl4pPr>
-            <a:lvl5pPr marL="2926080" indent="0">
-              <a:buNone/>
-              <a:defRPr sz="3200"/>
+            <a:lvl5pPr marL="2743200" indent="0">
+              <a:buNone/>
+              <a:defRPr sz="3000"/>
             </a:lvl5pPr>
-            <a:lvl6pPr marL="3657600" indent="0">
-              <a:buNone/>
-              <a:defRPr sz="3200"/>
+            <a:lvl6pPr marL="3429000" indent="0">
+              <a:buNone/>
+              <a:defRPr sz="3000"/>
             </a:lvl6pPr>
-            <a:lvl7pPr marL="4389120" indent="0">
-              <a:buNone/>
-              <a:defRPr sz="3200"/>
+            <a:lvl7pPr marL="4114800" indent="0">
+              <a:buNone/>
+              <a:defRPr sz="3000"/>
             </a:lvl7pPr>
-            <a:lvl8pPr marL="5120640" indent="0">
-              <a:buNone/>
-              <a:defRPr sz="3200"/>
+            <a:lvl8pPr marL="4800600" indent="0">
+              <a:buNone/>
+              <a:defRPr sz="3000"/>
             </a:lvl8pPr>
-            <a:lvl9pPr marL="5852160" indent="0">
-              <a:buNone/>
-              <a:defRPr sz="3200"/>
+            <a:lvl9pPr marL="5486400" indent="0">
+              <a:buNone/>
+              <a:defRPr sz="3000"/>
             </a:lvl9pPr>
           </a:lstStyle>
           <a:p>
@@ -2278,8 +2283,8 @@
         </p:nvSpPr>
         <p:spPr>
           <a:xfrm>
-            <a:off x="1133714" y="3291840"/>
-            <a:ext cx="5308520" cy="6098541"/>
+            <a:off x="944762" y="5486400"/>
+            <a:ext cx="4423767" cy="10164235"/>
           </a:xfrm>
         </p:spPr>
         <p:txBody>
@@ -2287,39 +2292,39 @@
           <a:lstStyle>
             <a:lvl1pPr marL="0" indent="0">
               <a:buNone/>
-              <a:defRPr sz="2560"/>
+              <a:defRPr sz="2400"/>
             </a:lvl1pPr>
-            <a:lvl2pPr marL="731520" indent="0">
-              <a:buNone/>
-              <a:defRPr sz="2240"/>
+            <a:lvl2pPr marL="685800" indent="0">
+              <a:buNone/>
+              <a:defRPr sz="2100"/>
             </a:lvl2pPr>
-            <a:lvl3pPr marL="1463040" indent="0">
-              <a:buNone/>
-              <a:defRPr sz="1920"/>
+            <a:lvl3pPr marL="1371600" indent="0">
+              <a:buNone/>
+              <a:defRPr sz="1800"/>
             </a:lvl3pPr>
-            <a:lvl4pPr marL="2194560" indent="0">
-              <a:buNone/>
-              <a:defRPr sz="1600"/>
+            <a:lvl4pPr marL="2057400" indent="0">
+              <a:buNone/>
+              <a:defRPr sz="1500"/>
             </a:lvl4pPr>
-            <a:lvl5pPr marL="2926080" indent="0">
-              <a:buNone/>
-              <a:defRPr sz="1600"/>
+            <a:lvl5pPr marL="2743200" indent="0">
+              <a:buNone/>
+              <a:defRPr sz="1500"/>
             </a:lvl5pPr>
-            <a:lvl6pPr marL="3657600" indent="0">
-              <a:buNone/>
-              <a:defRPr sz="1600"/>
+            <a:lvl6pPr marL="3429000" indent="0">
+              <a:buNone/>
+              <a:defRPr sz="1500"/>
             </a:lvl6pPr>
-            <a:lvl7pPr marL="4389120" indent="0">
-              <a:buNone/>
-              <a:defRPr sz="1600"/>
+            <a:lvl7pPr marL="4114800" indent="0">
+              <a:buNone/>
+              <a:defRPr sz="1500"/>
             </a:lvl7pPr>
-            <a:lvl8pPr marL="5120640" indent="0">
-              <a:buNone/>
-              <a:defRPr sz="1600"/>
+            <a:lvl8pPr marL="4800600" indent="0">
+              <a:buNone/>
+              <a:defRPr sz="1500"/>
             </a:lvl8pPr>
-            <a:lvl9pPr marL="5852160" indent="0">
-              <a:buNone/>
-              <a:defRPr sz="1600"/>
+            <a:lvl9pPr marL="5486400" indent="0">
+              <a:buNone/>
+              <a:defRPr sz="1500"/>
             </a:lvl9pPr>
           </a:lstStyle>
           <a:p>
@@ -2348,7 +2353,7 @@
           <a:p>
             <a:fld id="{9D3AC320-B950-4C88-844B-3041557FCF54}" type="datetimeFigureOut">
               <a:rPr lang="en-US" smtClean="0"/>
-              <a:t>5/1/2018</a:t>
+              <a:t>5/3/2018</a:t>
             </a:fld>
             <a:endParaRPr lang="en-US"/>
           </a:p>
@@ -2399,7 +2404,7 @@
     </p:spTree>
     <p:extLst>
       <p:ext uri="{BB962C8B-B14F-4D97-AF65-F5344CB8AC3E}">
-        <p14:creationId xmlns:p14="http://schemas.microsoft.com/office/powerpoint/2010/main" val="2435712671"/>
+        <p14:creationId xmlns:p14="http://schemas.microsoft.com/office/powerpoint/2010/main" val="397502297"/>
       </p:ext>
     </p:extLst>
   </p:cSld>
@@ -2413,8 +2418,548 @@
 <p:sldMaster xmlns:a="http://schemas.openxmlformats.org/drawingml/2006/main" xmlns:r="http://schemas.openxmlformats.org/officeDocument/2006/relationships" xmlns:p="http://schemas.openxmlformats.org/presentationml/2006/main">
   <p:cSld>
     <p:bg>
+      <p:bgRef idx="1001">
+        <a:schemeClr val="bg1"/>
+      </p:bgRef>
+    </p:bg>
+    <p:spTree>
+      <p:nvGrpSpPr>
+        <p:cNvPr id="1" name=""/>
+        <p:cNvGrpSpPr/>
+        <p:nvPr/>
+      </p:nvGrpSpPr>
+      <p:grpSpPr>
+        <a:xfrm>
+          <a:off x="0" y="0"/>
+          <a:ext cx="0" cy="0"/>
+          <a:chOff x="0" y="0"/>
+          <a:chExt cx="0" cy="0"/>
+        </a:xfrm>
+      </p:grpSpPr>
+      <p:sp>
+        <p:nvSpPr>
+          <p:cNvPr id="2" name="Title Placeholder 1"/>
+          <p:cNvSpPr>
+            <a:spLocks noGrp="1"/>
+          </p:cNvSpPr>
+          <p:nvPr>
+            <p:ph type="title"/>
+          </p:nvPr>
+        </p:nvSpPr>
+        <p:spPr>
+          <a:xfrm>
+            <a:off x="942975" y="973671"/>
+            <a:ext cx="11830050" cy="3534835"/>
+          </a:xfrm>
+          <a:prstGeom prst="rect">
+            <a:avLst/>
+          </a:prstGeom>
+        </p:spPr>
+        <p:txBody>
+          <a:bodyPr vert="horz" lIns="91440" tIns="45720" rIns="91440" bIns="45720" rtlCol="0" anchor="ctr">
+            <a:normAutofit/>
+          </a:bodyPr>
+          <a:lstStyle/>
+          <a:p>
+            <a:r>
+              <a:rPr lang="en-US"/>
+              <a:t>Click to edit Master title style</a:t>
+            </a:r>
+            <a:endParaRPr lang="en-US" dirty="0"/>
+          </a:p>
+        </p:txBody>
+      </p:sp>
+      <p:sp>
+        <p:nvSpPr>
+          <p:cNvPr id="3" name="Text Placeholder 2"/>
+          <p:cNvSpPr>
+            <a:spLocks noGrp="1"/>
+          </p:cNvSpPr>
+          <p:nvPr>
+            <p:ph type="body" idx="1"/>
+          </p:nvPr>
+        </p:nvSpPr>
+        <p:spPr>
+          <a:xfrm>
+            <a:off x="942975" y="4868333"/>
+            <a:ext cx="11830050" cy="11603568"/>
+          </a:xfrm>
+          <a:prstGeom prst="rect">
+            <a:avLst/>
+          </a:prstGeom>
+        </p:spPr>
+        <p:txBody>
+          <a:bodyPr vert="horz" lIns="91440" tIns="45720" rIns="91440" bIns="45720" rtlCol="0">
+            <a:normAutofit/>
+          </a:bodyPr>
+          <a:lstStyle/>
+          <a:p>
+            <a:pPr lvl="0"/>
+            <a:r>
+              <a:rPr lang="en-US"/>
+              <a:t>Edit Master text styles</a:t>
+            </a:r>
+          </a:p>
+          <a:p>
+            <a:pPr lvl="1"/>
+            <a:r>
+              <a:rPr lang="en-US"/>
+              <a:t>Second level</a:t>
+            </a:r>
+          </a:p>
+          <a:p>
+            <a:pPr lvl="2"/>
+            <a:r>
+              <a:rPr lang="en-US"/>
+              <a:t>Third level</a:t>
+            </a:r>
+          </a:p>
+          <a:p>
+            <a:pPr lvl="3"/>
+            <a:r>
+              <a:rPr lang="en-US"/>
+              <a:t>Fourth level</a:t>
+            </a:r>
+          </a:p>
+          <a:p>
+            <a:pPr lvl="4"/>
+            <a:r>
+              <a:rPr lang="en-US"/>
+              <a:t>Fifth level</a:t>
+            </a:r>
+            <a:endParaRPr lang="en-US" dirty="0"/>
+          </a:p>
+        </p:txBody>
+      </p:sp>
+      <p:sp>
+        <p:nvSpPr>
+          <p:cNvPr id="4" name="Date Placeholder 3"/>
+          <p:cNvSpPr>
+            <a:spLocks noGrp="1"/>
+          </p:cNvSpPr>
+          <p:nvPr>
+            <p:ph type="dt" sz="half" idx="2"/>
+          </p:nvPr>
+        </p:nvSpPr>
+        <p:spPr>
+          <a:xfrm>
+            <a:off x="942975" y="16950271"/>
+            <a:ext cx="3086100" cy="973667"/>
+          </a:xfrm>
+          <a:prstGeom prst="rect">
+            <a:avLst/>
+          </a:prstGeom>
+        </p:spPr>
+        <p:txBody>
+          <a:bodyPr vert="horz" lIns="91440" tIns="45720" rIns="91440" bIns="45720" rtlCol="0" anchor="ctr"/>
+          <a:lstStyle>
+            <a:lvl1pPr algn="l">
+              <a:defRPr sz="1800">
+                <a:solidFill>
+                  <a:schemeClr val="tx1">
+                    <a:tint val="75000"/>
+                  </a:schemeClr>
+                </a:solidFill>
+              </a:defRPr>
+            </a:lvl1pPr>
+          </a:lstStyle>
+          <a:p>
+            <a:fld id="{9D3AC320-B950-4C88-844B-3041557FCF54}" type="datetimeFigureOut">
+              <a:rPr lang="en-US" smtClean="0"/>
+              <a:t>5/3/2018</a:t>
+            </a:fld>
+            <a:endParaRPr lang="en-US"/>
+          </a:p>
+        </p:txBody>
+      </p:sp>
+      <p:sp>
+        <p:nvSpPr>
+          <p:cNvPr id="5" name="Footer Placeholder 4"/>
+          <p:cNvSpPr>
+            <a:spLocks noGrp="1"/>
+          </p:cNvSpPr>
+          <p:nvPr>
+            <p:ph type="ftr" sz="quarter" idx="3"/>
+          </p:nvPr>
+        </p:nvSpPr>
+        <p:spPr>
+          <a:xfrm>
+            <a:off x="4543425" y="16950271"/>
+            <a:ext cx="4629150" cy="973667"/>
+          </a:xfrm>
+          <a:prstGeom prst="rect">
+            <a:avLst/>
+          </a:prstGeom>
+        </p:spPr>
+        <p:txBody>
+          <a:bodyPr vert="horz" lIns="91440" tIns="45720" rIns="91440" bIns="45720" rtlCol="0" anchor="ctr"/>
+          <a:lstStyle>
+            <a:lvl1pPr algn="ctr">
+              <a:defRPr sz="1800">
+                <a:solidFill>
+                  <a:schemeClr val="tx1">
+                    <a:tint val="75000"/>
+                  </a:schemeClr>
+                </a:solidFill>
+              </a:defRPr>
+            </a:lvl1pPr>
+          </a:lstStyle>
+          <a:p>
+            <a:endParaRPr lang="en-US"/>
+          </a:p>
+        </p:txBody>
+      </p:sp>
+      <p:sp>
+        <p:nvSpPr>
+          <p:cNvPr id="6" name="Slide Number Placeholder 5"/>
+          <p:cNvSpPr>
+            <a:spLocks noGrp="1"/>
+          </p:cNvSpPr>
+          <p:nvPr>
+            <p:ph type="sldNum" sz="quarter" idx="4"/>
+          </p:nvPr>
+        </p:nvSpPr>
+        <p:spPr>
+          <a:xfrm>
+            <a:off x="9686925" y="16950271"/>
+            <a:ext cx="3086100" cy="973667"/>
+          </a:xfrm>
+          <a:prstGeom prst="rect">
+            <a:avLst/>
+          </a:prstGeom>
+        </p:spPr>
+        <p:txBody>
+          <a:bodyPr vert="horz" lIns="91440" tIns="45720" rIns="91440" bIns="45720" rtlCol="0" anchor="ctr"/>
+          <a:lstStyle>
+            <a:lvl1pPr algn="r">
+              <a:defRPr sz="1800">
+                <a:solidFill>
+                  <a:schemeClr val="tx1">
+                    <a:tint val="75000"/>
+                  </a:schemeClr>
+                </a:solidFill>
+              </a:defRPr>
+            </a:lvl1pPr>
+          </a:lstStyle>
+          <a:p>
+            <a:fld id="{26ACB400-72BC-4293-8342-4C4E998390CD}" type="slidenum">
+              <a:rPr lang="en-US" smtClean="0"/>
+              <a:t>‹#›</a:t>
+            </a:fld>
+            <a:endParaRPr lang="en-US"/>
+          </a:p>
+        </p:txBody>
+      </p:sp>
+    </p:spTree>
+    <p:extLst>
+      <p:ext uri="{BB962C8B-B14F-4D97-AF65-F5344CB8AC3E}">
+        <p14:creationId xmlns:p14="http://schemas.microsoft.com/office/powerpoint/2010/main" val="1449010688"/>
+      </p:ext>
+    </p:extLst>
+  </p:cSld>
+  <p:clrMap bg1="lt1" tx1="dk1" bg2="lt2" tx2="dk2" accent1="accent1" accent2="accent2" accent3="accent3" accent4="accent4" accent5="accent5" accent6="accent6" hlink="hlink" folHlink="folHlink"/>
+  <p:sldLayoutIdLst>
+    <p:sldLayoutId id="2147483697" r:id="rId1"/>
+    <p:sldLayoutId id="2147483698" r:id="rId2"/>
+    <p:sldLayoutId id="2147483699" r:id="rId3"/>
+    <p:sldLayoutId id="2147483700" r:id="rId4"/>
+    <p:sldLayoutId id="2147483701" r:id="rId5"/>
+    <p:sldLayoutId id="2147483702" r:id="rId6"/>
+    <p:sldLayoutId id="2147483703" r:id="rId7"/>
+    <p:sldLayoutId id="2147483704" r:id="rId8"/>
+    <p:sldLayoutId id="2147483705" r:id="rId9"/>
+    <p:sldLayoutId id="2147483706" r:id="rId10"/>
+    <p:sldLayoutId id="2147483707" r:id="rId11"/>
+  </p:sldLayoutIdLst>
+  <p:txStyles>
+    <p:titleStyle>
+      <a:lvl1pPr algn="l" defTabSz="1371600" rtl="0" eaLnBrk="1" latinLnBrk="0" hangingPunct="1">
+        <a:lnSpc>
+          <a:spcPct val="90000"/>
+        </a:lnSpc>
+        <a:spcBef>
+          <a:spcPct val="0"/>
+        </a:spcBef>
+        <a:buNone/>
+        <a:defRPr sz="6600" kern="1200">
+          <a:solidFill>
+            <a:schemeClr val="tx1"/>
+          </a:solidFill>
+          <a:latin typeface="+mj-lt"/>
+          <a:ea typeface="+mj-ea"/>
+          <a:cs typeface="+mj-cs"/>
+        </a:defRPr>
+      </a:lvl1pPr>
+    </p:titleStyle>
+    <p:bodyStyle>
+      <a:lvl1pPr marL="342900" indent="-342900" algn="l" defTabSz="1371600" rtl="0" eaLnBrk="1" latinLnBrk="0" hangingPunct="1">
+        <a:lnSpc>
+          <a:spcPct val="90000"/>
+        </a:lnSpc>
+        <a:spcBef>
+          <a:spcPts val="1500"/>
+        </a:spcBef>
+        <a:buFont typeface="Arial" panose="020B0604020202020204" pitchFamily="34" charset="0"/>
+        <a:buChar char="•"/>
+        <a:defRPr sz="4200" kern="1200">
+          <a:solidFill>
+            <a:schemeClr val="tx1"/>
+          </a:solidFill>
+          <a:latin typeface="+mn-lt"/>
+          <a:ea typeface="+mn-ea"/>
+          <a:cs typeface="+mn-cs"/>
+        </a:defRPr>
+      </a:lvl1pPr>
+      <a:lvl2pPr marL="1028700" indent="-342900" algn="l" defTabSz="1371600" rtl="0" eaLnBrk="1" latinLnBrk="0" hangingPunct="1">
+        <a:lnSpc>
+          <a:spcPct val="90000"/>
+        </a:lnSpc>
+        <a:spcBef>
+          <a:spcPts val="750"/>
+        </a:spcBef>
+        <a:buFont typeface="Arial" panose="020B0604020202020204" pitchFamily="34" charset="0"/>
+        <a:buChar char="•"/>
+        <a:defRPr sz="3600" kern="1200">
+          <a:solidFill>
+            <a:schemeClr val="tx1"/>
+          </a:solidFill>
+          <a:latin typeface="+mn-lt"/>
+          <a:ea typeface="+mn-ea"/>
+          <a:cs typeface="+mn-cs"/>
+        </a:defRPr>
+      </a:lvl2pPr>
+      <a:lvl3pPr marL="1714500" indent="-342900" algn="l" defTabSz="1371600" rtl="0" eaLnBrk="1" latinLnBrk="0" hangingPunct="1">
+        <a:lnSpc>
+          <a:spcPct val="90000"/>
+        </a:lnSpc>
+        <a:spcBef>
+          <a:spcPts val="750"/>
+        </a:spcBef>
+        <a:buFont typeface="Arial" panose="020B0604020202020204" pitchFamily="34" charset="0"/>
+        <a:buChar char="•"/>
+        <a:defRPr sz="3000" kern="1200">
+          <a:solidFill>
+            <a:schemeClr val="tx1"/>
+          </a:solidFill>
+          <a:latin typeface="+mn-lt"/>
+          <a:ea typeface="+mn-ea"/>
+          <a:cs typeface="+mn-cs"/>
+        </a:defRPr>
+      </a:lvl3pPr>
+      <a:lvl4pPr marL="2400300" indent="-342900" algn="l" defTabSz="1371600" rtl="0" eaLnBrk="1" latinLnBrk="0" hangingPunct="1">
+        <a:lnSpc>
+          <a:spcPct val="90000"/>
+        </a:lnSpc>
+        <a:spcBef>
+          <a:spcPts val="750"/>
+        </a:spcBef>
+        <a:buFont typeface="Arial" panose="020B0604020202020204" pitchFamily="34" charset="0"/>
+        <a:buChar char="•"/>
+        <a:defRPr sz="2700" kern="1200">
+          <a:solidFill>
+            <a:schemeClr val="tx1"/>
+          </a:solidFill>
+          <a:latin typeface="+mn-lt"/>
+          <a:ea typeface="+mn-ea"/>
+          <a:cs typeface="+mn-cs"/>
+        </a:defRPr>
+      </a:lvl4pPr>
+      <a:lvl5pPr marL="3086100" indent="-342900" algn="l" defTabSz="1371600" rtl="0" eaLnBrk="1" latinLnBrk="0" hangingPunct="1">
+        <a:lnSpc>
+          <a:spcPct val="90000"/>
+        </a:lnSpc>
+        <a:spcBef>
+          <a:spcPts val="750"/>
+        </a:spcBef>
+        <a:buFont typeface="Arial" panose="020B0604020202020204" pitchFamily="34" charset="0"/>
+        <a:buChar char="•"/>
+        <a:defRPr sz="2700" kern="1200">
+          <a:solidFill>
+            <a:schemeClr val="tx1"/>
+          </a:solidFill>
+          <a:latin typeface="+mn-lt"/>
+          <a:ea typeface="+mn-ea"/>
+          <a:cs typeface="+mn-cs"/>
+        </a:defRPr>
+      </a:lvl5pPr>
+      <a:lvl6pPr marL="3771900" indent="-342900" algn="l" defTabSz="1371600" rtl="0" eaLnBrk="1" latinLnBrk="0" hangingPunct="1">
+        <a:lnSpc>
+          <a:spcPct val="90000"/>
+        </a:lnSpc>
+        <a:spcBef>
+          <a:spcPts val="750"/>
+        </a:spcBef>
+        <a:buFont typeface="Arial" panose="020B0604020202020204" pitchFamily="34" charset="0"/>
+        <a:buChar char="•"/>
+        <a:defRPr sz="2700" kern="1200">
+          <a:solidFill>
+            <a:schemeClr val="tx1"/>
+          </a:solidFill>
+          <a:latin typeface="+mn-lt"/>
+          <a:ea typeface="+mn-ea"/>
+          <a:cs typeface="+mn-cs"/>
+        </a:defRPr>
+      </a:lvl6pPr>
+      <a:lvl7pPr marL="4457700" indent="-342900" algn="l" defTabSz="1371600" rtl="0" eaLnBrk="1" latinLnBrk="0" hangingPunct="1">
+        <a:lnSpc>
+          <a:spcPct val="90000"/>
+        </a:lnSpc>
+        <a:spcBef>
+          <a:spcPts val="750"/>
+        </a:spcBef>
+        <a:buFont typeface="Arial" panose="020B0604020202020204" pitchFamily="34" charset="0"/>
+        <a:buChar char="•"/>
+        <a:defRPr sz="2700" kern="1200">
+          <a:solidFill>
+            <a:schemeClr val="tx1"/>
+          </a:solidFill>
+          <a:latin typeface="+mn-lt"/>
+          <a:ea typeface="+mn-ea"/>
+          <a:cs typeface="+mn-cs"/>
+        </a:defRPr>
+      </a:lvl7pPr>
+      <a:lvl8pPr marL="5143500" indent="-342900" algn="l" defTabSz="1371600" rtl="0" eaLnBrk="1" latinLnBrk="0" hangingPunct="1">
+        <a:lnSpc>
+          <a:spcPct val="90000"/>
+        </a:lnSpc>
+        <a:spcBef>
+          <a:spcPts val="750"/>
+        </a:spcBef>
+        <a:buFont typeface="Arial" panose="020B0604020202020204" pitchFamily="34" charset="0"/>
+        <a:buChar char="•"/>
+        <a:defRPr sz="2700" kern="1200">
+          <a:solidFill>
+            <a:schemeClr val="tx1"/>
+          </a:solidFill>
+          <a:latin typeface="+mn-lt"/>
+          <a:ea typeface="+mn-ea"/>
+          <a:cs typeface="+mn-cs"/>
+        </a:defRPr>
+      </a:lvl8pPr>
+      <a:lvl9pPr marL="5829300" indent="-342900" algn="l" defTabSz="1371600" rtl="0" eaLnBrk="1" latinLnBrk="0" hangingPunct="1">
+        <a:lnSpc>
+          <a:spcPct val="90000"/>
+        </a:lnSpc>
+        <a:spcBef>
+          <a:spcPts val="750"/>
+        </a:spcBef>
+        <a:buFont typeface="Arial" panose="020B0604020202020204" pitchFamily="34" charset="0"/>
+        <a:buChar char="•"/>
+        <a:defRPr sz="2700" kern="1200">
+          <a:solidFill>
+            <a:schemeClr val="tx1"/>
+          </a:solidFill>
+          <a:latin typeface="+mn-lt"/>
+          <a:ea typeface="+mn-ea"/>
+          <a:cs typeface="+mn-cs"/>
+        </a:defRPr>
+      </a:lvl9pPr>
+    </p:bodyStyle>
+    <p:otherStyle>
+      <a:defPPr>
+        <a:defRPr lang="en-US"/>
+      </a:defPPr>
+      <a:lvl1pPr marL="0" algn="l" defTabSz="1371600" rtl="0" eaLnBrk="1" latinLnBrk="0" hangingPunct="1">
+        <a:defRPr sz="2700" kern="1200">
+          <a:solidFill>
+            <a:schemeClr val="tx1"/>
+          </a:solidFill>
+          <a:latin typeface="+mn-lt"/>
+          <a:ea typeface="+mn-ea"/>
+          <a:cs typeface="+mn-cs"/>
+        </a:defRPr>
+      </a:lvl1pPr>
+      <a:lvl2pPr marL="685800" algn="l" defTabSz="1371600" rtl="0" eaLnBrk="1" latinLnBrk="0" hangingPunct="1">
+        <a:defRPr sz="2700" kern="1200">
+          <a:solidFill>
+            <a:schemeClr val="tx1"/>
+          </a:solidFill>
+          <a:latin typeface="+mn-lt"/>
+          <a:ea typeface="+mn-ea"/>
+          <a:cs typeface="+mn-cs"/>
+        </a:defRPr>
+      </a:lvl2pPr>
+      <a:lvl3pPr marL="1371600" algn="l" defTabSz="1371600" rtl="0" eaLnBrk="1" latinLnBrk="0" hangingPunct="1">
+        <a:defRPr sz="2700" kern="1200">
+          <a:solidFill>
+            <a:schemeClr val="tx1"/>
+          </a:solidFill>
+          <a:latin typeface="+mn-lt"/>
+          <a:ea typeface="+mn-ea"/>
+          <a:cs typeface="+mn-cs"/>
+        </a:defRPr>
+      </a:lvl3pPr>
+      <a:lvl4pPr marL="2057400" algn="l" defTabSz="1371600" rtl="0" eaLnBrk="1" latinLnBrk="0" hangingPunct="1">
+        <a:defRPr sz="2700" kern="1200">
+          <a:solidFill>
+            <a:schemeClr val="tx1"/>
+          </a:solidFill>
+          <a:latin typeface="+mn-lt"/>
+          <a:ea typeface="+mn-ea"/>
+          <a:cs typeface="+mn-cs"/>
+        </a:defRPr>
+      </a:lvl4pPr>
+      <a:lvl5pPr marL="2743200" algn="l" defTabSz="1371600" rtl="0" eaLnBrk="1" latinLnBrk="0" hangingPunct="1">
+        <a:defRPr sz="2700" kern="1200">
+          <a:solidFill>
+            <a:schemeClr val="tx1"/>
+          </a:solidFill>
+          <a:latin typeface="+mn-lt"/>
+          <a:ea typeface="+mn-ea"/>
+          <a:cs typeface="+mn-cs"/>
+        </a:defRPr>
+      </a:lvl5pPr>
+      <a:lvl6pPr marL="3429000" algn="l" defTabSz="1371600" rtl="0" eaLnBrk="1" latinLnBrk="0" hangingPunct="1">
+        <a:defRPr sz="2700" kern="1200">
+          <a:solidFill>
+            <a:schemeClr val="tx1"/>
+          </a:solidFill>
+          <a:latin typeface="+mn-lt"/>
+          <a:ea typeface="+mn-ea"/>
+          <a:cs typeface="+mn-cs"/>
+        </a:defRPr>
+      </a:lvl6pPr>
+      <a:lvl7pPr marL="4114800" algn="l" defTabSz="1371600" rtl="0" eaLnBrk="1" latinLnBrk="0" hangingPunct="1">
+        <a:defRPr sz="2700" kern="1200">
+          <a:solidFill>
+            <a:schemeClr val="tx1"/>
+          </a:solidFill>
+          <a:latin typeface="+mn-lt"/>
+          <a:ea typeface="+mn-ea"/>
+          <a:cs typeface="+mn-cs"/>
+        </a:defRPr>
+      </a:lvl7pPr>
+      <a:lvl8pPr marL="4800600" algn="l" defTabSz="1371600" rtl="0" eaLnBrk="1" latinLnBrk="0" hangingPunct="1">
+        <a:defRPr sz="2700" kern="1200">
+          <a:solidFill>
+            <a:schemeClr val="tx1"/>
+          </a:solidFill>
+          <a:latin typeface="+mn-lt"/>
+          <a:ea typeface="+mn-ea"/>
+          <a:cs typeface="+mn-cs"/>
+        </a:defRPr>
+      </a:lvl8pPr>
+      <a:lvl9pPr marL="5486400" algn="l" defTabSz="1371600" rtl="0" eaLnBrk="1" latinLnBrk="0" hangingPunct="1">
+        <a:defRPr sz="2700" kern="1200">
+          <a:solidFill>
+            <a:schemeClr val="tx1"/>
+          </a:solidFill>
+          <a:latin typeface="+mn-lt"/>
+          <a:ea typeface="+mn-ea"/>
+          <a:cs typeface="+mn-cs"/>
+        </a:defRPr>
+      </a:lvl9pPr>
+    </p:otherStyle>
+  </p:txStyles>
+</p:sldMaster>
+</file>
+
+<file path=ppt/slides/slide1.xml><?xml version="1.0" encoding="utf-8"?>
+<p:sld xmlns:a="http://schemas.openxmlformats.org/drawingml/2006/main" xmlns:r="http://schemas.openxmlformats.org/officeDocument/2006/relationships" xmlns:p="http://schemas.openxmlformats.org/presentationml/2006/main">
+  <p:cSld>
+    <p:bg>
       <p:bgPr>
-        <a:gradFill flip="none" rotWithShape="1">
+        <a:gradFill>
           <a:gsLst>
             <a:gs pos="0">
               <a:schemeClr val="accent1">
@@ -2442,7 +2987,6 @@
             </a:gs>
           </a:gsLst>
           <a:lin ang="5400000" scaled="1"/>
-          <a:tileRect/>
         </a:gradFill>
         <a:effectLst/>
       </p:bgPr>
@@ -2463,541 +3007,6 @@
       </p:grpSpPr>
       <p:sp>
         <p:nvSpPr>
-          <p:cNvPr id="2" name="Title Placeholder 1"/>
-          <p:cNvSpPr>
-            <a:spLocks noGrp="1"/>
-          </p:cNvSpPr>
-          <p:nvPr>
-            <p:ph type="title"/>
-          </p:nvPr>
-        </p:nvSpPr>
-        <p:spPr>
-          <a:xfrm>
-            <a:off x="1131570" y="584202"/>
-            <a:ext cx="14196060" cy="2120901"/>
-          </a:xfrm>
-          <a:prstGeom prst="rect">
-            <a:avLst/>
-          </a:prstGeom>
-        </p:spPr>
-        <p:txBody>
-          <a:bodyPr vert="horz" lIns="91440" tIns="45720" rIns="91440" bIns="45720" rtlCol="0" anchor="ctr">
-            <a:normAutofit/>
-          </a:bodyPr>
-          <a:lstStyle/>
-          <a:p>
-            <a:r>
-              <a:rPr lang="en-US"/>
-              <a:t>Click to edit Master title style</a:t>
-            </a:r>
-            <a:endParaRPr lang="en-US" dirty="0"/>
-          </a:p>
-        </p:txBody>
-      </p:sp>
-      <p:sp>
-        <p:nvSpPr>
-          <p:cNvPr id="3" name="Text Placeholder 2"/>
-          <p:cNvSpPr>
-            <a:spLocks noGrp="1"/>
-          </p:cNvSpPr>
-          <p:nvPr>
-            <p:ph type="body" idx="1"/>
-          </p:nvPr>
-        </p:nvSpPr>
-        <p:spPr>
-          <a:xfrm>
-            <a:off x="1131570" y="2921000"/>
-            <a:ext cx="14196060" cy="6962141"/>
-          </a:xfrm>
-          <a:prstGeom prst="rect">
-            <a:avLst/>
-          </a:prstGeom>
-        </p:spPr>
-        <p:txBody>
-          <a:bodyPr vert="horz" lIns="91440" tIns="45720" rIns="91440" bIns="45720" rtlCol="0">
-            <a:normAutofit/>
-          </a:bodyPr>
-          <a:lstStyle/>
-          <a:p>
-            <a:pPr lvl="0"/>
-            <a:r>
-              <a:rPr lang="en-US"/>
-              <a:t>Edit Master text styles</a:t>
-            </a:r>
-          </a:p>
-          <a:p>
-            <a:pPr lvl="1"/>
-            <a:r>
-              <a:rPr lang="en-US"/>
-              <a:t>Second level</a:t>
-            </a:r>
-          </a:p>
-          <a:p>
-            <a:pPr lvl="2"/>
-            <a:r>
-              <a:rPr lang="en-US"/>
-              <a:t>Third level</a:t>
-            </a:r>
-          </a:p>
-          <a:p>
-            <a:pPr lvl="3"/>
-            <a:r>
-              <a:rPr lang="en-US"/>
-              <a:t>Fourth level</a:t>
-            </a:r>
-          </a:p>
-          <a:p>
-            <a:pPr lvl="4"/>
-            <a:r>
-              <a:rPr lang="en-US"/>
-              <a:t>Fifth level</a:t>
-            </a:r>
-            <a:endParaRPr lang="en-US" dirty="0"/>
-          </a:p>
-        </p:txBody>
-      </p:sp>
-      <p:sp>
-        <p:nvSpPr>
-          <p:cNvPr id="4" name="Date Placeholder 3"/>
-          <p:cNvSpPr>
-            <a:spLocks noGrp="1"/>
-          </p:cNvSpPr>
-          <p:nvPr>
-            <p:ph type="dt" sz="half" idx="2"/>
-          </p:nvPr>
-        </p:nvSpPr>
-        <p:spPr>
-          <a:xfrm>
-            <a:off x="1131570" y="10170162"/>
-            <a:ext cx="3703320" cy="584200"/>
-          </a:xfrm>
-          <a:prstGeom prst="rect">
-            <a:avLst/>
-          </a:prstGeom>
-        </p:spPr>
-        <p:txBody>
-          <a:bodyPr vert="horz" lIns="91440" tIns="45720" rIns="91440" bIns="45720" rtlCol="0" anchor="ctr"/>
-          <a:lstStyle>
-            <a:lvl1pPr algn="l">
-              <a:defRPr sz="1920">
-                <a:solidFill>
-                  <a:schemeClr val="tx1">
-                    <a:tint val="75000"/>
-                  </a:schemeClr>
-                </a:solidFill>
-              </a:defRPr>
-            </a:lvl1pPr>
-          </a:lstStyle>
-          <a:p>
-            <a:fld id="{9D3AC320-B950-4C88-844B-3041557FCF54}" type="datetimeFigureOut">
-              <a:rPr lang="en-US" smtClean="0"/>
-              <a:t>5/1/2018</a:t>
-            </a:fld>
-            <a:endParaRPr lang="en-US"/>
-          </a:p>
-        </p:txBody>
-      </p:sp>
-      <p:sp>
-        <p:nvSpPr>
-          <p:cNvPr id="5" name="Footer Placeholder 4"/>
-          <p:cNvSpPr>
-            <a:spLocks noGrp="1"/>
-          </p:cNvSpPr>
-          <p:nvPr>
-            <p:ph type="ftr" sz="quarter" idx="3"/>
-          </p:nvPr>
-        </p:nvSpPr>
-        <p:spPr>
-          <a:xfrm>
-            <a:off x="5452110" y="10170162"/>
-            <a:ext cx="5554980" cy="584200"/>
-          </a:xfrm>
-          <a:prstGeom prst="rect">
-            <a:avLst/>
-          </a:prstGeom>
-        </p:spPr>
-        <p:txBody>
-          <a:bodyPr vert="horz" lIns="91440" tIns="45720" rIns="91440" bIns="45720" rtlCol="0" anchor="ctr"/>
-          <a:lstStyle>
-            <a:lvl1pPr algn="ctr">
-              <a:defRPr sz="1920">
-                <a:solidFill>
-                  <a:schemeClr val="tx1">
-                    <a:tint val="75000"/>
-                  </a:schemeClr>
-                </a:solidFill>
-              </a:defRPr>
-            </a:lvl1pPr>
-          </a:lstStyle>
-          <a:p>
-            <a:endParaRPr lang="en-US"/>
-          </a:p>
-        </p:txBody>
-      </p:sp>
-      <p:sp>
-        <p:nvSpPr>
-          <p:cNvPr id="6" name="Slide Number Placeholder 5"/>
-          <p:cNvSpPr>
-            <a:spLocks noGrp="1"/>
-          </p:cNvSpPr>
-          <p:nvPr>
-            <p:ph type="sldNum" sz="quarter" idx="4"/>
-          </p:nvPr>
-        </p:nvSpPr>
-        <p:spPr>
-          <a:xfrm>
-            <a:off x="11624310" y="10170162"/>
-            <a:ext cx="3703320" cy="584200"/>
-          </a:xfrm>
-          <a:prstGeom prst="rect">
-            <a:avLst/>
-          </a:prstGeom>
-        </p:spPr>
-        <p:txBody>
-          <a:bodyPr vert="horz" lIns="91440" tIns="45720" rIns="91440" bIns="45720" rtlCol="0" anchor="ctr"/>
-          <a:lstStyle>
-            <a:lvl1pPr algn="r">
-              <a:defRPr sz="1920">
-                <a:solidFill>
-                  <a:schemeClr val="tx1">
-                    <a:tint val="75000"/>
-                  </a:schemeClr>
-                </a:solidFill>
-              </a:defRPr>
-            </a:lvl1pPr>
-          </a:lstStyle>
-          <a:p>
-            <a:fld id="{26ACB400-72BC-4293-8342-4C4E998390CD}" type="slidenum">
-              <a:rPr lang="en-US" smtClean="0"/>
-              <a:t>‹#›</a:t>
-            </a:fld>
-            <a:endParaRPr lang="en-US"/>
-          </a:p>
-        </p:txBody>
-      </p:sp>
-    </p:spTree>
-    <p:extLst>
-      <p:ext uri="{BB962C8B-B14F-4D97-AF65-F5344CB8AC3E}">
-        <p14:creationId xmlns:p14="http://schemas.microsoft.com/office/powerpoint/2010/main" val="4192600397"/>
-      </p:ext>
-    </p:extLst>
-  </p:cSld>
-  <p:clrMap bg1="lt1" tx1="dk1" bg2="lt2" tx2="dk2" accent1="accent1" accent2="accent2" accent3="accent3" accent4="accent4" accent5="accent5" accent6="accent6" hlink="hlink" folHlink="folHlink"/>
-  <p:sldLayoutIdLst>
-    <p:sldLayoutId id="2147483685" r:id="rId1"/>
-    <p:sldLayoutId id="2147483686" r:id="rId2"/>
-    <p:sldLayoutId id="2147483687" r:id="rId3"/>
-    <p:sldLayoutId id="2147483688" r:id="rId4"/>
-    <p:sldLayoutId id="2147483689" r:id="rId5"/>
-    <p:sldLayoutId id="2147483690" r:id="rId6"/>
-    <p:sldLayoutId id="2147483691" r:id="rId7"/>
-    <p:sldLayoutId id="2147483692" r:id="rId8"/>
-    <p:sldLayoutId id="2147483693" r:id="rId9"/>
-    <p:sldLayoutId id="2147483694" r:id="rId10"/>
-    <p:sldLayoutId id="2147483695" r:id="rId11"/>
-  </p:sldLayoutIdLst>
-  <p:txStyles>
-    <p:titleStyle>
-      <a:lvl1pPr algn="l" defTabSz="1463040" rtl="0" eaLnBrk="1" latinLnBrk="0" hangingPunct="1">
-        <a:lnSpc>
-          <a:spcPct val="90000"/>
-        </a:lnSpc>
-        <a:spcBef>
-          <a:spcPct val="0"/>
-        </a:spcBef>
-        <a:buNone/>
-        <a:defRPr sz="7040" kern="1200">
-          <a:solidFill>
-            <a:schemeClr val="tx1"/>
-          </a:solidFill>
-          <a:latin typeface="+mj-lt"/>
-          <a:ea typeface="+mj-ea"/>
-          <a:cs typeface="+mj-cs"/>
-        </a:defRPr>
-      </a:lvl1pPr>
-    </p:titleStyle>
-    <p:bodyStyle>
-      <a:lvl1pPr marL="365760" indent="-365760" algn="l" defTabSz="1463040" rtl="0" eaLnBrk="1" latinLnBrk="0" hangingPunct="1">
-        <a:lnSpc>
-          <a:spcPct val="90000"/>
-        </a:lnSpc>
-        <a:spcBef>
-          <a:spcPts val="1600"/>
-        </a:spcBef>
-        <a:buFont typeface="Arial" panose="020B0604020202020204" pitchFamily="34" charset="0"/>
-        <a:buChar char="•"/>
-        <a:defRPr sz="4480" kern="1200">
-          <a:solidFill>
-            <a:schemeClr val="tx1"/>
-          </a:solidFill>
-          <a:latin typeface="+mn-lt"/>
-          <a:ea typeface="+mn-ea"/>
-          <a:cs typeface="+mn-cs"/>
-        </a:defRPr>
-      </a:lvl1pPr>
-      <a:lvl2pPr marL="1097280" indent="-365760" algn="l" defTabSz="1463040" rtl="0" eaLnBrk="1" latinLnBrk="0" hangingPunct="1">
-        <a:lnSpc>
-          <a:spcPct val="90000"/>
-        </a:lnSpc>
-        <a:spcBef>
-          <a:spcPts val="800"/>
-        </a:spcBef>
-        <a:buFont typeface="Arial" panose="020B0604020202020204" pitchFamily="34" charset="0"/>
-        <a:buChar char="•"/>
-        <a:defRPr sz="3840" kern="1200">
-          <a:solidFill>
-            <a:schemeClr val="tx1"/>
-          </a:solidFill>
-          <a:latin typeface="+mn-lt"/>
-          <a:ea typeface="+mn-ea"/>
-          <a:cs typeface="+mn-cs"/>
-        </a:defRPr>
-      </a:lvl2pPr>
-      <a:lvl3pPr marL="1828800" indent="-365760" algn="l" defTabSz="1463040" rtl="0" eaLnBrk="1" latinLnBrk="0" hangingPunct="1">
-        <a:lnSpc>
-          <a:spcPct val="90000"/>
-        </a:lnSpc>
-        <a:spcBef>
-          <a:spcPts val="800"/>
-        </a:spcBef>
-        <a:buFont typeface="Arial" panose="020B0604020202020204" pitchFamily="34" charset="0"/>
-        <a:buChar char="•"/>
-        <a:defRPr sz="3200" kern="1200">
-          <a:solidFill>
-            <a:schemeClr val="tx1"/>
-          </a:solidFill>
-          <a:latin typeface="+mn-lt"/>
-          <a:ea typeface="+mn-ea"/>
-          <a:cs typeface="+mn-cs"/>
-        </a:defRPr>
-      </a:lvl3pPr>
-      <a:lvl4pPr marL="2560320" indent="-365760" algn="l" defTabSz="1463040" rtl="0" eaLnBrk="1" latinLnBrk="0" hangingPunct="1">
-        <a:lnSpc>
-          <a:spcPct val="90000"/>
-        </a:lnSpc>
-        <a:spcBef>
-          <a:spcPts val="800"/>
-        </a:spcBef>
-        <a:buFont typeface="Arial" panose="020B0604020202020204" pitchFamily="34" charset="0"/>
-        <a:buChar char="•"/>
-        <a:defRPr sz="2880" kern="1200">
-          <a:solidFill>
-            <a:schemeClr val="tx1"/>
-          </a:solidFill>
-          <a:latin typeface="+mn-lt"/>
-          <a:ea typeface="+mn-ea"/>
-          <a:cs typeface="+mn-cs"/>
-        </a:defRPr>
-      </a:lvl4pPr>
-      <a:lvl5pPr marL="3291840" indent="-365760" algn="l" defTabSz="1463040" rtl="0" eaLnBrk="1" latinLnBrk="0" hangingPunct="1">
-        <a:lnSpc>
-          <a:spcPct val="90000"/>
-        </a:lnSpc>
-        <a:spcBef>
-          <a:spcPts val="800"/>
-        </a:spcBef>
-        <a:buFont typeface="Arial" panose="020B0604020202020204" pitchFamily="34" charset="0"/>
-        <a:buChar char="•"/>
-        <a:defRPr sz="2880" kern="1200">
-          <a:solidFill>
-            <a:schemeClr val="tx1"/>
-          </a:solidFill>
-          <a:latin typeface="+mn-lt"/>
-          <a:ea typeface="+mn-ea"/>
-          <a:cs typeface="+mn-cs"/>
-        </a:defRPr>
-      </a:lvl5pPr>
-      <a:lvl6pPr marL="4023360" indent="-365760" algn="l" defTabSz="1463040" rtl="0" eaLnBrk="1" latinLnBrk="0" hangingPunct="1">
-        <a:lnSpc>
-          <a:spcPct val="90000"/>
-        </a:lnSpc>
-        <a:spcBef>
-          <a:spcPts val="800"/>
-        </a:spcBef>
-        <a:buFont typeface="Arial" panose="020B0604020202020204" pitchFamily="34" charset="0"/>
-        <a:buChar char="•"/>
-        <a:defRPr sz="2880" kern="1200">
-          <a:solidFill>
-            <a:schemeClr val="tx1"/>
-          </a:solidFill>
-          <a:latin typeface="+mn-lt"/>
-          <a:ea typeface="+mn-ea"/>
-          <a:cs typeface="+mn-cs"/>
-        </a:defRPr>
-      </a:lvl6pPr>
-      <a:lvl7pPr marL="4754880" indent="-365760" algn="l" defTabSz="1463040" rtl="0" eaLnBrk="1" latinLnBrk="0" hangingPunct="1">
-        <a:lnSpc>
-          <a:spcPct val="90000"/>
-        </a:lnSpc>
-        <a:spcBef>
-          <a:spcPts val="800"/>
-        </a:spcBef>
-        <a:buFont typeface="Arial" panose="020B0604020202020204" pitchFamily="34" charset="0"/>
-        <a:buChar char="•"/>
-        <a:defRPr sz="2880" kern="1200">
-          <a:solidFill>
-            <a:schemeClr val="tx1"/>
-          </a:solidFill>
-          <a:latin typeface="+mn-lt"/>
-          <a:ea typeface="+mn-ea"/>
-          <a:cs typeface="+mn-cs"/>
-        </a:defRPr>
-      </a:lvl7pPr>
-      <a:lvl8pPr marL="5486400" indent="-365760" algn="l" defTabSz="1463040" rtl="0" eaLnBrk="1" latinLnBrk="0" hangingPunct="1">
-        <a:lnSpc>
-          <a:spcPct val="90000"/>
-        </a:lnSpc>
-        <a:spcBef>
-          <a:spcPts val="800"/>
-        </a:spcBef>
-        <a:buFont typeface="Arial" panose="020B0604020202020204" pitchFamily="34" charset="0"/>
-        <a:buChar char="•"/>
-        <a:defRPr sz="2880" kern="1200">
-          <a:solidFill>
-            <a:schemeClr val="tx1"/>
-          </a:solidFill>
-          <a:latin typeface="+mn-lt"/>
-          <a:ea typeface="+mn-ea"/>
-          <a:cs typeface="+mn-cs"/>
-        </a:defRPr>
-      </a:lvl8pPr>
-      <a:lvl9pPr marL="6217920" indent="-365760" algn="l" defTabSz="1463040" rtl="0" eaLnBrk="1" latinLnBrk="0" hangingPunct="1">
-        <a:lnSpc>
-          <a:spcPct val="90000"/>
-        </a:lnSpc>
-        <a:spcBef>
-          <a:spcPts val="800"/>
-        </a:spcBef>
-        <a:buFont typeface="Arial" panose="020B0604020202020204" pitchFamily="34" charset="0"/>
-        <a:buChar char="•"/>
-        <a:defRPr sz="2880" kern="1200">
-          <a:solidFill>
-            <a:schemeClr val="tx1"/>
-          </a:solidFill>
-          <a:latin typeface="+mn-lt"/>
-          <a:ea typeface="+mn-ea"/>
-          <a:cs typeface="+mn-cs"/>
-        </a:defRPr>
-      </a:lvl9pPr>
-    </p:bodyStyle>
-    <p:otherStyle>
-      <a:defPPr>
-        <a:defRPr lang="en-US"/>
-      </a:defPPr>
-      <a:lvl1pPr marL="0" algn="l" defTabSz="1463040" rtl="0" eaLnBrk="1" latinLnBrk="0" hangingPunct="1">
-        <a:defRPr sz="2880" kern="1200">
-          <a:solidFill>
-            <a:schemeClr val="tx1"/>
-          </a:solidFill>
-          <a:latin typeface="+mn-lt"/>
-          <a:ea typeface="+mn-ea"/>
-          <a:cs typeface="+mn-cs"/>
-        </a:defRPr>
-      </a:lvl1pPr>
-      <a:lvl2pPr marL="731520" algn="l" defTabSz="1463040" rtl="0" eaLnBrk="1" latinLnBrk="0" hangingPunct="1">
-        <a:defRPr sz="2880" kern="1200">
-          <a:solidFill>
-            <a:schemeClr val="tx1"/>
-          </a:solidFill>
-          <a:latin typeface="+mn-lt"/>
-          <a:ea typeface="+mn-ea"/>
-          <a:cs typeface="+mn-cs"/>
-        </a:defRPr>
-      </a:lvl2pPr>
-      <a:lvl3pPr marL="1463040" algn="l" defTabSz="1463040" rtl="0" eaLnBrk="1" latinLnBrk="0" hangingPunct="1">
-        <a:defRPr sz="2880" kern="1200">
-          <a:solidFill>
-            <a:schemeClr val="tx1"/>
-          </a:solidFill>
-          <a:latin typeface="+mn-lt"/>
-          <a:ea typeface="+mn-ea"/>
-          <a:cs typeface="+mn-cs"/>
-        </a:defRPr>
-      </a:lvl3pPr>
-      <a:lvl4pPr marL="2194560" algn="l" defTabSz="1463040" rtl="0" eaLnBrk="1" latinLnBrk="0" hangingPunct="1">
-        <a:defRPr sz="2880" kern="1200">
-          <a:solidFill>
-            <a:schemeClr val="tx1"/>
-          </a:solidFill>
-          <a:latin typeface="+mn-lt"/>
-          <a:ea typeface="+mn-ea"/>
-          <a:cs typeface="+mn-cs"/>
-        </a:defRPr>
-      </a:lvl4pPr>
-      <a:lvl5pPr marL="2926080" algn="l" defTabSz="1463040" rtl="0" eaLnBrk="1" latinLnBrk="0" hangingPunct="1">
-        <a:defRPr sz="2880" kern="1200">
-          <a:solidFill>
-            <a:schemeClr val="tx1"/>
-          </a:solidFill>
-          <a:latin typeface="+mn-lt"/>
-          <a:ea typeface="+mn-ea"/>
-          <a:cs typeface="+mn-cs"/>
-        </a:defRPr>
-      </a:lvl5pPr>
-      <a:lvl6pPr marL="3657600" algn="l" defTabSz="1463040" rtl="0" eaLnBrk="1" latinLnBrk="0" hangingPunct="1">
-        <a:defRPr sz="2880" kern="1200">
-          <a:solidFill>
-            <a:schemeClr val="tx1"/>
-          </a:solidFill>
-          <a:latin typeface="+mn-lt"/>
-          <a:ea typeface="+mn-ea"/>
-          <a:cs typeface="+mn-cs"/>
-        </a:defRPr>
-      </a:lvl6pPr>
-      <a:lvl7pPr marL="4389120" algn="l" defTabSz="1463040" rtl="0" eaLnBrk="1" latinLnBrk="0" hangingPunct="1">
-        <a:defRPr sz="2880" kern="1200">
-          <a:solidFill>
-            <a:schemeClr val="tx1"/>
-          </a:solidFill>
-          <a:latin typeface="+mn-lt"/>
-          <a:ea typeface="+mn-ea"/>
-          <a:cs typeface="+mn-cs"/>
-        </a:defRPr>
-      </a:lvl7pPr>
-      <a:lvl8pPr marL="5120640" algn="l" defTabSz="1463040" rtl="0" eaLnBrk="1" latinLnBrk="0" hangingPunct="1">
-        <a:defRPr sz="2880" kern="1200">
-          <a:solidFill>
-            <a:schemeClr val="tx1"/>
-          </a:solidFill>
-          <a:latin typeface="+mn-lt"/>
-          <a:ea typeface="+mn-ea"/>
-          <a:cs typeface="+mn-cs"/>
-        </a:defRPr>
-      </a:lvl8pPr>
-      <a:lvl9pPr marL="5852160" algn="l" defTabSz="1463040" rtl="0" eaLnBrk="1" latinLnBrk="0" hangingPunct="1">
-        <a:defRPr sz="2880" kern="1200">
-          <a:solidFill>
-            <a:schemeClr val="tx1"/>
-          </a:solidFill>
-          <a:latin typeface="+mn-lt"/>
-          <a:ea typeface="+mn-ea"/>
-          <a:cs typeface="+mn-cs"/>
-        </a:defRPr>
-      </a:lvl9pPr>
-    </p:otherStyle>
-  </p:txStyles>
-</p:sldMaster>
-</file>
-
-<file path=ppt/slides/slide1.xml><?xml version="1.0" encoding="utf-8"?>
-<p:sld xmlns:a="http://schemas.openxmlformats.org/drawingml/2006/main" xmlns:r="http://schemas.openxmlformats.org/officeDocument/2006/relationships" xmlns:p="http://schemas.openxmlformats.org/presentationml/2006/main">
-  <p:cSld>
-    <p:spTree>
-      <p:nvGrpSpPr>
-        <p:cNvPr id="1" name=""/>
-        <p:cNvGrpSpPr/>
-        <p:nvPr/>
-      </p:nvGrpSpPr>
-      <p:grpSpPr>
-        <a:xfrm>
-          <a:off x="0" y="0"/>
-          <a:ext cx="0" cy="0"/>
-          <a:chOff x="0" y="0"/>
-          <a:chExt cx="0" cy="0"/>
-        </a:xfrm>
-      </p:grpSpPr>
-      <p:sp>
-        <p:nvSpPr>
           <p:cNvPr id="2" name="Title 1">
             <a:extLst>
               <a:ext uri="{FF2B5EF4-FFF2-40B4-BE49-F238E27FC236}">
@@ -3014,8 +3023,8 @@
         </p:nvSpPr>
         <p:spPr>
           <a:xfrm>
-            <a:off x="2559963" y="238444"/>
-            <a:ext cx="11339274" cy="2176144"/>
+            <a:off x="2133303" y="339392"/>
+            <a:ext cx="9449395" cy="1813453"/>
           </a:xfrm>
           <a:solidFill>
             <a:schemeClr val="bg1"/>
@@ -3033,91 +3042,91 @@
           <a:lstStyle/>
           <a:p>
             <a:r>
-              <a:rPr lang="en-US" sz="5000" b="1" dirty="0">
+              <a:rPr lang="en-US" sz="4167" b="1" dirty="0">
                 <a:latin typeface="Garamond" panose="02020404030301010803" pitchFamily="18" charset="0"/>
               </a:rPr>
               <a:t>Using Twitter Sentiment Classification to Predict Hourly Changes in XRP Price</a:t>
             </a:r>
             <a:br>
-              <a:rPr lang="en-US" sz="5000" dirty="0">
+              <a:rPr lang="en-US" sz="4167" dirty="0">
                 <a:latin typeface="Garamond" panose="02020404030301010803" pitchFamily="18" charset="0"/>
               </a:rPr>
             </a:br>
             <a:r>
-              <a:rPr lang="en-US" sz="2400" dirty="0">
+              <a:rPr lang="en-US" sz="2000" dirty="0">
                 <a:latin typeface="Garamond" panose="02020404030301010803" pitchFamily="18" charset="0"/>
               </a:rPr>
               <a:t>Braden </a:t>
             </a:r>
             <a:r>
-              <a:rPr lang="en-US" sz="2400" dirty="0" err="1">
+              <a:rPr lang="en-US" sz="2000" dirty="0" err="1">
                 <a:latin typeface="Garamond" panose="02020404030301010803" pitchFamily="18" charset="0"/>
               </a:rPr>
               <a:t>Fineberg</a:t>
             </a:r>
             <a:r>
-              <a:rPr lang="en-US" sz="2400" dirty="0">
+              <a:rPr lang="en-US" sz="2000" dirty="0">
                 <a:latin typeface="Garamond" panose="02020404030301010803" pitchFamily="18" charset="0"/>
               </a:rPr>
               <a:t> (</a:t>
             </a:r>
             <a:r>
-              <a:rPr lang="en-US" sz="2400" dirty="0">
+              <a:rPr lang="en-US" sz="2000" dirty="0">
                 <a:latin typeface="Garamond" panose="02020404030301010803" pitchFamily="18" charset="0"/>
                 <a:hlinkClick r:id="rId2"/>
               </a:rPr>
               <a:t>bfine@seas.upenn.edu</a:t>
             </a:r>
             <a:r>
-              <a:rPr lang="en-US" sz="2400" dirty="0">
+              <a:rPr lang="en-US" sz="2000" dirty="0">
                 <a:latin typeface="Garamond" panose="02020404030301010803" pitchFamily="18" charset="0"/>
               </a:rPr>
               <a:t>) , Matt </a:t>
             </a:r>
             <a:r>
-              <a:rPr lang="en-US" sz="2400" dirty="0" err="1">
+              <a:rPr lang="en-US" sz="2000" dirty="0" err="1">
                 <a:latin typeface="Garamond" panose="02020404030301010803" pitchFamily="18" charset="0"/>
               </a:rPr>
               <a:t>Oslin</a:t>
             </a:r>
             <a:r>
-              <a:rPr lang="en-US" sz="2400" dirty="0">
+              <a:rPr lang="en-US" sz="2000" dirty="0">
                 <a:latin typeface="Garamond" panose="02020404030301010803" pitchFamily="18" charset="0"/>
               </a:rPr>
               <a:t> (</a:t>
             </a:r>
             <a:r>
-              <a:rPr lang="en-US" sz="2400" dirty="0">
+              <a:rPr lang="en-US" sz="2000" dirty="0">
                 <a:latin typeface="Garamond" panose="02020404030301010803" pitchFamily="18" charset="0"/>
                 <a:hlinkClick r:id="rId3"/>
               </a:rPr>
               <a:t>muslin@seas.upenn.edu</a:t>
             </a:r>
             <a:r>
-              <a:rPr lang="en-US" sz="2400" dirty="0">
+              <a:rPr lang="en-US" sz="2000" dirty="0">
                 <a:latin typeface="Garamond" panose="02020404030301010803" pitchFamily="18" charset="0"/>
               </a:rPr>
               <a:t>) , Sam Weintraub (</a:t>
             </a:r>
             <a:r>
-              <a:rPr lang="en-US" sz="2400" dirty="0">
+              <a:rPr lang="en-US" sz="2000" dirty="0">
                 <a:latin typeface="Garamond" panose="02020404030301010803" pitchFamily="18" charset="0"/>
                 <a:hlinkClick r:id="rId4"/>
               </a:rPr>
               <a:t>sweint@seas.upenn.edu</a:t>
             </a:r>
             <a:r>
-              <a:rPr lang="en-US" sz="2400" dirty="0">
+              <a:rPr lang="en-US" sz="2000" dirty="0">
                 <a:latin typeface="Garamond" panose="02020404030301010803" pitchFamily="18" charset="0"/>
               </a:rPr>
               <a:t>) </a:t>
             </a:r>
             <a:br>
-              <a:rPr lang="en-US" sz="2400" dirty="0">
+              <a:rPr lang="en-US" sz="2000" dirty="0">
                 <a:latin typeface="Garamond" panose="02020404030301010803" pitchFamily="18" charset="0"/>
               </a:rPr>
             </a:br>
-            <a:endParaRPr lang="en-US" sz="5000" dirty="0">
+            <a:endParaRPr lang="en-US" sz="4167" dirty="0">
               <a:latin typeface="Garamond" panose="02020404030301010803" pitchFamily="18" charset="0"/>
             </a:endParaRPr>
           </a:p>
@@ -3151,8 +3160,8 @@
         </p:blipFill>
         <p:spPr>
           <a:xfrm>
-            <a:off x="328695" y="238444"/>
-            <a:ext cx="1943763" cy="2176144"/>
+            <a:off x="273913" y="339392"/>
+            <a:ext cx="1619803" cy="1813453"/>
           </a:xfrm>
           <a:prstGeom prst="rect">
             <a:avLst/>
@@ -3187,8 +3196,8 @@
         </p:blipFill>
         <p:spPr>
           <a:xfrm>
-            <a:off x="14186742" y="238444"/>
-            <a:ext cx="1943763" cy="2176144"/>
+            <a:off x="11822285" y="339392"/>
+            <a:ext cx="1619803" cy="1813453"/>
           </a:xfrm>
           <a:prstGeom prst="rect">
             <a:avLst/>
@@ -3209,8 +3218,8 @@
         </p:nvSpPr>
         <p:spPr>
           <a:xfrm>
-            <a:off x="157236" y="2740498"/>
-            <a:ext cx="5229185" cy="2862322"/>
+            <a:off x="131031" y="2512349"/>
+            <a:ext cx="4357654" cy="3323987"/>
           </a:xfrm>
           <a:prstGeom prst="rect">
             <a:avLst/>
@@ -3230,70 +3239,98 @@
           </a:bodyPr>
           <a:lstStyle/>
           <a:p>
-            <a:endParaRPr lang="en-US" dirty="0">
-              <a:solidFill>
-                <a:srgbClr val="011F5B"/>
-              </a:solidFill>
-            </a:endParaRPr>
-          </a:p>
-          <a:p>
-            <a:endParaRPr lang="en-US" dirty="0">
-              <a:solidFill>
-                <a:srgbClr val="011F5B"/>
-              </a:solidFill>
-            </a:endParaRPr>
-          </a:p>
-          <a:p>
-            <a:endParaRPr lang="en-US" dirty="0">
-              <a:solidFill>
-                <a:srgbClr val="011F5B"/>
-              </a:solidFill>
-            </a:endParaRPr>
-          </a:p>
-          <a:p>
-            <a:endParaRPr lang="en-US" dirty="0">
-              <a:solidFill>
-                <a:srgbClr val="011F5B"/>
-              </a:solidFill>
-            </a:endParaRPr>
-          </a:p>
-          <a:p>
-            <a:endParaRPr lang="en-US" dirty="0">
-              <a:solidFill>
-                <a:srgbClr val="011F5B"/>
-              </a:solidFill>
-            </a:endParaRPr>
-          </a:p>
-          <a:p>
-            <a:endParaRPr lang="en-US" dirty="0">
-              <a:solidFill>
-                <a:srgbClr val="011F5B"/>
-              </a:solidFill>
-            </a:endParaRPr>
-          </a:p>
-          <a:p>
-            <a:endParaRPr lang="en-US" dirty="0">
-              <a:solidFill>
-                <a:srgbClr val="011F5B"/>
-              </a:solidFill>
-            </a:endParaRPr>
-          </a:p>
-          <a:p>
-            <a:endParaRPr lang="en-US" dirty="0">
-              <a:solidFill>
-                <a:srgbClr val="011F5B"/>
-              </a:solidFill>
-            </a:endParaRPr>
-          </a:p>
-          <a:p>
-            <a:endParaRPr lang="en-US" dirty="0">
-              <a:solidFill>
-                <a:srgbClr val="011F5B"/>
-              </a:solidFill>
-            </a:endParaRPr>
-          </a:p>
-          <a:p>
-            <a:endParaRPr lang="en-US" dirty="0">
+            <a:endParaRPr lang="en-US" sz="1500" dirty="0">
+              <a:solidFill>
+                <a:srgbClr val="011F5B"/>
+              </a:solidFill>
+            </a:endParaRPr>
+          </a:p>
+          <a:p>
+            <a:endParaRPr lang="en-US" sz="1500" dirty="0">
+              <a:solidFill>
+                <a:srgbClr val="011F5B"/>
+              </a:solidFill>
+            </a:endParaRPr>
+          </a:p>
+          <a:p>
+            <a:endParaRPr lang="en-US" sz="1500" dirty="0">
+              <a:solidFill>
+                <a:srgbClr val="011F5B"/>
+              </a:solidFill>
+            </a:endParaRPr>
+          </a:p>
+          <a:p>
+            <a:endParaRPr lang="en-US" sz="1500" dirty="0">
+              <a:solidFill>
+                <a:srgbClr val="011F5B"/>
+              </a:solidFill>
+            </a:endParaRPr>
+          </a:p>
+          <a:p>
+            <a:endParaRPr lang="en-US" sz="1500" dirty="0">
+              <a:solidFill>
+                <a:srgbClr val="011F5B"/>
+              </a:solidFill>
+            </a:endParaRPr>
+          </a:p>
+          <a:p>
+            <a:endParaRPr lang="en-US" sz="1500" dirty="0">
+              <a:solidFill>
+                <a:srgbClr val="011F5B"/>
+              </a:solidFill>
+            </a:endParaRPr>
+          </a:p>
+          <a:p>
+            <a:endParaRPr lang="en-US" sz="1500" dirty="0">
+              <a:solidFill>
+                <a:srgbClr val="011F5B"/>
+              </a:solidFill>
+            </a:endParaRPr>
+          </a:p>
+          <a:p>
+            <a:endParaRPr lang="en-US" sz="1500" dirty="0">
+              <a:solidFill>
+                <a:srgbClr val="011F5B"/>
+              </a:solidFill>
+            </a:endParaRPr>
+          </a:p>
+          <a:p>
+            <a:endParaRPr lang="en-US" sz="1500" dirty="0">
+              <a:solidFill>
+                <a:srgbClr val="011F5B"/>
+              </a:solidFill>
+            </a:endParaRPr>
+          </a:p>
+          <a:p>
+            <a:endParaRPr lang="en-US" sz="1500" dirty="0">
+              <a:solidFill>
+                <a:srgbClr val="011F5B"/>
+              </a:solidFill>
+            </a:endParaRPr>
+          </a:p>
+          <a:p>
+            <a:endParaRPr lang="en-US" sz="1500" dirty="0">
+              <a:solidFill>
+                <a:srgbClr val="011F5B"/>
+              </a:solidFill>
+            </a:endParaRPr>
+          </a:p>
+          <a:p>
+            <a:endParaRPr lang="en-US" sz="1500" dirty="0">
+              <a:solidFill>
+                <a:srgbClr val="011F5B"/>
+              </a:solidFill>
+            </a:endParaRPr>
+          </a:p>
+          <a:p>
+            <a:endParaRPr lang="en-US" sz="1500" dirty="0">
+              <a:solidFill>
+                <a:srgbClr val="011F5B"/>
+              </a:solidFill>
+            </a:endParaRPr>
+          </a:p>
+          <a:p>
+            <a:endParaRPr lang="en-US" sz="1500" dirty="0">
               <a:solidFill>
                 <a:srgbClr val="011F5B"/>
               </a:solidFill>
@@ -3315,8 +3352,8 @@
         </p:nvSpPr>
         <p:spPr>
           <a:xfrm>
-            <a:off x="157236" y="2740499"/>
-            <a:ext cx="5229185" cy="400110"/>
+            <a:off x="131031" y="2512349"/>
+            <a:ext cx="4357654" cy="348878"/>
           </a:xfrm>
           <a:prstGeom prst="rect">
             <a:avLst/>
@@ -3338,7 +3375,7 @@
           <a:p>
             <a:pPr algn="ctr"/>
             <a:r>
-              <a:rPr lang="en-US" sz="2000" b="1" dirty="0">
+              <a:rPr lang="en-US" sz="1667" b="1" dirty="0">
                 <a:solidFill>
                   <a:schemeClr val="bg1"/>
                 </a:solidFill>
@@ -3363,8 +3400,8 @@
         </p:nvSpPr>
         <p:spPr>
           <a:xfrm>
-            <a:off x="157236" y="5847033"/>
-            <a:ext cx="5229185" cy="4801314"/>
+            <a:off x="131031" y="6008145"/>
+            <a:ext cx="4357654" cy="3554819"/>
           </a:xfrm>
           <a:prstGeom prst="rect">
             <a:avLst/>
@@ -3384,123 +3421,153 @@
           </a:bodyPr>
           <a:lstStyle/>
           <a:p>
-            <a:endParaRPr lang="en-US" dirty="0">
-              <a:solidFill>
-                <a:srgbClr val="011F5B"/>
-              </a:solidFill>
-            </a:endParaRPr>
-          </a:p>
-          <a:p>
-            <a:endParaRPr lang="en-US" dirty="0">
-              <a:solidFill>
-                <a:srgbClr val="011F5B"/>
-              </a:solidFill>
-            </a:endParaRPr>
-          </a:p>
-          <a:p>
-            <a:endParaRPr lang="en-US" dirty="0">
-              <a:solidFill>
-                <a:srgbClr val="011F5B"/>
-              </a:solidFill>
-            </a:endParaRPr>
-          </a:p>
-          <a:p>
-            <a:endParaRPr lang="en-US" dirty="0">
-              <a:solidFill>
-                <a:srgbClr val="011F5B"/>
-              </a:solidFill>
-            </a:endParaRPr>
-          </a:p>
-          <a:p>
-            <a:endParaRPr lang="en-US" dirty="0">
-              <a:solidFill>
-                <a:srgbClr val="011F5B"/>
-              </a:solidFill>
-            </a:endParaRPr>
-          </a:p>
-          <a:p>
-            <a:endParaRPr lang="en-US" dirty="0">
-              <a:solidFill>
-                <a:srgbClr val="011F5B"/>
-              </a:solidFill>
-            </a:endParaRPr>
-          </a:p>
-          <a:p>
-            <a:endParaRPr lang="en-US" dirty="0">
-              <a:solidFill>
-                <a:srgbClr val="011F5B"/>
-              </a:solidFill>
-            </a:endParaRPr>
-          </a:p>
-          <a:p>
-            <a:endParaRPr lang="en-US" dirty="0">
-              <a:solidFill>
-                <a:srgbClr val="011F5B"/>
-              </a:solidFill>
-            </a:endParaRPr>
-          </a:p>
-          <a:p>
-            <a:endParaRPr lang="en-US" dirty="0">
-              <a:solidFill>
-                <a:srgbClr val="011F5B"/>
-              </a:solidFill>
-            </a:endParaRPr>
-          </a:p>
-          <a:p>
-            <a:endParaRPr lang="en-US" dirty="0">
-              <a:solidFill>
-                <a:srgbClr val="011F5B"/>
-              </a:solidFill>
-            </a:endParaRPr>
-          </a:p>
-          <a:p>
-            <a:endParaRPr lang="en-US" dirty="0">
-              <a:solidFill>
-                <a:srgbClr val="011F5B"/>
-              </a:solidFill>
-            </a:endParaRPr>
-          </a:p>
-          <a:p>
-            <a:endParaRPr lang="en-US" dirty="0">
-              <a:solidFill>
-                <a:srgbClr val="011F5B"/>
-              </a:solidFill>
-            </a:endParaRPr>
-          </a:p>
-          <a:p>
-            <a:endParaRPr lang="en-US" dirty="0">
-              <a:solidFill>
-                <a:srgbClr val="011F5B"/>
-              </a:solidFill>
-            </a:endParaRPr>
-          </a:p>
-          <a:p>
-            <a:endParaRPr lang="en-US" dirty="0">
-              <a:solidFill>
-                <a:srgbClr val="011F5B"/>
-              </a:solidFill>
-            </a:endParaRPr>
-          </a:p>
-          <a:p>
-            <a:endParaRPr lang="en-US" dirty="0">
-              <a:solidFill>
-                <a:srgbClr val="011F5B"/>
-              </a:solidFill>
-            </a:endParaRPr>
-          </a:p>
-          <a:p>
-            <a:endParaRPr lang="en-US" dirty="0">
-              <a:solidFill>
-                <a:srgbClr val="011F5B"/>
-              </a:solidFill>
-            </a:endParaRPr>
-          </a:p>
-          <a:p>
-            <a:endParaRPr lang="en-US" dirty="0">
-              <a:solidFill>
-                <a:srgbClr val="011F5B"/>
-              </a:solidFill>
-            </a:endParaRPr>
+            <a:endParaRPr lang="en-US" sz="1500" dirty="0">
+              <a:solidFill>
+                <a:srgbClr val="011F5B"/>
+              </a:solidFill>
+            </a:endParaRPr>
+          </a:p>
+          <a:p>
+            <a:endParaRPr lang="en-US" sz="1500" dirty="0">
+              <a:solidFill>
+                <a:srgbClr val="011F5B"/>
+              </a:solidFill>
+            </a:endParaRPr>
+          </a:p>
+          <a:p>
+            <a:r>
+              <a:rPr lang="en-US" sz="1500" dirty="0">
+                <a:solidFill>
+                  <a:srgbClr val="011F5B"/>
+                </a:solidFill>
+              </a:rPr>
+              <a:t>Tweets:</a:t>
+            </a:r>
+          </a:p>
+          <a:p>
+            <a:r>
+              <a:rPr lang="en-US" sz="1500" dirty="0">
+                <a:solidFill>
+                  <a:srgbClr val="011F5B"/>
+                </a:solidFill>
+              </a:rPr>
+              <a:t>Web-scraper on ‘Top 30 Crypto Accounts to Follow’ </a:t>
+            </a:r>
+            <a:r>
+              <a:rPr lang="en-US" sz="1500" dirty="0">
+                <a:solidFill>
+                  <a:srgbClr val="011F5B"/>
+                </a:solidFill>
+                <a:sym typeface="Wingdings" panose="05000000000000000000" pitchFamily="2" charset="2"/>
+              </a:rPr>
+              <a:t> Good data (17000 tweets)</a:t>
+            </a:r>
+            <a:endParaRPr lang="en-US" sz="1500" dirty="0">
+              <a:solidFill>
+                <a:srgbClr val="011F5B"/>
+              </a:solidFill>
+            </a:endParaRPr>
+          </a:p>
+          <a:p>
+            <a:r>
+              <a:rPr lang="en-US" sz="1500" dirty="0">
+                <a:solidFill>
+                  <a:srgbClr val="011F5B"/>
+                </a:solidFill>
+              </a:rPr>
+              <a:t>Web-scraper on words containing ‘XRP or Ripple’ from April 13 to April 25 </a:t>
+            </a:r>
+            <a:r>
+              <a:rPr lang="en-US" sz="1500" dirty="0">
+                <a:solidFill>
+                  <a:srgbClr val="011F5B"/>
+                </a:solidFill>
+                <a:sym typeface="Wingdings" panose="05000000000000000000" pitchFamily="2" charset="2"/>
+              </a:rPr>
+              <a:t> 80k tweets</a:t>
+            </a:r>
+            <a:endParaRPr lang="en-US" sz="1500" dirty="0">
+              <a:solidFill>
+                <a:srgbClr val="011F5B"/>
+              </a:solidFill>
+            </a:endParaRPr>
+          </a:p>
+          <a:p>
+            <a:r>
+              <a:rPr lang="en-US" sz="1500" dirty="0">
+                <a:solidFill>
+                  <a:srgbClr val="FF0000"/>
+                </a:solidFill>
+              </a:rPr>
+              <a:t>Include samples</a:t>
+            </a:r>
+          </a:p>
+          <a:p>
+            <a:endParaRPr lang="en-US" sz="1500" dirty="0">
+              <a:solidFill>
+                <a:srgbClr val="011F5B"/>
+              </a:solidFill>
+            </a:endParaRPr>
+          </a:p>
+          <a:p>
+            <a:endParaRPr lang="en-US" sz="1500" dirty="0">
+              <a:solidFill>
+                <a:srgbClr val="011F5B"/>
+              </a:solidFill>
+            </a:endParaRPr>
+          </a:p>
+          <a:p>
+            <a:r>
+              <a:rPr lang="en-US" sz="1500" dirty="0">
+                <a:solidFill>
+                  <a:srgbClr val="011F5B"/>
+                </a:solidFill>
+              </a:rPr>
+              <a:t>Web-scraper returned the following string which was split into a pandas data frame using Regex patterns.</a:t>
+            </a:r>
+          </a:p>
+          <a:p>
+            <a:endParaRPr lang="en-US" sz="1500" dirty="0">
+              <a:solidFill>
+                <a:srgbClr val="011F5B"/>
+              </a:solidFill>
+            </a:endParaRPr>
+          </a:p>
+          <a:p>
+            <a:r>
+              <a:rPr lang="en-US" sz="1500" dirty="0">
+                <a:solidFill>
+                  <a:srgbClr val="011F5B"/>
+                </a:solidFill>
+              </a:rPr>
+              <a:t>XRP Price Data:</a:t>
+            </a:r>
+          </a:p>
+          <a:p>
+            <a:r>
+              <a:rPr lang="en-US" sz="1500" dirty="0">
+                <a:solidFill>
+                  <a:srgbClr val="011F5B"/>
+                </a:solidFill>
+              </a:rPr>
+              <a:t>XRP </a:t>
+            </a:r>
+            <a:r>
+              <a:rPr lang="en-US" sz="1500" dirty="0" err="1">
+                <a:solidFill>
+                  <a:srgbClr val="011F5B"/>
+                </a:solidFill>
+              </a:rPr>
+              <a:t>api</a:t>
+            </a:r>
+            <a:r>
+              <a:rPr lang="en-US" sz="1500" dirty="0">
+                <a:solidFill>
+                  <a:srgbClr val="011F5B"/>
+                </a:solidFill>
+              </a:rPr>
+              <a:t> queried hourly..</a:t>
+            </a:r>
           </a:p>
         </p:txBody>
       </p:sp>
@@ -3518,8 +3585,8 @@
         </p:nvSpPr>
         <p:spPr>
           <a:xfrm>
-            <a:off x="157236" y="5847033"/>
-            <a:ext cx="5229185" cy="400110"/>
+            <a:off x="131031" y="6008144"/>
+            <a:ext cx="4357654" cy="348878"/>
           </a:xfrm>
           <a:prstGeom prst="rect">
             <a:avLst/>
@@ -3541,23 +3608,720 @@
           <a:p>
             <a:pPr algn="ctr"/>
             <a:r>
-              <a:rPr lang="en-US" sz="2000" b="1" dirty="0">
+              <a:rPr lang="en-US" sz="1667" b="1" dirty="0">
                 <a:solidFill>
                   <a:schemeClr val="bg1"/>
                 </a:solidFill>
                 <a:latin typeface="Garamond" panose="02020404030301010803" pitchFamily="18" charset="0"/>
               </a:rPr>
-              <a:t>Data</a:t>
-            </a:r>
-          </a:p>
-        </p:txBody>
-      </p:sp>
-      <p:sp>
-        <p:nvSpPr>
-          <p:cNvPr id="15" name="TextBox 14">
+              <a:t>Data Collection &amp; Pre-processing</a:t>
+            </a:r>
+          </a:p>
+        </p:txBody>
+      </p:sp>
+      <mc:AlternateContent xmlns:mc="http://schemas.openxmlformats.org/markup-compatibility/2006">
+        <mc:Choice xmlns:a14="http://schemas.microsoft.com/office/drawing/2010/main" Requires="a14">
+          <p:sp>
+            <p:nvSpPr>
+              <p:cNvPr id="15" name="TextBox 14">
+                <a:extLst>
+                  <a:ext uri="{FF2B5EF4-FFF2-40B4-BE49-F238E27FC236}">
+                    <a16:creationId xmlns:a16="http://schemas.microsoft.com/office/drawing/2014/main" id="{72250C3B-DB37-480D-BB9C-66854635BA3F}"/>
+                  </a:ext>
+                </a:extLst>
+              </p:cNvPr>
+              <p:cNvSpPr txBox="1"/>
+              <p:nvPr/>
+            </p:nvSpPr>
+            <p:spPr>
+              <a:xfrm>
+                <a:off x="131031" y="9957759"/>
+                <a:ext cx="4357654" cy="8339912"/>
+              </a:xfrm>
+              <a:prstGeom prst="rect">
+                <a:avLst/>
+              </a:prstGeom>
+              <a:solidFill>
+                <a:schemeClr val="bg1"/>
+              </a:solidFill>
+              <a:ln>
+                <a:solidFill>
+                  <a:srgbClr val="011F5B"/>
+                </a:solidFill>
+              </a:ln>
+            </p:spPr>
+            <p:txBody>
+              <a:bodyPr wrap="square" rtlCol="0">
+                <a:spAutoFit/>
+              </a:bodyPr>
+              <a:lstStyle/>
+              <a:p>
+                <a:endParaRPr lang="en-US" sz="1500" dirty="0">
+                  <a:solidFill>
+                    <a:srgbClr val="011F5B"/>
+                  </a:solidFill>
+                </a:endParaRPr>
+              </a:p>
+              <a:p>
+                <a:endParaRPr lang="en-US" sz="1500" dirty="0">
+                  <a:solidFill>
+                    <a:srgbClr val="011F5B"/>
+                  </a:solidFill>
+                </a:endParaRPr>
+              </a:p>
+              <a:p>
+                <a:r>
+                  <a:rPr lang="en-US" sz="1500" dirty="0">
+                    <a:solidFill>
+                      <a:srgbClr val="011F5B"/>
+                    </a:solidFill>
+                  </a:rPr>
+                  <a:t>Generating Training Data:</a:t>
+                </a:r>
+              </a:p>
+              <a:p>
+                <a:r>
+                  <a:rPr lang="en-US" sz="1500" dirty="0">
+                    <a:solidFill>
+                      <a:srgbClr val="011F5B"/>
+                    </a:solidFill>
+                  </a:rPr>
+                  <a:t>After loading the data, URLs and Mentions were regularized using to Regex patterns to ‘_</a:t>
+                </a:r>
+                <a:r>
+                  <a:rPr lang="en-US" sz="1500" dirty="0" err="1">
+                    <a:solidFill>
+                      <a:srgbClr val="011F5B"/>
+                    </a:solidFill>
+                  </a:rPr>
+                  <a:t>url</a:t>
+                </a:r>
+                <a:r>
+                  <a:rPr lang="en-US" sz="1500" dirty="0">
+                    <a:solidFill>
+                      <a:srgbClr val="011F5B"/>
+                    </a:solidFill>
+                  </a:rPr>
+                  <a:t>_’ and ‘@’ respectively and hashtags were removed. Using a </a:t>
+                </a:r>
+                <a:r>
+                  <a:rPr lang="en-US" sz="1500" dirty="0" err="1">
+                    <a:solidFill>
+                      <a:srgbClr val="011F5B"/>
+                    </a:solidFill>
+                  </a:rPr>
+                  <a:t>DictVectorizer</a:t>
+                </a:r>
+                <a:r>
+                  <a:rPr lang="en-US" sz="1500" dirty="0">
+                    <a:solidFill>
+                      <a:srgbClr val="011F5B"/>
+                    </a:solidFill>
+                  </a:rPr>
+                  <a:t>, the most frequent words were identified and analyzed for links to spam. For example a top word identified was ‘airdrop’ which was associated with tweets like:</a:t>
+                </a:r>
+              </a:p>
+              <a:p>
+                <a:endParaRPr lang="en-US" sz="1500" dirty="0">
+                  <a:solidFill>
+                    <a:srgbClr val="011F5B"/>
+                  </a:solidFill>
+                </a:endParaRPr>
+              </a:p>
+              <a:p>
+                <a:r>
+                  <a:rPr lang="en-US" sz="1500" dirty="0">
+                    <a:solidFill>
+                      <a:srgbClr val="011F5B"/>
+                    </a:solidFill>
+                  </a:rPr>
+                  <a:t>“</a:t>
+                </a:r>
+                <a:r>
+                  <a:rPr lang="en-US" sz="1500" dirty="0" err="1">
+                    <a:solidFill>
+                      <a:srgbClr val="011F5B"/>
+                    </a:solidFill>
+                  </a:rPr>
+                  <a:t>stockchain</a:t>
+                </a:r>
+                <a:r>
+                  <a:rPr lang="en-US" sz="1500" dirty="0">
+                    <a:solidFill>
+                      <a:srgbClr val="011F5B"/>
+                    </a:solidFill>
+                  </a:rPr>
+                  <a:t> (</a:t>
+                </a:r>
+                <a:r>
+                  <a:rPr lang="en-US" sz="1500" dirty="0" err="1">
+                    <a:solidFill>
+                      <a:srgbClr val="011F5B"/>
+                    </a:solidFill>
+                  </a:rPr>
+                  <a:t>scc</a:t>
+                </a:r>
+                <a:r>
+                  <a:rPr lang="en-US" sz="1500" dirty="0">
+                    <a:solidFill>
+                      <a:srgbClr val="011F5B"/>
+                    </a:solidFill>
+                  </a:rPr>
+                  <a:t>) final airdrop 500 </a:t>
+                </a:r>
+                <a:r>
+                  <a:rPr lang="en-US" sz="1500" dirty="0" err="1">
+                    <a:solidFill>
+                      <a:srgbClr val="011F5B"/>
+                    </a:solidFill>
+                  </a:rPr>
+                  <a:t>scc</a:t>
+                </a:r>
+                <a:r>
+                  <a:rPr lang="en-US" sz="1500" dirty="0">
+                    <a:solidFill>
+                      <a:srgbClr val="011F5B"/>
+                    </a:solidFill>
+                  </a:rPr>
+                  <a:t> bonus don’t miss! #airdrop #</a:t>
+                </a:r>
+                <a:r>
+                  <a:rPr lang="en-US" sz="1500" dirty="0" err="1">
+                    <a:solidFill>
+                      <a:srgbClr val="011F5B"/>
+                    </a:solidFill>
+                  </a:rPr>
+                  <a:t>btc</a:t>
+                </a:r>
+                <a:r>
+                  <a:rPr lang="en-US" sz="1500" dirty="0">
+                    <a:solidFill>
+                      <a:srgbClr val="011F5B"/>
+                    </a:solidFill>
+                  </a:rPr>
+                  <a:t> #neo #eth #</a:t>
+                </a:r>
+                <a:r>
+                  <a:rPr lang="en-US" sz="1500" dirty="0" err="1">
+                    <a:solidFill>
+                      <a:srgbClr val="011F5B"/>
+                    </a:solidFill>
+                  </a:rPr>
+                  <a:t>freetoken</a:t>
+                </a:r>
+                <a:r>
+                  <a:rPr lang="en-US" sz="1500" dirty="0">
+                    <a:solidFill>
+                      <a:srgbClr val="011F5B"/>
+                    </a:solidFill>
+                  </a:rPr>
+                  <a:t> #crypto #</a:t>
+                </a:r>
+                <a:r>
+                  <a:rPr lang="en-US" sz="1500" dirty="0" err="1">
+                    <a:solidFill>
+                      <a:srgbClr val="011F5B"/>
+                    </a:solidFill>
+                  </a:rPr>
+                  <a:t>xrp</a:t>
+                </a:r>
+                <a:r>
+                  <a:rPr lang="en-US" sz="1500" dirty="0">
+                    <a:solidFill>
+                      <a:srgbClr val="011F5B"/>
+                    </a:solidFill>
+                  </a:rPr>
+                  <a:t> #blockchain #ripple #</a:t>
+                </a:r>
+                <a:r>
+                  <a:rPr lang="en-US" sz="1500" dirty="0" err="1">
+                    <a:solidFill>
+                      <a:srgbClr val="011F5B"/>
+                    </a:solidFill>
+                  </a:rPr>
+                  <a:t>trx</a:t>
+                </a:r>
+                <a:r>
+                  <a:rPr lang="en-US" sz="1500" dirty="0">
+                    <a:solidFill>
+                      <a:srgbClr val="011F5B"/>
+                    </a:solidFill>
+                  </a:rPr>
+                  <a:t>”</a:t>
+                </a:r>
+              </a:p>
+              <a:p>
+                <a:endParaRPr lang="en-US" sz="1500" dirty="0">
+                  <a:solidFill>
+                    <a:srgbClr val="011F5B"/>
+                  </a:solidFill>
+                </a:endParaRPr>
+              </a:p>
+              <a:p>
+                <a:r>
+                  <a:rPr lang="en-US" sz="1500" dirty="0">
+                    <a:solidFill>
+                      <a:srgbClr val="011F5B"/>
+                    </a:solidFill>
+                  </a:rPr>
+                  <a:t>From this analysis we labeled any tweet containing:</a:t>
+                </a:r>
+              </a:p>
+              <a:p>
+                <a:endParaRPr lang="en-US" sz="1500" dirty="0">
+                  <a:solidFill>
+                    <a:srgbClr val="011F5B"/>
+                  </a:solidFill>
+                </a:endParaRPr>
+              </a:p>
+              <a:p>
+                <a:endParaRPr lang="en-US" sz="1500" dirty="0">
+                  <a:solidFill>
+                    <a:srgbClr val="011F5B"/>
+                  </a:solidFill>
+                </a:endParaRPr>
+              </a:p>
+              <a:p>
+                <a:endParaRPr lang="en-US" sz="1500" dirty="0">
+                  <a:solidFill>
+                    <a:srgbClr val="011F5B"/>
+                  </a:solidFill>
+                </a:endParaRPr>
+              </a:p>
+              <a:p>
+                <a:endParaRPr lang="en-US" sz="1500" dirty="0">
+                  <a:solidFill>
+                    <a:srgbClr val="011F5B"/>
+                  </a:solidFill>
+                </a:endParaRPr>
+              </a:p>
+              <a:p>
+                <a:endParaRPr lang="en-US" sz="1500" dirty="0">
+                  <a:solidFill>
+                    <a:srgbClr val="011F5B"/>
+                  </a:solidFill>
+                </a:endParaRPr>
+              </a:p>
+              <a:p>
+                <a:endParaRPr lang="en-US" sz="1500" dirty="0">
+                  <a:solidFill>
+                    <a:srgbClr val="011F5B"/>
+                  </a:solidFill>
+                </a:endParaRPr>
+              </a:p>
+              <a:p>
+                <a:endParaRPr lang="en-US" sz="1500" dirty="0">
+                  <a:solidFill>
+                    <a:srgbClr val="011F5B"/>
+                  </a:solidFill>
+                </a:endParaRPr>
+              </a:p>
+              <a:p>
+                <a:r>
+                  <a:rPr lang="en-US" sz="1500" dirty="0">
+                    <a:solidFill>
+                      <a:srgbClr val="011F5B"/>
+                    </a:solidFill>
+                  </a:rPr>
+                  <a:t>For spam classification a Naïve-Bayes filter was applied. A Naïve-Bayes classifier generates predictions according to:</a:t>
+                </a:r>
+              </a:p>
+              <a:p>
+                <a14:m>
+                  <m:oMathPara xmlns:m="http://schemas.openxmlformats.org/officeDocument/2006/math">
+                    <m:oMathParaPr>
+                      <m:jc m:val="centerGroup"/>
+                    </m:oMathParaPr>
+                    <m:oMath xmlns:m="http://schemas.openxmlformats.org/officeDocument/2006/math">
+                      <m:acc>
+                        <m:accPr>
+                          <m:chr m:val="̂"/>
+                          <m:ctrlPr>
+                            <a:rPr lang="en-US" sz="1500" i="1" smtClean="0">
+                              <a:solidFill>
+                                <a:srgbClr val="011F5B"/>
+                              </a:solidFill>
+                              <a:latin typeface="Cambria Math" panose="02040503050406030204" pitchFamily="18" charset="0"/>
+                            </a:rPr>
+                          </m:ctrlPr>
+                        </m:accPr>
+                        <m:e>
+                          <m:r>
+                            <a:rPr lang="en-US" sz="1500" b="0" i="1" smtClean="0">
+                              <a:solidFill>
+                                <a:srgbClr val="011F5B"/>
+                              </a:solidFill>
+                              <a:latin typeface="Cambria Math" panose="02040503050406030204" pitchFamily="18" charset="0"/>
+                            </a:rPr>
+                            <m:t>𝑦</m:t>
+                          </m:r>
+                        </m:e>
+                      </m:acc>
+                      <m:r>
+                        <a:rPr lang="en-US" sz="1500" b="0" i="1" smtClean="0">
+                          <a:solidFill>
+                            <a:srgbClr val="011F5B"/>
+                          </a:solidFill>
+                          <a:latin typeface="Cambria Math" panose="02040503050406030204" pitchFamily="18" charset="0"/>
+                        </a:rPr>
+                        <m:t>=</m:t>
+                      </m:r>
+                      <m:func>
+                        <m:funcPr>
+                          <m:ctrlPr>
+                            <a:rPr lang="en-US" sz="1500" b="0" i="1" smtClean="0">
+                              <a:solidFill>
+                                <a:srgbClr val="011F5B"/>
+                              </a:solidFill>
+                              <a:latin typeface="Cambria Math" panose="02040503050406030204" pitchFamily="18" charset="0"/>
+                            </a:rPr>
+                          </m:ctrlPr>
+                        </m:funcPr>
+                        <m:fName>
+                          <m:limLow>
+                            <m:limLowPr>
+                              <m:ctrlPr>
+                                <a:rPr lang="en-US" sz="1500" b="0" i="1" smtClean="0">
+                                  <a:solidFill>
+                                    <a:srgbClr val="011F5B"/>
+                                  </a:solidFill>
+                                  <a:latin typeface="Cambria Math" panose="02040503050406030204" pitchFamily="18" charset="0"/>
+                                </a:rPr>
+                              </m:ctrlPr>
+                            </m:limLowPr>
+                            <m:e>
+                              <m:r>
+                                <m:rPr>
+                                  <m:sty m:val="p"/>
+                                </m:rPr>
+                                <a:rPr lang="en-US" sz="1500" b="0" i="0" smtClean="0">
+                                  <a:solidFill>
+                                    <a:srgbClr val="011F5B"/>
+                                  </a:solidFill>
+                                  <a:latin typeface="Cambria Math" panose="02040503050406030204" pitchFamily="18" charset="0"/>
+                                </a:rPr>
+                                <m:t>max</m:t>
+                              </m:r>
+                            </m:e>
+                            <m:lim>
+                              <m:r>
+                                <a:rPr lang="en-US" sz="1500" b="0" i="1" smtClean="0">
+                                  <a:solidFill>
+                                    <a:srgbClr val="011F5B"/>
+                                  </a:solidFill>
+                                  <a:latin typeface="Cambria Math" panose="02040503050406030204" pitchFamily="18" charset="0"/>
+                                </a:rPr>
+                                <m:t>𝑘</m:t>
+                              </m:r>
+                              <m:r>
+                                <a:rPr lang="en-US" sz="1500" b="0" i="1" smtClean="0">
+                                  <a:solidFill>
+                                    <a:srgbClr val="011F5B"/>
+                                  </a:solidFill>
+                                  <a:latin typeface="Cambria Math" panose="02040503050406030204" pitchFamily="18" charset="0"/>
+                                </a:rPr>
+                                <m:t> ∈0,1</m:t>
+                              </m:r>
+                            </m:lim>
+                          </m:limLow>
+                        </m:fName>
+                        <m:e>
+                          <m:r>
+                            <a:rPr lang="en-US" sz="1500" b="0" i="1" smtClean="0">
+                              <a:solidFill>
+                                <a:srgbClr val="011F5B"/>
+                              </a:solidFill>
+                              <a:latin typeface="Cambria Math" panose="02040503050406030204" pitchFamily="18" charset="0"/>
+                            </a:rPr>
+                            <m:t>𝑝</m:t>
+                          </m:r>
+                          <m:d>
+                            <m:dPr>
+                              <m:ctrlPr>
+                                <a:rPr lang="en-US" sz="1500" b="0" i="1" smtClean="0">
+                                  <a:solidFill>
+                                    <a:srgbClr val="011F5B"/>
+                                  </a:solidFill>
+                                  <a:latin typeface="Cambria Math" panose="02040503050406030204" pitchFamily="18" charset="0"/>
+                                </a:rPr>
+                              </m:ctrlPr>
+                            </m:dPr>
+                            <m:e>
+                              <m:sSub>
+                                <m:sSubPr>
+                                  <m:ctrlPr>
+                                    <a:rPr lang="en-US" sz="1500" b="0" i="1" smtClean="0">
+                                      <a:solidFill>
+                                        <a:srgbClr val="011F5B"/>
+                                      </a:solidFill>
+                                      <a:latin typeface="Cambria Math" panose="02040503050406030204" pitchFamily="18" charset="0"/>
+                                    </a:rPr>
+                                  </m:ctrlPr>
+                                </m:sSubPr>
+                                <m:e>
+                                  <m:r>
+                                    <a:rPr lang="en-US" sz="1500" b="0" i="1" smtClean="0">
+                                      <a:solidFill>
+                                        <a:srgbClr val="011F5B"/>
+                                      </a:solidFill>
+                                      <a:latin typeface="Cambria Math" panose="02040503050406030204" pitchFamily="18" charset="0"/>
+                                    </a:rPr>
+                                    <m:t>𝑦</m:t>
+                                  </m:r>
+                                </m:e>
+                                <m:sub>
+                                  <m:r>
+                                    <a:rPr lang="en-US" sz="1500" b="0" i="1" smtClean="0">
+                                      <a:solidFill>
+                                        <a:srgbClr val="011F5B"/>
+                                      </a:solidFill>
+                                      <a:latin typeface="Cambria Math" panose="02040503050406030204" pitchFamily="18" charset="0"/>
+                                    </a:rPr>
+                                    <m:t>𝑘</m:t>
+                                  </m:r>
+                                </m:sub>
+                              </m:sSub>
+                            </m:e>
+                          </m:d>
+                          <m:nary>
+                            <m:naryPr>
+                              <m:chr m:val="∏"/>
+                              <m:ctrlPr>
+                                <a:rPr lang="en-US" sz="1500" b="0" i="1" smtClean="0">
+                                  <a:solidFill>
+                                    <a:srgbClr val="011F5B"/>
+                                  </a:solidFill>
+                                  <a:latin typeface="Cambria Math" panose="02040503050406030204" pitchFamily="18" charset="0"/>
+                                </a:rPr>
+                              </m:ctrlPr>
+                            </m:naryPr>
+                            <m:sub>
+                              <m:r>
+                                <m:rPr>
+                                  <m:brk m:alnAt="23"/>
+                                </m:rPr>
+                                <a:rPr lang="en-US" sz="1500" b="0" i="1" smtClean="0">
+                                  <a:solidFill>
+                                    <a:srgbClr val="011F5B"/>
+                                  </a:solidFill>
+                                  <a:latin typeface="Cambria Math" panose="02040503050406030204" pitchFamily="18" charset="0"/>
+                                </a:rPr>
+                                <m:t>𝑖</m:t>
+                              </m:r>
+                              <m:r>
+                                <a:rPr lang="en-US" sz="1500" b="0" i="1" smtClean="0">
+                                  <a:solidFill>
+                                    <a:srgbClr val="011F5B"/>
+                                  </a:solidFill>
+                                  <a:latin typeface="Cambria Math" panose="02040503050406030204" pitchFamily="18" charset="0"/>
+                                </a:rPr>
+                                <m:t>=1</m:t>
+                              </m:r>
+                            </m:sub>
+                            <m:sup>
+                              <m:r>
+                                <a:rPr lang="en-US" sz="1500" b="0" i="1" smtClean="0">
+                                  <a:solidFill>
+                                    <a:srgbClr val="011F5B"/>
+                                  </a:solidFill>
+                                  <a:latin typeface="Cambria Math" panose="02040503050406030204" pitchFamily="18" charset="0"/>
+                                </a:rPr>
+                                <m:t>𝑛</m:t>
+                              </m:r>
+                            </m:sup>
+                            <m:e>
+                              <m:r>
+                                <a:rPr lang="en-US" sz="1500" b="0" i="1" smtClean="0">
+                                  <a:solidFill>
+                                    <a:srgbClr val="011F5B"/>
+                                  </a:solidFill>
+                                  <a:latin typeface="Cambria Math" panose="02040503050406030204" pitchFamily="18" charset="0"/>
+                                </a:rPr>
+                                <m:t>𝑝</m:t>
+                              </m:r>
+                              <m:d>
+                                <m:dPr>
+                                  <m:ctrlPr>
+                                    <a:rPr lang="en-US" sz="1500" b="0" i="1" smtClean="0">
+                                      <a:solidFill>
+                                        <a:srgbClr val="011F5B"/>
+                                      </a:solidFill>
+                                      <a:latin typeface="Cambria Math" panose="02040503050406030204" pitchFamily="18" charset="0"/>
+                                    </a:rPr>
+                                  </m:ctrlPr>
+                                </m:dPr>
+                                <m:e>
+                                  <m:sSub>
+                                    <m:sSubPr>
+                                      <m:ctrlPr>
+                                        <a:rPr lang="en-US" sz="1500" b="0" i="1" smtClean="0">
+                                          <a:solidFill>
+                                            <a:srgbClr val="011F5B"/>
+                                          </a:solidFill>
+                                          <a:latin typeface="Cambria Math" panose="02040503050406030204" pitchFamily="18" charset="0"/>
+                                        </a:rPr>
+                                      </m:ctrlPr>
+                                    </m:sSubPr>
+                                    <m:e>
+                                      <m:r>
+                                        <a:rPr lang="en-US" sz="1500" b="0" i="1" smtClean="0">
+                                          <a:solidFill>
+                                            <a:srgbClr val="011F5B"/>
+                                          </a:solidFill>
+                                          <a:latin typeface="Cambria Math" panose="02040503050406030204" pitchFamily="18" charset="0"/>
+                                        </a:rPr>
+                                        <m:t>𝑥</m:t>
+                                      </m:r>
+                                    </m:e>
+                                    <m:sub>
+                                      <m:r>
+                                        <a:rPr lang="en-US" sz="1500" b="0" i="1" smtClean="0">
+                                          <a:solidFill>
+                                            <a:srgbClr val="011F5B"/>
+                                          </a:solidFill>
+                                          <a:latin typeface="Cambria Math" panose="02040503050406030204" pitchFamily="18" charset="0"/>
+                                        </a:rPr>
+                                        <m:t>𝑖</m:t>
+                                      </m:r>
+                                    </m:sub>
+                                  </m:sSub>
+                                </m:e>
+                                <m:e>
+                                  <m:sSub>
+                                    <m:sSubPr>
+                                      <m:ctrlPr>
+                                        <a:rPr lang="en-US" sz="1500" b="0" i="1" smtClean="0">
+                                          <a:solidFill>
+                                            <a:srgbClr val="011F5B"/>
+                                          </a:solidFill>
+                                          <a:latin typeface="Cambria Math" panose="02040503050406030204" pitchFamily="18" charset="0"/>
+                                        </a:rPr>
+                                      </m:ctrlPr>
+                                    </m:sSubPr>
+                                    <m:e>
+                                      <m:r>
+                                        <a:rPr lang="en-US" sz="1500" b="0" i="1" smtClean="0">
+                                          <a:solidFill>
+                                            <a:srgbClr val="011F5B"/>
+                                          </a:solidFill>
+                                          <a:latin typeface="Cambria Math" panose="02040503050406030204" pitchFamily="18" charset="0"/>
+                                        </a:rPr>
+                                        <m:t>𝑦</m:t>
+                                      </m:r>
+                                    </m:e>
+                                    <m:sub>
+                                      <m:r>
+                                        <a:rPr lang="en-US" sz="1500" b="0" i="1" smtClean="0">
+                                          <a:solidFill>
+                                            <a:srgbClr val="011F5B"/>
+                                          </a:solidFill>
+                                          <a:latin typeface="Cambria Math" panose="02040503050406030204" pitchFamily="18" charset="0"/>
+                                        </a:rPr>
+                                        <m:t>𝑘</m:t>
+                                      </m:r>
+                                    </m:sub>
+                                  </m:sSub>
+                                </m:e>
+                              </m:d>
+                            </m:e>
+                          </m:nary>
+                        </m:e>
+                      </m:func>
+                    </m:oMath>
+                  </m:oMathPara>
+                </a14:m>
+                <a:endParaRPr lang="en-US" sz="1500" dirty="0">
+                  <a:solidFill>
+                    <a:srgbClr val="011F5B"/>
+                  </a:solidFill>
+                </a:endParaRPr>
+              </a:p>
+              <a:p>
+                <a:r>
+                  <a:rPr lang="en-US" sz="1500" dirty="0">
+                    <a:solidFill>
+                      <a:srgbClr val="011F5B"/>
+                    </a:solidFill>
+                  </a:rPr>
+                  <a:t>We only used data from our Top30 sources as positive examples and spam as negative. We held out 20% of the group for testing and were able to achieve 98% training accuracy and 96% testing accuracy. </a:t>
+                </a:r>
+              </a:p>
+              <a:p>
+                <a:endParaRPr lang="en-US" sz="1500" dirty="0">
+                  <a:solidFill>
+                    <a:srgbClr val="011F5B"/>
+                  </a:solidFill>
+                </a:endParaRPr>
+              </a:p>
+              <a:p>
+                <a:r>
+                  <a:rPr lang="en-US" sz="1500" dirty="0">
+                    <a:solidFill>
+                      <a:srgbClr val="011F5B"/>
+                    </a:solidFill>
+                  </a:rPr>
+                  <a:t>Once the model was trained, we applied it to the general set of 80k tweets and increased the threshold </a:t>
+                </a:r>
+              </a:p>
+            </p:txBody>
+          </p:sp>
+        </mc:Choice>
+        <mc:Fallback>
+          <p:sp>
+            <p:nvSpPr>
+              <p:cNvPr id="15" name="TextBox 14">
+                <a:extLst>
+                  <a:ext uri="{FF2B5EF4-FFF2-40B4-BE49-F238E27FC236}">
+                    <a16:creationId xmlns:a16="http://schemas.microsoft.com/office/drawing/2014/main" id="{72250C3B-DB37-480D-BB9C-66854635BA3F}"/>
+                  </a:ext>
+                </a:extLst>
+              </p:cNvPr>
+              <p:cNvSpPr txBox="1">
+                <a:spLocks noRot="1" noChangeAspect="1" noMove="1" noResize="1" noEditPoints="1" noAdjustHandles="1" noChangeArrowheads="1" noChangeShapeType="1" noTextEdit="1"/>
+              </p:cNvSpPr>
+              <p:nvPr/>
+            </p:nvSpPr>
+            <p:spPr>
+              <a:xfrm>
+                <a:off x="131031" y="9957759"/>
+                <a:ext cx="4357654" cy="8339912"/>
+              </a:xfrm>
+              <a:prstGeom prst="rect">
+                <a:avLst/>
+              </a:prstGeom>
+              <a:blipFill>
+                <a:blip r:embed="rId6"/>
+                <a:stretch>
+                  <a:fillRect l="-418" r="-976"/>
+                </a:stretch>
+              </a:blipFill>
+              <a:ln>
+                <a:solidFill>
+                  <a:srgbClr val="011F5B"/>
+                </a:solidFill>
+              </a:ln>
+            </p:spPr>
+            <p:txBody>
+              <a:bodyPr/>
+              <a:lstStyle/>
+              <a:p>
+                <a:r>
+                  <a:rPr lang="en-US">
+                    <a:noFill/>
+                  </a:rPr>
+                  <a:t> </a:t>
+                </a:r>
+              </a:p>
+            </p:txBody>
+          </p:sp>
+        </mc:Fallback>
+      </mc:AlternateContent>
+      <p:sp>
+        <p:nvSpPr>
+          <p:cNvPr id="16" name="TextBox 15">
             <a:extLst>
               <a:ext uri="{FF2B5EF4-FFF2-40B4-BE49-F238E27FC236}">
-                <a16:creationId xmlns:a16="http://schemas.microsoft.com/office/drawing/2014/main" id="{72250C3B-DB37-480D-BB9C-66854635BA3F}"/>
+                <a16:creationId xmlns:a16="http://schemas.microsoft.com/office/drawing/2014/main" id="{0DAD262F-8D38-404E-9AFD-3722DE8FBBF0}"/>
               </a:ext>
             </a:extLst>
           </p:cNvPr>
@@ -3566,8 +4330,56 @@
         </p:nvSpPr>
         <p:spPr>
           <a:xfrm>
-            <a:off x="5615007" y="2740498"/>
-            <a:ext cx="5229185" cy="3970318"/>
+            <a:off x="131031" y="9957757"/>
+            <a:ext cx="4357654" cy="348878"/>
+          </a:xfrm>
+          <a:prstGeom prst="rect">
+            <a:avLst/>
+          </a:prstGeom>
+          <a:solidFill>
+            <a:srgbClr val="011F5B"/>
+          </a:solidFill>
+          <a:ln>
+            <a:solidFill>
+              <a:srgbClr val="011F5B"/>
+            </a:solidFill>
+          </a:ln>
+        </p:spPr>
+        <p:txBody>
+          <a:bodyPr wrap="square" rtlCol="0">
+            <a:spAutoFit/>
+          </a:bodyPr>
+          <a:lstStyle/>
+          <a:p>
+            <a:pPr algn="ctr"/>
+            <a:r>
+              <a:rPr lang="en-US" sz="1667" b="1" dirty="0">
+                <a:solidFill>
+                  <a:schemeClr val="bg1"/>
+                </a:solidFill>
+                <a:latin typeface="Garamond" panose="02020404030301010803" pitchFamily="18" charset="0"/>
+              </a:rPr>
+              <a:t>Spam Filter</a:t>
+            </a:r>
+          </a:p>
+        </p:txBody>
+      </p:sp>
+      <p:sp>
+        <p:nvSpPr>
+          <p:cNvPr id="18" name="TextBox 17">
+            <a:extLst>
+              <a:ext uri="{FF2B5EF4-FFF2-40B4-BE49-F238E27FC236}">
+                <a16:creationId xmlns:a16="http://schemas.microsoft.com/office/drawing/2014/main" id="{4551F3FF-1DC6-4312-B013-B3DAF7C19194}"/>
+              </a:ext>
+            </a:extLst>
+          </p:cNvPr>
+          <p:cNvSpPr txBox="1"/>
+          <p:nvPr/>
+        </p:nvSpPr>
+        <p:spPr>
+          <a:xfrm>
+            <a:off x="4679173" y="6933880"/>
+            <a:ext cx="4357654" cy="4016484"/>
           </a:xfrm>
           <a:prstGeom prst="rect">
             <a:avLst/>
@@ -3587,111 +4399,149 @@
           </a:bodyPr>
           <a:lstStyle/>
           <a:p>
-            <a:endParaRPr lang="en-US" dirty="0">
-              <a:solidFill>
-                <a:srgbClr val="011F5B"/>
-              </a:solidFill>
-            </a:endParaRPr>
-          </a:p>
-          <a:p>
-            <a:endParaRPr lang="en-US" dirty="0">
-              <a:solidFill>
-                <a:srgbClr val="011F5B"/>
-              </a:solidFill>
-            </a:endParaRPr>
-          </a:p>
-          <a:p>
-            <a:endParaRPr lang="en-US" dirty="0">
-              <a:solidFill>
-                <a:srgbClr val="011F5B"/>
-              </a:solidFill>
-            </a:endParaRPr>
-          </a:p>
-          <a:p>
-            <a:endParaRPr lang="en-US" dirty="0">
-              <a:solidFill>
-                <a:srgbClr val="011F5B"/>
-              </a:solidFill>
-            </a:endParaRPr>
-          </a:p>
-          <a:p>
-            <a:endParaRPr lang="en-US" dirty="0">
-              <a:solidFill>
-                <a:srgbClr val="011F5B"/>
-              </a:solidFill>
-            </a:endParaRPr>
-          </a:p>
-          <a:p>
-            <a:endParaRPr lang="en-US" dirty="0">
-              <a:solidFill>
-                <a:srgbClr val="011F5B"/>
-              </a:solidFill>
-            </a:endParaRPr>
-          </a:p>
-          <a:p>
-            <a:endParaRPr lang="en-US" dirty="0">
-              <a:solidFill>
-                <a:srgbClr val="011F5B"/>
-              </a:solidFill>
-            </a:endParaRPr>
-          </a:p>
-          <a:p>
-            <a:endParaRPr lang="en-US" dirty="0">
-              <a:solidFill>
-                <a:srgbClr val="011F5B"/>
-              </a:solidFill>
-            </a:endParaRPr>
-          </a:p>
-          <a:p>
-            <a:endParaRPr lang="en-US" dirty="0">
-              <a:solidFill>
-                <a:srgbClr val="011F5B"/>
-              </a:solidFill>
-            </a:endParaRPr>
-          </a:p>
-          <a:p>
-            <a:endParaRPr lang="en-US" dirty="0">
-              <a:solidFill>
-                <a:srgbClr val="011F5B"/>
-              </a:solidFill>
-            </a:endParaRPr>
-          </a:p>
-          <a:p>
-            <a:endParaRPr lang="en-US" dirty="0">
-              <a:solidFill>
-                <a:srgbClr val="011F5B"/>
-              </a:solidFill>
-            </a:endParaRPr>
-          </a:p>
-          <a:p>
-            <a:endParaRPr lang="en-US" dirty="0">
-              <a:solidFill>
-                <a:srgbClr val="011F5B"/>
-              </a:solidFill>
-            </a:endParaRPr>
-          </a:p>
-          <a:p>
-            <a:endParaRPr lang="en-US" dirty="0">
-              <a:solidFill>
-                <a:srgbClr val="011F5B"/>
-              </a:solidFill>
-            </a:endParaRPr>
-          </a:p>
-          <a:p>
-            <a:endParaRPr lang="en-US" dirty="0">
-              <a:solidFill>
-                <a:srgbClr val="011F5B"/>
-              </a:solidFill>
-            </a:endParaRPr>
-          </a:p>
-        </p:txBody>
-      </p:sp>
-      <p:sp>
-        <p:nvSpPr>
-          <p:cNvPr id="16" name="TextBox 15">
+            <a:endParaRPr lang="en-US" sz="1500" dirty="0">
+              <a:solidFill>
+                <a:srgbClr val="011F5B"/>
+              </a:solidFill>
+            </a:endParaRPr>
+          </a:p>
+          <a:p>
+            <a:endParaRPr lang="en-US" sz="1500" dirty="0">
+              <a:solidFill>
+                <a:srgbClr val="011F5B"/>
+              </a:solidFill>
+            </a:endParaRPr>
+          </a:p>
+          <a:p>
+            <a:r>
+              <a:rPr lang="en-US" sz="1500" dirty="0">
+                <a:solidFill>
+                  <a:srgbClr val="011F5B"/>
+                </a:solidFill>
+              </a:rPr>
+              <a:t>Naïve Bayes</a:t>
+            </a:r>
+          </a:p>
+          <a:p>
+            <a:endParaRPr lang="en-US" sz="1500" dirty="0">
+              <a:solidFill>
+                <a:srgbClr val="011F5B"/>
+              </a:solidFill>
+            </a:endParaRPr>
+          </a:p>
+          <a:p>
+            <a:r>
+              <a:rPr lang="en-US" sz="1500" dirty="0" err="1">
+                <a:solidFill>
+                  <a:srgbClr val="011F5B"/>
+                </a:solidFill>
+              </a:rPr>
+              <a:t>Logisitc</a:t>
+            </a:r>
+            <a:r>
+              <a:rPr lang="en-US" sz="1500" dirty="0">
+                <a:solidFill>
+                  <a:srgbClr val="011F5B"/>
+                </a:solidFill>
+              </a:rPr>
+              <a:t> Regression</a:t>
+            </a:r>
+          </a:p>
+          <a:p>
+            <a:endParaRPr lang="en-US" sz="1500" dirty="0">
+              <a:solidFill>
+                <a:srgbClr val="011F5B"/>
+              </a:solidFill>
+            </a:endParaRPr>
+          </a:p>
+          <a:p>
+            <a:r>
+              <a:rPr lang="en-US" sz="1500" dirty="0">
+                <a:solidFill>
+                  <a:srgbClr val="011F5B"/>
+                </a:solidFill>
+              </a:rPr>
+              <a:t>Neural Net</a:t>
+            </a:r>
+          </a:p>
+          <a:p>
+            <a:endParaRPr lang="en-US" sz="1500" dirty="0">
+              <a:solidFill>
+                <a:srgbClr val="011F5B"/>
+              </a:solidFill>
+            </a:endParaRPr>
+          </a:p>
+          <a:p>
+            <a:endParaRPr lang="en-US" sz="1500" dirty="0">
+              <a:solidFill>
+                <a:srgbClr val="011F5B"/>
+              </a:solidFill>
+            </a:endParaRPr>
+          </a:p>
+          <a:p>
+            <a:endParaRPr lang="en-US" sz="1500" dirty="0">
+              <a:solidFill>
+                <a:srgbClr val="011F5B"/>
+              </a:solidFill>
+            </a:endParaRPr>
+          </a:p>
+          <a:p>
+            <a:endParaRPr lang="en-US" sz="1500" dirty="0">
+              <a:solidFill>
+                <a:srgbClr val="011F5B"/>
+              </a:solidFill>
+            </a:endParaRPr>
+          </a:p>
+          <a:p>
+            <a:endParaRPr lang="en-US" sz="1500" dirty="0">
+              <a:solidFill>
+                <a:srgbClr val="011F5B"/>
+              </a:solidFill>
+            </a:endParaRPr>
+          </a:p>
+          <a:p>
+            <a:endParaRPr lang="en-US" sz="1500" dirty="0">
+              <a:solidFill>
+                <a:srgbClr val="011F5B"/>
+              </a:solidFill>
+            </a:endParaRPr>
+          </a:p>
+          <a:p>
+            <a:endParaRPr lang="en-US" sz="1500" dirty="0">
+              <a:solidFill>
+                <a:srgbClr val="011F5B"/>
+              </a:solidFill>
+            </a:endParaRPr>
+          </a:p>
+          <a:p>
+            <a:endParaRPr lang="en-US" sz="1500" dirty="0">
+              <a:solidFill>
+                <a:srgbClr val="011F5B"/>
+              </a:solidFill>
+            </a:endParaRPr>
+          </a:p>
+          <a:p>
+            <a:endParaRPr lang="en-US" sz="1500" dirty="0">
+              <a:solidFill>
+                <a:srgbClr val="011F5B"/>
+              </a:solidFill>
+            </a:endParaRPr>
+          </a:p>
+          <a:p>
+            <a:endParaRPr lang="en-US" sz="1500" dirty="0">
+              <a:solidFill>
+                <a:srgbClr val="011F5B"/>
+              </a:solidFill>
+            </a:endParaRPr>
+          </a:p>
+        </p:txBody>
+      </p:sp>
+      <p:sp>
+        <p:nvSpPr>
+          <p:cNvPr id="19" name="TextBox 18">
             <a:extLst>
               <a:ext uri="{FF2B5EF4-FFF2-40B4-BE49-F238E27FC236}">
-                <a16:creationId xmlns:a16="http://schemas.microsoft.com/office/drawing/2014/main" id="{0DAD262F-8D38-404E-9AFD-3722DE8FBBF0}"/>
+                <a16:creationId xmlns:a16="http://schemas.microsoft.com/office/drawing/2014/main" id="{0F3F0241-CF38-4C35-8814-BD73D9A52062}"/>
               </a:ext>
             </a:extLst>
           </p:cNvPr>
@@ -3700,8 +4550,8 @@
         </p:nvSpPr>
         <p:spPr>
           <a:xfrm>
-            <a:off x="5615007" y="2740498"/>
-            <a:ext cx="5229185" cy="400110"/>
+            <a:off x="4679173" y="6933880"/>
+            <a:ext cx="4357654" cy="348878"/>
           </a:xfrm>
           <a:prstGeom prst="rect">
             <a:avLst/>
@@ -3723,23 +4573,23 @@
           <a:p>
             <a:pPr algn="ctr"/>
             <a:r>
-              <a:rPr lang="en-US" sz="2000" b="1" dirty="0">
+              <a:rPr lang="en-US" sz="1667" b="1" dirty="0">
                 <a:solidFill>
                   <a:schemeClr val="bg1"/>
                 </a:solidFill>
                 <a:latin typeface="Garamond" panose="02020404030301010803" pitchFamily="18" charset="0"/>
               </a:rPr>
-              <a:t>Spam Filter</a:t>
-            </a:r>
-          </a:p>
-        </p:txBody>
-      </p:sp>
-      <p:sp>
-        <p:nvSpPr>
-          <p:cNvPr id="18" name="TextBox 17">
+              <a:t>Models</a:t>
+            </a:r>
+          </a:p>
+        </p:txBody>
+      </p:sp>
+      <p:sp>
+        <p:nvSpPr>
+          <p:cNvPr id="20" name="TextBox 19">
             <a:extLst>
               <a:ext uri="{FF2B5EF4-FFF2-40B4-BE49-F238E27FC236}">
-                <a16:creationId xmlns:a16="http://schemas.microsoft.com/office/drawing/2014/main" id="{4551F3FF-1DC6-4312-B013-B3DAF7C19194}"/>
+                <a16:creationId xmlns:a16="http://schemas.microsoft.com/office/drawing/2014/main" id="{B73F7368-9A80-4A04-9F8A-85E03885548E}"/>
               </a:ext>
             </a:extLst>
           </p:cNvPr>
@@ -3748,8 +4598,8 @@
         </p:nvSpPr>
         <p:spPr>
           <a:xfrm>
-            <a:off x="5615007" y="6988193"/>
-            <a:ext cx="5229185" cy="3693319"/>
+            <a:off x="9203502" y="2512349"/>
+            <a:ext cx="4357654" cy="4708981"/>
           </a:xfrm>
           <a:prstGeom prst="rect">
             <a:avLst/>
@@ -3769,104 +4619,153 @@
           </a:bodyPr>
           <a:lstStyle/>
           <a:p>
-            <a:endParaRPr lang="en-US" dirty="0">
-              <a:solidFill>
-                <a:srgbClr val="011F5B"/>
-              </a:solidFill>
-            </a:endParaRPr>
-          </a:p>
-          <a:p>
-            <a:endParaRPr lang="en-US" dirty="0">
-              <a:solidFill>
-                <a:srgbClr val="011F5B"/>
-              </a:solidFill>
-            </a:endParaRPr>
-          </a:p>
-          <a:p>
-            <a:endParaRPr lang="en-US" dirty="0">
-              <a:solidFill>
-                <a:srgbClr val="011F5B"/>
-              </a:solidFill>
-            </a:endParaRPr>
-          </a:p>
-          <a:p>
-            <a:endParaRPr lang="en-US" dirty="0">
-              <a:solidFill>
-                <a:srgbClr val="011F5B"/>
-              </a:solidFill>
-            </a:endParaRPr>
-          </a:p>
-          <a:p>
-            <a:endParaRPr lang="en-US" dirty="0">
-              <a:solidFill>
-                <a:srgbClr val="011F5B"/>
-              </a:solidFill>
-            </a:endParaRPr>
-          </a:p>
-          <a:p>
-            <a:endParaRPr lang="en-US" dirty="0">
-              <a:solidFill>
-                <a:srgbClr val="011F5B"/>
-              </a:solidFill>
-            </a:endParaRPr>
-          </a:p>
-          <a:p>
-            <a:endParaRPr lang="en-US" dirty="0">
-              <a:solidFill>
-                <a:srgbClr val="011F5B"/>
-              </a:solidFill>
-            </a:endParaRPr>
-          </a:p>
-          <a:p>
-            <a:endParaRPr lang="en-US" dirty="0">
-              <a:solidFill>
-                <a:srgbClr val="011F5B"/>
-              </a:solidFill>
-            </a:endParaRPr>
-          </a:p>
-          <a:p>
-            <a:endParaRPr lang="en-US" dirty="0">
-              <a:solidFill>
-                <a:srgbClr val="011F5B"/>
-              </a:solidFill>
-            </a:endParaRPr>
-          </a:p>
-          <a:p>
-            <a:endParaRPr lang="en-US" dirty="0">
-              <a:solidFill>
-                <a:srgbClr val="011F5B"/>
-              </a:solidFill>
-            </a:endParaRPr>
-          </a:p>
-          <a:p>
-            <a:endParaRPr lang="en-US" dirty="0">
-              <a:solidFill>
-                <a:srgbClr val="011F5B"/>
-              </a:solidFill>
-            </a:endParaRPr>
-          </a:p>
-          <a:p>
-            <a:endParaRPr lang="en-US" dirty="0">
-              <a:solidFill>
-                <a:srgbClr val="011F5B"/>
-              </a:solidFill>
-            </a:endParaRPr>
-          </a:p>
-          <a:p>
-            <a:endParaRPr lang="en-US" dirty="0">
-              <a:solidFill>
-                <a:srgbClr val="011F5B"/>
-              </a:solidFill>
-            </a:endParaRPr>
-          </a:p>
-        </p:txBody>
-      </p:sp>
-      <p:sp>
-        <p:nvSpPr>
-          <p:cNvPr id="19" name="TextBox 18">
+            <a:endParaRPr lang="en-US" sz="1500" dirty="0">
+              <a:solidFill>
+                <a:srgbClr val="011F5B"/>
+              </a:solidFill>
+            </a:endParaRPr>
+          </a:p>
+          <a:p>
+            <a:endParaRPr lang="en-US" sz="1500" dirty="0">
+              <a:solidFill>
+                <a:srgbClr val="011F5B"/>
+              </a:solidFill>
+            </a:endParaRPr>
+          </a:p>
+          <a:p>
+            <a:endParaRPr lang="en-US" sz="1500" dirty="0">
+              <a:solidFill>
+                <a:srgbClr val="011F5B"/>
+              </a:solidFill>
+            </a:endParaRPr>
+          </a:p>
+          <a:p>
+            <a:endParaRPr lang="en-US" sz="1500" dirty="0">
+              <a:solidFill>
+                <a:srgbClr val="011F5B"/>
+              </a:solidFill>
+            </a:endParaRPr>
+          </a:p>
+          <a:p>
+            <a:endParaRPr lang="en-US" sz="1500" dirty="0">
+              <a:solidFill>
+                <a:srgbClr val="011F5B"/>
+              </a:solidFill>
+            </a:endParaRPr>
+          </a:p>
+          <a:p>
+            <a:endParaRPr lang="en-US" sz="1500" dirty="0">
+              <a:solidFill>
+                <a:srgbClr val="011F5B"/>
+              </a:solidFill>
+            </a:endParaRPr>
+          </a:p>
+          <a:p>
+            <a:endParaRPr lang="en-US" sz="1500" dirty="0">
+              <a:solidFill>
+                <a:srgbClr val="011F5B"/>
+              </a:solidFill>
+            </a:endParaRPr>
+          </a:p>
+          <a:p>
+            <a:endParaRPr lang="en-US" sz="1500" dirty="0">
+              <a:solidFill>
+                <a:srgbClr val="011F5B"/>
+              </a:solidFill>
+            </a:endParaRPr>
+          </a:p>
+          <a:p>
+            <a:endParaRPr lang="en-US" sz="1500" dirty="0">
+              <a:solidFill>
+                <a:srgbClr val="011F5B"/>
+              </a:solidFill>
+            </a:endParaRPr>
+          </a:p>
+          <a:p>
+            <a:endParaRPr lang="en-US" sz="1500" dirty="0">
+              <a:solidFill>
+                <a:srgbClr val="011F5B"/>
+              </a:solidFill>
+            </a:endParaRPr>
+          </a:p>
+          <a:p>
+            <a:endParaRPr lang="en-US" sz="1500" dirty="0">
+              <a:solidFill>
+                <a:srgbClr val="011F5B"/>
+              </a:solidFill>
+            </a:endParaRPr>
+          </a:p>
+          <a:p>
+            <a:endParaRPr lang="en-US" sz="1500" dirty="0">
+              <a:solidFill>
+                <a:srgbClr val="011F5B"/>
+              </a:solidFill>
+            </a:endParaRPr>
+          </a:p>
+          <a:p>
+            <a:endParaRPr lang="en-US" sz="1500" dirty="0">
+              <a:solidFill>
+                <a:srgbClr val="011F5B"/>
+              </a:solidFill>
+            </a:endParaRPr>
+          </a:p>
+          <a:p>
+            <a:endParaRPr lang="en-US" sz="1500" dirty="0">
+              <a:solidFill>
+                <a:srgbClr val="011F5B"/>
+              </a:solidFill>
+            </a:endParaRPr>
+          </a:p>
+          <a:p>
+            <a:endParaRPr lang="en-US" sz="1500" dirty="0">
+              <a:solidFill>
+                <a:srgbClr val="011F5B"/>
+              </a:solidFill>
+            </a:endParaRPr>
+          </a:p>
+          <a:p>
+            <a:endParaRPr lang="en-US" sz="1500" dirty="0">
+              <a:solidFill>
+                <a:srgbClr val="011F5B"/>
+              </a:solidFill>
+            </a:endParaRPr>
+          </a:p>
+          <a:p>
+            <a:endParaRPr lang="en-US" sz="1500" dirty="0">
+              <a:solidFill>
+                <a:srgbClr val="011F5B"/>
+              </a:solidFill>
+            </a:endParaRPr>
+          </a:p>
+          <a:p>
+            <a:endParaRPr lang="en-US" sz="1500" dirty="0">
+              <a:solidFill>
+                <a:srgbClr val="011F5B"/>
+              </a:solidFill>
+            </a:endParaRPr>
+          </a:p>
+          <a:p>
+            <a:endParaRPr lang="en-US" sz="1500" dirty="0">
+              <a:solidFill>
+                <a:srgbClr val="011F5B"/>
+              </a:solidFill>
+            </a:endParaRPr>
+          </a:p>
+          <a:p>
+            <a:endParaRPr lang="en-US" sz="1500" dirty="0">
+              <a:solidFill>
+                <a:srgbClr val="011F5B"/>
+              </a:solidFill>
+            </a:endParaRPr>
+          </a:p>
+        </p:txBody>
+      </p:sp>
+      <p:sp>
+        <p:nvSpPr>
+          <p:cNvPr id="21" name="TextBox 20">
             <a:extLst>
               <a:ext uri="{FF2B5EF4-FFF2-40B4-BE49-F238E27FC236}">
-                <a16:creationId xmlns:a16="http://schemas.microsoft.com/office/drawing/2014/main" id="{0F3F0241-CF38-4C35-8814-BD73D9A52062}"/>
+                <a16:creationId xmlns:a16="http://schemas.microsoft.com/office/drawing/2014/main" id="{89951AAD-7622-4490-A4E3-0CB642DFDA44}"/>
               </a:ext>
             </a:extLst>
           </p:cNvPr>
@@ -3875,8 +4774,8 @@
         </p:nvSpPr>
         <p:spPr>
           <a:xfrm>
-            <a:off x="5615007" y="6988193"/>
-            <a:ext cx="5229185" cy="400110"/>
+            <a:off x="9203502" y="2512349"/>
+            <a:ext cx="4357654" cy="348878"/>
           </a:xfrm>
           <a:prstGeom prst="rect">
             <a:avLst/>
@@ -3898,23 +4797,417 @@
           <a:p>
             <a:pPr algn="ctr"/>
             <a:r>
-              <a:rPr lang="en-US" sz="2000" b="1" dirty="0">
+              <a:rPr lang="en-US" sz="1667" b="1" dirty="0">
                 <a:solidFill>
                   <a:schemeClr val="bg1"/>
                 </a:solidFill>
                 <a:latin typeface="Garamond" panose="02020404030301010803" pitchFamily="18" charset="0"/>
               </a:rPr>
-              <a:t>Models</a:t>
-            </a:r>
-          </a:p>
-        </p:txBody>
-      </p:sp>
-      <p:sp>
-        <p:nvSpPr>
-          <p:cNvPr id="20" name="TextBox 19">
+              <a:t>Results</a:t>
+            </a:r>
+          </a:p>
+        </p:txBody>
+      </p:sp>
+      <mc:AlternateContent xmlns:mc="http://schemas.openxmlformats.org/markup-compatibility/2006">
+        <mc:Choice xmlns:a14="http://schemas.microsoft.com/office/drawing/2010/main" Requires="a14">
+          <p:sp>
+            <p:nvSpPr>
+              <p:cNvPr id="22" name="TextBox 21">
+                <a:extLst>
+                  <a:ext uri="{FF2B5EF4-FFF2-40B4-BE49-F238E27FC236}">
+                    <a16:creationId xmlns:a16="http://schemas.microsoft.com/office/drawing/2014/main" id="{73D5816F-EF48-4F3C-8E5A-54FFD05B92D6}"/>
+                  </a:ext>
+                </a:extLst>
+              </p:cNvPr>
+              <p:cNvSpPr txBox="1"/>
+              <p:nvPr/>
+            </p:nvSpPr>
+            <p:spPr>
+              <a:xfrm>
+                <a:off x="9203502" y="9243311"/>
+                <a:ext cx="4357654" cy="7478970"/>
+              </a:xfrm>
+              <a:prstGeom prst="rect">
+                <a:avLst/>
+              </a:prstGeom>
+              <a:solidFill>
+                <a:schemeClr val="bg1"/>
+              </a:solidFill>
+              <a:ln>
+                <a:solidFill>
+                  <a:srgbClr val="011F5B"/>
+                </a:solidFill>
+              </a:ln>
+            </p:spPr>
+            <p:txBody>
+              <a:bodyPr wrap="square" rtlCol="0">
+                <a:spAutoFit/>
+              </a:bodyPr>
+              <a:lstStyle/>
+              <a:p>
+                <a:endParaRPr lang="en-US" sz="1500" dirty="0">
+                  <a:solidFill>
+                    <a:srgbClr val="011F5B"/>
+                  </a:solidFill>
+                </a:endParaRPr>
+              </a:p>
+              <a:p>
+                <a:endParaRPr lang="en-US" sz="1500" dirty="0">
+                  <a:solidFill>
+                    <a:srgbClr val="011F5B"/>
+                  </a:solidFill>
+                </a:endParaRPr>
+              </a:p>
+              <a:p>
+                <a:r>
+                  <a:rPr lang="en-US" sz="1500" b="1" dirty="0">
+                    <a:solidFill>
+                      <a:srgbClr val="011F5B"/>
+                    </a:solidFill>
+                  </a:rPr>
+                  <a:t>Spam Filter Improvements</a:t>
+                </a:r>
+                <a:r>
+                  <a:rPr lang="en-US" sz="1500" dirty="0">
+                    <a:solidFill>
+                      <a:srgbClr val="011F5B"/>
+                    </a:solidFill>
+                  </a:rPr>
+                  <a:t>: </a:t>
+                </a:r>
+              </a:p>
+              <a:p>
+                <a:r>
+                  <a:rPr lang="en-US" sz="1500" dirty="0">
+                    <a:solidFill>
+                      <a:srgbClr val="011F5B"/>
+                    </a:solidFill>
+                  </a:rPr>
+                  <a:t>One of the underlying assumptions with a Naïve is Bayes classifier is:</a:t>
+                </a:r>
+              </a:p>
+              <a:p>
+                <a14:m>
+                  <m:oMathPara xmlns:m="http://schemas.openxmlformats.org/officeDocument/2006/math">
+                    <m:oMathParaPr>
+                      <m:jc m:val="centerGroup"/>
+                    </m:oMathParaPr>
+                    <m:oMath xmlns:m="http://schemas.openxmlformats.org/officeDocument/2006/math">
+                      <m:r>
+                        <a:rPr lang="en-US" sz="1500" b="0" i="1" smtClean="0">
+                          <a:solidFill>
+                            <a:srgbClr val="011F5B"/>
+                          </a:solidFill>
+                          <a:latin typeface="Cambria Math" panose="02040503050406030204" pitchFamily="18" charset="0"/>
+                        </a:rPr>
+                        <m:t>𝑃</m:t>
+                      </m:r>
+                      <m:d>
+                        <m:dPr>
+                          <m:ctrlPr>
+                            <a:rPr lang="en-US" sz="1500" b="0" i="1" smtClean="0">
+                              <a:solidFill>
+                                <a:srgbClr val="011F5B"/>
+                              </a:solidFill>
+                              <a:latin typeface="Cambria Math" panose="02040503050406030204" pitchFamily="18" charset="0"/>
+                            </a:rPr>
+                          </m:ctrlPr>
+                        </m:dPr>
+                        <m:e>
+                          <m:r>
+                            <a:rPr lang="en-US" sz="1500" b="0" i="1" smtClean="0">
+                              <a:solidFill>
+                                <a:srgbClr val="011F5B"/>
+                              </a:solidFill>
+                              <a:latin typeface="Cambria Math" panose="02040503050406030204" pitchFamily="18" charset="0"/>
+                            </a:rPr>
+                            <m:t>𝐴</m:t>
+                          </m:r>
+                          <m:r>
+                            <a:rPr lang="en-US" sz="1500" b="0" i="1" smtClean="0">
+                              <a:solidFill>
+                                <a:srgbClr val="011F5B"/>
+                              </a:solidFill>
+                              <a:latin typeface="Cambria Math" panose="02040503050406030204" pitchFamily="18" charset="0"/>
+                              <a:ea typeface="Cambria Math" panose="02040503050406030204" pitchFamily="18" charset="0"/>
+                            </a:rPr>
+                            <m:t>∩</m:t>
+                          </m:r>
+                          <m:r>
+                            <a:rPr lang="en-US" sz="1500" b="0" i="1" smtClean="0">
+                              <a:solidFill>
+                                <a:srgbClr val="011F5B"/>
+                              </a:solidFill>
+                              <a:latin typeface="Cambria Math" panose="02040503050406030204" pitchFamily="18" charset="0"/>
+                              <a:ea typeface="Cambria Math" panose="02040503050406030204" pitchFamily="18" charset="0"/>
+                            </a:rPr>
+                            <m:t>𝐵</m:t>
+                          </m:r>
+                        </m:e>
+                        <m:e>
+                          <m:r>
+                            <a:rPr lang="en-US" sz="1500" b="0" i="1" smtClean="0">
+                              <a:solidFill>
+                                <a:srgbClr val="011F5B"/>
+                              </a:solidFill>
+                              <a:latin typeface="Cambria Math" panose="02040503050406030204" pitchFamily="18" charset="0"/>
+                            </a:rPr>
+                            <m:t>𝑌</m:t>
+                          </m:r>
+                        </m:e>
+                      </m:d>
+                      <m:r>
+                        <a:rPr lang="en-US" sz="1500" b="0" i="1" smtClean="0">
+                          <a:solidFill>
+                            <a:srgbClr val="011F5B"/>
+                          </a:solidFill>
+                          <a:latin typeface="Cambria Math" panose="02040503050406030204" pitchFamily="18" charset="0"/>
+                        </a:rPr>
+                        <m:t>=</m:t>
+                      </m:r>
+                      <m:r>
+                        <a:rPr lang="en-US" sz="1500" b="0" i="1" smtClean="0">
+                          <a:solidFill>
+                            <a:srgbClr val="011F5B"/>
+                          </a:solidFill>
+                          <a:latin typeface="Cambria Math" panose="02040503050406030204" pitchFamily="18" charset="0"/>
+                        </a:rPr>
+                        <m:t>𝑃</m:t>
+                      </m:r>
+                      <m:d>
+                        <m:dPr>
+                          <m:ctrlPr>
+                            <a:rPr lang="en-US" sz="1500" b="0" i="1" smtClean="0">
+                              <a:solidFill>
+                                <a:srgbClr val="011F5B"/>
+                              </a:solidFill>
+                              <a:latin typeface="Cambria Math" panose="02040503050406030204" pitchFamily="18" charset="0"/>
+                            </a:rPr>
+                          </m:ctrlPr>
+                        </m:dPr>
+                        <m:e>
+                          <m:r>
+                            <a:rPr lang="en-US" sz="1500" b="0" i="1" smtClean="0">
+                              <a:solidFill>
+                                <a:srgbClr val="011F5B"/>
+                              </a:solidFill>
+                              <a:latin typeface="Cambria Math" panose="02040503050406030204" pitchFamily="18" charset="0"/>
+                            </a:rPr>
+                            <m:t>𝐴</m:t>
+                          </m:r>
+                        </m:e>
+                        <m:e>
+                          <m:r>
+                            <a:rPr lang="en-US" sz="1500" b="0" i="1" smtClean="0">
+                              <a:solidFill>
+                                <a:srgbClr val="011F5B"/>
+                              </a:solidFill>
+                              <a:latin typeface="Cambria Math" panose="02040503050406030204" pitchFamily="18" charset="0"/>
+                            </a:rPr>
+                            <m:t>𝑌</m:t>
+                          </m:r>
+                        </m:e>
+                      </m:d>
+                      <m:r>
+                        <a:rPr lang="en-US" sz="1500" b="0" i="1" smtClean="0">
+                          <a:solidFill>
+                            <a:srgbClr val="011F5B"/>
+                          </a:solidFill>
+                          <a:latin typeface="Cambria Math" panose="02040503050406030204" pitchFamily="18" charset="0"/>
+                        </a:rPr>
+                        <m:t>∗</m:t>
+                      </m:r>
+                      <m:r>
+                        <a:rPr lang="en-US" sz="1500" b="0" i="1" smtClean="0">
+                          <a:solidFill>
+                            <a:srgbClr val="011F5B"/>
+                          </a:solidFill>
+                          <a:latin typeface="Cambria Math" panose="02040503050406030204" pitchFamily="18" charset="0"/>
+                        </a:rPr>
+                        <m:t>𝑃</m:t>
+                      </m:r>
+                      <m:d>
+                        <m:dPr>
+                          <m:ctrlPr>
+                            <a:rPr lang="en-US" sz="1500" b="0" i="1" smtClean="0">
+                              <a:solidFill>
+                                <a:srgbClr val="011F5B"/>
+                              </a:solidFill>
+                              <a:latin typeface="Cambria Math" panose="02040503050406030204" pitchFamily="18" charset="0"/>
+                            </a:rPr>
+                          </m:ctrlPr>
+                        </m:dPr>
+                        <m:e>
+                          <m:r>
+                            <a:rPr lang="en-US" sz="1500" b="0" i="1" smtClean="0">
+                              <a:solidFill>
+                                <a:srgbClr val="011F5B"/>
+                              </a:solidFill>
+                              <a:latin typeface="Cambria Math" panose="02040503050406030204" pitchFamily="18" charset="0"/>
+                            </a:rPr>
+                            <m:t>𝐵</m:t>
+                          </m:r>
+                        </m:e>
+                        <m:e>
+                          <m:r>
+                            <a:rPr lang="en-US" sz="1500" b="0" i="1" smtClean="0">
+                              <a:solidFill>
+                                <a:srgbClr val="011F5B"/>
+                              </a:solidFill>
+                              <a:latin typeface="Cambria Math" panose="02040503050406030204" pitchFamily="18" charset="0"/>
+                            </a:rPr>
+                            <m:t>𝑌</m:t>
+                          </m:r>
+                        </m:e>
+                      </m:d>
+                    </m:oMath>
+                  </m:oMathPara>
+                </a14:m>
+                <a:endParaRPr lang="en-US" sz="1500" dirty="0">
+                  <a:solidFill>
+                    <a:srgbClr val="011F5B"/>
+                  </a:solidFill>
+                </a:endParaRPr>
+              </a:p>
+              <a:p>
+                <a:r>
+                  <a:rPr lang="en-US" sz="1500" dirty="0">
+                    <a:solidFill>
+                      <a:srgbClr val="011F5B"/>
+                    </a:solidFill>
+                  </a:rPr>
+                  <a:t>Meaning that A is conditionally independent of B given Y. For our Spam Classifier, this may be a particularly bad assumption because the relationship between words i.e. bigrams and trigrams may be important. For example a ‘good’ tweet may contain the phrase ‘With this momentum I believe the price will hit $10,000’ and a ‘spam’ tweet may contain ‘Price Update: XRP = $0.90’. Both tweets contain the word price, but the important distinction for the Spam tweet is the bigram of ‘price update’. These relationships need to be considered to improve the Spam Filter. </a:t>
+                </a:r>
+              </a:p>
+              <a:p>
+                <a:endParaRPr lang="en-US" sz="1500" dirty="0">
+                  <a:solidFill>
+                    <a:srgbClr val="011F5B"/>
+                  </a:solidFill>
+                </a:endParaRPr>
+              </a:p>
+              <a:p>
+                <a:r>
+                  <a:rPr lang="en-US" sz="1500" dirty="0">
+                    <a:solidFill>
+                      <a:srgbClr val="011F5B"/>
+                    </a:solidFill>
+                  </a:rPr>
+                  <a:t>Another method to supplement the Spam filter is to evaluate the properties of each user that tweets come from. Studies have shown </a:t>
+                </a:r>
+                <a:r>
+                  <a:rPr lang="en-US" sz="1500" dirty="0">
+                    <a:solidFill>
+                      <a:srgbClr val="FF0000"/>
+                    </a:solidFill>
+                  </a:rPr>
+                  <a:t>(Cite) </a:t>
+                </a:r>
+                <a:r>
+                  <a:rPr lang="en-US" sz="1500" dirty="0">
+                    <a:solidFill>
+                      <a:srgbClr val="011F5B"/>
+                    </a:solidFill>
+                  </a:rPr>
+                  <a:t>that lexical diversity is a good indicator to distinguish bots from humans. This approach requires collecting all of the tweets for a given user and then associating a LD score with their </a:t>
+                </a:r>
+                <a:r>
+                  <a:rPr lang="en-US" sz="1500" dirty="0" err="1">
+                    <a:solidFill>
+                      <a:srgbClr val="011F5B"/>
+                    </a:solidFill>
+                  </a:rPr>
+                  <a:t>user_id</a:t>
+                </a:r>
+                <a:r>
+                  <a:rPr lang="en-US" sz="1500" dirty="0">
+                    <a:solidFill>
+                      <a:srgbClr val="011F5B"/>
+                    </a:solidFill>
+                  </a:rPr>
+                  <a:t>. We could not implement this because we did not have enough tweets to limit to only repeat tweeters. In the future we would like to implement this. </a:t>
+                </a:r>
+              </a:p>
+              <a:p>
+                <a:endParaRPr lang="en-US" sz="1500" dirty="0">
+                  <a:solidFill>
+                    <a:srgbClr val="011F5B"/>
+                  </a:solidFill>
+                </a:endParaRPr>
+              </a:p>
+              <a:p>
+                <a:endParaRPr lang="en-US" sz="1500" dirty="0">
+                  <a:solidFill>
+                    <a:srgbClr val="011F5B"/>
+                  </a:solidFill>
+                </a:endParaRPr>
+              </a:p>
+              <a:p>
+                <a:endParaRPr lang="en-US" sz="1500" dirty="0">
+                  <a:solidFill>
+                    <a:srgbClr val="011F5B"/>
+                  </a:solidFill>
+                </a:endParaRPr>
+              </a:p>
+            </p:txBody>
+          </p:sp>
+        </mc:Choice>
+        <mc:Fallback>
+          <p:sp>
+            <p:nvSpPr>
+              <p:cNvPr id="22" name="TextBox 21">
+                <a:extLst>
+                  <a:ext uri="{FF2B5EF4-FFF2-40B4-BE49-F238E27FC236}">
+                    <a16:creationId xmlns:a16="http://schemas.microsoft.com/office/drawing/2014/main" id="{73D5816F-EF48-4F3C-8E5A-54FFD05B92D6}"/>
+                  </a:ext>
+                </a:extLst>
+              </p:cNvPr>
+              <p:cNvSpPr txBox="1">
+                <a:spLocks noRot="1" noChangeAspect="1" noMove="1" noResize="1" noEditPoints="1" noAdjustHandles="1" noChangeArrowheads="1" noChangeShapeType="1" noTextEdit="1"/>
+              </p:cNvSpPr>
+              <p:nvPr/>
+            </p:nvSpPr>
+            <p:spPr>
+              <a:xfrm>
+                <a:off x="9203502" y="9243311"/>
+                <a:ext cx="4357654" cy="7478970"/>
+              </a:xfrm>
+              <a:prstGeom prst="rect">
+                <a:avLst/>
+              </a:prstGeom>
+              <a:blipFill>
+                <a:blip r:embed="rId7"/>
+                <a:stretch>
+                  <a:fillRect l="-418" r="-1255"/>
+                </a:stretch>
+              </a:blipFill>
+              <a:ln>
+                <a:solidFill>
+                  <a:srgbClr val="011F5B"/>
+                </a:solidFill>
+              </a:ln>
+            </p:spPr>
+            <p:txBody>
+              <a:bodyPr/>
+              <a:lstStyle/>
+              <a:p>
+                <a:r>
+                  <a:rPr lang="en-US">
+                    <a:noFill/>
+                  </a:rPr>
+                  <a:t> </a:t>
+                </a:r>
+              </a:p>
+            </p:txBody>
+          </p:sp>
+        </mc:Fallback>
+      </mc:AlternateContent>
+      <p:sp>
+        <p:nvSpPr>
+          <p:cNvPr id="23" name="TextBox 22">
             <a:extLst>
               <a:ext uri="{FF2B5EF4-FFF2-40B4-BE49-F238E27FC236}">
-                <a16:creationId xmlns:a16="http://schemas.microsoft.com/office/drawing/2014/main" id="{B73F7368-9A80-4A04-9F8A-85E03885548E}"/>
+                <a16:creationId xmlns:a16="http://schemas.microsoft.com/office/drawing/2014/main" id="{A905B64D-C01B-4DF9-8AE8-4206EEE06C55}"/>
               </a:ext>
             </a:extLst>
           </p:cNvPr>
@@ -3923,8 +5216,440 @@
         </p:nvSpPr>
         <p:spPr>
           <a:xfrm>
-            <a:off x="11044202" y="2740498"/>
-            <a:ext cx="5229185" cy="5632311"/>
+            <a:off x="9203502" y="9243310"/>
+            <a:ext cx="4357654" cy="348878"/>
+          </a:xfrm>
+          <a:prstGeom prst="rect">
+            <a:avLst/>
+          </a:prstGeom>
+          <a:solidFill>
+            <a:srgbClr val="011F5B"/>
+          </a:solidFill>
+          <a:ln>
+            <a:solidFill>
+              <a:srgbClr val="011F5B"/>
+            </a:solidFill>
+          </a:ln>
+        </p:spPr>
+        <p:txBody>
+          <a:bodyPr wrap="square" rtlCol="0">
+            <a:spAutoFit/>
+          </a:bodyPr>
+          <a:lstStyle/>
+          <a:p>
+            <a:pPr algn="ctr"/>
+            <a:r>
+              <a:rPr lang="en-US" sz="1667" b="1" dirty="0">
+                <a:solidFill>
+                  <a:schemeClr val="bg1"/>
+                </a:solidFill>
+                <a:latin typeface="Garamond" panose="02020404030301010803" pitchFamily="18" charset="0"/>
+              </a:rPr>
+              <a:t>Future Work</a:t>
+            </a:r>
+          </a:p>
+        </p:txBody>
+      </p:sp>
+      <p:sp>
+        <p:nvSpPr>
+          <p:cNvPr id="4" name="Rectangle 1">
+            <a:extLst>
+              <a:ext uri="{FF2B5EF4-FFF2-40B4-BE49-F238E27FC236}">
+                <a16:creationId xmlns:a16="http://schemas.microsoft.com/office/drawing/2014/main" id="{94CB1039-6386-4AD3-89F9-DDDDDC0F9F9F}"/>
+              </a:ext>
+            </a:extLst>
+          </p:cNvPr>
+          <p:cNvSpPr>
+            <a:spLocks noChangeArrowheads="1"/>
+          </p:cNvSpPr>
+          <p:nvPr/>
+        </p:nvSpPr>
+        <p:spPr bwMode="auto">
+          <a:xfrm>
+            <a:off x="0" y="0"/>
+            <a:ext cx="13716000" cy="457200"/>
+          </a:xfrm>
+          <a:prstGeom prst="rect">
+            <a:avLst/>
+          </a:prstGeom>
+          <a:solidFill>
+            <a:srgbClr val="FFFFFF"/>
+          </a:solidFill>
+          <a:ln>
+            <a:noFill/>
+          </a:ln>
+          <a:effectLst/>
+          <a:extLst>
+            <a:ext uri="{91240B29-F687-4F45-9708-019B960494DF}">
+              <a14:hiddenLine xmlns:a14="http://schemas.microsoft.com/office/drawing/2010/main" w="9525">
+                <a:solidFill>
+                  <a:schemeClr val="tx1"/>
+                </a:solidFill>
+                <a:miter lim="800000"/>
+                <a:headEnd/>
+                <a:tailEnd/>
+              </a14:hiddenLine>
+            </a:ext>
+            <a:ext uri="{AF507438-7753-43E0-B8FC-AC1667EBCBE1}">
+              <a14:hiddenEffects xmlns:a14="http://schemas.microsoft.com/office/drawing/2010/main">
+                <a:effectLst>
+                  <a:outerShdw dist="35921" dir="2700000" algn="ctr" rotWithShape="0">
+                    <a:schemeClr val="bg2"/>
+                  </a:outerShdw>
+                </a:effectLst>
+              </a14:hiddenEffects>
+            </a:ext>
+          </a:extLst>
+        </p:spPr>
+        <p:txBody>
+          <a:bodyPr vert="horz" wrap="none" lIns="0" tIns="0" rIns="0" bIns="0" numCol="1" anchor="ctr" anchorCtr="0" compatLnSpc="1">
+            <a:prstTxWarp prst="textNoShape">
+              <a:avLst/>
+            </a:prstTxWarp>
+            <a:spAutoFit/>
+          </a:bodyPr>
+          <a:lstStyle/>
+          <a:p>
+            <a:pPr marL="0" marR="0" lvl="0" indent="0" algn="l" defTabSz="914400" rtl="0" eaLnBrk="0" fontAlgn="base" latinLnBrk="0" hangingPunct="0">
+              <a:lnSpc>
+                <a:spcPct val="100000"/>
+              </a:lnSpc>
+              <a:spcBef>
+                <a:spcPct val="0"/>
+              </a:spcBef>
+              <a:spcAft>
+                <a:spcPct val="0"/>
+              </a:spcAft>
+              <a:buClrTx/>
+              <a:buSzTx/>
+              <a:buFontTx/>
+              <a:buNone/>
+              <a:tabLst/>
+            </a:pPr>
+            <a:r>
+              <a:rPr kumimoji="0" lang="en-US" altLang="en-US" sz="1000" b="0" i="0" u="none" strike="noStrike" cap="none" normalizeH="0" baseline="0">
+                <a:ln>
+                  <a:noFill/>
+                </a:ln>
+                <a:solidFill>
+                  <a:srgbClr val="000000"/>
+                </a:solidFill>
+                <a:effectLst/>
+                <a:latin typeface="Arial Unicode MS"/>
+                <a:ea typeface="Courier New" panose="02070309020205020404" pitchFamily="49" charset="0"/>
+              </a:rPr>
+              <a:t>"stockchain (scc) final airdrop 500 scc bonus don't miss!\n airdrop bounty btc neo eth freetoken crypto xrp blockchain ripple trx tron trx binance freetoken airdrops \n </a:t>
+            </a:r>
+            <a:r>
+              <a:rPr kumimoji="0" lang="en-US" altLang="en-US" sz="1000" b="0" i="0" u="none" strike="noStrike" cap="none" normalizeH="0" baseline="0">
+                <a:ln>
+                  <a:noFill/>
+                </a:ln>
+                <a:solidFill>
+                  <a:srgbClr val="337AB7"/>
+                </a:solidFill>
+                <a:effectLst/>
+                <a:latin typeface="Arial Unicode MS"/>
+                <a:ea typeface="Courier New" panose="02070309020205020404" pitchFamily="49" charset="0"/>
+                <a:hlinkClick r:id="rId8" invalidUrl="https:"/>
+              </a:rPr>
+              <a:t>https://</a:t>
+            </a:r>
+            <a:r>
+              <a:rPr kumimoji="0" lang="en-US" altLang="en-US" sz="1000" b="0" i="0" u="none" strike="noStrike" cap="none" normalizeH="0" baseline="0">
+                <a:ln>
+                  <a:noFill/>
+                </a:ln>
+                <a:solidFill>
+                  <a:srgbClr val="000000"/>
+                </a:solidFill>
+                <a:effectLst/>
+                <a:latin typeface="Arial Unicode MS"/>
+                <a:ea typeface="Courier New" panose="02070309020205020404" pitchFamily="49" charset="0"/>
+              </a:rPr>
+              <a:t> docs.google.com/forms/d/e/1fai pqlsc-ghga_-ausoepcc2fpr6exobnyku_s2noxq07gdjufvhwkq/viewform \xa0 …"</a:t>
+            </a:r>
+            <a:r>
+              <a:rPr kumimoji="0" lang="en-US" altLang="en-US" sz="900" b="0" i="0" u="none" strike="noStrike" cap="none" normalizeH="0" baseline="0">
+                <a:ln>
+                  <a:noFill/>
+                </a:ln>
+                <a:solidFill>
+                  <a:schemeClr val="tx1"/>
+                </a:solidFill>
+                <a:effectLst/>
+              </a:rPr>
+              <a:t> </a:t>
+            </a:r>
+            <a:endParaRPr kumimoji="0" lang="en-US" altLang="en-US" sz="1800" b="0" i="0" u="none" strike="noStrike" cap="none" normalizeH="0" baseline="0">
+              <a:ln>
+                <a:noFill/>
+              </a:ln>
+              <a:solidFill>
+                <a:schemeClr val="tx1"/>
+              </a:solidFill>
+              <a:effectLst/>
+              <a:latin typeface="Arial" panose="020B0604020202020204" pitchFamily="34" charset="0"/>
+            </a:endParaRPr>
+          </a:p>
+        </p:txBody>
+      </p:sp>
+      <p:graphicFrame>
+        <p:nvGraphicFramePr>
+          <p:cNvPr id="5" name="Table 4">
+            <a:extLst>
+              <a:ext uri="{FF2B5EF4-FFF2-40B4-BE49-F238E27FC236}">
+                <a16:creationId xmlns:a16="http://schemas.microsoft.com/office/drawing/2014/main" id="{37BD625B-551D-49A4-895F-BFE014F4F99A}"/>
+              </a:ext>
+            </a:extLst>
+          </p:cNvPr>
+          <p:cNvGraphicFramePr>
+            <a:graphicFrameLocks noGrp="1"/>
+          </p:cNvGraphicFramePr>
+          <p:nvPr>
+            <p:extLst>
+              <p:ext uri="{D42A27DB-BD31-4B8C-83A1-F6EECF244321}">
+                <p14:modId xmlns:p14="http://schemas.microsoft.com/office/powerpoint/2010/main" val="4088980155"/>
+              </p:ext>
+            </p:extLst>
+          </p:nvPr>
+        </p:nvGraphicFramePr>
+        <p:xfrm>
+          <a:off x="197478" y="13775882"/>
+          <a:ext cx="4224759" cy="1332627"/>
+        </p:xfrm>
+        <a:graphic>
+          <a:graphicData uri="http://schemas.openxmlformats.org/drawingml/2006/table">
+            <a:tbl>
+              <a:tblPr firstRow="1" bandRow="1">
+                <a:tableStyleId>{5C22544A-7EE6-4342-B048-85BDC9FD1C3A}</a:tableStyleId>
+              </a:tblPr>
+              <a:tblGrid>
+                <a:gridCol w="1408253">
+                  <a:extLst>
+                    <a:ext uri="{9D8B030D-6E8A-4147-A177-3AD203B41FA5}">
+                      <a16:colId xmlns:a16="http://schemas.microsoft.com/office/drawing/2014/main" val="3247188750"/>
+                    </a:ext>
+                  </a:extLst>
+                </a:gridCol>
+                <a:gridCol w="1408253">
+                  <a:extLst>
+                    <a:ext uri="{9D8B030D-6E8A-4147-A177-3AD203B41FA5}">
+                      <a16:colId xmlns:a16="http://schemas.microsoft.com/office/drawing/2014/main" val="1214523097"/>
+                    </a:ext>
+                  </a:extLst>
+                </a:gridCol>
+                <a:gridCol w="1408253">
+                  <a:extLst>
+                    <a:ext uri="{9D8B030D-6E8A-4147-A177-3AD203B41FA5}">
+                      <a16:colId xmlns:a16="http://schemas.microsoft.com/office/drawing/2014/main" val="3255143547"/>
+                    </a:ext>
+                  </a:extLst>
+                </a:gridCol>
+              </a:tblGrid>
+              <a:tr h="265518">
+                <a:tc gridSpan="3">
+                  <a:txBody>
+                    <a:bodyPr/>
+                    <a:lstStyle/>
+                    <a:p>
+                      <a:pPr algn="ctr"/>
+                      <a:r>
+                        <a:rPr lang="en-US" sz="1500" dirty="0"/>
+                        <a:t>Top Spam Words</a:t>
+                      </a:r>
+                    </a:p>
+                  </a:txBody>
+                  <a:tcPr/>
+                </a:tc>
+                <a:tc hMerge="1">
+                  <a:txBody>
+                    <a:bodyPr/>
+                    <a:lstStyle/>
+                    <a:p>
+                      <a:endParaRPr lang="en-US"/>
+                    </a:p>
+                  </a:txBody>
+                  <a:tcPr/>
+                </a:tc>
+                <a:tc hMerge="1">
+                  <a:txBody>
+                    <a:bodyPr/>
+                    <a:lstStyle/>
+                    <a:p>
+                      <a:endParaRPr lang="en-US" dirty="0"/>
+                    </a:p>
+                  </a:txBody>
+                  <a:tcPr/>
+                </a:tc>
+                <a:extLst>
+                  <a:ext uri="{0D108BD9-81ED-4DB2-BD59-A6C34878D82A}">
+                    <a16:rowId xmlns:a16="http://schemas.microsoft.com/office/drawing/2014/main" val="426857068"/>
+                  </a:ext>
+                </a:extLst>
+              </a:tr>
+              <a:tr h="265518">
+                <a:tc>
+                  <a:txBody>
+                    <a:bodyPr/>
+                    <a:lstStyle/>
+                    <a:p>
+                      <a:r>
+                        <a:rPr lang="en-US" sz="1500" dirty="0"/>
+                        <a:t>ICO</a:t>
+                      </a:r>
+                    </a:p>
+                  </a:txBody>
+                  <a:tcPr/>
+                </a:tc>
+                <a:tc>
+                  <a:txBody>
+                    <a:bodyPr/>
+                    <a:lstStyle/>
+                    <a:p>
+                      <a:r>
+                        <a:rPr lang="en-US" sz="1500" dirty="0" err="1"/>
+                        <a:t>Freetoken</a:t>
+                      </a:r>
+                      <a:endParaRPr lang="en-US" sz="1500" dirty="0"/>
+                    </a:p>
+                  </a:txBody>
+                  <a:tcPr/>
+                </a:tc>
+                <a:tc>
+                  <a:txBody>
+                    <a:bodyPr/>
+                    <a:lstStyle/>
+                    <a:p>
+                      <a:r>
+                        <a:rPr lang="en-US" sz="1500" dirty="0"/>
+                        <a:t>Token</a:t>
+                      </a:r>
+                    </a:p>
+                  </a:txBody>
+                  <a:tcPr/>
+                </a:tc>
+                <a:extLst>
+                  <a:ext uri="{0D108BD9-81ED-4DB2-BD59-A6C34878D82A}">
+                    <a16:rowId xmlns:a16="http://schemas.microsoft.com/office/drawing/2014/main" val="4254030744"/>
+                  </a:ext>
+                </a:extLst>
+              </a:tr>
+              <a:tr h="372507">
+                <a:tc>
+                  <a:txBody>
+                    <a:bodyPr/>
+                    <a:lstStyle/>
+                    <a:p>
+                      <a:r>
+                        <a:rPr lang="en-US" sz="1500" dirty="0"/>
+                        <a:t>Airdrop</a:t>
+                      </a:r>
+                    </a:p>
+                  </a:txBody>
+                  <a:tcPr/>
+                </a:tc>
+                <a:tc>
+                  <a:txBody>
+                    <a:bodyPr/>
+                    <a:lstStyle/>
+                    <a:p>
+                      <a:r>
+                        <a:rPr lang="en-US" sz="1500" dirty="0" err="1"/>
+                        <a:t>Bigpumpgroup</a:t>
+                      </a:r>
+                      <a:endParaRPr lang="en-US" sz="1500" dirty="0"/>
+                    </a:p>
+                  </a:txBody>
+                  <a:tcPr/>
+                </a:tc>
+                <a:tc>
+                  <a:txBody>
+                    <a:bodyPr/>
+                    <a:lstStyle/>
+                    <a:p>
+                      <a:r>
+                        <a:rPr lang="en-US" sz="1500" dirty="0"/>
+                        <a:t>Current Price</a:t>
+                      </a:r>
+                    </a:p>
+                  </a:txBody>
+                  <a:tcPr/>
+                </a:tc>
+                <a:extLst>
+                  <a:ext uri="{0D108BD9-81ED-4DB2-BD59-A6C34878D82A}">
+                    <a16:rowId xmlns:a16="http://schemas.microsoft.com/office/drawing/2014/main" val="2348030731"/>
+                  </a:ext>
+                </a:extLst>
+              </a:tr>
+              <a:tr h="265518">
+                <a:tc>
+                  <a:txBody>
+                    <a:bodyPr/>
+                    <a:lstStyle/>
+                    <a:p>
+                      <a:r>
+                        <a:rPr lang="en-US" sz="1500" dirty="0"/>
+                        <a:t>Free</a:t>
+                      </a:r>
+                    </a:p>
+                  </a:txBody>
+                  <a:tcPr/>
+                </a:tc>
+                <a:tc>
+                  <a:txBody>
+                    <a:bodyPr/>
+                    <a:lstStyle/>
+                    <a:p>
+                      <a:r>
+                        <a:rPr lang="en-US" sz="1500" dirty="0" err="1"/>
+                        <a:t>Cryptobot</a:t>
+                      </a:r>
+                      <a:endParaRPr lang="en-US" sz="1500" dirty="0"/>
+                    </a:p>
+                  </a:txBody>
+                  <a:tcPr/>
+                </a:tc>
+                <a:tc>
+                  <a:txBody>
+                    <a:bodyPr/>
+                    <a:lstStyle/>
+                    <a:p>
+                      <a:r>
+                        <a:rPr lang="en-US" sz="1500" dirty="0" err="1"/>
+                        <a:t>XRPticker</a:t>
+                      </a:r>
+                      <a:endParaRPr lang="en-US" sz="1500" dirty="0"/>
+                    </a:p>
+                  </a:txBody>
+                  <a:tcPr/>
+                </a:tc>
+                <a:extLst>
+                  <a:ext uri="{0D108BD9-81ED-4DB2-BD59-A6C34878D82A}">
+                    <a16:rowId xmlns:a16="http://schemas.microsoft.com/office/drawing/2014/main" val="575309201"/>
+                  </a:ext>
+                </a:extLst>
+              </a:tr>
+            </a:tbl>
+          </a:graphicData>
+        </a:graphic>
+      </p:graphicFrame>
+      <p:sp>
+        <p:nvSpPr>
+          <p:cNvPr id="24" name="TextBox 23">
+            <a:extLst>
+              <a:ext uri="{FF2B5EF4-FFF2-40B4-BE49-F238E27FC236}">
+                <a16:creationId xmlns:a16="http://schemas.microsoft.com/office/drawing/2014/main" id="{62DC0978-E43A-42A4-91D0-99AEBA62C446}"/>
+              </a:ext>
+            </a:extLst>
+          </p:cNvPr>
+          <p:cNvSpPr txBox="1"/>
+          <p:nvPr/>
+        </p:nvSpPr>
+        <p:spPr>
+          <a:xfrm>
+            <a:off x="4679173" y="2512349"/>
+            <a:ext cx="4357654" cy="3554819"/>
           </a:xfrm>
           <a:prstGeom prst="rect">
             <a:avLst/>
@@ -3944,153 +5669,118 @@
           </a:bodyPr>
           <a:lstStyle/>
           <a:p>
-            <a:endParaRPr lang="en-US" dirty="0">
-              <a:solidFill>
-                <a:srgbClr val="011F5B"/>
-              </a:solidFill>
-            </a:endParaRPr>
-          </a:p>
-          <a:p>
-            <a:endParaRPr lang="en-US" dirty="0">
-              <a:solidFill>
-                <a:srgbClr val="011F5B"/>
-              </a:solidFill>
-            </a:endParaRPr>
-          </a:p>
-          <a:p>
-            <a:endParaRPr lang="en-US" dirty="0">
-              <a:solidFill>
-                <a:srgbClr val="011F5B"/>
-              </a:solidFill>
-            </a:endParaRPr>
-          </a:p>
-          <a:p>
-            <a:endParaRPr lang="en-US" dirty="0">
-              <a:solidFill>
-                <a:srgbClr val="011F5B"/>
-              </a:solidFill>
-            </a:endParaRPr>
-          </a:p>
-          <a:p>
-            <a:endParaRPr lang="en-US" dirty="0">
-              <a:solidFill>
-                <a:srgbClr val="011F5B"/>
-              </a:solidFill>
-            </a:endParaRPr>
-          </a:p>
-          <a:p>
-            <a:endParaRPr lang="en-US" dirty="0">
-              <a:solidFill>
-                <a:srgbClr val="011F5B"/>
-              </a:solidFill>
-            </a:endParaRPr>
-          </a:p>
-          <a:p>
-            <a:endParaRPr lang="en-US" dirty="0">
-              <a:solidFill>
-                <a:srgbClr val="011F5B"/>
-              </a:solidFill>
-            </a:endParaRPr>
-          </a:p>
-          <a:p>
-            <a:endParaRPr lang="en-US" dirty="0">
-              <a:solidFill>
-                <a:srgbClr val="011F5B"/>
-              </a:solidFill>
-            </a:endParaRPr>
-          </a:p>
-          <a:p>
-            <a:endParaRPr lang="en-US" dirty="0">
-              <a:solidFill>
-                <a:srgbClr val="011F5B"/>
-              </a:solidFill>
-            </a:endParaRPr>
-          </a:p>
-          <a:p>
-            <a:endParaRPr lang="en-US" dirty="0">
-              <a:solidFill>
-                <a:srgbClr val="011F5B"/>
-              </a:solidFill>
-            </a:endParaRPr>
-          </a:p>
-          <a:p>
-            <a:endParaRPr lang="en-US" dirty="0">
-              <a:solidFill>
-                <a:srgbClr val="011F5B"/>
-              </a:solidFill>
-            </a:endParaRPr>
-          </a:p>
-          <a:p>
-            <a:endParaRPr lang="en-US" dirty="0">
-              <a:solidFill>
-                <a:srgbClr val="011F5B"/>
-              </a:solidFill>
-            </a:endParaRPr>
-          </a:p>
-          <a:p>
-            <a:endParaRPr lang="en-US" dirty="0">
-              <a:solidFill>
-                <a:srgbClr val="011F5B"/>
-              </a:solidFill>
-            </a:endParaRPr>
-          </a:p>
-          <a:p>
-            <a:endParaRPr lang="en-US" dirty="0">
-              <a:solidFill>
-                <a:srgbClr val="011F5B"/>
-              </a:solidFill>
-            </a:endParaRPr>
-          </a:p>
-          <a:p>
-            <a:endParaRPr lang="en-US" dirty="0">
-              <a:solidFill>
-                <a:srgbClr val="011F5B"/>
-              </a:solidFill>
-            </a:endParaRPr>
-          </a:p>
-          <a:p>
-            <a:endParaRPr lang="en-US" dirty="0">
-              <a:solidFill>
-                <a:srgbClr val="011F5B"/>
-              </a:solidFill>
-            </a:endParaRPr>
-          </a:p>
-          <a:p>
-            <a:endParaRPr lang="en-US" dirty="0">
-              <a:solidFill>
-                <a:srgbClr val="011F5B"/>
-              </a:solidFill>
-            </a:endParaRPr>
-          </a:p>
-          <a:p>
-            <a:endParaRPr lang="en-US" dirty="0">
-              <a:solidFill>
-                <a:srgbClr val="011F5B"/>
-              </a:solidFill>
-            </a:endParaRPr>
-          </a:p>
-          <a:p>
-            <a:endParaRPr lang="en-US" dirty="0">
-              <a:solidFill>
-                <a:srgbClr val="011F5B"/>
-              </a:solidFill>
-            </a:endParaRPr>
-          </a:p>
-          <a:p>
-            <a:endParaRPr lang="en-US" dirty="0">
-              <a:solidFill>
-                <a:srgbClr val="011F5B"/>
-              </a:solidFill>
-            </a:endParaRPr>
-          </a:p>
-        </p:txBody>
-      </p:sp>
-      <p:sp>
-        <p:nvSpPr>
-          <p:cNvPr id="21" name="TextBox 20">
+            <a:endParaRPr lang="en-US" sz="1500" dirty="0">
+              <a:solidFill>
+                <a:srgbClr val="011F5B"/>
+              </a:solidFill>
+            </a:endParaRPr>
+          </a:p>
+          <a:p>
+            <a:endParaRPr lang="en-US" sz="1500" dirty="0">
+              <a:solidFill>
+                <a:srgbClr val="011F5B"/>
+              </a:solidFill>
+            </a:endParaRPr>
+          </a:p>
+          <a:p>
+            <a:endParaRPr lang="en-US" sz="1500" dirty="0">
+              <a:solidFill>
+                <a:srgbClr val="011F5B"/>
+              </a:solidFill>
+            </a:endParaRPr>
+          </a:p>
+          <a:p>
+            <a:endParaRPr lang="en-US" sz="1500" dirty="0">
+              <a:solidFill>
+                <a:srgbClr val="011F5B"/>
+              </a:solidFill>
+            </a:endParaRPr>
+          </a:p>
+          <a:p>
+            <a:endParaRPr lang="en-US" sz="1500" dirty="0">
+              <a:solidFill>
+                <a:srgbClr val="011F5B"/>
+              </a:solidFill>
+            </a:endParaRPr>
+          </a:p>
+          <a:p>
+            <a:endParaRPr lang="en-US" sz="1500" dirty="0">
+              <a:solidFill>
+                <a:srgbClr val="011F5B"/>
+              </a:solidFill>
+            </a:endParaRPr>
+          </a:p>
+          <a:p>
+            <a:endParaRPr lang="en-US" sz="1500" dirty="0">
+              <a:solidFill>
+                <a:srgbClr val="011F5B"/>
+              </a:solidFill>
+            </a:endParaRPr>
+          </a:p>
+          <a:p>
+            <a:endParaRPr lang="en-US" sz="1500" dirty="0">
+              <a:solidFill>
+                <a:srgbClr val="011F5B"/>
+              </a:solidFill>
+            </a:endParaRPr>
+          </a:p>
+          <a:p>
+            <a:endParaRPr lang="en-US" sz="1500" dirty="0">
+              <a:solidFill>
+                <a:srgbClr val="011F5B"/>
+              </a:solidFill>
+            </a:endParaRPr>
+          </a:p>
+          <a:p>
+            <a:endParaRPr lang="en-US" sz="1500" dirty="0">
+              <a:solidFill>
+                <a:srgbClr val="011F5B"/>
+              </a:solidFill>
+            </a:endParaRPr>
+          </a:p>
+          <a:p>
+            <a:endParaRPr lang="en-US" sz="1500" dirty="0">
+              <a:solidFill>
+                <a:srgbClr val="011F5B"/>
+              </a:solidFill>
+            </a:endParaRPr>
+          </a:p>
+          <a:p>
+            <a:endParaRPr lang="en-US" sz="1500" dirty="0">
+              <a:solidFill>
+                <a:srgbClr val="011F5B"/>
+              </a:solidFill>
+            </a:endParaRPr>
+          </a:p>
+          <a:p>
+            <a:endParaRPr lang="en-US" sz="1500" dirty="0">
+              <a:solidFill>
+                <a:srgbClr val="011F5B"/>
+              </a:solidFill>
+            </a:endParaRPr>
+          </a:p>
+          <a:p>
+            <a:endParaRPr lang="en-US" sz="1500" dirty="0">
+              <a:solidFill>
+                <a:srgbClr val="011F5B"/>
+              </a:solidFill>
+            </a:endParaRPr>
+          </a:p>
+          <a:p>
+            <a:endParaRPr lang="en-US" sz="1500" dirty="0">
+              <a:solidFill>
+                <a:srgbClr val="011F5B"/>
+              </a:solidFill>
+            </a:endParaRPr>
+          </a:p>
+        </p:txBody>
+      </p:sp>
+      <p:sp>
+        <p:nvSpPr>
+          <p:cNvPr id="25" name="TextBox 24">
             <a:extLst>
               <a:ext uri="{FF2B5EF4-FFF2-40B4-BE49-F238E27FC236}">
-                <a16:creationId xmlns:a16="http://schemas.microsoft.com/office/drawing/2014/main" id="{89951AAD-7622-4490-A4E3-0CB642DFDA44}"/>
+                <a16:creationId xmlns:a16="http://schemas.microsoft.com/office/drawing/2014/main" id="{6A13F6AE-92DD-44DC-8677-9F04461917B7}"/>
               </a:ext>
             </a:extLst>
           </p:cNvPr>
@@ -4099,8 +5789,8 @@
         </p:nvSpPr>
         <p:spPr>
           <a:xfrm>
-            <a:off x="11044202" y="2740499"/>
-            <a:ext cx="5229185" cy="400110"/>
+            <a:off x="4679173" y="2512349"/>
+            <a:ext cx="4357654" cy="348878"/>
           </a:xfrm>
           <a:prstGeom prst="rect">
             <a:avLst/>
@@ -4122,146 +5812,13 @@
           <a:p>
             <a:pPr algn="ctr"/>
             <a:r>
-              <a:rPr lang="en-US" sz="2000" b="1" dirty="0">
+              <a:rPr lang="en-US" sz="1667" b="1" dirty="0">
                 <a:solidFill>
                   <a:schemeClr val="bg1"/>
                 </a:solidFill>
                 <a:latin typeface="Garamond" panose="02020404030301010803" pitchFamily="18" charset="0"/>
               </a:rPr>
-              <a:t>Results</a:t>
-            </a:r>
-          </a:p>
-        </p:txBody>
-      </p:sp>
-      <p:sp>
-        <p:nvSpPr>
-          <p:cNvPr id="22" name="TextBox 21">
-            <a:extLst>
-              <a:ext uri="{FF2B5EF4-FFF2-40B4-BE49-F238E27FC236}">
-                <a16:creationId xmlns:a16="http://schemas.microsoft.com/office/drawing/2014/main" id="{73D5816F-EF48-4F3C-8E5A-54FFD05B92D6}"/>
-              </a:ext>
-            </a:extLst>
-          </p:cNvPr>
-          <p:cNvSpPr txBox="1"/>
-          <p:nvPr/>
-        </p:nvSpPr>
-        <p:spPr>
-          <a:xfrm>
-            <a:off x="11044202" y="8647401"/>
-            <a:ext cx="5229185" cy="2031325"/>
-          </a:xfrm>
-          <a:prstGeom prst="rect">
-            <a:avLst/>
-          </a:prstGeom>
-          <a:solidFill>
-            <a:schemeClr val="bg1"/>
-          </a:solidFill>
-          <a:ln>
-            <a:solidFill>
-              <a:srgbClr val="011F5B"/>
-            </a:solidFill>
-          </a:ln>
-        </p:spPr>
-        <p:txBody>
-          <a:bodyPr wrap="square" rtlCol="0">
-            <a:spAutoFit/>
-          </a:bodyPr>
-          <a:lstStyle/>
-          <a:p>
-            <a:endParaRPr lang="en-US" dirty="0">
-              <a:solidFill>
-                <a:srgbClr val="011F5B"/>
-              </a:solidFill>
-            </a:endParaRPr>
-          </a:p>
-          <a:p>
-            <a:endParaRPr lang="en-US" dirty="0">
-              <a:solidFill>
-                <a:srgbClr val="011F5B"/>
-              </a:solidFill>
-            </a:endParaRPr>
-          </a:p>
-          <a:p>
-            <a:endParaRPr lang="en-US" dirty="0">
-              <a:solidFill>
-                <a:srgbClr val="011F5B"/>
-              </a:solidFill>
-            </a:endParaRPr>
-          </a:p>
-          <a:p>
-            <a:endParaRPr lang="en-US" dirty="0">
-              <a:solidFill>
-                <a:srgbClr val="011F5B"/>
-              </a:solidFill>
-            </a:endParaRPr>
-          </a:p>
-          <a:p>
-            <a:endParaRPr lang="en-US" dirty="0">
-              <a:solidFill>
-                <a:srgbClr val="011F5B"/>
-              </a:solidFill>
-            </a:endParaRPr>
-          </a:p>
-          <a:p>
-            <a:endParaRPr lang="en-US" dirty="0">
-              <a:solidFill>
-                <a:srgbClr val="011F5B"/>
-              </a:solidFill>
-            </a:endParaRPr>
-          </a:p>
-          <a:p>
-            <a:endParaRPr lang="en-US" dirty="0">
-              <a:solidFill>
-                <a:srgbClr val="011F5B"/>
-              </a:solidFill>
-            </a:endParaRPr>
-          </a:p>
-        </p:txBody>
-      </p:sp>
-      <p:sp>
-        <p:nvSpPr>
-          <p:cNvPr id="23" name="TextBox 22">
-            <a:extLst>
-              <a:ext uri="{FF2B5EF4-FFF2-40B4-BE49-F238E27FC236}">
-                <a16:creationId xmlns:a16="http://schemas.microsoft.com/office/drawing/2014/main" id="{A905B64D-C01B-4DF9-8AE8-4206EEE06C55}"/>
-              </a:ext>
-            </a:extLst>
-          </p:cNvPr>
-          <p:cNvSpPr txBox="1"/>
-          <p:nvPr/>
-        </p:nvSpPr>
-        <p:spPr>
-          <a:xfrm>
-            <a:off x="11044202" y="8647401"/>
-            <a:ext cx="5229185" cy="400110"/>
-          </a:xfrm>
-          <a:prstGeom prst="rect">
-            <a:avLst/>
-          </a:prstGeom>
-          <a:solidFill>
-            <a:srgbClr val="011F5B"/>
-          </a:solidFill>
-          <a:ln>
-            <a:solidFill>
-              <a:srgbClr val="011F5B"/>
-            </a:solidFill>
-          </a:ln>
-        </p:spPr>
-        <p:txBody>
-          <a:bodyPr wrap="square" rtlCol="0">
-            <a:spAutoFit/>
-          </a:bodyPr>
-          <a:lstStyle/>
-          <a:p>
-            <a:pPr algn="ctr"/>
-            <a:r>
-              <a:rPr lang="en-US" sz="2000" b="1" dirty="0">
-                <a:solidFill>
-                  <a:schemeClr val="bg1"/>
-                </a:solidFill>
-                <a:latin typeface="Garamond" panose="02020404030301010803" pitchFamily="18" charset="0"/>
-              </a:rPr>
-              <a:t>Future Work</a:t>
+              <a:t>Spam Filter (Cont.)</a:t>
             </a:r>
           </a:p>
         </p:txBody>

--- a/Poster.pptx
+++ b/Poster.pptx
@@ -4,6 +4,9 @@
   <p:sldMasterIdLst>
     <p:sldMasterId id="2147483696" r:id="rId1"/>
   </p:sldMasterIdLst>
+  <p:notesMasterIdLst>
+    <p:notesMasterId r:id="rId3"/>
+  </p:notesMasterIdLst>
   <p:sldIdLst>
     <p:sldId id="256" r:id="rId2"/>
   </p:sldIdLst>
@@ -112,6 +115,356 @@
 </p:presentation>
 </file>
 
+<file path=ppt/notesMasters/notesMaster1.xml><?xml version="1.0" encoding="utf-8"?>
+<p:notesMaster xmlns:a="http://schemas.openxmlformats.org/drawingml/2006/main" xmlns:r="http://schemas.openxmlformats.org/officeDocument/2006/relationships" xmlns:p="http://schemas.openxmlformats.org/presentationml/2006/main">
+  <p:cSld>
+    <p:bg>
+      <p:bgRef idx="1001">
+        <a:schemeClr val="bg1"/>
+      </p:bgRef>
+    </p:bg>
+    <p:spTree>
+      <p:nvGrpSpPr>
+        <p:cNvPr id="1" name=""/>
+        <p:cNvGrpSpPr/>
+        <p:nvPr/>
+      </p:nvGrpSpPr>
+      <p:grpSpPr>
+        <a:xfrm>
+          <a:off x="0" y="0"/>
+          <a:ext cx="0" cy="0"/>
+          <a:chOff x="0" y="0"/>
+          <a:chExt cx="0" cy="0"/>
+        </a:xfrm>
+      </p:grpSpPr>
+      <p:sp>
+        <p:nvSpPr>
+          <p:cNvPr id="2" name="Header Placeholder 1"/>
+          <p:cNvSpPr>
+            <a:spLocks noGrp="1"/>
+          </p:cNvSpPr>
+          <p:nvPr>
+            <p:ph type="hdr" sz="quarter"/>
+          </p:nvPr>
+        </p:nvSpPr>
+        <p:spPr>
+          <a:xfrm>
+            <a:off x="0" y="0"/>
+            <a:ext cx="2971800" cy="458788"/>
+          </a:xfrm>
+          <a:prstGeom prst="rect">
+            <a:avLst/>
+          </a:prstGeom>
+        </p:spPr>
+        <p:txBody>
+          <a:bodyPr vert="horz" lIns="91440" tIns="45720" rIns="91440" bIns="45720" rtlCol="0"/>
+          <a:lstStyle>
+            <a:lvl1pPr algn="l">
+              <a:defRPr sz="1200"/>
+            </a:lvl1pPr>
+          </a:lstStyle>
+          <a:p>
+            <a:endParaRPr lang="en-US"/>
+          </a:p>
+        </p:txBody>
+      </p:sp>
+      <p:sp>
+        <p:nvSpPr>
+          <p:cNvPr id="3" name="Date Placeholder 2"/>
+          <p:cNvSpPr>
+            <a:spLocks noGrp="1"/>
+          </p:cNvSpPr>
+          <p:nvPr>
+            <p:ph type="dt" idx="1"/>
+          </p:nvPr>
+        </p:nvSpPr>
+        <p:spPr>
+          <a:xfrm>
+            <a:off x="3884613" y="0"/>
+            <a:ext cx="2971800" cy="458788"/>
+          </a:xfrm>
+          <a:prstGeom prst="rect">
+            <a:avLst/>
+          </a:prstGeom>
+        </p:spPr>
+        <p:txBody>
+          <a:bodyPr vert="horz" lIns="91440" tIns="45720" rIns="91440" bIns="45720" rtlCol="0"/>
+          <a:lstStyle>
+            <a:lvl1pPr algn="r">
+              <a:defRPr sz="1200"/>
+            </a:lvl1pPr>
+          </a:lstStyle>
+          <a:p>
+            <a:fld id="{40FFB66C-989F-9348-8E4D-5A4E8F248AB8}" type="datetimeFigureOut">
+              <a:rPr lang="en-US" smtClean="0"/>
+              <a:t>5/3/18</a:t>
+            </a:fld>
+            <a:endParaRPr lang="en-US"/>
+          </a:p>
+        </p:txBody>
+      </p:sp>
+      <p:sp>
+        <p:nvSpPr>
+          <p:cNvPr id="4" name="Slide Image Placeholder 3"/>
+          <p:cNvSpPr>
+            <a:spLocks noGrp="1" noRot="1" noChangeAspect="1"/>
+          </p:cNvSpPr>
+          <p:nvPr>
+            <p:ph type="sldImg" idx="2"/>
+          </p:nvPr>
+        </p:nvSpPr>
+        <p:spPr>
+          <a:xfrm>
+            <a:off x="2271713" y="1143000"/>
+            <a:ext cx="2314575" cy="3086100"/>
+          </a:xfrm>
+          <a:prstGeom prst="rect">
+            <a:avLst/>
+          </a:prstGeom>
+          <a:noFill/>
+          <a:ln w="12700">
+            <a:solidFill>
+              <a:prstClr val="black"/>
+            </a:solidFill>
+          </a:ln>
+        </p:spPr>
+        <p:txBody>
+          <a:bodyPr vert="horz" lIns="91440" tIns="45720" rIns="91440" bIns="45720" rtlCol="0" anchor="ctr"/>
+          <a:lstStyle/>
+          <a:p>
+            <a:endParaRPr lang="en-US"/>
+          </a:p>
+        </p:txBody>
+      </p:sp>
+      <p:sp>
+        <p:nvSpPr>
+          <p:cNvPr id="5" name="Notes Placeholder 4"/>
+          <p:cNvSpPr>
+            <a:spLocks noGrp="1"/>
+          </p:cNvSpPr>
+          <p:nvPr>
+            <p:ph type="body" sz="quarter" idx="3"/>
+          </p:nvPr>
+        </p:nvSpPr>
+        <p:spPr>
+          <a:xfrm>
+            <a:off x="685800" y="4400550"/>
+            <a:ext cx="5486400" cy="3600450"/>
+          </a:xfrm>
+          <a:prstGeom prst="rect">
+            <a:avLst/>
+          </a:prstGeom>
+        </p:spPr>
+        <p:txBody>
+          <a:bodyPr vert="horz" lIns="91440" tIns="45720" rIns="91440" bIns="45720" rtlCol="0"/>
+          <a:lstStyle/>
+          <a:p>
+            <a:pPr lvl="0"/>
+            <a:r>
+              <a:rPr lang="en-US" smtClean="0"/>
+              <a:t>Click to edit Master text styles</a:t>
+            </a:r>
+          </a:p>
+          <a:p>
+            <a:pPr lvl="1"/>
+            <a:r>
+              <a:rPr lang="en-US" smtClean="0"/>
+              <a:t>Second level</a:t>
+            </a:r>
+          </a:p>
+          <a:p>
+            <a:pPr lvl="2"/>
+            <a:r>
+              <a:rPr lang="en-US" smtClean="0"/>
+              <a:t>Third level</a:t>
+            </a:r>
+          </a:p>
+          <a:p>
+            <a:pPr lvl="3"/>
+            <a:r>
+              <a:rPr lang="en-US" smtClean="0"/>
+              <a:t>Fourth level</a:t>
+            </a:r>
+          </a:p>
+          <a:p>
+            <a:pPr lvl="4"/>
+            <a:r>
+              <a:rPr lang="en-US" smtClean="0"/>
+              <a:t>Fifth level</a:t>
+            </a:r>
+            <a:endParaRPr lang="en-US"/>
+          </a:p>
+        </p:txBody>
+      </p:sp>
+      <p:sp>
+        <p:nvSpPr>
+          <p:cNvPr id="6" name="Footer Placeholder 5"/>
+          <p:cNvSpPr>
+            <a:spLocks noGrp="1"/>
+          </p:cNvSpPr>
+          <p:nvPr>
+            <p:ph type="ftr" sz="quarter" idx="4"/>
+          </p:nvPr>
+        </p:nvSpPr>
+        <p:spPr>
+          <a:xfrm>
+            <a:off x="0" y="8685213"/>
+            <a:ext cx="2971800" cy="458787"/>
+          </a:xfrm>
+          <a:prstGeom prst="rect">
+            <a:avLst/>
+          </a:prstGeom>
+        </p:spPr>
+        <p:txBody>
+          <a:bodyPr vert="horz" lIns="91440" tIns="45720" rIns="91440" bIns="45720" rtlCol="0" anchor="b"/>
+          <a:lstStyle>
+            <a:lvl1pPr algn="l">
+              <a:defRPr sz="1200"/>
+            </a:lvl1pPr>
+          </a:lstStyle>
+          <a:p>
+            <a:endParaRPr lang="en-US"/>
+          </a:p>
+        </p:txBody>
+      </p:sp>
+      <p:sp>
+        <p:nvSpPr>
+          <p:cNvPr id="7" name="Slide Number Placeholder 6"/>
+          <p:cNvSpPr>
+            <a:spLocks noGrp="1"/>
+          </p:cNvSpPr>
+          <p:nvPr>
+            <p:ph type="sldNum" sz="quarter" idx="5"/>
+          </p:nvPr>
+        </p:nvSpPr>
+        <p:spPr>
+          <a:xfrm>
+            <a:off x="3884613" y="8685213"/>
+            <a:ext cx="2971800" cy="458787"/>
+          </a:xfrm>
+          <a:prstGeom prst="rect">
+            <a:avLst/>
+          </a:prstGeom>
+        </p:spPr>
+        <p:txBody>
+          <a:bodyPr vert="horz" lIns="91440" tIns="45720" rIns="91440" bIns="45720" rtlCol="0" anchor="b"/>
+          <a:lstStyle>
+            <a:lvl1pPr algn="r">
+              <a:defRPr sz="1200"/>
+            </a:lvl1pPr>
+          </a:lstStyle>
+          <a:p>
+            <a:fld id="{1BA68BC8-42DC-D84A-AF9A-7718CC78AA3B}" type="slidenum">
+              <a:rPr lang="en-US" smtClean="0"/>
+              <a:t>‹#›</a:t>
+            </a:fld>
+            <a:endParaRPr lang="en-US"/>
+          </a:p>
+        </p:txBody>
+      </p:sp>
+    </p:spTree>
+    <p:extLst>
+      <p:ext uri="{BB962C8B-B14F-4D97-AF65-F5344CB8AC3E}">
+        <p14:creationId xmlns:p14="http://schemas.microsoft.com/office/powerpoint/2010/main" val="1827026490"/>
+      </p:ext>
+    </p:extLst>
+  </p:cSld>
+  <p:clrMap bg1="lt1" tx1="dk1" bg2="lt2" tx2="dk2" accent1="accent1" accent2="accent2" accent3="accent3" accent4="accent4" accent5="accent5" accent6="accent6" hlink="hlink" folHlink="folHlink"/>
+  <p:notesStyle>
+    <a:lvl1pPr marL="0" algn="l" defTabSz="914400" rtl="0" eaLnBrk="1" latinLnBrk="0" hangingPunct="1">
+      <a:defRPr sz="1200" kern="1200">
+        <a:solidFill>
+          <a:schemeClr val="tx1"/>
+        </a:solidFill>
+        <a:latin typeface="+mn-lt"/>
+        <a:ea typeface="+mn-ea"/>
+        <a:cs typeface="+mn-cs"/>
+      </a:defRPr>
+    </a:lvl1pPr>
+    <a:lvl2pPr marL="457200" algn="l" defTabSz="914400" rtl="0" eaLnBrk="1" latinLnBrk="0" hangingPunct="1">
+      <a:defRPr sz="1200" kern="1200">
+        <a:solidFill>
+          <a:schemeClr val="tx1"/>
+        </a:solidFill>
+        <a:latin typeface="+mn-lt"/>
+        <a:ea typeface="+mn-ea"/>
+        <a:cs typeface="+mn-cs"/>
+      </a:defRPr>
+    </a:lvl2pPr>
+    <a:lvl3pPr marL="914400" algn="l" defTabSz="914400" rtl="0" eaLnBrk="1" latinLnBrk="0" hangingPunct="1">
+      <a:defRPr sz="1200" kern="1200">
+        <a:solidFill>
+          <a:schemeClr val="tx1"/>
+        </a:solidFill>
+        <a:latin typeface="+mn-lt"/>
+        <a:ea typeface="+mn-ea"/>
+        <a:cs typeface="+mn-cs"/>
+      </a:defRPr>
+    </a:lvl3pPr>
+    <a:lvl4pPr marL="1371600" algn="l" defTabSz="914400" rtl="0" eaLnBrk="1" latinLnBrk="0" hangingPunct="1">
+      <a:defRPr sz="1200" kern="1200">
+        <a:solidFill>
+          <a:schemeClr val="tx1"/>
+        </a:solidFill>
+        <a:latin typeface="+mn-lt"/>
+        <a:ea typeface="+mn-ea"/>
+        <a:cs typeface="+mn-cs"/>
+      </a:defRPr>
+    </a:lvl4pPr>
+    <a:lvl5pPr marL="1828800" algn="l" defTabSz="914400" rtl="0" eaLnBrk="1" latinLnBrk="0" hangingPunct="1">
+      <a:defRPr sz="1200" kern="1200">
+        <a:solidFill>
+          <a:schemeClr val="tx1"/>
+        </a:solidFill>
+        <a:latin typeface="+mn-lt"/>
+        <a:ea typeface="+mn-ea"/>
+        <a:cs typeface="+mn-cs"/>
+      </a:defRPr>
+    </a:lvl5pPr>
+    <a:lvl6pPr marL="2286000" algn="l" defTabSz="914400" rtl="0" eaLnBrk="1" latinLnBrk="0" hangingPunct="1">
+      <a:defRPr sz="1200" kern="1200">
+        <a:solidFill>
+          <a:schemeClr val="tx1"/>
+        </a:solidFill>
+        <a:latin typeface="+mn-lt"/>
+        <a:ea typeface="+mn-ea"/>
+        <a:cs typeface="+mn-cs"/>
+      </a:defRPr>
+    </a:lvl6pPr>
+    <a:lvl7pPr marL="2743200" algn="l" defTabSz="914400" rtl="0" eaLnBrk="1" latinLnBrk="0" hangingPunct="1">
+      <a:defRPr sz="1200" kern="1200">
+        <a:solidFill>
+          <a:schemeClr val="tx1"/>
+        </a:solidFill>
+        <a:latin typeface="+mn-lt"/>
+        <a:ea typeface="+mn-ea"/>
+        <a:cs typeface="+mn-cs"/>
+      </a:defRPr>
+    </a:lvl7pPr>
+    <a:lvl8pPr marL="3200400" algn="l" defTabSz="914400" rtl="0" eaLnBrk="1" latinLnBrk="0" hangingPunct="1">
+      <a:defRPr sz="1200" kern="1200">
+        <a:solidFill>
+          <a:schemeClr val="tx1"/>
+        </a:solidFill>
+        <a:latin typeface="+mn-lt"/>
+        <a:ea typeface="+mn-ea"/>
+        <a:cs typeface="+mn-cs"/>
+      </a:defRPr>
+    </a:lvl8pPr>
+    <a:lvl9pPr marL="3657600" algn="l" defTabSz="914400" rtl="0" eaLnBrk="1" latinLnBrk="0" hangingPunct="1">
+      <a:defRPr sz="1200" kern="1200">
+        <a:solidFill>
+          <a:schemeClr val="tx1"/>
+        </a:solidFill>
+        <a:latin typeface="+mn-lt"/>
+        <a:ea typeface="+mn-ea"/>
+        <a:cs typeface="+mn-cs"/>
+      </a:defRPr>
+    </a:lvl9pPr>
+  </p:notesStyle>
+</p:notesMaster>
+</file>
+
 <file path=ppt/slideLayouts/slideLayout1.xml><?xml version="1.0" encoding="utf-8"?>
 <p:sldLayout xmlns:a="http://schemas.openxmlformats.org/drawingml/2006/main" xmlns:r="http://schemas.openxmlformats.org/officeDocument/2006/relationships" xmlns:p="http://schemas.openxmlformats.org/presentationml/2006/main" type="title" preserve="1">
   <p:cSld name="Title Slide">
@@ -243,7 +596,7 @@
           <a:p>
             <a:fld id="{9D3AC320-B950-4C88-844B-3041557FCF54}" type="datetimeFigureOut">
               <a:rPr lang="en-US" smtClean="0"/>
-              <a:t>5/3/2018</a:t>
+              <a:t>5/3/18</a:t>
             </a:fld>
             <a:endParaRPr lang="en-US"/>
           </a:p>
@@ -413,7 +766,7 @@
           <a:p>
             <a:fld id="{9D3AC320-B950-4C88-844B-3041557FCF54}" type="datetimeFigureOut">
               <a:rPr lang="en-US" smtClean="0"/>
-              <a:t>5/3/2018</a:t>
+              <a:t>5/3/18</a:t>
             </a:fld>
             <a:endParaRPr lang="en-US"/>
           </a:p>
@@ -593,7 +946,7 @@
           <a:p>
             <a:fld id="{9D3AC320-B950-4C88-844B-3041557FCF54}" type="datetimeFigureOut">
               <a:rPr lang="en-US" smtClean="0"/>
-              <a:t>5/3/2018</a:t>
+              <a:t>5/3/18</a:t>
             </a:fld>
             <a:endParaRPr lang="en-US"/>
           </a:p>
@@ -763,7 +1116,7 @@
           <a:p>
             <a:fld id="{9D3AC320-B950-4C88-844B-3041557FCF54}" type="datetimeFigureOut">
               <a:rPr lang="en-US" smtClean="0"/>
-              <a:t>5/3/2018</a:t>
+              <a:t>5/3/18</a:t>
             </a:fld>
             <a:endParaRPr lang="en-US"/>
           </a:p>
@@ -1007,7 +1360,7 @@
           <a:p>
             <a:fld id="{9D3AC320-B950-4C88-844B-3041557FCF54}" type="datetimeFigureOut">
               <a:rPr lang="en-US" smtClean="0"/>
-              <a:t>5/3/2018</a:t>
+              <a:t>5/3/18</a:t>
             </a:fld>
             <a:endParaRPr lang="en-US"/>
           </a:p>
@@ -1239,7 +1592,7 @@
           <a:p>
             <a:fld id="{9D3AC320-B950-4C88-844B-3041557FCF54}" type="datetimeFigureOut">
               <a:rPr lang="en-US" smtClean="0"/>
-              <a:t>5/3/2018</a:t>
+              <a:t>5/3/18</a:t>
             </a:fld>
             <a:endParaRPr lang="en-US"/>
           </a:p>
@@ -1606,7 +1959,7 @@
           <a:p>
             <a:fld id="{9D3AC320-B950-4C88-844B-3041557FCF54}" type="datetimeFigureOut">
               <a:rPr lang="en-US" smtClean="0"/>
-              <a:t>5/3/2018</a:t>
+              <a:t>5/3/18</a:t>
             </a:fld>
             <a:endParaRPr lang="en-US"/>
           </a:p>
@@ -1724,7 +2077,7 @@
           <a:p>
             <a:fld id="{9D3AC320-B950-4C88-844B-3041557FCF54}" type="datetimeFigureOut">
               <a:rPr lang="en-US" smtClean="0"/>
-              <a:t>5/3/2018</a:t>
+              <a:t>5/3/18</a:t>
             </a:fld>
             <a:endParaRPr lang="en-US"/>
           </a:p>
@@ -1819,7 +2172,7 @@
           <a:p>
             <a:fld id="{9D3AC320-B950-4C88-844B-3041557FCF54}" type="datetimeFigureOut">
               <a:rPr lang="en-US" smtClean="0"/>
-              <a:t>5/3/2018</a:t>
+              <a:t>5/3/18</a:t>
             </a:fld>
             <a:endParaRPr lang="en-US"/>
           </a:p>
@@ -2096,7 +2449,7 @@
           <a:p>
             <a:fld id="{9D3AC320-B950-4C88-844B-3041557FCF54}" type="datetimeFigureOut">
               <a:rPr lang="en-US" smtClean="0"/>
-              <a:t>5/3/2018</a:t>
+              <a:t>5/3/18</a:t>
             </a:fld>
             <a:endParaRPr lang="en-US"/>
           </a:p>
@@ -2353,7 +2706,7 @@
           <a:p>
             <a:fld id="{9D3AC320-B950-4C88-844B-3041557FCF54}" type="datetimeFigureOut">
               <a:rPr lang="en-US" smtClean="0"/>
-              <a:t>5/3/2018</a:t>
+              <a:t>5/3/18</a:t>
             </a:fld>
             <a:endParaRPr lang="en-US"/>
           </a:p>
@@ -2566,7 +2919,7 @@
           <a:p>
             <a:fld id="{9D3AC320-B950-4C88-844B-3041557FCF54}" type="datetimeFigureOut">
               <a:rPr lang="en-US" smtClean="0"/>
-              <a:t>5/3/2018</a:t>
+              <a:t>5/3/18</a:t>
             </a:fld>
             <a:endParaRPr lang="en-US"/>
           </a:p>
@@ -3010,7 +3363,7 @@
           <p:cNvPr id="2" name="Title 1">
             <a:extLst>
               <a:ext uri="{FF2B5EF4-FFF2-40B4-BE49-F238E27FC236}">
-                <a16:creationId xmlns:a16="http://schemas.microsoft.com/office/drawing/2014/main" id="{A14FAE80-3C54-468F-997F-C6E1D174050F}"/>
+                <a16:creationId xmlns:a16="http://schemas.microsoft.com/office/drawing/2014/main" xmlns="" id="{A14FAE80-3C54-468F-997F-C6E1D174050F}"/>
               </a:ext>
             </a:extLst>
           </p:cNvPr>
@@ -3047,6 +3400,12 @@
               </a:rPr>
               <a:t>Using Twitter Sentiment Classification to Predict Hourly Changes in XRP Price</a:t>
             </a:r>
+            <a:r>
+              <a:rPr lang="en-US" sz="4167" dirty="0">
+                <a:latin typeface="Garamond" panose="02020404030301010803" pitchFamily="18" charset="0"/>
+              </a:rPr>
+              <a:t/>
+            </a:r>
             <a:br>
               <a:rPr lang="en-US" sz="4167" dirty="0">
                 <a:latin typeface="Garamond" panose="02020404030301010803" pitchFamily="18" charset="0"/>
@@ -3137,7 +3496,7 @@
           <p:cNvPr id="6" name="Picture 5">
             <a:extLst>
               <a:ext uri="{FF2B5EF4-FFF2-40B4-BE49-F238E27FC236}">
-                <a16:creationId xmlns:a16="http://schemas.microsoft.com/office/drawing/2014/main" id="{D7B121C7-A408-4DCD-8061-5C978599BC20}"/>
+                <a16:creationId xmlns:a16="http://schemas.microsoft.com/office/drawing/2014/main" xmlns="" id="{D7B121C7-A408-4DCD-8061-5C978599BC20}"/>
               </a:ext>
             </a:extLst>
           </p:cNvPr>
@@ -3173,7 +3532,7 @@
           <p:cNvPr id="7" name="Picture 6">
             <a:extLst>
               <a:ext uri="{FF2B5EF4-FFF2-40B4-BE49-F238E27FC236}">
-                <a16:creationId xmlns:a16="http://schemas.microsoft.com/office/drawing/2014/main" id="{7D221A5E-A9DE-4268-BCD0-6E8CAA09079D}"/>
+                <a16:creationId xmlns:a16="http://schemas.microsoft.com/office/drawing/2014/main" xmlns="" id="{7D221A5E-A9DE-4268-BCD0-6E8CAA09079D}"/>
               </a:ext>
             </a:extLst>
           </p:cNvPr>
@@ -3209,7 +3568,7 @@
           <p:cNvPr id="10" name="TextBox 9">
             <a:extLst>
               <a:ext uri="{FF2B5EF4-FFF2-40B4-BE49-F238E27FC236}">
-                <a16:creationId xmlns:a16="http://schemas.microsoft.com/office/drawing/2014/main" id="{A0CDFDE6-452A-4FD0-8498-BE0CEC8B6ACC}"/>
+                <a16:creationId xmlns:a16="http://schemas.microsoft.com/office/drawing/2014/main" xmlns="" id="{A0CDFDE6-452A-4FD0-8498-BE0CEC8B6ACC}"/>
               </a:ext>
             </a:extLst>
           </p:cNvPr>
@@ -3343,7 +3702,7 @@
           <p:cNvPr id="11" name="TextBox 10">
             <a:extLst>
               <a:ext uri="{FF2B5EF4-FFF2-40B4-BE49-F238E27FC236}">
-                <a16:creationId xmlns:a16="http://schemas.microsoft.com/office/drawing/2014/main" id="{0B657177-A18C-4721-9FEF-D80F98046F6C}"/>
+                <a16:creationId xmlns:a16="http://schemas.microsoft.com/office/drawing/2014/main" xmlns="" id="{0B657177-A18C-4721-9FEF-D80F98046F6C}"/>
               </a:ext>
             </a:extLst>
           </p:cNvPr>
@@ -3391,7 +3750,7 @@
           <p:cNvPr id="13" name="TextBox 12">
             <a:extLst>
               <a:ext uri="{FF2B5EF4-FFF2-40B4-BE49-F238E27FC236}">
-                <a16:creationId xmlns:a16="http://schemas.microsoft.com/office/drawing/2014/main" id="{350B0135-6184-4979-BB40-37C979E657FF}"/>
+                <a16:creationId xmlns:a16="http://schemas.microsoft.com/office/drawing/2014/main" xmlns="" id="{350B0135-6184-4979-BB40-37C979E657FF}"/>
               </a:ext>
             </a:extLst>
           </p:cNvPr>
@@ -3401,7 +3760,7 @@
         <p:spPr>
           <a:xfrm>
             <a:off x="131031" y="6008145"/>
-            <a:ext cx="4357654" cy="3554819"/>
+            <a:ext cx="4357654" cy="3170099"/>
           </a:xfrm>
           <a:prstGeom prst="rect">
             <a:avLst/>
@@ -3436,7 +3795,7 @@
           </a:p>
           <a:p>
             <a:r>
-              <a:rPr lang="en-US" sz="1500" dirty="0">
+              <a:rPr lang="en-US" sz="1000" dirty="0">
                 <a:solidFill>
                   <a:srgbClr val="011F5B"/>
                 </a:solidFill>
@@ -3446,7 +3805,7 @@
           </a:p>
           <a:p>
             <a:r>
-              <a:rPr lang="en-US" sz="1500" dirty="0">
+              <a:rPr lang="en-US" sz="1000" dirty="0">
                 <a:solidFill>
                   <a:srgbClr val="011F5B"/>
                 </a:solidFill>
@@ -3454,7 +3813,7 @@
               <a:t>Web-scraper on ‘Top 30 Crypto Accounts to Follow’ </a:t>
             </a:r>
             <a:r>
-              <a:rPr lang="en-US" sz="1500" dirty="0">
+              <a:rPr lang="en-US" sz="1000" dirty="0">
                 <a:solidFill>
                   <a:srgbClr val="011F5B"/>
                 </a:solidFill>
@@ -3462,15 +3821,15 @@
               </a:rPr>
               <a:t> Good data (17000 tweets)</a:t>
             </a:r>
-            <a:endParaRPr lang="en-US" sz="1500" dirty="0">
-              <a:solidFill>
-                <a:srgbClr val="011F5B"/>
-              </a:solidFill>
-            </a:endParaRPr>
-          </a:p>
-          <a:p>
-            <a:r>
-              <a:rPr lang="en-US" sz="1500" dirty="0">
+            <a:endParaRPr lang="en-US" sz="1000" dirty="0">
+              <a:solidFill>
+                <a:srgbClr val="011F5B"/>
+              </a:solidFill>
+            </a:endParaRPr>
+          </a:p>
+          <a:p>
+            <a:r>
+              <a:rPr lang="en-US" sz="1000" dirty="0">
                 <a:solidFill>
                   <a:srgbClr val="011F5B"/>
                 </a:solidFill>
@@ -3478,7 +3837,7 @@
               <a:t>Web-scraper on words containing ‘XRP or Ripple’ from April 13 to April 25 </a:t>
             </a:r>
             <a:r>
-              <a:rPr lang="en-US" sz="1500" dirty="0">
+              <a:rPr lang="en-US" sz="1000" dirty="0">
                 <a:solidFill>
                   <a:srgbClr val="011F5B"/>
                 </a:solidFill>
@@ -3486,15 +3845,15 @@
               </a:rPr>
               <a:t> 80k tweets</a:t>
             </a:r>
-            <a:endParaRPr lang="en-US" sz="1500" dirty="0">
-              <a:solidFill>
-                <a:srgbClr val="011F5B"/>
-              </a:solidFill>
-            </a:endParaRPr>
-          </a:p>
-          <a:p>
-            <a:r>
-              <a:rPr lang="en-US" sz="1500" dirty="0">
+            <a:endParaRPr lang="en-US" sz="1000" dirty="0">
+              <a:solidFill>
+                <a:srgbClr val="011F5B"/>
+              </a:solidFill>
+            </a:endParaRPr>
+          </a:p>
+          <a:p>
+            <a:r>
+              <a:rPr lang="en-US" sz="1000" dirty="0">
                 <a:solidFill>
                   <a:srgbClr val="FF0000"/>
                 </a:solidFill>
@@ -3503,22 +3862,22 @@
             </a:r>
           </a:p>
           <a:p>
-            <a:endParaRPr lang="en-US" sz="1500" dirty="0">
-              <a:solidFill>
-                <a:srgbClr val="011F5B"/>
-              </a:solidFill>
-            </a:endParaRPr>
-          </a:p>
-          <a:p>
-            <a:endParaRPr lang="en-US" sz="1500" dirty="0">
-              <a:solidFill>
-                <a:srgbClr val="011F5B"/>
-              </a:solidFill>
-            </a:endParaRPr>
-          </a:p>
-          <a:p>
-            <a:r>
-              <a:rPr lang="en-US" sz="1500" dirty="0">
+            <a:endParaRPr lang="en-US" sz="1000" dirty="0">
+              <a:solidFill>
+                <a:srgbClr val="011F5B"/>
+              </a:solidFill>
+            </a:endParaRPr>
+          </a:p>
+          <a:p>
+            <a:endParaRPr lang="en-US" sz="1000" dirty="0">
+              <a:solidFill>
+                <a:srgbClr val="011F5B"/>
+              </a:solidFill>
+            </a:endParaRPr>
+          </a:p>
+          <a:p>
+            <a:r>
+              <a:rPr lang="en-US" sz="1000" dirty="0">
                 <a:solidFill>
                   <a:srgbClr val="011F5B"/>
                 </a:solidFill>
@@ -3527,15 +3886,15 @@
             </a:r>
           </a:p>
           <a:p>
-            <a:endParaRPr lang="en-US" sz="1500" dirty="0">
-              <a:solidFill>
-                <a:srgbClr val="011F5B"/>
-              </a:solidFill>
-            </a:endParaRPr>
-          </a:p>
-          <a:p>
-            <a:r>
-              <a:rPr lang="en-US" sz="1500" dirty="0">
+            <a:endParaRPr lang="en-US" sz="1000" dirty="0">
+              <a:solidFill>
+                <a:srgbClr val="011F5B"/>
+              </a:solidFill>
+            </a:endParaRPr>
+          </a:p>
+          <a:p>
+            <a:r>
+              <a:rPr lang="en-US" sz="1000" dirty="0">
                 <a:solidFill>
                   <a:srgbClr val="011F5B"/>
                 </a:solidFill>
@@ -3545,7 +3904,7 @@
           </a:p>
           <a:p>
             <a:r>
-              <a:rPr lang="en-US" sz="1500" dirty="0">
+              <a:rPr lang="en-US" sz="1000" dirty="0">
                 <a:solidFill>
                   <a:srgbClr val="011F5B"/>
                 </a:solidFill>
@@ -3553,7 +3912,7 @@
               <a:t>XRP </a:t>
             </a:r>
             <a:r>
-              <a:rPr lang="en-US" sz="1500" dirty="0" err="1">
+              <a:rPr lang="en-US" sz="1000" dirty="0" err="1">
                 <a:solidFill>
                   <a:srgbClr val="011F5B"/>
                 </a:solidFill>
@@ -3561,13 +3920,50 @@
               <a:t>api</a:t>
             </a:r>
             <a:r>
-              <a:rPr lang="en-US" sz="1500" dirty="0">
+              <a:rPr lang="en-US" sz="1000" dirty="0">
                 <a:solidFill>
                   <a:srgbClr val="011F5B"/>
                 </a:solidFill>
               </a:rPr>
-              <a:t> queried hourly..</a:t>
-            </a:r>
+              <a:t> queried hourly</a:t>
+            </a:r>
+            <a:r>
+              <a:rPr lang="en-US" sz="1000" dirty="0" smtClean="0">
+                <a:solidFill>
+                  <a:srgbClr val="011F5B"/>
+                </a:solidFill>
+              </a:rPr>
+              <a:t>..</a:t>
+            </a:r>
+          </a:p>
+          <a:p>
+            <a:endParaRPr lang="en-US" sz="1000" dirty="0">
+              <a:solidFill>
+                <a:srgbClr val="011F5B"/>
+              </a:solidFill>
+            </a:endParaRPr>
+          </a:p>
+          <a:p>
+            <a:endParaRPr lang="en-US" sz="1000" dirty="0" smtClean="0">
+              <a:solidFill>
+                <a:srgbClr val="011F5B"/>
+              </a:solidFill>
+            </a:endParaRPr>
+          </a:p>
+          <a:p>
+            <a:r>
+              <a:rPr lang="en-US" sz="1000" dirty="0" smtClean="0">
+                <a:solidFill>
+                  <a:srgbClr val="011F5B"/>
+                </a:solidFill>
+              </a:rPr>
+              <a:t>Each hour window was classified as the price increasing, decreasing, or remaining neutral based on a threshold of 0.5%.</a:t>
+            </a:r>
+            <a:endParaRPr lang="en-US" sz="1000" dirty="0">
+              <a:solidFill>
+                <a:srgbClr val="011F5B"/>
+              </a:solidFill>
+            </a:endParaRPr>
           </a:p>
         </p:txBody>
       </p:sp>
@@ -3576,7 +3972,7 @@
           <p:cNvPr id="14" name="TextBox 13">
             <a:extLst>
               <a:ext uri="{FF2B5EF4-FFF2-40B4-BE49-F238E27FC236}">
-                <a16:creationId xmlns:a16="http://schemas.microsoft.com/office/drawing/2014/main" id="{8A29E2F6-DCC5-419F-8203-4FD2EDF588FE}"/>
+                <a16:creationId xmlns:a16="http://schemas.microsoft.com/office/drawing/2014/main" xmlns="" id="{8A29E2F6-DCC5-419F-8203-4FD2EDF588FE}"/>
               </a:ext>
             </a:extLst>
           </p:cNvPr>
@@ -3619,14 +4015,14 @@
           </a:p>
         </p:txBody>
       </p:sp>
-      <mc:AlternateContent xmlns:mc="http://schemas.openxmlformats.org/markup-compatibility/2006">
-        <mc:Choice xmlns:a14="http://schemas.microsoft.com/office/drawing/2010/main" Requires="a14">
+      <mc:AlternateContent xmlns:mc="http://schemas.openxmlformats.org/markup-compatibility/2006" xmlns:a14="http://schemas.microsoft.com/office/drawing/2010/main">
+        <mc:Choice Requires="a14">
           <p:sp>
             <p:nvSpPr>
               <p:cNvPr id="15" name="TextBox 14">
                 <a:extLst>
                   <a:ext uri="{FF2B5EF4-FFF2-40B4-BE49-F238E27FC236}">
-                    <a16:creationId xmlns:a16="http://schemas.microsoft.com/office/drawing/2014/main" id="{72250C3B-DB37-480D-BB9C-66854635BA3F}"/>
+                    <a16:creationId xmlns:a16="http://schemas.microsoft.com/office/drawing/2014/main" xmlns="" id="{72250C3B-DB37-480D-BB9C-66854635BA3F}"/>
                   </a:ext>
                 </a:extLst>
               </p:cNvPr>
@@ -3635,7 +4031,7 @@
             </p:nvSpPr>
             <p:spPr>
               <a:xfrm>
-                <a:off x="131031" y="9957759"/>
+                <a:off x="131031" y="9731859"/>
                 <a:ext cx="4357654" cy="8339912"/>
               </a:xfrm>
               <a:prstGeom prst="rect">
@@ -3927,6 +4323,7 @@
                 </a:r>
               </a:p>
               <a:p>
+                <a:pPr/>
                 <a14:m>
                   <m:oMathPara xmlns:m="http://schemas.openxmlformats.org/officeDocument/2006/math">
                     <m:oMathParaPr>
@@ -3941,7 +4338,7 @@
                               <a:solidFill>
                                 <a:srgbClr val="011F5B"/>
                               </a:solidFill>
-                              <a:latin typeface="Cambria Math" panose="02040503050406030204" pitchFamily="18" charset="0"/>
+                              <a:latin typeface="Cambria Math" charset="0"/>
                             </a:rPr>
                           </m:ctrlPr>
                         </m:accPr>
@@ -3973,7 +4370,7 @@
                               <a:solidFill>
                                 <a:srgbClr val="011F5B"/>
                               </a:solidFill>
-                              <a:latin typeface="Cambria Math" panose="02040503050406030204" pitchFamily="18" charset="0"/>
+                              <a:latin typeface="Cambria Math" charset="0"/>
                             </a:rPr>
                           </m:ctrlPr>
                         </m:funcPr>
@@ -3985,7 +4382,7 @@
                                   <a:solidFill>
                                     <a:srgbClr val="011F5B"/>
                                   </a:solidFill>
-                                  <a:latin typeface="Cambria Math" panose="02040503050406030204" pitchFamily="18" charset="0"/>
+                                  <a:latin typeface="Cambria Math" charset="0"/>
                                 </a:rPr>
                               </m:ctrlPr>
                             </m:limLowPr>
@@ -4042,7 +4439,7 @@
                                   <a:solidFill>
                                     <a:srgbClr val="011F5B"/>
                                   </a:solidFill>
-                                  <a:latin typeface="Cambria Math" panose="02040503050406030204" pitchFamily="18" charset="0"/>
+                                  <a:latin typeface="Cambria Math" charset="0"/>
                                 </a:rPr>
                               </m:ctrlPr>
                             </m:dPr>
@@ -4054,7 +4451,7 @@
                                       <a:solidFill>
                                         <a:srgbClr val="011F5B"/>
                                       </a:solidFill>
-                                      <a:latin typeface="Cambria Math" panose="02040503050406030204" pitchFamily="18" charset="0"/>
+                                      <a:latin typeface="Cambria Math" charset="0"/>
                                     </a:rPr>
                                   </m:ctrlPr>
                                 </m:sSubPr>
@@ -4091,7 +4488,7 @@
                                   <a:solidFill>
                                     <a:srgbClr val="011F5B"/>
                                   </a:solidFill>
-                                  <a:latin typeface="Cambria Math" panose="02040503050406030204" pitchFamily="18" charset="0"/>
+                                  <a:latin typeface="Cambria Math" charset="0"/>
                                 </a:rPr>
                               </m:ctrlPr>
                             </m:naryPr>
@@ -4146,7 +4543,7 @@
                                       <a:solidFill>
                                         <a:srgbClr val="011F5B"/>
                                       </a:solidFill>
-                                      <a:latin typeface="Cambria Math" panose="02040503050406030204" pitchFamily="18" charset="0"/>
+                                      <a:latin typeface="Cambria Math" charset="0"/>
                                     </a:rPr>
                                   </m:ctrlPr>
                                 </m:dPr>
@@ -4158,7 +4555,7 @@
                                           <a:solidFill>
                                             <a:srgbClr val="011F5B"/>
                                           </a:solidFill>
-                                          <a:latin typeface="Cambria Math" panose="02040503050406030204" pitchFamily="18" charset="0"/>
+                                          <a:latin typeface="Cambria Math" charset="0"/>
                                         </a:rPr>
                                       </m:ctrlPr>
                                     </m:sSubPr>
@@ -4194,7 +4591,7 @@
                                           <a:solidFill>
                                             <a:srgbClr val="011F5B"/>
                                           </a:solidFill>
-                                          <a:latin typeface="Cambria Math" panose="02040503050406030204" pitchFamily="18" charset="0"/>
+                                          <a:latin typeface="Cambria Math" charset="0"/>
                                         </a:rPr>
                                       </m:ctrlPr>
                                     </m:sSubPr>
@@ -4243,7 +4640,7 @@
                       <a:srgbClr val="011F5B"/>
                     </a:solidFill>
                   </a:rPr>
-                  <a:t>We only used data from our Top30 sources as positive examples and spam as negative. We held out 20% of the group for testing and were able to achieve 98% training accuracy and 96% testing accuracy. </a:t>
+                  <a:t>We only used data from our Top30 sources as positive examples and spam as negative. We held out 20% of the group for testing and were able to achieve 99.5% training accuracy and 98.4% testing accuracy. </a:t>
                 </a:r>
               </a:p>
               <a:p>
@@ -4266,7 +4663,7 @@
             </p:txBody>
           </p:sp>
         </mc:Choice>
-        <mc:Fallback>
+        <mc:Fallback xmlns="">
           <p:sp>
             <p:nvSpPr>
               <p:cNvPr id="15" name="TextBox 14">
@@ -4283,7 +4680,7 @@
             </p:nvSpPr>
             <p:spPr>
               <a:xfrm>
-                <a:off x="131031" y="9957759"/>
+                <a:off x="131031" y="9731859"/>
                 <a:ext cx="4357654" cy="8339912"/>
               </a:xfrm>
               <a:prstGeom prst="rect">
@@ -4321,7 +4718,7 @@
           <p:cNvPr id="16" name="TextBox 15">
             <a:extLst>
               <a:ext uri="{FF2B5EF4-FFF2-40B4-BE49-F238E27FC236}">
-                <a16:creationId xmlns:a16="http://schemas.microsoft.com/office/drawing/2014/main" id="{0DAD262F-8D38-404E-9AFD-3722DE8FBBF0}"/>
+                <a16:creationId xmlns:a16="http://schemas.microsoft.com/office/drawing/2014/main" xmlns="" id="{0DAD262F-8D38-404E-9AFD-3722DE8FBBF0}"/>
               </a:ext>
             </a:extLst>
           </p:cNvPr>
@@ -4330,7 +4727,7 @@
         </p:nvSpPr>
         <p:spPr>
           <a:xfrm>
-            <a:off x="131031" y="9957757"/>
+            <a:off x="131031" y="9731857"/>
             <a:ext cx="4357654" cy="348878"/>
           </a:xfrm>
           <a:prstGeom prst="rect">
@@ -4369,7 +4766,7 @@
           <p:cNvPr id="18" name="TextBox 17">
             <a:extLst>
               <a:ext uri="{FF2B5EF4-FFF2-40B4-BE49-F238E27FC236}">
-                <a16:creationId xmlns:a16="http://schemas.microsoft.com/office/drawing/2014/main" id="{4551F3FF-1DC6-4312-B013-B3DAF7C19194}"/>
+                <a16:creationId xmlns:a16="http://schemas.microsoft.com/office/drawing/2014/main" xmlns="" id="{4551F3FF-1DC6-4312-B013-B3DAF7C19194}"/>
               </a:ext>
             </a:extLst>
           </p:cNvPr>
@@ -4378,8 +4775,8 @@
         </p:nvSpPr>
         <p:spPr>
           <a:xfrm>
-            <a:off x="4679173" y="6933880"/>
-            <a:ext cx="4357654" cy="4016484"/>
+            <a:off x="4679173" y="10407698"/>
+            <a:ext cx="4357654" cy="4401205"/>
           </a:xfrm>
           <a:prstGeom prst="rect">
             <a:avLst/>
@@ -4399,136 +4796,173 @@
           </a:bodyPr>
           <a:lstStyle/>
           <a:p>
-            <a:endParaRPr lang="en-US" sz="1500" dirty="0">
-              <a:solidFill>
-                <a:srgbClr val="011F5B"/>
-              </a:solidFill>
-            </a:endParaRPr>
-          </a:p>
-          <a:p>
-            <a:endParaRPr lang="en-US" sz="1500" dirty="0">
-              <a:solidFill>
-                <a:srgbClr val="011F5B"/>
-              </a:solidFill>
-            </a:endParaRPr>
-          </a:p>
-          <a:p>
-            <a:r>
-              <a:rPr lang="en-US" sz="1500" dirty="0">
+            <a:endParaRPr lang="en-US" sz="1000" dirty="0">
+              <a:solidFill>
+                <a:srgbClr val="011F5B"/>
+              </a:solidFill>
+            </a:endParaRPr>
+          </a:p>
+          <a:p>
+            <a:endParaRPr lang="en-US" sz="1000" dirty="0">
+              <a:solidFill>
+                <a:srgbClr val="011F5B"/>
+              </a:solidFill>
+            </a:endParaRPr>
+          </a:p>
+          <a:p>
+            <a:endParaRPr lang="en-US" sz="1000" dirty="0" smtClean="0">
+              <a:solidFill>
+                <a:srgbClr val="011F5B"/>
+              </a:solidFill>
+            </a:endParaRPr>
+          </a:p>
+          <a:p>
+            <a:r>
+              <a:rPr lang="en-US" sz="1000" dirty="0" smtClean="0">
                 <a:solidFill>
                   <a:srgbClr val="011F5B"/>
                 </a:solidFill>
               </a:rPr>
-              <a:t>Naïve Bayes</a:t>
-            </a:r>
-          </a:p>
-          <a:p>
-            <a:endParaRPr lang="en-US" sz="1500" dirty="0">
-              <a:solidFill>
-                <a:srgbClr val="011F5B"/>
-              </a:solidFill>
-            </a:endParaRPr>
-          </a:p>
-          <a:p>
-            <a:r>
-              <a:rPr lang="en-US" sz="1500" dirty="0" err="1">
+              <a:t>A variety of models were tuned on a count bag of words feature space. This baseline feature space has the number of tweets a stemmed word or bigram appears in each hour. Two hour windows were also explored.</a:t>
+            </a:r>
+          </a:p>
+          <a:p>
+            <a:endParaRPr lang="en-US" sz="1000" dirty="0">
+              <a:solidFill>
+                <a:srgbClr val="011F5B"/>
+              </a:solidFill>
+            </a:endParaRPr>
+          </a:p>
+          <a:p>
+            <a:endParaRPr lang="en-US" sz="1000" dirty="0" smtClean="0">
+              <a:solidFill>
+                <a:srgbClr val="011F5B"/>
+              </a:solidFill>
+            </a:endParaRPr>
+          </a:p>
+          <a:p>
+            <a:endParaRPr lang="en-US" sz="1000" dirty="0">
+              <a:solidFill>
+                <a:srgbClr val="011F5B"/>
+              </a:solidFill>
+            </a:endParaRPr>
+          </a:p>
+          <a:p>
+            <a:endParaRPr lang="en-US" sz="1000" dirty="0" smtClean="0">
+              <a:solidFill>
+                <a:srgbClr val="011F5B"/>
+              </a:solidFill>
+            </a:endParaRPr>
+          </a:p>
+          <a:p>
+            <a:endParaRPr lang="en-US" sz="1000" dirty="0">
+              <a:solidFill>
+                <a:srgbClr val="011F5B"/>
+              </a:solidFill>
+            </a:endParaRPr>
+          </a:p>
+          <a:p>
+            <a:endParaRPr lang="en-US" sz="1000" dirty="0" smtClean="0">
+              <a:solidFill>
+                <a:srgbClr val="011F5B"/>
+              </a:solidFill>
+            </a:endParaRPr>
+          </a:p>
+          <a:p>
+            <a:endParaRPr lang="en-US" sz="1000" dirty="0">
+              <a:solidFill>
+                <a:srgbClr val="011F5B"/>
+              </a:solidFill>
+            </a:endParaRPr>
+          </a:p>
+          <a:p>
+            <a:endParaRPr lang="en-US" sz="1000" dirty="0" smtClean="0">
+              <a:solidFill>
+                <a:srgbClr val="011F5B"/>
+              </a:solidFill>
+            </a:endParaRPr>
+          </a:p>
+          <a:p>
+            <a:endParaRPr lang="en-US" sz="1000" dirty="0" smtClean="0">
+              <a:solidFill>
+                <a:srgbClr val="011F5B"/>
+              </a:solidFill>
+            </a:endParaRPr>
+          </a:p>
+          <a:p>
+            <a:endParaRPr lang="en-US" sz="1000" dirty="0">
+              <a:solidFill>
+                <a:srgbClr val="011F5B"/>
+              </a:solidFill>
+            </a:endParaRPr>
+          </a:p>
+          <a:p>
+            <a:endParaRPr lang="en-US" sz="1000" dirty="0" smtClean="0">
+              <a:solidFill>
+                <a:srgbClr val="011F5B"/>
+              </a:solidFill>
+            </a:endParaRPr>
+          </a:p>
+          <a:p>
+            <a:r>
+              <a:rPr lang="en-US" sz="1000" dirty="0" smtClean="0">
                 <a:solidFill>
                   <a:srgbClr val="011F5B"/>
                 </a:solidFill>
               </a:rPr>
-              <a:t>Logisitc</a:t>
-            </a:r>
-            <a:r>
-              <a:rPr lang="en-US" sz="1500" dirty="0">
+              <a:t>Temporal relations in the dataset were also considered. One surprising result shows that delaying the hour in which price change is measured from when the tweet data is collected can actually improve classifier accuracy. This indicates that the market may have a delay </a:t>
+            </a:r>
+            <a:r>
+              <a:rPr lang="en-US" sz="1000" dirty="0" smtClean="0">
                 <a:solidFill>
                   <a:srgbClr val="011F5B"/>
                 </a:solidFill>
               </a:rPr>
-              <a:t> Regression</a:t>
-            </a:r>
-          </a:p>
-          <a:p>
-            <a:endParaRPr lang="en-US" sz="1500" dirty="0">
-              <a:solidFill>
-                <a:srgbClr val="011F5B"/>
-              </a:solidFill>
-            </a:endParaRPr>
-          </a:p>
-          <a:p>
-            <a:r>
-              <a:rPr lang="en-US" sz="1500" dirty="0">
-                <a:solidFill>
-                  <a:srgbClr val="011F5B"/>
-                </a:solidFill>
-              </a:rPr>
-              <a:t>Neural Net</a:t>
-            </a:r>
-          </a:p>
-          <a:p>
-            <a:endParaRPr lang="en-US" sz="1500" dirty="0">
-              <a:solidFill>
-                <a:srgbClr val="011F5B"/>
-              </a:solidFill>
-            </a:endParaRPr>
-          </a:p>
-          <a:p>
-            <a:endParaRPr lang="en-US" sz="1500" dirty="0">
-              <a:solidFill>
-                <a:srgbClr val="011F5B"/>
-              </a:solidFill>
-            </a:endParaRPr>
-          </a:p>
-          <a:p>
-            <a:endParaRPr lang="en-US" sz="1500" dirty="0">
-              <a:solidFill>
-                <a:srgbClr val="011F5B"/>
-              </a:solidFill>
-            </a:endParaRPr>
-          </a:p>
-          <a:p>
-            <a:endParaRPr lang="en-US" sz="1500" dirty="0">
-              <a:solidFill>
-                <a:srgbClr val="011F5B"/>
-              </a:solidFill>
-            </a:endParaRPr>
-          </a:p>
-          <a:p>
-            <a:endParaRPr lang="en-US" sz="1500" dirty="0">
-              <a:solidFill>
-                <a:srgbClr val="011F5B"/>
-              </a:solidFill>
-            </a:endParaRPr>
-          </a:p>
-          <a:p>
-            <a:endParaRPr lang="en-US" sz="1500" dirty="0">
-              <a:solidFill>
-                <a:srgbClr val="011F5B"/>
-              </a:solidFill>
-            </a:endParaRPr>
-          </a:p>
-          <a:p>
-            <a:endParaRPr lang="en-US" sz="1500" dirty="0">
-              <a:solidFill>
-                <a:srgbClr val="011F5B"/>
-              </a:solidFill>
-            </a:endParaRPr>
-          </a:p>
-          <a:p>
-            <a:endParaRPr lang="en-US" sz="1500" dirty="0">
-              <a:solidFill>
-                <a:srgbClr val="011F5B"/>
-              </a:solidFill>
-            </a:endParaRPr>
-          </a:p>
-          <a:p>
-            <a:endParaRPr lang="en-US" sz="1500" dirty="0">
-              <a:solidFill>
-                <a:srgbClr val="011F5B"/>
-              </a:solidFill>
-            </a:endParaRPr>
-          </a:p>
-          <a:p>
-            <a:endParaRPr lang="en-US" sz="1500" dirty="0">
+              <a:t>in price response to twitter activity.</a:t>
+            </a:r>
+            <a:endParaRPr lang="en-US" sz="1000" dirty="0">
+              <a:solidFill>
+                <a:srgbClr val="011F5B"/>
+              </a:solidFill>
+            </a:endParaRPr>
+          </a:p>
+          <a:p>
+            <a:endParaRPr lang="en-US" sz="1000" dirty="0">
+              <a:solidFill>
+                <a:srgbClr val="011F5B"/>
+              </a:solidFill>
+            </a:endParaRPr>
+          </a:p>
+          <a:p>
+            <a:endParaRPr lang="en-US" sz="1000" dirty="0">
+              <a:solidFill>
+                <a:srgbClr val="011F5B"/>
+              </a:solidFill>
+            </a:endParaRPr>
+          </a:p>
+          <a:p>
+            <a:endParaRPr lang="en-US" sz="1000" dirty="0" smtClean="0">
+              <a:solidFill>
+                <a:srgbClr val="011F5B"/>
+              </a:solidFill>
+            </a:endParaRPr>
+          </a:p>
+          <a:p>
+            <a:endParaRPr lang="en-US" sz="1000" dirty="0" smtClean="0">
+              <a:solidFill>
+                <a:srgbClr val="011F5B"/>
+              </a:solidFill>
+            </a:endParaRPr>
+          </a:p>
+          <a:p>
+            <a:endParaRPr lang="en-US" sz="1000" dirty="0">
+              <a:solidFill>
+                <a:srgbClr val="011F5B"/>
+              </a:solidFill>
+            </a:endParaRPr>
+          </a:p>
+          <a:p>
+            <a:endParaRPr lang="en-US" sz="1000" dirty="0">
               <a:solidFill>
                 <a:srgbClr val="011F5B"/>
               </a:solidFill>
@@ -4541,7 +4975,7 @@
           <p:cNvPr id="19" name="TextBox 18">
             <a:extLst>
               <a:ext uri="{FF2B5EF4-FFF2-40B4-BE49-F238E27FC236}">
-                <a16:creationId xmlns:a16="http://schemas.microsoft.com/office/drawing/2014/main" id="{0F3F0241-CF38-4C35-8814-BD73D9A52062}"/>
+                <a16:creationId xmlns:a16="http://schemas.microsoft.com/office/drawing/2014/main" xmlns="" id="{0F3F0241-CF38-4C35-8814-BD73D9A52062}"/>
               </a:ext>
             </a:extLst>
           </p:cNvPr>
@@ -4550,7 +4984,7 @@
         </p:nvSpPr>
         <p:spPr>
           <a:xfrm>
-            <a:off x="4679173" y="6933880"/>
+            <a:off x="4679173" y="10407698"/>
             <a:ext cx="4357654" cy="348878"/>
           </a:xfrm>
           <a:prstGeom prst="rect">
@@ -4589,7 +5023,7 @@
           <p:cNvPr id="20" name="TextBox 19">
             <a:extLst>
               <a:ext uri="{FF2B5EF4-FFF2-40B4-BE49-F238E27FC236}">
-                <a16:creationId xmlns:a16="http://schemas.microsoft.com/office/drawing/2014/main" id="{B73F7368-9A80-4A04-9F8A-85E03885548E}"/>
+                <a16:creationId xmlns:a16="http://schemas.microsoft.com/office/drawing/2014/main" xmlns="" id="{B73F7368-9A80-4A04-9F8A-85E03885548E}"/>
               </a:ext>
             </a:extLst>
           </p:cNvPr>
@@ -4599,7 +5033,7 @@
         <p:spPr>
           <a:xfrm>
             <a:off x="9203502" y="2512349"/>
-            <a:ext cx="4357654" cy="4708981"/>
+            <a:ext cx="4357654" cy="4247317"/>
           </a:xfrm>
           <a:prstGeom prst="rect">
             <a:avLst/>
@@ -4744,20 +5178,6 @@
               </a:solidFill>
             </a:endParaRPr>
           </a:p>
-          <a:p>
-            <a:endParaRPr lang="en-US" sz="1500" dirty="0">
-              <a:solidFill>
-                <a:srgbClr val="011F5B"/>
-              </a:solidFill>
-            </a:endParaRPr>
-          </a:p>
-          <a:p>
-            <a:endParaRPr lang="en-US" sz="1500" dirty="0">
-              <a:solidFill>
-                <a:srgbClr val="011F5B"/>
-              </a:solidFill>
-            </a:endParaRPr>
-          </a:p>
         </p:txBody>
       </p:sp>
       <p:sp>
@@ -4765,7 +5185,7 @@
           <p:cNvPr id="21" name="TextBox 20">
             <a:extLst>
               <a:ext uri="{FF2B5EF4-FFF2-40B4-BE49-F238E27FC236}">
-                <a16:creationId xmlns:a16="http://schemas.microsoft.com/office/drawing/2014/main" id="{89951AAD-7622-4490-A4E3-0CB642DFDA44}"/>
+                <a16:creationId xmlns:a16="http://schemas.microsoft.com/office/drawing/2014/main" xmlns="" id="{89951AAD-7622-4490-A4E3-0CB642DFDA44}"/>
               </a:ext>
             </a:extLst>
           </p:cNvPr>
@@ -4808,14 +5228,14 @@
           </a:p>
         </p:txBody>
       </p:sp>
-      <mc:AlternateContent xmlns:mc="http://schemas.openxmlformats.org/markup-compatibility/2006">
-        <mc:Choice xmlns:a14="http://schemas.microsoft.com/office/drawing/2010/main" Requires="a14">
+      <mc:AlternateContent xmlns:mc="http://schemas.openxmlformats.org/markup-compatibility/2006" xmlns:a14="http://schemas.microsoft.com/office/drawing/2010/main">
+        <mc:Choice Requires="a14">
           <p:sp>
             <p:nvSpPr>
               <p:cNvPr id="22" name="TextBox 21">
                 <a:extLst>
                   <a:ext uri="{FF2B5EF4-FFF2-40B4-BE49-F238E27FC236}">
-                    <a16:creationId xmlns:a16="http://schemas.microsoft.com/office/drawing/2014/main" id="{73D5816F-EF48-4F3C-8E5A-54FFD05B92D6}"/>
+                    <a16:creationId xmlns:a16="http://schemas.microsoft.com/office/drawing/2014/main" xmlns="" id="{73D5816F-EF48-4F3C-8E5A-54FFD05B92D6}"/>
                   </a:ext>
                 </a:extLst>
               </p:cNvPr>
@@ -4824,8 +5244,8 @@
             </p:nvSpPr>
             <p:spPr>
               <a:xfrm>
-                <a:off x="9203502" y="9243311"/>
-                <a:ext cx="4357654" cy="7478970"/>
+                <a:off x="9203502" y="6924034"/>
+                <a:ext cx="4357654" cy="7940635"/>
               </a:xfrm>
               <a:prstGeom prst="rect">
                 <a:avLst/>
@@ -4887,6 +5307,7 @@
                 </a:r>
               </a:p>
               <a:p>
+                <a:pPr/>
                 <a14:m>
                   <m:oMathPara xmlns:m="http://schemas.openxmlformats.org/officeDocument/2006/math">
                     <m:oMathParaPr>
@@ -4909,7 +5330,7 @@
                               <a:solidFill>
                                 <a:srgbClr val="011F5B"/>
                               </a:solidFill>
-                              <a:latin typeface="Cambria Math" panose="02040503050406030204" pitchFamily="18" charset="0"/>
+                              <a:latin typeface="Cambria Math" charset="0"/>
                             </a:rPr>
                           </m:ctrlPr>
                         </m:dPr>
@@ -4981,7 +5402,7 @@
                               <a:solidFill>
                                 <a:srgbClr val="011F5B"/>
                               </a:solidFill>
-                              <a:latin typeface="Cambria Math" panose="02040503050406030204" pitchFamily="18" charset="0"/>
+                              <a:latin typeface="Cambria Math" charset="0"/>
                             </a:rPr>
                           </m:ctrlPr>
                         </m:dPr>
@@ -5033,7 +5454,7 @@
                               <a:solidFill>
                                 <a:srgbClr val="011F5B"/>
                               </a:solidFill>
-                              <a:latin typeface="Cambria Math" panose="02040503050406030204" pitchFamily="18" charset="0"/>
+                              <a:latin typeface="Cambria Math" charset="0"/>
                             </a:rPr>
                           </m:ctrlPr>
                         </m:dPr>
@@ -5136,6 +5557,31 @@
                 </a:endParaRPr>
               </a:p>
               <a:p>
+                <a:r>
+                  <a:rPr lang="en-US" sz="1500" b="1" dirty="0">
+                    <a:solidFill>
+                      <a:srgbClr val="011F5B"/>
+                    </a:solidFill>
+                  </a:rPr>
+                  <a:t>Sentiment Analysis:</a:t>
+                </a:r>
+                <a:endParaRPr lang="en-US" sz="1500" dirty="0">
+                  <a:solidFill>
+                    <a:srgbClr val="011F5B"/>
+                  </a:solidFill>
+                </a:endParaRPr>
+              </a:p>
+              <a:p>
+                <a:r>
+                  <a:rPr lang="en-US" sz="1500" dirty="0">
+                    <a:solidFill>
+                      <a:srgbClr val="011F5B"/>
+                    </a:solidFill>
+                  </a:rPr>
+                  <a:t>Finance dictionary</a:t>
+                </a:r>
+              </a:p>
+              <a:p>
                 <a:endParaRPr lang="en-US" sz="1500" dirty="0">
                   <a:solidFill>
                     <a:srgbClr val="011F5B"/>
@@ -5152,7 +5598,7 @@
             </p:txBody>
           </p:sp>
         </mc:Choice>
-        <mc:Fallback>
+        <mc:Fallback xmlns="">
           <p:sp>
             <p:nvSpPr>
               <p:cNvPr id="22" name="TextBox 21">
@@ -5169,8 +5615,8 @@
             </p:nvSpPr>
             <p:spPr>
               <a:xfrm>
-                <a:off x="9203502" y="9243311"/>
-                <a:ext cx="4357654" cy="7478970"/>
+                <a:off x="9203502" y="6924034"/>
+                <a:ext cx="4357654" cy="7940635"/>
               </a:xfrm>
               <a:prstGeom prst="rect">
                 <a:avLst/>
@@ -5207,7 +5653,7 @@
           <p:cNvPr id="23" name="TextBox 22">
             <a:extLst>
               <a:ext uri="{FF2B5EF4-FFF2-40B4-BE49-F238E27FC236}">
-                <a16:creationId xmlns:a16="http://schemas.microsoft.com/office/drawing/2014/main" id="{A905B64D-C01B-4DF9-8AE8-4206EEE06C55}"/>
+                <a16:creationId xmlns:a16="http://schemas.microsoft.com/office/drawing/2014/main" xmlns="" id="{A905B64D-C01B-4DF9-8AE8-4206EEE06C55}"/>
               </a:ext>
             </a:extLst>
           </p:cNvPr>
@@ -5216,7 +5662,7 @@
         </p:nvSpPr>
         <p:spPr>
           <a:xfrm>
-            <a:off x="9203502" y="9243310"/>
+            <a:off x="9203502" y="6924033"/>
             <a:ext cx="4357654" cy="348878"/>
           </a:xfrm>
           <a:prstGeom prst="rect">
@@ -5250,156 +5696,12 @@
           </a:p>
         </p:txBody>
       </p:sp>
-      <p:sp>
-        <p:nvSpPr>
-          <p:cNvPr id="4" name="Rectangle 1">
-            <a:extLst>
-              <a:ext uri="{FF2B5EF4-FFF2-40B4-BE49-F238E27FC236}">
-                <a16:creationId xmlns:a16="http://schemas.microsoft.com/office/drawing/2014/main" id="{94CB1039-6386-4AD3-89F9-DDDDDC0F9F9F}"/>
-              </a:ext>
-            </a:extLst>
-          </p:cNvPr>
-          <p:cNvSpPr>
-            <a:spLocks noChangeArrowheads="1"/>
-          </p:cNvSpPr>
-          <p:nvPr/>
-        </p:nvSpPr>
-        <p:spPr bwMode="auto">
-          <a:xfrm>
-            <a:off x="0" y="0"/>
-            <a:ext cx="13716000" cy="457200"/>
-          </a:xfrm>
-          <a:prstGeom prst="rect">
-            <a:avLst/>
-          </a:prstGeom>
-          <a:solidFill>
-            <a:srgbClr val="FFFFFF"/>
-          </a:solidFill>
-          <a:ln>
-            <a:noFill/>
-          </a:ln>
-          <a:effectLst/>
-          <a:extLst>
-            <a:ext uri="{91240B29-F687-4F45-9708-019B960494DF}">
-              <a14:hiddenLine xmlns:a14="http://schemas.microsoft.com/office/drawing/2010/main" w="9525">
-                <a:solidFill>
-                  <a:schemeClr val="tx1"/>
-                </a:solidFill>
-                <a:miter lim="800000"/>
-                <a:headEnd/>
-                <a:tailEnd/>
-              </a14:hiddenLine>
-            </a:ext>
-            <a:ext uri="{AF507438-7753-43E0-B8FC-AC1667EBCBE1}">
-              <a14:hiddenEffects xmlns:a14="http://schemas.microsoft.com/office/drawing/2010/main">
-                <a:effectLst>
-                  <a:outerShdw dist="35921" dir="2700000" algn="ctr" rotWithShape="0">
-                    <a:schemeClr val="bg2"/>
-                  </a:outerShdw>
-                </a:effectLst>
-              </a14:hiddenEffects>
-            </a:ext>
-          </a:extLst>
-        </p:spPr>
-        <p:txBody>
-          <a:bodyPr vert="horz" wrap="none" lIns="0" tIns="0" rIns="0" bIns="0" numCol="1" anchor="ctr" anchorCtr="0" compatLnSpc="1">
-            <a:prstTxWarp prst="textNoShape">
-              <a:avLst/>
-            </a:prstTxWarp>
-            <a:spAutoFit/>
-          </a:bodyPr>
-          <a:lstStyle/>
-          <a:p>
-            <a:pPr marL="0" marR="0" lvl="0" indent="0" algn="l" defTabSz="914400" rtl="0" eaLnBrk="0" fontAlgn="base" latinLnBrk="0" hangingPunct="0">
-              <a:lnSpc>
-                <a:spcPct val="100000"/>
-              </a:lnSpc>
-              <a:spcBef>
-                <a:spcPct val="0"/>
-              </a:spcBef>
-              <a:spcAft>
-                <a:spcPct val="0"/>
-              </a:spcAft>
-              <a:buClrTx/>
-              <a:buSzTx/>
-              <a:buFontTx/>
-              <a:buNone/>
-              <a:tabLst/>
-            </a:pPr>
-            <a:r>
-              <a:rPr kumimoji="0" lang="en-US" altLang="en-US" sz="1000" b="0" i="0" u="none" strike="noStrike" cap="none" normalizeH="0" baseline="0">
-                <a:ln>
-                  <a:noFill/>
-                </a:ln>
-                <a:solidFill>
-                  <a:srgbClr val="000000"/>
-                </a:solidFill>
-                <a:effectLst/>
-                <a:latin typeface="Arial Unicode MS"/>
-                <a:ea typeface="Courier New" panose="02070309020205020404" pitchFamily="49" charset="0"/>
-              </a:rPr>
-              <a:t>"stockchain (scc) final airdrop 500 scc bonus don't miss!\n airdrop bounty btc neo eth freetoken crypto xrp blockchain ripple trx tron trx binance freetoken airdrops \n </a:t>
-            </a:r>
-            <a:r>
-              <a:rPr kumimoji="0" lang="en-US" altLang="en-US" sz="1000" b="0" i="0" u="none" strike="noStrike" cap="none" normalizeH="0" baseline="0">
-                <a:ln>
-                  <a:noFill/>
-                </a:ln>
-                <a:solidFill>
-                  <a:srgbClr val="337AB7"/>
-                </a:solidFill>
-                <a:effectLst/>
-                <a:latin typeface="Arial Unicode MS"/>
-                <a:ea typeface="Courier New" panose="02070309020205020404" pitchFamily="49" charset="0"/>
-                <a:hlinkClick r:id="rId8" invalidUrl="https:"/>
-              </a:rPr>
-              <a:t>https://</a:t>
-            </a:r>
-            <a:r>
-              <a:rPr kumimoji="0" lang="en-US" altLang="en-US" sz="1000" b="0" i="0" u="none" strike="noStrike" cap="none" normalizeH="0" baseline="0">
-                <a:ln>
-                  <a:noFill/>
-                </a:ln>
-                <a:solidFill>
-                  <a:srgbClr val="000000"/>
-                </a:solidFill>
-                <a:effectLst/>
-                <a:latin typeface="Arial Unicode MS"/>
-                <a:ea typeface="Courier New" panose="02070309020205020404" pitchFamily="49" charset="0"/>
-              </a:rPr>
-              <a:t> docs.google.com/forms/d/e/1fai pqlsc-ghga_-ausoepcc2fpr6exobnyku_s2noxq07gdjufvhwkq/viewform \xa0 …"</a:t>
-            </a:r>
-            <a:r>
-              <a:rPr kumimoji="0" lang="en-US" altLang="en-US" sz="900" b="0" i="0" u="none" strike="noStrike" cap="none" normalizeH="0" baseline="0">
-                <a:ln>
-                  <a:noFill/>
-                </a:ln>
-                <a:solidFill>
-                  <a:schemeClr val="tx1"/>
-                </a:solidFill>
-                <a:effectLst/>
-              </a:rPr>
-              <a:t> </a:t>
-            </a:r>
-            <a:endParaRPr kumimoji="0" lang="en-US" altLang="en-US" sz="1800" b="0" i="0" u="none" strike="noStrike" cap="none" normalizeH="0" baseline="0">
-              <a:ln>
-                <a:noFill/>
-              </a:ln>
-              <a:solidFill>
-                <a:schemeClr val="tx1"/>
-              </a:solidFill>
-              <a:effectLst/>
-              <a:latin typeface="Arial" panose="020B0604020202020204" pitchFamily="34" charset="0"/>
-            </a:endParaRPr>
-          </a:p>
-        </p:txBody>
-      </p:sp>
       <p:graphicFrame>
         <p:nvGraphicFramePr>
           <p:cNvPr id="5" name="Table 4">
             <a:extLst>
               <a:ext uri="{FF2B5EF4-FFF2-40B4-BE49-F238E27FC236}">
-                <a16:creationId xmlns:a16="http://schemas.microsoft.com/office/drawing/2014/main" id="{37BD625B-551D-49A4-895F-BFE014F4F99A}"/>
+                <a16:creationId xmlns:a16="http://schemas.microsoft.com/office/drawing/2014/main" xmlns="" id="{37BD625B-551D-49A4-895F-BFE014F4F99A}"/>
               </a:ext>
             </a:extLst>
           </p:cNvPr>
@@ -5409,14 +5711,14 @@
           <p:nvPr>
             <p:extLst>
               <p:ext uri="{D42A27DB-BD31-4B8C-83A1-F6EECF244321}">
-                <p14:modId xmlns:p14="http://schemas.microsoft.com/office/powerpoint/2010/main" val="4088980155"/>
+                <p14:modId xmlns:p14="http://schemas.microsoft.com/office/powerpoint/2010/main" val="494731806"/>
               </p:ext>
             </p:extLst>
           </p:nvPr>
         </p:nvGraphicFramePr>
         <p:xfrm>
-          <a:off x="197478" y="13775882"/>
-          <a:ext cx="4224759" cy="1332627"/>
+          <a:off x="197478" y="13532042"/>
+          <a:ext cx="4224759" cy="1280160"/>
         </p:xfrm>
         <a:graphic>
           <a:graphicData uri="http://schemas.openxmlformats.org/drawingml/2006/table">
@@ -5428,21 +5730,21 @@
                 <a:gridCol w="1408253">
                   <a:extLst>
                     <a:ext uri="{9D8B030D-6E8A-4147-A177-3AD203B41FA5}">
-                      <a16:colId xmlns:a16="http://schemas.microsoft.com/office/drawing/2014/main" val="3247188750"/>
+                      <a16:colId xmlns:a16="http://schemas.microsoft.com/office/drawing/2014/main" xmlns="" val="3247188750"/>
                     </a:ext>
                   </a:extLst>
                 </a:gridCol>
                 <a:gridCol w="1408253">
                   <a:extLst>
                     <a:ext uri="{9D8B030D-6E8A-4147-A177-3AD203B41FA5}">
-                      <a16:colId xmlns:a16="http://schemas.microsoft.com/office/drawing/2014/main" val="1214523097"/>
+                      <a16:colId xmlns:a16="http://schemas.microsoft.com/office/drawing/2014/main" xmlns="" val="1214523097"/>
                     </a:ext>
                   </a:extLst>
                 </a:gridCol>
                 <a:gridCol w="1408253">
                   <a:extLst>
                     <a:ext uri="{9D8B030D-6E8A-4147-A177-3AD203B41FA5}">
-                      <a16:colId xmlns:a16="http://schemas.microsoft.com/office/drawing/2014/main" val="3255143547"/>
+                      <a16:colId xmlns:a16="http://schemas.microsoft.com/office/drawing/2014/main" xmlns="" val="3255143547"/>
                     </a:ext>
                   </a:extLst>
                 </a:gridCol>
@@ -5484,7 +5786,7 @@
                 </a:tc>
                 <a:extLst>
                   <a:ext uri="{0D108BD9-81ED-4DB2-BD59-A6C34878D82A}">
-                    <a16:rowId xmlns:a16="http://schemas.microsoft.com/office/drawing/2014/main" val="426857068"/>
+                    <a16:rowId xmlns:a16="http://schemas.microsoft.com/office/drawing/2014/main" xmlns="" val="426857068"/>
                   </a:ext>
                 </a:extLst>
               </a:tr>
@@ -5531,11 +5833,11 @@
                 </a:tc>
                 <a:extLst>
                   <a:ext uri="{0D108BD9-81ED-4DB2-BD59-A6C34878D82A}">
-                    <a16:rowId xmlns:a16="http://schemas.microsoft.com/office/drawing/2014/main" val="4254030744"/>
+                    <a16:rowId xmlns:a16="http://schemas.microsoft.com/office/drawing/2014/main" xmlns="" val="4254030744"/>
                   </a:ext>
                 </a:extLst>
               </a:tr>
-              <a:tr h="372507">
+              <a:tr h="320040">
                 <a:tc>
                   <a:txBody>
                     <a:bodyPr/>
@@ -5578,7 +5880,7 @@
                 </a:tc>
                 <a:extLst>
                   <a:ext uri="{0D108BD9-81ED-4DB2-BD59-A6C34878D82A}">
-                    <a16:rowId xmlns:a16="http://schemas.microsoft.com/office/drawing/2014/main" val="2348030731"/>
+                    <a16:rowId xmlns:a16="http://schemas.microsoft.com/office/drawing/2014/main" xmlns="" val="2348030731"/>
                   </a:ext>
                 </a:extLst>
               </a:tr>
@@ -5626,7 +5928,7 @@
                 </a:tc>
                 <a:extLst>
                   <a:ext uri="{0D108BD9-81ED-4DB2-BD59-A6C34878D82A}">
-                    <a16:rowId xmlns:a16="http://schemas.microsoft.com/office/drawing/2014/main" val="575309201"/>
+                    <a16:rowId xmlns:a16="http://schemas.microsoft.com/office/drawing/2014/main" xmlns="" val="575309201"/>
                   </a:ext>
                 </a:extLst>
               </a:tr>
@@ -5639,7 +5941,7 @@
           <p:cNvPr id="24" name="TextBox 23">
             <a:extLst>
               <a:ext uri="{FF2B5EF4-FFF2-40B4-BE49-F238E27FC236}">
-                <a16:creationId xmlns:a16="http://schemas.microsoft.com/office/drawing/2014/main" id="{62DC0978-E43A-42A4-91D0-99AEBA62C446}"/>
+                <a16:creationId xmlns:a16="http://schemas.microsoft.com/office/drawing/2014/main" xmlns="" id="{62DC0978-E43A-42A4-91D0-99AEBA62C446}"/>
               </a:ext>
             </a:extLst>
           </p:cNvPr>
@@ -5780,7 +6082,7 @@
           <p:cNvPr id="25" name="TextBox 24">
             <a:extLst>
               <a:ext uri="{FF2B5EF4-FFF2-40B4-BE49-F238E27FC236}">
-                <a16:creationId xmlns:a16="http://schemas.microsoft.com/office/drawing/2014/main" id="{6A13F6AE-92DD-44DC-8677-9F04461917B7}"/>
+                <a16:creationId xmlns:a16="http://schemas.microsoft.com/office/drawing/2014/main" xmlns="" id="{6A13F6AE-92DD-44DC-8677-9F04461917B7}"/>
               </a:ext>
             </a:extLst>
           </p:cNvPr>
@@ -5823,6 +6125,1274 @@
           </a:p>
         </p:txBody>
       </p:sp>
+      <p:sp>
+        <p:nvSpPr>
+          <p:cNvPr id="26" name="TextBox 25">
+            <a:extLst>
+              <a:ext uri="{FF2B5EF4-FFF2-40B4-BE49-F238E27FC236}">
+                <a16:creationId xmlns:a16="http://schemas.microsoft.com/office/drawing/2014/main" xmlns="" id="{BE099189-C81E-41C7-BA90-461E1F0BDA19}"/>
+              </a:ext>
+            </a:extLst>
+          </p:cNvPr>
+          <p:cNvSpPr txBox="1"/>
+          <p:nvPr/>
+        </p:nvSpPr>
+        <p:spPr>
+          <a:xfrm>
+            <a:off x="4679173" y="6229191"/>
+            <a:ext cx="4357654" cy="4016484"/>
+          </a:xfrm>
+          <a:prstGeom prst="rect">
+            <a:avLst/>
+          </a:prstGeom>
+          <a:solidFill>
+            <a:schemeClr val="bg1"/>
+          </a:solidFill>
+          <a:ln>
+            <a:solidFill>
+              <a:srgbClr val="011F5B"/>
+            </a:solidFill>
+          </a:ln>
+        </p:spPr>
+        <p:txBody>
+          <a:bodyPr wrap="square" rtlCol="0">
+            <a:spAutoFit/>
+          </a:bodyPr>
+          <a:lstStyle/>
+          <a:p>
+            <a:endParaRPr lang="en-US" sz="1500" dirty="0">
+              <a:solidFill>
+                <a:srgbClr val="011F5B"/>
+              </a:solidFill>
+            </a:endParaRPr>
+          </a:p>
+          <a:p>
+            <a:endParaRPr lang="en-US" sz="1500" dirty="0">
+              <a:solidFill>
+                <a:srgbClr val="011F5B"/>
+              </a:solidFill>
+            </a:endParaRPr>
+          </a:p>
+          <a:p>
+            <a:r>
+              <a:rPr lang="en-US" sz="1500" dirty="0">
+                <a:solidFill>
+                  <a:srgbClr val="011F5B"/>
+                </a:solidFill>
+              </a:rPr>
+              <a:t>Trained on 100k labeled tweets from Kaggle</a:t>
+            </a:r>
+          </a:p>
+          <a:p>
+            <a:r>
+              <a:rPr lang="en-US" sz="1500" dirty="0">
+                <a:solidFill>
+                  <a:srgbClr val="011F5B"/>
+                </a:solidFill>
+              </a:rPr>
+              <a:t>Identified relevant tokens</a:t>
+            </a:r>
+          </a:p>
+          <a:p>
+            <a:r>
+              <a:rPr lang="en-US" sz="1500" dirty="0">
+                <a:solidFill>
+                  <a:srgbClr val="011F5B"/>
+                </a:solidFill>
+              </a:rPr>
+              <a:t>Applied model to spam filtered tweets</a:t>
+            </a:r>
+          </a:p>
+          <a:p>
+            <a:endParaRPr lang="en-US" sz="1500" dirty="0">
+              <a:solidFill>
+                <a:srgbClr val="011F5B"/>
+              </a:solidFill>
+            </a:endParaRPr>
+          </a:p>
+          <a:p>
+            <a:r>
+              <a:rPr lang="en-US" sz="1500" dirty="0">
+                <a:solidFill>
+                  <a:srgbClr val="011F5B"/>
+                </a:solidFill>
+              </a:rPr>
+              <a:t>Experiments</a:t>
+            </a:r>
+          </a:p>
+          <a:p>
+            <a:endParaRPr lang="en-US" sz="1500" dirty="0">
+              <a:solidFill>
+                <a:srgbClr val="011F5B"/>
+              </a:solidFill>
+            </a:endParaRPr>
+          </a:p>
+          <a:p>
+            <a:endParaRPr lang="en-US" sz="1500" dirty="0">
+              <a:solidFill>
+                <a:srgbClr val="011F5B"/>
+              </a:solidFill>
+            </a:endParaRPr>
+          </a:p>
+          <a:p>
+            <a:endParaRPr lang="en-US" sz="1500" dirty="0">
+              <a:solidFill>
+                <a:srgbClr val="011F5B"/>
+              </a:solidFill>
+            </a:endParaRPr>
+          </a:p>
+          <a:p>
+            <a:endParaRPr lang="en-US" sz="1500" dirty="0">
+              <a:solidFill>
+                <a:srgbClr val="011F5B"/>
+              </a:solidFill>
+            </a:endParaRPr>
+          </a:p>
+          <a:p>
+            <a:endParaRPr lang="en-US" sz="1500" dirty="0">
+              <a:solidFill>
+                <a:srgbClr val="011F5B"/>
+              </a:solidFill>
+            </a:endParaRPr>
+          </a:p>
+          <a:p>
+            <a:endParaRPr lang="en-US" sz="1500" dirty="0">
+              <a:solidFill>
+                <a:srgbClr val="011F5B"/>
+              </a:solidFill>
+            </a:endParaRPr>
+          </a:p>
+          <a:p>
+            <a:endParaRPr lang="en-US" sz="1500" dirty="0">
+              <a:solidFill>
+                <a:srgbClr val="011F5B"/>
+              </a:solidFill>
+            </a:endParaRPr>
+          </a:p>
+          <a:p>
+            <a:endParaRPr lang="en-US" sz="1500" dirty="0">
+              <a:solidFill>
+                <a:srgbClr val="011F5B"/>
+              </a:solidFill>
+            </a:endParaRPr>
+          </a:p>
+          <a:p>
+            <a:endParaRPr lang="en-US" sz="1500" dirty="0">
+              <a:solidFill>
+                <a:srgbClr val="011F5B"/>
+              </a:solidFill>
+            </a:endParaRPr>
+          </a:p>
+          <a:p>
+            <a:endParaRPr lang="en-US" sz="1500" dirty="0">
+              <a:solidFill>
+                <a:srgbClr val="011F5B"/>
+              </a:solidFill>
+            </a:endParaRPr>
+          </a:p>
+        </p:txBody>
+      </p:sp>
+      <p:sp>
+        <p:nvSpPr>
+          <p:cNvPr id="27" name="TextBox 26">
+            <a:extLst>
+              <a:ext uri="{FF2B5EF4-FFF2-40B4-BE49-F238E27FC236}">
+                <a16:creationId xmlns:a16="http://schemas.microsoft.com/office/drawing/2014/main" xmlns="" id="{4D78901C-AF9C-488F-9AF6-E8AF582AB9AA}"/>
+              </a:ext>
+            </a:extLst>
+          </p:cNvPr>
+          <p:cNvSpPr txBox="1"/>
+          <p:nvPr/>
+        </p:nvSpPr>
+        <p:spPr>
+          <a:xfrm>
+            <a:off x="4679173" y="6229191"/>
+            <a:ext cx="4357654" cy="348878"/>
+          </a:xfrm>
+          <a:prstGeom prst="rect">
+            <a:avLst/>
+          </a:prstGeom>
+          <a:solidFill>
+            <a:srgbClr val="011F5B"/>
+          </a:solidFill>
+          <a:ln>
+            <a:solidFill>
+              <a:srgbClr val="011F5B"/>
+            </a:solidFill>
+          </a:ln>
+        </p:spPr>
+        <p:txBody>
+          <a:bodyPr wrap="square" rtlCol="0">
+            <a:spAutoFit/>
+          </a:bodyPr>
+          <a:lstStyle/>
+          <a:p>
+            <a:pPr algn="ctr"/>
+            <a:r>
+              <a:rPr lang="en-US" sz="1667" b="1" dirty="0">
+                <a:solidFill>
+                  <a:schemeClr val="bg1"/>
+                </a:solidFill>
+                <a:latin typeface="Garamond" panose="02020404030301010803" pitchFamily="18" charset="0"/>
+              </a:rPr>
+              <a:t>Sentiment Analysis</a:t>
+            </a:r>
+          </a:p>
+        </p:txBody>
+      </p:sp>
+      <p:graphicFrame>
+        <p:nvGraphicFramePr>
+          <p:cNvPr id="3" name="Table 2">
+            <a:extLst>
+              <a:ext uri="{FF2B5EF4-FFF2-40B4-BE49-F238E27FC236}">
+                <a16:creationId xmlns:a16="http://schemas.microsoft.com/office/drawing/2014/main" xmlns="" id="{89C3DB6B-8AD8-4EDB-8718-A0FE2085A03C}"/>
+              </a:ext>
+            </a:extLst>
+          </p:cNvPr>
+          <p:cNvGraphicFramePr>
+            <a:graphicFrameLocks noGrp="1"/>
+          </p:cNvGraphicFramePr>
+          <p:nvPr>
+            <p:extLst>
+              <p:ext uri="{D42A27DB-BD31-4B8C-83A1-F6EECF244321}">
+                <p14:modId xmlns:p14="http://schemas.microsoft.com/office/powerpoint/2010/main" val="3740274845"/>
+              </p:ext>
+            </p:extLst>
+          </p:nvPr>
+        </p:nvGraphicFramePr>
+        <p:xfrm>
+          <a:off x="4679172" y="14980919"/>
+          <a:ext cx="8881984" cy="3090852"/>
+        </p:xfrm>
+        <a:graphic>
+          <a:graphicData uri="http://schemas.openxmlformats.org/drawingml/2006/table">
+            <a:tbl>
+              <a:tblPr firstRow="1" bandRow="1">
+                <a:tableStyleId>{5C22544A-7EE6-4342-B048-85BDC9FD1C3A}</a:tableStyleId>
+              </a:tblPr>
+              <a:tblGrid>
+                <a:gridCol w="1831141">
+                  <a:extLst>
+                    <a:ext uri="{9D8B030D-6E8A-4147-A177-3AD203B41FA5}">
+                      <a16:colId xmlns:a16="http://schemas.microsoft.com/office/drawing/2014/main" xmlns="" val="1358636601"/>
+                    </a:ext>
+                  </a:extLst>
+                </a:gridCol>
+                <a:gridCol w="7050843">
+                  <a:extLst>
+                    <a:ext uri="{9D8B030D-6E8A-4147-A177-3AD203B41FA5}">
+                      <a16:colId xmlns:a16="http://schemas.microsoft.com/office/drawing/2014/main" xmlns="" val="3610811052"/>
+                    </a:ext>
+                  </a:extLst>
+                </a:gridCol>
+              </a:tblGrid>
+              <a:tr h="327182">
+                <a:tc gridSpan="2">
+                  <a:txBody>
+                    <a:bodyPr/>
+                    <a:lstStyle/>
+                    <a:p>
+                      <a:pPr algn="ctr"/>
+                      <a:r>
+                        <a:rPr lang="en-US" sz="1500" dirty="0"/>
+                        <a:t>Randomly Sampled Tweets from Various Data Sets</a:t>
+                      </a:r>
+                    </a:p>
+                  </a:txBody>
+                  <a:tcPr/>
+                </a:tc>
+                <a:tc hMerge="1">
+                  <a:txBody>
+                    <a:bodyPr/>
+                    <a:lstStyle/>
+                    <a:p>
+                      <a:endParaRPr lang="en-US" dirty="0"/>
+                    </a:p>
+                  </a:txBody>
+                  <a:tcPr/>
+                </a:tc>
+                <a:extLst>
+                  <a:ext uri="{0D108BD9-81ED-4DB2-BD59-A6C34878D82A}">
+                    <a16:rowId xmlns:a16="http://schemas.microsoft.com/office/drawing/2014/main" xmlns="" val="2614706741"/>
+                  </a:ext>
+                </a:extLst>
+              </a:tr>
+              <a:tr h="327182">
+                <a:tc>
+                  <a:txBody>
+                    <a:bodyPr/>
+                    <a:lstStyle/>
+                    <a:p>
+                      <a:r>
+                        <a:rPr lang="en-US" sz="1500" b="1" dirty="0"/>
+                        <a:t>Data Set</a:t>
+                      </a:r>
+                    </a:p>
+                  </a:txBody>
+                  <a:tcPr/>
+                </a:tc>
+                <a:tc>
+                  <a:txBody>
+                    <a:bodyPr/>
+                    <a:lstStyle/>
+                    <a:p>
+                      <a:r>
+                        <a:rPr lang="en-US" sz="1500" b="1" dirty="0"/>
+                        <a:t>Tweet</a:t>
+                      </a:r>
+                    </a:p>
+                  </a:txBody>
+                  <a:tcPr/>
+                </a:tc>
+                <a:extLst>
+                  <a:ext uri="{0D108BD9-81ED-4DB2-BD59-A6C34878D82A}">
+                    <a16:rowId xmlns:a16="http://schemas.microsoft.com/office/drawing/2014/main" xmlns="" val="3546821875"/>
+                  </a:ext>
+                </a:extLst>
+              </a:tr>
+              <a:tr h="510942">
+                <a:tc>
+                  <a:txBody>
+                    <a:bodyPr/>
+                    <a:lstStyle/>
+                    <a:p>
+                      <a:r>
+                        <a:rPr lang="en-US" sz="1500" dirty="0"/>
+                        <a:t>Trusted Sources</a:t>
+                      </a:r>
+                    </a:p>
+                  </a:txBody>
+                  <a:tcPr/>
+                </a:tc>
+                <a:tc>
+                  <a:txBody>
+                    <a:bodyPr/>
+                    <a:lstStyle/>
+                    <a:p>
+                      <a:r>
+                        <a:rPr lang="en-US" sz="1600" dirty="0"/>
+                        <a:t>I think he's arguing from a value or commonality standpoint. Definitely doesn't make you stupid, but we all know there's no real connection</a:t>
+                      </a:r>
+                      <a:endParaRPr lang="en-US" sz="1500" dirty="0"/>
+                    </a:p>
+                  </a:txBody>
+                  <a:tcPr/>
+                </a:tc>
+                <a:extLst>
+                  <a:ext uri="{0D108BD9-81ED-4DB2-BD59-A6C34878D82A}">
+                    <a16:rowId xmlns:a16="http://schemas.microsoft.com/office/drawing/2014/main" xmlns="" val="1427118731"/>
+                  </a:ext>
+                </a:extLst>
+              </a:tr>
+              <a:tr h="484050">
+                <a:tc>
+                  <a:txBody>
+                    <a:bodyPr/>
+                    <a:lstStyle/>
+                    <a:p>
+                      <a:r>
+                        <a:rPr lang="en-US" sz="1500" dirty="0"/>
+                        <a:t>Trusted Sources</a:t>
+                      </a:r>
+                    </a:p>
+                  </a:txBody>
+                  <a:tcPr/>
+                </a:tc>
+                <a:tc>
+                  <a:txBody>
+                    <a:bodyPr/>
+                    <a:lstStyle/>
+                    <a:p>
+                      <a:r>
+                        <a:rPr lang="en-US" sz="1500" dirty="0"/>
+                        <a:t>Good overview and perspective on #blockchain + #bitcoin from @</a:t>
+                      </a:r>
+                      <a:r>
+                        <a:rPr lang="en-US" sz="1500" dirty="0" err="1"/>
+                        <a:t>balajis</a:t>
+                      </a:r>
+                      <a:r>
+                        <a:rPr lang="en-US" sz="1500" dirty="0"/>
+                        <a:t> via @WSJ . #tech #innovation #digital #economy </a:t>
+                      </a:r>
+                      <a:r>
+                        <a:rPr lang="en-US" sz="1500" u="none" strike="noStrike" kern="1200" dirty="0">
+                          <a:solidFill>
+                            <a:schemeClr val="dk1"/>
+                          </a:solidFill>
+                          <a:effectLst/>
+                          <a:latin typeface="+mn-lt"/>
+                          <a:ea typeface="+mn-ea"/>
+                          <a:cs typeface="+mn-cs"/>
+                        </a:rPr>
+                        <a:t>_</a:t>
+                      </a:r>
+                      <a:r>
+                        <a:rPr lang="en-US" sz="1500" u="none" strike="noStrike" kern="1200" dirty="0" err="1">
+                          <a:solidFill>
+                            <a:schemeClr val="dk1"/>
+                          </a:solidFill>
+                          <a:effectLst/>
+                          <a:latin typeface="+mn-lt"/>
+                          <a:ea typeface="+mn-ea"/>
+                          <a:cs typeface="+mn-cs"/>
+                        </a:rPr>
+                        <a:t>url</a:t>
+                      </a:r>
+                      <a:r>
+                        <a:rPr lang="en-US" sz="1500" u="none" strike="noStrike" kern="1200" dirty="0">
+                          <a:solidFill>
+                            <a:schemeClr val="dk1"/>
+                          </a:solidFill>
+                          <a:effectLst/>
+                          <a:latin typeface="+mn-lt"/>
+                          <a:ea typeface="+mn-ea"/>
+                          <a:cs typeface="+mn-cs"/>
+                        </a:rPr>
+                        <a:t>_</a:t>
+                      </a:r>
+                      <a:endParaRPr lang="en-US" sz="1500" dirty="0"/>
+                    </a:p>
+                  </a:txBody>
+                  <a:tcPr/>
+                </a:tc>
+                <a:extLst>
+                  <a:ext uri="{0D108BD9-81ED-4DB2-BD59-A6C34878D82A}">
+                    <a16:rowId xmlns:a16="http://schemas.microsoft.com/office/drawing/2014/main" xmlns="" val="113192575"/>
+                  </a:ext>
+                </a:extLst>
+              </a:tr>
+              <a:tr h="327182">
+                <a:tc>
+                  <a:txBody>
+                    <a:bodyPr/>
+                    <a:lstStyle/>
+                    <a:p>
+                      <a:r>
+                        <a:rPr lang="en-US" sz="1500" dirty="0"/>
+                        <a:t>Spam Tweets</a:t>
+                      </a:r>
+                    </a:p>
+                  </a:txBody>
+                  <a:tcPr/>
+                </a:tc>
+                <a:tc>
+                  <a:txBody>
+                    <a:bodyPr/>
+                    <a:lstStyle/>
+                    <a:p>
+                      <a:r>
+                        <a:rPr lang="en-US" sz="1500" dirty="0"/>
+                        <a:t>1 ripple = 0.6589 </a:t>
+                      </a:r>
+                      <a:r>
+                        <a:rPr lang="en-US" sz="1500" dirty="0" err="1"/>
+                        <a:t>usd</a:t>
+                      </a:r>
+                      <a:r>
+                        <a:rPr lang="en-US" sz="1500" dirty="0"/>
+                        <a:t>. ripple has changed by -0.0026 </a:t>
+                      </a:r>
+                      <a:r>
+                        <a:rPr lang="en-US" sz="1500" dirty="0" err="1"/>
+                        <a:t>usd</a:t>
+                      </a:r>
+                      <a:r>
+                        <a:rPr lang="en-US" sz="1500" dirty="0"/>
+                        <a:t> in 30 mins. live price: </a:t>
+                      </a:r>
+                      <a:r>
+                        <a:rPr lang="en-US" sz="1500" u="none" strike="noStrike" kern="1200" dirty="0">
+                          <a:solidFill>
+                            <a:schemeClr val="dk1"/>
+                          </a:solidFill>
+                          <a:effectLst/>
+                          <a:latin typeface="+mn-lt"/>
+                          <a:ea typeface="+mn-ea"/>
+                          <a:cs typeface="+mn-cs"/>
+                        </a:rPr>
+                        <a:t>_</a:t>
+                      </a:r>
+                      <a:r>
+                        <a:rPr lang="en-US" sz="1500" u="none" strike="noStrike" kern="1200" dirty="0" err="1">
+                          <a:solidFill>
+                            <a:schemeClr val="dk1"/>
+                          </a:solidFill>
+                          <a:effectLst/>
+                          <a:latin typeface="+mn-lt"/>
+                          <a:ea typeface="+mn-ea"/>
+                          <a:cs typeface="+mn-cs"/>
+                        </a:rPr>
+                        <a:t>url</a:t>
+                      </a:r>
+                      <a:r>
+                        <a:rPr lang="en-US" sz="1500" u="none" strike="noStrike" kern="1200" dirty="0">
+                          <a:solidFill>
+                            <a:schemeClr val="dk1"/>
+                          </a:solidFill>
+                          <a:effectLst/>
+                          <a:latin typeface="+mn-lt"/>
+                          <a:ea typeface="+mn-ea"/>
+                          <a:cs typeface="+mn-cs"/>
+                        </a:rPr>
+                        <a:t>_</a:t>
+                      </a:r>
+                      <a:endParaRPr lang="en-US" sz="1500" dirty="0"/>
+                    </a:p>
+                  </a:txBody>
+                  <a:tcPr/>
+                </a:tc>
+                <a:extLst>
+                  <a:ext uri="{0D108BD9-81ED-4DB2-BD59-A6C34878D82A}">
+                    <a16:rowId xmlns:a16="http://schemas.microsoft.com/office/drawing/2014/main" xmlns="" val="2286269774"/>
+                  </a:ext>
+                </a:extLst>
+              </a:tr>
+              <a:tr h="327182">
+                <a:tc>
+                  <a:txBody>
+                    <a:bodyPr/>
+                    <a:lstStyle/>
+                    <a:p>
+                      <a:r>
+                        <a:rPr lang="en-US" sz="1500" dirty="0"/>
+                        <a:t>Spam Tweets</a:t>
+                      </a:r>
+                    </a:p>
+                  </a:txBody>
+                  <a:tcPr/>
+                </a:tc>
+                <a:tc>
+                  <a:txBody>
+                    <a:bodyPr/>
+                    <a:lstStyle/>
+                    <a:p>
+                      <a:r>
+                        <a:rPr lang="en-US" sz="1500" dirty="0"/>
+                        <a:t>ripple price alert. the last ask price for $ </a:t>
+                      </a:r>
+                      <a:r>
+                        <a:rPr lang="en-US" sz="1500" dirty="0" err="1"/>
+                        <a:t>xrp</a:t>
+                      </a:r>
+                      <a:r>
+                        <a:rPr lang="en-US" sz="1500" dirty="0"/>
+                        <a:t> in </a:t>
+                      </a:r>
+                      <a:r>
+                        <a:rPr lang="en-US" sz="1500" dirty="0" err="1"/>
+                        <a:t>usd</a:t>
+                      </a:r>
+                      <a:r>
+                        <a:rPr lang="en-US" sz="1500" dirty="0"/>
+                        <a:t> is $0.857858 </a:t>
+                      </a:r>
+                      <a:r>
+                        <a:rPr lang="en-US" sz="1500" dirty="0" err="1"/>
+                        <a:t>xrp</a:t>
+                      </a:r>
+                      <a:r>
+                        <a:rPr lang="en-US" sz="1500" dirty="0"/>
+                        <a:t> </a:t>
+                      </a:r>
+                      <a:r>
+                        <a:rPr lang="en-US" sz="1500" dirty="0" err="1"/>
+                        <a:t>ripplebot_cs</a:t>
+                      </a:r>
+                      <a:r>
+                        <a:rPr lang="en-US" sz="1500" dirty="0"/>
+                        <a:t> </a:t>
+                      </a:r>
+                    </a:p>
+                  </a:txBody>
+                  <a:tcPr/>
+                </a:tc>
+                <a:extLst>
+                  <a:ext uri="{0D108BD9-81ED-4DB2-BD59-A6C34878D82A}">
+                    <a16:rowId xmlns:a16="http://schemas.microsoft.com/office/drawing/2014/main" xmlns="" val="2050594596"/>
+                  </a:ext>
+                </a:extLst>
+              </a:tr>
+              <a:tr h="327182">
+                <a:tc>
+                  <a:txBody>
+                    <a:bodyPr/>
+                    <a:lstStyle/>
+                    <a:p>
+                      <a:r>
+                        <a:rPr lang="en-US" sz="1500" dirty="0"/>
+                        <a:t>Post-Filter</a:t>
+                      </a:r>
+                    </a:p>
+                  </a:txBody>
+                  <a:tcPr/>
+                </a:tc>
+                <a:tc>
+                  <a:txBody>
+                    <a:bodyPr/>
+                    <a:lstStyle/>
+                    <a:p>
+                      <a:r>
+                        <a:rPr lang="en-US" sz="1500" dirty="0"/>
+                        <a:t>ripple invests $25 million in </a:t>
+                      </a:r>
+                      <a:r>
+                        <a:rPr lang="en-US" sz="1500" dirty="0" err="1"/>
+                        <a:t>xrp</a:t>
+                      </a:r>
+                      <a:r>
+                        <a:rPr lang="en-US" sz="1500" dirty="0"/>
+                        <a:t> in blockchain capital’s $150 million </a:t>
+                      </a:r>
+                      <a:r>
+                        <a:rPr lang="en-US" sz="1500" dirty="0" err="1"/>
+                        <a:t>vc</a:t>
+                      </a:r>
+                      <a:r>
+                        <a:rPr lang="en-US" sz="1500" dirty="0"/>
+                        <a:t> fund _</a:t>
+                      </a:r>
+                      <a:r>
+                        <a:rPr lang="en-US" sz="1500" dirty="0" err="1"/>
+                        <a:t>url</a:t>
+                      </a:r>
+                      <a:r>
+                        <a:rPr lang="en-US" sz="1500" dirty="0"/>
+                        <a:t>_</a:t>
+                      </a:r>
+                    </a:p>
+                  </a:txBody>
+                  <a:tcPr/>
+                </a:tc>
+                <a:extLst>
+                  <a:ext uri="{0D108BD9-81ED-4DB2-BD59-A6C34878D82A}">
+                    <a16:rowId xmlns:a16="http://schemas.microsoft.com/office/drawing/2014/main" xmlns="" val="1747425152"/>
+                  </a:ext>
+                </a:extLst>
+              </a:tr>
+              <a:tr h="327182">
+                <a:tc>
+                  <a:txBody>
+                    <a:bodyPr/>
+                    <a:lstStyle/>
+                    <a:p>
+                      <a:r>
+                        <a:rPr lang="en-US" sz="1500" dirty="0"/>
+                        <a:t>Post-Filter</a:t>
+                      </a:r>
+                    </a:p>
+                  </a:txBody>
+                  <a:tcPr/>
+                </a:tc>
+                <a:tc>
+                  <a:txBody>
+                    <a:bodyPr/>
+                    <a:lstStyle/>
+                    <a:p>
+                      <a:r>
+                        <a:rPr lang="en-US" sz="1500" dirty="0"/>
+                        <a:t>why ripple 's </a:t>
+                      </a:r>
+                      <a:r>
+                        <a:rPr lang="en-US" sz="1500" dirty="0" err="1"/>
+                        <a:t>xrp</a:t>
+                      </a:r>
+                      <a:r>
+                        <a:rPr lang="en-US" sz="1500" dirty="0"/>
+                        <a:t> outperformed the other top cryptos this week </a:t>
+                      </a:r>
+                      <a:r>
+                        <a:rPr lang="en-US" sz="1500" u="none" strike="noStrike" kern="1200" dirty="0">
+                          <a:solidFill>
+                            <a:schemeClr val="dk1"/>
+                          </a:solidFill>
+                          <a:effectLst/>
+                          <a:latin typeface="+mn-lt"/>
+                          <a:ea typeface="+mn-ea"/>
+                          <a:cs typeface="+mn-cs"/>
+                        </a:rPr>
+                        <a:t>_</a:t>
+                      </a:r>
+                      <a:r>
+                        <a:rPr lang="en-US" sz="1500" u="none" strike="noStrike" kern="1200" dirty="0" err="1">
+                          <a:solidFill>
+                            <a:schemeClr val="dk1"/>
+                          </a:solidFill>
+                          <a:effectLst/>
+                          <a:latin typeface="+mn-lt"/>
+                          <a:ea typeface="+mn-ea"/>
+                          <a:cs typeface="+mn-cs"/>
+                        </a:rPr>
+                        <a:t>url</a:t>
+                      </a:r>
+                      <a:r>
+                        <a:rPr lang="en-US" sz="1500" u="none" strike="noStrike" kern="1200" dirty="0">
+                          <a:solidFill>
+                            <a:schemeClr val="dk1"/>
+                          </a:solidFill>
+                          <a:effectLst/>
+                          <a:latin typeface="+mn-lt"/>
+                          <a:ea typeface="+mn-ea"/>
+                          <a:cs typeface="+mn-cs"/>
+                        </a:rPr>
+                        <a:t>_</a:t>
+                      </a:r>
+                      <a:endParaRPr lang="en-US" sz="1500" dirty="0"/>
+                    </a:p>
+                  </a:txBody>
+                  <a:tcPr/>
+                </a:tc>
+                <a:extLst>
+                  <a:ext uri="{0D108BD9-81ED-4DB2-BD59-A6C34878D82A}">
+                    <a16:rowId xmlns:a16="http://schemas.microsoft.com/office/drawing/2014/main" xmlns="" val="42610138"/>
+                  </a:ext>
+                </a:extLst>
+              </a:tr>
+            </a:tbl>
+          </a:graphicData>
+        </a:graphic>
+      </p:graphicFrame>
+      <p:pic>
+        <p:nvPicPr>
+          <p:cNvPr id="8" name="Picture 7" descr="Original Naive Bayes">
+            <a:extLst>
+              <a:ext uri="{FF2B5EF4-FFF2-40B4-BE49-F238E27FC236}">
+                <a16:creationId xmlns:a16="http://schemas.microsoft.com/office/drawing/2014/main" xmlns="" id="{85D457C5-A189-4BA6-B1E0-A3C17BDB4B62}"/>
+              </a:ext>
+            </a:extLst>
+          </p:cNvPr>
+          <p:cNvPicPr>
+            <a:picLocks noChangeAspect="1"/>
+          </p:cNvPicPr>
+          <p:nvPr/>
+        </p:nvPicPr>
+        <p:blipFill>
+          <a:blip r:embed="rId8">
+            <a:extLst>
+              <a:ext uri="{28A0092B-C50C-407E-A947-70E740481C1C}">
+                <a14:useLocalDpi xmlns:a14="http://schemas.microsoft.com/office/drawing/2010/main" val="0"/>
+              </a:ext>
+            </a:extLst>
+          </a:blip>
+          <a:stretch>
+            <a:fillRect/>
+          </a:stretch>
+        </p:blipFill>
+        <p:spPr>
+          <a:xfrm>
+            <a:off x="-4053348" y="3345550"/>
+            <a:ext cx="3993891" cy="2662594"/>
+          </a:xfrm>
+          <a:prstGeom prst="rect">
+            <a:avLst/>
+          </a:prstGeom>
+        </p:spPr>
+      </p:pic>
+      <p:pic>
+        <p:nvPicPr>
+          <p:cNvPr id="4" name="Picture 3"/>
+          <p:cNvPicPr>
+            <a:picLocks noChangeAspect="1"/>
+          </p:cNvPicPr>
+          <p:nvPr/>
+        </p:nvPicPr>
+        <p:blipFill>
+          <a:blip r:embed="rId9">
+            <a:extLst>
+              <a:ext uri="{28A0092B-C50C-407E-A947-70E740481C1C}">
+                <a14:useLocalDpi xmlns:a14="http://schemas.microsoft.com/office/drawing/2010/main" val="0"/>
+              </a:ext>
+            </a:extLst>
+          </a:blip>
+          <a:stretch>
+            <a:fillRect/>
+          </a:stretch>
+        </p:blipFill>
+        <p:spPr>
+          <a:xfrm>
+            <a:off x="4991457" y="13786058"/>
+            <a:ext cx="1236424" cy="824282"/>
+          </a:xfrm>
+          <a:prstGeom prst="rect">
+            <a:avLst/>
+          </a:prstGeom>
+        </p:spPr>
+      </p:pic>
+      <p:graphicFrame>
+        <p:nvGraphicFramePr>
+          <p:cNvPr id="28" name="Table 27">
+            <a:extLst>
+              <a:ext uri="{FF2B5EF4-FFF2-40B4-BE49-F238E27FC236}">
+                <a16:creationId xmlns:a16="http://schemas.microsoft.com/office/drawing/2014/main" xmlns="" id="{37BD625B-551D-49A4-895F-BFE014F4F99A}"/>
+              </a:ext>
+            </a:extLst>
+          </p:cNvPr>
+          <p:cNvGraphicFramePr>
+            <a:graphicFrameLocks noGrp="1"/>
+          </p:cNvGraphicFramePr>
+          <p:nvPr>
+            <p:extLst>
+              <p:ext uri="{D42A27DB-BD31-4B8C-83A1-F6EECF244321}">
+                <p14:modId xmlns:p14="http://schemas.microsoft.com/office/powerpoint/2010/main" val="2099304889"/>
+              </p:ext>
+            </p:extLst>
+          </p:nvPr>
+        </p:nvGraphicFramePr>
+        <p:xfrm>
+          <a:off x="4745620" y="11404455"/>
+          <a:ext cx="4224759" cy="1592766"/>
+        </p:xfrm>
+        <a:graphic>
+          <a:graphicData uri="http://schemas.openxmlformats.org/drawingml/2006/table">
+            <a:tbl>
+              <a:tblPr firstRow="1" bandRow="1">
+                <a:tableStyleId>{5C22544A-7EE6-4342-B048-85BDC9FD1C3A}</a:tableStyleId>
+              </a:tblPr>
+              <a:tblGrid>
+                <a:gridCol w="1408253">
+                  <a:extLst>
+                    <a:ext uri="{9D8B030D-6E8A-4147-A177-3AD203B41FA5}">
+                      <a16:colId xmlns:a16="http://schemas.microsoft.com/office/drawing/2014/main" xmlns="" val="3247188750"/>
+                    </a:ext>
+                  </a:extLst>
+                </a:gridCol>
+                <a:gridCol w="1408253">
+                  <a:extLst>
+                    <a:ext uri="{9D8B030D-6E8A-4147-A177-3AD203B41FA5}">
+                      <a16:colId xmlns:a16="http://schemas.microsoft.com/office/drawing/2014/main" xmlns="" val="1214523097"/>
+                    </a:ext>
+                  </a:extLst>
+                </a:gridCol>
+                <a:gridCol w="1408253">
+                  <a:extLst>
+                    <a:ext uri="{9D8B030D-6E8A-4147-A177-3AD203B41FA5}">
+                      <a16:colId xmlns:a16="http://schemas.microsoft.com/office/drawing/2014/main" xmlns="" val="3255143547"/>
+                    </a:ext>
+                  </a:extLst>
+                </a:gridCol>
+              </a:tblGrid>
+              <a:tr h="265518">
+                <a:tc gridSpan="3">
+                  <a:txBody>
+                    <a:bodyPr/>
+                    <a:lstStyle/>
+                    <a:p>
+                      <a:pPr algn="ctr"/>
+                      <a:r>
+                        <a:rPr lang="en-US" sz="1000" dirty="0" smtClean="0"/>
+                        <a:t>Model Accuracies</a:t>
+                      </a:r>
+                      <a:endParaRPr lang="en-US" sz="1000" dirty="0"/>
+                    </a:p>
+                  </a:txBody>
+                  <a:tcPr/>
+                </a:tc>
+                <a:tc hMerge="1">
+                  <a:txBody>
+                    <a:bodyPr/>
+                    <a:lstStyle/>
+                    <a:p>
+                      <a:endParaRPr lang="en-US"/>
+                    </a:p>
+                  </a:txBody>
+                  <a:tcPr/>
+                </a:tc>
+                <a:tc hMerge="1">
+                  <a:txBody>
+                    <a:bodyPr/>
+                    <a:lstStyle/>
+                    <a:p>
+                      <a:endParaRPr lang="en-US" dirty="0"/>
+                    </a:p>
+                  </a:txBody>
+                  <a:tcPr/>
+                </a:tc>
+                <a:extLst>
+                  <a:ext uri="{0D108BD9-81ED-4DB2-BD59-A6C34878D82A}">
+                    <a16:rowId xmlns:a16="http://schemas.microsoft.com/office/drawing/2014/main" xmlns="" val="426857068"/>
+                  </a:ext>
+                </a:extLst>
+              </a:tr>
+              <a:tr h="265518">
+                <a:tc>
+                  <a:txBody>
+                    <a:bodyPr/>
+                    <a:lstStyle/>
+                    <a:p>
+                      <a:r>
+                        <a:rPr lang="en-US" sz="1000" dirty="0" smtClean="0"/>
+                        <a:t>Classifier</a:t>
+                      </a:r>
+                      <a:endParaRPr lang="en-US" sz="1000" dirty="0"/>
+                    </a:p>
+                  </a:txBody>
+                  <a:tcPr/>
+                </a:tc>
+                <a:tc>
+                  <a:txBody>
+                    <a:bodyPr/>
+                    <a:lstStyle/>
+                    <a:p>
+                      <a:r>
+                        <a:rPr lang="en-US" sz="1000" dirty="0" smtClean="0"/>
+                        <a:t>1 Hour</a:t>
+                      </a:r>
+                      <a:endParaRPr lang="en-US" sz="1000" dirty="0"/>
+                    </a:p>
+                  </a:txBody>
+                  <a:tcPr/>
+                </a:tc>
+                <a:tc>
+                  <a:txBody>
+                    <a:bodyPr/>
+                    <a:lstStyle/>
+                    <a:p>
+                      <a:r>
+                        <a:rPr lang="en-US" sz="1000" dirty="0" smtClean="0"/>
+                        <a:t>2</a:t>
+                      </a:r>
+                      <a:r>
+                        <a:rPr lang="en-US" sz="1000" baseline="0" dirty="0" smtClean="0"/>
+                        <a:t> Hours</a:t>
+                      </a:r>
+                      <a:endParaRPr lang="en-US" sz="1000" dirty="0"/>
+                    </a:p>
+                  </a:txBody>
+                  <a:tcPr/>
+                </a:tc>
+                <a:extLst>
+                  <a:ext uri="{0D108BD9-81ED-4DB2-BD59-A6C34878D82A}">
+                    <a16:rowId xmlns:a16="http://schemas.microsoft.com/office/drawing/2014/main" xmlns="" val="4254030744"/>
+                  </a:ext>
+                </a:extLst>
+              </a:tr>
+              <a:tr h="265176">
+                <a:tc>
+                  <a:txBody>
+                    <a:bodyPr/>
+                    <a:lstStyle/>
+                    <a:p>
+                      <a:r>
+                        <a:rPr lang="en-US" sz="1000" dirty="0" smtClean="0"/>
+                        <a:t>SVM</a:t>
+                      </a:r>
+                      <a:endParaRPr lang="en-US" sz="1000" dirty="0"/>
+                    </a:p>
+                  </a:txBody>
+                  <a:tcPr/>
+                </a:tc>
+                <a:tc>
+                  <a:txBody>
+                    <a:bodyPr/>
+                    <a:lstStyle/>
+                    <a:p>
+                      <a:r>
+                        <a:rPr lang="nb-NO" sz="1000" dirty="0" smtClean="0"/>
+                        <a:t>50.88%</a:t>
+                      </a:r>
+                      <a:endParaRPr lang="en-US" sz="1000" dirty="0"/>
+                    </a:p>
+                  </a:txBody>
+                  <a:tcPr/>
+                </a:tc>
+                <a:tc>
+                  <a:txBody>
+                    <a:bodyPr/>
+                    <a:lstStyle/>
+                    <a:p>
+                      <a:r>
+                        <a:rPr lang="en-US" sz="1000" dirty="0" smtClean="0"/>
+                        <a:t>51.72%</a:t>
+                      </a:r>
+                      <a:endParaRPr lang="en-US" sz="1000" dirty="0"/>
+                    </a:p>
+                  </a:txBody>
+                  <a:tcPr/>
+                </a:tc>
+                <a:extLst>
+                  <a:ext uri="{0D108BD9-81ED-4DB2-BD59-A6C34878D82A}">
+                    <a16:rowId xmlns:a16="http://schemas.microsoft.com/office/drawing/2014/main" xmlns="" val="2348030731"/>
+                  </a:ext>
+                </a:extLst>
+              </a:tr>
+              <a:tr h="265518">
+                <a:tc>
+                  <a:txBody>
+                    <a:bodyPr/>
+                    <a:lstStyle/>
+                    <a:p>
+                      <a:r>
+                        <a:rPr lang="en-US" sz="1000" dirty="0" smtClean="0"/>
+                        <a:t>Logistic</a:t>
+                      </a:r>
+                      <a:r>
+                        <a:rPr lang="en-US" sz="1000" baseline="0" dirty="0" smtClean="0"/>
+                        <a:t> Regression</a:t>
+                      </a:r>
+                      <a:endParaRPr lang="en-US" sz="1000" dirty="0"/>
+                    </a:p>
+                  </a:txBody>
+                  <a:tcPr/>
+                </a:tc>
+                <a:tc>
+                  <a:txBody>
+                    <a:bodyPr/>
+                    <a:lstStyle/>
+                    <a:p>
+                      <a:r>
+                        <a:rPr lang="hr-HR" sz="1000" dirty="0" smtClean="0"/>
+                        <a:t>52.63%</a:t>
+                      </a:r>
+                      <a:endParaRPr lang="en-US" sz="1000" dirty="0"/>
+                    </a:p>
+                  </a:txBody>
+                  <a:tcPr/>
+                </a:tc>
+                <a:tc>
+                  <a:txBody>
+                    <a:bodyPr/>
+                    <a:lstStyle/>
+                    <a:p>
+                      <a:r>
+                        <a:rPr lang="en-US" sz="1000" dirty="0" smtClean="0"/>
+                        <a:t>50.26%</a:t>
+                      </a:r>
+                      <a:endParaRPr lang="en-US" sz="1000" dirty="0"/>
+                    </a:p>
+                  </a:txBody>
+                  <a:tcPr/>
+                </a:tc>
+                <a:extLst>
+                  <a:ext uri="{0D108BD9-81ED-4DB2-BD59-A6C34878D82A}">
+                    <a16:rowId xmlns:a16="http://schemas.microsoft.com/office/drawing/2014/main" xmlns="" val="575309201"/>
+                  </a:ext>
+                </a:extLst>
+              </a:tr>
+              <a:tr h="265518">
+                <a:tc>
+                  <a:txBody>
+                    <a:bodyPr/>
+                    <a:lstStyle/>
+                    <a:p>
+                      <a:r>
+                        <a:rPr lang="en-US" sz="1000" dirty="0" smtClean="0"/>
+                        <a:t>Naïve Bayes</a:t>
+                      </a:r>
+                      <a:endParaRPr lang="en-US" sz="1000" dirty="0"/>
+                    </a:p>
+                  </a:txBody>
+                  <a:tcPr/>
+                </a:tc>
+                <a:tc>
+                  <a:txBody>
+                    <a:bodyPr/>
+                    <a:lstStyle/>
+                    <a:p>
+                      <a:r>
+                        <a:rPr lang="nb-NO" sz="1000" dirty="0" smtClean="0"/>
+                        <a:t>47.37%</a:t>
+                      </a:r>
+                      <a:endParaRPr lang="en-US" sz="1000" dirty="0"/>
+                    </a:p>
+                  </a:txBody>
+                  <a:tcPr/>
+                </a:tc>
+                <a:tc>
+                  <a:txBody>
+                    <a:bodyPr/>
+                    <a:lstStyle/>
+                    <a:p>
+                      <a:r>
+                        <a:rPr lang="en-US" sz="1000" dirty="0" smtClean="0"/>
+                        <a:t>48.30%</a:t>
+                      </a:r>
+                      <a:endParaRPr lang="en-US" sz="1000" dirty="0"/>
+                    </a:p>
+                  </a:txBody>
+                  <a:tcPr/>
+                </a:tc>
+              </a:tr>
+              <a:tr h="265518">
+                <a:tc>
+                  <a:txBody>
+                    <a:bodyPr/>
+                    <a:lstStyle/>
+                    <a:p>
+                      <a:r>
+                        <a:rPr lang="en-US" sz="1000" dirty="0" smtClean="0"/>
+                        <a:t>Neural Net</a:t>
+                      </a:r>
+                      <a:endParaRPr lang="en-US" sz="1000" dirty="0"/>
+                    </a:p>
+                  </a:txBody>
+                  <a:tcPr/>
+                </a:tc>
+                <a:tc>
+                  <a:txBody>
+                    <a:bodyPr/>
+                    <a:lstStyle/>
+                    <a:p>
+                      <a:r>
+                        <a:rPr lang="en-US" sz="1000" dirty="0" smtClean="0"/>
+                        <a:t>47.39%</a:t>
+                      </a:r>
+                      <a:endParaRPr lang="en-US" sz="1000" dirty="0"/>
+                    </a:p>
+                  </a:txBody>
+                  <a:tcPr/>
+                </a:tc>
+                <a:tc>
+                  <a:txBody>
+                    <a:bodyPr/>
+                    <a:lstStyle/>
+                    <a:p>
+                      <a:r>
+                        <a:rPr lang="en-US" sz="1000" dirty="0" smtClean="0"/>
+                        <a:t>48.28%</a:t>
+                      </a:r>
+                      <a:endParaRPr lang="en-US" sz="1000" dirty="0"/>
+                    </a:p>
+                  </a:txBody>
+                  <a:tcPr/>
+                </a:tc>
+              </a:tr>
+            </a:tbl>
+          </a:graphicData>
+        </a:graphic>
+      </p:graphicFrame>
+      <p:grpSp>
+        <p:nvGrpSpPr>
+          <p:cNvPr id="41" name="Group 40"/>
+          <p:cNvGrpSpPr>
+            <a:grpSpLocks noChangeAspect="1"/>
+          </p:cNvGrpSpPr>
+          <p:nvPr/>
+        </p:nvGrpSpPr>
+        <p:grpSpPr>
+          <a:xfrm>
+            <a:off x="6717449" y="12730700"/>
+            <a:ext cx="2081976" cy="1828800"/>
+            <a:chOff x="9267527" y="3065799"/>
+            <a:chExt cx="4124490" cy="3622936"/>
+          </a:xfrm>
+        </p:grpSpPr>
+        <p:pic>
+          <p:nvPicPr>
+            <p:cNvPr id="37" name="Picture 36"/>
+            <p:cNvPicPr>
+              <a:picLocks noChangeAspect="1"/>
+            </p:cNvPicPr>
+            <p:nvPr/>
+          </p:nvPicPr>
+          <p:blipFill rotWithShape="1">
+            <a:blip r:embed="rId10">
+              <a:extLst>
+                <a:ext uri="{28A0092B-C50C-407E-A947-70E740481C1C}">
+                  <a14:useLocalDpi xmlns:a14="http://schemas.microsoft.com/office/drawing/2010/main" val="0"/>
+                </a:ext>
+              </a:extLst>
+            </a:blip>
+            <a:srcRect l="16667" r="7980"/>
+            <a:stretch/>
+          </p:blipFill>
+          <p:spPr>
+            <a:xfrm>
+              <a:off x="11324928" y="3065799"/>
+              <a:ext cx="2067089" cy="1828800"/>
+            </a:xfrm>
+            <a:prstGeom prst="rect">
+              <a:avLst/>
+            </a:prstGeom>
+          </p:spPr>
+        </p:pic>
+        <p:pic>
+          <p:nvPicPr>
+            <p:cNvPr id="38" name="Picture 37"/>
+            <p:cNvPicPr>
+              <a:picLocks noChangeAspect="1"/>
+            </p:cNvPicPr>
+            <p:nvPr/>
+          </p:nvPicPr>
+          <p:blipFill rotWithShape="1">
+            <a:blip r:embed="rId11">
+              <a:extLst>
+                <a:ext uri="{28A0092B-C50C-407E-A947-70E740481C1C}">
+                  <a14:useLocalDpi xmlns:a14="http://schemas.microsoft.com/office/drawing/2010/main" val="0"/>
+                </a:ext>
+              </a:extLst>
+            </a:blip>
+            <a:srcRect l="16615" r="8467"/>
+            <a:stretch/>
+          </p:blipFill>
+          <p:spPr>
+            <a:xfrm>
+              <a:off x="9269783" y="4859935"/>
+              <a:ext cx="2055145" cy="1828800"/>
+            </a:xfrm>
+            <a:prstGeom prst="rect">
+              <a:avLst/>
+            </a:prstGeom>
+          </p:spPr>
+        </p:pic>
+        <p:pic>
+          <p:nvPicPr>
+            <p:cNvPr id="39" name="Picture 38"/>
+            <p:cNvPicPr>
+              <a:picLocks noChangeAspect="1"/>
+            </p:cNvPicPr>
+            <p:nvPr/>
+          </p:nvPicPr>
+          <p:blipFill rotWithShape="1">
+            <a:blip r:embed="rId12">
+              <a:extLst>
+                <a:ext uri="{28A0092B-C50C-407E-A947-70E740481C1C}">
+                  <a14:useLocalDpi xmlns:a14="http://schemas.microsoft.com/office/drawing/2010/main" val="0"/>
+                </a:ext>
+              </a:extLst>
+            </a:blip>
+            <a:srcRect l="16666" r="8332"/>
+            <a:stretch/>
+          </p:blipFill>
+          <p:spPr>
+            <a:xfrm>
+              <a:off x="11324928" y="4855328"/>
+              <a:ext cx="2057441" cy="1828800"/>
+            </a:xfrm>
+            <a:prstGeom prst="rect">
+              <a:avLst/>
+            </a:prstGeom>
+          </p:spPr>
+        </p:pic>
+        <p:pic>
+          <p:nvPicPr>
+            <p:cNvPr id="40" name="Picture 39"/>
+            <p:cNvPicPr>
+              <a:picLocks noChangeAspect="1"/>
+            </p:cNvPicPr>
+            <p:nvPr/>
+          </p:nvPicPr>
+          <p:blipFill rotWithShape="1">
+            <a:blip r:embed="rId13">
+              <a:extLst>
+                <a:ext uri="{28A0092B-C50C-407E-A947-70E740481C1C}">
+                  <a14:useLocalDpi xmlns:a14="http://schemas.microsoft.com/office/drawing/2010/main" val="0"/>
+                </a:ext>
+              </a:extLst>
+            </a:blip>
+            <a:srcRect l="16610" r="8390"/>
+            <a:stretch/>
+          </p:blipFill>
+          <p:spPr>
+            <a:xfrm>
+              <a:off x="9267527" y="3065800"/>
+              <a:ext cx="2057401" cy="1828800"/>
+            </a:xfrm>
+            <a:prstGeom prst="rect">
+              <a:avLst/>
+            </a:prstGeom>
+          </p:spPr>
+        </p:pic>
+      </p:grpSp>
     </p:spTree>
     <p:extLst>
       <p:ext uri="{BB962C8B-B14F-4D97-AF65-F5344CB8AC3E}">
@@ -6095,4 +7665,265 @@
     </a:ext>
   </a:extLst>
 </a:theme>
+</file>
+
+<file path=ppt/theme/theme2.xml><?xml version="1.0" encoding="utf-8"?>
+<a:theme xmlns:a="http://schemas.openxmlformats.org/drawingml/2006/main" name="Office Theme">
+  <a:themeElements>
+    <a:clrScheme name="Office">
+      <a:dk1>
+        <a:sysClr val="windowText" lastClr="000000"/>
+      </a:dk1>
+      <a:lt1>
+        <a:sysClr val="window" lastClr="FFFFFF"/>
+      </a:lt1>
+      <a:dk2>
+        <a:srgbClr val="44546A"/>
+      </a:dk2>
+      <a:lt2>
+        <a:srgbClr val="E7E6E6"/>
+      </a:lt2>
+      <a:accent1>
+        <a:srgbClr val="4472C4"/>
+      </a:accent1>
+      <a:accent2>
+        <a:srgbClr val="ED7D31"/>
+      </a:accent2>
+      <a:accent3>
+        <a:srgbClr val="A5A5A5"/>
+      </a:accent3>
+      <a:accent4>
+        <a:srgbClr val="FFC000"/>
+      </a:accent4>
+      <a:accent5>
+        <a:srgbClr val="5B9BD5"/>
+      </a:accent5>
+      <a:accent6>
+        <a:srgbClr val="70AD47"/>
+      </a:accent6>
+      <a:hlink>
+        <a:srgbClr val="0563C1"/>
+      </a:hlink>
+      <a:folHlink>
+        <a:srgbClr val="954F72"/>
+      </a:folHlink>
+    </a:clrScheme>
+    <a:fontScheme name="Office">
+      <a:majorFont>
+        <a:latin typeface="Calibri Light" panose="020F0302020204030204"/>
+        <a:ea typeface=""/>
+        <a:cs typeface=""/>
+        <a:font script="Jpan" typeface="Yu Gothic Light"/>
+        <a:font script="Hang" typeface="맑은 고딕"/>
+        <a:font script="Hans" typeface="DengXian Light"/>
+        <a:font script="Hant" typeface="新細明體"/>
+        <a:font script="Arab" typeface="Times New Roman"/>
+        <a:font script="Hebr" typeface="Times New Roman"/>
+        <a:font script="Thai" typeface="Angsana New"/>
+        <a:font script="Ethi" typeface="Nyala"/>
+        <a:font script="Beng" typeface="Vrinda"/>
+        <a:font script="Gujr" typeface="Shruti"/>
+        <a:font script="Khmr" typeface="MoolBoran"/>
+        <a:font script="Knda" typeface="Tunga"/>
+        <a:font script="Guru" typeface="Raavi"/>
+        <a:font script="Cans" typeface="Euphemia"/>
+        <a:font script="Cher" typeface="Plantagenet Cherokee"/>
+        <a:font script="Yiii" typeface="Microsoft Yi Baiti"/>
+        <a:font script="Tibt" typeface="Microsoft Himalaya"/>
+        <a:font script="Thaa" typeface="MV Boli"/>
+        <a:font script="Deva" typeface="Mangal"/>
+        <a:font script="Telu" typeface="Gautami"/>
+        <a:font script="Taml" typeface="Latha"/>
+        <a:font script="Syrc" typeface="Estrangelo Edessa"/>
+        <a:font script="Orya" typeface="Kalinga"/>
+        <a:font script="Mlym" typeface="Kartika"/>
+        <a:font script="Laoo" typeface="DokChampa"/>
+        <a:font script="Sinh" typeface="Iskoola Pota"/>
+        <a:font script="Mong" typeface="Mongolian Baiti"/>
+        <a:font script="Viet" typeface="Times New Roman"/>
+        <a:font script="Uigh" typeface="Microsoft Uighur"/>
+        <a:font script="Geor" typeface="Sylfaen"/>
+      </a:majorFont>
+      <a:minorFont>
+        <a:latin typeface="Calibri" panose="020F0502020204030204"/>
+        <a:ea typeface=""/>
+        <a:cs typeface=""/>
+        <a:font script="Jpan" typeface="Yu Gothic"/>
+        <a:font script="Hang" typeface="맑은 고딕"/>
+        <a:font script="Hans" typeface="DengXian"/>
+        <a:font script="Hant" typeface="新細明體"/>
+        <a:font script="Arab" typeface="Arial"/>
+        <a:font script="Hebr" typeface="Arial"/>
+        <a:font script="Thai" typeface="Cordia New"/>
+        <a:font script="Ethi" typeface="Nyala"/>
+        <a:font script="Beng" typeface="Vrinda"/>
+        <a:font script="Gujr" typeface="Shruti"/>
+        <a:font script="Khmr" typeface="DaunPenh"/>
+        <a:font script="Knda" typeface="Tunga"/>
+        <a:font script="Guru" typeface="Raavi"/>
+        <a:font script="Cans" typeface="Euphemia"/>
+        <a:font script="Cher" typeface="Plantagenet Cherokee"/>
+        <a:font script="Yiii" typeface="Microsoft Yi Baiti"/>
+        <a:font script="Tibt" typeface="Microsoft Himalaya"/>
+        <a:font script="Thaa" typeface="MV Boli"/>
+        <a:font script="Deva" typeface="Mangal"/>
+        <a:font script="Telu" typeface="Gautami"/>
+        <a:font script="Taml" typeface="Latha"/>
+        <a:font script="Syrc" typeface="Estrangelo Edessa"/>
+        <a:font script="Orya" typeface="Kalinga"/>
+        <a:font script="Mlym" typeface="Kartika"/>
+        <a:font script="Laoo" typeface="DokChampa"/>
+        <a:font script="Sinh" typeface="Iskoola Pota"/>
+        <a:font script="Mong" typeface="Mongolian Baiti"/>
+        <a:font script="Viet" typeface="Arial"/>
+        <a:font script="Uigh" typeface="Microsoft Uighur"/>
+        <a:font script="Geor" typeface="Sylfaen"/>
+      </a:minorFont>
+    </a:fontScheme>
+    <a:fmtScheme name="Office">
+      <a:fillStyleLst>
+        <a:solidFill>
+          <a:schemeClr val="phClr"/>
+        </a:solidFill>
+        <a:gradFill rotWithShape="1">
+          <a:gsLst>
+            <a:gs pos="0">
+              <a:schemeClr val="phClr">
+                <a:lumMod val="110000"/>
+                <a:satMod val="105000"/>
+                <a:tint val="67000"/>
+              </a:schemeClr>
+            </a:gs>
+            <a:gs pos="50000">
+              <a:schemeClr val="phClr">
+                <a:lumMod val="105000"/>
+                <a:satMod val="103000"/>
+                <a:tint val="73000"/>
+              </a:schemeClr>
+            </a:gs>
+            <a:gs pos="100000">
+              <a:schemeClr val="phClr">
+                <a:lumMod val="105000"/>
+                <a:satMod val="109000"/>
+                <a:tint val="81000"/>
+              </a:schemeClr>
+            </a:gs>
+          </a:gsLst>
+          <a:lin ang="5400000" scaled="0"/>
+        </a:gradFill>
+        <a:gradFill rotWithShape="1">
+          <a:gsLst>
+            <a:gs pos="0">
+              <a:schemeClr val="phClr">
+                <a:satMod val="103000"/>
+                <a:lumMod val="102000"/>
+                <a:tint val="94000"/>
+              </a:schemeClr>
+            </a:gs>
+            <a:gs pos="50000">
+              <a:schemeClr val="phClr">
+                <a:satMod val="110000"/>
+                <a:lumMod val="100000"/>
+                <a:shade val="100000"/>
+              </a:schemeClr>
+            </a:gs>
+            <a:gs pos="100000">
+              <a:schemeClr val="phClr">
+                <a:lumMod val="99000"/>
+                <a:satMod val="120000"/>
+                <a:shade val="78000"/>
+              </a:schemeClr>
+            </a:gs>
+          </a:gsLst>
+          <a:lin ang="5400000" scaled="0"/>
+        </a:gradFill>
+      </a:fillStyleLst>
+      <a:lnStyleLst>
+        <a:ln w="6350" cap="flat" cmpd="sng" algn="ctr">
+          <a:solidFill>
+            <a:schemeClr val="phClr"/>
+          </a:solidFill>
+          <a:prstDash val="solid"/>
+          <a:miter lim="800000"/>
+        </a:ln>
+        <a:ln w="12700" cap="flat" cmpd="sng" algn="ctr">
+          <a:solidFill>
+            <a:schemeClr val="phClr"/>
+          </a:solidFill>
+          <a:prstDash val="solid"/>
+          <a:miter lim="800000"/>
+        </a:ln>
+        <a:ln w="19050" cap="flat" cmpd="sng" algn="ctr">
+          <a:solidFill>
+            <a:schemeClr val="phClr"/>
+          </a:solidFill>
+          <a:prstDash val="solid"/>
+          <a:miter lim="800000"/>
+        </a:ln>
+      </a:lnStyleLst>
+      <a:effectStyleLst>
+        <a:effectStyle>
+          <a:effectLst/>
+        </a:effectStyle>
+        <a:effectStyle>
+          <a:effectLst/>
+        </a:effectStyle>
+        <a:effectStyle>
+          <a:effectLst>
+            <a:outerShdw blurRad="57150" dist="19050" dir="5400000" algn="ctr" rotWithShape="0">
+              <a:srgbClr val="000000">
+                <a:alpha val="63000"/>
+              </a:srgbClr>
+            </a:outerShdw>
+          </a:effectLst>
+        </a:effectStyle>
+      </a:effectStyleLst>
+      <a:bgFillStyleLst>
+        <a:solidFill>
+          <a:schemeClr val="phClr"/>
+        </a:solidFill>
+        <a:solidFill>
+          <a:schemeClr val="phClr">
+            <a:tint val="95000"/>
+            <a:satMod val="170000"/>
+          </a:schemeClr>
+        </a:solidFill>
+        <a:gradFill rotWithShape="1">
+          <a:gsLst>
+            <a:gs pos="0">
+              <a:schemeClr val="phClr">
+                <a:tint val="93000"/>
+                <a:satMod val="150000"/>
+                <a:shade val="98000"/>
+                <a:lumMod val="102000"/>
+              </a:schemeClr>
+            </a:gs>
+            <a:gs pos="50000">
+              <a:schemeClr val="phClr">
+                <a:tint val="98000"/>
+                <a:satMod val="130000"/>
+                <a:shade val="90000"/>
+                <a:lumMod val="103000"/>
+              </a:schemeClr>
+            </a:gs>
+            <a:gs pos="100000">
+              <a:schemeClr val="phClr">
+                <a:shade val="63000"/>
+                <a:satMod val="120000"/>
+              </a:schemeClr>
+            </a:gs>
+          </a:gsLst>
+          <a:lin ang="5400000" scaled="0"/>
+        </a:gradFill>
+      </a:bgFillStyleLst>
+    </a:fmtScheme>
+  </a:themeElements>
+  <a:objectDefaults/>
+  <a:extraClrSchemeLst/>
+  <a:extLst>
+    <a:ext uri="{05A4C25C-085E-4340-85A3-A5531E510DB2}">
+      <thm15:themeFamily xmlns:thm15="http://schemas.microsoft.com/office/thememl/2012/main" name="Office Theme" id="{62F939B6-93AF-4DB8-9C6B-D6C7DFDC589F}" vid="{4A3C46E8-61CC-4603-A589-7422A47A8E4A}"/>
+    </a:ext>
+  </a:extLst>
+</a:theme>
 </file>
--- a/Poster.pptx
+++ b/Poster.pptx
@@ -3358,12 +3358,145 @@
           <a:chExt cx="0" cy="0"/>
         </a:xfrm>
       </p:grpSpPr>
+      <p:grpSp>
+        <p:nvGrpSpPr>
+          <p:cNvPr id="12" name="Group 11"/>
+          <p:cNvGrpSpPr>
+            <a:grpSpLocks noChangeAspect="1"/>
+          </p:cNvGrpSpPr>
+          <p:nvPr/>
+        </p:nvGrpSpPr>
+        <p:grpSpPr>
+          <a:xfrm>
+            <a:off x="4686366" y="11024883"/>
+            <a:ext cx="4361688" cy="3839786"/>
+            <a:chOff x="4668387" y="11519864"/>
+            <a:chExt cx="4366720" cy="3844216"/>
+          </a:xfrm>
+        </p:grpSpPr>
+        <p:pic>
+          <p:nvPicPr>
+            <p:cNvPr id="37" name="Picture 36"/>
+            <p:cNvPicPr>
+              <a:picLocks noChangeAspect="1"/>
+            </p:cNvPicPr>
+            <p:nvPr/>
+          </p:nvPicPr>
+          <p:blipFill rotWithShape="1">
+            <a:blip r:embed="rId2">
+              <a:extLst>
+                <a:ext uri="{28A0092B-C50C-407E-A947-70E740481C1C}">
+                  <a14:useLocalDpi xmlns:a14="http://schemas.microsoft.com/office/drawing/2010/main" val="0"/>
+                </a:ext>
+              </a:extLst>
+            </a:blip>
+            <a:srcRect l="16667" r="7980"/>
+            <a:stretch/>
+          </p:blipFill>
+          <p:spPr>
+            <a:xfrm>
+              <a:off x="6840284" y="11519864"/>
+              <a:ext cx="2194823" cy="1941809"/>
+            </a:xfrm>
+            <a:prstGeom prst="rect">
+              <a:avLst/>
+            </a:prstGeom>
+          </p:spPr>
+        </p:pic>
+        <p:pic>
+          <p:nvPicPr>
+            <p:cNvPr id="38" name="Picture 37"/>
+            <p:cNvPicPr>
+              <a:picLocks noChangeAspect="1"/>
+            </p:cNvPicPr>
+            <p:nvPr/>
+          </p:nvPicPr>
+          <p:blipFill rotWithShape="1">
+            <a:blip r:embed="rId3">
+              <a:extLst>
+                <a:ext uri="{28A0092B-C50C-407E-A947-70E740481C1C}">
+                  <a14:useLocalDpi xmlns:a14="http://schemas.microsoft.com/office/drawing/2010/main" val="0"/>
+                </a:ext>
+              </a:extLst>
+            </a:blip>
+            <a:srcRect l="16615" r="8467"/>
+            <a:stretch/>
+          </p:blipFill>
+          <p:spPr>
+            <a:xfrm>
+              <a:off x="4668387" y="13422270"/>
+              <a:ext cx="2182141" cy="1941809"/>
+            </a:xfrm>
+            <a:prstGeom prst="rect">
+              <a:avLst/>
+            </a:prstGeom>
+          </p:spPr>
+        </p:pic>
+        <p:pic>
+          <p:nvPicPr>
+            <p:cNvPr id="39" name="Picture 38"/>
+            <p:cNvPicPr>
+              <a:picLocks noChangeAspect="1"/>
+            </p:cNvPicPr>
+            <p:nvPr/>
+          </p:nvPicPr>
+          <p:blipFill rotWithShape="1">
+            <a:blip r:embed="rId4">
+              <a:extLst>
+                <a:ext uri="{28A0092B-C50C-407E-A947-70E740481C1C}">
+                  <a14:useLocalDpi xmlns:a14="http://schemas.microsoft.com/office/drawing/2010/main" val="0"/>
+                </a:ext>
+              </a:extLst>
+            </a:blip>
+            <a:srcRect l="16666" r="8332"/>
+            <a:stretch/>
+          </p:blipFill>
+          <p:spPr>
+            <a:xfrm>
+              <a:off x="6850528" y="13422271"/>
+              <a:ext cx="2184579" cy="1941809"/>
+            </a:xfrm>
+            <a:prstGeom prst="rect">
+              <a:avLst/>
+            </a:prstGeom>
+          </p:spPr>
+        </p:pic>
+        <p:pic>
+          <p:nvPicPr>
+            <p:cNvPr id="40" name="Picture 39"/>
+            <p:cNvPicPr>
+              <a:picLocks noChangeAspect="1"/>
+            </p:cNvPicPr>
+            <p:nvPr/>
+          </p:nvPicPr>
+          <p:blipFill rotWithShape="1">
+            <a:blip r:embed="rId5">
+              <a:extLst>
+                <a:ext uri="{28A0092B-C50C-407E-A947-70E740481C1C}">
+                  <a14:useLocalDpi xmlns:a14="http://schemas.microsoft.com/office/drawing/2010/main" val="0"/>
+                </a:ext>
+              </a:extLst>
+            </a:blip>
+            <a:srcRect l="16610" r="8390"/>
+            <a:stretch/>
+          </p:blipFill>
+          <p:spPr>
+            <a:xfrm>
+              <a:off x="4673419" y="11519864"/>
+              <a:ext cx="2184536" cy="1941809"/>
+            </a:xfrm>
+            <a:prstGeom prst="rect">
+              <a:avLst/>
+            </a:prstGeom>
+          </p:spPr>
+        </p:pic>
+      </p:grpSp>
       <p:sp>
         <p:nvSpPr>
           <p:cNvPr id="2" name="Title 1">
             <a:extLst>
               <a:ext uri="{FF2B5EF4-FFF2-40B4-BE49-F238E27FC236}">
-                <a16:creationId xmlns:a16="http://schemas.microsoft.com/office/drawing/2014/main" xmlns="" id="{A14FAE80-3C54-468F-997F-C6E1D174050F}"/>
+                <a16:creationId xmlns="" xmlns:a16="http://schemas.microsoft.com/office/drawing/2014/main" id="{A14FAE80-3C54-468F-997F-C6E1D174050F}"/>
               </a:ext>
             </a:extLst>
           </p:cNvPr>
@@ -3432,7 +3565,7 @@
             <a:r>
               <a:rPr lang="en-US" sz="2000" dirty="0">
                 <a:latin typeface="Garamond" panose="02020404030301010803" pitchFamily="18" charset="0"/>
-                <a:hlinkClick r:id="rId2"/>
+                <a:hlinkClick r:id="rId6"/>
               </a:rPr>
               <a:t>bfine@seas.upenn.edu</a:t>
             </a:r>
@@ -3457,7 +3590,7 @@
             <a:r>
               <a:rPr lang="en-US" sz="2000" dirty="0">
                 <a:latin typeface="Garamond" panose="02020404030301010803" pitchFamily="18" charset="0"/>
-                <a:hlinkClick r:id="rId3"/>
+                <a:hlinkClick r:id="rId7"/>
               </a:rPr>
               <a:t>muslin@seas.upenn.edu</a:t>
             </a:r>
@@ -3470,7 +3603,7 @@
             <a:r>
               <a:rPr lang="en-US" sz="2000" dirty="0">
                 <a:latin typeface="Garamond" panose="02020404030301010803" pitchFamily="18" charset="0"/>
-                <a:hlinkClick r:id="rId4"/>
+                <a:hlinkClick r:id="rId8"/>
               </a:rPr>
               <a:t>sweint@seas.upenn.edu</a:t>
             </a:r>
@@ -3496,7 +3629,7 @@
           <p:cNvPr id="6" name="Picture 5">
             <a:extLst>
               <a:ext uri="{FF2B5EF4-FFF2-40B4-BE49-F238E27FC236}">
-                <a16:creationId xmlns:a16="http://schemas.microsoft.com/office/drawing/2014/main" xmlns="" id="{D7B121C7-A408-4DCD-8061-5C978599BC20}"/>
+                <a16:creationId xmlns="" xmlns:a16="http://schemas.microsoft.com/office/drawing/2014/main" id="{D7B121C7-A408-4DCD-8061-5C978599BC20}"/>
               </a:ext>
             </a:extLst>
           </p:cNvPr>
@@ -3506,7 +3639,7 @@
           <p:nvPr/>
         </p:nvPicPr>
         <p:blipFill>
-          <a:blip r:embed="rId5">
+          <a:blip r:embed="rId9">
             <a:extLst>
               <a:ext uri="{28A0092B-C50C-407E-A947-70E740481C1C}">
                 <a14:useLocalDpi xmlns:a14="http://schemas.microsoft.com/office/drawing/2010/main" val="0"/>
@@ -3532,7 +3665,7 @@
           <p:cNvPr id="7" name="Picture 6">
             <a:extLst>
               <a:ext uri="{FF2B5EF4-FFF2-40B4-BE49-F238E27FC236}">
-                <a16:creationId xmlns:a16="http://schemas.microsoft.com/office/drawing/2014/main" xmlns="" id="{7D221A5E-A9DE-4268-BCD0-6E8CAA09079D}"/>
+                <a16:creationId xmlns="" xmlns:a16="http://schemas.microsoft.com/office/drawing/2014/main" id="{7D221A5E-A9DE-4268-BCD0-6E8CAA09079D}"/>
               </a:ext>
             </a:extLst>
           </p:cNvPr>
@@ -3542,7 +3675,7 @@
           <p:nvPr/>
         </p:nvPicPr>
         <p:blipFill>
-          <a:blip r:embed="rId5">
+          <a:blip r:embed="rId9">
             <a:extLst>
               <a:ext uri="{28A0092B-C50C-407E-A947-70E740481C1C}">
                 <a14:useLocalDpi xmlns:a14="http://schemas.microsoft.com/office/drawing/2010/main" val="0"/>
@@ -3568,7 +3701,7 @@
           <p:cNvPr id="10" name="TextBox 9">
             <a:extLst>
               <a:ext uri="{FF2B5EF4-FFF2-40B4-BE49-F238E27FC236}">
-                <a16:creationId xmlns:a16="http://schemas.microsoft.com/office/drawing/2014/main" xmlns="" id="{A0CDFDE6-452A-4FD0-8498-BE0CEC8B6ACC}"/>
+                <a16:creationId xmlns="" xmlns:a16="http://schemas.microsoft.com/office/drawing/2014/main" id="{A0CDFDE6-452A-4FD0-8498-BE0CEC8B6ACC}"/>
               </a:ext>
             </a:extLst>
           </p:cNvPr>
@@ -3702,7 +3835,7 @@
           <p:cNvPr id="11" name="TextBox 10">
             <a:extLst>
               <a:ext uri="{FF2B5EF4-FFF2-40B4-BE49-F238E27FC236}">
-                <a16:creationId xmlns:a16="http://schemas.microsoft.com/office/drawing/2014/main" xmlns="" id="{0B657177-A18C-4721-9FEF-D80F98046F6C}"/>
+                <a16:creationId xmlns="" xmlns:a16="http://schemas.microsoft.com/office/drawing/2014/main" id="{0B657177-A18C-4721-9FEF-D80F98046F6C}"/>
               </a:ext>
             </a:extLst>
           </p:cNvPr>
@@ -3750,7 +3883,7 @@
           <p:cNvPr id="13" name="TextBox 12">
             <a:extLst>
               <a:ext uri="{FF2B5EF4-FFF2-40B4-BE49-F238E27FC236}">
-                <a16:creationId xmlns:a16="http://schemas.microsoft.com/office/drawing/2014/main" xmlns="" id="{350B0135-6184-4979-BB40-37C979E657FF}"/>
+                <a16:creationId xmlns="" xmlns:a16="http://schemas.microsoft.com/office/drawing/2014/main" id="{350B0135-6184-4979-BB40-37C979E657FF}"/>
               </a:ext>
             </a:extLst>
           </p:cNvPr>
@@ -3972,7 +4105,7 @@
           <p:cNvPr id="14" name="TextBox 13">
             <a:extLst>
               <a:ext uri="{FF2B5EF4-FFF2-40B4-BE49-F238E27FC236}">
-                <a16:creationId xmlns:a16="http://schemas.microsoft.com/office/drawing/2014/main" xmlns="" id="{8A29E2F6-DCC5-419F-8203-4FD2EDF588FE}"/>
+                <a16:creationId xmlns="" xmlns:a16="http://schemas.microsoft.com/office/drawing/2014/main" id="{8A29E2F6-DCC5-419F-8203-4FD2EDF588FE}"/>
               </a:ext>
             </a:extLst>
           </p:cNvPr>
@@ -4015,14 +4148,14 @@
           </a:p>
         </p:txBody>
       </p:sp>
-      <mc:AlternateContent xmlns:mc="http://schemas.openxmlformats.org/markup-compatibility/2006" xmlns:a14="http://schemas.microsoft.com/office/drawing/2010/main">
-        <mc:Choice Requires="a14">
+      <mc:AlternateContent xmlns:mc="http://schemas.openxmlformats.org/markup-compatibility/2006">
+        <mc:Choice xmlns:a14="http://schemas.microsoft.com/office/drawing/2010/main" Requires="a14">
           <p:sp>
             <p:nvSpPr>
               <p:cNvPr id="15" name="TextBox 14">
                 <a:extLst>
                   <a:ext uri="{FF2B5EF4-FFF2-40B4-BE49-F238E27FC236}">
-                    <a16:creationId xmlns:a16="http://schemas.microsoft.com/office/drawing/2014/main" xmlns="" id="{72250C3B-DB37-480D-BB9C-66854635BA3F}"/>
+                    <a16:creationId xmlns="" xmlns:a16="http://schemas.microsoft.com/office/drawing/2014/main" id="{72250C3B-DB37-480D-BB9C-66854635BA3F}"/>
                   </a:ext>
                 </a:extLst>
               </p:cNvPr>
@@ -4032,7 +4165,7 @@
             <p:spPr>
               <a:xfrm>
                 <a:off x="131031" y="9731859"/>
-                <a:ext cx="4357654" cy="8339912"/>
+                <a:ext cx="4357654" cy="6665671"/>
               </a:xfrm>
               <a:prstGeom prst="rect">
                 <a:avLst/>
@@ -4052,272 +4185,494 @@
               </a:bodyPr>
               <a:lstStyle/>
               <a:p>
-                <a:endParaRPr lang="en-US" sz="1500" dirty="0">
+                <a:endParaRPr lang="en-US" sz="1000" dirty="0">
                   <a:solidFill>
                     <a:srgbClr val="011F5B"/>
                   </a:solidFill>
+                  <a:latin typeface="Calibri" charset="0"/>
+                  <a:ea typeface="Calibri" charset="0"/>
+                  <a:cs typeface="Calibri" charset="0"/>
                 </a:endParaRPr>
               </a:p>
               <a:p>
-                <a:endParaRPr lang="en-US" sz="1500" dirty="0">
+                <a:endParaRPr lang="en-US" sz="1000" dirty="0">
                   <a:solidFill>
                     <a:srgbClr val="011F5B"/>
                   </a:solidFill>
+                  <a:latin typeface="Calibri" charset="0"/>
+                  <a:ea typeface="Calibri" charset="0"/>
+                  <a:cs typeface="Calibri" charset="0"/>
                 </a:endParaRPr>
               </a:p>
               <a:p>
                 <a:r>
-                  <a:rPr lang="en-US" sz="1500" dirty="0">
+                  <a:rPr lang="en-US" sz="1000" dirty="0">
                     <a:solidFill>
                       <a:srgbClr val="011F5B"/>
                     </a:solidFill>
+                    <a:latin typeface="Calibri" charset="0"/>
+                    <a:ea typeface="Calibri" charset="0"/>
+                    <a:cs typeface="Calibri" charset="0"/>
                   </a:rPr>
                   <a:t>Generating Training Data:</a:t>
                 </a:r>
               </a:p>
               <a:p>
                 <a:r>
-                  <a:rPr lang="en-US" sz="1500" dirty="0">
+                  <a:rPr lang="en-US" sz="1000" dirty="0">
                     <a:solidFill>
                       <a:srgbClr val="011F5B"/>
                     </a:solidFill>
+                    <a:latin typeface="Calibri" charset="0"/>
+                    <a:ea typeface="Calibri" charset="0"/>
+                    <a:cs typeface="Calibri" charset="0"/>
                   </a:rPr>
                   <a:t>After loading the data, URLs and Mentions were regularized using to Regex patterns to ‘_</a:t>
                 </a:r>
                 <a:r>
-                  <a:rPr lang="en-US" sz="1500" dirty="0" err="1">
+                  <a:rPr lang="en-US" sz="1000" dirty="0" err="1">
                     <a:solidFill>
                       <a:srgbClr val="011F5B"/>
                     </a:solidFill>
+                    <a:latin typeface="Calibri" charset="0"/>
+                    <a:ea typeface="Calibri" charset="0"/>
+                    <a:cs typeface="Calibri" charset="0"/>
                   </a:rPr>
                   <a:t>url</a:t>
                 </a:r>
                 <a:r>
-                  <a:rPr lang="en-US" sz="1500" dirty="0">
+                  <a:rPr lang="en-US" sz="1000" dirty="0">
                     <a:solidFill>
                       <a:srgbClr val="011F5B"/>
                     </a:solidFill>
+                    <a:latin typeface="Calibri" charset="0"/>
+                    <a:ea typeface="Calibri" charset="0"/>
+                    <a:cs typeface="Calibri" charset="0"/>
                   </a:rPr>
                   <a:t>_’ and ‘@’ respectively and hashtags were removed. Using a </a:t>
                 </a:r>
                 <a:r>
-                  <a:rPr lang="en-US" sz="1500" dirty="0" err="1">
+                  <a:rPr lang="en-US" sz="1000" dirty="0" err="1">
                     <a:solidFill>
                       <a:srgbClr val="011F5B"/>
                     </a:solidFill>
+                    <a:latin typeface="Calibri" charset="0"/>
+                    <a:ea typeface="Calibri" charset="0"/>
+                    <a:cs typeface="Calibri" charset="0"/>
                   </a:rPr>
                   <a:t>DictVectorizer</a:t>
                 </a:r>
                 <a:r>
-                  <a:rPr lang="en-US" sz="1500" dirty="0">
+                  <a:rPr lang="en-US" sz="1000" dirty="0">
                     <a:solidFill>
                       <a:srgbClr val="011F5B"/>
                     </a:solidFill>
+                    <a:latin typeface="Calibri" charset="0"/>
+                    <a:ea typeface="Calibri" charset="0"/>
+                    <a:cs typeface="Calibri" charset="0"/>
                   </a:rPr>
                   <a:t>, the most frequent words were identified and analyzed for links to spam. For example a top word identified was ‘airdrop’ which was associated with tweets like:</a:t>
                 </a:r>
               </a:p>
               <a:p>
-                <a:endParaRPr lang="en-US" sz="1500" dirty="0">
+                <a:endParaRPr lang="en-US" sz="1000" dirty="0">
                   <a:solidFill>
                     <a:srgbClr val="011F5B"/>
                   </a:solidFill>
+                  <a:latin typeface="Calibri" charset="0"/>
+                  <a:ea typeface="Calibri" charset="0"/>
+                  <a:cs typeface="Calibri" charset="0"/>
                 </a:endParaRPr>
               </a:p>
               <a:p>
                 <a:r>
-                  <a:rPr lang="en-US" sz="1500" dirty="0">
+                  <a:rPr lang="en-US" sz="1000" dirty="0">
                     <a:solidFill>
                       <a:srgbClr val="011F5B"/>
                     </a:solidFill>
+                    <a:latin typeface="Calibri" charset="0"/>
+                    <a:ea typeface="Calibri" charset="0"/>
+                    <a:cs typeface="Calibri" charset="0"/>
                   </a:rPr>
                   <a:t>“</a:t>
                 </a:r>
                 <a:r>
-                  <a:rPr lang="en-US" sz="1500" dirty="0" err="1">
+                  <a:rPr lang="en-US" sz="1000" dirty="0" err="1">
                     <a:solidFill>
                       <a:srgbClr val="011F5B"/>
                     </a:solidFill>
+                    <a:latin typeface="Calibri" charset="0"/>
+                    <a:ea typeface="Calibri" charset="0"/>
+                    <a:cs typeface="Calibri" charset="0"/>
                   </a:rPr>
                   <a:t>stockchain</a:t>
                 </a:r>
                 <a:r>
-                  <a:rPr lang="en-US" sz="1500" dirty="0">
+                  <a:rPr lang="en-US" sz="1000" dirty="0">
                     <a:solidFill>
                       <a:srgbClr val="011F5B"/>
                     </a:solidFill>
+                    <a:latin typeface="Calibri" charset="0"/>
+                    <a:ea typeface="Calibri" charset="0"/>
+                    <a:cs typeface="Calibri" charset="0"/>
                   </a:rPr>
                   <a:t> (</a:t>
                 </a:r>
                 <a:r>
-                  <a:rPr lang="en-US" sz="1500" dirty="0" err="1">
+                  <a:rPr lang="en-US" sz="1000" dirty="0" err="1">
                     <a:solidFill>
                       <a:srgbClr val="011F5B"/>
                     </a:solidFill>
+                    <a:latin typeface="Calibri" charset="0"/>
+                    <a:ea typeface="Calibri" charset="0"/>
+                    <a:cs typeface="Calibri" charset="0"/>
                   </a:rPr>
                   <a:t>scc</a:t>
                 </a:r>
                 <a:r>
-                  <a:rPr lang="en-US" sz="1500" dirty="0">
+                  <a:rPr lang="en-US" sz="1000" dirty="0">
                     <a:solidFill>
                       <a:srgbClr val="011F5B"/>
                     </a:solidFill>
+                    <a:latin typeface="Calibri" charset="0"/>
+                    <a:ea typeface="Calibri" charset="0"/>
+                    <a:cs typeface="Calibri" charset="0"/>
                   </a:rPr>
                   <a:t>) final airdrop 500 </a:t>
                 </a:r>
                 <a:r>
-                  <a:rPr lang="en-US" sz="1500" dirty="0" err="1">
+                  <a:rPr lang="en-US" sz="1000" dirty="0" err="1">
                     <a:solidFill>
                       <a:srgbClr val="011F5B"/>
                     </a:solidFill>
+                    <a:latin typeface="Calibri" charset="0"/>
+                    <a:ea typeface="Calibri" charset="0"/>
+                    <a:cs typeface="Calibri" charset="0"/>
                   </a:rPr>
                   <a:t>scc</a:t>
                 </a:r>
                 <a:r>
-                  <a:rPr lang="en-US" sz="1500" dirty="0">
+                  <a:rPr lang="en-US" sz="1000" dirty="0">
                     <a:solidFill>
                       <a:srgbClr val="011F5B"/>
                     </a:solidFill>
+                    <a:latin typeface="Calibri" charset="0"/>
+                    <a:ea typeface="Calibri" charset="0"/>
+                    <a:cs typeface="Calibri" charset="0"/>
                   </a:rPr>
                   <a:t> bonus don’t miss! #airdrop #</a:t>
                 </a:r>
                 <a:r>
-                  <a:rPr lang="en-US" sz="1500" dirty="0" err="1">
+                  <a:rPr lang="en-US" sz="1000" dirty="0" err="1">
                     <a:solidFill>
                       <a:srgbClr val="011F5B"/>
                     </a:solidFill>
+                    <a:latin typeface="Calibri" charset="0"/>
+                    <a:ea typeface="Calibri" charset="0"/>
+                    <a:cs typeface="Calibri" charset="0"/>
                   </a:rPr>
                   <a:t>btc</a:t>
                 </a:r>
                 <a:r>
-                  <a:rPr lang="en-US" sz="1500" dirty="0">
+                  <a:rPr lang="en-US" sz="1000" dirty="0">
                     <a:solidFill>
                       <a:srgbClr val="011F5B"/>
                     </a:solidFill>
+                    <a:latin typeface="Calibri" charset="0"/>
+                    <a:ea typeface="Calibri" charset="0"/>
+                    <a:cs typeface="Calibri" charset="0"/>
                   </a:rPr>
                   <a:t> #neo #eth #</a:t>
                 </a:r>
                 <a:r>
-                  <a:rPr lang="en-US" sz="1500" dirty="0" err="1">
+                  <a:rPr lang="en-US" sz="1000" dirty="0" err="1">
                     <a:solidFill>
                       <a:srgbClr val="011F5B"/>
                     </a:solidFill>
+                    <a:latin typeface="Calibri" charset="0"/>
+                    <a:ea typeface="Calibri" charset="0"/>
+                    <a:cs typeface="Calibri" charset="0"/>
                   </a:rPr>
                   <a:t>freetoken</a:t>
                 </a:r>
                 <a:r>
-                  <a:rPr lang="en-US" sz="1500" dirty="0">
+                  <a:rPr lang="en-US" sz="1000" dirty="0">
                     <a:solidFill>
                       <a:srgbClr val="011F5B"/>
                     </a:solidFill>
+                    <a:latin typeface="Calibri" charset="0"/>
+                    <a:ea typeface="Calibri" charset="0"/>
+                    <a:cs typeface="Calibri" charset="0"/>
                   </a:rPr>
                   <a:t> #crypto #</a:t>
                 </a:r>
                 <a:r>
-                  <a:rPr lang="en-US" sz="1500" dirty="0" err="1">
+                  <a:rPr lang="en-US" sz="1000" dirty="0" err="1">
                     <a:solidFill>
                       <a:srgbClr val="011F5B"/>
                     </a:solidFill>
+                    <a:latin typeface="Calibri" charset="0"/>
+                    <a:ea typeface="Calibri" charset="0"/>
+                    <a:cs typeface="Calibri" charset="0"/>
                   </a:rPr>
                   <a:t>xrp</a:t>
                 </a:r>
                 <a:r>
-                  <a:rPr lang="en-US" sz="1500" dirty="0">
+                  <a:rPr lang="en-US" sz="1000" dirty="0">
                     <a:solidFill>
                       <a:srgbClr val="011F5B"/>
                     </a:solidFill>
+                    <a:latin typeface="Calibri" charset="0"/>
+                    <a:ea typeface="Calibri" charset="0"/>
+                    <a:cs typeface="Calibri" charset="0"/>
                   </a:rPr>
                   <a:t> #blockchain #ripple #</a:t>
                 </a:r>
                 <a:r>
-                  <a:rPr lang="en-US" sz="1500" dirty="0" err="1">
+                  <a:rPr lang="en-US" sz="1000" dirty="0" err="1">
                     <a:solidFill>
                       <a:srgbClr val="011F5B"/>
                     </a:solidFill>
+                    <a:latin typeface="Calibri" charset="0"/>
+                    <a:ea typeface="Calibri" charset="0"/>
+                    <a:cs typeface="Calibri" charset="0"/>
                   </a:rPr>
                   <a:t>trx</a:t>
                 </a:r>
                 <a:r>
-                  <a:rPr lang="en-US" sz="1500" dirty="0">
+                  <a:rPr lang="en-US" sz="1000" dirty="0">
                     <a:solidFill>
                       <a:srgbClr val="011F5B"/>
                     </a:solidFill>
+                    <a:latin typeface="Calibri" charset="0"/>
+                    <a:ea typeface="Calibri" charset="0"/>
+                    <a:cs typeface="Calibri" charset="0"/>
                   </a:rPr>
                   <a:t>”</a:t>
                 </a:r>
               </a:p>
               <a:p>
-                <a:endParaRPr lang="en-US" sz="1500" dirty="0">
+                <a:endParaRPr lang="en-US" sz="1000" dirty="0">
                   <a:solidFill>
                     <a:srgbClr val="011F5B"/>
                   </a:solidFill>
+                  <a:latin typeface="Calibri" charset="0"/>
+                  <a:ea typeface="Calibri" charset="0"/>
+                  <a:cs typeface="Calibri" charset="0"/>
                 </a:endParaRPr>
               </a:p>
               <a:p>
                 <a:r>
-                  <a:rPr lang="en-US" sz="1500" dirty="0">
+                  <a:rPr lang="en-US" sz="1000" dirty="0">
                     <a:solidFill>
                       <a:srgbClr val="011F5B"/>
                     </a:solidFill>
+                    <a:latin typeface="Calibri" charset="0"/>
+                    <a:ea typeface="Calibri" charset="0"/>
+                    <a:cs typeface="Calibri" charset="0"/>
                   </a:rPr>
                   <a:t>From this analysis we labeled any tweet containing:</a:t>
                 </a:r>
               </a:p>
               <a:p>
-                <a:endParaRPr lang="en-US" sz="1500" dirty="0">
+                <a:endParaRPr lang="en-US" sz="1000" dirty="0">
                   <a:solidFill>
                     <a:srgbClr val="011F5B"/>
                   </a:solidFill>
+                  <a:latin typeface="Calibri" charset="0"/>
+                  <a:ea typeface="Calibri" charset="0"/>
+                  <a:cs typeface="Calibri" charset="0"/>
                 </a:endParaRPr>
               </a:p>
               <a:p>
-                <a:endParaRPr lang="en-US" sz="1500" dirty="0">
+                <a:endParaRPr lang="en-US" sz="1000" dirty="0">
                   <a:solidFill>
                     <a:srgbClr val="011F5B"/>
                   </a:solidFill>
+                  <a:latin typeface="Calibri" charset="0"/>
+                  <a:ea typeface="Calibri" charset="0"/>
+                  <a:cs typeface="Calibri" charset="0"/>
                 </a:endParaRPr>
               </a:p>
               <a:p>
-                <a:endParaRPr lang="en-US" sz="1500" dirty="0">
+                <a:endParaRPr lang="en-US" sz="1000" dirty="0">
                   <a:solidFill>
                     <a:srgbClr val="011F5B"/>
                   </a:solidFill>
+                  <a:latin typeface="Calibri" charset="0"/>
+                  <a:ea typeface="Calibri" charset="0"/>
+                  <a:cs typeface="Calibri" charset="0"/>
                 </a:endParaRPr>
               </a:p>
               <a:p>
-                <a:endParaRPr lang="en-US" sz="1500" dirty="0">
+                <a:endParaRPr lang="en-US" sz="1000" dirty="0" smtClean="0">
                   <a:solidFill>
                     <a:srgbClr val="011F5B"/>
                   </a:solidFill>
+                  <a:latin typeface="Calibri" charset="0"/>
+                  <a:ea typeface="Calibri" charset="0"/>
+                  <a:cs typeface="Calibri" charset="0"/>
                 </a:endParaRPr>
               </a:p>
               <a:p>
-                <a:endParaRPr lang="en-US" sz="1500" dirty="0">
+                <a:endParaRPr lang="en-US" sz="1000" dirty="0">
                   <a:solidFill>
                     <a:srgbClr val="011F5B"/>
                   </a:solidFill>
+                  <a:latin typeface="Calibri" charset="0"/>
+                  <a:ea typeface="Calibri" charset="0"/>
+                  <a:cs typeface="Calibri" charset="0"/>
                 </a:endParaRPr>
               </a:p>
               <a:p>
-                <a:endParaRPr lang="en-US" sz="1500" dirty="0">
+                <a:endParaRPr lang="en-US" sz="1000" dirty="0" smtClean="0">
                   <a:solidFill>
                     <a:srgbClr val="011F5B"/>
                   </a:solidFill>
+                  <a:latin typeface="Calibri" charset="0"/>
+                  <a:ea typeface="Calibri" charset="0"/>
+                  <a:cs typeface="Calibri" charset="0"/>
                 </a:endParaRPr>
               </a:p>
               <a:p>
-                <a:endParaRPr lang="en-US" sz="1500" dirty="0">
+                <a:endParaRPr lang="en-US" sz="1000" dirty="0">
                   <a:solidFill>
                     <a:srgbClr val="011F5B"/>
                   </a:solidFill>
+                  <a:latin typeface="Calibri" charset="0"/>
+                  <a:ea typeface="Calibri" charset="0"/>
+                  <a:cs typeface="Calibri" charset="0"/>
+                </a:endParaRPr>
+              </a:p>
+              <a:p>
+                <a:endParaRPr lang="en-US" sz="1000" dirty="0" smtClean="0">
+                  <a:solidFill>
+                    <a:srgbClr val="011F5B"/>
+                  </a:solidFill>
+                  <a:latin typeface="Calibri" charset="0"/>
+                  <a:ea typeface="Calibri" charset="0"/>
+                  <a:cs typeface="Calibri" charset="0"/>
+                </a:endParaRPr>
+              </a:p>
+              <a:p>
+                <a:endParaRPr lang="en-US" sz="1000" dirty="0">
+                  <a:solidFill>
+                    <a:srgbClr val="011F5B"/>
+                  </a:solidFill>
+                  <a:latin typeface="Calibri" charset="0"/>
+                  <a:ea typeface="Calibri" charset="0"/>
+                  <a:cs typeface="Calibri" charset="0"/>
+                </a:endParaRPr>
+              </a:p>
+              <a:p>
+                <a:endParaRPr lang="en-US" sz="1000" dirty="0" smtClean="0">
+                  <a:solidFill>
+                    <a:srgbClr val="011F5B"/>
+                  </a:solidFill>
+                  <a:latin typeface="Calibri" charset="0"/>
+                  <a:ea typeface="Calibri" charset="0"/>
+                  <a:cs typeface="Calibri" charset="0"/>
+                </a:endParaRPr>
+              </a:p>
+              <a:p>
+                <a:endParaRPr lang="en-US" sz="1000" dirty="0">
+                  <a:solidFill>
+                    <a:srgbClr val="011F5B"/>
+                  </a:solidFill>
+                  <a:latin typeface="Calibri" charset="0"/>
+                  <a:ea typeface="Calibri" charset="0"/>
+                  <a:cs typeface="Calibri" charset="0"/>
+                </a:endParaRPr>
+              </a:p>
+              <a:p>
+                <a:endParaRPr lang="en-US" sz="1000" dirty="0" smtClean="0">
+                  <a:solidFill>
+                    <a:srgbClr val="011F5B"/>
+                  </a:solidFill>
+                  <a:latin typeface="Calibri" charset="0"/>
+                  <a:ea typeface="Calibri" charset="0"/>
+                  <a:cs typeface="Calibri" charset="0"/>
+                </a:endParaRPr>
+              </a:p>
+              <a:p>
+                <a:endParaRPr lang="en-US" sz="1000" dirty="0">
+                  <a:solidFill>
+                    <a:srgbClr val="011F5B"/>
+                  </a:solidFill>
+                  <a:latin typeface="Calibri" charset="0"/>
+                  <a:ea typeface="Calibri" charset="0"/>
+                  <a:cs typeface="Calibri" charset="0"/>
+                </a:endParaRPr>
+              </a:p>
+              <a:p>
+                <a:endParaRPr lang="en-US" sz="1000" dirty="0" smtClean="0">
+                  <a:solidFill>
+                    <a:srgbClr val="011F5B"/>
+                  </a:solidFill>
+                  <a:latin typeface="Calibri" charset="0"/>
+                  <a:ea typeface="Calibri" charset="0"/>
+                  <a:cs typeface="Calibri" charset="0"/>
+                </a:endParaRPr>
+              </a:p>
+              <a:p>
+                <a:endParaRPr lang="en-US" sz="1000" dirty="0">
+                  <a:solidFill>
+                    <a:srgbClr val="011F5B"/>
+                  </a:solidFill>
+                  <a:latin typeface="Calibri" charset="0"/>
+                  <a:ea typeface="Calibri" charset="0"/>
+                  <a:cs typeface="Calibri" charset="0"/>
+                </a:endParaRPr>
+              </a:p>
+              <a:p>
+                <a:endParaRPr lang="en-US" sz="1000" dirty="0">
+                  <a:solidFill>
+                    <a:srgbClr val="011F5B"/>
+                  </a:solidFill>
+                  <a:latin typeface="Calibri" charset="0"/>
+                  <a:ea typeface="Calibri" charset="0"/>
+                  <a:cs typeface="Calibri" charset="0"/>
+                </a:endParaRPr>
+              </a:p>
+              <a:p>
+                <a:endParaRPr lang="en-US" sz="1000" dirty="0">
+                  <a:solidFill>
+                    <a:srgbClr val="011F5B"/>
+                  </a:solidFill>
+                  <a:latin typeface="Calibri" charset="0"/>
+                  <a:ea typeface="Calibri" charset="0"/>
+                  <a:cs typeface="Calibri" charset="0"/>
+                </a:endParaRPr>
+              </a:p>
+              <a:p>
+                <a:endParaRPr lang="en-US" sz="1000" dirty="0">
+                  <a:solidFill>
+                    <a:srgbClr val="011F5B"/>
+                  </a:solidFill>
+                  <a:latin typeface="Calibri" charset="0"/>
+                  <a:ea typeface="Calibri" charset="0"/>
+                  <a:cs typeface="Calibri" charset="0"/>
+                </a:endParaRPr>
+              </a:p>
+              <a:p>
+                <a:endParaRPr lang="en-US" sz="1000" dirty="0">
+                  <a:solidFill>
+                    <a:srgbClr val="011F5B"/>
+                  </a:solidFill>
+                  <a:latin typeface="Calibri" charset="0"/>
+                  <a:ea typeface="Calibri" charset="0"/>
+                  <a:cs typeface="Calibri" charset="0"/>
                 </a:endParaRPr>
               </a:p>
               <a:p>
                 <a:r>
-                  <a:rPr lang="en-US" sz="1500" dirty="0">
+                  <a:rPr lang="en-US" sz="1000" dirty="0">
                     <a:solidFill>
                       <a:srgbClr val="011F5B"/>
                     </a:solidFill>
+                    <a:latin typeface="Calibri" charset="0"/>
+                    <a:ea typeface="Calibri" charset="0"/>
+                    <a:cs typeface="Calibri" charset="0"/>
                   </a:rPr>
                   <a:t>For spam classification a Naïve-Bayes filter was applied. A Naïve-Bayes classifier generates predictions according to:</a:t>
                 </a:r>
@@ -4334,43 +4689,51 @@
                         <m:accPr>
                           <m:chr m:val="̂"/>
                           <m:ctrlPr>
-                            <a:rPr lang="en-US" sz="1500" i="1" smtClean="0">
+                            <a:rPr lang="en-US" sz="1000" i="1" smtClean="0">
                               <a:solidFill>
                                 <a:srgbClr val="011F5B"/>
                               </a:solidFill>
-                              <a:latin typeface="Cambria Math" charset="0"/>
+                              <a:latin typeface="Calibri" charset="0"/>
+                              <a:ea typeface="Calibri" charset="0"/>
+                              <a:cs typeface="Calibri" charset="0"/>
                             </a:rPr>
                           </m:ctrlPr>
                         </m:accPr>
                         <m:e>
                           <m:r>
-                            <a:rPr lang="en-US" sz="1500" b="0" i="1" smtClean="0">
+                            <a:rPr lang="en-US" sz="1000" b="0" i="1" smtClean="0">
                               <a:solidFill>
                                 <a:srgbClr val="011F5B"/>
                               </a:solidFill>
-                              <a:latin typeface="Cambria Math" panose="02040503050406030204" pitchFamily="18" charset="0"/>
+                              <a:latin typeface="Calibri" charset="0"/>
+                              <a:ea typeface="Calibri" charset="0"/>
+                              <a:cs typeface="Calibri" charset="0"/>
                             </a:rPr>
                             <m:t>𝑦</m:t>
                           </m:r>
                         </m:e>
                       </m:acc>
                       <m:r>
-                        <a:rPr lang="en-US" sz="1500" b="0" i="1" smtClean="0">
+                        <a:rPr lang="en-US" sz="1000" b="0" i="1" smtClean="0">
                           <a:solidFill>
                             <a:srgbClr val="011F5B"/>
                           </a:solidFill>
-                          <a:latin typeface="Cambria Math" panose="02040503050406030204" pitchFamily="18" charset="0"/>
+                          <a:latin typeface="Calibri" charset="0"/>
+                          <a:ea typeface="Calibri" charset="0"/>
+                          <a:cs typeface="Calibri" charset="0"/>
                         </a:rPr>
                         <m:t>=</m:t>
                       </m:r>
                       <m:func>
                         <m:funcPr>
                           <m:ctrlPr>
-                            <a:rPr lang="en-US" sz="1500" b="0" i="1" smtClean="0">
+                            <a:rPr lang="en-US" sz="1000" b="0" i="1" smtClean="0">
                               <a:solidFill>
                                 <a:srgbClr val="011F5B"/>
                               </a:solidFill>
-                              <a:latin typeface="Cambria Math" charset="0"/>
+                              <a:latin typeface="Calibri" charset="0"/>
+                              <a:ea typeface="Calibri" charset="0"/>
+                              <a:cs typeface="Calibri" charset="0"/>
                             </a:rPr>
                           </m:ctrlPr>
                         </m:funcPr>
@@ -4378,11 +4741,13 @@
                           <m:limLow>
                             <m:limLowPr>
                               <m:ctrlPr>
-                                <a:rPr lang="en-US" sz="1500" b="0" i="1" smtClean="0">
+                                <a:rPr lang="en-US" sz="1000" b="0" i="1" smtClean="0">
                                   <a:solidFill>
                                     <a:srgbClr val="011F5B"/>
                                   </a:solidFill>
-                                  <a:latin typeface="Cambria Math" charset="0"/>
+                                  <a:latin typeface="Calibri" charset="0"/>
+                                  <a:ea typeface="Calibri" charset="0"/>
+                                  <a:cs typeface="Calibri" charset="0"/>
                                 </a:rPr>
                               </m:ctrlPr>
                             </m:limLowPr>
@@ -4391,31 +4756,37 @@
                                 <m:rPr>
                                   <m:sty m:val="p"/>
                                 </m:rPr>
-                                <a:rPr lang="en-US" sz="1500" b="0" i="0" smtClean="0">
+                                <a:rPr lang="en-US" sz="1000" b="0" i="0" smtClean="0">
                                   <a:solidFill>
                                     <a:srgbClr val="011F5B"/>
                                   </a:solidFill>
-                                  <a:latin typeface="Cambria Math" panose="02040503050406030204" pitchFamily="18" charset="0"/>
+                                  <a:latin typeface="Calibri" charset="0"/>
+                                  <a:ea typeface="Calibri" charset="0"/>
+                                  <a:cs typeface="Calibri" charset="0"/>
                                 </a:rPr>
                                 <m:t>max</m:t>
                               </m:r>
                             </m:e>
                             <m:lim>
                               <m:r>
-                                <a:rPr lang="en-US" sz="1500" b="0" i="1" smtClean="0">
+                                <a:rPr lang="en-US" sz="1000" b="0" i="1" smtClean="0">
                                   <a:solidFill>
                                     <a:srgbClr val="011F5B"/>
                                   </a:solidFill>
-                                  <a:latin typeface="Cambria Math" panose="02040503050406030204" pitchFamily="18" charset="0"/>
+                                  <a:latin typeface="Calibri" charset="0"/>
+                                  <a:ea typeface="Calibri" charset="0"/>
+                                  <a:cs typeface="Calibri" charset="0"/>
                                 </a:rPr>
                                 <m:t>𝑘</m:t>
                               </m:r>
                               <m:r>
-                                <a:rPr lang="en-US" sz="1500" b="0" i="1" smtClean="0">
+                                <a:rPr lang="en-US" sz="1000" b="0" i="1" smtClean="0">
                                   <a:solidFill>
                                     <a:srgbClr val="011F5B"/>
                                   </a:solidFill>
-                                  <a:latin typeface="Cambria Math" panose="02040503050406030204" pitchFamily="18" charset="0"/>
+                                  <a:latin typeface="Calibri" charset="0"/>
+                                  <a:ea typeface="Calibri" charset="0"/>
+                                  <a:cs typeface="Calibri" charset="0"/>
                                 </a:rPr>
                                 <m:t> ∈0,1</m:t>
                               </m:r>
@@ -4424,22 +4795,26 @@
                         </m:fName>
                         <m:e>
                           <m:r>
-                            <a:rPr lang="en-US" sz="1500" b="0" i="1" smtClean="0">
+                            <a:rPr lang="en-US" sz="1000" b="0" i="1" smtClean="0">
                               <a:solidFill>
                                 <a:srgbClr val="011F5B"/>
                               </a:solidFill>
-                              <a:latin typeface="Cambria Math" panose="02040503050406030204" pitchFamily="18" charset="0"/>
+                              <a:latin typeface="Calibri" charset="0"/>
+                              <a:ea typeface="Calibri" charset="0"/>
+                              <a:cs typeface="Calibri" charset="0"/>
                             </a:rPr>
                             <m:t>𝑝</m:t>
                           </m:r>
                           <m:d>
                             <m:dPr>
                               <m:ctrlPr>
-                                <a:rPr lang="en-US" sz="1500" b="0" i="1" smtClean="0">
+                                <a:rPr lang="en-US" sz="1000" b="0" i="1" smtClean="0">
                                   <a:solidFill>
                                     <a:srgbClr val="011F5B"/>
                                   </a:solidFill>
-                                  <a:latin typeface="Cambria Math" charset="0"/>
+                                  <a:latin typeface="Calibri" charset="0"/>
+                                  <a:ea typeface="Calibri" charset="0"/>
+                                  <a:cs typeface="Calibri" charset="0"/>
                                 </a:rPr>
                               </m:ctrlPr>
                             </m:dPr>
@@ -4447,32 +4822,38 @@
                               <m:sSub>
                                 <m:sSubPr>
                                   <m:ctrlPr>
-                                    <a:rPr lang="en-US" sz="1500" b="0" i="1" smtClean="0">
+                                    <a:rPr lang="en-US" sz="1000" b="0" i="1" smtClean="0">
                                       <a:solidFill>
                                         <a:srgbClr val="011F5B"/>
                                       </a:solidFill>
-                                      <a:latin typeface="Cambria Math" charset="0"/>
+                                      <a:latin typeface="Calibri" charset="0"/>
+                                      <a:ea typeface="Calibri" charset="0"/>
+                                      <a:cs typeface="Calibri" charset="0"/>
                                     </a:rPr>
                                   </m:ctrlPr>
                                 </m:sSubPr>
                                 <m:e>
                                   <m:r>
-                                    <a:rPr lang="en-US" sz="1500" b="0" i="1" smtClean="0">
+                                    <a:rPr lang="en-US" sz="1000" b="0" i="1" smtClean="0">
                                       <a:solidFill>
                                         <a:srgbClr val="011F5B"/>
                                       </a:solidFill>
-                                      <a:latin typeface="Cambria Math" panose="02040503050406030204" pitchFamily="18" charset="0"/>
+                                      <a:latin typeface="Calibri" charset="0"/>
+                                      <a:ea typeface="Calibri" charset="0"/>
+                                      <a:cs typeface="Calibri" charset="0"/>
                                     </a:rPr>
                                     <m:t>𝑦</m:t>
                                   </m:r>
                                 </m:e>
                                 <m:sub>
                                   <m:r>
-                                    <a:rPr lang="en-US" sz="1500" b="0" i="1" smtClean="0">
+                                    <a:rPr lang="en-US" sz="1000" b="0" i="1" smtClean="0">
                                       <a:solidFill>
                                         <a:srgbClr val="011F5B"/>
                                       </a:solidFill>
-                                      <a:latin typeface="Cambria Math" panose="02040503050406030204" pitchFamily="18" charset="0"/>
+                                      <a:latin typeface="Calibri" charset="0"/>
+                                      <a:ea typeface="Calibri" charset="0"/>
+                                      <a:cs typeface="Calibri" charset="0"/>
                                     </a:rPr>
                                     <m:t>𝑘</m:t>
                                   </m:r>
@@ -4484,11 +4865,13 @@
                             <m:naryPr>
                               <m:chr m:val="∏"/>
                               <m:ctrlPr>
-                                <a:rPr lang="en-US" sz="1500" b="0" i="1" smtClean="0">
+                                <a:rPr lang="en-US" sz="1000" b="0" i="1" smtClean="0">
                                   <a:solidFill>
                                     <a:srgbClr val="011F5B"/>
                                   </a:solidFill>
-                                  <a:latin typeface="Cambria Math" charset="0"/>
+                                  <a:latin typeface="Calibri" charset="0"/>
+                                  <a:ea typeface="Calibri" charset="0"/>
+                                  <a:cs typeface="Calibri" charset="0"/>
                                 </a:rPr>
                               </m:ctrlPr>
                             </m:naryPr>
@@ -4497,53 +4880,63 @@
                                 <m:rPr>
                                   <m:brk m:alnAt="23"/>
                                 </m:rPr>
-                                <a:rPr lang="en-US" sz="1500" b="0" i="1" smtClean="0">
+                                <a:rPr lang="en-US" sz="1000" b="0" i="1" smtClean="0">
                                   <a:solidFill>
                                     <a:srgbClr val="011F5B"/>
                                   </a:solidFill>
-                                  <a:latin typeface="Cambria Math" panose="02040503050406030204" pitchFamily="18" charset="0"/>
+                                  <a:latin typeface="Calibri" charset="0"/>
+                                  <a:ea typeface="Calibri" charset="0"/>
+                                  <a:cs typeface="Calibri" charset="0"/>
                                 </a:rPr>
                                 <m:t>𝑖</m:t>
                               </m:r>
                               <m:r>
-                                <a:rPr lang="en-US" sz="1500" b="0" i="1" smtClean="0">
+                                <a:rPr lang="en-US" sz="1000" b="0" i="1" smtClean="0">
                                   <a:solidFill>
                                     <a:srgbClr val="011F5B"/>
                                   </a:solidFill>
-                                  <a:latin typeface="Cambria Math" panose="02040503050406030204" pitchFamily="18" charset="0"/>
+                                  <a:latin typeface="Calibri" charset="0"/>
+                                  <a:ea typeface="Calibri" charset="0"/>
+                                  <a:cs typeface="Calibri" charset="0"/>
                                 </a:rPr>
                                 <m:t>=1</m:t>
                               </m:r>
                             </m:sub>
                             <m:sup>
                               <m:r>
-                                <a:rPr lang="en-US" sz="1500" b="0" i="1" smtClean="0">
+                                <a:rPr lang="en-US" sz="1000" b="0" i="1" smtClean="0">
                                   <a:solidFill>
                                     <a:srgbClr val="011F5B"/>
                                   </a:solidFill>
-                                  <a:latin typeface="Cambria Math" panose="02040503050406030204" pitchFamily="18" charset="0"/>
+                                  <a:latin typeface="Calibri" charset="0"/>
+                                  <a:ea typeface="Calibri" charset="0"/>
+                                  <a:cs typeface="Calibri" charset="0"/>
                                 </a:rPr>
                                 <m:t>𝑛</m:t>
                               </m:r>
                             </m:sup>
                             <m:e>
                               <m:r>
-                                <a:rPr lang="en-US" sz="1500" b="0" i="1" smtClean="0">
+                                <a:rPr lang="en-US" sz="1000" b="0" i="1" smtClean="0">
                                   <a:solidFill>
                                     <a:srgbClr val="011F5B"/>
                                   </a:solidFill>
-                                  <a:latin typeface="Cambria Math" panose="02040503050406030204" pitchFamily="18" charset="0"/>
+                                  <a:latin typeface="Calibri" charset="0"/>
+                                  <a:ea typeface="Calibri" charset="0"/>
+                                  <a:cs typeface="Calibri" charset="0"/>
                                 </a:rPr>
                                 <m:t>𝑝</m:t>
                               </m:r>
                               <m:d>
                                 <m:dPr>
                                   <m:ctrlPr>
-                                    <a:rPr lang="en-US" sz="1500" b="0" i="1" smtClean="0">
+                                    <a:rPr lang="en-US" sz="1000" b="0" i="1" smtClean="0">
                                       <a:solidFill>
                                         <a:srgbClr val="011F5B"/>
                                       </a:solidFill>
-                                      <a:latin typeface="Cambria Math" charset="0"/>
+                                      <a:latin typeface="Calibri" charset="0"/>
+                                      <a:ea typeface="Calibri" charset="0"/>
+                                      <a:cs typeface="Calibri" charset="0"/>
                                     </a:rPr>
                                   </m:ctrlPr>
                                 </m:dPr>
@@ -4551,32 +4944,38 @@
                                   <m:sSub>
                                     <m:sSubPr>
                                       <m:ctrlPr>
-                                        <a:rPr lang="en-US" sz="1500" b="0" i="1" smtClean="0">
+                                        <a:rPr lang="en-US" sz="1000" b="0" i="1" smtClean="0">
                                           <a:solidFill>
                                             <a:srgbClr val="011F5B"/>
                                           </a:solidFill>
-                                          <a:latin typeface="Cambria Math" charset="0"/>
+                                          <a:latin typeface="Calibri" charset="0"/>
+                                          <a:ea typeface="Calibri" charset="0"/>
+                                          <a:cs typeface="Calibri" charset="0"/>
                                         </a:rPr>
                                       </m:ctrlPr>
                                     </m:sSubPr>
                                     <m:e>
                                       <m:r>
-                                        <a:rPr lang="en-US" sz="1500" b="0" i="1" smtClean="0">
+                                        <a:rPr lang="en-US" sz="1000" b="0" i="1" smtClean="0">
                                           <a:solidFill>
                                             <a:srgbClr val="011F5B"/>
                                           </a:solidFill>
-                                          <a:latin typeface="Cambria Math" panose="02040503050406030204" pitchFamily="18" charset="0"/>
+                                          <a:latin typeface="Calibri" charset="0"/>
+                                          <a:ea typeface="Calibri" charset="0"/>
+                                          <a:cs typeface="Calibri" charset="0"/>
                                         </a:rPr>
                                         <m:t>𝑥</m:t>
                                       </m:r>
                                     </m:e>
                                     <m:sub>
                                       <m:r>
-                                        <a:rPr lang="en-US" sz="1500" b="0" i="1" smtClean="0">
+                                        <a:rPr lang="en-US" sz="1000" b="0" i="1" smtClean="0">
                                           <a:solidFill>
                                             <a:srgbClr val="011F5B"/>
                                           </a:solidFill>
-                                          <a:latin typeface="Cambria Math" panose="02040503050406030204" pitchFamily="18" charset="0"/>
+                                          <a:latin typeface="Calibri" charset="0"/>
+                                          <a:ea typeface="Calibri" charset="0"/>
+                                          <a:cs typeface="Calibri" charset="0"/>
                                         </a:rPr>
                                         <m:t>𝑖</m:t>
                                       </m:r>
@@ -4587,32 +4986,38 @@
                                   <m:sSub>
                                     <m:sSubPr>
                                       <m:ctrlPr>
-                                        <a:rPr lang="en-US" sz="1500" b="0" i="1" smtClean="0">
+                                        <a:rPr lang="en-US" sz="1000" b="0" i="1" smtClean="0">
                                           <a:solidFill>
                                             <a:srgbClr val="011F5B"/>
                                           </a:solidFill>
-                                          <a:latin typeface="Cambria Math" charset="0"/>
+                                          <a:latin typeface="Calibri" charset="0"/>
+                                          <a:ea typeface="Calibri" charset="0"/>
+                                          <a:cs typeface="Calibri" charset="0"/>
                                         </a:rPr>
                                       </m:ctrlPr>
                                     </m:sSubPr>
                                     <m:e>
                                       <m:r>
-                                        <a:rPr lang="en-US" sz="1500" b="0" i="1" smtClean="0">
+                                        <a:rPr lang="en-US" sz="1000" b="0" i="1" smtClean="0">
                                           <a:solidFill>
                                             <a:srgbClr val="011F5B"/>
                                           </a:solidFill>
-                                          <a:latin typeface="Cambria Math" panose="02040503050406030204" pitchFamily="18" charset="0"/>
+                                          <a:latin typeface="Calibri" charset="0"/>
+                                          <a:ea typeface="Calibri" charset="0"/>
+                                          <a:cs typeface="Calibri" charset="0"/>
                                         </a:rPr>
                                         <m:t>𝑦</m:t>
                                       </m:r>
                                     </m:e>
                                     <m:sub>
                                       <m:r>
-                                        <a:rPr lang="en-US" sz="1500" b="0" i="1" smtClean="0">
+                                        <a:rPr lang="en-US" sz="1000" b="0" i="1" smtClean="0">
                                           <a:solidFill>
                                             <a:srgbClr val="011F5B"/>
                                           </a:solidFill>
-                                          <a:latin typeface="Cambria Math" panose="02040503050406030204" pitchFamily="18" charset="0"/>
+                                          <a:latin typeface="Calibri" charset="0"/>
+                                          <a:ea typeface="Calibri" charset="0"/>
+                                          <a:cs typeface="Calibri" charset="0"/>
                                         </a:rPr>
                                         <m:t>𝑘</m:t>
                                       </m:r>
@@ -4627,35 +5032,47 @@
                     </m:oMath>
                   </m:oMathPara>
                 </a14:m>
-                <a:endParaRPr lang="en-US" sz="1500" dirty="0">
+                <a:endParaRPr lang="en-US" sz="1000" dirty="0">
                   <a:solidFill>
                     <a:srgbClr val="011F5B"/>
                   </a:solidFill>
+                  <a:latin typeface="Calibri" charset="0"/>
+                  <a:ea typeface="Calibri" charset="0"/>
+                  <a:cs typeface="Calibri" charset="0"/>
                 </a:endParaRPr>
               </a:p>
               <a:p>
                 <a:r>
-                  <a:rPr lang="en-US" sz="1500" dirty="0">
+                  <a:rPr lang="en-US" sz="1000" dirty="0">
                     <a:solidFill>
                       <a:srgbClr val="011F5B"/>
                     </a:solidFill>
+                    <a:latin typeface="Calibri" charset="0"/>
+                    <a:ea typeface="Calibri" charset="0"/>
+                    <a:cs typeface="Calibri" charset="0"/>
                   </a:rPr>
                   <a:t>We only used data from our Top30 sources as positive examples and spam as negative. We held out 20% of the group for testing and were able to achieve 99.5% training accuracy and 98.4% testing accuracy. </a:t>
                 </a:r>
               </a:p>
               <a:p>
-                <a:endParaRPr lang="en-US" sz="1500" dirty="0">
+                <a:endParaRPr lang="en-US" sz="1000" dirty="0">
                   <a:solidFill>
                     <a:srgbClr val="011F5B"/>
                   </a:solidFill>
+                  <a:latin typeface="Calibri" charset="0"/>
+                  <a:ea typeface="Calibri" charset="0"/>
+                  <a:cs typeface="Calibri" charset="0"/>
                 </a:endParaRPr>
               </a:p>
               <a:p>
                 <a:r>
-                  <a:rPr lang="en-US" sz="1500" dirty="0">
+                  <a:rPr lang="en-US" sz="1000" dirty="0">
                     <a:solidFill>
                       <a:srgbClr val="011F5B"/>
                     </a:solidFill>
+                    <a:latin typeface="Calibri" charset="0"/>
+                    <a:ea typeface="Calibri" charset="0"/>
+                    <a:cs typeface="Calibri" charset="0"/>
                   </a:rPr>
                   <a:t>Once the model was trained, we applied it to the general set of 80k tweets and increased the threshold </a:t>
                 </a:r>
@@ -4663,13 +5080,13 @@
             </p:txBody>
           </p:sp>
         </mc:Choice>
-        <mc:Fallback xmlns="">
+        <mc:Fallback>
           <p:sp>
             <p:nvSpPr>
               <p:cNvPr id="15" name="TextBox 14">
                 <a:extLst>
                   <a:ext uri="{FF2B5EF4-FFF2-40B4-BE49-F238E27FC236}">
-                    <a16:creationId xmlns:a16="http://schemas.microsoft.com/office/drawing/2014/main" id="{72250C3B-DB37-480D-BB9C-66854635BA3F}"/>
+                    <a16:creationId xmlns="" xmlns:a16="http://schemas.microsoft.com/office/drawing/2014/main" xmlns:a14="http://schemas.microsoft.com/office/drawing/2010/main" id="{72250C3B-DB37-480D-BB9C-66854635BA3F}"/>
                   </a:ext>
                 </a:extLst>
               </p:cNvPr>
@@ -4681,15 +5098,15 @@
             <p:spPr>
               <a:xfrm>
                 <a:off x="131031" y="9731859"/>
-                <a:ext cx="4357654" cy="8339912"/>
+                <a:ext cx="4357654" cy="6665671"/>
               </a:xfrm>
               <a:prstGeom prst="rect">
                 <a:avLst/>
               </a:prstGeom>
-              <a:blipFill>
-                <a:blip r:embed="rId6"/>
+              <a:blipFill rotWithShape="0">
+                <a:blip r:embed="rId10"/>
                 <a:stretch>
-                  <a:fillRect l="-418" r="-976"/>
+                  <a:fillRect/>
                 </a:stretch>
               </a:blipFill>
               <a:ln>
@@ -4718,7 +5135,7 @@
           <p:cNvPr id="16" name="TextBox 15">
             <a:extLst>
               <a:ext uri="{FF2B5EF4-FFF2-40B4-BE49-F238E27FC236}">
-                <a16:creationId xmlns:a16="http://schemas.microsoft.com/office/drawing/2014/main" xmlns="" id="{0DAD262F-8D38-404E-9AFD-3722DE8FBBF0}"/>
+                <a16:creationId xmlns="" xmlns:a16="http://schemas.microsoft.com/office/drawing/2014/main" id="{0DAD262F-8D38-404E-9AFD-3722DE8FBBF0}"/>
               </a:ext>
             </a:extLst>
           </p:cNvPr>
@@ -4766,7 +5183,7 @@
           <p:cNvPr id="18" name="TextBox 17">
             <a:extLst>
               <a:ext uri="{FF2B5EF4-FFF2-40B4-BE49-F238E27FC236}">
-                <a16:creationId xmlns:a16="http://schemas.microsoft.com/office/drawing/2014/main" xmlns="" id="{4551F3FF-1DC6-4312-B013-B3DAF7C19194}"/>
+                <a16:creationId xmlns="" xmlns:a16="http://schemas.microsoft.com/office/drawing/2014/main" id="{4551F3FF-1DC6-4312-B013-B3DAF7C19194}"/>
               </a:ext>
             </a:extLst>
           </p:cNvPr>
@@ -4775,8 +5192,8 @@
         </p:nvSpPr>
         <p:spPr>
           <a:xfrm>
-            <a:off x="4679173" y="10407698"/>
-            <a:ext cx="4357654" cy="4401205"/>
+            <a:off x="4686366" y="6247051"/>
+            <a:ext cx="4357654" cy="4555093"/>
           </a:xfrm>
           <a:prstGeom prst="rect">
             <a:avLst/>
@@ -4910,15 +5327,7 @@
                   <a:srgbClr val="011F5B"/>
                 </a:solidFill>
               </a:rPr>
-              <a:t>Temporal relations in the dataset were also considered. One surprising result shows that delaying the hour in which price change is measured from when the tweet data is collected can actually improve classifier accuracy. This indicates that the market may have a delay </a:t>
-            </a:r>
-            <a:r>
-              <a:rPr lang="en-US" sz="1000" dirty="0" smtClean="0">
-                <a:solidFill>
-                  <a:srgbClr val="011F5B"/>
-                </a:solidFill>
-              </a:rPr>
-              <a:t>in price response to twitter activity.</a:t>
+              <a:t>Temporal relations in the dataset were also considered. One surprising result shows that delaying the hour in which price change is measured from when the tweet data is collected can actually improve classifier accuracy. This indicates that the market may have a delay in price response to twitter activity.</a:t>
             </a:r>
             <a:endParaRPr lang="en-US" sz="1000" dirty="0">
               <a:solidFill>
@@ -4948,7 +5357,21 @@
             </a:endParaRPr>
           </a:p>
           <a:p>
-            <a:endParaRPr lang="en-US" sz="1000" dirty="0" smtClean="0">
+            <a:endParaRPr lang="en-US" sz="1000" dirty="0">
+              <a:solidFill>
+                <a:srgbClr val="011F5B"/>
+              </a:solidFill>
+            </a:endParaRPr>
+          </a:p>
+          <a:p>
+            <a:endParaRPr lang="en-US" sz="1000" dirty="0">
+              <a:solidFill>
+                <a:srgbClr val="011F5B"/>
+              </a:solidFill>
+            </a:endParaRPr>
+          </a:p>
+          <a:p>
+            <a:endParaRPr lang="en-US" sz="1000" dirty="0">
               <a:solidFill>
                 <a:srgbClr val="011F5B"/>
               </a:solidFill>
@@ -4975,7 +5398,7 @@
           <p:cNvPr id="19" name="TextBox 18">
             <a:extLst>
               <a:ext uri="{FF2B5EF4-FFF2-40B4-BE49-F238E27FC236}">
-                <a16:creationId xmlns:a16="http://schemas.microsoft.com/office/drawing/2014/main" xmlns="" id="{0F3F0241-CF38-4C35-8814-BD73D9A52062}"/>
+                <a16:creationId xmlns="" xmlns:a16="http://schemas.microsoft.com/office/drawing/2014/main" id="{0F3F0241-CF38-4C35-8814-BD73D9A52062}"/>
               </a:ext>
             </a:extLst>
           </p:cNvPr>
@@ -4984,7 +5407,7 @@
         </p:nvSpPr>
         <p:spPr>
           <a:xfrm>
-            <a:off x="4679173" y="10407698"/>
+            <a:off x="4686366" y="6235019"/>
             <a:ext cx="4357654" cy="348878"/>
           </a:xfrm>
           <a:prstGeom prst="rect">
@@ -5023,7 +5446,7 @@
           <p:cNvPr id="20" name="TextBox 19">
             <a:extLst>
               <a:ext uri="{FF2B5EF4-FFF2-40B4-BE49-F238E27FC236}">
-                <a16:creationId xmlns:a16="http://schemas.microsoft.com/office/drawing/2014/main" xmlns="" id="{B73F7368-9A80-4A04-9F8A-85E03885548E}"/>
+                <a16:creationId xmlns="" xmlns:a16="http://schemas.microsoft.com/office/drawing/2014/main" id="{B73F7368-9A80-4A04-9F8A-85E03885548E}"/>
               </a:ext>
             </a:extLst>
           </p:cNvPr>
@@ -5185,7 +5608,7 @@
           <p:cNvPr id="21" name="TextBox 20">
             <a:extLst>
               <a:ext uri="{FF2B5EF4-FFF2-40B4-BE49-F238E27FC236}">
-                <a16:creationId xmlns:a16="http://schemas.microsoft.com/office/drawing/2014/main" xmlns="" id="{89951AAD-7622-4490-A4E3-0CB642DFDA44}"/>
+                <a16:creationId xmlns="" xmlns:a16="http://schemas.microsoft.com/office/drawing/2014/main" id="{89951AAD-7622-4490-A4E3-0CB642DFDA44}"/>
               </a:ext>
             </a:extLst>
           </p:cNvPr>
@@ -5235,7 +5658,7 @@
               <p:cNvPr id="22" name="TextBox 21">
                 <a:extLst>
                   <a:ext uri="{FF2B5EF4-FFF2-40B4-BE49-F238E27FC236}">
-                    <a16:creationId xmlns:a16="http://schemas.microsoft.com/office/drawing/2014/main" xmlns="" id="{73D5816F-EF48-4F3C-8E5A-54FFD05B92D6}"/>
+                    <a16:creationId xmlns="" xmlns:a16="http://schemas.microsoft.com/office/drawing/2014/main" id="{73D5816F-EF48-4F3C-8E5A-54FFD05B92D6}"/>
                   </a:ext>
                 </a:extLst>
               </p:cNvPr>
@@ -5622,7 +6045,7 @@
                 <a:avLst/>
               </a:prstGeom>
               <a:blipFill>
-                <a:blip r:embed="rId7"/>
+                <a:blip r:embed="rId11"/>
                 <a:stretch>
                   <a:fillRect l="-418" r="-1255"/>
                 </a:stretch>
@@ -5653,7 +6076,7 @@
           <p:cNvPr id="23" name="TextBox 22">
             <a:extLst>
               <a:ext uri="{FF2B5EF4-FFF2-40B4-BE49-F238E27FC236}">
-                <a16:creationId xmlns:a16="http://schemas.microsoft.com/office/drawing/2014/main" xmlns="" id="{A905B64D-C01B-4DF9-8AE8-4206EEE06C55}"/>
+                <a16:creationId xmlns="" xmlns:a16="http://schemas.microsoft.com/office/drawing/2014/main" id="{A905B64D-C01B-4DF9-8AE8-4206EEE06C55}"/>
               </a:ext>
             </a:extLst>
           </p:cNvPr>
@@ -5701,7 +6124,7 @@
           <p:cNvPr id="5" name="Table 4">
             <a:extLst>
               <a:ext uri="{FF2B5EF4-FFF2-40B4-BE49-F238E27FC236}">
-                <a16:creationId xmlns:a16="http://schemas.microsoft.com/office/drawing/2014/main" xmlns="" id="{37BD625B-551D-49A4-895F-BFE014F4F99A}"/>
+                <a16:creationId xmlns="" xmlns:a16="http://schemas.microsoft.com/office/drawing/2014/main" id="{37BD625B-551D-49A4-895F-BFE014F4F99A}"/>
               </a:ext>
             </a:extLst>
           </p:cNvPr>
@@ -5711,14 +6134,14 @@
           <p:nvPr>
             <p:extLst>
               <p:ext uri="{D42A27DB-BD31-4B8C-83A1-F6EECF244321}">
-                <p14:modId xmlns:p14="http://schemas.microsoft.com/office/powerpoint/2010/main" val="494731806"/>
+                <p14:modId xmlns:p14="http://schemas.microsoft.com/office/powerpoint/2010/main" val="1363626795"/>
               </p:ext>
             </p:extLst>
           </p:nvPr>
         </p:nvGraphicFramePr>
         <p:xfrm>
-          <a:off x="197478" y="13532042"/>
-          <a:ext cx="4224759" cy="1280160"/>
+          <a:off x="197478" y="11948100"/>
+          <a:ext cx="4224759" cy="1116594"/>
         </p:xfrm>
         <a:graphic>
           <a:graphicData uri="http://schemas.openxmlformats.org/drawingml/2006/table">
@@ -5730,21 +6153,21 @@
                 <a:gridCol w="1408253">
                   <a:extLst>
                     <a:ext uri="{9D8B030D-6E8A-4147-A177-3AD203B41FA5}">
-                      <a16:colId xmlns:a16="http://schemas.microsoft.com/office/drawing/2014/main" xmlns="" val="3247188750"/>
+                      <a16:colId xmlns="" xmlns:a16="http://schemas.microsoft.com/office/drawing/2014/main" val="3247188750"/>
                     </a:ext>
                   </a:extLst>
                 </a:gridCol>
                 <a:gridCol w="1408253">
                   <a:extLst>
                     <a:ext uri="{9D8B030D-6E8A-4147-A177-3AD203B41FA5}">
-                      <a16:colId xmlns:a16="http://schemas.microsoft.com/office/drawing/2014/main" xmlns="" val="1214523097"/>
+                      <a16:colId xmlns="" xmlns:a16="http://schemas.microsoft.com/office/drawing/2014/main" val="1214523097"/>
                     </a:ext>
                   </a:extLst>
                 </a:gridCol>
                 <a:gridCol w="1408253">
                   <a:extLst>
                     <a:ext uri="{9D8B030D-6E8A-4147-A177-3AD203B41FA5}">
-                      <a16:colId xmlns:a16="http://schemas.microsoft.com/office/drawing/2014/main" xmlns="" val="3255143547"/>
+                      <a16:colId xmlns="" xmlns:a16="http://schemas.microsoft.com/office/drawing/2014/main" val="3255143547"/>
                     </a:ext>
                   </a:extLst>
                 </a:gridCol>
@@ -5757,7 +6180,7 @@
                     <a:p>
                       <a:pPr algn="ctr"/>
                       <a:r>
-                        <a:rPr lang="en-US" sz="1500" dirty="0"/>
+                        <a:rPr lang="en-US" sz="1000" dirty="0"/>
                         <a:t>Top Spam Words</a:t>
                       </a:r>
                     </a:p>
@@ -5786,7 +6209,7 @@
                 </a:tc>
                 <a:extLst>
                   <a:ext uri="{0D108BD9-81ED-4DB2-BD59-A6C34878D82A}">
-                    <a16:rowId xmlns:a16="http://schemas.microsoft.com/office/drawing/2014/main" xmlns="" val="426857068"/>
+                    <a16:rowId xmlns="" xmlns:a16="http://schemas.microsoft.com/office/drawing/2014/main" val="426857068"/>
                   </a:ext>
                 </a:extLst>
               </a:tr>
@@ -5797,7 +6220,7 @@
                     <a:lstStyle/>
                     <a:p>
                       <a:r>
-                        <a:rPr lang="en-US" sz="1500" dirty="0"/>
+                        <a:rPr lang="en-US" sz="1000" dirty="0"/>
                         <a:t>ICO</a:t>
                       </a:r>
                     </a:p>
@@ -5810,10 +6233,10 @@
                     <a:lstStyle/>
                     <a:p>
                       <a:r>
-                        <a:rPr lang="en-US" sz="1500" dirty="0" err="1"/>
+                        <a:rPr lang="en-US" sz="1000" dirty="0" err="1"/>
                         <a:t>Freetoken</a:t>
                       </a:r>
-                      <a:endParaRPr lang="en-US" sz="1500" dirty="0"/>
+                      <a:endParaRPr lang="en-US" sz="1000" dirty="0"/>
                     </a:p>
                   </a:txBody>
                   <a:tcPr/>
@@ -5824,7 +6247,7 @@
                     <a:lstStyle/>
                     <a:p>
                       <a:r>
-                        <a:rPr lang="en-US" sz="1500" dirty="0"/>
+                        <a:rPr lang="en-US" sz="1000" dirty="0"/>
                         <a:t>Token</a:t>
                       </a:r>
                     </a:p>
@@ -5833,7 +6256,7 @@
                 </a:tc>
                 <a:extLst>
                   <a:ext uri="{0D108BD9-81ED-4DB2-BD59-A6C34878D82A}">
-                    <a16:rowId xmlns:a16="http://schemas.microsoft.com/office/drawing/2014/main" xmlns="" val="4254030744"/>
+                    <a16:rowId xmlns="" xmlns:a16="http://schemas.microsoft.com/office/drawing/2014/main" val="4254030744"/>
                   </a:ext>
                 </a:extLst>
               </a:tr>
@@ -5844,7 +6267,7 @@
                     <a:lstStyle/>
                     <a:p>
                       <a:r>
-                        <a:rPr lang="en-US" sz="1500" dirty="0"/>
+                        <a:rPr lang="en-US" sz="1000" dirty="0"/>
                         <a:t>Airdrop</a:t>
                       </a:r>
                     </a:p>
@@ -5857,10 +6280,10 @@
                     <a:lstStyle/>
                     <a:p>
                       <a:r>
-                        <a:rPr lang="en-US" sz="1500" dirty="0" err="1"/>
+                        <a:rPr lang="en-US" sz="1000" dirty="0" err="1"/>
                         <a:t>Bigpumpgroup</a:t>
                       </a:r>
-                      <a:endParaRPr lang="en-US" sz="1500" dirty="0"/>
+                      <a:endParaRPr lang="en-US" sz="1000" dirty="0"/>
                     </a:p>
                   </a:txBody>
                   <a:tcPr/>
@@ -5871,7 +6294,7 @@
                     <a:lstStyle/>
                     <a:p>
                       <a:r>
-                        <a:rPr lang="en-US" sz="1500" dirty="0"/>
+                        <a:rPr lang="en-US" sz="1000" dirty="0"/>
                         <a:t>Current Price</a:t>
                       </a:r>
                     </a:p>
@@ -5880,7 +6303,7 @@
                 </a:tc>
                 <a:extLst>
                   <a:ext uri="{0D108BD9-81ED-4DB2-BD59-A6C34878D82A}">
-                    <a16:rowId xmlns:a16="http://schemas.microsoft.com/office/drawing/2014/main" xmlns="" val="2348030731"/>
+                    <a16:rowId xmlns="" xmlns:a16="http://schemas.microsoft.com/office/drawing/2014/main" val="2348030731"/>
                   </a:ext>
                 </a:extLst>
               </a:tr>
@@ -5891,7 +6314,7 @@
                     <a:lstStyle/>
                     <a:p>
                       <a:r>
-                        <a:rPr lang="en-US" sz="1500" dirty="0"/>
+                        <a:rPr lang="en-US" sz="1000" dirty="0"/>
                         <a:t>Free</a:t>
                       </a:r>
                     </a:p>
@@ -5904,10 +6327,10 @@
                     <a:lstStyle/>
                     <a:p>
                       <a:r>
-                        <a:rPr lang="en-US" sz="1500" dirty="0" err="1"/>
+                        <a:rPr lang="en-US" sz="1000" dirty="0" err="1"/>
                         <a:t>Cryptobot</a:t>
                       </a:r>
-                      <a:endParaRPr lang="en-US" sz="1500" dirty="0"/>
+                      <a:endParaRPr lang="en-US" sz="1000" dirty="0"/>
                     </a:p>
                   </a:txBody>
                   <a:tcPr/>
@@ -5918,17 +6341,17 @@
                     <a:lstStyle/>
                     <a:p>
                       <a:r>
-                        <a:rPr lang="en-US" sz="1500" dirty="0" err="1"/>
+                        <a:rPr lang="en-US" sz="1000" dirty="0" err="1"/>
                         <a:t>XRPticker</a:t>
                       </a:r>
-                      <a:endParaRPr lang="en-US" sz="1500" dirty="0"/>
+                      <a:endParaRPr lang="en-US" sz="1000" dirty="0"/>
                     </a:p>
                   </a:txBody>
                   <a:tcPr/>
                 </a:tc>
                 <a:extLst>
                   <a:ext uri="{0D108BD9-81ED-4DB2-BD59-A6C34878D82A}">
-                    <a16:rowId xmlns:a16="http://schemas.microsoft.com/office/drawing/2014/main" xmlns="" val="575309201"/>
+                    <a16:rowId xmlns="" xmlns:a16="http://schemas.microsoft.com/office/drawing/2014/main" val="575309201"/>
                   </a:ext>
                 </a:extLst>
               </a:tr>
@@ -5938,10 +6361,10 @@
       </p:graphicFrame>
       <p:sp>
         <p:nvSpPr>
-          <p:cNvPr id="24" name="TextBox 23">
+          <p:cNvPr id="26" name="TextBox 25">
             <a:extLst>
               <a:ext uri="{FF2B5EF4-FFF2-40B4-BE49-F238E27FC236}">
-                <a16:creationId xmlns:a16="http://schemas.microsoft.com/office/drawing/2014/main" xmlns="" id="{62DC0978-E43A-42A4-91D0-99AEBA62C446}"/>
+                <a16:creationId xmlns="" xmlns:a16="http://schemas.microsoft.com/office/drawing/2014/main" id="{BE099189-C81E-41C7-BA90-461E1F0BDA19}"/>
               </a:ext>
             </a:extLst>
           </p:cNvPr>
@@ -5950,7 +6373,7 @@
         </p:nvSpPr>
         <p:spPr>
           <a:xfrm>
-            <a:off x="4679173" y="2512349"/>
+            <a:off x="4679173" y="2537210"/>
             <a:ext cx="4357654" cy="3554819"/>
           </a:xfrm>
           <a:prstGeom prst="rect">
@@ -5985,6 +6408,36 @@
             </a:endParaRPr>
           </a:p>
           <a:p>
+            <a:r>
+              <a:rPr lang="en-US" sz="1500" dirty="0">
+                <a:solidFill>
+                  <a:srgbClr val="011F5B"/>
+                </a:solidFill>
+              </a:rPr>
+              <a:t>Trained on 100k labeled tweets from Kaggle</a:t>
+            </a:r>
+          </a:p>
+          <a:p>
+            <a:r>
+              <a:rPr lang="en-US" sz="1500" dirty="0">
+                <a:solidFill>
+                  <a:srgbClr val="011F5B"/>
+                </a:solidFill>
+              </a:rPr>
+              <a:t>Identified relevant tokens</a:t>
+            </a:r>
+          </a:p>
+          <a:p>
+            <a:r>
+              <a:rPr lang="en-US" sz="1500" dirty="0">
+                <a:solidFill>
+                  <a:srgbClr val="011F5B"/>
+                </a:solidFill>
+              </a:rPr>
+              <a:t>Applied model to spam filtered tweets</a:t>
+            </a:r>
+          </a:p>
+          <a:p>
             <a:endParaRPr lang="en-US" sz="1500" dirty="0">
               <a:solidFill>
                 <a:srgbClr val="011F5B"/>
@@ -5992,6 +6445,16 @@
             </a:endParaRPr>
           </a:p>
           <a:p>
+            <a:r>
+              <a:rPr lang="en-US" sz="1500" dirty="0">
+                <a:solidFill>
+                  <a:srgbClr val="011F5B"/>
+                </a:solidFill>
+              </a:rPr>
+              <a:t>Experiments</a:t>
+            </a:r>
+          </a:p>
+          <a:p>
             <a:endParaRPr lang="en-US" sz="1500" dirty="0">
               <a:solidFill>
                 <a:srgbClr val="011F5B"/>
@@ -6047,42 +6510,14 @@
               </a:solidFill>
             </a:endParaRPr>
           </a:p>
-          <a:p>
-            <a:endParaRPr lang="en-US" sz="1500" dirty="0">
-              <a:solidFill>
-                <a:srgbClr val="011F5B"/>
-              </a:solidFill>
-            </a:endParaRPr>
-          </a:p>
-          <a:p>
-            <a:endParaRPr lang="en-US" sz="1500" dirty="0">
-              <a:solidFill>
-                <a:srgbClr val="011F5B"/>
-              </a:solidFill>
-            </a:endParaRPr>
-          </a:p>
-          <a:p>
-            <a:endParaRPr lang="en-US" sz="1500" dirty="0">
-              <a:solidFill>
-                <a:srgbClr val="011F5B"/>
-              </a:solidFill>
-            </a:endParaRPr>
-          </a:p>
-          <a:p>
-            <a:endParaRPr lang="en-US" sz="1500" dirty="0">
-              <a:solidFill>
-                <a:srgbClr val="011F5B"/>
-              </a:solidFill>
-            </a:endParaRPr>
-          </a:p>
         </p:txBody>
       </p:sp>
       <p:sp>
         <p:nvSpPr>
-          <p:cNvPr id="25" name="TextBox 24">
+          <p:cNvPr id="27" name="TextBox 26">
             <a:extLst>
               <a:ext uri="{FF2B5EF4-FFF2-40B4-BE49-F238E27FC236}">
-                <a16:creationId xmlns:a16="http://schemas.microsoft.com/office/drawing/2014/main" xmlns="" id="{6A13F6AE-92DD-44DC-8677-9F04461917B7}"/>
+                <a16:creationId xmlns="" xmlns:a16="http://schemas.microsoft.com/office/drawing/2014/main" id="{4D78901C-AF9C-488F-9AF6-E8AF582AB9AA}"/>
               </a:ext>
             </a:extLst>
           </p:cNvPr>
@@ -6091,7 +6526,7 @@
         </p:nvSpPr>
         <p:spPr>
           <a:xfrm>
-            <a:off x="4679173" y="2512349"/>
+            <a:off x="4679173" y="2514563"/>
             <a:ext cx="4357654" cy="348878"/>
           </a:xfrm>
           <a:prstGeom prst="rect">
@@ -6120,221 +6555,6 @@
                 </a:solidFill>
                 <a:latin typeface="Garamond" panose="02020404030301010803" pitchFamily="18" charset="0"/>
               </a:rPr>
-              <a:t>Spam Filter (Cont.)</a:t>
-            </a:r>
-          </a:p>
-        </p:txBody>
-      </p:sp>
-      <p:sp>
-        <p:nvSpPr>
-          <p:cNvPr id="26" name="TextBox 25">
-            <a:extLst>
-              <a:ext uri="{FF2B5EF4-FFF2-40B4-BE49-F238E27FC236}">
-                <a16:creationId xmlns:a16="http://schemas.microsoft.com/office/drawing/2014/main" xmlns="" id="{BE099189-C81E-41C7-BA90-461E1F0BDA19}"/>
-              </a:ext>
-            </a:extLst>
-          </p:cNvPr>
-          <p:cNvSpPr txBox="1"/>
-          <p:nvPr/>
-        </p:nvSpPr>
-        <p:spPr>
-          <a:xfrm>
-            <a:off x="4679173" y="6229191"/>
-            <a:ext cx="4357654" cy="4016484"/>
-          </a:xfrm>
-          <a:prstGeom prst="rect">
-            <a:avLst/>
-          </a:prstGeom>
-          <a:solidFill>
-            <a:schemeClr val="bg1"/>
-          </a:solidFill>
-          <a:ln>
-            <a:solidFill>
-              <a:srgbClr val="011F5B"/>
-            </a:solidFill>
-          </a:ln>
-        </p:spPr>
-        <p:txBody>
-          <a:bodyPr wrap="square" rtlCol="0">
-            <a:spAutoFit/>
-          </a:bodyPr>
-          <a:lstStyle/>
-          <a:p>
-            <a:endParaRPr lang="en-US" sz="1500" dirty="0">
-              <a:solidFill>
-                <a:srgbClr val="011F5B"/>
-              </a:solidFill>
-            </a:endParaRPr>
-          </a:p>
-          <a:p>
-            <a:endParaRPr lang="en-US" sz="1500" dirty="0">
-              <a:solidFill>
-                <a:srgbClr val="011F5B"/>
-              </a:solidFill>
-            </a:endParaRPr>
-          </a:p>
-          <a:p>
-            <a:r>
-              <a:rPr lang="en-US" sz="1500" dirty="0">
-                <a:solidFill>
-                  <a:srgbClr val="011F5B"/>
-                </a:solidFill>
-              </a:rPr>
-              <a:t>Trained on 100k labeled tweets from Kaggle</a:t>
-            </a:r>
-          </a:p>
-          <a:p>
-            <a:r>
-              <a:rPr lang="en-US" sz="1500" dirty="0">
-                <a:solidFill>
-                  <a:srgbClr val="011F5B"/>
-                </a:solidFill>
-              </a:rPr>
-              <a:t>Identified relevant tokens</a:t>
-            </a:r>
-          </a:p>
-          <a:p>
-            <a:r>
-              <a:rPr lang="en-US" sz="1500" dirty="0">
-                <a:solidFill>
-                  <a:srgbClr val="011F5B"/>
-                </a:solidFill>
-              </a:rPr>
-              <a:t>Applied model to spam filtered tweets</a:t>
-            </a:r>
-          </a:p>
-          <a:p>
-            <a:endParaRPr lang="en-US" sz="1500" dirty="0">
-              <a:solidFill>
-                <a:srgbClr val="011F5B"/>
-              </a:solidFill>
-            </a:endParaRPr>
-          </a:p>
-          <a:p>
-            <a:r>
-              <a:rPr lang="en-US" sz="1500" dirty="0">
-                <a:solidFill>
-                  <a:srgbClr val="011F5B"/>
-                </a:solidFill>
-              </a:rPr>
-              <a:t>Experiments</a:t>
-            </a:r>
-          </a:p>
-          <a:p>
-            <a:endParaRPr lang="en-US" sz="1500" dirty="0">
-              <a:solidFill>
-                <a:srgbClr val="011F5B"/>
-              </a:solidFill>
-            </a:endParaRPr>
-          </a:p>
-          <a:p>
-            <a:endParaRPr lang="en-US" sz="1500" dirty="0">
-              <a:solidFill>
-                <a:srgbClr val="011F5B"/>
-              </a:solidFill>
-            </a:endParaRPr>
-          </a:p>
-          <a:p>
-            <a:endParaRPr lang="en-US" sz="1500" dirty="0">
-              <a:solidFill>
-                <a:srgbClr val="011F5B"/>
-              </a:solidFill>
-            </a:endParaRPr>
-          </a:p>
-          <a:p>
-            <a:endParaRPr lang="en-US" sz="1500" dirty="0">
-              <a:solidFill>
-                <a:srgbClr val="011F5B"/>
-              </a:solidFill>
-            </a:endParaRPr>
-          </a:p>
-          <a:p>
-            <a:endParaRPr lang="en-US" sz="1500" dirty="0">
-              <a:solidFill>
-                <a:srgbClr val="011F5B"/>
-              </a:solidFill>
-            </a:endParaRPr>
-          </a:p>
-          <a:p>
-            <a:endParaRPr lang="en-US" sz="1500" dirty="0">
-              <a:solidFill>
-                <a:srgbClr val="011F5B"/>
-              </a:solidFill>
-            </a:endParaRPr>
-          </a:p>
-          <a:p>
-            <a:endParaRPr lang="en-US" sz="1500" dirty="0">
-              <a:solidFill>
-                <a:srgbClr val="011F5B"/>
-              </a:solidFill>
-            </a:endParaRPr>
-          </a:p>
-          <a:p>
-            <a:endParaRPr lang="en-US" sz="1500" dirty="0">
-              <a:solidFill>
-                <a:srgbClr val="011F5B"/>
-              </a:solidFill>
-            </a:endParaRPr>
-          </a:p>
-          <a:p>
-            <a:endParaRPr lang="en-US" sz="1500" dirty="0">
-              <a:solidFill>
-                <a:srgbClr val="011F5B"/>
-              </a:solidFill>
-            </a:endParaRPr>
-          </a:p>
-          <a:p>
-            <a:endParaRPr lang="en-US" sz="1500" dirty="0">
-              <a:solidFill>
-                <a:srgbClr val="011F5B"/>
-              </a:solidFill>
-            </a:endParaRPr>
-          </a:p>
-        </p:txBody>
-      </p:sp>
-      <p:sp>
-        <p:nvSpPr>
-          <p:cNvPr id="27" name="TextBox 26">
-            <a:extLst>
-              <a:ext uri="{FF2B5EF4-FFF2-40B4-BE49-F238E27FC236}">
-                <a16:creationId xmlns:a16="http://schemas.microsoft.com/office/drawing/2014/main" xmlns="" id="{4D78901C-AF9C-488F-9AF6-E8AF582AB9AA}"/>
-              </a:ext>
-            </a:extLst>
-          </p:cNvPr>
-          <p:cNvSpPr txBox="1"/>
-          <p:nvPr/>
-        </p:nvSpPr>
-        <p:spPr>
-          <a:xfrm>
-            <a:off x="4679173" y="6229191"/>
-            <a:ext cx="4357654" cy="348878"/>
-          </a:xfrm>
-          <a:prstGeom prst="rect">
-            <a:avLst/>
-          </a:prstGeom>
-          <a:solidFill>
-            <a:srgbClr val="011F5B"/>
-          </a:solidFill>
-          <a:ln>
-            <a:solidFill>
-              <a:srgbClr val="011F5B"/>
-            </a:solidFill>
-          </a:ln>
-        </p:spPr>
-        <p:txBody>
-          <a:bodyPr wrap="square" rtlCol="0">
-            <a:spAutoFit/>
-          </a:bodyPr>
-          <a:lstStyle/>
-          <a:p>
-            <a:pPr algn="ctr"/>
-            <a:r>
-              <a:rPr lang="en-US" sz="1667" b="1" dirty="0">
-                <a:solidFill>
-                  <a:schemeClr val="bg1"/>
-                </a:solidFill>
-                <a:latin typeface="Garamond" panose="02020404030301010803" pitchFamily="18" charset="0"/>
-              </a:rPr>
               <a:t>Sentiment Analysis</a:t>
             </a:r>
           </a:p>
@@ -6345,7 +6565,7 @@
           <p:cNvPr id="3" name="Table 2">
             <a:extLst>
               <a:ext uri="{FF2B5EF4-FFF2-40B4-BE49-F238E27FC236}">
-                <a16:creationId xmlns:a16="http://schemas.microsoft.com/office/drawing/2014/main" xmlns="" id="{89C3DB6B-8AD8-4EDB-8718-A0FE2085A03C}"/>
+                <a16:creationId xmlns="" xmlns:a16="http://schemas.microsoft.com/office/drawing/2014/main" id="{89C3DB6B-8AD8-4EDB-8718-A0FE2085A03C}"/>
               </a:ext>
             </a:extLst>
           </p:cNvPr>
@@ -6355,14 +6575,14 @@
           <p:nvPr>
             <p:extLst>
               <p:ext uri="{D42A27DB-BD31-4B8C-83A1-F6EECF244321}">
-                <p14:modId xmlns:p14="http://schemas.microsoft.com/office/powerpoint/2010/main" val="3740274845"/>
+                <p14:modId xmlns:p14="http://schemas.microsoft.com/office/powerpoint/2010/main" val="2070138231"/>
               </p:ext>
             </p:extLst>
           </p:nvPr>
         </p:nvGraphicFramePr>
         <p:xfrm>
-          <a:off x="4679172" y="14980919"/>
-          <a:ext cx="8881984" cy="3090852"/>
+          <a:off x="4679172" y="15542445"/>
+          <a:ext cx="8881984" cy="2560320"/>
         </p:xfrm>
         <a:graphic>
           <a:graphicData uri="http://schemas.openxmlformats.org/drawingml/2006/table">
@@ -6371,22 +6591,22 @@
                 <a:tableStyleId>{5C22544A-7EE6-4342-B048-85BDC9FD1C3A}</a:tableStyleId>
               </a:tblPr>
               <a:tblGrid>
-                <a:gridCol w="1831141">
+                <a:gridCol w="1372707">
                   <a:extLst>
                     <a:ext uri="{9D8B030D-6E8A-4147-A177-3AD203B41FA5}">
-                      <a16:colId xmlns:a16="http://schemas.microsoft.com/office/drawing/2014/main" xmlns="" val="1358636601"/>
+                      <a16:colId xmlns="" xmlns:a16="http://schemas.microsoft.com/office/drawing/2014/main" val="1358636601"/>
                     </a:ext>
                   </a:extLst>
                 </a:gridCol>
-                <a:gridCol w="7050843">
+                <a:gridCol w="7509277">
                   <a:extLst>
                     <a:ext uri="{9D8B030D-6E8A-4147-A177-3AD203B41FA5}">
-                      <a16:colId xmlns:a16="http://schemas.microsoft.com/office/drawing/2014/main" xmlns="" val="3610811052"/>
+                      <a16:colId xmlns="" xmlns:a16="http://schemas.microsoft.com/office/drawing/2014/main" val="3610811052"/>
                     </a:ext>
                   </a:extLst>
                 </a:gridCol>
               </a:tblGrid>
-              <a:tr h="327182">
+              <a:tr h="118657">
                 <a:tc gridSpan="2">
                   <a:txBody>
                     <a:bodyPr/>
@@ -6394,7 +6614,7 @@
                     <a:p>
                       <a:pPr algn="ctr"/>
                       <a:r>
-                        <a:rPr lang="en-US" sz="1500" dirty="0"/>
+                        <a:rPr lang="en-US" sz="1200" dirty="0"/>
                         <a:t>Randomly Sampled Tweets from Various Data Sets</a:t>
                       </a:r>
                     </a:p>
@@ -6413,18 +6633,18 @@
                 </a:tc>
                 <a:extLst>
                   <a:ext uri="{0D108BD9-81ED-4DB2-BD59-A6C34878D82A}">
-                    <a16:rowId xmlns:a16="http://schemas.microsoft.com/office/drawing/2014/main" xmlns="" val="2614706741"/>
+                    <a16:rowId xmlns="" xmlns:a16="http://schemas.microsoft.com/office/drawing/2014/main" val="2614706741"/>
                   </a:ext>
                 </a:extLst>
               </a:tr>
-              <a:tr h="327182">
+              <a:tr h="118657">
                 <a:tc>
                   <a:txBody>
                     <a:bodyPr/>
                     <a:lstStyle/>
                     <a:p>
                       <a:r>
-                        <a:rPr lang="en-US" sz="1500" b="1" dirty="0"/>
+                        <a:rPr lang="en-US" sz="1200" b="1" dirty="0"/>
                         <a:t>Data Set</a:t>
                       </a:r>
                     </a:p>
@@ -6437,7 +6657,7 @@
                     <a:lstStyle/>
                     <a:p>
                       <a:r>
-                        <a:rPr lang="en-US" sz="1500" b="1" dirty="0"/>
+                        <a:rPr lang="en-US" sz="1200" b="1" dirty="0"/>
                         <a:t>Tweet</a:t>
                       </a:r>
                     </a:p>
@@ -6446,18 +6666,18 @@
                 </a:tc>
                 <a:extLst>
                   <a:ext uri="{0D108BD9-81ED-4DB2-BD59-A6C34878D82A}">
-                    <a16:rowId xmlns:a16="http://schemas.microsoft.com/office/drawing/2014/main" xmlns="" val="3546821875"/>
+                    <a16:rowId xmlns="" xmlns:a16="http://schemas.microsoft.com/office/drawing/2014/main" val="3546821875"/>
                   </a:ext>
                 </a:extLst>
               </a:tr>
-              <a:tr h="510942">
+              <a:tr h="197761">
                 <a:tc>
                   <a:txBody>
                     <a:bodyPr/>
                     <a:lstStyle/>
                     <a:p>
                       <a:r>
-                        <a:rPr lang="en-US" sz="1500" dirty="0"/>
+                        <a:rPr lang="en-US" sz="1200" dirty="0"/>
                         <a:t>Trusted Sources</a:t>
                       </a:r>
                     </a:p>
@@ -6470,28 +6690,27 @@
                     <a:lstStyle/>
                     <a:p>
                       <a:r>
-                        <a:rPr lang="en-US" sz="1600" dirty="0"/>
+                        <a:rPr lang="en-US" sz="1200" dirty="0"/>
                         <a:t>I think he's arguing from a value or commonality standpoint. Definitely doesn't make you stupid, but we all know there's no real connection</a:t>
                       </a:r>
-                      <a:endParaRPr lang="en-US" sz="1500" dirty="0"/>
                     </a:p>
                   </a:txBody>
                   <a:tcPr/>
                 </a:tc>
                 <a:extLst>
                   <a:ext uri="{0D108BD9-81ED-4DB2-BD59-A6C34878D82A}">
-                    <a16:rowId xmlns:a16="http://schemas.microsoft.com/office/drawing/2014/main" xmlns="" val="1427118731"/>
+                    <a16:rowId xmlns="" xmlns:a16="http://schemas.microsoft.com/office/drawing/2014/main" val="1427118731"/>
                   </a:ext>
                 </a:extLst>
               </a:tr>
-              <a:tr h="484050">
+              <a:tr h="197761">
                 <a:tc>
                   <a:txBody>
                     <a:bodyPr/>
                     <a:lstStyle/>
                     <a:p>
                       <a:r>
-                        <a:rPr lang="en-US" sz="1500" dirty="0"/>
+                        <a:rPr lang="en-US" sz="1200" dirty="0"/>
                         <a:t>Trusted Sources</a:t>
                       </a:r>
                     </a:p>
@@ -6504,19 +6723,19 @@
                     <a:lstStyle/>
                     <a:p>
                       <a:r>
-                        <a:rPr lang="en-US" sz="1500" dirty="0"/>
+                        <a:rPr lang="en-US" sz="1200" dirty="0"/>
                         <a:t>Good overview and perspective on #blockchain + #bitcoin from @</a:t>
                       </a:r>
                       <a:r>
-                        <a:rPr lang="en-US" sz="1500" dirty="0" err="1"/>
+                        <a:rPr lang="en-US" sz="1200" dirty="0" err="1"/>
                         <a:t>balajis</a:t>
                       </a:r>
                       <a:r>
-                        <a:rPr lang="en-US" sz="1500" dirty="0"/>
+                        <a:rPr lang="en-US" sz="1200" dirty="0"/>
                         <a:t> via @WSJ . #tech #innovation #digital #economy </a:t>
                       </a:r>
                       <a:r>
-                        <a:rPr lang="en-US" sz="1500" u="none" strike="noStrike" kern="1200" dirty="0">
+                        <a:rPr lang="en-US" sz="1200" u="none" strike="noStrike" kern="1200" dirty="0">
                           <a:solidFill>
                             <a:schemeClr val="dk1"/>
                           </a:solidFill>
@@ -6528,7 +6747,7 @@
                         <a:t>_</a:t>
                       </a:r>
                       <a:r>
-                        <a:rPr lang="en-US" sz="1500" u="none" strike="noStrike" kern="1200" dirty="0" err="1">
+                        <a:rPr lang="en-US" sz="1200" u="none" strike="noStrike" kern="1200" dirty="0" err="1">
                           <a:solidFill>
                             <a:schemeClr val="dk1"/>
                           </a:solidFill>
@@ -6540,7 +6759,7 @@
                         <a:t>url</a:t>
                       </a:r>
                       <a:r>
-                        <a:rPr lang="en-US" sz="1500" u="none" strike="noStrike" kern="1200" dirty="0">
+                        <a:rPr lang="en-US" sz="1200" u="none" strike="noStrike" kern="1200" dirty="0">
                           <a:solidFill>
                             <a:schemeClr val="dk1"/>
                           </a:solidFill>
@@ -6551,25 +6770,25 @@
                         </a:rPr>
                         <a:t>_</a:t>
                       </a:r>
-                      <a:endParaRPr lang="en-US" sz="1500" dirty="0"/>
+                      <a:endParaRPr lang="en-US" sz="1200" dirty="0"/>
                     </a:p>
                   </a:txBody>
                   <a:tcPr/>
                 </a:tc>
                 <a:extLst>
                   <a:ext uri="{0D108BD9-81ED-4DB2-BD59-A6C34878D82A}">
-                    <a16:rowId xmlns:a16="http://schemas.microsoft.com/office/drawing/2014/main" xmlns="" val="113192575"/>
+                    <a16:rowId xmlns="" xmlns:a16="http://schemas.microsoft.com/office/drawing/2014/main" val="113192575"/>
                   </a:ext>
                 </a:extLst>
               </a:tr>
-              <a:tr h="327182">
+              <a:tr h="118657">
                 <a:tc>
                   <a:txBody>
                     <a:bodyPr/>
                     <a:lstStyle/>
                     <a:p>
                       <a:r>
-                        <a:rPr lang="en-US" sz="1500" dirty="0"/>
+                        <a:rPr lang="en-US" sz="1200" dirty="0"/>
                         <a:t>Spam Tweets</a:t>
                       </a:r>
                     </a:p>
@@ -6582,27 +6801,27 @@
                     <a:lstStyle/>
                     <a:p>
                       <a:r>
-                        <a:rPr lang="en-US" sz="1500" dirty="0"/>
+                        <a:rPr lang="en-US" sz="1200" dirty="0"/>
                         <a:t>1 ripple = 0.6589 </a:t>
                       </a:r>
                       <a:r>
-                        <a:rPr lang="en-US" sz="1500" dirty="0" err="1"/>
+                        <a:rPr lang="en-US" sz="1200" dirty="0" err="1"/>
                         <a:t>usd</a:t>
                       </a:r>
                       <a:r>
-                        <a:rPr lang="en-US" sz="1500" dirty="0"/>
+                        <a:rPr lang="en-US" sz="1200" dirty="0"/>
                         <a:t>. ripple has changed by -0.0026 </a:t>
                       </a:r>
                       <a:r>
-                        <a:rPr lang="en-US" sz="1500" dirty="0" err="1"/>
+                        <a:rPr lang="en-US" sz="1200" dirty="0" err="1"/>
                         <a:t>usd</a:t>
                       </a:r>
                       <a:r>
-                        <a:rPr lang="en-US" sz="1500" dirty="0"/>
+                        <a:rPr lang="en-US" sz="1200" dirty="0"/>
                         <a:t> in 30 mins. live price: </a:t>
                       </a:r>
                       <a:r>
-                        <a:rPr lang="en-US" sz="1500" u="none" strike="noStrike" kern="1200" dirty="0">
+                        <a:rPr lang="en-US" sz="1200" u="none" strike="noStrike" kern="1200" dirty="0">
                           <a:solidFill>
                             <a:schemeClr val="dk1"/>
                           </a:solidFill>
@@ -6614,7 +6833,7 @@
                         <a:t>_</a:t>
                       </a:r>
                       <a:r>
-                        <a:rPr lang="en-US" sz="1500" u="none" strike="noStrike" kern="1200" dirty="0" err="1">
+                        <a:rPr lang="en-US" sz="1200" u="none" strike="noStrike" kern="1200" dirty="0" err="1">
                           <a:solidFill>
                             <a:schemeClr val="dk1"/>
                           </a:solidFill>
@@ -6626,7 +6845,7 @@
                         <a:t>url</a:t>
                       </a:r>
                       <a:r>
-                        <a:rPr lang="en-US" sz="1500" u="none" strike="noStrike" kern="1200" dirty="0">
+                        <a:rPr lang="en-US" sz="1200" u="none" strike="noStrike" kern="1200" dirty="0">
                           <a:solidFill>
                             <a:schemeClr val="dk1"/>
                           </a:solidFill>
@@ -6637,25 +6856,25 @@
                         </a:rPr>
                         <a:t>_</a:t>
                       </a:r>
-                      <a:endParaRPr lang="en-US" sz="1500" dirty="0"/>
+                      <a:endParaRPr lang="en-US" sz="1200" dirty="0"/>
                     </a:p>
                   </a:txBody>
                   <a:tcPr/>
                 </a:tc>
                 <a:extLst>
                   <a:ext uri="{0D108BD9-81ED-4DB2-BD59-A6C34878D82A}">
-                    <a16:rowId xmlns:a16="http://schemas.microsoft.com/office/drawing/2014/main" xmlns="" val="2286269774"/>
+                    <a16:rowId xmlns="" xmlns:a16="http://schemas.microsoft.com/office/drawing/2014/main" val="2286269774"/>
                   </a:ext>
                 </a:extLst>
               </a:tr>
-              <a:tr h="327182">
+              <a:tr h="118657">
                 <a:tc>
                   <a:txBody>
                     <a:bodyPr/>
                     <a:lstStyle/>
                     <a:p>
                       <a:r>
-                        <a:rPr lang="en-US" sz="1500" dirty="0"/>
+                        <a:rPr lang="en-US" sz="1200" dirty="0"/>
                         <a:t>Spam Tweets</a:t>
                       </a:r>
                     </a:p>
@@ -6668,39 +6887,39 @@
                     <a:lstStyle/>
                     <a:p>
                       <a:r>
-                        <a:rPr lang="en-US" sz="1500" dirty="0"/>
+                        <a:rPr lang="en-US" sz="1200" dirty="0"/>
                         <a:t>ripple price alert. the last ask price for $ </a:t>
                       </a:r>
                       <a:r>
-                        <a:rPr lang="en-US" sz="1500" dirty="0" err="1"/>
+                        <a:rPr lang="en-US" sz="1200" dirty="0" err="1"/>
                         <a:t>xrp</a:t>
                       </a:r>
                       <a:r>
-                        <a:rPr lang="en-US" sz="1500" dirty="0"/>
+                        <a:rPr lang="en-US" sz="1200" dirty="0"/>
                         <a:t> in </a:t>
                       </a:r>
                       <a:r>
-                        <a:rPr lang="en-US" sz="1500" dirty="0" err="1"/>
+                        <a:rPr lang="en-US" sz="1200" dirty="0" err="1"/>
                         <a:t>usd</a:t>
                       </a:r>
                       <a:r>
-                        <a:rPr lang="en-US" sz="1500" dirty="0"/>
+                        <a:rPr lang="en-US" sz="1200" dirty="0"/>
                         <a:t> is $0.857858 </a:t>
                       </a:r>
                       <a:r>
-                        <a:rPr lang="en-US" sz="1500" dirty="0" err="1"/>
+                        <a:rPr lang="en-US" sz="1200" dirty="0" err="1"/>
                         <a:t>xrp</a:t>
                       </a:r>
                       <a:r>
-                        <a:rPr lang="en-US" sz="1500" dirty="0"/>
+                        <a:rPr lang="en-US" sz="1200" dirty="0"/>
                         <a:t> </a:t>
                       </a:r>
                       <a:r>
-                        <a:rPr lang="en-US" sz="1500" dirty="0" err="1"/>
+                        <a:rPr lang="en-US" sz="1200" dirty="0" err="1"/>
                         <a:t>ripplebot_cs</a:t>
                       </a:r>
                       <a:r>
-                        <a:rPr lang="en-US" sz="1500" dirty="0"/>
+                        <a:rPr lang="en-US" sz="1200" dirty="0"/>
                         <a:t> </a:t>
                       </a:r>
                     </a:p>
@@ -6709,18 +6928,18 @@
                 </a:tc>
                 <a:extLst>
                   <a:ext uri="{0D108BD9-81ED-4DB2-BD59-A6C34878D82A}">
-                    <a16:rowId xmlns:a16="http://schemas.microsoft.com/office/drawing/2014/main" xmlns="" val="2050594596"/>
+                    <a16:rowId xmlns="" xmlns:a16="http://schemas.microsoft.com/office/drawing/2014/main" val="2050594596"/>
                   </a:ext>
                 </a:extLst>
               </a:tr>
-              <a:tr h="327182">
+              <a:tr h="118657">
                 <a:tc>
                   <a:txBody>
                     <a:bodyPr/>
                     <a:lstStyle/>
                     <a:p>
                       <a:r>
-                        <a:rPr lang="en-US" sz="1500" dirty="0"/>
+                        <a:rPr lang="en-US" sz="1200" dirty="0"/>
                         <a:t>Post-Filter</a:t>
                       </a:r>
                     </a:p>
@@ -6733,31 +6952,31 @@
                     <a:lstStyle/>
                     <a:p>
                       <a:r>
-                        <a:rPr lang="en-US" sz="1500" dirty="0"/>
+                        <a:rPr lang="en-US" sz="1200" dirty="0"/>
                         <a:t>ripple invests $25 million in </a:t>
                       </a:r>
                       <a:r>
-                        <a:rPr lang="en-US" sz="1500" dirty="0" err="1"/>
+                        <a:rPr lang="en-US" sz="1200" dirty="0" err="1"/>
                         <a:t>xrp</a:t>
                       </a:r>
                       <a:r>
-                        <a:rPr lang="en-US" sz="1500" dirty="0"/>
+                        <a:rPr lang="en-US" sz="1200" dirty="0"/>
                         <a:t> in blockchain capital’s $150 million </a:t>
                       </a:r>
                       <a:r>
-                        <a:rPr lang="en-US" sz="1500" dirty="0" err="1"/>
+                        <a:rPr lang="en-US" sz="1200" dirty="0" err="1"/>
                         <a:t>vc</a:t>
                       </a:r>
                       <a:r>
-                        <a:rPr lang="en-US" sz="1500" dirty="0"/>
+                        <a:rPr lang="en-US" sz="1200" dirty="0"/>
                         <a:t> fund _</a:t>
                       </a:r>
                       <a:r>
-                        <a:rPr lang="en-US" sz="1500" dirty="0" err="1"/>
+                        <a:rPr lang="en-US" sz="1200" dirty="0" err="1"/>
                         <a:t>url</a:t>
                       </a:r>
                       <a:r>
-                        <a:rPr lang="en-US" sz="1500" dirty="0"/>
+                        <a:rPr lang="en-US" sz="1200" dirty="0"/>
                         <a:t>_</a:t>
                       </a:r>
                     </a:p>
@@ -6766,18 +6985,18 @@
                 </a:tc>
                 <a:extLst>
                   <a:ext uri="{0D108BD9-81ED-4DB2-BD59-A6C34878D82A}">
-                    <a16:rowId xmlns:a16="http://schemas.microsoft.com/office/drawing/2014/main" xmlns="" val="1747425152"/>
+                    <a16:rowId xmlns="" xmlns:a16="http://schemas.microsoft.com/office/drawing/2014/main" val="1747425152"/>
                   </a:ext>
                 </a:extLst>
               </a:tr>
-              <a:tr h="327182">
+              <a:tr h="118657">
                 <a:tc>
                   <a:txBody>
                     <a:bodyPr/>
                     <a:lstStyle/>
                     <a:p>
                       <a:r>
-                        <a:rPr lang="en-US" sz="1500" dirty="0"/>
+                        <a:rPr lang="en-US" sz="1200" dirty="0"/>
                         <a:t>Post-Filter</a:t>
                       </a:r>
                     </a:p>
@@ -6790,19 +7009,19 @@
                     <a:lstStyle/>
                     <a:p>
                       <a:r>
-                        <a:rPr lang="en-US" sz="1500" dirty="0"/>
+                        <a:rPr lang="en-US" sz="1200" dirty="0"/>
                         <a:t>why ripple 's </a:t>
                       </a:r>
                       <a:r>
-                        <a:rPr lang="en-US" sz="1500" dirty="0" err="1"/>
+                        <a:rPr lang="en-US" sz="1200" dirty="0" err="1"/>
                         <a:t>xrp</a:t>
                       </a:r>
                       <a:r>
-                        <a:rPr lang="en-US" sz="1500" dirty="0"/>
+                        <a:rPr lang="en-US" sz="1200" dirty="0"/>
                         <a:t> outperformed the other top cryptos this week </a:t>
                       </a:r>
                       <a:r>
-                        <a:rPr lang="en-US" sz="1500" u="none" strike="noStrike" kern="1200" dirty="0">
+                        <a:rPr lang="en-US" sz="1200" u="none" strike="noStrike" kern="1200" dirty="0">
                           <a:solidFill>
                             <a:schemeClr val="dk1"/>
                           </a:solidFill>
@@ -6814,7 +7033,7 @@
                         <a:t>_</a:t>
                       </a:r>
                       <a:r>
-                        <a:rPr lang="en-US" sz="1500" u="none" strike="noStrike" kern="1200" dirty="0" err="1">
+                        <a:rPr lang="en-US" sz="1200" u="none" strike="noStrike" kern="1200" dirty="0" err="1">
                           <a:solidFill>
                             <a:schemeClr val="dk1"/>
                           </a:solidFill>
@@ -6826,7 +7045,7 @@
                         <a:t>url</a:t>
                       </a:r>
                       <a:r>
-                        <a:rPr lang="en-US" sz="1500" u="none" strike="noStrike" kern="1200" dirty="0">
+                        <a:rPr lang="en-US" sz="1200" u="none" strike="noStrike" kern="1200" dirty="0">
                           <a:solidFill>
                             <a:schemeClr val="dk1"/>
                           </a:solidFill>
@@ -6837,14 +7056,14 @@
                         </a:rPr>
                         <a:t>_</a:t>
                       </a:r>
-                      <a:endParaRPr lang="en-US" sz="1500" dirty="0"/>
+                      <a:endParaRPr lang="en-US" sz="1200" dirty="0"/>
                     </a:p>
                   </a:txBody>
                   <a:tcPr/>
                 </a:tc>
                 <a:extLst>
                   <a:ext uri="{0D108BD9-81ED-4DB2-BD59-A6C34878D82A}">
-                    <a16:rowId xmlns:a16="http://schemas.microsoft.com/office/drawing/2014/main" xmlns="" val="42610138"/>
+                    <a16:rowId xmlns="" xmlns:a16="http://schemas.microsoft.com/office/drawing/2014/main" val="42610138"/>
                   </a:ext>
                 </a:extLst>
               </a:tr>
@@ -6854,20 +7073,14 @@
       </p:graphicFrame>
       <p:pic>
         <p:nvPicPr>
-          <p:cNvPr id="8" name="Picture 7" descr="Original Naive Bayes">
-            <a:extLst>
-              <a:ext uri="{FF2B5EF4-FFF2-40B4-BE49-F238E27FC236}">
-                <a16:creationId xmlns:a16="http://schemas.microsoft.com/office/drawing/2014/main" xmlns="" id="{85D457C5-A189-4BA6-B1E0-A3C17BDB4B62}"/>
-              </a:ext>
-            </a:extLst>
-          </p:cNvPr>
+          <p:cNvPr id="4" name="Picture 3"/>
           <p:cNvPicPr>
             <a:picLocks noChangeAspect="1"/>
           </p:cNvPicPr>
           <p:nvPr/>
         </p:nvPicPr>
         <p:blipFill>
-          <a:blip r:embed="rId8">
+          <a:blip r:embed="rId12">
             <a:extLst>
               <a:ext uri="{28A0092B-C50C-407E-A947-70E740481C1C}">
                 <a14:useLocalDpi xmlns:a14="http://schemas.microsoft.com/office/drawing/2010/main" val="0"/>
@@ -6880,519 +7093,2028 @@
         </p:blipFill>
         <p:spPr>
           <a:xfrm>
-            <a:off x="-4053348" y="3345550"/>
-            <a:ext cx="3993891" cy="2662594"/>
+            <a:off x="6901738" y="9514729"/>
+            <a:ext cx="1828800" cy="1219199"/>
           </a:xfrm>
           <a:prstGeom prst="rect">
             <a:avLst/>
           </a:prstGeom>
         </p:spPr>
       </p:pic>
-      <p:pic>
-        <p:nvPicPr>
-          <p:cNvPr id="4" name="Picture 3"/>
-          <p:cNvPicPr>
-            <a:picLocks noChangeAspect="1"/>
-          </p:cNvPicPr>
-          <p:nvPr/>
-        </p:nvPicPr>
-        <p:blipFill>
-          <a:blip r:embed="rId9">
-            <a:extLst>
-              <a:ext uri="{28A0092B-C50C-407E-A947-70E740481C1C}">
-                <a14:useLocalDpi xmlns:a14="http://schemas.microsoft.com/office/drawing/2010/main" val="0"/>
-              </a:ext>
-            </a:extLst>
-          </a:blip>
-          <a:stretch>
-            <a:fillRect/>
-          </a:stretch>
-        </p:blipFill>
-        <p:spPr>
-          <a:xfrm>
-            <a:off x="4991457" y="13786058"/>
-            <a:ext cx="1236424" cy="824282"/>
-          </a:xfrm>
-          <a:prstGeom prst="rect">
-            <a:avLst/>
-          </a:prstGeom>
-        </p:spPr>
-      </p:pic>
-      <p:graphicFrame>
-        <p:nvGraphicFramePr>
-          <p:cNvPr id="28" name="Table 27">
-            <a:extLst>
-              <a:ext uri="{FF2B5EF4-FFF2-40B4-BE49-F238E27FC236}">
-                <a16:creationId xmlns:a16="http://schemas.microsoft.com/office/drawing/2014/main" xmlns="" id="{37BD625B-551D-49A4-895F-BFE014F4F99A}"/>
-              </a:ext>
-            </a:extLst>
-          </p:cNvPr>
-          <p:cNvGraphicFramePr>
-            <a:graphicFrameLocks noGrp="1"/>
-          </p:cNvGraphicFramePr>
-          <p:nvPr>
-            <p:extLst>
-              <p:ext uri="{D42A27DB-BD31-4B8C-83A1-F6EECF244321}">
-                <p14:modId xmlns:p14="http://schemas.microsoft.com/office/powerpoint/2010/main" val="2099304889"/>
-              </p:ext>
-            </p:extLst>
-          </p:nvPr>
-        </p:nvGraphicFramePr>
-        <p:xfrm>
-          <a:off x="4745620" y="11404455"/>
-          <a:ext cx="4224759" cy="1592766"/>
-        </p:xfrm>
-        <a:graphic>
-          <a:graphicData uri="http://schemas.openxmlformats.org/drawingml/2006/table">
-            <a:tbl>
-              <a:tblPr firstRow="1" bandRow="1">
-                <a:tableStyleId>{5C22544A-7EE6-4342-B048-85BDC9FD1C3A}</a:tableStyleId>
-              </a:tblPr>
-              <a:tblGrid>
-                <a:gridCol w="1408253">
-                  <a:extLst>
-                    <a:ext uri="{9D8B030D-6E8A-4147-A177-3AD203B41FA5}">
-                      <a16:colId xmlns:a16="http://schemas.microsoft.com/office/drawing/2014/main" xmlns="" val="3247188750"/>
-                    </a:ext>
-                  </a:extLst>
-                </a:gridCol>
-                <a:gridCol w="1408253">
-                  <a:extLst>
-                    <a:ext uri="{9D8B030D-6E8A-4147-A177-3AD203B41FA5}">
-                      <a16:colId xmlns:a16="http://schemas.microsoft.com/office/drawing/2014/main" xmlns="" val="1214523097"/>
-                    </a:ext>
-                  </a:extLst>
-                </a:gridCol>
-                <a:gridCol w="1408253">
-                  <a:extLst>
-                    <a:ext uri="{9D8B030D-6E8A-4147-A177-3AD203B41FA5}">
-                      <a16:colId xmlns:a16="http://schemas.microsoft.com/office/drawing/2014/main" xmlns="" val="3255143547"/>
-                    </a:ext>
-                  </a:extLst>
-                </a:gridCol>
-              </a:tblGrid>
-              <a:tr h="265518">
-                <a:tc gridSpan="3">
-                  <a:txBody>
-                    <a:bodyPr/>
-                    <a:lstStyle/>
-                    <a:p>
-                      <a:pPr algn="ctr"/>
-                      <a:r>
-                        <a:rPr lang="en-US" sz="1000" dirty="0" smtClean="0"/>
-                        <a:t>Model Accuracies</a:t>
-                      </a:r>
-                      <a:endParaRPr lang="en-US" sz="1000" dirty="0"/>
-                    </a:p>
-                  </a:txBody>
-                  <a:tcPr/>
-                </a:tc>
-                <a:tc hMerge="1">
-                  <a:txBody>
-                    <a:bodyPr/>
-                    <a:lstStyle/>
-                    <a:p>
-                      <a:endParaRPr lang="en-US"/>
-                    </a:p>
-                  </a:txBody>
-                  <a:tcPr/>
-                </a:tc>
-                <a:tc hMerge="1">
-                  <a:txBody>
-                    <a:bodyPr/>
-                    <a:lstStyle/>
-                    <a:p>
-                      <a:endParaRPr lang="en-US" dirty="0"/>
-                    </a:p>
-                  </a:txBody>
-                  <a:tcPr/>
-                </a:tc>
+      <mc:AlternateContent xmlns:mc="http://schemas.openxmlformats.org/markup-compatibility/2006">
+        <mc:Choice xmlns:a14="http://schemas.microsoft.com/office/drawing/2010/main" Requires="a14">
+          <p:graphicFrame>
+            <p:nvGraphicFramePr>
+              <p:cNvPr id="28" name="Table 27">
                 <a:extLst>
-                  <a:ext uri="{0D108BD9-81ED-4DB2-BD59-A6C34878D82A}">
-                    <a16:rowId xmlns:a16="http://schemas.microsoft.com/office/drawing/2014/main" xmlns="" val="426857068"/>
+                  <a:ext uri="{FF2B5EF4-FFF2-40B4-BE49-F238E27FC236}">
+                    <a16:creationId xmlns="" xmlns:a16="http://schemas.microsoft.com/office/drawing/2014/main" id="{37BD625B-551D-49A4-895F-BFE014F4F99A}"/>
                   </a:ext>
                 </a:extLst>
-              </a:tr>
-              <a:tr h="265518">
-                <a:tc>
-                  <a:txBody>
-                    <a:bodyPr/>
-                    <a:lstStyle/>
-                    <a:p>
-                      <a:r>
-                        <a:rPr lang="en-US" sz="1000" dirty="0" smtClean="0"/>
-                        <a:t>Classifier</a:t>
-                      </a:r>
-                      <a:endParaRPr lang="en-US" sz="1000" dirty="0"/>
-                    </a:p>
-                  </a:txBody>
-                  <a:tcPr/>
-                </a:tc>
-                <a:tc>
-                  <a:txBody>
-                    <a:bodyPr/>
-                    <a:lstStyle/>
-                    <a:p>
-                      <a:r>
-                        <a:rPr lang="en-US" sz="1000" dirty="0" smtClean="0"/>
-                        <a:t>1 Hour</a:t>
-                      </a:r>
-                      <a:endParaRPr lang="en-US" sz="1000" dirty="0"/>
-                    </a:p>
-                  </a:txBody>
-                  <a:tcPr/>
-                </a:tc>
-                <a:tc>
-                  <a:txBody>
-                    <a:bodyPr/>
-                    <a:lstStyle/>
-                    <a:p>
-                      <a:r>
-                        <a:rPr lang="en-US" sz="1000" dirty="0" smtClean="0"/>
-                        <a:t>2</a:t>
-                      </a:r>
-                      <a:r>
-                        <a:rPr lang="en-US" sz="1000" baseline="0" dirty="0" smtClean="0"/>
-                        <a:t> Hours</a:t>
-                      </a:r>
-                      <a:endParaRPr lang="en-US" sz="1000" dirty="0"/>
-                    </a:p>
-                  </a:txBody>
-                  <a:tcPr/>
-                </a:tc>
+              </p:cNvPr>
+              <p:cNvGraphicFramePr>
+                <a:graphicFrameLocks noGrp="1"/>
+              </p:cNvGraphicFramePr>
+              <p:nvPr>
+                <p:extLst>
+                  <p:ext uri="{D42A27DB-BD31-4B8C-83A1-F6EECF244321}">
+                    <p14:modId xmlns:p14="http://schemas.microsoft.com/office/powerpoint/2010/main" val="863858431"/>
+                  </p:ext>
+                </p:extLst>
+              </p:nvPr>
+            </p:nvGraphicFramePr>
+            <p:xfrm>
+              <a:off x="4743901" y="7237174"/>
+              <a:ext cx="4224759" cy="1624278"/>
+            </p:xfrm>
+            <a:graphic>
+              <a:graphicData uri="http://schemas.openxmlformats.org/drawingml/2006/table">
+                <a:tbl>
+                  <a:tblPr firstRow="1" bandRow="1">
+                    <a:tableStyleId>{5C22544A-7EE6-4342-B048-85BDC9FD1C3A}</a:tableStyleId>
+                  </a:tblPr>
+                  <a:tblGrid>
+                    <a:gridCol w="1233387">
+                      <a:extLst>
+                        <a:ext uri="{9D8B030D-6E8A-4147-A177-3AD203B41FA5}">
+                          <a16:colId xmlns="" xmlns:a16="http://schemas.microsoft.com/office/drawing/2014/main" val="3247188750"/>
+                        </a:ext>
+                      </a:extLst>
+                    </a:gridCol>
+                    <a:gridCol w="616017">
+                      <a:extLst>
+                        <a:ext uri="{9D8B030D-6E8A-4147-A177-3AD203B41FA5}">
+                          <a16:colId xmlns="" xmlns:a16="http://schemas.microsoft.com/office/drawing/2014/main" val="1214523097"/>
+                        </a:ext>
+                      </a:extLst>
+                    </a:gridCol>
+                    <a:gridCol w="664143">
+                      <a:extLst>
+                        <a:ext uri="{9D8B030D-6E8A-4147-A177-3AD203B41FA5}">
+                          <a16:colId xmlns="" xmlns:a16="http://schemas.microsoft.com/office/drawing/2014/main" val="3255143547"/>
+                        </a:ext>
+                      </a:extLst>
+                    </a:gridCol>
+                    <a:gridCol w="1711212"/>
+                  </a:tblGrid>
+                  <a:tr h="265518">
+                    <a:tc gridSpan="4">
+                      <a:txBody>
+                        <a:bodyPr/>
+                        <a:lstStyle/>
+                        <a:p>
+                          <a:pPr algn="ctr"/>
+                          <a:r>
+                            <a:rPr lang="en-US" sz="1000" dirty="0" smtClean="0"/>
+                            <a:t>Model Accuracies</a:t>
+                          </a:r>
+                          <a:endParaRPr lang="en-US" sz="1000" dirty="0"/>
+                        </a:p>
+                      </a:txBody>
+                      <a:tcPr/>
+                    </a:tc>
+                    <a:tc hMerge="1">
+                      <a:txBody>
+                        <a:bodyPr/>
+                        <a:lstStyle/>
+                        <a:p>
+                          <a:endParaRPr lang="en-US"/>
+                        </a:p>
+                      </a:txBody>
+                      <a:tcPr/>
+                    </a:tc>
+                    <a:tc hMerge="1">
+                      <a:txBody>
+                        <a:bodyPr/>
+                        <a:lstStyle/>
+                        <a:p>
+                          <a:endParaRPr lang="en-US" dirty="0"/>
+                        </a:p>
+                      </a:txBody>
+                      <a:tcPr/>
+                    </a:tc>
+                    <a:tc hMerge="1">
+                      <a:txBody>
+                        <a:bodyPr/>
+                        <a:lstStyle/>
+                        <a:p>
+                          <a:pPr algn="ctr"/>
+                          <a:endParaRPr lang="en-US" sz="1000" dirty="0"/>
+                        </a:p>
+                      </a:txBody>
+                      <a:tcPr/>
+                    </a:tc>
+                    <a:extLst>
+                      <a:ext uri="{0D108BD9-81ED-4DB2-BD59-A6C34878D82A}">
+                        <a16:rowId xmlns="" xmlns:a16="http://schemas.microsoft.com/office/drawing/2014/main" val="426857068"/>
+                      </a:ext>
+                    </a:extLst>
+                  </a:tr>
+                  <a:tr h="265518">
+                    <a:tc>
+                      <a:txBody>
+                        <a:bodyPr/>
+                        <a:lstStyle/>
+                        <a:p>
+                          <a:r>
+                            <a:rPr lang="en-US" sz="1000" dirty="0" smtClean="0"/>
+                            <a:t>Classifier</a:t>
+                          </a:r>
+                          <a:endParaRPr lang="en-US" sz="1000" dirty="0"/>
+                        </a:p>
+                      </a:txBody>
+                      <a:tcPr/>
+                    </a:tc>
+                    <a:tc>
+                      <a:txBody>
+                        <a:bodyPr/>
+                        <a:lstStyle/>
+                        <a:p>
+                          <a:r>
+                            <a:rPr lang="en-US" sz="1000" dirty="0" smtClean="0"/>
+                            <a:t>1 Hour</a:t>
+                          </a:r>
+                          <a:endParaRPr lang="en-US" sz="1000" dirty="0"/>
+                        </a:p>
+                      </a:txBody>
+                      <a:tcPr/>
+                    </a:tc>
+                    <a:tc>
+                      <a:txBody>
+                        <a:bodyPr/>
+                        <a:lstStyle/>
+                        <a:p>
+                          <a:r>
+                            <a:rPr lang="en-US" sz="1000" dirty="0" smtClean="0"/>
+                            <a:t>2</a:t>
+                          </a:r>
+                          <a:r>
+                            <a:rPr lang="en-US" sz="1000" baseline="0" dirty="0" smtClean="0"/>
+                            <a:t> Hours</a:t>
+                          </a:r>
+                          <a:endParaRPr lang="en-US" sz="1000" dirty="0"/>
+                        </a:p>
+                      </a:txBody>
+                      <a:tcPr/>
+                    </a:tc>
+                    <a:tc>
+                      <a:txBody>
+                        <a:bodyPr/>
+                        <a:lstStyle/>
+                        <a:p>
+                          <a:pPr algn="ctr"/>
+                          <a:r>
+                            <a:rPr lang="en-US" sz="1000" dirty="0" smtClean="0"/>
+                            <a:t>Equation</a:t>
+                          </a:r>
+                          <a:endParaRPr lang="en-US" sz="1000" dirty="0"/>
+                        </a:p>
+                      </a:txBody>
+                      <a:tcPr/>
+                    </a:tc>
+                    <a:extLst>
+                      <a:ext uri="{0D108BD9-81ED-4DB2-BD59-A6C34878D82A}">
+                        <a16:rowId xmlns="" xmlns:a16="http://schemas.microsoft.com/office/drawing/2014/main" val="4254030744"/>
+                      </a:ext>
+                    </a:extLst>
+                  </a:tr>
+                  <a:tr h="265176">
+                    <a:tc>
+                      <a:txBody>
+                        <a:bodyPr/>
+                        <a:lstStyle/>
+                        <a:p>
+                          <a:r>
+                            <a:rPr lang="en-US" sz="1000" dirty="0" smtClean="0"/>
+                            <a:t>SVM</a:t>
+                          </a:r>
+                          <a:endParaRPr lang="en-US" sz="1000" dirty="0"/>
+                        </a:p>
+                      </a:txBody>
+                      <a:tcPr/>
+                    </a:tc>
+                    <a:tc>
+                      <a:txBody>
+                        <a:bodyPr/>
+                        <a:lstStyle/>
+                        <a:p>
+                          <a:r>
+                            <a:rPr lang="nb-NO" sz="1000" dirty="0" smtClean="0"/>
+                            <a:t>50.88%</a:t>
+                          </a:r>
+                          <a:endParaRPr lang="en-US" sz="1000" dirty="0"/>
+                        </a:p>
+                      </a:txBody>
+                      <a:tcPr/>
+                    </a:tc>
+                    <a:tc>
+                      <a:txBody>
+                        <a:bodyPr/>
+                        <a:lstStyle/>
+                        <a:p>
+                          <a:r>
+                            <a:rPr lang="en-US" sz="1000" dirty="0" smtClean="0"/>
+                            <a:t>51.72%</a:t>
+                          </a:r>
+                          <a:endParaRPr lang="en-US" sz="1000" dirty="0"/>
+                        </a:p>
+                      </a:txBody>
+                      <a:tcPr/>
+                    </a:tc>
+                    <a:tc>
+                      <a:txBody>
+                        <a:bodyPr/>
+                        <a:lstStyle/>
+                        <a:p>
+                          <a:pPr lvl="0"/>
+                          <a14:m>
+                            <m:oMathPara xmlns:m="http://schemas.openxmlformats.org/officeDocument/2006/math">
+                              <m:oMathParaPr>
+                                <m:jc m:val="centerGroup"/>
+                              </m:oMathParaPr>
+                              <m:oMath xmlns:m="http://schemas.openxmlformats.org/officeDocument/2006/math">
+                                <m:func>
+                                  <m:funcPr>
+                                    <m:ctrlPr>
+                                      <a:rPr lang="en-US" sz="500" b="0" i="1" smtClean="0">
+                                        <a:latin typeface="Cambria Math" charset="0"/>
+                                      </a:rPr>
+                                    </m:ctrlPr>
+                                  </m:funcPr>
+                                  <m:fName>
+                                    <m:r>
+                                      <m:rPr>
+                                        <m:sty m:val="p"/>
+                                      </m:rPr>
+                                      <a:rPr lang="en-US" sz="500" b="0" i="0" smtClean="0">
+                                        <a:latin typeface="Cambria Math" charset="0"/>
+                                      </a:rPr>
+                                      <m:t>min</m:t>
+                                    </m:r>
+                                  </m:fName>
+                                  <m:e>
+                                    <m:sSup>
+                                      <m:sSupPr>
+                                        <m:ctrlPr>
+                                          <a:rPr lang="en-US" sz="500" b="0" i="1" smtClean="0">
+                                            <a:latin typeface="Cambria Math" charset="0"/>
+                                          </a:rPr>
+                                        </m:ctrlPr>
+                                      </m:sSupPr>
+                                      <m:e>
+                                        <m:r>
+                                          <a:rPr lang="en-US" sz="500" b="0" i="1" smtClean="0">
+                                            <a:latin typeface="Cambria Math" charset="0"/>
+                                          </a:rPr>
+                                          <m:t>|</m:t>
+                                        </m:r>
+                                        <m:d>
+                                          <m:dPr>
+                                            <m:begChr m:val="|"/>
+                                            <m:endChr m:val="|"/>
+                                            <m:ctrlPr>
+                                              <a:rPr lang="en-US" sz="500" b="0" i="1" smtClean="0">
+                                                <a:latin typeface="Cambria Math" charset="0"/>
+                                              </a:rPr>
+                                            </m:ctrlPr>
+                                          </m:dPr>
+                                          <m:e>
+                                            <m:r>
+                                              <a:rPr lang="en-US" sz="500" b="0" i="1" smtClean="0">
+                                                <a:latin typeface="Cambria Math" charset="0"/>
+                                              </a:rPr>
+                                              <m:t>𝑤</m:t>
+                                            </m:r>
+                                          </m:e>
+                                        </m:d>
+                                        <m:r>
+                                          <a:rPr lang="en-US" sz="500" b="0" i="1" smtClean="0">
+                                            <a:latin typeface="Cambria Math" charset="0"/>
+                                          </a:rPr>
+                                          <m:t>|</m:t>
+                                        </m:r>
+                                      </m:e>
+                                      <m:sup>
+                                        <m:r>
+                                          <a:rPr lang="en-US" sz="500" b="0" i="1" smtClean="0">
+                                            <a:latin typeface="Cambria Math" charset="0"/>
+                                          </a:rPr>
+                                          <m:t>2</m:t>
+                                        </m:r>
+                                      </m:sup>
+                                    </m:sSup>
+                                    <m:r>
+                                      <a:rPr lang="en-US" sz="500" b="0" i="1" smtClean="0">
+                                        <a:latin typeface="Cambria Math" charset="0"/>
+                                      </a:rPr>
+                                      <m:t>+</m:t>
+                                    </m:r>
+                                    <m:r>
+                                      <a:rPr lang="en-US" sz="500" b="0" i="1" smtClean="0">
+                                        <a:latin typeface="Cambria Math" charset="0"/>
+                                      </a:rPr>
+                                      <m:t>𝐶</m:t>
+                                    </m:r>
+                                    <m:nary>
+                                      <m:naryPr>
+                                        <m:chr m:val="∑"/>
+                                        <m:subHide m:val="on"/>
+                                        <m:supHide m:val="on"/>
+                                        <m:ctrlPr>
+                                          <a:rPr lang="en-US" sz="500" b="0" i="1" smtClean="0">
+                                            <a:latin typeface="Cambria Math" charset="0"/>
+                                          </a:rPr>
+                                        </m:ctrlPr>
+                                      </m:naryPr>
+                                      <m:sub/>
+                                      <m:sup/>
+                                      <m:e>
+                                        <m:func>
+                                          <m:funcPr>
+                                            <m:ctrlPr>
+                                              <a:rPr lang="en-US" sz="500" b="0" i="1" smtClean="0">
+                                                <a:latin typeface="Cambria Math" charset="0"/>
+                                              </a:rPr>
+                                            </m:ctrlPr>
+                                          </m:funcPr>
+                                          <m:fName>
+                                            <m:r>
+                                              <m:rPr>
+                                                <m:sty m:val="p"/>
+                                              </m:rPr>
+                                              <a:rPr lang="en-US" sz="500" b="0" i="0" smtClean="0">
+                                                <a:latin typeface="Cambria Math" charset="0"/>
+                                              </a:rPr>
+                                              <m:t>max</m:t>
+                                            </m:r>
+                                          </m:fName>
+                                          <m:e>
+                                            <m:r>
+                                              <a:rPr lang="en-US" sz="500" b="0" i="1" smtClean="0">
+                                                <a:latin typeface="Cambria Math" charset="0"/>
+                                              </a:rPr>
+                                              <m:t>[0,1−</m:t>
+                                            </m:r>
+                                            <m:sSub>
+                                              <m:sSubPr>
+                                                <m:ctrlPr>
+                                                  <a:rPr lang="en-US" sz="500" b="0" i="1" smtClean="0">
+                                                    <a:latin typeface="Cambria Math" charset="0"/>
+                                                  </a:rPr>
+                                                </m:ctrlPr>
+                                              </m:sSubPr>
+                                              <m:e>
+                                                <m:r>
+                                                  <a:rPr lang="en-US" sz="500" b="0" i="1" smtClean="0">
+                                                    <a:latin typeface="Cambria Math" charset="0"/>
+                                                  </a:rPr>
+                                                  <m:t>𝑦</m:t>
+                                                </m:r>
+                                              </m:e>
+                                              <m:sub>
+                                                <m:r>
+                                                  <a:rPr lang="en-US" sz="500" b="0" i="1" smtClean="0">
+                                                    <a:latin typeface="Cambria Math" charset="0"/>
+                                                  </a:rPr>
+                                                  <m:t>𝑖</m:t>
+                                                </m:r>
+                                              </m:sub>
+                                            </m:sSub>
+                                            <m:r>
+                                              <a:rPr lang="en-US" sz="500" b="0" i="1" smtClean="0">
+                                                <a:latin typeface="Cambria Math" charset="0"/>
+                                              </a:rPr>
+                                              <m:t>(</m:t>
+                                            </m:r>
+                                            <m:sSup>
+                                              <m:sSupPr>
+                                                <m:ctrlPr>
+                                                  <a:rPr lang="en-US" sz="500" b="0" i="1" smtClean="0">
+                                                    <a:latin typeface="Cambria Math" charset="0"/>
+                                                  </a:rPr>
+                                                </m:ctrlPr>
+                                              </m:sSupPr>
+                                              <m:e>
+                                                <m:r>
+                                                  <a:rPr lang="en-US" sz="500" b="0" i="1" smtClean="0">
+                                                    <a:latin typeface="Cambria Math" charset="0"/>
+                                                  </a:rPr>
+                                                  <m:t>𝑤</m:t>
+                                                </m:r>
+                                              </m:e>
+                                              <m:sup>
+                                                <m:r>
+                                                  <a:rPr lang="en-US" sz="500" b="0" i="1" smtClean="0">
+                                                    <a:latin typeface="Cambria Math" charset="0"/>
+                                                  </a:rPr>
+                                                  <m:t>𝑇</m:t>
+                                                </m:r>
+                                              </m:sup>
+                                            </m:sSup>
+                                            <m:sSub>
+                                              <m:sSubPr>
+                                                <m:ctrlPr>
+                                                  <a:rPr lang="en-US" sz="500" b="0" i="1" smtClean="0">
+                                                    <a:latin typeface="Cambria Math" charset="0"/>
+                                                  </a:rPr>
+                                                </m:ctrlPr>
+                                              </m:sSubPr>
+                                              <m:e>
+                                                <m:r>
+                                                  <a:rPr lang="en-US" sz="500" b="0" i="1" smtClean="0">
+                                                    <a:latin typeface="Cambria Math" charset="0"/>
+                                                  </a:rPr>
+                                                  <m:t>𝑥</m:t>
+                                                </m:r>
+                                              </m:e>
+                                              <m:sub>
+                                                <m:r>
+                                                  <a:rPr lang="en-US" sz="500" b="0" i="1" smtClean="0">
+                                                    <a:latin typeface="Cambria Math" charset="0"/>
+                                                  </a:rPr>
+                                                  <m:t>𝑖</m:t>
+                                                </m:r>
+                                              </m:sub>
+                                            </m:sSub>
+                                            <m:r>
+                                              <a:rPr lang="en-US" sz="500" b="0" i="1" smtClean="0">
+                                                <a:latin typeface="Cambria Math" charset="0"/>
+                                              </a:rPr>
+                                              <m:t>+</m:t>
+                                            </m:r>
+                                            <m:r>
+                                              <a:rPr lang="en-US" sz="500" b="0" i="1" smtClean="0">
+                                                <a:latin typeface="Cambria Math" charset="0"/>
+                                              </a:rPr>
+                                              <m:t>𝑏</m:t>
+                                            </m:r>
+                                            <m:r>
+                                              <a:rPr lang="en-US" sz="500" b="0" i="1" smtClean="0">
+                                                <a:latin typeface="Cambria Math" charset="0"/>
+                                              </a:rPr>
+                                              <m:t>)]</m:t>
+                                            </m:r>
+                                          </m:e>
+                                        </m:func>
+                                      </m:e>
+                                    </m:nary>
+                                  </m:e>
+                                </m:func>
+                              </m:oMath>
+                            </m:oMathPara>
+                          </a14:m>
+                          <a:endParaRPr lang="en-US" sz="500" dirty="0"/>
+                        </a:p>
+                      </a:txBody>
+                      <a:tcPr/>
+                    </a:tc>
+                    <a:extLst>
+                      <a:ext uri="{0D108BD9-81ED-4DB2-BD59-A6C34878D82A}">
+                        <a16:rowId xmlns="" xmlns:a16="http://schemas.microsoft.com/office/drawing/2014/main" val="2348030731"/>
+                      </a:ext>
+                    </a:extLst>
+                  </a:tr>
+                  <a:tr h="265518">
+                    <a:tc>
+                      <a:txBody>
+                        <a:bodyPr/>
+                        <a:lstStyle/>
+                        <a:p>
+                          <a:r>
+                            <a:rPr lang="en-US" sz="1000" dirty="0" smtClean="0"/>
+                            <a:t>Logistic</a:t>
+                          </a:r>
+                          <a:r>
+                            <a:rPr lang="en-US" sz="1000" baseline="0" dirty="0" smtClean="0"/>
+                            <a:t> Regression</a:t>
+                          </a:r>
+                          <a:endParaRPr lang="en-US" sz="1000" dirty="0"/>
+                        </a:p>
+                      </a:txBody>
+                      <a:tcPr/>
+                    </a:tc>
+                    <a:tc>
+                      <a:txBody>
+                        <a:bodyPr/>
+                        <a:lstStyle/>
+                        <a:p>
+                          <a:r>
+                            <a:rPr lang="hr-HR" sz="1000" dirty="0" smtClean="0"/>
+                            <a:t>52.63%</a:t>
+                          </a:r>
+                          <a:endParaRPr lang="en-US" sz="1000" dirty="0"/>
+                        </a:p>
+                      </a:txBody>
+                      <a:tcPr/>
+                    </a:tc>
+                    <a:tc>
+                      <a:txBody>
+                        <a:bodyPr/>
+                        <a:lstStyle/>
+                        <a:p>
+                          <a:r>
+                            <a:rPr lang="en-US" sz="1000" dirty="0" smtClean="0"/>
+                            <a:t>50.26%</a:t>
+                          </a:r>
+                          <a:endParaRPr lang="en-US" sz="1000" dirty="0"/>
+                        </a:p>
+                      </a:txBody>
+                      <a:tcPr/>
+                    </a:tc>
+                    <a:tc>
+                      <a:txBody>
+                        <a:bodyPr/>
+                        <a:lstStyle/>
+                        <a:p>
+                          <a:pPr marL="0" marR="0" indent="0" algn="l" defTabSz="1371600" rtl="0" eaLnBrk="1" fontAlgn="auto" latinLnBrk="0" hangingPunct="1">
+                            <a:lnSpc>
+                              <a:spcPct val="100000"/>
+                            </a:lnSpc>
+                            <a:spcBef>
+                              <a:spcPts val="0"/>
+                            </a:spcBef>
+                            <a:spcAft>
+                              <a:spcPts val="0"/>
+                            </a:spcAft>
+                            <a:buClrTx/>
+                            <a:buSzTx/>
+                            <a:buFontTx/>
+                            <a:buNone/>
+                            <a:tabLst/>
+                            <a:defRPr/>
+                          </a:pPr>
+                          <a14:m>
+                            <m:oMathPara xmlns:m="http://schemas.openxmlformats.org/officeDocument/2006/math">
+                              <m:oMathParaPr>
+                                <m:jc m:val="centerGroup"/>
+                              </m:oMathParaPr>
+                              <m:oMath xmlns:m="http://schemas.openxmlformats.org/officeDocument/2006/math">
+                                <m:func>
+                                  <m:funcPr>
+                                    <m:ctrlPr>
+                                      <a:rPr lang="en-US" sz="500" b="0" i="1" smtClean="0">
+                                        <a:solidFill>
+                                          <a:srgbClr val="011F5B"/>
+                                        </a:solidFill>
+                                        <a:latin typeface="Cambria Math" charset="0"/>
+                                        <a:ea typeface="Calibri" charset="0"/>
+                                        <a:cs typeface="Calibri" charset="0"/>
+                                      </a:rPr>
+                                    </m:ctrlPr>
+                                  </m:funcPr>
+                                  <m:fName>
+                                    <m:r>
+                                      <m:rPr>
+                                        <m:sty m:val="p"/>
+                                      </m:rPr>
+                                      <a:rPr lang="en-US" sz="500" b="0" i="0" smtClean="0">
+                                        <a:solidFill>
+                                          <a:srgbClr val="011F5B"/>
+                                        </a:solidFill>
+                                        <a:latin typeface="Cambria Math" charset="0"/>
+                                        <a:ea typeface="Calibri" charset="0"/>
+                                        <a:cs typeface="Calibri" charset="0"/>
+                                      </a:rPr>
+                                      <m:t>max</m:t>
+                                    </m:r>
+                                  </m:fName>
+                                  <m:e>
+                                    <m:nary>
+                                      <m:naryPr>
+                                        <m:chr m:val="∏"/>
+                                        <m:subHide m:val="on"/>
+                                        <m:supHide m:val="on"/>
+                                        <m:ctrlPr>
+                                          <a:rPr lang="en-US" sz="500" b="0" i="1" smtClean="0">
+                                            <a:solidFill>
+                                              <a:srgbClr val="011F5B"/>
+                                            </a:solidFill>
+                                            <a:latin typeface="Cambria Math" charset="0"/>
+                                            <a:ea typeface="Calibri" charset="0"/>
+                                            <a:cs typeface="Calibri" charset="0"/>
+                                          </a:rPr>
+                                        </m:ctrlPr>
+                                      </m:naryPr>
+                                      <m:sub/>
+                                      <m:sup/>
+                                      <m:e>
+                                        <m:sSup>
+                                          <m:sSupPr>
+                                            <m:ctrlPr>
+                                              <a:rPr lang="en-US" sz="500" b="0" i="1" smtClean="0">
+                                                <a:solidFill>
+                                                  <a:srgbClr val="011F5B"/>
+                                                </a:solidFill>
+                                                <a:latin typeface="Cambria Math" charset="0"/>
+                                                <a:ea typeface="Cambria Math" charset="0"/>
+                                                <a:cs typeface="Cambria Math" charset="0"/>
+                                              </a:rPr>
+                                            </m:ctrlPr>
+                                          </m:sSupPr>
+                                          <m:e>
+                                            <m:r>
+                                              <a:rPr lang="en-US" sz="500" b="0" i="1" smtClean="0">
+                                                <a:solidFill>
+                                                  <a:srgbClr val="011F5B"/>
+                                                </a:solidFill>
+                                                <a:latin typeface="Cambria Math" charset="0"/>
+                                                <a:ea typeface="Cambria Math" charset="0"/>
+                                                <a:cs typeface="Cambria Math" charset="0"/>
+                                              </a:rPr>
+                                              <m:t>𝜎</m:t>
+                                            </m:r>
+                                            <m:d>
+                                              <m:dPr>
+                                                <m:ctrlPr>
+                                                  <a:rPr lang="en-US" sz="500" b="0" i="1" smtClean="0">
+                                                    <a:solidFill>
+                                                      <a:srgbClr val="011F5B"/>
+                                                    </a:solidFill>
+                                                    <a:latin typeface="Cambria Math" charset="0"/>
+                                                    <a:ea typeface="Cambria Math" charset="0"/>
+                                                    <a:cs typeface="Cambria Math" charset="0"/>
+                                                  </a:rPr>
+                                                </m:ctrlPr>
+                                              </m:dPr>
+                                              <m:e>
+                                                <m:sSub>
+                                                  <m:sSubPr>
+                                                    <m:ctrlPr>
+                                                      <a:rPr lang="en-US" sz="500" b="0" i="1" smtClean="0">
+                                                        <a:solidFill>
+                                                          <a:srgbClr val="011F5B"/>
+                                                        </a:solidFill>
+                                                        <a:latin typeface="Cambria Math" charset="0"/>
+                                                        <a:ea typeface="Cambria Math" charset="0"/>
+                                                        <a:cs typeface="Cambria Math" charset="0"/>
+                                                      </a:rPr>
+                                                    </m:ctrlPr>
+                                                  </m:sSubPr>
+                                                  <m:e>
+                                                    <m:r>
+                                                      <a:rPr lang="en-US" sz="500" b="0" i="1" smtClean="0">
+                                                        <a:solidFill>
+                                                          <a:srgbClr val="011F5B"/>
+                                                        </a:solidFill>
+                                                        <a:latin typeface="Cambria Math" charset="0"/>
+                                                        <a:ea typeface="Cambria Math" charset="0"/>
+                                                        <a:cs typeface="Cambria Math" charset="0"/>
+                                                      </a:rPr>
+                                                      <m:t>𝑥</m:t>
+                                                    </m:r>
+                                                  </m:e>
+                                                  <m:sub>
+                                                    <m:r>
+                                                      <a:rPr lang="en-US" sz="500" b="0" i="1" smtClean="0">
+                                                        <a:solidFill>
+                                                          <a:srgbClr val="011F5B"/>
+                                                        </a:solidFill>
+                                                        <a:latin typeface="Cambria Math" charset="0"/>
+                                                        <a:ea typeface="Cambria Math" charset="0"/>
+                                                        <a:cs typeface="Cambria Math" charset="0"/>
+                                                      </a:rPr>
+                                                      <m:t>𝑖</m:t>
+                                                    </m:r>
+                                                  </m:sub>
+                                                </m:sSub>
+                                              </m:e>
+                                            </m:d>
+                                          </m:e>
+                                          <m:sup>
+                                            <m:sSub>
+                                              <m:sSubPr>
+                                                <m:ctrlPr>
+                                                  <a:rPr lang="en-US" sz="500" b="0" i="1" smtClean="0">
+                                                    <a:solidFill>
+                                                      <a:srgbClr val="011F5B"/>
+                                                    </a:solidFill>
+                                                    <a:latin typeface="Cambria Math" charset="0"/>
+                                                    <a:ea typeface="Cambria Math" charset="0"/>
+                                                    <a:cs typeface="Cambria Math" charset="0"/>
+                                                  </a:rPr>
+                                                </m:ctrlPr>
+                                              </m:sSubPr>
+                                              <m:e>
+                                                <m:r>
+                                                  <a:rPr lang="en-US" sz="500" b="0" i="1" smtClean="0">
+                                                    <a:solidFill>
+                                                      <a:srgbClr val="011F5B"/>
+                                                    </a:solidFill>
+                                                    <a:latin typeface="Cambria Math" charset="0"/>
+                                                    <a:ea typeface="Cambria Math" charset="0"/>
+                                                    <a:cs typeface="Cambria Math" charset="0"/>
+                                                  </a:rPr>
+                                                  <m:t>𝑦</m:t>
+                                                </m:r>
+                                              </m:e>
+                                              <m:sub>
+                                                <m:r>
+                                                  <a:rPr lang="en-US" sz="500" b="0" i="1" smtClean="0">
+                                                    <a:solidFill>
+                                                      <a:srgbClr val="011F5B"/>
+                                                    </a:solidFill>
+                                                    <a:latin typeface="Cambria Math" charset="0"/>
+                                                    <a:ea typeface="Cambria Math" charset="0"/>
+                                                    <a:cs typeface="Cambria Math" charset="0"/>
+                                                  </a:rPr>
+                                                  <m:t>𝑖</m:t>
+                                                </m:r>
+                                              </m:sub>
+                                            </m:sSub>
+                                          </m:sup>
+                                        </m:sSup>
+                                        <m:sSup>
+                                          <m:sSupPr>
+                                            <m:ctrlPr>
+                                              <a:rPr lang="en-US" sz="500" b="0" i="1" smtClean="0">
+                                                <a:solidFill>
+                                                  <a:srgbClr val="011F5B"/>
+                                                </a:solidFill>
+                                                <a:latin typeface="Cambria Math" charset="0"/>
+                                                <a:ea typeface="Cambria Math" charset="0"/>
+                                                <a:cs typeface="Cambria Math" charset="0"/>
+                                              </a:rPr>
+                                            </m:ctrlPr>
+                                          </m:sSupPr>
+                                          <m:e>
+                                            <m:d>
+                                              <m:dPr>
+                                                <m:ctrlPr>
+                                                  <a:rPr lang="en-US" sz="500" b="0" i="1" smtClean="0">
+                                                    <a:solidFill>
+                                                      <a:srgbClr val="011F5B"/>
+                                                    </a:solidFill>
+                                                    <a:latin typeface="Cambria Math" charset="0"/>
+                                                    <a:ea typeface="Cambria Math" charset="0"/>
+                                                    <a:cs typeface="Cambria Math" charset="0"/>
+                                                  </a:rPr>
+                                                </m:ctrlPr>
+                                              </m:dPr>
+                                              <m:e>
+                                                <m:r>
+                                                  <a:rPr lang="en-US" sz="500" b="0" i="1" smtClean="0">
+                                                    <a:solidFill>
+                                                      <a:srgbClr val="011F5B"/>
+                                                    </a:solidFill>
+                                                    <a:latin typeface="Cambria Math" charset="0"/>
+                                                    <a:ea typeface="Cambria Math" charset="0"/>
+                                                    <a:cs typeface="Cambria Math" charset="0"/>
+                                                  </a:rPr>
+                                                  <m:t>1−</m:t>
+                                                </m:r>
+                                                <m:r>
+                                                  <a:rPr lang="en-US" sz="500" b="0" i="1" smtClean="0">
+                                                    <a:solidFill>
+                                                      <a:srgbClr val="011F5B"/>
+                                                    </a:solidFill>
+                                                    <a:latin typeface="Cambria Math" charset="0"/>
+                                                    <a:ea typeface="Cambria Math" charset="0"/>
+                                                    <a:cs typeface="Cambria Math" charset="0"/>
+                                                  </a:rPr>
+                                                  <m:t>𝜎</m:t>
+                                                </m:r>
+                                                <m:d>
+                                                  <m:dPr>
+                                                    <m:ctrlPr>
+                                                      <a:rPr lang="en-US" sz="500" b="0" i="1" smtClean="0">
+                                                        <a:solidFill>
+                                                          <a:srgbClr val="011F5B"/>
+                                                        </a:solidFill>
+                                                        <a:latin typeface="Cambria Math" charset="0"/>
+                                                        <a:ea typeface="Cambria Math" charset="0"/>
+                                                        <a:cs typeface="Cambria Math" charset="0"/>
+                                                      </a:rPr>
+                                                    </m:ctrlPr>
+                                                  </m:dPr>
+                                                  <m:e>
+                                                    <m:sSub>
+                                                      <m:sSubPr>
+                                                        <m:ctrlPr>
+                                                          <a:rPr lang="en-US" sz="500" b="0" i="1" smtClean="0">
+                                                            <a:solidFill>
+                                                              <a:srgbClr val="011F5B"/>
+                                                            </a:solidFill>
+                                                            <a:latin typeface="Cambria Math" charset="0"/>
+                                                            <a:ea typeface="Cambria Math" charset="0"/>
+                                                            <a:cs typeface="Cambria Math" charset="0"/>
+                                                          </a:rPr>
+                                                        </m:ctrlPr>
+                                                      </m:sSubPr>
+                                                      <m:e>
+                                                        <m:r>
+                                                          <a:rPr lang="en-US" sz="500" b="0" i="1" smtClean="0">
+                                                            <a:solidFill>
+                                                              <a:srgbClr val="011F5B"/>
+                                                            </a:solidFill>
+                                                            <a:latin typeface="Cambria Math" charset="0"/>
+                                                            <a:ea typeface="Cambria Math" charset="0"/>
+                                                            <a:cs typeface="Cambria Math" charset="0"/>
+                                                          </a:rPr>
+                                                          <m:t>𝑥</m:t>
+                                                        </m:r>
+                                                      </m:e>
+                                                      <m:sub>
+                                                        <m:r>
+                                                          <a:rPr lang="en-US" sz="500" b="0" i="1" smtClean="0">
+                                                            <a:solidFill>
+                                                              <a:srgbClr val="011F5B"/>
+                                                            </a:solidFill>
+                                                            <a:latin typeface="Cambria Math" charset="0"/>
+                                                            <a:ea typeface="Cambria Math" charset="0"/>
+                                                            <a:cs typeface="Cambria Math" charset="0"/>
+                                                          </a:rPr>
+                                                          <m:t>𝑖</m:t>
+                                                        </m:r>
+                                                      </m:sub>
+                                                    </m:sSub>
+                                                  </m:e>
+                                                </m:d>
+                                              </m:e>
+                                            </m:d>
+                                          </m:e>
+                                          <m:sup>
+                                            <m:r>
+                                              <a:rPr lang="en-US" sz="500" b="0" i="1" smtClean="0">
+                                                <a:solidFill>
+                                                  <a:srgbClr val="011F5B"/>
+                                                </a:solidFill>
+                                                <a:latin typeface="Cambria Math" charset="0"/>
+                                                <a:ea typeface="Cambria Math" charset="0"/>
+                                                <a:cs typeface="Cambria Math" charset="0"/>
+                                              </a:rPr>
+                                              <m:t>1−</m:t>
+                                            </m:r>
+                                            <m:sSub>
+                                              <m:sSubPr>
+                                                <m:ctrlPr>
+                                                  <a:rPr lang="en-US" sz="500" b="0" i="1" smtClean="0">
+                                                    <a:solidFill>
+                                                      <a:srgbClr val="011F5B"/>
+                                                    </a:solidFill>
+                                                    <a:latin typeface="Cambria Math" charset="0"/>
+                                                    <a:ea typeface="Cambria Math" charset="0"/>
+                                                    <a:cs typeface="Cambria Math" charset="0"/>
+                                                  </a:rPr>
+                                                </m:ctrlPr>
+                                              </m:sSubPr>
+                                              <m:e>
+                                                <m:r>
+                                                  <a:rPr lang="en-US" sz="500" b="0" i="1" smtClean="0">
+                                                    <a:solidFill>
+                                                      <a:srgbClr val="011F5B"/>
+                                                    </a:solidFill>
+                                                    <a:latin typeface="Cambria Math" charset="0"/>
+                                                    <a:ea typeface="Cambria Math" charset="0"/>
+                                                    <a:cs typeface="Cambria Math" charset="0"/>
+                                                  </a:rPr>
+                                                  <m:t>𝑦</m:t>
+                                                </m:r>
+                                              </m:e>
+                                              <m:sub>
+                                                <m:r>
+                                                  <a:rPr lang="en-US" sz="500" b="0" i="1" smtClean="0">
+                                                    <a:solidFill>
+                                                      <a:srgbClr val="011F5B"/>
+                                                    </a:solidFill>
+                                                    <a:latin typeface="Cambria Math" charset="0"/>
+                                                    <a:ea typeface="Cambria Math" charset="0"/>
+                                                    <a:cs typeface="Cambria Math" charset="0"/>
+                                                  </a:rPr>
+                                                  <m:t>𝑖</m:t>
+                                                </m:r>
+                                              </m:sub>
+                                            </m:sSub>
+                                          </m:sup>
+                                        </m:sSup>
+                                      </m:e>
+                                    </m:nary>
+                                    <m:r>
+                                      <a:rPr lang="en-US" sz="500" b="0" i="1" smtClean="0">
+                                        <a:solidFill>
+                                          <a:srgbClr val="011F5B"/>
+                                        </a:solidFill>
+                                        <a:latin typeface="Cambria Math" charset="0"/>
+                                        <a:ea typeface="Calibri" charset="0"/>
+                                        <a:cs typeface="Calibri" charset="0"/>
+                                      </a:rPr>
+                                      <m:t>,</m:t>
+                                    </m:r>
+                                    <m:r>
+                                      <a:rPr lang="en-US" sz="500" b="0" i="1" smtClean="0">
+                                        <a:solidFill>
+                                          <a:srgbClr val="011F5B"/>
+                                        </a:solidFill>
+                                        <a:latin typeface="Cambria Math" charset="0"/>
+                                        <a:ea typeface="Cambria Math" charset="0"/>
+                                        <a:cs typeface="Cambria Math" charset="0"/>
+                                      </a:rPr>
+                                      <m:t>𝜎</m:t>
+                                    </m:r>
+                                    <m:d>
+                                      <m:dPr>
+                                        <m:ctrlPr>
+                                          <a:rPr lang="en-US" sz="500" b="0" i="1" smtClean="0">
+                                            <a:solidFill>
+                                              <a:srgbClr val="011F5B"/>
+                                            </a:solidFill>
+                                            <a:latin typeface="Cambria Math" charset="0"/>
+                                            <a:ea typeface="Cambria Math" charset="0"/>
+                                            <a:cs typeface="Cambria Math" charset="0"/>
+                                          </a:rPr>
+                                        </m:ctrlPr>
+                                      </m:dPr>
+                                      <m:e>
+                                        <m:r>
+                                          <a:rPr lang="en-US" sz="500" b="0" i="1" smtClean="0">
+                                            <a:solidFill>
+                                              <a:srgbClr val="011F5B"/>
+                                            </a:solidFill>
+                                            <a:latin typeface="Cambria Math" charset="0"/>
+                                            <a:ea typeface="Cambria Math" charset="0"/>
+                                            <a:cs typeface="Cambria Math" charset="0"/>
+                                          </a:rPr>
+                                          <m:t>𝑥</m:t>
+                                        </m:r>
+                                      </m:e>
+                                    </m:d>
+                                    <m:r>
+                                      <a:rPr lang="en-US" sz="500" b="0" i="1" smtClean="0">
+                                        <a:solidFill>
+                                          <a:srgbClr val="011F5B"/>
+                                        </a:solidFill>
+                                        <a:latin typeface="Cambria Math" charset="0"/>
+                                        <a:ea typeface="Cambria Math" charset="0"/>
+                                        <a:cs typeface="Cambria Math" charset="0"/>
+                                      </a:rPr>
+                                      <m:t>=</m:t>
+                                    </m:r>
+                                    <m:f>
+                                      <m:fPr>
+                                        <m:ctrlPr>
+                                          <a:rPr lang="mr-IN" sz="500" b="0" i="1" smtClean="0">
+                                            <a:solidFill>
+                                              <a:srgbClr val="011F5B"/>
+                                            </a:solidFill>
+                                            <a:latin typeface="Cambria Math" charset="0"/>
+                                            <a:ea typeface="Cambria Math" charset="0"/>
+                                            <a:cs typeface="Cambria Math" charset="0"/>
+                                          </a:rPr>
+                                        </m:ctrlPr>
+                                      </m:fPr>
+                                      <m:num>
+                                        <m:r>
+                                          <a:rPr lang="en-US" sz="500" b="0" i="1" smtClean="0">
+                                            <a:solidFill>
+                                              <a:srgbClr val="011F5B"/>
+                                            </a:solidFill>
+                                            <a:latin typeface="Cambria Math" charset="0"/>
+                                            <a:ea typeface="Cambria Math" charset="0"/>
+                                            <a:cs typeface="Cambria Math" charset="0"/>
+                                          </a:rPr>
+                                          <m:t>1</m:t>
+                                        </m:r>
+                                      </m:num>
+                                      <m:den>
+                                        <m:r>
+                                          <a:rPr lang="en-US" sz="500" b="0" i="1" smtClean="0">
+                                            <a:solidFill>
+                                              <a:srgbClr val="011F5B"/>
+                                            </a:solidFill>
+                                            <a:latin typeface="Cambria Math" charset="0"/>
+                                            <a:ea typeface="Cambria Math" charset="0"/>
+                                            <a:cs typeface="Cambria Math" charset="0"/>
+                                          </a:rPr>
+                                          <m:t>1+</m:t>
+                                        </m:r>
+                                        <m:sSup>
+                                          <m:sSupPr>
+                                            <m:ctrlPr>
+                                              <a:rPr lang="en-US" sz="500" b="0" i="1" smtClean="0">
+                                                <a:solidFill>
+                                                  <a:srgbClr val="011F5B"/>
+                                                </a:solidFill>
+                                                <a:latin typeface="Cambria Math" charset="0"/>
+                                                <a:ea typeface="Cambria Math" charset="0"/>
+                                                <a:cs typeface="Cambria Math" charset="0"/>
+                                              </a:rPr>
+                                            </m:ctrlPr>
+                                          </m:sSupPr>
+                                          <m:e>
+                                            <m:r>
+                                              <a:rPr lang="en-US" sz="500" b="0" i="1" smtClean="0">
+                                                <a:solidFill>
+                                                  <a:srgbClr val="011F5B"/>
+                                                </a:solidFill>
+                                                <a:latin typeface="Cambria Math" charset="0"/>
+                                                <a:ea typeface="Cambria Math" charset="0"/>
+                                                <a:cs typeface="Cambria Math" charset="0"/>
+                                              </a:rPr>
+                                              <m:t>𝑒</m:t>
+                                            </m:r>
+                                          </m:e>
+                                          <m:sup>
+                                            <m:r>
+                                              <a:rPr lang="en-US" sz="500" b="0" i="1" smtClean="0">
+                                                <a:solidFill>
+                                                  <a:srgbClr val="011F5B"/>
+                                                </a:solidFill>
+                                                <a:latin typeface="Cambria Math" charset="0"/>
+                                                <a:ea typeface="Cambria Math" charset="0"/>
+                                                <a:cs typeface="Cambria Math" charset="0"/>
+                                              </a:rPr>
+                                              <m:t>−</m:t>
+                                            </m:r>
+                                            <m:sSup>
+                                              <m:sSupPr>
+                                                <m:ctrlPr>
+                                                  <a:rPr lang="en-US" sz="500" b="0" i="1" smtClean="0">
+                                                    <a:solidFill>
+                                                      <a:srgbClr val="011F5B"/>
+                                                    </a:solidFill>
+                                                    <a:latin typeface="Cambria Math" charset="0"/>
+                                                    <a:ea typeface="Cambria Math" charset="0"/>
+                                                    <a:cs typeface="Cambria Math" charset="0"/>
+                                                  </a:rPr>
+                                                </m:ctrlPr>
+                                              </m:sSupPr>
+                                              <m:e>
+                                                <m:r>
+                                                  <a:rPr lang="en-US" sz="500" b="0" i="1" smtClean="0">
+                                                    <a:solidFill>
+                                                      <a:srgbClr val="011F5B"/>
+                                                    </a:solidFill>
+                                                    <a:latin typeface="Cambria Math" charset="0"/>
+                                                    <a:ea typeface="Cambria Math" charset="0"/>
+                                                    <a:cs typeface="Cambria Math" charset="0"/>
+                                                  </a:rPr>
+                                                  <m:t>𝑤</m:t>
+                                                </m:r>
+                                              </m:e>
+                                              <m:sup>
+                                                <m:r>
+                                                  <a:rPr lang="en-US" sz="500" b="0" i="1" smtClean="0">
+                                                    <a:solidFill>
+                                                      <a:srgbClr val="011F5B"/>
+                                                    </a:solidFill>
+                                                    <a:latin typeface="Cambria Math" charset="0"/>
+                                                    <a:ea typeface="Cambria Math" charset="0"/>
+                                                    <a:cs typeface="Cambria Math" charset="0"/>
+                                                  </a:rPr>
+                                                  <m:t>𝑇</m:t>
+                                                </m:r>
+                                              </m:sup>
+                                            </m:sSup>
+                                            <m:r>
+                                              <a:rPr lang="en-US" sz="500" b="0" i="1" smtClean="0">
+                                                <a:solidFill>
+                                                  <a:srgbClr val="011F5B"/>
+                                                </a:solidFill>
+                                                <a:latin typeface="Cambria Math" charset="0"/>
+                                                <a:ea typeface="Cambria Math" charset="0"/>
+                                                <a:cs typeface="Cambria Math" charset="0"/>
+                                              </a:rPr>
+                                              <m:t>𝑥</m:t>
+                                            </m:r>
+                                          </m:sup>
+                                        </m:sSup>
+                                      </m:den>
+                                    </m:f>
+                                  </m:e>
+                                </m:func>
+                              </m:oMath>
+                            </m:oMathPara>
+                          </a14:m>
+                          <a:endParaRPr lang="en-US" sz="500" dirty="0">
+                            <a:solidFill>
+                              <a:srgbClr val="011F5B"/>
+                            </a:solidFill>
+                            <a:latin typeface="Calibri" charset="0"/>
+                            <a:ea typeface="Calibri" charset="0"/>
+                            <a:cs typeface="Calibri" charset="0"/>
+                          </a:endParaRPr>
+                        </a:p>
+                      </a:txBody>
+                      <a:tcPr/>
+                    </a:tc>
+                    <a:extLst>
+                      <a:ext uri="{0D108BD9-81ED-4DB2-BD59-A6C34878D82A}">
+                        <a16:rowId xmlns="" xmlns:a16="http://schemas.microsoft.com/office/drawing/2014/main" val="575309201"/>
+                      </a:ext>
+                    </a:extLst>
+                  </a:tr>
+                  <a:tr h="265518">
+                    <a:tc>
+                      <a:txBody>
+                        <a:bodyPr/>
+                        <a:lstStyle/>
+                        <a:p>
+                          <a:r>
+                            <a:rPr lang="en-US" sz="1000" dirty="0" smtClean="0"/>
+                            <a:t>Naïve Bayes</a:t>
+                          </a:r>
+                          <a:endParaRPr lang="en-US" sz="1000" dirty="0"/>
+                        </a:p>
+                      </a:txBody>
+                      <a:tcPr/>
+                    </a:tc>
+                    <a:tc>
+                      <a:txBody>
+                        <a:bodyPr/>
+                        <a:lstStyle/>
+                        <a:p>
+                          <a:r>
+                            <a:rPr lang="nb-NO" sz="1000" dirty="0" smtClean="0"/>
+                            <a:t>47.37%</a:t>
+                          </a:r>
+                          <a:endParaRPr lang="en-US" sz="1000" dirty="0"/>
+                        </a:p>
+                      </a:txBody>
+                      <a:tcPr/>
+                    </a:tc>
+                    <a:tc>
+                      <a:txBody>
+                        <a:bodyPr/>
+                        <a:lstStyle/>
+                        <a:p>
+                          <a:r>
+                            <a:rPr lang="en-US" sz="1000" dirty="0" smtClean="0"/>
+                            <a:t>48.30%</a:t>
+                          </a:r>
+                          <a:endParaRPr lang="en-US" sz="1000" dirty="0"/>
+                        </a:p>
+                      </a:txBody>
+                      <a:tcPr/>
+                    </a:tc>
+                    <a:tc>
+                      <a:txBody>
+                        <a:bodyPr/>
+                        <a:lstStyle/>
+                        <a:p>
+                          <a:pPr marL="0" marR="0" indent="0" algn="l" defTabSz="1371600" rtl="0" eaLnBrk="1" fontAlgn="auto" latinLnBrk="0" hangingPunct="1">
+                            <a:lnSpc>
+                              <a:spcPct val="100000"/>
+                            </a:lnSpc>
+                            <a:spcBef>
+                              <a:spcPts val="0"/>
+                            </a:spcBef>
+                            <a:spcAft>
+                              <a:spcPts val="0"/>
+                            </a:spcAft>
+                            <a:buClrTx/>
+                            <a:buSzTx/>
+                            <a:buFontTx/>
+                            <a:buNone/>
+                            <a:tabLst/>
+                            <a:defRPr/>
+                          </a:pPr>
+                          <a14:m>
+                            <m:oMathPara xmlns:m="http://schemas.openxmlformats.org/officeDocument/2006/math">
+                              <m:oMathParaPr>
+                                <m:jc m:val="centerGroup"/>
+                              </m:oMathParaPr>
+                              <m:oMath xmlns:m="http://schemas.openxmlformats.org/officeDocument/2006/math">
+                                <m:acc>
+                                  <m:accPr>
+                                    <m:chr m:val="̂"/>
+                                    <m:ctrlPr>
+                                      <a:rPr lang="en-US" sz="500" i="1" smtClean="0">
+                                        <a:solidFill>
+                                          <a:srgbClr val="011F5B"/>
+                                        </a:solidFill>
+                                        <a:latin typeface="Cambria Math" charset="0"/>
+                                        <a:ea typeface="Calibri" charset="0"/>
+                                        <a:cs typeface="Calibri" charset="0"/>
+                                      </a:rPr>
+                                    </m:ctrlPr>
+                                  </m:accPr>
+                                  <m:e>
+                                    <m:r>
+                                      <a:rPr lang="en-US" sz="500" b="0" i="1" smtClean="0">
+                                        <a:solidFill>
+                                          <a:srgbClr val="011F5B"/>
+                                        </a:solidFill>
+                                        <a:latin typeface="Cambria Math" charset="0"/>
+                                        <a:ea typeface="Calibri" charset="0"/>
+                                        <a:cs typeface="Calibri" charset="0"/>
+                                      </a:rPr>
+                                      <m:t>𝑦</m:t>
+                                    </m:r>
+                                  </m:e>
+                                </m:acc>
+                                <m:r>
+                                  <a:rPr lang="en-US" sz="500" b="0" i="1" smtClean="0">
+                                    <a:solidFill>
+                                      <a:srgbClr val="011F5B"/>
+                                    </a:solidFill>
+                                    <a:latin typeface="Cambria Math" charset="0"/>
+                                    <a:ea typeface="Calibri" charset="0"/>
+                                    <a:cs typeface="Calibri" charset="0"/>
+                                  </a:rPr>
+                                  <m:t>=</m:t>
+                                </m:r>
+                                <m:func>
+                                  <m:funcPr>
+                                    <m:ctrlPr>
+                                      <a:rPr lang="en-US" sz="500" b="0" i="1" smtClean="0">
+                                        <a:solidFill>
+                                          <a:srgbClr val="011F5B"/>
+                                        </a:solidFill>
+                                        <a:latin typeface="Cambria Math" charset="0"/>
+                                        <a:ea typeface="Calibri" charset="0"/>
+                                        <a:cs typeface="Calibri" charset="0"/>
+                                      </a:rPr>
+                                    </m:ctrlPr>
+                                  </m:funcPr>
+                                  <m:fName>
+                                    <m:limLow>
+                                      <m:limLowPr>
+                                        <m:ctrlPr>
+                                          <a:rPr lang="en-US" sz="500" b="0" i="1" smtClean="0">
+                                            <a:solidFill>
+                                              <a:srgbClr val="011F5B"/>
+                                            </a:solidFill>
+                                            <a:latin typeface="Cambria Math" charset="0"/>
+                                            <a:ea typeface="Calibri" charset="0"/>
+                                            <a:cs typeface="Calibri" charset="0"/>
+                                          </a:rPr>
+                                        </m:ctrlPr>
+                                      </m:limLowPr>
+                                      <m:e>
+                                        <m:r>
+                                          <m:rPr>
+                                            <m:sty m:val="p"/>
+                                          </m:rPr>
+                                          <a:rPr lang="en-US" sz="500" b="0" i="0" smtClean="0">
+                                            <a:solidFill>
+                                              <a:srgbClr val="011F5B"/>
+                                            </a:solidFill>
+                                            <a:latin typeface="Cambria Math" charset="0"/>
+                                            <a:ea typeface="Calibri" charset="0"/>
+                                            <a:cs typeface="Calibri" charset="0"/>
+                                          </a:rPr>
+                                          <m:t>max</m:t>
+                                        </m:r>
+                                      </m:e>
+                                      <m:lim>
+                                        <m:r>
+                                          <a:rPr lang="en-US" sz="500" b="0" i="1" smtClean="0">
+                                            <a:solidFill>
+                                              <a:srgbClr val="011F5B"/>
+                                            </a:solidFill>
+                                            <a:latin typeface="Cambria Math" charset="0"/>
+                                            <a:ea typeface="Calibri" charset="0"/>
+                                            <a:cs typeface="Calibri" charset="0"/>
+                                          </a:rPr>
+                                          <m:t>𝑘</m:t>
+                                        </m:r>
+                                        <m:r>
+                                          <a:rPr lang="en-US" sz="500" b="0" i="1" smtClean="0">
+                                            <a:solidFill>
+                                              <a:srgbClr val="011F5B"/>
+                                            </a:solidFill>
+                                            <a:latin typeface="Cambria Math" charset="0"/>
+                                            <a:ea typeface="Calibri" charset="0"/>
+                                            <a:cs typeface="Calibri" charset="0"/>
+                                          </a:rPr>
+                                          <m:t> ∈0,1.2</m:t>
+                                        </m:r>
+                                      </m:lim>
+                                    </m:limLow>
+                                  </m:fName>
+                                  <m:e>
+                                    <m:r>
+                                      <a:rPr lang="en-US" sz="500" b="0" i="1" smtClean="0">
+                                        <a:solidFill>
+                                          <a:srgbClr val="011F5B"/>
+                                        </a:solidFill>
+                                        <a:latin typeface="Cambria Math" charset="0"/>
+                                        <a:ea typeface="Calibri" charset="0"/>
+                                        <a:cs typeface="Calibri" charset="0"/>
+                                      </a:rPr>
+                                      <m:t>𝑝</m:t>
+                                    </m:r>
+                                    <m:d>
+                                      <m:dPr>
+                                        <m:ctrlPr>
+                                          <a:rPr lang="en-US" sz="500" b="0" i="1" smtClean="0">
+                                            <a:solidFill>
+                                              <a:srgbClr val="011F5B"/>
+                                            </a:solidFill>
+                                            <a:latin typeface="Cambria Math" charset="0"/>
+                                            <a:ea typeface="Calibri" charset="0"/>
+                                            <a:cs typeface="Calibri" charset="0"/>
+                                          </a:rPr>
+                                        </m:ctrlPr>
+                                      </m:dPr>
+                                      <m:e>
+                                        <m:sSub>
+                                          <m:sSubPr>
+                                            <m:ctrlPr>
+                                              <a:rPr lang="en-US" sz="500" b="0" i="1" smtClean="0">
+                                                <a:solidFill>
+                                                  <a:srgbClr val="011F5B"/>
+                                                </a:solidFill>
+                                                <a:latin typeface="Cambria Math" charset="0"/>
+                                                <a:ea typeface="Calibri" charset="0"/>
+                                                <a:cs typeface="Calibri" charset="0"/>
+                                              </a:rPr>
+                                            </m:ctrlPr>
+                                          </m:sSubPr>
+                                          <m:e>
+                                            <m:r>
+                                              <a:rPr lang="en-US" sz="500" b="0" i="1" smtClean="0">
+                                                <a:solidFill>
+                                                  <a:srgbClr val="011F5B"/>
+                                                </a:solidFill>
+                                                <a:latin typeface="Cambria Math" charset="0"/>
+                                                <a:ea typeface="Calibri" charset="0"/>
+                                                <a:cs typeface="Calibri" charset="0"/>
+                                              </a:rPr>
+                                              <m:t>𝑦</m:t>
+                                            </m:r>
+                                          </m:e>
+                                          <m:sub>
+                                            <m:r>
+                                              <a:rPr lang="en-US" sz="500" b="0" i="1" smtClean="0">
+                                                <a:solidFill>
+                                                  <a:srgbClr val="011F5B"/>
+                                                </a:solidFill>
+                                                <a:latin typeface="Cambria Math" charset="0"/>
+                                                <a:ea typeface="Calibri" charset="0"/>
+                                                <a:cs typeface="Calibri" charset="0"/>
+                                              </a:rPr>
+                                              <m:t>𝑘</m:t>
+                                            </m:r>
+                                          </m:sub>
+                                        </m:sSub>
+                                      </m:e>
+                                    </m:d>
+                                    <m:nary>
+                                      <m:naryPr>
+                                        <m:chr m:val="∏"/>
+                                        <m:subHide m:val="on"/>
+                                        <m:supHide m:val="on"/>
+                                        <m:ctrlPr>
+                                          <a:rPr lang="en-US" sz="500" b="0" i="1" smtClean="0">
+                                            <a:solidFill>
+                                              <a:srgbClr val="011F5B"/>
+                                            </a:solidFill>
+                                            <a:latin typeface="Cambria Math" charset="0"/>
+                                            <a:ea typeface="Calibri" charset="0"/>
+                                            <a:cs typeface="Calibri" charset="0"/>
+                                          </a:rPr>
+                                        </m:ctrlPr>
+                                      </m:naryPr>
+                                      <m:sub/>
+                                      <m:sup/>
+                                      <m:e>
+                                        <m:r>
+                                          <a:rPr lang="en-US" sz="500" b="0" i="1" smtClean="0">
+                                            <a:solidFill>
+                                              <a:srgbClr val="011F5B"/>
+                                            </a:solidFill>
+                                            <a:latin typeface="Cambria Math" charset="0"/>
+                                            <a:ea typeface="Calibri" charset="0"/>
+                                            <a:cs typeface="Calibri" charset="0"/>
+                                          </a:rPr>
+                                          <m:t>𝑝</m:t>
+                                        </m:r>
+                                        <m:d>
+                                          <m:dPr>
+                                            <m:ctrlPr>
+                                              <a:rPr lang="en-US" sz="500" b="0" i="1" smtClean="0">
+                                                <a:solidFill>
+                                                  <a:srgbClr val="011F5B"/>
+                                                </a:solidFill>
+                                                <a:latin typeface="Cambria Math" charset="0"/>
+                                                <a:ea typeface="Calibri" charset="0"/>
+                                                <a:cs typeface="Calibri" charset="0"/>
+                                              </a:rPr>
+                                            </m:ctrlPr>
+                                          </m:dPr>
+                                          <m:e>
+                                            <m:sSub>
+                                              <m:sSubPr>
+                                                <m:ctrlPr>
+                                                  <a:rPr lang="en-US" sz="500" b="0" i="1" smtClean="0">
+                                                    <a:solidFill>
+                                                      <a:srgbClr val="011F5B"/>
+                                                    </a:solidFill>
+                                                    <a:latin typeface="Cambria Math" charset="0"/>
+                                                    <a:ea typeface="Calibri" charset="0"/>
+                                                    <a:cs typeface="Calibri" charset="0"/>
+                                                  </a:rPr>
+                                                </m:ctrlPr>
+                                              </m:sSubPr>
+                                              <m:e>
+                                                <m:r>
+                                                  <a:rPr lang="en-US" sz="500" b="0" i="1" smtClean="0">
+                                                    <a:solidFill>
+                                                      <a:srgbClr val="011F5B"/>
+                                                    </a:solidFill>
+                                                    <a:latin typeface="Cambria Math" charset="0"/>
+                                                    <a:ea typeface="Calibri" charset="0"/>
+                                                    <a:cs typeface="Calibri" charset="0"/>
+                                                  </a:rPr>
+                                                  <m:t>𝑥</m:t>
+                                                </m:r>
+                                              </m:e>
+                                              <m:sub>
+                                                <m:r>
+                                                  <a:rPr lang="en-US" sz="500" b="0" i="1" smtClean="0">
+                                                    <a:solidFill>
+                                                      <a:srgbClr val="011F5B"/>
+                                                    </a:solidFill>
+                                                    <a:latin typeface="Cambria Math" charset="0"/>
+                                                    <a:ea typeface="Calibri" charset="0"/>
+                                                    <a:cs typeface="Calibri" charset="0"/>
+                                                  </a:rPr>
+                                                  <m:t>𝑖</m:t>
+                                                </m:r>
+                                              </m:sub>
+                                            </m:sSub>
+                                          </m:e>
+                                          <m:e>
+                                            <m:sSub>
+                                              <m:sSubPr>
+                                                <m:ctrlPr>
+                                                  <a:rPr lang="en-US" sz="500" b="0" i="1" smtClean="0">
+                                                    <a:solidFill>
+                                                      <a:srgbClr val="011F5B"/>
+                                                    </a:solidFill>
+                                                    <a:latin typeface="Cambria Math" charset="0"/>
+                                                    <a:ea typeface="Calibri" charset="0"/>
+                                                    <a:cs typeface="Calibri" charset="0"/>
+                                                  </a:rPr>
+                                                </m:ctrlPr>
+                                              </m:sSubPr>
+                                              <m:e>
+                                                <m:r>
+                                                  <a:rPr lang="en-US" sz="500" b="0" i="1" smtClean="0">
+                                                    <a:solidFill>
+                                                      <a:srgbClr val="011F5B"/>
+                                                    </a:solidFill>
+                                                    <a:latin typeface="Cambria Math" charset="0"/>
+                                                    <a:ea typeface="Calibri" charset="0"/>
+                                                    <a:cs typeface="Calibri" charset="0"/>
+                                                  </a:rPr>
+                                                  <m:t>𝑦</m:t>
+                                                </m:r>
+                                              </m:e>
+                                              <m:sub>
+                                                <m:r>
+                                                  <a:rPr lang="en-US" sz="500" b="0" i="1" smtClean="0">
+                                                    <a:solidFill>
+                                                      <a:srgbClr val="011F5B"/>
+                                                    </a:solidFill>
+                                                    <a:latin typeface="Cambria Math" charset="0"/>
+                                                    <a:ea typeface="Calibri" charset="0"/>
+                                                    <a:cs typeface="Calibri" charset="0"/>
+                                                  </a:rPr>
+                                                  <m:t>𝑘</m:t>
+                                                </m:r>
+                                              </m:sub>
+                                            </m:sSub>
+                                          </m:e>
+                                        </m:d>
+                                      </m:e>
+                                    </m:nary>
+                                  </m:e>
+                                </m:func>
+                              </m:oMath>
+                            </m:oMathPara>
+                          </a14:m>
+                          <a:endParaRPr lang="en-US" sz="500" dirty="0">
+                            <a:solidFill>
+                              <a:srgbClr val="011F5B"/>
+                            </a:solidFill>
+                            <a:latin typeface="Calibri" charset="0"/>
+                            <a:ea typeface="Calibri" charset="0"/>
+                            <a:cs typeface="Calibri" charset="0"/>
+                          </a:endParaRPr>
+                        </a:p>
+                      </a:txBody>
+                      <a:tcPr/>
+                    </a:tc>
+                  </a:tr>
+                  <a:tr h="265518">
+                    <a:tc>
+                      <a:txBody>
+                        <a:bodyPr/>
+                        <a:lstStyle/>
+                        <a:p>
+                          <a:r>
+                            <a:rPr lang="en-US" sz="1000" dirty="0" smtClean="0"/>
+                            <a:t>Neural Net</a:t>
+                          </a:r>
+                          <a:endParaRPr lang="en-US" sz="1000" dirty="0"/>
+                        </a:p>
+                      </a:txBody>
+                      <a:tcPr/>
+                    </a:tc>
+                    <a:tc>
+                      <a:txBody>
+                        <a:bodyPr/>
+                        <a:lstStyle/>
+                        <a:p>
+                          <a:r>
+                            <a:rPr lang="en-US" sz="1000" dirty="0" smtClean="0"/>
+                            <a:t>47.39%</a:t>
+                          </a:r>
+                          <a:endParaRPr lang="en-US" sz="1000" dirty="0"/>
+                        </a:p>
+                      </a:txBody>
+                      <a:tcPr/>
+                    </a:tc>
+                    <a:tc>
+                      <a:txBody>
+                        <a:bodyPr/>
+                        <a:lstStyle/>
+                        <a:p>
+                          <a:r>
+                            <a:rPr lang="en-US" sz="1000" dirty="0" smtClean="0"/>
+                            <a:t>48.28%</a:t>
+                          </a:r>
+                          <a:endParaRPr lang="en-US" sz="1000" dirty="0"/>
+                        </a:p>
+                      </a:txBody>
+                      <a:tcPr/>
+                    </a:tc>
+                    <a:tc>
+                      <a:txBody>
+                        <a:bodyPr/>
+                        <a:lstStyle/>
+                        <a:p>
+                          <a:pPr algn="ctr"/>
+                          <a:r>
+                            <a:rPr lang="en-US" sz="500" dirty="0" smtClean="0"/>
+                            <a:t>Two</a:t>
+                          </a:r>
+                          <a:r>
+                            <a:rPr lang="en-US" sz="500" baseline="0" dirty="0" smtClean="0"/>
+                            <a:t> hidden fully collected layers, followed by </a:t>
+                          </a:r>
+                          <a:r>
+                            <a:rPr lang="en-US" sz="500" baseline="0" dirty="0" err="1" smtClean="0"/>
+                            <a:t>Relu</a:t>
+                          </a:r>
+                          <a:endParaRPr lang="en-US" sz="500" dirty="0"/>
+                        </a:p>
+                      </a:txBody>
+                      <a:tcPr/>
+                    </a:tc>
+                  </a:tr>
+                </a:tbl>
+              </a:graphicData>
+            </a:graphic>
+          </p:graphicFrame>
+        </mc:Choice>
+        <mc:Fallback>
+          <p:graphicFrame>
+            <p:nvGraphicFramePr>
+              <p:cNvPr id="28" name="Table 27">
                 <a:extLst>
-                  <a:ext uri="{0D108BD9-81ED-4DB2-BD59-A6C34878D82A}">
-                    <a16:rowId xmlns:a16="http://schemas.microsoft.com/office/drawing/2014/main" xmlns="" val="4254030744"/>
+                  <a:ext uri="{FF2B5EF4-FFF2-40B4-BE49-F238E27FC236}">
+                    <a16:creationId xmlns="" xmlns:a16="http://schemas.microsoft.com/office/drawing/2014/main" id="{37BD625B-551D-49A4-895F-BFE014F4F99A}"/>
                   </a:ext>
                 </a:extLst>
-              </a:tr>
-              <a:tr h="265176">
-                <a:tc>
-                  <a:txBody>
-                    <a:bodyPr/>
-                    <a:lstStyle/>
-                    <a:p>
-                      <a:r>
-                        <a:rPr lang="en-US" sz="1000" dirty="0" smtClean="0"/>
-                        <a:t>SVM</a:t>
-                      </a:r>
-                      <a:endParaRPr lang="en-US" sz="1000" dirty="0"/>
-                    </a:p>
-                  </a:txBody>
-                  <a:tcPr/>
-                </a:tc>
-                <a:tc>
-                  <a:txBody>
-                    <a:bodyPr/>
-                    <a:lstStyle/>
-                    <a:p>
-                      <a:r>
-                        <a:rPr lang="nb-NO" sz="1000" dirty="0" smtClean="0"/>
-                        <a:t>50.88%</a:t>
-                      </a:r>
-                      <a:endParaRPr lang="en-US" sz="1000" dirty="0"/>
-                    </a:p>
-                  </a:txBody>
-                  <a:tcPr/>
-                </a:tc>
-                <a:tc>
-                  <a:txBody>
-                    <a:bodyPr/>
-                    <a:lstStyle/>
-                    <a:p>
-                      <a:r>
-                        <a:rPr lang="en-US" sz="1000" dirty="0" smtClean="0"/>
-                        <a:t>51.72%</a:t>
-                      </a:r>
-                      <a:endParaRPr lang="en-US" sz="1000" dirty="0"/>
-                    </a:p>
-                  </a:txBody>
-                  <a:tcPr/>
-                </a:tc>
-                <a:extLst>
-                  <a:ext uri="{0D108BD9-81ED-4DB2-BD59-A6C34878D82A}">
-                    <a16:rowId xmlns:a16="http://schemas.microsoft.com/office/drawing/2014/main" xmlns="" val="2348030731"/>
-                  </a:ext>
-                </a:extLst>
-              </a:tr>
-              <a:tr h="265518">
-                <a:tc>
-                  <a:txBody>
-                    <a:bodyPr/>
-                    <a:lstStyle/>
-                    <a:p>
-                      <a:r>
-                        <a:rPr lang="en-US" sz="1000" dirty="0" smtClean="0"/>
-                        <a:t>Logistic</a:t>
-                      </a:r>
-                      <a:r>
-                        <a:rPr lang="en-US" sz="1000" baseline="0" dirty="0" smtClean="0"/>
-                        <a:t> Regression</a:t>
-                      </a:r>
-                      <a:endParaRPr lang="en-US" sz="1000" dirty="0"/>
-                    </a:p>
-                  </a:txBody>
-                  <a:tcPr/>
-                </a:tc>
-                <a:tc>
-                  <a:txBody>
-                    <a:bodyPr/>
-                    <a:lstStyle/>
-                    <a:p>
-                      <a:r>
-                        <a:rPr lang="hr-HR" sz="1000" dirty="0" smtClean="0"/>
-                        <a:t>52.63%</a:t>
-                      </a:r>
-                      <a:endParaRPr lang="en-US" sz="1000" dirty="0"/>
-                    </a:p>
-                  </a:txBody>
-                  <a:tcPr/>
-                </a:tc>
-                <a:tc>
-                  <a:txBody>
-                    <a:bodyPr/>
-                    <a:lstStyle/>
-                    <a:p>
-                      <a:r>
-                        <a:rPr lang="en-US" sz="1000" dirty="0" smtClean="0"/>
-                        <a:t>50.26%</a:t>
-                      </a:r>
-                      <a:endParaRPr lang="en-US" sz="1000" dirty="0"/>
-                    </a:p>
-                  </a:txBody>
-                  <a:tcPr/>
-                </a:tc>
-                <a:extLst>
-                  <a:ext uri="{0D108BD9-81ED-4DB2-BD59-A6C34878D82A}">
-                    <a16:rowId xmlns:a16="http://schemas.microsoft.com/office/drawing/2014/main" xmlns="" val="575309201"/>
-                  </a:ext>
-                </a:extLst>
-              </a:tr>
-              <a:tr h="265518">
-                <a:tc>
-                  <a:txBody>
-                    <a:bodyPr/>
-                    <a:lstStyle/>
-                    <a:p>
-                      <a:r>
-                        <a:rPr lang="en-US" sz="1000" dirty="0" smtClean="0"/>
-                        <a:t>Naïve Bayes</a:t>
-                      </a:r>
-                      <a:endParaRPr lang="en-US" sz="1000" dirty="0"/>
-                    </a:p>
-                  </a:txBody>
-                  <a:tcPr/>
-                </a:tc>
-                <a:tc>
-                  <a:txBody>
-                    <a:bodyPr/>
-                    <a:lstStyle/>
-                    <a:p>
-                      <a:r>
-                        <a:rPr lang="nb-NO" sz="1000" dirty="0" smtClean="0"/>
-                        <a:t>47.37%</a:t>
-                      </a:r>
-                      <a:endParaRPr lang="en-US" sz="1000" dirty="0"/>
-                    </a:p>
-                  </a:txBody>
-                  <a:tcPr/>
-                </a:tc>
-                <a:tc>
-                  <a:txBody>
-                    <a:bodyPr/>
-                    <a:lstStyle/>
-                    <a:p>
-                      <a:r>
-                        <a:rPr lang="en-US" sz="1000" dirty="0" smtClean="0"/>
-                        <a:t>48.30%</a:t>
-                      </a:r>
-                      <a:endParaRPr lang="en-US" sz="1000" dirty="0"/>
-                    </a:p>
-                  </a:txBody>
-                  <a:tcPr/>
-                </a:tc>
-              </a:tr>
-              <a:tr h="265518">
-                <a:tc>
-                  <a:txBody>
-                    <a:bodyPr/>
-                    <a:lstStyle/>
-                    <a:p>
-                      <a:r>
-                        <a:rPr lang="en-US" sz="1000" dirty="0" smtClean="0"/>
-                        <a:t>Neural Net</a:t>
-                      </a:r>
-                      <a:endParaRPr lang="en-US" sz="1000" dirty="0"/>
-                    </a:p>
-                  </a:txBody>
-                  <a:tcPr/>
-                </a:tc>
-                <a:tc>
-                  <a:txBody>
-                    <a:bodyPr/>
-                    <a:lstStyle/>
-                    <a:p>
-                      <a:r>
-                        <a:rPr lang="en-US" sz="1000" dirty="0" smtClean="0"/>
-                        <a:t>47.39%</a:t>
-                      </a:r>
-                      <a:endParaRPr lang="en-US" sz="1000" dirty="0"/>
-                    </a:p>
-                  </a:txBody>
-                  <a:tcPr/>
-                </a:tc>
-                <a:tc>
-                  <a:txBody>
-                    <a:bodyPr/>
-                    <a:lstStyle/>
-                    <a:p>
-                      <a:r>
-                        <a:rPr lang="en-US" sz="1000" dirty="0" smtClean="0"/>
-                        <a:t>48.28%</a:t>
-                      </a:r>
-                      <a:endParaRPr lang="en-US" sz="1000" dirty="0"/>
-                    </a:p>
-                  </a:txBody>
-                  <a:tcPr/>
-                </a:tc>
-              </a:tr>
-            </a:tbl>
-          </a:graphicData>
-        </a:graphic>
-      </p:graphicFrame>
-      <p:grpSp>
-        <p:nvGrpSpPr>
-          <p:cNvPr id="41" name="Group 40"/>
-          <p:cNvGrpSpPr>
-            <a:grpSpLocks noChangeAspect="1"/>
-          </p:cNvGrpSpPr>
-          <p:nvPr/>
-        </p:nvGrpSpPr>
-        <p:grpSpPr>
-          <a:xfrm>
-            <a:off x="6717449" y="12730700"/>
-            <a:ext cx="2081976" cy="1828800"/>
-            <a:chOff x="9267527" y="3065799"/>
-            <a:chExt cx="4124490" cy="3622936"/>
-          </a:xfrm>
-        </p:grpSpPr>
-        <p:pic>
-          <p:nvPicPr>
-            <p:cNvPr id="37" name="Picture 36"/>
-            <p:cNvPicPr>
-              <a:picLocks noChangeAspect="1"/>
-            </p:cNvPicPr>
-            <p:nvPr/>
-          </p:nvPicPr>
-          <p:blipFill rotWithShape="1">
-            <a:blip r:embed="rId10">
-              <a:extLst>
-                <a:ext uri="{28A0092B-C50C-407E-A947-70E740481C1C}">
-                  <a14:useLocalDpi xmlns:a14="http://schemas.microsoft.com/office/drawing/2010/main" val="0"/>
-                </a:ext>
-              </a:extLst>
-            </a:blip>
-            <a:srcRect l="16667" r="7980"/>
-            <a:stretch/>
-          </p:blipFill>
-          <p:spPr>
-            <a:xfrm>
-              <a:off x="11324928" y="3065799"/>
-              <a:ext cx="2067089" cy="1828800"/>
-            </a:xfrm>
-            <a:prstGeom prst="rect">
-              <a:avLst/>
-            </a:prstGeom>
-          </p:spPr>
-        </p:pic>
-        <p:pic>
-          <p:nvPicPr>
-            <p:cNvPr id="38" name="Picture 37"/>
-            <p:cNvPicPr>
-              <a:picLocks noChangeAspect="1"/>
-            </p:cNvPicPr>
-            <p:nvPr/>
-          </p:nvPicPr>
-          <p:blipFill rotWithShape="1">
-            <a:blip r:embed="rId11">
-              <a:extLst>
-                <a:ext uri="{28A0092B-C50C-407E-A947-70E740481C1C}">
-                  <a14:useLocalDpi xmlns:a14="http://schemas.microsoft.com/office/drawing/2010/main" val="0"/>
-                </a:ext>
-              </a:extLst>
-            </a:blip>
-            <a:srcRect l="16615" r="8467"/>
-            <a:stretch/>
-          </p:blipFill>
-          <p:spPr>
-            <a:xfrm>
-              <a:off x="9269783" y="4859935"/>
-              <a:ext cx="2055145" cy="1828800"/>
-            </a:xfrm>
-            <a:prstGeom prst="rect">
-              <a:avLst/>
-            </a:prstGeom>
-          </p:spPr>
-        </p:pic>
-        <p:pic>
-          <p:nvPicPr>
-            <p:cNvPr id="39" name="Picture 38"/>
-            <p:cNvPicPr>
-              <a:picLocks noChangeAspect="1"/>
-            </p:cNvPicPr>
-            <p:nvPr/>
-          </p:nvPicPr>
-          <p:blipFill rotWithShape="1">
-            <a:blip r:embed="rId12">
-              <a:extLst>
-                <a:ext uri="{28A0092B-C50C-407E-A947-70E740481C1C}">
-                  <a14:useLocalDpi xmlns:a14="http://schemas.microsoft.com/office/drawing/2010/main" val="0"/>
-                </a:ext>
-              </a:extLst>
-            </a:blip>
-            <a:srcRect l="16666" r="8332"/>
-            <a:stretch/>
-          </p:blipFill>
-          <p:spPr>
-            <a:xfrm>
-              <a:off x="11324928" y="4855328"/>
-              <a:ext cx="2057441" cy="1828800"/>
-            </a:xfrm>
-            <a:prstGeom prst="rect">
-              <a:avLst/>
-            </a:prstGeom>
-          </p:spPr>
-        </p:pic>
-        <p:pic>
-          <p:nvPicPr>
-            <p:cNvPr id="40" name="Picture 39"/>
-            <p:cNvPicPr>
-              <a:picLocks noChangeAspect="1"/>
-            </p:cNvPicPr>
-            <p:nvPr/>
-          </p:nvPicPr>
-          <p:blipFill rotWithShape="1">
-            <a:blip r:embed="rId13">
-              <a:extLst>
-                <a:ext uri="{28A0092B-C50C-407E-A947-70E740481C1C}">
-                  <a14:useLocalDpi xmlns:a14="http://schemas.microsoft.com/office/drawing/2010/main" val="0"/>
-                </a:ext>
-              </a:extLst>
-            </a:blip>
-            <a:srcRect l="16610" r="8390"/>
-            <a:stretch/>
-          </p:blipFill>
-          <p:spPr>
-            <a:xfrm>
-              <a:off x="9267527" y="3065800"/>
-              <a:ext cx="2057401" cy="1828800"/>
-            </a:xfrm>
-            <a:prstGeom prst="rect">
-              <a:avLst/>
-            </a:prstGeom>
-          </p:spPr>
-        </p:pic>
-      </p:grpSp>
+              </p:cNvPr>
+              <p:cNvGraphicFramePr>
+                <a:graphicFrameLocks noGrp="1"/>
+              </p:cNvGraphicFramePr>
+              <p:nvPr>
+                <p:extLst>
+                  <p:ext uri="{D42A27DB-BD31-4B8C-83A1-F6EECF244321}">
+                    <p14:modId xmlns:p14="http://schemas.microsoft.com/office/powerpoint/2010/main" val="863858431"/>
+                  </p:ext>
+                </p:extLst>
+              </p:nvPr>
+            </p:nvGraphicFramePr>
+            <p:xfrm>
+              <a:off x="4743901" y="7237174"/>
+              <a:ext cx="4224759" cy="1624278"/>
+            </p:xfrm>
+            <a:graphic>
+              <a:graphicData uri="http://schemas.openxmlformats.org/drawingml/2006/table">
+                <a:tbl>
+                  <a:tblPr firstRow="1" bandRow="1">
+                    <a:tableStyleId>{5C22544A-7EE6-4342-B048-85BDC9FD1C3A}</a:tableStyleId>
+                  </a:tblPr>
+                  <a:tblGrid>
+                    <a:gridCol w="1233387">
+                      <a:extLst>
+                        <a:ext uri="{9D8B030D-6E8A-4147-A177-3AD203B41FA5}">
+                          <a16:colId xmlns="" xmlns:a16="http://schemas.microsoft.com/office/drawing/2014/main" val="3247188750"/>
+                        </a:ext>
+                      </a:extLst>
+                    </a:gridCol>
+                    <a:gridCol w="616017">
+                      <a:extLst>
+                        <a:ext uri="{9D8B030D-6E8A-4147-A177-3AD203B41FA5}">
+                          <a16:colId xmlns="" xmlns:a16="http://schemas.microsoft.com/office/drawing/2014/main" val="1214523097"/>
+                        </a:ext>
+                      </a:extLst>
+                    </a:gridCol>
+                    <a:gridCol w="664143">
+                      <a:extLst>
+                        <a:ext uri="{9D8B030D-6E8A-4147-A177-3AD203B41FA5}">
+                          <a16:colId xmlns="" xmlns:a16="http://schemas.microsoft.com/office/drawing/2014/main" val="3255143547"/>
+                        </a:ext>
+                      </a:extLst>
+                    </a:gridCol>
+                    <a:gridCol w="1711212"/>
+                  </a:tblGrid>
+                  <a:tr h="265518">
+                    <a:tc gridSpan="4">
+                      <a:txBody>
+                        <a:bodyPr/>
+                        <a:lstStyle/>
+                        <a:p>
+                          <a:pPr algn="ctr"/>
+                          <a:r>
+                            <a:rPr lang="en-US" sz="1000" dirty="0" smtClean="0"/>
+                            <a:t>Model Accuracies</a:t>
+                          </a:r>
+                          <a:endParaRPr lang="en-US" sz="1000" dirty="0"/>
+                        </a:p>
+                      </a:txBody>
+                      <a:tcPr/>
+                    </a:tc>
+                    <a:tc hMerge="1">
+                      <a:txBody>
+                        <a:bodyPr/>
+                        <a:lstStyle/>
+                        <a:p>
+                          <a:endParaRPr lang="en-US"/>
+                        </a:p>
+                      </a:txBody>
+                      <a:tcPr/>
+                    </a:tc>
+                    <a:tc hMerge="1">
+                      <a:txBody>
+                        <a:bodyPr/>
+                        <a:lstStyle/>
+                        <a:p>
+                          <a:endParaRPr lang="en-US" dirty="0"/>
+                        </a:p>
+                      </a:txBody>
+                      <a:tcPr/>
+                    </a:tc>
+                    <a:tc hMerge="1">
+                      <a:txBody>
+                        <a:bodyPr/>
+                        <a:lstStyle/>
+                        <a:p>
+                          <a:pPr algn="ctr"/>
+                          <a:endParaRPr lang="en-US" sz="1000" dirty="0"/>
+                        </a:p>
+                      </a:txBody>
+                      <a:tcPr/>
+                    </a:tc>
+                    <a:extLst>
+                      <a:ext uri="{0D108BD9-81ED-4DB2-BD59-A6C34878D82A}">
+                        <a16:rowId xmlns="" xmlns:a16="http://schemas.microsoft.com/office/drawing/2014/main" val="426857068"/>
+                      </a:ext>
+                    </a:extLst>
+                  </a:tr>
+                  <a:tr h="265518">
+                    <a:tc>
+                      <a:txBody>
+                        <a:bodyPr/>
+                        <a:lstStyle/>
+                        <a:p>
+                          <a:r>
+                            <a:rPr lang="en-US" sz="1000" dirty="0" smtClean="0"/>
+                            <a:t>Classifier</a:t>
+                          </a:r>
+                          <a:endParaRPr lang="en-US" sz="1000" dirty="0"/>
+                        </a:p>
+                      </a:txBody>
+                      <a:tcPr/>
+                    </a:tc>
+                    <a:tc>
+                      <a:txBody>
+                        <a:bodyPr/>
+                        <a:lstStyle/>
+                        <a:p>
+                          <a:r>
+                            <a:rPr lang="en-US" sz="1000" dirty="0" smtClean="0"/>
+                            <a:t>1 Hour</a:t>
+                          </a:r>
+                          <a:endParaRPr lang="en-US" sz="1000" dirty="0"/>
+                        </a:p>
+                      </a:txBody>
+                      <a:tcPr/>
+                    </a:tc>
+                    <a:tc>
+                      <a:txBody>
+                        <a:bodyPr/>
+                        <a:lstStyle/>
+                        <a:p>
+                          <a:r>
+                            <a:rPr lang="en-US" sz="1000" dirty="0" smtClean="0"/>
+                            <a:t>2</a:t>
+                          </a:r>
+                          <a:r>
+                            <a:rPr lang="en-US" sz="1000" baseline="0" dirty="0" smtClean="0"/>
+                            <a:t> Hours</a:t>
+                          </a:r>
+                          <a:endParaRPr lang="en-US" sz="1000" dirty="0"/>
+                        </a:p>
+                      </a:txBody>
+                      <a:tcPr/>
+                    </a:tc>
+                    <a:tc>
+                      <a:txBody>
+                        <a:bodyPr/>
+                        <a:lstStyle/>
+                        <a:p>
+                          <a:pPr algn="ctr"/>
+                          <a:r>
+                            <a:rPr lang="en-US" sz="1000" dirty="0" smtClean="0"/>
+                            <a:t>Equation</a:t>
+                          </a:r>
+                          <a:endParaRPr lang="en-US" sz="1000" dirty="0"/>
+                        </a:p>
+                      </a:txBody>
+                      <a:tcPr/>
+                    </a:tc>
+                    <a:extLst>
+                      <a:ext uri="{0D108BD9-81ED-4DB2-BD59-A6C34878D82A}">
+                        <a16:rowId xmlns="" xmlns:a16="http://schemas.microsoft.com/office/drawing/2014/main" val="4254030744"/>
+                      </a:ext>
+                    </a:extLst>
+                  </a:tr>
+                  <a:tr h="275908">
+                    <a:tc>
+                      <a:txBody>
+                        <a:bodyPr/>
+                        <a:lstStyle/>
+                        <a:p>
+                          <a:r>
+                            <a:rPr lang="en-US" sz="1000" dirty="0" smtClean="0"/>
+                            <a:t>SVM</a:t>
+                          </a:r>
+                          <a:endParaRPr lang="en-US" sz="1000" dirty="0"/>
+                        </a:p>
+                      </a:txBody>
+                      <a:tcPr/>
+                    </a:tc>
+                    <a:tc>
+                      <a:txBody>
+                        <a:bodyPr/>
+                        <a:lstStyle/>
+                        <a:p>
+                          <a:r>
+                            <a:rPr lang="nb-NO" sz="1000" dirty="0" smtClean="0"/>
+                            <a:t>50.88%</a:t>
+                          </a:r>
+                          <a:endParaRPr lang="en-US" sz="1000" dirty="0"/>
+                        </a:p>
+                      </a:txBody>
+                      <a:tcPr/>
+                    </a:tc>
+                    <a:tc>
+                      <a:txBody>
+                        <a:bodyPr/>
+                        <a:lstStyle/>
+                        <a:p>
+                          <a:r>
+                            <a:rPr lang="en-US" sz="1000" dirty="0" smtClean="0"/>
+                            <a:t>51.72%</a:t>
+                          </a:r>
+                          <a:endParaRPr lang="en-US" sz="1000" dirty="0"/>
+                        </a:p>
+                      </a:txBody>
+                      <a:tcPr/>
+                    </a:tc>
+                    <a:tc>
+                      <a:txBody>
+                        <a:bodyPr/>
+                        <a:lstStyle/>
+                        <a:p>
+                          <a:endParaRPr lang="en-US"/>
+                        </a:p>
+                      </a:txBody>
+                      <a:tcPr>
+                        <a:blipFill rotWithShape="0">
+                          <a:blip r:embed="rId13"/>
+                          <a:stretch>
+                            <a:fillRect l="-147331" t="-191304" r="-1423" b="-310870"/>
+                          </a:stretch>
+                        </a:blipFill>
+                      </a:tcPr>
+                    </a:tc>
+                    <a:extLst>
+                      <a:ext uri="{0D108BD9-81ED-4DB2-BD59-A6C34878D82A}">
+                        <a16:rowId xmlns="" xmlns:a16="http://schemas.microsoft.com/office/drawing/2014/main" val="2348030731"/>
+                      </a:ext>
+                    </a:extLst>
+                  </a:tr>
+                  <a:tr h="275908">
+                    <a:tc>
+                      <a:txBody>
+                        <a:bodyPr/>
+                        <a:lstStyle/>
+                        <a:p>
+                          <a:r>
+                            <a:rPr lang="en-US" sz="1000" dirty="0" smtClean="0"/>
+                            <a:t>Logistic</a:t>
+                          </a:r>
+                          <a:r>
+                            <a:rPr lang="en-US" sz="1000" baseline="0" dirty="0" smtClean="0"/>
+                            <a:t> Regression</a:t>
+                          </a:r>
+                          <a:endParaRPr lang="en-US" sz="1000" dirty="0"/>
+                        </a:p>
+                      </a:txBody>
+                      <a:tcPr/>
+                    </a:tc>
+                    <a:tc>
+                      <a:txBody>
+                        <a:bodyPr/>
+                        <a:lstStyle/>
+                        <a:p>
+                          <a:r>
+                            <a:rPr lang="hr-HR" sz="1000" dirty="0" smtClean="0"/>
+                            <a:t>52.63%</a:t>
+                          </a:r>
+                          <a:endParaRPr lang="en-US" sz="1000" dirty="0"/>
+                        </a:p>
+                      </a:txBody>
+                      <a:tcPr/>
+                    </a:tc>
+                    <a:tc>
+                      <a:txBody>
+                        <a:bodyPr/>
+                        <a:lstStyle/>
+                        <a:p>
+                          <a:r>
+                            <a:rPr lang="en-US" sz="1000" dirty="0" smtClean="0"/>
+                            <a:t>50.26%</a:t>
+                          </a:r>
+                          <a:endParaRPr lang="en-US" sz="1000" dirty="0"/>
+                        </a:p>
+                      </a:txBody>
+                      <a:tcPr/>
+                    </a:tc>
+                    <a:tc>
+                      <a:txBody>
+                        <a:bodyPr/>
+                        <a:lstStyle/>
+                        <a:p>
+                          <a:endParaRPr lang="en-US"/>
+                        </a:p>
+                      </a:txBody>
+                      <a:tcPr>
+                        <a:blipFill rotWithShape="0">
+                          <a:blip r:embed="rId13"/>
+                          <a:stretch>
+                            <a:fillRect l="-147331" t="-297778" r="-1423" b="-217778"/>
+                          </a:stretch>
+                        </a:blipFill>
+                      </a:tcPr>
+                    </a:tc>
+                    <a:extLst>
+                      <a:ext uri="{0D108BD9-81ED-4DB2-BD59-A6C34878D82A}">
+                        <a16:rowId xmlns="" xmlns:a16="http://schemas.microsoft.com/office/drawing/2014/main" val="575309201"/>
+                      </a:ext>
+                    </a:extLst>
+                  </a:tr>
+                  <a:tr h="275908">
+                    <a:tc>
+                      <a:txBody>
+                        <a:bodyPr/>
+                        <a:lstStyle/>
+                        <a:p>
+                          <a:r>
+                            <a:rPr lang="en-US" sz="1000" dirty="0" smtClean="0"/>
+                            <a:t>Naïve Bayes</a:t>
+                          </a:r>
+                          <a:endParaRPr lang="en-US" sz="1000" dirty="0"/>
+                        </a:p>
+                      </a:txBody>
+                      <a:tcPr/>
+                    </a:tc>
+                    <a:tc>
+                      <a:txBody>
+                        <a:bodyPr/>
+                        <a:lstStyle/>
+                        <a:p>
+                          <a:r>
+                            <a:rPr lang="nb-NO" sz="1000" dirty="0" smtClean="0"/>
+                            <a:t>47.37%</a:t>
+                          </a:r>
+                          <a:endParaRPr lang="en-US" sz="1000" dirty="0"/>
+                        </a:p>
+                      </a:txBody>
+                      <a:tcPr/>
+                    </a:tc>
+                    <a:tc>
+                      <a:txBody>
+                        <a:bodyPr/>
+                        <a:lstStyle/>
+                        <a:p>
+                          <a:r>
+                            <a:rPr lang="en-US" sz="1000" dirty="0" smtClean="0"/>
+                            <a:t>48.30%</a:t>
+                          </a:r>
+                          <a:endParaRPr lang="en-US" sz="1000" dirty="0"/>
+                        </a:p>
+                      </a:txBody>
+                      <a:tcPr/>
+                    </a:tc>
+                    <a:tc>
+                      <a:txBody>
+                        <a:bodyPr/>
+                        <a:lstStyle/>
+                        <a:p>
+                          <a:endParaRPr lang="en-US"/>
+                        </a:p>
+                      </a:txBody>
+                      <a:tcPr>
+                        <a:blipFill rotWithShape="0">
+                          <a:blip r:embed="rId13"/>
+                          <a:stretch>
+                            <a:fillRect l="-147331" t="-397778" r="-1423" b="-117778"/>
+                          </a:stretch>
+                        </a:blipFill>
+                      </a:tcPr>
+                    </a:tc>
+                  </a:tr>
+                  <a:tr h="265518">
+                    <a:tc>
+                      <a:txBody>
+                        <a:bodyPr/>
+                        <a:lstStyle/>
+                        <a:p>
+                          <a:r>
+                            <a:rPr lang="en-US" sz="1000" dirty="0" smtClean="0"/>
+                            <a:t>Neural Net</a:t>
+                          </a:r>
+                          <a:endParaRPr lang="en-US" sz="1000" dirty="0"/>
+                        </a:p>
+                      </a:txBody>
+                      <a:tcPr/>
+                    </a:tc>
+                    <a:tc>
+                      <a:txBody>
+                        <a:bodyPr/>
+                        <a:lstStyle/>
+                        <a:p>
+                          <a:r>
+                            <a:rPr lang="en-US" sz="1000" dirty="0" smtClean="0"/>
+                            <a:t>47.39%</a:t>
+                          </a:r>
+                          <a:endParaRPr lang="en-US" sz="1000" dirty="0"/>
+                        </a:p>
+                      </a:txBody>
+                      <a:tcPr/>
+                    </a:tc>
+                    <a:tc>
+                      <a:txBody>
+                        <a:bodyPr/>
+                        <a:lstStyle/>
+                        <a:p>
+                          <a:r>
+                            <a:rPr lang="en-US" sz="1000" dirty="0" smtClean="0"/>
+                            <a:t>48.28%</a:t>
+                          </a:r>
+                          <a:endParaRPr lang="en-US" sz="1000" dirty="0"/>
+                        </a:p>
+                      </a:txBody>
+                      <a:tcPr/>
+                    </a:tc>
+                    <a:tc>
+                      <a:txBody>
+                        <a:bodyPr/>
+                        <a:lstStyle/>
+                        <a:p>
+                          <a:pPr algn="ctr"/>
+                          <a:r>
+                            <a:rPr lang="en-US" sz="500" dirty="0" smtClean="0"/>
+                            <a:t>Two</a:t>
+                          </a:r>
+                          <a:r>
+                            <a:rPr lang="en-US" sz="500" baseline="0" dirty="0" smtClean="0"/>
+                            <a:t> hidden fully collected layers, followed by </a:t>
+                          </a:r>
+                          <a:r>
+                            <a:rPr lang="en-US" sz="500" baseline="0" dirty="0" err="1" smtClean="0"/>
+                            <a:t>Relu</a:t>
+                          </a:r>
+                          <a:endParaRPr lang="en-US" sz="500" dirty="0"/>
+                        </a:p>
+                      </a:txBody>
+                      <a:tcPr/>
+                    </a:tc>
+                  </a:tr>
+                </a:tbl>
+              </a:graphicData>
+            </a:graphic>
+          </p:graphicFrame>
+        </mc:Fallback>
+      </mc:AlternateContent>
     </p:spTree>
     <p:extLst>
       <p:ext uri="{BB962C8B-B14F-4D97-AF65-F5344CB8AC3E}">

--- a/Poster.pptx
+++ b/Poster.pptx
@@ -3496,7 +3496,7 @@
           <p:cNvPr id="2" name="Title 1">
             <a:extLst>
               <a:ext uri="{FF2B5EF4-FFF2-40B4-BE49-F238E27FC236}">
-                <a16:creationId xmlns="" xmlns:a16="http://schemas.microsoft.com/office/drawing/2014/main" id="{A14FAE80-3C54-468F-997F-C6E1D174050F}"/>
+                <a16:creationId xmlns:a16="http://schemas.microsoft.com/office/drawing/2014/main" xmlns="" id="{A14FAE80-3C54-468F-997F-C6E1D174050F}"/>
               </a:ext>
             </a:extLst>
           </p:cNvPr>
@@ -3573,26 +3573,14 @@
               <a:rPr lang="en-US" sz="2000" dirty="0">
                 <a:latin typeface="Garamond" panose="02020404030301010803" pitchFamily="18" charset="0"/>
               </a:rPr>
-              <a:t>) , Matt </a:t>
-            </a:r>
-            <a:r>
-              <a:rPr lang="en-US" sz="2000" dirty="0" err="1">
-                <a:latin typeface="Garamond" panose="02020404030301010803" pitchFamily="18" charset="0"/>
-              </a:rPr>
-              <a:t>Oslin</a:t>
-            </a:r>
-            <a:r>
-              <a:rPr lang="en-US" sz="2000" dirty="0">
-                <a:latin typeface="Garamond" panose="02020404030301010803" pitchFamily="18" charset="0"/>
-              </a:rPr>
-              <a:t> (</a:t>
-            </a:r>
-            <a:r>
-              <a:rPr lang="en-US" sz="2000" dirty="0">
+              <a:t>) , Matt Oslin (</a:t>
+            </a:r>
+            <a:r>
+              <a:rPr lang="en-US" sz="2000" smtClean="0">
                 <a:latin typeface="Garamond" panose="02020404030301010803" pitchFamily="18" charset="0"/>
                 <a:hlinkClick r:id="rId7"/>
               </a:rPr>
-              <a:t>muslin@seas.upenn.edu</a:t>
+              <a:t>moslin@seas.upenn.edu</a:t>
             </a:r>
             <a:r>
               <a:rPr lang="en-US" sz="2000" dirty="0">
@@ -3629,7 +3617,7 @@
           <p:cNvPr id="6" name="Picture 5">
             <a:extLst>
               <a:ext uri="{FF2B5EF4-FFF2-40B4-BE49-F238E27FC236}">
-                <a16:creationId xmlns="" xmlns:a16="http://schemas.microsoft.com/office/drawing/2014/main" id="{D7B121C7-A408-4DCD-8061-5C978599BC20}"/>
+                <a16:creationId xmlns:a16="http://schemas.microsoft.com/office/drawing/2014/main" xmlns="" id="{D7B121C7-A408-4DCD-8061-5C978599BC20}"/>
               </a:ext>
             </a:extLst>
           </p:cNvPr>
@@ -3665,7 +3653,7 @@
           <p:cNvPr id="7" name="Picture 6">
             <a:extLst>
               <a:ext uri="{FF2B5EF4-FFF2-40B4-BE49-F238E27FC236}">
-                <a16:creationId xmlns="" xmlns:a16="http://schemas.microsoft.com/office/drawing/2014/main" id="{7D221A5E-A9DE-4268-BCD0-6E8CAA09079D}"/>
+                <a16:creationId xmlns:a16="http://schemas.microsoft.com/office/drawing/2014/main" xmlns="" id="{7D221A5E-A9DE-4268-BCD0-6E8CAA09079D}"/>
               </a:ext>
             </a:extLst>
           </p:cNvPr>
@@ -3701,7 +3689,7 @@
           <p:cNvPr id="10" name="TextBox 9">
             <a:extLst>
               <a:ext uri="{FF2B5EF4-FFF2-40B4-BE49-F238E27FC236}">
-                <a16:creationId xmlns="" xmlns:a16="http://schemas.microsoft.com/office/drawing/2014/main" id="{A0CDFDE6-452A-4FD0-8498-BE0CEC8B6ACC}"/>
+                <a16:creationId xmlns:a16="http://schemas.microsoft.com/office/drawing/2014/main" xmlns="" id="{A0CDFDE6-452A-4FD0-8498-BE0CEC8B6ACC}"/>
               </a:ext>
             </a:extLst>
           </p:cNvPr>
@@ -3835,7 +3823,7 @@
           <p:cNvPr id="11" name="TextBox 10">
             <a:extLst>
               <a:ext uri="{FF2B5EF4-FFF2-40B4-BE49-F238E27FC236}">
-                <a16:creationId xmlns="" xmlns:a16="http://schemas.microsoft.com/office/drawing/2014/main" id="{0B657177-A18C-4721-9FEF-D80F98046F6C}"/>
+                <a16:creationId xmlns:a16="http://schemas.microsoft.com/office/drawing/2014/main" xmlns="" id="{0B657177-A18C-4721-9FEF-D80F98046F6C}"/>
               </a:ext>
             </a:extLst>
           </p:cNvPr>
@@ -3883,7 +3871,7 @@
           <p:cNvPr id="13" name="TextBox 12">
             <a:extLst>
               <a:ext uri="{FF2B5EF4-FFF2-40B4-BE49-F238E27FC236}">
-                <a16:creationId xmlns="" xmlns:a16="http://schemas.microsoft.com/office/drawing/2014/main" id="{350B0135-6184-4979-BB40-37C979E657FF}"/>
+                <a16:creationId xmlns:a16="http://schemas.microsoft.com/office/drawing/2014/main" xmlns="" id="{350B0135-6184-4979-BB40-37C979E657FF}"/>
               </a:ext>
             </a:extLst>
           </p:cNvPr>
@@ -4105,7 +4093,7 @@
           <p:cNvPr id="14" name="TextBox 13">
             <a:extLst>
               <a:ext uri="{FF2B5EF4-FFF2-40B4-BE49-F238E27FC236}">
-                <a16:creationId xmlns="" xmlns:a16="http://schemas.microsoft.com/office/drawing/2014/main" id="{8A29E2F6-DCC5-419F-8203-4FD2EDF588FE}"/>
+                <a16:creationId xmlns:a16="http://schemas.microsoft.com/office/drawing/2014/main" xmlns="" id="{8A29E2F6-DCC5-419F-8203-4FD2EDF588FE}"/>
               </a:ext>
             </a:extLst>
           </p:cNvPr>
@@ -4148,14 +4136,14 @@
           </a:p>
         </p:txBody>
       </p:sp>
-      <mc:AlternateContent xmlns:mc="http://schemas.openxmlformats.org/markup-compatibility/2006">
-        <mc:Choice xmlns:a14="http://schemas.microsoft.com/office/drawing/2010/main" Requires="a14">
+      <mc:AlternateContent xmlns:mc="http://schemas.openxmlformats.org/markup-compatibility/2006" xmlns:a14="http://schemas.microsoft.com/office/drawing/2010/main">
+        <mc:Choice Requires="a14">
           <p:sp>
             <p:nvSpPr>
               <p:cNvPr id="15" name="TextBox 14">
                 <a:extLst>
                   <a:ext uri="{FF2B5EF4-FFF2-40B4-BE49-F238E27FC236}">
-                    <a16:creationId xmlns="" xmlns:a16="http://schemas.microsoft.com/office/drawing/2014/main" id="{72250C3B-DB37-480D-BB9C-66854635BA3F}"/>
+                    <a16:creationId xmlns:a16="http://schemas.microsoft.com/office/drawing/2014/main" xmlns="" id="{72250C3B-DB37-480D-BB9C-66854635BA3F}"/>
                   </a:ext>
                 </a:extLst>
               </p:cNvPr>
@@ -4693,7 +4681,7 @@
                               <a:solidFill>
                                 <a:srgbClr val="011F5B"/>
                               </a:solidFill>
-                              <a:latin typeface="Calibri" charset="0"/>
+                              <a:latin typeface="Cambria Math" charset="0"/>
                               <a:ea typeface="Calibri" charset="0"/>
                               <a:cs typeface="Calibri" charset="0"/>
                             </a:rPr>
@@ -4705,7 +4693,7 @@
                               <a:solidFill>
                                 <a:srgbClr val="011F5B"/>
                               </a:solidFill>
-                              <a:latin typeface="Calibri" charset="0"/>
+                              <a:latin typeface="Cambria Math" charset="0"/>
                               <a:ea typeface="Calibri" charset="0"/>
                               <a:cs typeface="Calibri" charset="0"/>
                             </a:rPr>
@@ -4718,7 +4706,7 @@
                           <a:solidFill>
                             <a:srgbClr val="011F5B"/>
                           </a:solidFill>
-                          <a:latin typeface="Calibri" charset="0"/>
+                          <a:latin typeface="Cambria Math" charset="0"/>
                           <a:ea typeface="Calibri" charset="0"/>
                           <a:cs typeface="Calibri" charset="0"/>
                         </a:rPr>
@@ -4731,7 +4719,7 @@
                               <a:solidFill>
                                 <a:srgbClr val="011F5B"/>
                               </a:solidFill>
-                              <a:latin typeface="Calibri" charset="0"/>
+                              <a:latin typeface="Cambria Math" charset="0"/>
                               <a:ea typeface="Calibri" charset="0"/>
                               <a:cs typeface="Calibri" charset="0"/>
                             </a:rPr>
@@ -4745,7 +4733,7 @@
                                   <a:solidFill>
                                     <a:srgbClr val="011F5B"/>
                                   </a:solidFill>
-                                  <a:latin typeface="Calibri" charset="0"/>
+                                  <a:latin typeface="Cambria Math" charset="0"/>
                                   <a:ea typeface="Calibri" charset="0"/>
                                   <a:cs typeface="Calibri" charset="0"/>
                                 </a:rPr>
@@ -4760,7 +4748,7 @@
                                   <a:solidFill>
                                     <a:srgbClr val="011F5B"/>
                                   </a:solidFill>
-                                  <a:latin typeface="Calibri" charset="0"/>
+                                  <a:latin typeface="Cambria Math" charset="0"/>
                                   <a:ea typeface="Calibri" charset="0"/>
                                   <a:cs typeface="Calibri" charset="0"/>
                                 </a:rPr>
@@ -4773,7 +4761,7 @@
                                   <a:solidFill>
                                     <a:srgbClr val="011F5B"/>
                                   </a:solidFill>
-                                  <a:latin typeface="Calibri" charset="0"/>
+                                  <a:latin typeface="Cambria Math" charset="0"/>
                                   <a:ea typeface="Calibri" charset="0"/>
                                   <a:cs typeface="Calibri" charset="0"/>
                                 </a:rPr>
@@ -4784,7 +4772,7 @@
                                   <a:solidFill>
                                     <a:srgbClr val="011F5B"/>
                                   </a:solidFill>
-                                  <a:latin typeface="Calibri" charset="0"/>
+                                  <a:latin typeface="Cambria Math" charset="0"/>
                                   <a:ea typeface="Calibri" charset="0"/>
                                   <a:cs typeface="Calibri" charset="0"/>
                                 </a:rPr>
@@ -4799,7 +4787,7 @@
                               <a:solidFill>
                                 <a:srgbClr val="011F5B"/>
                               </a:solidFill>
-                              <a:latin typeface="Calibri" charset="0"/>
+                              <a:latin typeface="Cambria Math" charset="0"/>
                               <a:ea typeface="Calibri" charset="0"/>
                               <a:cs typeface="Calibri" charset="0"/>
                             </a:rPr>
@@ -4812,7 +4800,7 @@
                                   <a:solidFill>
                                     <a:srgbClr val="011F5B"/>
                                   </a:solidFill>
-                                  <a:latin typeface="Calibri" charset="0"/>
+                                  <a:latin typeface="Cambria Math" charset="0"/>
                                   <a:ea typeface="Calibri" charset="0"/>
                                   <a:cs typeface="Calibri" charset="0"/>
                                 </a:rPr>
@@ -4826,7 +4814,7 @@
                                       <a:solidFill>
                                         <a:srgbClr val="011F5B"/>
                                       </a:solidFill>
-                                      <a:latin typeface="Calibri" charset="0"/>
+                                      <a:latin typeface="Cambria Math" charset="0"/>
                                       <a:ea typeface="Calibri" charset="0"/>
                                       <a:cs typeface="Calibri" charset="0"/>
                                     </a:rPr>
@@ -4838,7 +4826,7 @@
                                       <a:solidFill>
                                         <a:srgbClr val="011F5B"/>
                                       </a:solidFill>
-                                      <a:latin typeface="Calibri" charset="0"/>
+                                      <a:latin typeface="Cambria Math" charset="0"/>
                                       <a:ea typeface="Calibri" charset="0"/>
                                       <a:cs typeface="Calibri" charset="0"/>
                                     </a:rPr>
@@ -4851,7 +4839,7 @@
                                       <a:solidFill>
                                         <a:srgbClr val="011F5B"/>
                                       </a:solidFill>
-                                      <a:latin typeface="Calibri" charset="0"/>
+                                      <a:latin typeface="Cambria Math" charset="0"/>
                                       <a:ea typeface="Calibri" charset="0"/>
                                       <a:cs typeface="Calibri" charset="0"/>
                                     </a:rPr>
@@ -4869,7 +4857,7 @@
                                   <a:solidFill>
                                     <a:srgbClr val="011F5B"/>
                                   </a:solidFill>
-                                  <a:latin typeface="Calibri" charset="0"/>
+                                  <a:latin typeface="Cambria Math" charset="0"/>
                                   <a:ea typeface="Calibri" charset="0"/>
                                   <a:cs typeface="Calibri" charset="0"/>
                                 </a:rPr>
@@ -4884,7 +4872,7 @@
                                   <a:solidFill>
                                     <a:srgbClr val="011F5B"/>
                                   </a:solidFill>
-                                  <a:latin typeface="Calibri" charset="0"/>
+                                  <a:latin typeface="Cambria Math" charset="0"/>
                                   <a:ea typeface="Calibri" charset="0"/>
                                   <a:cs typeface="Calibri" charset="0"/>
                                 </a:rPr>
@@ -4895,7 +4883,7 @@
                                   <a:solidFill>
                                     <a:srgbClr val="011F5B"/>
                                   </a:solidFill>
-                                  <a:latin typeface="Calibri" charset="0"/>
+                                  <a:latin typeface="Cambria Math" charset="0"/>
                                   <a:ea typeface="Calibri" charset="0"/>
                                   <a:cs typeface="Calibri" charset="0"/>
                                 </a:rPr>
@@ -4908,7 +4896,7 @@
                                   <a:solidFill>
                                     <a:srgbClr val="011F5B"/>
                                   </a:solidFill>
-                                  <a:latin typeface="Calibri" charset="0"/>
+                                  <a:latin typeface="Cambria Math" charset="0"/>
                                   <a:ea typeface="Calibri" charset="0"/>
                                   <a:cs typeface="Calibri" charset="0"/>
                                 </a:rPr>
@@ -4921,7 +4909,7 @@
                                   <a:solidFill>
                                     <a:srgbClr val="011F5B"/>
                                   </a:solidFill>
-                                  <a:latin typeface="Calibri" charset="0"/>
+                                  <a:latin typeface="Cambria Math" charset="0"/>
                                   <a:ea typeface="Calibri" charset="0"/>
                                   <a:cs typeface="Calibri" charset="0"/>
                                 </a:rPr>
@@ -4934,7 +4922,7 @@
                                       <a:solidFill>
                                         <a:srgbClr val="011F5B"/>
                                       </a:solidFill>
-                                      <a:latin typeface="Calibri" charset="0"/>
+                                      <a:latin typeface="Cambria Math" charset="0"/>
                                       <a:ea typeface="Calibri" charset="0"/>
                                       <a:cs typeface="Calibri" charset="0"/>
                                     </a:rPr>
@@ -4948,7 +4936,7 @@
                                           <a:solidFill>
                                             <a:srgbClr val="011F5B"/>
                                           </a:solidFill>
-                                          <a:latin typeface="Calibri" charset="0"/>
+                                          <a:latin typeface="Cambria Math" charset="0"/>
                                           <a:ea typeface="Calibri" charset="0"/>
                                           <a:cs typeface="Calibri" charset="0"/>
                                         </a:rPr>
@@ -4960,7 +4948,7 @@
                                           <a:solidFill>
                                             <a:srgbClr val="011F5B"/>
                                           </a:solidFill>
-                                          <a:latin typeface="Calibri" charset="0"/>
+                                          <a:latin typeface="Cambria Math" charset="0"/>
                                           <a:ea typeface="Calibri" charset="0"/>
                                           <a:cs typeface="Calibri" charset="0"/>
                                         </a:rPr>
@@ -4973,7 +4961,7 @@
                                           <a:solidFill>
                                             <a:srgbClr val="011F5B"/>
                                           </a:solidFill>
-                                          <a:latin typeface="Calibri" charset="0"/>
+                                          <a:latin typeface="Cambria Math" charset="0"/>
                                           <a:ea typeface="Calibri" charset="0"/>
                                           <a:cs typeface="Calibri" charset="0"/>
                                         </a:rPr>
@@ -4990,7 +4978,7 @@
                                           <a:solidFill>
                                             <a:srgbClr val="011F5B"/>
                                           </a:solidFill>
-                                          <a:latin typeface="Calibri" charset="0"/>
+                                          <a:latin typeface="Cambria Math" charset="0"/>
                                           <a:ea typeface="Calibri" charset="0"/>
                                           <a:cs typeface="Calibri" charset="0"/>
                                         </a:rPr>
@@ -5002,7 +4990,7 @@
                                           <a:solidFill>
                                             <a:srgbClr val="011F5B"/>
                                           </a:solidFill>
-                                          <a:latin typeface="Calibri" charset="0"/>
+                                          <a:latin typeface="Cambria Math" charset="0"/>
                                           <a:ea typeface="Calibri" charset="0"/>
                                           <a:cs typeface="Calibri" charset="0"/>
                                         </a:rPr>
@@ -5015,7 +5003,7 @@
                                           <a:solidFill>
                                             <a:srgbClr val="011F5B"/>
                                           </a:solidFill>
-                                          <a:latin typeface="Calibri" charset="0"/>
+                                          <a:latin typeface="Cambria Math" charset="0"/>
                                           <a:ea typeface="Calibri" charset="0"/>
                                           <a:cs typeface="Calibri" charset="0"/>
                                         </a:rPr>
@@ -5080,7 +5068,7 @@
             </p:txBody>
           </p:sp>
         </mc:Choice>
-        <mc:Fallback>
+        <mc:Fallback xmlns="">
           <p:sp>
             <p:nvSpPr>
               <p:cNvPr id="15" name="TextBox 14">
@@ -5135,7 +5123,7 @@
           <p:cNvPr id="16" name="TextBox 15">
             <a:extLst>
               <a:ext uri="{FF2B5EF4-FFF2-40B4-BE49-F238E27FC236}">
-                <a16:creationId xmlns="" xmlns:a16="http://schemas.microsoft.com/office/drawing/2014/main" id="{0DAD262F-8D38-404E-9AFD-3722DE8FBBF0}"/>
+                <a16:creationId xmlns:a16="http://schemas.microsoft.com/office/drawing/2014/main" xmlns="" id="{0DAD262F-8D38-404E-9AFD-3722DE8FBBF0}"/>
               </a:ext>
             </a:extLst>
           </p:cNvPr>
@@ -5183,7 +5171,7 @@
           <p:cNvPr id="18" name="TextBox 17">
             <a:extLst>
               <a:ext uri="{FF2B5EF4-FFF2-40B4-BE49-F238E27FC236}">
-                <a16:creationId xmlns="" xmlns:a16="http://schemas.microsoft.com/office/drawing/2014/main" id="{4551F3FF-1DC6-4312-B013-B3DAF7C19194}"/>
+                <a16:creationId xmlns:a16="http://schemas.microsoft.com/office/drawing/2014/main" xmlns="" id="{4551F3FF-1DC6-4312-B013-B3DAF7C19194}"/>
               </a:ext>
             </a:extLst>
           </p:cNvPr>
@@ -5398,7 +5386,7 @@
           <p:cNvPr id="19" name="TextBox 18">
             <a:extLst>
               <a:ext uri="{FF2B5EF4-FFF2-40B4-BE49-F238E27FC236}">
-                <a16:creationId xmlns="" xmlns:a16="http://schemas.microsoft.com/office/drawing/2014/main" id="{0F3F0241-CF38-4C35-8814-BD73D9A52062}"/>
+                <a16:creationId xmlns:a16="http://schemas.microsoft.com/office/drawing/2014/main" xmlns="" id="{0F3F0241-CF38-4C35-8814-BD73D9A52062}"/>
               </a:ext>
             </a:extLst>
           </p:cNvPr>
@@ -5446,7 +5434,7 @@
           <p:cNvPr id="20" name="TextBox 19">
             <a:extLst>
               <a:ext uri="{FF2B5EF4-FFF2-40B4-BE49-F238E27FC236}">
-                <a16:creationId xmlns="" xmlns:a16="http://schemas.microsoft.com/office/drawing/2014/main" id="{B73F7368-9A80-4A04-9F8A-85E03885548E}"/>
+                <a16:creationId xmlns:a16="http://schemas.microsoft.com/office/drawing/2014/main" xmlns="" id="{B73F7368-9A80-4A04-9F8A-85E03885548E}"/>
               </a:ext>
             </a:extLst>
           </p:cNvPr>
@@ -5456,7 +5444,7 @@
         <p:spPr>
           <a:xfrm>
             <a:off x="9203502" y="2512349"/>
-            <a:ext cx="4357654" cy="4247317"/>
+            <a:ext cx="4357654" cy="3477875"/>
           </a:xfrm>
           <a:prstGeom prst="rect">
             <a:avLst/>
@@ -5476,126 +5464,113 @@
           </a:bodyPr>
           <a:lstStyle/>
           <a:p>
-            <a:endParaRPr lang="en-US" sz="1500" dirty="0">
+            <a:endParaRPr lang="en-US" sz="1000" dirty="0">
               <a:solidFill>
                 <a:srgbClr val="011F5B"/>
               </a:solidFill>
             </a:endParaRPr>
           </a:p>
           <a:p>
-            <a:endParaRPr lang="en-US" sz="1500" dirty="0">
+            <a:endParaRPr lang="en-US" sz="1000" dirty="0">
               <a:solidFill>
                 <a:srgbClr val="011F5B"/>
               </a:solidFill>
             </a:endParaRPr>
           </a:p>
           <a:p>
-            <a:endParaRPr lang="en-US" sz="1500" dirty="0">
+            <a:endParaRPr lang="en-US" sz="1000" dirty="0">
               <a:solidFill>
                 <a:srgbClr val="011F5B"/>
               </a:solidFill>
             </a:endParaRPr>
           </a:p>
           <a:p>
-            <a:endParaRPr lang="en-US" sz="1500" dirty="0">
+            <a:r>
+              <a:rPr lang="en-US" sz="1000" dirty="0" smtClean="0">
+                <a:solidFill>
+                  <a:srgbClr val="011F5B"/>
+                </a:solidFill>
+              </a:rPr>
+              <a:t>Initial classifier results are promising, even with only a simple count bag of words feature space. Filtering out misleading tweets and adding sentiment based features could build on this foundation to greatly improve the accuracy of the tuned classifiers.</a:t>
+            </a:r>
+          </a:p>
+          <a:p>
+            <a:endParaRPr lang="en-US" sz="1000" dirty="0">
               <a:solidFill>
                 <a:srgbClr val="011F5B"/>
               </a:solidFill>
             </a:endParaRPr>
           </a:p>
           <a:p>
-            <a:endParaRPr lang="en-US" sz="1500" dirty="0">
+            <a:r>
+              <a:rPr lang="en-US" sz="1000" dirty="0" smtClean="0">
+                <a:solidFill>
+                  <a:srgbClr val="011F5B"/>
+                </a:solidFill>
+              </a:rPr>
+              <a:t>SVM and Logistic Regression performed the best, as they are both very similar linear classifiers and can be expected to behave similarly. The </a:t>
+            </a:r>
+            <a:r>
+              <a:rPr lang="en-US" sz="1000" dirty="0">
+                <a:solidFill>
+                  <a:srgbClr val="011F5B"/>
+                </a:solidFill>
+              </a:rPr>
+              <a:t>N</a:t>
+            </a:r>
+            <a:r>
+              <a:rPr lang="en-US" sz="1000" dirty="0" smtClean="0">
+                <a:solidFill>
+                  <a:srgbClr val="011F5B"/>
+                </a:solidFill>
+              </a:rPr>
+              <a:t>aïve Bayes classifier did not perform as well as it relied more on the prior distribution of the y values than the features that differed between them, and would often classify an entire test set with the label with the highest prior probability. The four layer neural net faced a similar struggle in differentiating its outputs, but this was likely due to the low number of labeled examples (281).</a:t>
+            </a:r>
+          </a:p>
+          <a:p>
+            <a:endParaRPr lang="en-US" sz="1000" dirty="0">
               <a:solidFill>
                 <a:srgbClr val="011F5B"/>
               </a:solidFill>
             </a:endParaRPr>
           </a:p>
           <a:p>
-            <a:endParaRPr lang="en-US" sz="1500" dirty="0">
+            <a:endParaRPr lang="en-US" sz="1000" dirty="0" smtClean="0">
               <a:solidFill>
                 <a:srgbClr val="011F5B"/>
               </a:solidFill>
             </a:endParaRPr>
           </a:p>
           <a:p>
-            <a:endParaRPr lang="en-US" sz="1500" dirty="0">
+            <a:endParaRPr lang="en-US" sz="1000" dirty="0">
               <a:solidFill>
                 <a:srgbClr val="011F5B"/>
               </a:solidFill>
             </a:endParaRPr>
           </a:p>
           <a:p>
-            <a:endParaRPr lang="en-US" sz="1500" dirty="0">
+            <a:endParaRPr lang="en-US" sz="1000" dirty="0" smtClean="0">
               <a:solidFill>
                 <a:srgbClr val="011F5B"/>
               </a:solidFill>
             </a:endParaRPr>
           </a:p>
           <a:p>
-            <a:endParaRPr lang="en-US" sz="1500" dirty="0">
+            <a:endParaRPr lang="en-US" sz="1000" dirty="0">
               <a:solidFill>
                 <a:srgbClr val="011F5B"/>
               </a:solidFill>
             </a:endParaRPr>
           </a:p>
           <a:p>
-            <a:endParaRPr lang="en-US" sz="1500" dirty="0">
+            <a:endParaRPr lang="en-US" sz="1000" dirty="0">
               <a:solidFill>
                 <a:srgbClr val="011F5B"/>
               </a:solidFill>
             </a:endParaRPr>
           </a:p>
           <a:p>
-            <a:endParaRPr lang="en-US" sz="1500" dirty="0">
-              <a:solidFill>
-                <a:srgbClr val="011F5B"/>
-              </a:solidFill>
-            </a:endParaRPr>
-          </a:p>
-          <a:p>
-            <a:endParaRPr lang="en-US" sz="1500" dirty="0">
-              <a:solidFill>
-                <a:srgbClr val="011F5B"/>
-              </a:solidFill>
-            </a:endParaRPr>
-          </a:p>
-          <a:p>
-            <a:endParaRPr lang="en-US" sz="1500" dirty="0">
-              <a:solidFill>
-                <a:srgbClr val="011F5B"/>
-              </a:solidFill>
-            </a:endParaRPr>
-          </a:p>
-          <a:p>
-            <a:endParaRPr lang="en-US" sz="1500" dirty="0">
-              <a:solidFill>
-                <a:srgbClr val="011F5B"/>
-              </a:solidFill>
-            </a:endParaRPr>
-          </a:p>
-          <a:p>
-            <a:endParaRPr lang="en-US" sz="1500" dirty="0">
-              <a:solidFill>
-                <a:srgbClr val="011F5B"/>
-              </a:solidFill>
-            </a:endParaRPr>
-          </a:p>
-          <a:p>
-            <a:endParaRPr lang="en-US" sz="1500" dirty="0">
-              <a:solidFill>
-                <a:srgbClr val="011F5B"/>
-              </a:solidFill>
-            </a:endParaRPr>
-          </a:p>
-          <a:p>
-            <a:endParaRPr lang="en-US" sz="1500" dirty="0">
-              <a:solidFill>
-                <a:srgbClr val="011F5B"/>
-              </a:solidFill>
-            </a:endParaRPr>
-          </a:p>
-          <a:p>
-            <a:endParaRPr lang="en-US" sz="1500" dirty="0">
+            <a:endParaRPr lang="en-US" sz="1000" dirty="0">
               <a:solidFill>
                 <a:srgbClr val="011F5B"/>
               </a:solidFill>
@@ -5608,7 +5583,7 @@
           <p:cNvPr id="21" name="TextBox 20">
             <a:extLst>
               <a:ext uri="{FF2B5EF4-FFF2-40B4-BE49-F238E27FC236}">
-                <a16:creationId xmlns="" xmlns:a16="http://schemas.microsoft.com/office/drawing/2014/main" id="{89951AAD-7622-4490-A4E3-0CB642DFDA44}"/>
+                <a16:creationId xmlns:a16="http://schemas.microsoft.com/office/drawing/2014/main" xmlns="" id="{89951AAD-7622-4490-A4E3-0CB642DFDA44}"/>
               </a:ext>
             </a:extLst>
           </p:cNvPr>
@@ -5651,14 +5626,14 @@
           </a:p>
         </p:txBody>
       </p:sp>
-      <mc:AlternateContent xmlns:mc="http://schemas.openxmlformats.org/markup-compatibility/2006" xmlns:a14="http://schemas.microsoft.com/office/drawing/2010/main">
-        <mc:Choice Requires="a14">
+      <mc:AlternateContent xmlns:mc="http://schemas.openxmlformats.org/markup-compatibility/2006">
+        <mc:Choice xmlns:a14="http://schemas.microsoft.com/office/drawing/2010/main" Requires="a14">
           <p:sp>
             <p:nvSpPr>
               <p:cNvPr id="22" name="TextBox 21">
                 <a:extLst>
                   <a:ext uri="{FF2B5EF4-FFF2-40B4-BE49-F238E27FC236}">
-                    <a16:creationId xmlns="" xmlns:a16="http://schemas.microsoft.com/office/drawing/2014/main" id="{73D5816F-EF48-4F3C-8E5A-54FFD05B92D6}"/>
+                    <a16:creationId xmlns:a16="http://schemas.microsoft.com/office/drawing/2014/main" xmlns="" id="{73D5816F-EF48-4F3C-8E5A-54FFD05B92D6}"/>
                   </a:ext>
                 </a:extLst>
               </p:cNvPr>
@@ -5668,7 +5643,7 @@
             <p:spPr>
               <a:xfrm>
                 <a:off x="9203502" y="6924034"/>
-                <a:ext cx="4357654" cy="7940635"/>
+                <a:ext cx="4357654" cy="4862870"/>
               </a:xfrm>
               <a:prstGeom prst="rect">
                 <a:avLst/>
@@ -5688,14 +5663,14 @@
               </a:bodyPr>
               <a:lstStyle/>
               <a:p>
-                <a:endParaRPr lang="en-US" sz="1500" dirty="0">
+                <a:endParaRPr lang="en-US" sz="1000" dirty="0">
                   <a:solidFill>
                     <a:srgbClr val="011F5B"/>
                   </a:solidFill>
                 </a:endParaRPr>
               </a:p>
               <a:p>
-                <a:endParaRPr lang="en-US" sz="1500" dirty="0">
+                <a:endParaRPr lang="en-US" sz="1000" dirty="0">
                   <a:solidFill>
                     <a:srgbClr val="011F5B"/>
                   </a:solidFill>
@@ -5703,7 +5678,7 @@
               </a:p>
               <a:p>
                 <a:r>
-                  <a:rPr lang="en-US" sz="1500" b="1" dirty="0">
+                  <a:rPr lang="en-US" sz="1000" b="1" dirty="0">
                     <a:solidFill>
                       <a:srgbClr val="011F5B"/>
                     </a:solidFill>
@@ -5711,7 +5686,7 @@
                   <a:t>Spam Filter Improvements</a:t>
                 </a:r>
                 <a:r>
-                  <a:rPr lang="en-US" sz="1500" dirty="0">
+                  <a:rPr lang="en-US" sz="1000" dirty="0">
                     <a:solidFill>
                       <a:srgbClr val="011F5B"/>
                     </a:solidFill>
@@ -5721,7 +5696,7 @@
               </a:p>
               <a:p>
                 <a:r>
-                  <a:rPr lang="en-US" sz="1500" dirty="0">
+                  <a:rPr lang="en-US" sz="1000" dirty="0">
                     <a:solidFill>
                       <a:srgbClr val="011F5B"/>
                     </a:solidFill>
@@ -5738,7 +5713,7 @@
                     </m:oMathParaPr>
                     <m:oMath xmlns:m="http://schemas.openxmlformats.org/officeDocument/2006/math">
                       <m:r>
-                        <a:rPr lang="en-US" sz="1500" b="0" i="1" smtClean="0">
+                        <a:rPr lang="en-US" sz="1000" b="0" i="1" smtClean="0">
                           <a:solidFill>
                             <a:srgbClr val="011F5B"/>
                           </a:solidFill>
@@ -5749,7 +5724,7 @@
                       <m:d>
                         <m:dPr>
                           <m:ctrlPr>
-                            <a:rPr lang="en-US" sz="1500" b="0" i="1" smtClean="0">
+                            <a:rPr lang="en-US" sz="1000" b="0" i="1" smtClean="0">
                               <a:solidFill>
                                 <a:srgbClr val="011F5B"/>
                               </a:solidFill>
@@ -5759,7 +5734,7 @@
                         </m:dPr>
                         <m:e>
                           <m:r>
-                            <a:rPr lang="en-US" sz="1500" b="0" i="1" smtClean="0">
+                            <a:rPr lang="en-US" sz="1000" b="0" i="1" smtClean="0">
                               <a:solidFill>
                                 <a:srgbClr val="011F5B"/>
                               </a:solidFill>
@@ -5768,7 +5743,7 @@
                             <m:t>𝐴</m:t>
                           </m:r>
                           <m:r>
-                            <a:rPr lang="en-US" sz="1500" b="0" i="1" smtClean="0">
+                            <a:rPr lang="en-US" sz="1000" b="0" i="1" smtClean="0">
                               <a:solidFill>
                                 <a:srgbClr val="011F5B"/>
                               </a:solidFill>
@@ -5778,7 +5753,7 @@
                             <m:t>∩</m:t>
                           </m:r>
                           <m:r>
-                            <a:rPr lang="en-US" sz="1500" b="0" i="1" smtClean="0">
+                            <a:rPr lang="en-US" sz="1000" b="0" i="1" smtClean="0">
                               <a:solidFill>
                                 <a:srgbClr val="011F5B"/>
                               </a:solidFill>
@@ -5790,7 +5765,7 @@
                         </m:e>
                         <m:e>
                           <m:r>
-                            <a:rPr lang="en-US" sz="1500" b="0" i="1" smtClean="0">
+                            <a:rPr lang="en-US" sz="1000" b="0" i="1" smtClean="0">
                               <a:solidFill>
                                 <a:srgbClr val="011F5B"/>
                               </a:solidFill>
@@ -5801,7 +5776,7 @@
                         </m:e>
                       </m:d>
                       <m:r>
-                        <a:rPr lang="en-US" sz="1500" b="0" i="1" smtClean="0">
+                        <a:rPr lang="en-US" sz="1000" b="0" i="1" smtClean="0">
                           <a:solidFill>
                             <a:srgbClr val="011F5B"/>
                           </a:solidFill>
@@ -5810,7 +5785,7 @@
                         <m:t>=</m:t>
                       </m:r>
                       <m:r>
-                        <a:rPr lang="en-US" sz="1500" b="0" i="1" smtClean="0">
+                        <a:rPr lang="en-US" sz="1000" b="0" i="1" smtClean="0">
                           <a:solidFill>
                             <a:srgbClr val="011F5B"/>
                           </a:solidFill>
@@ -5821,7 +5796,7 @@
                       <m:d>
                         <m:dPr>
                           <m:ctrlPr>
-                            <a:rPr lang="en-US" sz="1500" b="0" i="1" smtClean="0">
+                            <a:rPr lang="en-US" sz="1000" b="0" i="1" smtClean="0">
                               <a:solidFill>
                                 <a:srgbClr val="011F5B"/>
                               </a:solidFill>
@@ -5831,7 +5806,7 @@
                         </m:dPr>
                         <m:e>
                           <m:r>
-                            <a:rPr lang="en-US" sz="1500" b="0" i="1" smtClean="0">
+                            <a:rPr lang="en-US" sz="1000" b="0" i="1" smtClean="0">
                               <a:solidFill>
                                 <a:srgbClr val="011F5B"/>
                               </a:solidFill>
@@ -5842,7 +5817,7 @@
                         </m:e>
                         <m:e>
                           <m:r>
-                            <a:rPr lang="en-US" sz="1500" b="0" i="1" smtClean="0">
+                            <a:rPr lang="en-US" sz="1000" b="0" i="1" smtClean="0">
                               <a:solidFill>
                                 <a:srgbClr val="011F5B"/>
                               </a:solidFill>
@@ -5853,7 +5828,7 @@
                         </m:e>
                       </m:d>
                       <m:r>
-                        <a:rPr lang="en-US" sz="1500" b="0" i="1" smtClean="0">
+                        <a:rPr lang="en-US" sz="1000" b="0" i="1" smtClean="0">
                           <a:solidFill>
                             <a:srgbClr val="011F5B"/>
                           </a:solidFill>
@@ -5862,7 +5837,7 @@
                         <m:t>∗</m:t>
                       </m:r>
                       <m:r>
-                        <a:rPr lang="en-US" sz="1500" b="0" i="1" smtClean="0">
+                        <a:rPr lang="en-US" sz="1000" b="0" i="1" smtClean="0">
                           <a:solidFill>
                             <a:srgbClr val="011F5B"/>
                           </a:solidFill>
@@ -5873,7 +5848,7 @@
                       <m:d>
                         <m:dPr>
                           <m:ctrlPr>
-                            <a:rPr lang="en-US" sz="1500" b="0" i="1" smtClean="0">
+                            <a:rPr lang="en-US" sz="1000" b="0" i="1" smtClean="0">
                               <a:solidFill>
                                 <a:srgbClr val="011F5B"/>
                               </a:solidFill>
@@ -5883,7 +5858,7 @@
                         </m:dPr>
                         <m:e>
                           <m:r>
-                            <a:rPr lang="en-US" sz="1500" b="0" i="1" smtClean="0">
+                            <a:rPr lang="en-US" sz="1000" b="0" i="1" smtClean="0">
                               <a:solidFill>
                                 <a:srgbClr val="011F5B"/>
                               </a:solidFill>
@@ -5894,7 +5869,7 @@
                         </m:e>
                         <m:e>
                           <m:r>
-                            <a:rPr lang="en-US" sz="1500" b="0" i="1" smtClean="0">
+                            <a:rPr lang="en-US" sz="1000" b="0" i="1" smtClean="0">
                               <a:solidFill>
                                 <a:srgbClr val="011F5B"/>
                               </a:solidFill>
@@ -5907,7 +5882,7 @@
                     </m:oMath>
                   </m:oMathPara>
                 </a14:m>
-                <a:endParaRPr lang="en-US" sz="1500" dirty="0">
+                <a:endParaRPr lang="en-US" sz="1000" dirty="0">
                   <a:solidFill>
                     <a:srgbClr val="011F5B"/>
                   </a:solidFill>
@@ -5915,7 +5890,7 @@
               </a:p>
               <a:p>
                 <a:r>
-                  <a:rPr lang="en-US" sz="1500" dirty="0">
+                  <a:rPr lang="en-US" sz="1000" dirty="0">
                     <a:solidFill>
                       <a:srgbClr val="011F5B"/>
                     </a:solidFill>
@@ -5924,7 +5899,7 @@
                 </a:r>
               </a:p>
               <a:p>
-                <a:endParaRPr lang="en-US" sz="1500" dirty="0">
+                <a:endParaRPr lang="en-US" sz="1000" dirty="0">
                   <a:solidFill>
                     <a:srgbClr val="011F5B"/>
                   </a:solidFill>
@@ -5932,7 +5907,7 @@
               </a:p>
               <a:p>
                 <a:r>
-                  <a:rPr lang="en-US" sz="1500" dirty="0">
+                  <a:rPr lang="en-US" sz="1000" dirty="0">
                     <a:solidFill>
                       <a:srgbClr val="011F5B"/>
                     </a:solidFill>
@@ -5940,7 +5915,7 @@
                   <a:t>Another method to supplement the Spam filter is to evaluate the properties of each user that tweets come from. Studies have shown </a:t>
                 </a:r>
                 <a:r>
-                  <a:rPr lang="en-US" sz="1500" dirty="0">
+                  <a:rPr lang="en-US" sz="1000" dirty="0">
                     <a:solidFill>
                       <a:srgbClr val="FF0000"/>
                     </a:solidFill>
@@ -5948,7 +5923,7 @@
                   <a:t>(Cite) </a:t>
                 </a:r>
                 <a:r>
-                  <a:rPr lang="en-US" sz="1500" dirty="0">
+                  <a:rPr lang="en-US" sz="1000" dirty="0">
                     <a:solidFill>
                       <a:srgbClr val="011F5B"/>
                     </a:solidFill>
@@ -5956,7 +5931,7 @@
                   <a:t>that lexical diversity is a good indicator to distinguish bots from humans. This approach requires collecting all of the tweets for a given user and then associating a LD score with their </a:t>
                 </a:r>
                 <a:r>
-                  <a:rPr lang="en-US" sz="1500" dirty="0" err="1">
+                  <a:rPr lang="en-US" sz="1000" dirty="0" err="1">
                     <a:solidFill>
                       <a:srgbClr val="011F5B"/>
                     </a:solidFill>
@@ -5964,7 +5939,7 @@
                   <a:t>user_id</a:t>
                 </a:r>
                 <a:r>
-                  <a:rPr lang="en-US" sz="1500" dirty="0">
+                  <a:rPr lang="en-US" sz="1000" dirty="0">
                     <a:solidFill>
                       <a:srgbClr val="011F5B"/>
                     </a:solidFill>
@@ -5973,7 +5948,7 @@
                 </a:r>
               </a:p>
               <a:p>
-                <a:endParaRPr lang="en-US" sz="1500" dirty="0">
+                <a:endParaRPr lang="en-US" sz="1000" dirty="0">
                   <a:solidFill>
                     <a:srgbClr val="011F5B"/>
                   </a:solidFill>
@@ -5981,14 +5956,14 @@
               </a:p>
               <a:p>
                 <a:r>
-                  <a:rPr lang="en-US" sz="1500" b="1" dirty="0">
+                  <a:rPr lang="en-US" sz="1000" b="1" dirty="0">
                     <a:solidFill>
                       <a:srgbClr val="011F5B"/>
                     </a:solidFill>
                   </a:rPr>
                   <a:t>Sentiment Analysis:</a:t>
                 </a:r>
-                <a:endParaRPr lang="en-US" sz="1500" dirty="0">
+                <a:endParaRPr lang="en-US" sz="1000" dirty="0">
                   <a:solidFill>
                     <a:srgbClr val="011F5B"/>
                   </a:solidFill>
@@ -5996,23 +5971,66 @@
               </a:p>
               <a:p>
                 <a:r>
-                  <a:rPr lang="en-US" sz="1500" dirty="0">
+                  <a:rPr lang="en-US" sz="1000" dirty="0">
                     <a:solidFill>
                       <a:srgbClr val="011F5B"/>
                     </a:solidFill>
                   </a:rPr>
-                  <a:t>Finance dictionary</a:t>
+                  <a:t>Finance </a:t>
+                </a:r>
+                <a:r>
+                  <a:rPr lang="en-US" sz="1000" dirty="0" smtClean="0">
+                    <a:solidFill>
+                      <a:srgbClr val="011F5B"/>
+                    </a:solidFill>
+                  </a:rPr>
+                  <a:t>dictionary</a:t>
                 </a:r>
               </a:p>
               <a:p>
-                <a:endParaRPr lang="en-US" sz="1500" dirty="0">
+                <a:endParaRPr lang="en-US" sz="1000" dirty="0">
                   <a:solidFill>
                     <a:srgbClr val="011F5B"/>
                   </a:solidFill>
                 </a:endParaRPr>
               </a:p>
               <a:p>
-                <a:endParaRPr lang="en-US" sz="1500" dirty="0">
+                <a:endParaRPr lang="en-US" sz="1000" dirty="0" smtClean="0">
+                  <a:solidFill>
+                    <a:srgbClr val="011F5B"/>
+                  </a:solidFill>
+                </a:endParaRPr>
+              </a:p>
+              <a:p>
+                <a:endParaRPr lang="en-US" sz="1000" dirty="0">
+                  <a:solidFill>
+                    <a:srgbClr val="011F5B"/>
+                  </a:solidFill>
+                </a:endParaRPr>
+              </a:p>
+              <a:p>
+                <a:endParaRPr lang="en-US" sz="1000" dirty="0" smtClean="0">
+                  <a:solidFill>
+                    <a:srgbClr val="011F5B"/>
+                  </a:solidFill>
+                </a:endParaRPr>
+              </a:p>
+              <a:p>
+                <a:endParaRPr lang="en-US" sz="1000" dirty="0">
+                  <a:solidFill>
+                    <a:srgbClr val="011F5B"/>
+                  </a:solidFill>
+                </a:endParaRPr>
+              </a:p>
+              <a:p>
+                <a:endParaRPr lang="en-US" sz="1000" dirty="0">
+                  <a:solidFill>
+                    <a:srgbClr val="011F5B"/>
+                  </a:solidFill>
+                </a:endParaRPr>
+              </a:p>
+              <a:p>
+                <a:endParaRPr lang="en-US" sz="1000" dirty="0">
                   <a:solidFill>
                     <a:srgbClr val="011F5B"/>
                   </a:solidFill>
@@ -6021,13 +6039,13 @@
             </p:txBody>
           </p:sp>
         </mc:Choice>
-        <mc:Fallback xmlns="">
+        <mc:Fallback>
           <p:sp>
             <p:nvSpPr>
               <p:cNvPr id="22" name="TextBox 21">
                 <a:extLst>
                   <a:ext uri="{FF2B5EF4-FFF2-40B4-BE49-F238E27FC236}">
-                    <a16:creationId xmlns:a16="http://schemas.microsoft.com/office/drawing/2014/main" id="{73D5816F-EF48-4F3C-8E5A-54FFD05B92D6}"/>
+                    <a16:creationId xmlns:a16="http://schemas.microsoft.com/office/drawing/2014/main" xmlns="" xmlns:a14="http://schemas.microsoft.com/office/drawing/2010/main" id="{73D5816F-EF48-4F3C-8E5A-54FFD05B92D6}"/>
                   </a:ext>
                 </a:extLst>
               </p:cNvPr>
@@ -6039,15 +6057,15 @@
             <p:spPr>
               <a:xfrm>
                 <a:off x="9203502" y="6924034"/>
-                <a:ext cx="4357654" cy="7940635"/>
+                <a:ext cx="4357654" cy="4862870"/>
               </a:xfrm>
               <a:prstGeom prst="rect">
                 <a:avLst/>
               </a:prstGeom>
-              <a:blipFill>
+              <a:blipFill rotWithShape="0">
                 <a:blip r:embed="rId11"/>
                 <a:stretch>
-                  <a:fillRect l="-418" r="-1255"/>
+                  <a:fillRect r="-139"/>
                 </a:stretch>
               </a:blipFill>
               <a:ln>
@@ -6076,7 +6094,7 @@
           <p:cNvPr id="23" name="TextBox 22">
             <a:extLst>
               <a:ext uri="{FF2B5EF4-FFF2-40B4-BE49-F238E27FC236}">
-                <a16:creationId xmlns="" xmlns:a16="http://schemas.microsoft.com/office/drawing/2014/main" id="{A905B64D-C01B-4DF9-8AE8-4206EEE06C55}"/>
+                <a16:creationId xmlns:a16="http://schemas.microsoft.com/office/drawing/2014/main" xmlns="" id="{A905B64D-C01B-4DF9-8AE8-4206EEE06C55}"/>
               </a:ext>
             </a:extLst>
           </p:cNvPr>
@@ -6124,7 +6142,7 @@
           <p:cNvPr id="5" name="Table 4">
             <a:extLst>
               <a:ext uri="{FF2B5EF4-FFF2-40B4-BE49-F238E27FC236}">
-                <a16:creationId xmlns="" xmlns:a16="http://schemas.microsoft.com/office/drawing/2014/main" id="{37BD625B-551D-49A4-895F-BFE014F4F99A}"/>
+                <a16:creationId xmlns:a16="http://schemas.microsoft.com/office/drawing/2014/main" xmlns="" id="{37BD625B-551D-49A4-895F-BFE014F4F99A}"/>
               </a:ext>
             </a:extLst>
           </p:cNvPr>
@@ -6153,21 +6171,21 @@
                 <a:gridCol w="1408253">
                   <a:extLst>
                     <a:ext uri="{9D8B030D-6E8A-4147-A177-3AD203B41FA5}">
-                      <a16:colId xmlns="" xmlns:a16="http://schemas.microsoft.com/office/drawing/2014/main" val="3247188750"/>
+                      <a16:colId xmlns:a16="http://schemas.microsoft.com/office/drawing/2014/main" xmlns="" val="3247188750"/>
                     </a:ext>
                   </a:extLst>
                 </a:gridCol>
                 <a:gridCol w="1408253">
                   <a:extLst>
                     <a:ext uri="{9D8B030D-6E8A-4147-A177-3AD203B41FA5}">
-                      <a16:colId xmlns="" xmlns:a16="http://schemas.microsoft.com/office/drawing/2014/main" val="1214523097"/>
+                      <a16:colId xmlns:a16="http://schemas.microsoft.com/office/drawing/2014/main" xmlns="" val="1214523097"/>
                     </a:ext>
                   </a:extLst>
                 </a:gridCol>
                 <a:gridCol w="1408253">
                   <a:extLst>
                     <a:ext uri="{9D8B030D-6E8A-4147-A177-3AD203B41FA5}">
-                      <a16:colId xmlns="" xmlns:a16="http://schemas.microsoft.com/office/drawing/2014/main" val="3255143547"/>
+                      <a16:colId xmlns:a16="http://schemas.microsoft.com/office/drawing/2014/main" xmlns="" val="3255143547"/>
                     </a:ext>
                   </a:extLst>
                 </a:gridCol>
@@ -6209,7 +6227,7 @@
                 </a:tc>
                 <a:extLst>
                   <a:ext uri="{0D108BD9-81ED-4DB2-BD59-A6C34878D82A}">
-                    <a16:rowId xmlns="" xmlns:a16="http://schemas.microsoft.com/office/drawing/2014/main" val="426857068"/>
+                    <a16:rowId xmlns:a16="http://schemas.microsoft.com/office/drawing/2014/main" xmlns="" val="426857068"/>
                   </a:ext>
                 </a:extLst>
               </a:tr>
@@ -6256,7 +6274,7 @@
                 </a:tc>
                 <a:extLst>
                   <a:ext uri="{0D108BD9-81ED-4DB2-BD59-A6C34878D82A}">
-                    <a16:rowId xmlns="" xmlns:a16="http://schemas.microsoft.com/office/drawing/2014/main" val="4254030744"/>
+                    <a16:rowId xmlns:a16="http://schemas.microsoft.com/office/drawing/2014/main" xmlns="" val="4254030744"/>
                   </a:ext>
                 </a:extLst>
               </a:tr>
@@ -6303,7 +6321,7 @@
                 </a:tc>
                 <a:extLst>
                   <a:ext uri="{0D108BD9-81ED-4DB2-BD59-A6C34878D82A}">
-                    <a16:rowId xmlns="" xmlns:a16="http://schemas.microsoft.com/office/drawing/2014/main" val="2348030731"/>
+                    <a16:rowId xmlns:a16="http://schemas.microsoft.com/office/drawing/2014/main" xmlns="" val="2348030731"/>
                   </a:ext>
                 </a:extLst>
               </a:tr>
@@ -6351,7 +6369,7 @@
                 </a:tc>
                 <a:extLst>
                   <a:ext uri="{0D108BD9-81ED-4DB2-BD59-A6C34878D82A}">
-                    <a16:rowId xmlns="" xmlns:a16="http://schemas.microsoft.com/office/drawing/2014/main" val="575309201"/>
+                    <a16:rowId xmlns:a16="http://schemas.microsoft.com/office/drawing/2014/main" xmlns="" val="575309201"/>
                   </a:ext>
                 </a:extLst>
               </a:tr>
@@ -6364,7 +6382,7 @@
           <p:cNvPr id="26" name="TextBox 25">
             <a:extLst>
               <a:ext uri="{FF2B5EF4-FFF2-40B4-BE49-F238E27FC236}">
-                <a16:creationId xmlns="" xmlns:a16="http://schemas.microsoft.com/office/drawing/2014/main" id="{BE099189-C81E-41C7-BA90-461E1F0BDA19}"/>
+                <a16:creationId xmlns:a16="http://schemas.microsoft.com/office/drawing/2014/main" xmlns="" id="{BE099189-C81E-41C7-BA90-461E1F0BDA19}"/>
               </a:ext>
             </a:extLst>
           </p:cNvPr>
@@ -6374,7 +6392,7 @@
         <p:spPr>
           <a:xfrm>
             <a:off x="4679173" y="2537210"/>
-            <a:ext cx="4357654" cy="3554819"/>
+            <a:ext cx="4357654" cy="3631763"/>
           </a:xfrm>
           <a:prstGeom prst="rect">
             <a:avLst/>
@@ -6394,32 +6412,47 @@
           </a:bodyPr>
           <a:lstStyle/>
           <a:p>
-            <a:endParaRPr lang="en-US" sz="1500" dirty="0">
+            <a:endParaRPr lang="en-US" sz="1000" dirty="0">
               <a:solidFill>
                 <a:srgbClr val="011F5B"/>
               </a:solidFill>
             </a:endParaRPr>
           </a:p>
           <a:p>
-            <a:endParaRPr lang="en-US" sz="1500" dirty="0">
+            <a:endParaRPr lang="en-US" sz="1000" dirty="0">
               <a:solidFill>
                 <a:srgbClr val="011F5B"/>
               </a:solidFill>
             </a:endParaRPr>
           </a:p>
           <a:p>
-            <a:r>
-              <a:rPr lang="en-US" sz="1500" dirty="0">
+            <a:endParaRPr lang="en-US" sz="1000" dirty="0" smtClean="0">
+              <a:solidFill>
+                <a:srgbClr val="011F5B"/>
+              </a:solidFill>
+            </a:endParaRPr>
+          </a:p>
+          <a:p>
+            <a:r>
+              <a:rPr lang="en-US" sz="1000" dirty="0" smtClean="0">
                 <a:solidFill>
                   <a:srgbClr val="011F5B"/>
                 </a:solidFill>
               </a:rPr>
-              <a:t>Trained on 100k labeled tweets from Kaggle</a:t>
-            </a:r>
-          </a:p>
-          <a:p>
-            <a:r>
-              <a:rPr lang="en-US" sz="1500" dirty="0">
+              <a:t>Trained </a:t>
+            </a:r>
+            <a:r>
+              <a:rPr lang="en-US" sz="1000" dirty="0">
+                <a:solidFill>
+                  <a:srgbClr val="011F5B"/>
+                </a:solidFill>
+              </a:rPr>
+              <a:t>on 100k labeled tweets from Kaggle</a:t>
+            </a:r>
+          </a:p>
+          <a:p>
+            <a:r>
+              <a:rPr lang="en-US" sz="1000" dirty="0">
                 <a:solidFill>
                   <a:srgbClr val="011F5B"/>
                 </a:solidFill>
@@ -6429,7 +6462,7 @@
           </a:p>
           <a:p>
             <a:r>
-              <a:rPr lang="en-US" sz="1500" dirty="0">
+              <a:rPr lang="en-US" sz="1000" dirty="0">
                 <a:solidFill>
                   <a:srgbClr val="011F5B"/>
                 </a:solidFill>
@@ -6438,7 +6471,7 @@
             </a:r>
           </a:p>
           <a:p>
-            <a:endParaRPr lang="en-US" sz="1500" dirty="0">
+            <a:endParaRPr lang="en-US" sz="1000" dirty="0">
               <a:solidFill>
                 <a:srgbClr val="011F5B"/>
               </a:solidFill>
@@ -6446,7 +6479,7 @@
           </a:p>
           <a:p>
             <a:r>
-              <a:rPr lang="en-US" sz="1500" dirty="0">
+              <a:rPr lang="en-US" sz="1000" dirty="0">
                 <a:solidFill>
                   <a:srgbClr val="011F5B"/>
                 </a:solidFill>
@@ -6455,56 +6488,105 @@
             </a:r>
           </a:p>
           <a:p>
-            <a:endParaRPr lang="en-US" sz="1500" dirty="0">
+            <a:endParaRPr lang="en-US" sz="1000" dirty="0">
               <a:solidFill>
                 <a:srgbClr val="011F5B"/>
               </a:solidFill>
             </a:endParaRPr>
           </a:p>
           <a:p>
-            <a:endParaRPr lang="en-US" sz="1500" dirty="0">
+            <a:endParaRPr lang="en-US" sz="1000" dirty="0">
               <a:solidFill>
                 <a:srgbClr val="011F5B"/>
               </a:solidFill>
             </a:endParaRPr>
           </a:p>
           <a:p>
-            <a:endParaRPr lang="en-US" sz="1500" dirty="0">
+            <a:endParaRPr lang="en-US" sz="1000" dirty="0">
               <a:solidFill>
                 <a:srgbClr val="011F5B"/>
               </a:solidFill>
             </a:endParaRPr>
           </a:p>
           <a:p>
-            <a:endParaRPr lang="en-US" sz="1500" dirty="0">
+            <a:endParaRPr lang="en-US" sz="1000" dirty="0">
               <a:solidFill>
                 <a:srgbClr val="011F5B"/>
               </a:solidFill>
             </a:endParaRPr>
           </a:p>
           <a:p>
-            <a:endParaRPr lang="en-US" sz="1500" dirty="0">
+            <a:endParaRPr lang="en-US" sz="1000" dirty="0">
               <a:solidFill>
                 <a:srgbClr val="011F5B"/>
               </a:solidFill>
             </a:endParaRPr>
           </a:p>
           <a:p>
-            <a:endParaRPr lang="en-US" sz="1500" dirty="0">
+            <a:endParaRPr lang="en-US" sz="1000" dirty="0">
               <a:solidFill>
                 <a:srgbClr val="011F5B"/>
               </a:solidFill>
             </a:endParaRPr>
           </a:p>
           <a:p>
-            <a:endParaRPr lang="en-US" sz="1500" dirty="0">
+            <a:endParaRPr lang="en-US" sz="1000" dirty="0">
               <a:solidFill>
                 <a:srgbClr val="011F5B"/>
               </a:solidFill>
             </a:endParaRPr>
           </a:p>
           <a:p>
-            <a:endParaRPr lang="en-US" sz="1500" dirty="0">
+            <a:endParaRPr lang="en-US" sz="1000" dirty="0" smtClean="0">
+              <a:solidFill>
+                <a:srgbClr val="011F5B"/>
+              </a:solidFill>
+            </a:endParaRPr>
+          </a:p>
+          <a:p>
+            <a:endParaRPr lang="en-US" sz="1000" dirty="0">
+              <a:solidFill>
+                <a:srgbClr val="011F5B"/>
+              </a:solidFill>
+            </a:endParaRPr>
+          </a:p>
+          <a:p>
+            <a:endParaRPr lang="en-US" sz="1000" dirty="0" smtClean="0">
+              <a:solidFill>
+                <a:srgbClr val="011F5B"/>
+              </a:solidFill>
+            </a:endParaRPr>
+          </a:p>
+          <a:p>
+            <a:endParaRPr lang="en-US" sz="1000" dirty="0">
+              <a:solidFill>
+                <a:srgbClr val="011F5B"/>
+              </a:solidFill>
+            </a:endParaRPr>
+          </a:p>
+          <a:p>
+            <a:endParaRPr lang="en-US" sz="1000" dirty="0" smtClean="0">
+              <a:solidFill>
+                <a:srgbClr val="011F5B"/>
+              </a:solidFill>
+            </a:endParaRPr>
+          </a:p>
+          <a:p>
+            <a:endParaRPr lang="en-US" sz="1000" dirty="0">
+              <a:solidFill>
+                <a:srgbClr val="011F5B"/>
+              </a:solidFill>
+            </a:endParaRPr>
+          </a:p>
+          <a:p>
+            <a:endParaRPr lang="en-US" sz="1000" dirty="0" smtClean="0">
+              <a:solidFill>
+                <a:srgbClr val="011F5B"/>
+              </a:solidFill>
+            </a:endParaRPr>
+          </a:p>
+          <a:p>
+            <a:endParaRPr lang="en-US" sz="1000" dirty="0">
               <a:solidFill>
                 <a:srgbClr val="011F5B"/>
               </a:solidFill>
@@ -6517,7 +6599,7 @@
           <p:cNvPr id="27" name="TextBox 26">
             <a:extLst>
               <a:ext uri="{FF2B5EF4-FFF2-40B4-BE49-F238E27FC236}">
-                <a16:creationId xmlns="" xmlns:a16="http://schemas.microsoft.com/office/drawing/2014/main" id="{4D78901C-AF9C-488F-9AF6-E8AF582AB9AA}"/>
+                <a16:creationId xmlns:a16="http://schemas.microsoft.com/office/drawing/2014/main" xmlns="" id="{4D78901C-AF9C-488F-9AF6-E8AF582AB9AA}"/>
               </a:ext>
             </a:extLst>
           </p:cNvPr>
@@ -6565,7 +6647,7 @@
           <p:cNvPr id="3" name="Table 2">
             <a:extLst>
               <a:ext uri="{FF2B5EF4-FFF2-40B4-BE49-F238E27FC236}">
-                <a16:creationId xmlns="" xmlns:a16="http://schemas.microsoft.com/office/drawing/2014/main" id="{89C3DB6B-8AD8-4EDB-8718-A0FE2085A03C}"/>
+                <a16:creationId xmlns:a16="http://schemas.microsoft.com/office/drawing/2014/main" xmlns="" id="{89C3DB6B-8AD8-4EDB-8718-A0FE2085A03C}"/>
               </a:ext>
             </a:extLst>
           </p:cNvPr>
@@ -6594,14 +6676,14 @@
                 <a:gridCol w="1372707">
                   <a:extLst>
                     <a:ext uri="{9D8B030D-6E8A-4147-A177-3AD203B41FA5}">
-                      <a16:colId xmlns="" xmlns:a16="http://schemas.microsoft.com/office/drawing/2014/main" val="1358636601"/>
+                      <a16:colId xmlns:a16="http://schemas.microsoft.com/office/drawing/2014/main" xmlns="" val="1358636601"/>
                     </a:ext>
                   </a:extLst>
                 </a:gridCol>
                 <a:gridCol w="7509277">
                   <a:extLst>
                     <a:ext uri="{9D8B030D-6E8A-4147-A177-3AD203B41FA5}">
-                      <a16:colId xmlns="" xmlns:a16="http://schemas.microsoft.com/office/drawing/2014/main" val="3610811052"/>
+                      <a16:colId xmlns:a16="http://schemas.microsoft.com/office/drawing/2014/main" xmlns="" val="3610811052"/>
                     </a:ext>
                   </a:extLst>
                 </a:gridCol>
@@ -6633,7 +6715,7 @@
                 </a:tc>
                 <a:extLst>
                   <a:ext uri="{0D108BD9-81ED-4DB2-BD59-A6C34878D82A}">
-                    <a16:rowId xmlns="" xmlns:a16="http://schemas.microsoft.com/office/drawing/2014/main" val="2614706741"/>
+                    <a16:rowId xmlns:a16="http://schemas.microsoft.com/office/drawing/2014/main" xmlns="" val="2614706741"/>
                   </a:ext>
                 </a:extLst>
               </a:tr>
@@ -6666,7 +6748,7 @@
                 </a:tc>
                 <a:extLst>
                   <a:ext uri="{0D108BD9-81ED-4DB2-BD59-A6C34878D82A}">
-                    <a16:rowId xmlns="" xmlns:a16="http://schemas.microsoft.com/office/drawing/2014/main" val="3546821875"/>
+                    <a16:rowId xmlns:a16="http://schemas.microsoft.com/office/drawing/2014/main" xmlns="" val="3546821875"/>
                   </a:ext>
                 </a:extLst>
               </a:tr>
@@ -6699,7 +6781,7 @@
                 </a:tc>
                 <a:extLst>
                   <a:ext uri="{0D108BD9-81ED-4DB2-BD59-A6C34878D82A}">
-                    <a16:rowId xmlns="" xmlns:a16="http://schemas.microsoft.com/office/drawing/2014/main" val="1427118731"/>
+                    <a16:rowId xmlns:a16="http://schemas.microsoft.com/office/drawing/2014/main" xmlns="" val="1427118731"/>
                   </a:ext>
                 </a:extLst>
               </a:tr>
@@ -6777,7 +6859,7 @@
                 </a:tc>
                 <a:extLst>
                   <a:ext uri="{0D108BD9-81ED-4DB2-BD59-A6C34878D82A}">
-                    <a16:rowId xmlns="" xmlns:a16="http://schemas.microsoft.com/office/drawing/2014/main" val="113192575"/>
+                    <a16:rowId xmlns:a16="http://schemas.microsoft.com/office/drawing/2014/main" xmlns="" val="113192575"/>
                   </a:ext>
                 </a:extLst>
               </a:tr>
@@ -6863,7 +6945,7 @@
                 </a:tc>
                 <a:extLst>
                   <a:ext uri="{0D108BD9-81ED-4DB2-BD59-A6C34878D82A}">
-                    <a16:rowId xmlns="" xmlns:a16="http://schemas.microsoft.com/office/drawing/2014/main" val="2286269774"/>
+                    <a16:rowId xmlns:a16="http://schemas.microsoft.com/office/drawing/2014/main" xmlns="" val="2286269774"/>
                   </a:ext>
                 </a:extLst>
               </a:tr>
@@ -6928,7 +7010,7 @@
                 </a:tc>
                 <a:extLst>
                   <a:ext uri="{0D108BD9-81ED-4DB2-BD59-A6C34878D82A}">
-                    <a16:rowId xmlns="" xmlns:a16="http://schemas.microsoft.com/office/drawing/2014/main" val="2050594596"/>
+                    <a16:rowId xmlns:a16="http://schemas.microsoft.com/office/drawing/2014/main" xmlns="" val="2050594596"/>
                   </a:ext>
                 </a:extLst>
               </a:tr>
@@ -6985,7 +7067,7 @@
                 </a:tc>
                 <a:extLst>
                   <a:ext uri="{0D108BD9-81ED-4DB2-BD59-A6C34878D82A}">
-                    <a16:rowId xmlns="" xmlns:a16="http://schemas.microsoft.com/office/drawing/2014/main" val="1747425152"/>
+                    <a16:rowId xmlns:a16="http://schemas.microsoft.com/office/drawing/2014/main" xmlns="" val="1747425152"/>
                   </a:ext>
                 </a:extLst>
               </a:tr>
@@ -7063,7 +7145,7 @@
                 </a:tc>
                 <a:extLst>
                   <a:ext uri="{0D108BD9-81ED-4DB2-BD59-A6C34878D82A}">
-                    <a16:rowId xmlns="" xmlns:a16="http://schemas.microsoft.com/office/drawing/2014/main" val="42610138"/>
+                    <a16:rowId xmlns:a16="http://schemas.microsoft.com/office/drawing/2014/main" xmlns="" val="42610138"/>
                   </a:ext>
                 </a:extLst>
               </a:tr>
@@ -7101,14 +7183,14 @@
           </a:prstGeom>
         </p:spPr>
       </p:pic>
-      <mc:AlternateContent xmlns:mc="http://schemas.openxmlformats.org/markup-compatibility/2006">
-        <mc:Choice xmlns:a14="http://schemas.microsoft.com/office/drawing/2010/main" Requires="a14">
+      <mc:AlternateContent xmlns:mc="http://schemas.openxmlformats.org/markup-compatibility/2006" xmlns:a14="http://schemas.microsoft.com/office/drawing/2010/main">
+        <mc:Choice Requires="a14">
           <p:graphicFrame>
             <p:nvGraphicFramePr>
               <p:cNvPr id="28" name="Table 27">
                 <a:extLst>
                   <a:ext uri="{FF2B5EF4-FFF2-40B4-BE49-F238E27FC236}">
-                    <a16:creationId xmlns="" xmlns:a16="http://schemas.microsoft.com/office/drawing/2014/main" id="{37BD625B-551D-49A4-895F-BFE014F4F99A}"/>
+                    <a16:creationId xmlns:a16="http://schemas.microsoft.com/office/drawing/2014/main" xmlns="" id="{37BD625B-551D-49A4-895F-BFE014F4F99A}"/>
                   </a:ext>
                 </a:extLst>
               </p:cNvPr>
@@ -7137,21 +7219,21 @@
                     <a:gridCol w="1233387">
                       <a:extLst>
                         <a:ext uri="{9D8B030D-6E8A-4147-A177-3AD203B41FA5}">
-                          <a16:colId xmlns="" xmlns:a16="http://schemas.microsoft.com/office/drawing/2014/main" val="3247188750"/>
+                          <a16:colId xmlns:a16="http://schemas.microsoft.com/office/drawing/2014/main" xmlns="" val="3247188750"/>
                         </a:ext>
                       </a:extLst>
                     </a:gridCol>
                     <a:gridCol w="616017">
                       <a:extLst>
                         <a:ext uri="{9D8B030D-6E8A-4147-A177-3AD203B41FA5}">
-                          <a16:colId xmlns="" xmlns:a16="http://schemas.microsoft.com/office/drawing/2014/main" val="1214523097"/>
+                          <a16:colId xmlns:a16="http://schemas.microsoft.com/office/drawing/2014/main" xmlns="" val="1214523097"/>
                         </a:ext>
                       </a:extLst>
                     </a:gridCol>
                     <a:gridCol w="664143">
                       <a:extLst>
                         <a:ext uri="{9D8B030D-6E8A-4147-A177-3AD203B41FA5}">
-                          <a16:colId xmlns="" xmlns:a16="http://schemas.microsoft.com/office/drawing/2014/main" val="3255143547"/>
+                          <a16:colId xmlns:a16="http://schemas.microsoft.com/office/drawing/2014/main" xmlns="" val="3255143547"/>
                         </a:ext>
                       </a:extLst>
                     </a:gridCol>
@@ -7206,7 +7288,7 @@
                     </a:tc>
                     <a:extLst>
                       <a:ext uri="{0D108BD9-81ED-4DB2-BD59-A6C34878D82A}">
-                        <a16:rowId xmlns="" xmlns:a16="http://schemas.microsoft.com/office/drawing/2014/main" val="426857068"/>
+                        <a16:rowId xmlns:a16="http://schemas.microsoft.com/office/drawing/2014/main" xmlns="" val="426857068"/>
                       </a:ext>
                     </a:extLst>
                   </a:tr>
@@ -7274,7 +7356,7 @@
                     </a:tc>
                     <a:extLst>
                       <a:ext uri="{0D108BD9-81ED-4DB2-BD59-A6C34878D82A}">
-                        <a16:rowId xmlns="" xmlns:a16="http://schemas.microsoft.com/office/drawing/2014/main" val="4254030744"/>
+                        <a16:rowId xmlns:a16="http://schemas.microsoft.com/office/drawing/2014/main" xmlns="" val="4254030744"/>
                       </a:ext>
                     </a:extLst>
                   </a:tr>
@@ -7570,7 +7652,7 @@
                     </a:tc>
                     <a:extLst>
                       <a:ext uri="{0D108BD9-81ED-4DB2-BD59-A6C34878D82A}">
-                        <a16:rowId xmlns="" xmlns:a16="http://schemas.microsoft.com/office/drawing/2014/main" val="2348030731"/>
+                        <a16:rowId xmlns:a16="http://schemas.microsoft.com/office/drawing/2014/main" xmlns="" val="2348030731"/>
                       </a:ext>
                     </a:extLst>
                   </a:tr>
@@ -8198,7 +8280,7 @@
                     </a:tc>
                     <a:extLst>
                       <a:ext uri="{0D108BD9-81ED-4DB2-BD59-A6C34878D82A}">
-                        <a16:rowId xmlns="" xmlns:a16="http://schemas.microsoft.com/office/drawing/2014/main" val="575309201"/>
+                        <a16:rowId xmlns:a16="http://schemas.microsoft.com/office/drawing/2014/main" xmlns="" val="575309201"/>
                       </a:ext>
                     </a:extLst>
                   </a:tr>
@@ -8669,7 +8751,7 @@
             </a:graphic>
           </p:graphicFrame>
         </mc:Choice>
-        <mc:Fallback>
+        <mc:Fallback xmlns="">
           <p:graphicFrame>
             <p:nvGraphicFramePr>
               <p:cNvPr id="28" name="Table 27">

--- a/Poster.pptx
+++ b/Poster.pptx
@@ -3576,7 +3576,7 @@
               <a:t>) , Matt Oslin (</a:t>
             </a:r>
             <a:r>
-              <a:rPr lang="en-US" sz="2000" smtClean="0">
+              <a:rPr lang="en-US" sz="2000" dirty="0" smtClean="0">
                 <a:latin typeface="Garamond" panose="02020404030301010803" pitchFamily="18" charset="0"/>
                 <a:hlinkClick r:id="rId7"/>
               </a:rPr>
@@ -3699,7 +3699,7 @@
         <p:spPr>
           <a:xfrm>
             <a:off x="131031" y="2512349"/>
-            <a:ext cx="4357654" cy="3323987"/>
+            <a:ext cx="4357654" cy="1938992"/>
           </a:xfrm>
           <a:prstGeom prst="rect">
             <a:avLst/>
@@ -3719,98 +3719,44 @@
           </a:bodyPr>
           <a:lstStyle/>
           <a:p>
-            <a:endParaRPr lang="en-US" sz="1500" dirty="0">
+            <a:endParaRPr lang="en-US" sz="1000" dirty="0">
               <a:solidFill>
                 <a:srgbClr val="011F5B"/>
               </a:solidFill>
             </a:endParaRPr>
           </a:p>
           <a:p>
-            <a:endParaRPr lang="en-US" sz="1500" dirty="0">
+            <a:endParaRPr lang="en-US" sz="1000" dirty="0">
               <a:solidFill>
                 <a:srgbClr val="011F5B"/>
               </a:solidFill>
             </a:endParaRPr>
           </a:p>
           <a:p>
-            <a:endParaRPr lang="en-US" sz="1500" dirty="0">
+            <a:endParaRPr lang="en-US" sz="1000" dirty="0">
               <a:solidFill>
                 <a:srgbClr val="011F5B"/>
               </a:solidFill>
             </a:endParaRPr>
           </a:p>
           <a:p>
-            <a:endParaRPr lang="en-US" sz="1500" dirty="0">
-              <a:solidFill>
-                <a:srgbClr val="011F5B"/>
-              </a:solidFill>
-            </a:endParaRPr>
-          </a:p>
-          <a:p>
-            <a:endParaRPr lang="en-US" sz="1500" dirty="0">
-              <a:solidFill>
-                <a:srgbClr val="011F5B"/>
-              </a:solidFill>
-            </a:endParaRPr>
-          </a:p>
-          <a:p>
-            <a:endParaRPr lang="en-US" sz="1500" dirty="0">
-              <a:solidFill>
-                <a:srgbClr val="011F5B"/>
-              </a:solidFill>
-            </a:endParaRPr>
-          </a:p>
-          <a:p>
-            <a:endParaRPr lang="en-US" sz="1500" dirty="0">
-              <a:solidFill>
-                <a:srgbClr val="011F5B"/>
-              </a:solidFill>
-            </a:endParaRPr>
-          </a:p>
-          <a:p>
-            <a:endParaRPr lang="en-US" sz="1500" dirty="0">
-              <a:solidFill>
-                <a:srgbClr val="011F5B"/>
-              </a:solidFill>
-            </a:endParaRPr>
-          </a:p>
-          <a:p>
-            <a:endParaRPr lang="en-US" sz="1500" dirty="0">
-              <a:solidFill>
-                <a:srgbClr val="011F5B"/>
-              </a:solidFill>
-            </a:endParaRPr>
-          </a:p>
-          <a:p>
-            <a:endParaRPr lang="en-US" sz="1500" dirty="0">
-              <a:solidFill>
-                <a:srgbClr val="011F5B"/>
-              </a:solidFill>
-            </a:endParaRPr>
-          </a:p>
-          <a:p>
-            <a:endParaRPr lang="en-US" sz="1500" dirty="0">
-              <a:solidFill>
-                <a:srgbClr val="011F5B"/>
-              </a:solidFill>
-            </a:endParaRPr>
-          </a:p>
-          <a:p>
-            <a:endParaRPr lang="en-US" sz="1500" dirty="0">
-              <a:solidFill>
-                <a:srgbClr val="011F5B"/>
-              </a:solidFill>
-            </a:endParaRPr>
-          </a:p>
-          <a:p>
-            <a:endParaRPr lang="en-US" sz="1500" dirty="0">
-              <a:solidFill>
-                <a:srgbClr val="011F5B"/>
-              </a:solidFill>
-            </a:endParaRPr>
-          </a:p>
-          <a:p>
-            <a:endParaRPr lang="en-US" sz="1500" dirty="0">
+            <a:r>
+              <a:rPr lang="en-US" sz="1000" dirty="0" smtClean="0">
+                <a:solidFill>
+                  <a:srgbClr val="011F5B"/>
+                </a:solidFill>
+              </a:rPr>
+              <a:t>This project uses machine learning to predict the change in the crypto currency Ripple based on Twitter data. Crypto currencies are highly speculative, and hence depend strongly on market sentiment. One way to capture market sentiment is by observing individual </a:t>
+            </a:r>
+            <a:r>
+              <a:rPr lang="en-US" sz="1000" dirty="0" smtClean="0">
+                <a:solidFill>
+                  <a:srgbClr val="011F5B"/>
+                </a:solidFill>
+              </a:rPr>
+              <a:t>Tweets relating to the currency and combining all related Tweets to predict the future price. Data is collected and processed, and Tweet trustworthiness is evaluated to remove spam. Each good Tweet is classified based on its sentiment using a learned sentiment classifier. A count bag of words feature space is generated for each hour and classifiers are tuned to learn price change from the given features.</a:t>
+            </a:r>
+            <a:endParaRPr lang="en-US" sz="1000" dirty="0">
               <a:solidFill>
                 <a:srgbClr val="011F5B"/>
               </a:solidFill>
@@ -5444,7 +5390,7 @@
         <p:spPr>
           <a:xfrm>
             <a:off x="9203502" y="2512349"/>
-            <a:ext cx="4357654" cy="3477875"/>
+            <a:ext cx="4357654" cy="3323987"/>
           </a:xfrm>
           <a:prstGeom prst="rect">
             <a:avLst/>
@@ -5524,7 +5470,7 @@
                   <a:srgbClr val="011F5B"/>
                 </a:solidFill>
               </a:rPr>
-              <a:t>aïve Bayes classifier did not perform as well as it relied more on the prior distribution of the y values than the features that differed between them, and would often classify an entire test set with the label with the highest prior probability. The four layer neural net faced a similar struggle in differentiating its outputs, but this was likely due to the low number of labeled examples (281).</a:t>
+              <a:t>aïve Bayes classifier did not perform as well as it relied more on the prior distribution of the y values than the features that differed between them, biasing its predictions. The four layer neural net faced a similar struggle in differentiating its outputs, but this was likely due to the low number of labeled examples, 281.</a:t>
             </a:r>
           </a:p>
           <a:p>
@@ -6152,14 +6098,14 @@
           <p:nvPr>
             <p:extLst>
               <p:ext uri="{D42A27DB-BD31-4B8C-83A1-F6EECF244321}">
-                <p14:modId xmlns:p14="http://schemas.microsoft.com/office/powerpoint/2010/main" val="1363626795"/>
+                <p14:modId xmlns:p14="http://schemas.microsoft.com/office/powerpoint/2010/main" val="1562164899"/>
               </p:ext>
             </p:extLst>
           </p:nvPr>
         </p:nvGraphicFramePr>
         <p:xfrm>
           <a:off x="197478" y="11948100"/>
-          <a:ext cx="4224759" cy="1116594"/>
+          <a:ext cx="4224759" cy="1061730"/>
         </p:xfrm>
         <a:graphic>
           <a:graphicData uri="http://schemas.openxmlformats.org/drawingml/2006/table">
@@ -6278,7 +6224,7 @@
                   </a:ext>
                 </a:extLst>
               </a:tr>
-              <a:tr h="320040">
+              <a:tr h="265176">
                 <a:tc>
                   <a:txBody>
                     <a:bodyPr/>
@@ -6392,7 +6338,7 @@
         <p:spPr>
           <a:xfrm>
             <a:off x="4679173" y="2537210"/>
-            <a:ext cx="4357654" cy="3631763"/>
+            <a:ext cx="4357654" cy="3477875"/>
           </a:xfrm>
           <a:prstGeom prst="rect">
             <a:avLst/>
@@ -6566,13 +6512,6 @@
           </a:p>
           <a:p>
             <a:endParaRPr lang="en-US" sz="1000" dirty="0" smtClean="0">
-              <a:solidFill>
-                <a:srgbClr val="011F5B"/>
-              </a:solidFill>
-            </a:endParaRPr>
-          </a:p>
-          <a:p>
-            <a:endParaRPr lang="en-US" sz="1000" dirty="0">
               <a:solidFill>
                 <a:srgbClr val="011F5B"/>
               </a:solidFill>

--- a/Poster.pptx
+++ b/Poster.pptx
@@ -3496,7 +3496,7 @@
           <p:cNvPr id="2" name="Title 1">
             <a:extLst>
               <a:ext uri="{FF2B5EF4-FFF2-40B4-BE49-F238E27FC236}">
-                <a16:creationId xmlns:a16="http://schemas.microsoft.com/office/drawing/2014/main" xmlns="" id="{A14FAE80-3C54-468F-997F-C6E1D174050F}"/>
+                <a16:creationId xmlns="" xmlns:a16="http://schemas.microsoft.com/office/drawing/2014/main" id="{A14FAE80-3C54-468F-997F-C6E1D174050F}"/>
               </a:ext>
             </a:extLst>
           </p:cNvPr>
@@ -3617,7 +3617,7 @@
           <p:cNvPr id="6" name="Picture 5">
             <a:extLst>
               <a:ext uri="{FF2B5EF4-FFF2-40B4-BE49-F238E27FC236}">
-                <a16:creationId xmlns:a16="http://schemas.microsoft.com/office/drawing/2014/main" xmlns="" id="{D7B121C7-A408-4DCD-8061-5C978599BC20}"/>
+                <a16:creationId xmlns="" xmlns:a16="http://schemas.microsoft.com/office/drawing/2014/main" id="{D7B121C7-A408-4DCD-8061-5C978599BC20}"/>
               </a:ext>
             </a:extLst>
           </p:cNvPr>
@@ -3653,7 +3653,7 @@
           <p:cNvPr id="7" name="Picture 6">
             <a:extLst>
               <a:ext uri="{FF2B5EF4-FFF2-40B4-BE49-F238E27FC236}">
-                <a16:creationId xmlns:a16="http://schemas.microsoft.com/office/drawing/2014/main" xmlns="" id="{7D221A5E-A9DE-4268-BCD0-6E8CAA09079D}"/>
+                <a16:creationId xmlns="" xmlns:a16="http://schemas.microsoft.com/office/drawing/2014/main" id="{7D221A5E-A9DE-4268-BCD0-6E8CAA09079D}"/>
               </a:ext>
             </a:extLst>
           </p:cNvPr>
@@ -3689,7 +3689,7 @@
           <p:cNvPr id="10" name="TextBox 9">
             <a:extLst>
               <a:ext uri="{FF2B5EF4-FFF2-40B4-BE49-F238E27FC236}">
-                <a16:creationId xmlns:a16="http://schemas.microsoft.com/office/drawing/2014/main" xmlns="" id="{A0CDFDE6-452A-4FD0-8498-BE0CEC8B6ACC}"/>
+                <a16:creationId xmlns="" xmlns:a16="http://schemas.microsoft.com/office/drawing/2014/main" id="{A0CDFDE6-452A-4FD0-8498-BE0CEC8B6ACC}"/>
               </a:ext>
             </a:extLst>
           </p:cNvPr>
@@ -3699,7 +3699,7 @@
         <p:spPr>
           <a:xfrm>
             <a:off x="131031" y="2512349"/>
-            <a:ext cx="4357654" cy="1938992"/>
+            <a:ext cx="4357654" cy="3096452"/>
           </a:xfrm>
           <a:prstGeom prst="rect">
             <a:avLst/>
@@ -3715,7 +3715,7 @@
         </p:spPr>
         <p:txBody>
           <a:bodyPr wrap="square" rtlCol="0">
-            <a:spAutoFit/>
+            <a:noAutofit/>
           </a:bodyPr>
           <a:lstStyle/>
           <a:p>
@@ -3746,15 +3746,7 @@
                   <a:srgbClr val="011F5B"/>
                 </a:solidFill>
               </a:rPr>
-              <a:t>This project uses machine learning to predict the change in the crypto currency Ripple based on Twitter data. Crypto currencies are highly speculative, and hence depend strongly on market sentiment. One way to capture market sentiment is by observing individual </a:t>
-            </a:r>
-            <a:r>
-              <a:rPr lang="en-US" sz="1000" dirty="0" smtClean="0">
-                <a:solidFill>
-                  <a:srgbClr val="011F5B"/>
-                </a:solidFill>
-              </a:rPr>
-              <a:t>Tweets relating to the currency and combining all related Tweets to predict the future price. Data is collected and processed, and Tweet trustworthiness is evaluated to remove spam. Each good Tweet is classified based on its sentiment using a learned sentiment classifier. A count bag of words feature space is generated for each hour and classifiers are tuned to learn price change from the given features.</a:t>
+              <a:t>This project uses machine learning to predict the change in the crypto currency Ripple based on Twitter data. Crypto currencies are highly speculative, and hence depend strongly on market sentiment. One way to capture market sentiment is by observing individual Tweets relating to the currency and combining all related Tweets to predict the future price. Data is collected and processed, and Tweet trustworthiness is evaluated to remove spam. Each good Tweet is classified based on its sentiment using a learned sentiment classifier. A count bag of words feature space is generated for each hour and classifiers are tuned to learn price change from the given features.</a:t>
             </a:r>
             <a:endParaRPr lang="en-US" sz="1000" dirty="0">
               <a:solidFill>
@@ -3769,7 +3761,7 @@
           <p:cNvPr id="11" name="TextBox 10">
             <a:extLst>
               <a:ext uri="{FF2B5EF4-FFF2-40B4-BE49-F238E27FC236}">
-                <a16:creationId xmlns:a16="http://schemas.microsoft.com/office/drawing/2014/main" xmlns="" id="{0B657177-A18C-4721-9FEF-D80F98046F6C}"/>
+                <a16:creationId xmlns="" xmlns:a16="http://schemas.microsoft.com/office/drawing/2014/main" id="{0B657177-A18C-4721-9FEF-D80F98046F6C}"/>
               </a:ext>
             </a:extLst>
           </p:cNvPr>
@@ -3817,7 +3809,7 @@
           <p:cNvPr id="13" name="TextBox 12">
             <a:extLst>
               <a:ext uri="{FF2B5EF4-FFF2-40B4-BE49-F238E27FC236}">
-                <a16:creationId xmlns:a16="http://schemas.microsoft.com/office/drawing/2014/main" xmlns="" id="{350B0135-6184-4979-BB40-37C979E657FF}"/>
+                <a16:creationId xmlns="" xmlns:a16="http://schemas.microsoft.com/office/drawing/2014/main" id="{350B0135-6184-4979-BB40-37C979E657FF}"/>
               </a:ext>
             </a:extLst>
           </p:cNvPr>
@@ -4039,7 +4031,7 @@
           <p:cNvPr id="14" name="TextBox 13">
             <a:extLst>
               <a:ext uri="{FF2B5EF4-FFF2-40B4-BE49-F238E27FC236}">
-                <a16:creationId xmlns:a16="http://schemas.microsoft.com/office/drawing/2014/main" xmlns="" id="{8A29E2F6-DCC5-419F-8203-4FD2EDF588FE}"/>
+                <a16:creationId xmlns="" xmlns:a16="http://schemas.microsoft.com/office/drawing/2014/main" id="{8A29E2F6-DCC5-419F-8203-4FD2EDF588FE}"/>
               </a:ext>
             </a:extLst>
           </p:cNvPr>
@@ -4089,7 +4081,7 @@
               <p:cNvPr id="15" name="TextBox 14">
                 <a:extLst>
                   <a:ext uri="{FF2B5EF4-FFF2-40B4-BE49-F238E27FC236}">
-                    <a16:creationId xmlns:a16="http://schemas.microsoft.com/office/drawing/2014/main" xmlns="" id="{72250C3B-DB37-480D-BB9C-66854635BA3F}"/>
+                    <a16:creationId xmlns="" xmlns:a16="http://schemas.microsoft.com/office/drawing/2014/main" id="{72250C3B-DB37-480D-BB9C-66854635BA3F}"/>
                   </a:ext>
                 </a:extLst>
               </p:cNvPr>
@@ -5069,7 +5061,7 @@
           <p:cNvPr id="16" name="TextBox 15">
             <a:extLst>
               <a:ext uri="{FF2B5EF4-FFF2-40B4-BE49-F238E27FC236}">
-                <a16:creationId xmlns:a16="http://schemas.microsoft.com/office/drawing/2014/main" xmlns="" id="{0DAD262F-8D38-404E-9AFD-3722DE8FBBF0}"/>
+                <a16:creationId xmlns="" xmlns:a16="http://schemas.microsoft.com/office/drawing/2014/main" id="{0DAD262F-8D38-404E-9AFD-3722DE8FBBF0}"/>
               </a:ext>
             </a:extLst>
           </p:cNvPr>
@@ -5117,7 +5109,7 @@
           <p:cNvPr id="18" name="TextBox 17">
             <a:extLst>
               <a:ext uri="{FF2B5EF4-FFF2-40B4-BE49-F238E27FC236}">
-                <a16:creationId xmlns:a16="http://schemas.microsoft.com/office/drawing/2014/main" xmlns="" id="{4551F3FF-1DC6-4312-B013-B3DAF7C19194}"/>
+                <a16:creationId xmlns="" xmlns:a16="http://schemas.microsoft.com/office/drawing/2014/main" id="{4551F3FF-1DC6-4312-B013-B3DAF7C19194}"/>
               </a:ext>
             </a:extLst>
           </p:cNvPr>
@@ -5332,7 +5324,7 @@
           <p:cNvPr id="19" name="TextBox 18">
             <a:extLst>
               <a:ext uri="{FF2B5EF4-FFF2-40B4-BE49-F238E27FC236}">
-                <a16:creationId xmlns:a16="http://schemas.microsoft.com/office/drawing/2014/main" xmlns="" id="{0F3F0241-CF38-4C35-8814-BD73D9A52062}"/>
+                <a16:creationId xmlns="" xmlns:a16="http://schemas.microsoft.com/office/drawing/2014/main" id="{0F3F0241-CF38-4C35-8814-BD73D9A52062}"/>
               </a:ext>
             </a:extLst>
           </p:cNvPr>
@@ -5380,7 +5372,7 @@
           <p:cNvPr id="20" name="TextBox 19">
             <a:extLst>
               <a:ext uri="{FF2B5EF4-FFF2-40B4-BE49-F238E27FC236}">
-                <a16:creationId xmlns:a16="http://schemas.microsoft.com/office/drawing/2014/main" xmlns="" id="{B73F7368-9A80-4A04-9F8A-85E03885548E}"/>
+                <a16:creationId xmlns="" xmlns:a16="http://schemas.microsoft.com/office/drawing/2014/main" id="{B73F7368-9A80-4A04-9F8A-85E03885548E}"/>
               </a:ext>
             </a:extLst>
           </p:cNvPr>
@@ -5390,7 +5382,7 @@
         <p:spPr>
           <a:xfrm>
             <a:off x="9203502" y="2512349"/>
-            <a:ext cx="4357654" cy="3323987"/>
+            <a:ext cx="4357654" cy="4071548"/>
           </a:xfrm>
           <a:prstGeom prst="rect">
             <a:avLst/>
@@ -5406,7 +5398,7 @@
         </p:spPr>
         <p:txBody>
           <a:bodyPr wrap="square" rtlCol="0">
-            <a:spAutoFit/>
+            <a:noAutofit/>
           </a:bodyPr>
           <a:lstStyle/>
           <a:p>
@@ -5529,7 +5521,7 @@
           <p:cNvPr id="21" name="TextBox 20">
             <a:extLst>
               <a:ext uri="{FF2B5EF4-FFF2-40B4-BE49-F238E27FC236}">
-                <a16:creationId xmlns:a16="http://schemas.microsoft.com/office/drawing/2014/main" xmlns="" id="{89951AAD-7622-4490-A4E3-0CB642DFDA44}"/>
+                <a16:creationId xmlns="" xmlns:a16="http://schemas.microsoft.com/office/drawing/2014/main" id="{89951AAD-7622-4490-A4E3-0CB642DFDA44}"/>
               </a:ext>
             </a:extLst>
           </p:cNvPr>
@@ -5572,14 +5564,14 @@
           </a:p>
         </p:txBody>
       </p:sp>
-      <mc:AlternateContent xmlns:mc="http://schemas.openxmlformats.org/markup-compatibility/2006">
-        <mc:Choice xmlns:a14="http://schemas.microsoft.com/office/drawing/2010/main" Requires="a14">
+      <mc:AlternateContent xmlns:mc="http://schemas.openxmlformats.org/markup-compatibility/2006" xmlns:a14="http://schemas.microsoft.com/office/drawing/2010/main">
+        <mc:Choice Requires="a14">
           <p:sp>
             <p:nvSpPr>
               <p:cNvPr id="22" name="TextBox 21">
                 <a:extLst>
                   <a:ext uri="{FF2B5EF4-FFF2-40B4-BE49-F238E27FC236}">
-                    <a16:creationId xmlns:a16="http://schemas.microsoft.com/office/drawing/2014/main" xmlns="" id="{73D5816F-EF48-4F3C-8E5A-54FFD05B92D6}"/>
+                    <a16:creationId xmlns="" xmlns:a16="http://schemas.microsoft.com/office/drawing/2014/main" id="{73D5816F-EF48-4F3C-8E5A-54FFD05B92D6}"/>
                   </a:ext>
                 </a:extLst>
               </p:cNvPr>
@@ -5985,7 +5977,7 @@
             </p:txBody>
           </p:sp>
         </mc:Choice>
-        <mc:Fallback>
+        <mc:Fallback xmlns="">
           <p:sp>
             <p:nvSpPr>
               <p:cNvPr id="22" name="TextBox 21">
@@ -6040,7 +6032,7 @@
           <p:cNvPr id="23" name="TextBox 22">
             <a:extLst>
               <a:ext uri="{FF2B5EF4-FFF2-40B4-BE49-F238E27FC236}">
-                <a16:creationId xmlns:a16="http://schemas.microsoft.com/office/drawing/2014/main" xmlns="" id="{A905B64D-C01B-4DF9-8AE8-4206EEE06C55}"/>
+                <a16:creationId xmlns="" xmlns:a16="http://schemas.microsoft.com/office/drawing/2014/main" id="{A905B64D-C01B-4DF9-8AE8-4206EEE06C55}"/>
               </a:ext>
             </a:extLst>
           </p:cNvPr>
@@ -6088,7 +6080,7 @@
           <p:cNvPr id="5" name="Table 4">
             <a:extLst>
               <a:ext uri="{FF2B5EF4-FFF2-40B4-BE49-F238E27FC236}">
-                <a16:creationId xmlns:a16="http://schemas.microsoft.com/office/drawing/2014/main" xmlns="" id="{37BD625B-551D-49A4-895F-BFE014F4F99A}"/>
+                <a16:creationId xmlns="" xmlns:a16="http://schemas.microsoft.com/office/drawing/2014/main" id="{37BD625B-551D-49A4-895F-BFE014F4F99A}"/>
               </a:ext>
             </a:extLst>
           </p:cNvPr>
@@ -6117,21 +6109,21 @@
                 <a:gridCol w="1408253">
                   <a:extLst>
                     <a:ext uri="{9D8B030D-6E8A-4147-A177-3AD203B41FA5}">
-                      <a16:colId xmlns:a16="http://schemas.microsoft.com/office/drawing/2014/main" xmlns="" val="3247188750"/>
+                      <a16:colId xmlns="" xmlns:a16="http://schemas.microsoft.com/office/drawing/2014/main" val="3247188750"/>
                     </a:ext>
                   </a:extLst>
                 </a:gridCol>
                 <a:gridCol w="1408253">
                   <a:extLst>
                     <a:ext uri="{9D8B030D-6E8A-4147-A177-3AD203B41FA5}">
-                      <a16:colId xmlns:a16="http://schemas.microsoft.com/office/drawing/2014/main" xmlns="" val="1214523097"/>
+                      <a16:colId xmlns="" xmlns:a16="http://schemas.microsoft.com/office/drawing/2014/main" val="1214523097"/>
                     </a:ext>
                   </a:extLst>
                 </a:gridCol>
                 <a:gridCol w="1408253">
                   <a:extLst>
                     <a:ext uri="{9D8B030D-6E8A-4147-A177-3AD203B41FA5}">
-                      <a16:colId xmlns:a16="http://schemas.microsoft.com/office/drawing/2014/main" xmlns="" val="3255143547"/>
+                      <a16:colId xmlns="" xmlns:a16="http://schemas.microsoft.com/office/drawing/2014/main" val="3255143547"/>
                     </a:ext>
                   </a:extLst>
                 </a:gridCol>
@@ -6173,7 +6165,7 @@
                 </a:tc>
                 <a:extLst>
                   <a:ext uri="{0D108BD9-81ED-4DB2-BD59-A6C34878D82A}">
-                    <a16:rowId xmlns:a16="http://schemas.microsoft.com/office/drawing/2014/main" xmlns="" val="426857068"/>
+                    <a16:rowId xmlns="" xmlns:a16="http://schemas.microsoft.com/office/drawing/2014/main" val="426857068"/>
                   </a:ext>
                 </a:extLst>
               </a:tr>
@@ -6220,7 +6212,7 @@
                 </a:tc>
                 <a:extLst>
                   <a:ext uri="{0D108BD9-81ED-4DB2-BD59-A6C34878D82A}">
-                    <a16:rowId xmlns:a16="http://schemas.microsoft.com/office/drawing/2014/main" xmlns="" val="4254030744"/>
+                    <a16:rowId xmlns="" xmlns:a16="http://schemas.microsoft.com/office/drawing/2014/main" val="4254030744"/>
                   </a:ext>
                 </a:extLst>
               </a:tr>
@@ -6267,7 +6259,7 @@
                 </a:tc>
                 <a:extLst>
                   <a:ext uri="{0D108BD9-81ED-4DB2-BD59-A6C34878D82A}">
-                    <a16:rowId xmlns:a16="http://schemas.microsoft.com/office/drawing/2014/main" xmlns="" val="2348030731"/>
+                    <a16:rowId xmlns="" xmlns:a16="http://schemas.microsoft.com/office/drawing/2014/main" val="2348030731"/>
                   </a:ext>
                 </a:extLst>
               </a:tr>
@@ -6315,7 +6307,7 @@
                 </a:tc>
                 <a:extLst>
                   <a:ext uri="{0D108BD9-81ED-4DB2-BD59-A6C34878D82A}">
-                    <a16:rowId xmlns:a16="http://schemas.microsoft.com/office/drawing/2014/main" xmlns="" val="575309201"/>
+                    <a16:rowId xmlns="" xmlns:a16="http://schemas.microsoft.com/office/drawing/2014/main" val="575309201"/>
                   </a:ext>
                 </a:extLst>
               </a:tr>
@@ -6328,7 +6320,7 @@
           <p:cNvPr id="26" name="TextBox 25">
             <a:extLst>
               <a:ext uri="{FF2B5EF4-FFF2-40B4-BE49-F238E27FC236}">
-                <a16:creationId xmlns:a16="http://schemas.microsoft.com/office/drawing/2014/main" xmlns="" id="{BE099189-C81E-41C7-BA90-461E1F0BDA19}"/>
+                <a16:creationId xmlns="" xmlns:a16="http://schemas.microsoft.com/office/drawing/2014/main" id="{BE099189-C81E-41C7-BA90-461E1F0BDA19}"/>
               </a:ext>
             </a:extLst>
           </p:cNvPr>
@@ -6338,7 +6330,7 @@
         <p:spPr>
           <a:xfrm>
             <a:off x="4679173" y="2537210"/>
-            <a:ext cx="4357654" cy="3477875"/>
+            <a:ext cx="4357654" cy="3470934"/>
           </a:xfrm>
           <a:prstGeom prst="rect">
             <a:avLst/>
@@ -6354,9 +6346,16 @@
         </p:spPr>
         <p:txBody>
           <a:bodyPr wrap="square" rtlCol="0">
-            <a:spAutoFit/>
+            <a:noAutofit/>
           </a:bodyPr>
           <a:lstStyle/>
+          <a:p>
+            <a:endParaRPr lang="en-US" sz="1000" dirty="0" smtClean="0">
+              <a:solidFill>
+                <a:srgbClr val="011F5B"/>
+              </a:solidFill>
+            </a:endParaRPr>
+          </a:p>
           <a:p>
             <a:endParaRPr lang="en-US" sz="1000" dirty="0">
               <a:solidFill>
@@ -6365,6 +6364,28 @@
             </a:endParaRPr>
           </a:p>
           <a:p>
+            <a:endParaRPr lang="en-US" sz="1000" dirty="0" smtClean="0">
+              <a:solidFill>
+                <a:srgbClr val="011F5B"/>
+              </a:solidFill>
+            </a:endParaRPr>
+          </a:p>
+          <a:p>
+            <a:r>
+              <a:rPr lang="en-US" sz="1000" dirty="0" smtClean="0">
+                <a:solidFill>
+                  <a:srgbClr val="011F5B"/>
+                </a:solidFill>
+              </a:rPr>
+              <a:t>To compute sentiment analysis, several techniques were deployed including traditional tokenization and sentiment methods using NLTK, as well as bag of words and variable weighting trained during reinforced learning. Initially pre-process was completed using a tokenizer, stemmer, and a lower-caser. After the initial pre-processing, a perceptron was used as a way to update the various word weight vectors. </a:t>
+            </a:r>
+            <a:endParaRPr lang="en-US" sz="1000" dirty="0" smtClean="0">
+              <a:solidFill>
+                <a:srgbClr val="011F5B"/>
+              </a:solidFill>
+            </a:endParaRPr>
+          </a:p>
+          <a:p>
             <a:endParaRPr lang="en-US" sz="1000" dirty="0">
               <a:solidFill>
                 <a:srgbClr val="011F5B"/>
@@ -6372,48 +6393,171 @@
             </a:endParaRPr>
           </a:p>
           <a:p>
-            <a:endParaRPr lang="en-US" sz="1000" dirty="0" smtClean="0">
-              <a:solidFill>
-                <a:srgbClr val="011F5B"/>
-              </a:solidFill>
-            </a:endParaRPr>
-          </a:p>
-          <a:p>
             <a:r>
               <a:rPr lang="en-US" sz="1000" dirty="0" smtClean="0">
                 <a:solidFill>
                   <a:srgbClr val="011F5B"/>
                 </a:solidFill>
               </a:rPr>
-              <a:t>Trained </a:t>
-            </a:r>
+              <a:t>If </a:t>
+            </a:r>
+            <a:r>
+              <a:rPr lang="en-US" sz="1000" dirty="0" err="1" smtClean="0">
+                <a:solidFill>
+                  <a:srgbClr val="011F5B"/>
+                </a:solidFill>
+              </a:rPr>
+              <a:t>word_sentiment</a:t>
+            </a:r>
+            <a:r>
+              <a:rPr lang="en-US" sz="1000" dirty="0" smtClean="0">
+                <a:solidFill>
+                  <a:srgbClr val="011F5B"/>
+                </a:solidFill>
+              </a:rPr>
+              <a:t> == </a:t>
+            </a:r>
+            <a:r>
+              <a:rPr lang="en-US" sz="1000" dirty="0" err="1" smtClean="0">
+                <a:solidFill>
+                  <a:srgbClr val="011F5B"/>
+                </a:solidFill>
+              </a:rPr>
+              <a:t>wordDict_sentiment</a:t>
+            </a:r>
+            <a:r>
+              <a:rPr lang="en-US" sz="1000" dirty="0" smtClean="0">
+                <a:solidFill>
+                  <a:srgbClr val="011F5B"/>
+                </a:solidFill>
+              </a:rPr>
+              <a:t>:</a:t>
+            </a:r>
+          </a:p>
+          <a:p>
             <a:r>
               <a:rPr lang="en-US" sz="1000" dirty="0">
                 <a:solidFill>
                   <a:srgbClr val="011F5B"/>
                 </a:solidFill>
               </a:rPr>
-              <a:t>on 100k labeled tweets from Kaggle</a:t>
-            </a:r>
-          </a:p>
-          <a:p>
+              <a:t>	</a:t>
+            </a:r>
+            <a:r>
+              <a:rPr lang="en-US" sz="1000" dirty="0" smtClean="0">
+                <a:solidFill>
+                  <a:srgbClr val="011F5B"/>
+                </a:solidFill>
+              </a:rPr>
+              <a:t>Tweet Sentiment = </a:t>
+            </a:r>
+            <a:r>
+              <a:rPr lang="en-US" sz="1000" dirty="0" err="1" smtClean="0">
+                <a:solidFill>
+                  <a:srgbClr val="011F5B"/>
+                </a:solidFill>
+              </a:rPr>
+              <a:t>Tweet_sentiment</a:t>
+            </a:r>
+            <a:r>
+              <a:rPr lang="en-US" sz="1000" dirty="0" smtClean="0">
+                <a:solidFill>
+                  <a:srgbClr val="011F5B"/>
+                </a:solidFill>
+              </a:rPr>
+              <a:t> + </a:t>
+            </a:r>
+            <a:r>
+              <a:rPr lang="en-US" sz="1000" dirty="0" err="1" smtClean="0">
+                <a:solidFill>
+                  <a:srgbClr val="011F5B"/>
+                </a:solidFill>
+              </a:rPr>
+              <a:t>wordDict</a:t>
+            </a:r>
+            <a:r>
+              <a:rPr lang="en-US" sz="1000" dirty="0" smtClean="0">
+                <a:solidFill>
+                  <a:srgbClr val="011F5B"/>
+                </a:solidFill>
+              </a:rPr>
+              <a:t>[word]</a:t>
+            </a:r>
+          </a:p>
+          <a:p>
+            <a:r>
+              <a:rPr lang="en-US" sz="1000" dirty="0" smtClean="0">
+                <a:solidFill>
+                  <a:srgbClr val="011F5B"/>
+                </a:solidFill>
+              </a:rPr>
+              <a:t>Else:</a:t>
+            </a:r>
+          </a:p>
+          <a:p>
+            <a:r>
+              <a:rPr lang="en-US" sz="1000" dirty="0" smtClean="0">
+                <a:solidFill>
+                  <a:srgbClr val="011F5B"/>
+                </a:solidFill>
+              </a:rPr>
+              <a:t>	</a:t>
+            </a:r>
+            <a:r>
+              <a:rPr lang="en-US" sz="1000" dirty="0" err="1" smtClean="0">
+                <a:solidFill>
+                  <a:srgbClr val="011F5B"/>
+                </a:solidFill>
+              </a:rPr>
+              <a:t>wordDict</a:t>
+            </a:r>
+            <a:r>
+              <a:rPr lang="en-US" sz="1000" dirty="0" smtClean="0">
+                <a:solidFill>
+                  <a:srgbClr val="011F5B"/>
+                </a:solidFill>
+              </a:rPr>
+              <a:t>[word] = </a:t>
+            </a:r>
+            <a:r>
+              <a:rPr lang="en-US" sz="1000" dirty="0" err="1">
+                <a:solidFill>
+                  <a:srgbClr val="011F5B"/>
+                </a:solidFill>
+              </a:rPr>
+              <a:t>wordDict</a:t>
+            </a:r>
             <a:r>
               <a:rPr lang="en-US" sz="1000" dirty="0">
                 <a:solidFill>
                   <a:srgbClr val="011F5B"/>
                 </a:solidFill>
               </a:rPr>
-              <a:t>Identified relevant tokens</a:t>
-            </a:r>
-          </a:p>
-          <a:p>
-            <a:r>
-              <a:rPr lang="en-US" sz="1000" dirty="0">
+              <a:t>[word] </a:t>
+            </a:r>
+            <a:r>
+              <a:rPr lang="en-US" sz="1000" dirty="0" smtClean="0">
                 <a:solidFill>
                   <a:srgbClr val="011F5B"/>
                 </a:solidFill>
               </a:rPr>
-              <a:t>Applied model to spam filtered tweets</a:t>
+              <a:t>+ </a:t>
+            </a:r>
+            <a:r>
+              <a:rPr lang="en-US" sz="1000" dirty="0" err="1" smtClean="0">
+                <a:solidFill>
+                  <a:srgbClr val="011F5B"/>
+                </a:solidFill>
+              </a:rPr>
+              <a:t>weightUpdate</a:t>
+            </a:r>
+            <a:r>
+              <a:rPr lang="en-US" sz="1000" dirty="0" smtClean="0">
+                <a:solidFill>
+                  <a:srgbClr val="011F5B"/>
+                </a:solidFill>
+              </a:rPr>
+              <a:t>[word]</a:t>
             </a:r>
           </a:p>
           <a:p>
@@ -6425,51 +6569,16 @@
           </a:p>
           <a:p>
             <a:r>
-              <a:rPr lang="en-US" sz="1000" dirty="0">
+              <a:rPr lang="en-US" sz="1000" dirty="0" smtClean="0">
                 <a:solidFill>
                   <a:srgbClr val="011F5B"/>
                 </a:solidFill>
               </a:rPr>
-              <a:t>Experiments</a:t>
-            </a:r>
-          </a:p>
-          <a:p>
-            <a:endParaRPr lang="en-US" sz="1000" dirty="0">
-              <a:solidFill>
-                <a:srgbClr val="011F5B"/>
-              </a:solidFill>
-            </a:endParaRPr>
-          </a:p>
-          <a:p>
-            <a:endParaRPr lang="en-US" sz="1000" dirty="0">
-              <a:solidFill>
-                <a:srgbClr val="011F5B"/>
-              </a:solidFill>
-            </a:endParaRPr>
-          </a:p>
-          <a:p>
-            <a:endParaRPr lang="en-US" sz="1000" dirty="0">
-              <a:solidFill>
-                <a:srgbClr val="011F5B"/>
-              </a:solidFill>
-            </a:endParaRPr>
-          </a:p>
-          <a:p>
-            <a:endParaRPr lang="en-US" sz="1000" dirty="0">
-              <a:solidFill>
-                <a:srgbClr val="011F5B"/>
-              </a:solidFill>
-            </a:endParaRPr>
-          </a:p>
-          <a:p>
-            <a:endParaRPr lang="en-US" sz="1000" dirty="0">
-              <a:solidFill>
-                <a:srgbClr val="011F5B"/>
-              </a:solidFill>
-            </a:endParaRPr>
-          </a:p>
-          <a:p>
-            <a:endParaRPr lang="en-US" sz="1000" dirty="0">
+              <a:t>Classify each tweet based on the words in the tweet then average the tweet sentiment within each 281 hour epochs.</a:t>
+            </a:r>
+          </a:p>
+          <a:p>
+            <a:endParaRPr lang="en-US" sz="1000" dirty="0" smtClean="0">
               <a:solidFill>
                 <a:srgbClr val="011F5B"/>
               </a:solidFill>
@@ -6538,7 +6647,7 @@
           <p:cNvPr id="27" name="TextBox 26">
             <a:extLst>
               <a:ext uri="{FF2B5EF4-FFF2-40B4-BE49-F238E27FC236}">
-                <a16:creationId xmlns:a16="http://schemas.microsoft.com/office/drawing/2014/main" xmlns="" id="{4D78901C-AF9C-488F-9AF6-E8AF582AB9AA}"/>
+                <a16:creationId xmlns="" xmlns:a16="http://schemas.microsoft.com/office/drawing/2014/main" id="{4D78901C-AF9C-488F-9AF6-E8AF582AB9AA}"/>
               </a:ext>
             </a:extLst>
           </p:cNvPr>
@@ -6586,7 +6695,7 @@
           <p:cNvPr id="3" name="Table 2">
             <a:extLst>
               <a:ext uri="{FF2B5EF4-FFF2-40B4-BE49-F238E27FC236}">
-                <a16:creationId xmlns:a16="http://schemas.microsoft.com/office/drawing/2014/main" xmlns="" id="{89C3DB6B-8AD8-4EDB-8718-A0FE2085A03C}"/>
+                <a16:creationId xmlns="" xmlns:a16="http://schemas.microsoft.com/office/drawing/2014/main" id="{89C3DB6B-8AD8-4EDB-8718-A0FE2085A03C}"/>
               </a:ext>
             </a:extLst>
           </p:cNvPr>
@@ -6615,14 +6724,14 @@
                 <a:gridCol w="1372707">
                   <a:extLst>
                     <a:ext uri="{9D8B030D-6E8A-4147-A177-3AD203B41FA5}">
-                      <a16:colId xmlns:a16="http://schemas.microsoft.com/office/drawing/2014/main" xmlns="" val="1358636601"/>
+                      <a16:colId xmlns="" xmlns:a16="http://schemas.microsoft.com/office/drawing/2014/main" val="1358636601"/>
                     </a:ext>
                   </a:extLst>
                 </a:gridCol>
                 <a:gridCol w="7509277">
                   <a:extLst>
                     <a:ext uri="{9D8B030D-6E8A-4147-A177-3AD203B41FA5}">
-                      <a16:colId xmlns:a16="http://schemas.microsoft.com/office/drawing/2014/main" xmlns="" val="3610811052"/>
+                      <a16:colId xmlns="" xmlns:a16="http://schemas.microsoft.com/office/drawing/2014/main" val="3610811052"/>
                     </a:ext>
                   </a:extLst>
                 </a:gridCol>
@@ -6654,7 +6763,7 @@
                 </a:tc>
                 <a:extLst>
                   <a:ext uri="{0D108BD9-81ED-4DB2-BD59-A6C34878D82A}">
-                    <a16:rowId xmlns:a16="http://schemas.microsoft.com/office/drawing/2014/main" xmlns="" val="2614706741"/>
+                    <a16:rowId xmlns="" xmlns:a16="http://schemas.microsoft.com/office/drawing/2014/main" val="2614706741"/>
                   </a:ext>
                 </a:extLst>
               </a:tr>
@@ -6687,7 +6796,7 @@
                 </a:tc>
                 <a:extLst>
                   <a:ext uri="{0D108BD9-81ED-4DB2-BD59-A6C34878D82A}">
-                    <a16:rowId xmlns:a16="http://schemas.microsoft.com/office/drawing/2014/main" xmlns="" val="3546821875"/>
+                    <a16:rowId xmlns="" xmlns:a16="http://schemas.microsoft.com/office/drawing/2014/main" val="3546821875"/>
                   </a:ext>
                 </a:extLst>
               </a:tr>
@@ -6720,7 +6829,7 @@
                 </a:tc>
                 <a:extLst>
                   <a:ext uri="{0D108BD9-81ED-4DB2-BD59-A6C34878D82A}">
-                    <a16:rowId xmlns:a16="http://schemas.microsoft.com/office/drawing/2014/main" xmlns="" val="1427118731"/>
+                    <a16:rowId xmlns="" xmlns:a16="http://schemas.microsoft.com/office/drawing/2014/main" val="1427118731"/>
                   </a:ext>
                 </a:extLst>
               </a:tr>
@@ -6798,7 +6907,7 @@
                 </a:tc>
                 <a:extLst>
                   <a:ext uri="{0D108BD9-81ED-4DB2-BD59-A6C34878D82A}">
-                    <a16:rowId xmlns:a16="http://schemas.microsoft.com/office/drawing/2014/main" xmlns="" val="113192575"/>
+                    <a16:rowId xmlns="" xmlns:a16="http://schemas.microsoft.com/office/drawing/2014/main" val="113192575"/>
                   </a:ext>
                 </a:extLst>
               </a:tr>
@@ -6884,7 +6993,7 @@
                 </a:tc>
                 <a:extLst>
                   <a:ext uri="{0D108BD9-81ED-4DB2-BD59-A6C34878D82A}">
-                    <a16:rowId xmlns:a16="http://schemas.microsoft.com/office/drawing/2014/main" xmlns="" val="2286269774"/>
+                    <a16:rowId xmlns="" xmlns:a16="http://schemas.microsoft.com/office/drawing/2014/main" val="2286269774"/>
                   </a:ext>
                 </a:extLst>
               </a:tr>
@@ -6949,7 +7058,7 @@
                 </a:tc>
                 <a:extLst>
                   <a:ext uri="{0D108BD9-81ED-4DB2-BD59-A6C34878D82A}">
-                    <a16:rowId xmlns:a16="http://schemas.microsoft.com/office/drawing/2014/main" xmlns="" val="2050594596"/>
+                    <a16:rowId xmlns="" xmlns:a16="http://schemas.microsoft.com/office/drawing/2014/main" val="2050594596"/>
                   </a:ext>
                 </a:extLst>
               </a:tr>
@@ -7006,7 +7115,7 @@
                 </a:tc>
                 <a:extLst>
                   <a:ext uri="{0D108BD9-81ED-4DB2-BD59-A6C34878D82A}">
-                    <a16:rowId xmlns:a16="http://schemas.microsoft.com/office/drawing/2014/main" xmlns="" val="1747425152"/>
+                    <a16:rowId xmlns="" xmlns:a16="http://schemas.microsoft.com/office/drawing/2014/main" val="1747425152"/>
                   </a:ext>
                 </a:extLst>
               </a:tr>
@@ -7084,7 +7193,7 @@
                 </a:tc>
                 <a:extLst>
                   <a:ext uri="{0D108BD9-81ED-4DB2-BD59-A6C34878D82A}">
-                    <a16:rowId xmlns:a16="http://schemas.microsoft.com/office/drawing/2014/main" xmlns="" val="42610138"/>
+                    <a16:rowId xmlns="" xmlns:a16="http://schemas.microsoft.com/office/drawing/2014/main" val="42610138"/>
                   </a:ext>
                 </a:extLst>
               </a:tr>
@@ -7129,7 +7238,7 @@
               <p:cNvPr id="28" name="Table 27">
                 <a:extLst>
                   <a:ext uri="{FF2B5EF4-FFF2-40B4-BE49-F238E27FC236}">
-                    <a16:creationId xmlns:a16="http://schemas.microsoft.com/office/drawing/2014/main" xmlns="" id="{37BD625B-551D-49A4-895F-BFE014F4F99A}"/>
+                    <a16:creationId xmlns="" xmlns:a16="http://schemas.microsoft.com/office/drawing/2014/main" id="{37BD625B-551D-49A4-895F-BFE014F4F99A}"/>
                   </a:ext>
                 </a:extLst>
               </p:cNvPr>
@@ -7158,21 +7267,21 @@
                     <a:gridCol w="1233387">
                       <a:extLst>
                         <a:ext uri="{9D8B030D-6E8A-4147-A177-3AD203B41FA5}">
-                          <a16:colId xmlns:a16="http://schemas.microsoft.com/office/drawing/2014/main" xmlns="" val="3247188750"/>
+                          <a16:colId xmlns="" xmlns:a16="http://schemas.microsoft.com/office/drawing/2014/main" val="3247188750"/>
                         </a:ext>
                       </a:extLst>
                     </a:gridCol>
                     <a:gridCol w="616017">
                       <a:extLst>
                         <a:ext uri="{9D8B030D-6E8A-4147-A177-3AD203B41FA5}">
-                          <a16:colId xmlns:a16="http://schemas.microsoft.com/office/drawing/2014/main" xmlns="" val="1214523097"/>
+                          <a16:colId xmlns="" xmlns:a16="http://schemas.microsoft.com/office/drawing/2014/main" val="1214523097"/>
                         </a:ext>
                       </a:extLst>
                     </a:gridCol>
                     <a:gridCol w="664143">
                       <a:extLst>
                         <a:ext uri="{9D8B030D-6E8A-4147-A177-3AD203B41FA5}">
-                          <a16:colId xmlns:a16="http://schemas.microsoft.com/office/drawing/2014/main" xmlns="" val="3255143547"/>
+                          <a16:colId xmlns="" xmlns:a16="http://schemas.microsoft.com/office/drawing/2014/main" val="3255143547"/>
                         </a:ext>
                       </a:extLst>
                     </a:gridCol>
@@ -7227,7 +7336,7 @@
                     </a:tc>
                     <a:extLst>
                       <a:ext uri="{0D108BD9-81ED-4DB2-BD59-A6C34878D82A}">
-                        <a16:rowId xmlns:a16="http://schemas.microsoft.com/office/drawing/2014/main" xmlns="" val="426857068"/>
+                        <a16:rowId xmlns="" xmlns:a16="http://schemas.microsoft.com/office/drawing/2014/main" val="426857068"/>
                       </a:ext>
                     </a:extLst>
                   </a:tr>
@@ -7295,7 +7404,7 @@
                     </a:tc>
                     <a:extLst>
                       <a:ext uri="{0D108BD9-81ED-4DB2-BD59-A6C34878D82A}">
-                        <a16:rowId xmlns:a16="http://schemas.microsoft.com/office/drawing/2014/main" xmlns="" val="4254030744"/>
+                        <a16:rowId xmlns="" xmlns:a16="http://schemas.microsoft.com/office/drawing/2014/main" val="4254030744"/>
                       </a:ext>
                     </a:extLst>
                   </a:tr>
@@ -7591,7 +7700,7 @@
                     </a:tc>
                     <a:extLst>
                       <a:ext uri="{0D108BD9-81ED-4DB2-BD59-A6C34878D82A}">
-                        <a16:rowId xmlns:a16="http://schemas.microsoft.com/office/drawing/2014/main" xmlns="" val="2348030731"/>
+                        <a16:rowId xmlns="" xmlns:a16="http://schemas.microsoft.com/office/drawing/2014/main" val="2348030731"/>
                       </a:ext>
                     </a:extLst>
                   </a:tr>
@@ -8219,7 +8328,7 @@
                     </a:tc>
                     <a:extLst>
                       <a:ext uri="{0D108BD9-81ED-4DB2-BD59-A6C34878D82A}">
-                        <a16:rowId xmlns:a16="http://schemas.microsoft.com/office/drawing/2014/main" xmlns="" val="575309201"/>
+                        <a16:rowId xmlns="" xmlns:a16="http://schemas.microsoft.com/office/drawing/2014/main" val="575309201"/>
                       </a:ext>
                     </a:extLst>
                   </a:tr>
@@ -9136,6 +9245,36 @@
           </p:graphicFrame>
         </mc:Fallback>
       </mc:AlternateContent>
+      <p:pic>
+        <p:nvPicPr>
+          <p:cNvPr id="8" name="Picture 7"/>
+          <p:cNvPicPr>
+            <a:picLocks noChangeAspect="1"/>
+          </p:cNvPicPr>
+          <p:nvPr/>
+        </p:nvPicPr>
+        <p:blipFill>
+          <a:blip r:embed="rId14">
+            <a:extLst>
+              <a:ext uri="{28A0092B-C50C-407E-A947-70E740481C1C}">
+                <a14:useLocalDpi xmlns:a14="http://schemas.microsoft.com/office/drawing/2010/main" val="0"/>
+              </a:ext>
+            </a:extLst>
+          </a:blip>
+          <a:stretch>
+            <a:fillRect/>
+          </a:stretch>
+        </p:blipFill>
+        <p:spPr>
+          <a:xfrm>
+            <a:off x="5013792" y="9553694"/>
+            <a:ext cx="1690265" cy="1126843"/>
+          </a:xfrm>
+          <a:prstGeom prst="rect">
+            <a:avLst/>
+          </a:prstGeom>
+        </p:spPr>
+      </p:pic>
     </p:spTree>
     <p:extLst>
       <p:ext uri="{BB962C8B-B14F-4D97-AF65-F5344CB8AC3E}">

--- a/Poster.pptx
+++ b/Poster.pptx
@@ -3368,8 +3368,8 @@
         </p:nvGrpSpPr>
         <p:grpSpPr>
           <a:xfrm>
-            <a:off x="4686366" y="11024883"/>
-            <a:ext cx="4361688" cy="3839786"/>
+            <a:off x="9483634" y="12013212"/>
+            <a:ext cx="3697772" cy="3255312"/>
             <a:chOff x="4668387" y="11519864"/>
             <a:chExt cx="4366720" cy="3844216"/>
           </a:xfrm>
@@ -6579,62 +6579,6 @@
           </a:p>
           <a:p>
             <a:endParaRPr lang="en-US" sz="1000" dirty="0" smtClean="0">
-              <a:solidFill>
-                <a:srgbClr val="011F5B"/>
-              </a:solidFill>
-            </a:endParaRPr>
-          </a:p>
-          <a:p>
-            <a:endParaRPr lang="en-US" sz="1000" dirty="0">
-              <a:solidFill>
-                <a:srgbClr val="011F5B"/>
-              </a:solidFill>
-            </a:endParaRPr>
-          </a:p>
-          <a:p>
-            <a:endParaRPr lang="en-US" sz="1000" dirty="0" smtClean="0">
-              <a:solidFill>
-                <a:srgbClr val="011F5B"/>
-              </a:solidFill>
-            </a:endParaRPr>
-          </a:p>
-          <a:p>
-            <a:endParaRPr lang="en-US" sz="1000" dirty="0">
-              <a:solidFill>
-                <a:srgbClr val="011F5B"/>
-              </a:solidFill>
-            </a:endParaRPr>
-          </a:p>
-          <a:p>
-            <a:endParaRPr lang="en-US" sz="1000" dirty="0" smtClean="0">
-              <a:solidFill>
-                <a:srgbClr val="011F5B"/>
-              </a:solidFill>
-            </a:endParaRPr>
-          </a:p>
-          <a:p>
-            <a:endParaRPr lang="en-US" sz="1000" dirty="0">
-              <a:solidFill>
-                <a:srgbClr val="011F5B"/>
-              </a:solidFill>
-            </a:endParaRPr>
-          </a:p>
-          <a:p>
-            <a:endParaRPr lang="en-US" sz="1000" dirty="0" smtClean="0">
-              <a:solidFill>
-                <a:srgbClr val="011F5B"/>
-              </a:solidFill>
-            </a:endParaRPr>
-          </a:p>
-          <a:p>
-            <a:endParaRPr lang="en-US" sz="1000" dirty="0" smtClean="0">
-              <a:solidFill>
-                <a:srgbClr val="011F5B"/>
-              </a:solidFill>
-            </a:endParaRPr>
-          </a:p>
-          <a:p>
-            <a:endParaRPr lang="en-US" sz="1000" dirty="0">
               <a:solidFill>
                 <a:srgbClr val="011F5B"/>
               </a:solidFill>

--- a/Poster.pptx
+++ b/Poster.pptx
@@ -197,7 +197,7 @@
           <a:p>
             <a:fld id="{40FFB66C-989F-9348-8E4D-5A4E8F248AB8}" type="datetimeFigureOut">
               <a:rPr lang="en-US" smtClean="0"/>
-              <a:t>5/3/18</a:t>
+              <a:t>5/4/2018</a:t>
             </a:fld>
             <a:endParaRPr lang="en-US"/>
           </a:p>
@@ -261,38 +261,37 @@
           <a:p>
             <a:pPr lvl="0"/>
             <a:r>
-              <a:rPr lang="en-US" smtClean="0"/>
+              <a:rPr lang="en-US"/>
               <a:t>Click to edit Master text styles</a:t>
             </a:r>
           </a:p>
           <a:p>
             <a:pPr lvl="1"/>
             <a:r>
-              <a:rPr lang="en-US" smtClean="0"/>
+              <a:rPr lang="en-US"/>
               <a:t>Second level</a:t>
             </a:r>
           </a:p>
           <a:p>
             <a:pPr lvl="2"/>
             <a:r>
-              <a:rPr lang="en-US" smtClean="0"/>
+              <a:rPr lang="en-US"/>
               <a:t>Third level</a:t>
             </a:r>
           </a:p>
           <a:p>
             <a:pPr lvl="3"/>
             <a:r>
-              <a:rPr lang="en-US" smtClean="0"/>
+              <a:rPr lang="en-US"/>
               <a:t>Fourth level</a:t>
             </a:r>
           </a:p>
           <a:p>
             <a:pPr lvl="4"/>
             <a:r>
-              <a:rPr lang="en-US" smtClean="0"/>
+              <a:rPr lang="en-US"/>
               <a:t>Fifth level</a:t>
             </a:r>
-            <a:endParaRPr lang="en-US"/>
           </a:p>
         </p:txBody>
       </p:sp>
@@ -596,7 +595,7 @@
           <a:p>
             <a:fld id="{9D3AC320-B950-4C88-844B-3041557FCF54}" type="datetimeFigureOut">
               <a:rPr lang="en-US" smtClean="0"/>
-              <a:t>5/3/18</a:t>
+              <a:t>5/4/2018</a:t>
             </a:fld>
             <a:endParaRPr lang="en-US"/>
           </a:p>
@@ -766,7 +765,7 @@
           <a:p>
             <a:fld id="{9D3AC320-B950-4C88-844B-3041557FCF54}" type="datetimeFigureOut">
               <a:rPr lang="en-US" smtClean="0"/>
-              <a:t>5/3/18</a:t>
+              <a:t>5/4/2018</a:t>
             </a:fld>
             <a:endParaRPr lang="en-US"/>
           </a:p>
@@ -946,7 +945,7 @@
           <a:p>
             <a:fld id="{9D3AC320-B950-4C88-844B-3041557FCF54}" type="datetimeFigureOut">
               <a:rPr lang="en-US" smtClean="0"/>
-              <a:t>5/3/18</a:t>
+              <a:t>5/4/2018</a:t>
             </a:fld>
             <a:endParaRPr lang="en-US"/>
           </a:p>
@@ -1116,7 +1115,7 @@
           <a:p>
             <a:fld id="{9D3AC320-B950-4C88-844B-3041557FCF54}" type="datetimeFigureOut">
               <a:rPr lang="en-US" smtClean="0"/>
-              <a:t>5/3/18</a:t>
+              <a:t>5/4/2018</a:t>
             </a:fld>
             <a:endParaRPr lang="en-US"/>
           </a:p>
@@ -1360,7 +1359,7 @@
           <a:p>
             <a:fld id="{9D3AC320-B950-4C88-844B-3041557FCF54}" type="datetimeFigureOut">
               <a:rPr lang="en-US" smtClean="0"/>
-              <a:t>5/3/18</a:t>
+              <a:t>5/4/2018</a:t>
             </a:fld>
             <a:endParaRPr lang="en-US"/>
           </a:p>
@@ -1592,7 +1591,7 @@
           <a:p>
             <a:fld id="{9D3AC320-B950-4C88-844B-3041557FCF54}" type="datetimeFigureOut">
               <a:rPr lang="en-US" smtClean="0"/>
-              <a:t>5/3/18</a:t>
+              <a:t>5/4/2018</a:t>
             </a:fld>
             <a:endParaRPr lang="en-US"/>
           </a:p>
@@ -1959,7 +1958,7 @@
           <a:p>
             <a:fld id="{9D3AC320-B950-4C88-844B-3041557FCF54}" type="datetimeFigureOut">
               <a:rPr lang="en-US" smtClean="0"/>
-              <a:t>5/3/18</a:t>
+              <a:t>5/4/2018</a:t>
             </a:fld>
             <a:endParaRPr lang="en-US"/>
           </a:p>
@@ -2077,7 +2076,7 @@
           <a:p>
             <a:fld id="{9D3AC320-B950-4C88-844B-3041557FCF54}" type="datetimeFigureOut">
               <a:rPr lang="en-US" smtClean="0"/>
-              <a:t>5/3/18</a:t>
+              <a:t>5/4/2018</a:t>
             </a:fld>
             <a:endParaRPr lang="en-US"/>
           </a:p>
@@ -2172,7 +2171,7 @@
           <a:p>
             <a:fld id="{9D3AC320-B950-4C88-844B-3041557FCF54}" type="datetimeFigureOut">
               <a:rPr lang="en-US" smtClean="0"/>
-              <a:t>5/3/18</a:t>
+              <a:t>5/4/2018</a:t>
             </a:fld>
             <a:endParaRPr lang="en-US"/>
           </a:p>
@@ -2449,7 +2448,7 @@
           <a:p>
             <a:fld id="{9D3AC320-B950-4C88-844B-3041557FCF54}" type="datetimeFigureOut">
               <a:rPr lang="en-US" smtClean="0"/>
-              <a:t>5/3/18</a:t>
+              <a:t>5/4/2018</a:t>
             </a:fld>
             <a:endParaRPr lang="en-US"/>
           </a:p>
@@ -2706,7 +2705,7 @@
           <a:p>
             <a:fld id="{9D3AC320-B950-4C88-844B-3041557FCF54}" type="datetimeFigureOut">
               <a:rPr lang="en-US" smtClean="0"/>
-              <a:t>5/3/18</a:t>
+              <a:t>5/4/2018</a:t>
             </a:fld>
             <a:endParaRPr lang="en-US"/>
           </a:p>
@@ -2919,7 +2918,7 @@
           <a:p>
             <a:fld id="{9D3AC320-B950-4C88-844B-3041557FCF54}" type="datetimeFigureOut">
               <a:rPr lang="en-US" smtClean="0"/>
-              <a:t>5/3/18</a:t>
+              <a:t>5/4/2018</a:t>
             </a:fld>
             <a:endParaRPr lang="en-US"/>
           </a:p>
@@ -3496,7 +3495,7 @@
           <p:cNvPr id="2" name="Title 1">
             <a:extLst>
               <a:ext uri="{FF2B5EF4-FFF2-40B4-BE49-F238E27FC236}">
-                <a16:creationId xmlns="" xmlns:a16="http://schemas.microsoft.com/office/drawing/2014/main" id="{A14FAE80-3C54-468F-997F-C6E1D174050F}"/>
+                <a16:creationId xmlns:a16="http://schemas.microsoft.com/office/drawing/2014/main" id="{A14FAE80-3C54-468F-997F-C6E1D174050F}"/>
               </a:ext>
             </a:extLst>
           </p:cNvPr>
@@ -3533,12 +3532,6 @@
               </a:rPr>
               <a:t>Using Twitter Sentiment Classification to Predict Hourly Changes in XRP Price</a:t>
             </a:r>
-            <a:r>
-              <a:rPr lang="en-US" sz="4167" dirty="0">
-                <a:latin typeface="Garamond" panose="02020404030301010803" pitchFamily="18" charset="0"/>
-              </a:rPr>
-              <a:t/>
-            </a:r>
             <a:br>
               <a:rPr lang="en-US" sz="4167" dirty="0">
                 <a:latin typeface="Garamond" panose="02020404030301010803" pitchFamily="18" charset="0"/>
@@ -3576,7 +3569,7 @@
               <a:t>) , Matt Oslin (</a:t>
             </a:r>
             <a:r>
-              <a:rPr lang="en-US" sz="2000" dirty="0" smtClean="0">
+              <a:rPr lang="en-US" sz="2000" dirty="0">
                 <a:latin typeface="Garamond" panose="02020404030301010803" pitchFamily="18" charset="0"/>
                 <a:hlinkClick r:id="rId7"/>
               </a:rPr>
@@ -3617,7 +3610,7 @@
           <p:cNvPr id="6" name="Picture 5">
             <a:extLst>
               <a:ext uri="{FF2B5EF4-FFF2-40B4-BE49-F238E27FC236}">
-                <a16:creationId xmlns="" xmlns:a16="http://schemas.microsoft.com/office/drawing/2014/main" id="{D7B121C7-A408-4DCD-8061-5C978599BC20}"/>
+                <a16:creationId xmlns:a16="http://schemas.microsoft.com/office/drawing/2014/main" id="{D7B121C7-A408-4DCD-8061-5C978599BC20}"/>
               </a:ext>
             </a:extLst>
           </p:cNvPr>
@@ -3653,7 +3646,7 @@
           <p:cNvPr id="7" name="Picture 6">
             <a:extLst>
               <a:ext uri="{FF2B5EF4-FFF2-40B4-BE49-F238E27FC236}">
-                <a16:creationId xmlns="" xmlns:a16="http://schemas.microsoft.com/office/drawing/2014/main" id="{7D221A5E-A9DE-4268-BCD0-6E8CAA09079D}"/>
+                <a16:creationId xmlns:a16="http://schemas.microsoft.com/office/drawing/2014/main" id="{7D221A5E-A9DE-4268-BCD0-6E8CAA09079D}"/>
               </a:ext>
             </a:extLst>
           </p:cNvPr>
@@ -3689,7 +3682,7 @@
           <p:cNvPr id="10" name="TextBox 9">
             <a:extLst>
               <a:ext uri="{FF2B5EF4-FFF2-40B4-BE49-F238E27FC236}">
-                <a16:creationId xmlns="" xmlns:a16="http://schemas.microsoft.com/office/drawing/2014/main" id="{A0CDFDE6-452A-4FD0-8498-BE0CEC8B6ACC}"/>
+                <a16:creationId xmlns:a16="http://schemas.microsoft.com/office/drawing/2014/main" id="{A0CDFDE6-452A-4FD0-8498-BE0CEC8B6ACC}"/>
               </a:ext>
             </a:extLst>
           </p:cNvPr>
@@ -3741,18 +3734,13 @@
           </a:p>
           <a:p>
             <a:r>
-              <a:rPr lang="en-US" sz="1000" dirty="0" smtClean="0">
+              <a:rPr lang="en-US" sz="1000" dirty="0">
                 <a:solidFill>
                   <a:srgbClr val="011F5B"/>
                 </a:solidFill>
               </a:rPr>
               <a:t>This project uses machine learning to predict the change in the crypto currency Ripple based on Twitter data. Crypto currencies are highly speculative, and hence depend strongly on market sentiment. One way to capture market sentiment is by observing individual Tweets relating to the currency and combining all related Tweets to predict the future price. Data is collected and processed, and Tweet trustworthiness is evaluated to remove spam. Each good Tweet is classified based on its sentiment using a learned sentiment classifier. A count bag of words feature space is generated for each hour and classifiers are tuned to learn price change from the given features.</a:t>
             </a:r>
-            <a:endParaRPr lang="en-US" sz="1000" dirty="0">
-              <a:solidFill>
-                <a:srgbClr val="011F5B"/>
-              </a:solidFill>
-            </a:endParaRPr>
           </a:p>
         </p:txBody>
       </p:sp>
@@ -3761,7 +3749,7 @@
           <p:cNvPr id="11" name="TextBox 10">
             <a:extLst>
               <a:ext uri="{FF2B5EF4-FFF2-40B4-BE49-F238E27FC236}">
-                <a16:creationId xmlns="" xmlns:a16="http://schemas.microsoft.com/office/drawing/2014/main" id="{0B657177-A18C-4721-9FEF-D80F98046F6C}"/>
+                <a16:creationId xmlns:a16="http://schemas.microsoft.com/office/drawing/2014/main" id="{0B657177-A18C-4721-9FEF-D80F98046F6C}"/>
               </a:ext>
             </a:extLst>
           </p:cNvPr>
@@ -3809,7 +3797,7 @@
           <p:cNvPr id="13" name="TextBox 12">
             <a:extLst>
               <a:ext uri="{FF2B5EF4-FFF2-40B4-BE49-F238E27FC236}">
-                <a16:creationId xmlns="" xmlns:a16="http://schemas.microsoft.com/office/drawing/2014/main" id="{350B0135-6184-4979-BB40-37C979E657FF}"/>
+                <a16:creationId xmlns:a16="http://schemas.microsoft.com/office/drawing/2014/main" id="{350B0135-6184-4979-BB40-37C979E657FF}"/>
               </a:ext>
             </a:extLst>
           </p:cNvPr>
@@ -3984,15 +3972,7 @@
                   <a:srgbClr val="011F5B"/>
                 </a:solidFill>
               </a:rPr>
-              <a:t> queried hourly</a:t>
-            </a:r>
-            <a:r>
-              <a:rPr lang="en-US" sz="1000" dirty="0" smtClean="0">
-                <a:solidFill>
-                  <a:srgbClr val="011F5B"/>
-                </a:solidFill>
-              </a:rPr>
-              <a:t>..</a:t>
+              <a:t> queried hourly..</a:t>
             </a:r>
           </a:p>
           <a:p>
@@ -4003,7 +3983,7 @@
             </a:endParaRPr>
           </a:p>
           <a:p>
-            <a:endParaRPr lang="en-US" sz="1000" dirty="0" smtClean="0">
+            <a:endParaRPr lang="en-US" sz="1000" dirty="0">
               <a:solidFill>
                 <a:srgbClr val="011F5B"/>
               </a:solidFill>
@@ -4011,18 +3991,13 @@
           </a:p>
           <a:p>
             <a:r>
-              <a:rPr lang="en-US" sz="1000" dirty="0" smtClean="0">
+              <a:rPr lang="en-US" sz="1000" dirty="0">
                 <a:solidFill>
                   <a:srgbClr val="011F5B"/>
                 </a:solidFill>
               </a:rPr>
               <a:t>Each hour window was classified as the price increasing, decreasing, or remaining neutral based on a threshold of 0.5%.</a:t>
             </a:r>
-            <a:endParaRPr lang="en-US" sz="1000" dirty="0">
-              <a:solidFill>
-                <a:srgbClr val="011F5B"/>
-              </a:solidFill>
-            </a:endParaRPr>
           </a:p>
         </p:txBody>
       </p:sp>
@@ -4031,7 +4006,7 @@
           <p:cNvPr id="14" name="TextBox 13">
             <a:extLst>
               <a:ext uri="{FF2B5EF4-FFF2-40B4-BE49-F238E27FC236}">
-                <a16:creationId xmlns="" xmlns:a16="http://schemas.microsoft.com/office/drawing/2014/main" id="{8A29E2F6-DCC5-419F-8203-4FD2EDF588FE}"/>
+                <a16:creationId xmlns:a16="http://schemas.microsoft.com/office/drawing/2014/main" id="{8A29E2F6-DCC5-419F-8203-4FD2EDF588FE}"/>
               </a:ext>
             </a:extLst>
           </p:cNvPr>
@@ -4081,7 +4056,7 @@
               <p:cNvPr id="15" name="TextBox 14">
                 <a:extLst>
                   <a:ext uri="{FF2B5EF4-FFF2-40B4-BE49-F238E27FC236}">
-                    <a16:creationId xmlns="" xmlns:a16="http://schemas.microsoft.com/office/drawing/2014/main" id="{72250C3B-DB37-480D-BB9C-66854635BA3F}"/>
+                    <a16:creationId xmlns:a16="http://schemas.microsoft.com/office/drawing/2014/main" id="{72250C3B-DB37-480D-BB9C-66854635BA3F}"/>
                   </a:ext>
                 </a:extLst>
               </p:cNvPr>
@@ -4431,7 +4406,7 @@
                 </a:endParaRPr>
               </a:p>
               <a:p>
-                <a:endParaRPr lang="en-US" sz="1000" dirty="0" smtClean="0">
+                <a:endParaRPr lang="en-US" sz="1000" dirty="0">
                   <a:solidFill>
                     <a:srgbClr val="011F5B"/>
                   </a:solidFill>
@@ -4451,7 +4426,7 @@
                 </a:endParaRPr>
               </a:p>
               <a:p>
-                <a:endParaRPr lang="en-US" sz="1000" dirty="0" smtClean="0">
+                <a:endParaRPr lang="en-US" sz="1000" dirty="0">
                   <a:solidFill>
                     <a:srgbClr val="011F5B"/>
                   </a:solidFill>
@@ -4471,7 +4446,7 @@
                 </a:endParaRPr>
               </a:p>
               <a:p>
-                <a:endParaRPr lang="en-US" sz="1000" dirty="0" smtClean="0">
+                <a:endParaRPr lang="en-US" sz="1000" dirty="0">
                   <a:solidFill>
                     <a:srgbClr val="011F5B"/>
                   </a:solidFill>
@@ -4491,7 +4466,7 @@
                 </a:endParaRPr>
               </a:p>
               <a:p>
-                <a:endParaRPr lang="en-US" sz="1000" dirty="0" smtClean="0">
+                <a:endParaRPr lang="en-US" sz="1000" dirty="0">
                   <a:solidFill>
                     <a:srgbClr val="011F5B"/>
                   </a:solidFill>
@@ -4511,7 +4486,7 @@
                 </a:endParaRPr>
               </a:p>
               <a:p>
-                <a:endParaRPr lang="en-US" sz="1000" dirty="0" smtClean="0">
+                <a:endParaRPr lang="en-US" sz="1000" dirty="0">
                   <a:solidFill>
                     <a:srgbClr val="011F5B"/>
                   </a:solidFill>
@@ -4531,7 +4506,7 @@
                 </a:endParaRPr>
               </a:p>
               <a:p>
-                <a:endParaRPr lang="en-US" sz="1000" dirty="0" smtClean="0">
+                <a:endParaRPr lang="en-US" sz="1000" dirty="0">
                   <a:solidFill>
                     <a:srgbClr val="011F5B"/>
                   </a:solidFill>
@@ -4619,7 +4594,7 @@
                               <a:solidFill>
                                 <a:srgbClr val="011F5B"/>
                               </a:solidFill>
-                              <a:latin typeface="Cambria Math" charset="0"/>
+                              <a:latin typeface="Cambria Math" panose="02040503050406030204" pitchFamily="18" charset="0"/>
                               <a:ea typeface="Calibri" charset="0"/>
                               <a:cs typeface="Calibri" charset="0"/>
                             </a:rPr>
@@ -4657,7 +4632,7 @@
                               <a:solidFill>
                                 <a:srgbClr val="011F5B"/>
                               </a:solidFill>
-                              <a:latin typeface="Cambria Math" charset="0"/>
+                              <a:latin typeface="Cambria Math" panose="02040503050406030204" pitchFamily="18" charset="0"/>
                               <a:ea typeface="Calibri" charset="0"/>
                               <a:cs typeface="Calibri" charset="0"/>
                             </a:rPr>
@@ -4671,7 +4646,7 @@
                                   <a:solidFill>
                                     <a:srgbClr val="011F5B"/>
                                   </a:solidFill>
-                                  <a:latin typeface="Cambria Math" charset="0"/>
+                                  <a:latin typeface="Cambria Math" panose="02040503050406030204" pitchFamily="18" charset="0"/>
                                   <a:ea typeface="Calibri" charset="0"/>
                                   <a:cs typeface="Calibri" charset="0"/>
                                 </a:rPr>
@@ -4738,7 +4713,7 @@
                                   <a:solidFill>
                                     <a:srgbClr val="011F5B"/>
                                   </a:solidFill>
-                                  <a:latin typeface="Cambria Math" charset="0"/>
+                                  <a:latin typeface="Cambria Math" panose="02040503050406030204" pitchFamily="18" charset="0"/>
                                   <a:ea typeface="Calibri" charset="0"/>
                                   <a:cs typeface="Calibri" charset="0"/>
                                 </a:rPr>
@@ -4752,7 +4727,7 @@
                                       <a:solidFill>
                                         <a:srgbClr val="011F5B"/>
                                       </a:solidFill>
-                                      <a:latin typeface="Cambria Math" charset="0"/>
+                                      <a:latin typeface="Cambria Math" panose="02040503050406030204" pitchFamily="18" charset="0"/>
                                       <a:ea typeface="Calibri" charset="0"/>
                                       <a:cs typeface="Calibri" charset="0"/>
                                     </a:rPr>
@@ -4795,7 +4770,7 @@
                                   <a:solidFill>
                                     <a:srgbClr val="011F5B"/>
                                   </a:solidFill>
-                                  <a:latin typeface="Cambria Math" charset="0"/>
+                                  <a:latin typeface="Cambria Math" panose="02040503050406030204" pitchFamily="18" charset="0"/>
                                   <a:ea typeface="Calibri" charset="0"/>
                                   <a:cs typeface="Calibri" charset="0"/>
                                 </a:rPr>
@@ -4860,7 +4835,7 @@
                                       <a:solidFill>
                                         <a:srgbClr val="011F5B"/>
                                       </a:solidFill>
-                                      <a:latin typeface="Cambria Math" charset="0"/>
+                                      <a:latin typeface="Cambria Math" panose="02040503050406030204" pitchFamily="18" charset="0"/>
                                       <a:ea typeface="Calibri" charset="0"/>
                                       <a:cs typeface="Calibri" charset="0"/>
                                     </a:rPr>
@@ -4874,7 +4849,7 @@
                                           <a:solidFill>
                                             <a:srgbClr val="011F5B"/>
                                           </a:solidFill>
-                                          <a:latin typeface="Cambria Math" charset="0"/>
+                                          <a:latin typeface="Cambria Math" panose="02040503050406030204" pitchFamily="18" charset="0"/>
                                           <a:ea typeface="Calibri" charset="0"/>
                                           <a:cs typeface="Calibri" charset="0"/>
                                         </a:rPr>
@@ -4916,7 +4891,7 @@
                                           <a:solidFill>
                                             <a:srgbClr val="011F5B"/>
                                           </a:solidFill>
-                                          <a:latin typeface="Cambria Math" charset="0"/>
+                                          <a:latin typeface="Cambria Math" panose="02040503050406030204" pitchFamily="18" charset="0"/>
                                           <a:ea typeface="Calibri" charset="0"/>
                                           <a:cs typeface="Calibri" charset="0"/>
                                         </a:rPr>
@@ -5061,7 +5036,7 @@
           <p:cNvPr id="16" name="TextBox 15">
             <a:extLst>
               <a:ext uri="{FF2B5EF4-FFF2-40B4-BE49-F238E27FC236}">
-                <a16:creationId xmlns="" xmlns:a16="http://schemas.microsoft.com/office/drawing/2014/main" id="{0DAD262F-8D38-404E-9AFD-3722DE8FBBF0}"/>
+                <a16:creationId xmlns:a16="http://schemas.microsoft.com/office/drawing/2014/main" id="{0DAD262F-8D38-404E-9AFD-3722DE8FBBF0}"/>
               </a:ext>
             </a:extLst>
           </p:cNvPr>
@@ -5109,7 +5084,7 @@
           <p:cNvPr id="18" name="TextBox 17">
             <a:extLst>
               <a:ext uri="{FF2B5EF4-FFF2-40B4-BE49-F238E27FC236}">
-                <a16:creationId xmlns="" xmlns:a16="http://schemas.microsoft.com/office/drawing/2014/main" id="{4551F3FF-1DC6-4312-B013-B3DAF7C19194}"/>
+                <a16:creationId xmlns:a16="http://schemas.microsoft.com/office/drawing/2014/main" id="{4551F3FF-1DC6-4312-B013-B3DAF7C19194}"/>
               </a:ext>
             </a:extLst>
           </p:cNvPr>
@@ -5153,7 +5128,7 @@
             </a:endParaRPr>
           </a:p>
           <a:p>
-            <a:endParaRPr lang="en-US" sz="1000" dirty="0" smtClean="0">
+            <a:endParaRPr lang="en-US" sz="1000" dirty="0">
               <a:solidFill>
                 <a:srgbClr val="011F5B"/>
               </a:solidFill>
@@ -5161,7 +5136,7 @@
           </a:p>
           <a:p>
             <a:r>
-              <a:rPr lang="en-US" sz="1000" dirty="0" smtClean="0">
+              <a:rPr lang="en-US" sz="1000" dirty="0">
                 <a:solidFill>
                   <a:srgbClr val="011F5B"/>
                 </a:solidFill>
@@ -5177,13 +5152,6 @@
             </a:endParaRPr>
           </a:p>
           <a:p>
-            <a:endParaRPr lang="en-US" sz="1000" dirty="0" smtClean="0">
-              <a:solidFill>
-                <a:srgbClr val="011F5B"/>
-              </a:solidFill>
-            </a:endParaRPr>
-          </a:p>
-          <a:p>
             <a:endParaRPr lang="en-US" sz="1000" dirty="0">
               <a:solidFill>
                 <a:srgbClr val="011F5B"/>
@@ -5191,13 +5159,6 @@
             </a:endParaRPr>
           </a:p>
           <a:p>
-            <a:endParaRPr lang="en-US" sz="1000" dirty="0" smtClean="0">
-              <a:solidFill>
-                <a:srgbClr val="011F5B"/>
-              </a:solidFill>
-            </a:endParaRPr>
-          </a:p>
-          <a:p>
             <a:endParaRPr lang="en-US" sz="1000" dirty="0">
               <a:solidFill>
                 <a:srgbClr val="011F5B"/>
@@ -5205,13 +5166,6 @@
             </a:endParaRPr>
           </a:p>
           <a:p>
-            <a:endParaRPr lang="en-US" sz="1000" dirty="0" smtClean="0">
-              <a:solidFill>
-                <a:srgbClr val="011F5B"/>
-              </a:solidFill>
-            </a:endParaRPr>
-          </a:p>
-          <a:p>
             <a:endParaRPr lang="en-US" sz="1000" dirty="0">
               <a:solidFill>
                 <a:srgbClr val="011F5B"/>
@@ -5219,20 +5173,6 @@
             </a:endParaRPr>
           </a:p>
           <a:p>
-            <a:endParaRPr lang="en-US" sz="1000" dirty="0" smtClean="0">
-              <a:solidFill>
-                <a:srgbClr val="011F5B"/>
-              </a:solidFill>
-            </a:endParaRPr>
-          </a:p>
-          <a:p>
-            <a:endParaRPr lang="en-US" sz="1000" dirty="0" smtClean="0">
-              <a:solidFill>
-                <a:srgbClr val="011F5B"/>
-              </a:solidFill>
-            </a:endParaRPr>
-          </a:p>
-          <a:p>
             <a:endParaRPr lang="en-US" sz="1000" dirty="0">
               <a:solidFill>
                 <a:srgbClr val="011F5B"/>
@@ -5240,21 +5180,58 @@
             </a:endParaRPr>
           </a:p>
           <a:p>
-            <a:endParaRPr lang="en-US" sz="1000" dirty="0" smtClean="0">
+            <a:endParaRPr lang="en-US" sz="1000" dirty="0">
               <a:solidFill>
                 <a:srgbClr val="011F5B"/>
               </a:solidFill>
             </a:endParaRPr>
           </a:p>
           <a:p>
-            <a:r>
-              <a:rPr lang="en-US" sz="1000" dirty="0" smtClean="0">
+            <a:endParaRPr lang="en-US" sz="1000" dirty="0">
+              <a:solidFill>
+                <a:srgbClr val="011F5B"/>
+              </a:solidFill>
+            </a:endParaRPr>
+          </a:p>
+          <a:p>
+            <a:endParaRPr lang="en-US" sz="1000" dirty="0">
+              <a:solidFill>
+                <a:srgbClr val="011F5B"/>
+              </a:solidFill>
+            </a:endParaRPr>
+          </a:p>
+          <a:p>
+            <a:endParaRPr lang="en-US" sz="1000" dirty="0">
+              <a:solidFill>
+                <a:srgbClr val="011F5B"/>
+              </a:solidFill>
+            </a:endParaRPr>
+          </a:p>
+          <a:p>
+            <a:endParaRPr lang="en-US" sz="1000" dirty="0">
+              <a:solidFill>
+                <a:srgbClr val="011F5B"/>
+              </a:solidFill>
+            </a:endParaRPr>
+          </a:p>
+          <a:p>
+            <a:endParaRPr lang="en-US" sz="1000" dirty="0">
+              <a:solidFill>
+                <a:srgbClr val="011F5B"/>
+              </a:solidFill>
+            </a:endParaRPr>
+          </a:p>
+          <a:p>
+            <a:r>
+              <a:rPr lang="en-US" sz="1000" dirty="0">
                 <a:solidFill>
                   <a:srgbClr val="011F5B"/>
                 </a:solidFill>
               </a:rPr>
               <a:t>Temporal relations in the dataset were also considered. One surprising result shows that delaying the hour in which price change is measured from when the tweet data is collected can actually improve classifier accuracy. This indicates that the market may have a delay in price response to twitter activity.</a:t>
             </a:r>
+          </a:p>
+          <a:p>
             <a:endParaRPr lang="en-US" sz="1000" dirty="0">
               <a:solidFill>
                 <a:srgbClr val="011F5B"/>
@@ -5270,13 +5247,6 @@
           </a:p>
           <a:p>
             <a:endParaRPr lang="en-US" sz="1000" dirty="0">
-              <a:solidFill>
-                <a:srgbClr val="011F5B"/>
-              </a:solidFill>
-            </a:endParaRPr>
-          </a:p>
-          <a:p>
-            <a:endParaRPr lang="en-US" sz="1000" dirty="0" smtClean="0">
               <a:solidFill>
                 <a:srgbClr val="011F5B"/>
               </a:solidFill>
@@ -5324,7 +5294,7 @@
           <p:cNvPr id="19" name="TextBox 18">
             <a:extLst>
               <a:ext uri="{FF2B5EF4-FFF2-40B4-BE49-F238E27FC236}">
-                <a16:creationId xmlns="" xmlns:a16="http://schemas.microsoft.com/office/drawing/2014/main" id="{0F3F0241-CF38-4C35-8814-BD73D9A52062}"/>
+                <a16:creationId xmlns:a16="http://schemas.microsoft.com/office/drawing/2014/main" id="{0F3F0241-CF38-4C35-8814-BD73D9A52062}"/>
               </a:ext>
             </a:extLst>
           </p:cNvPr>
@@ -5372,7 +5342,7 @@
           <p:cNvPr id="20" name="TextBox 19">
             <a:extLst>
               <a:ext uri="{FF2B5EF4-FFF2-40B4-BE49-F238E27FC236}">
-                <a16:creationId xmlns="" xmlns:a16="http://schemas.microsoft.com/office/drawing/2014/main" id="{B73F7368-9A80-4A04-9F8A-85E03885548E}"/>
+                <a16:creationId xmlns:a16="http://schemas.microsoft.com/office/drawing/2014/main" id="{B73F7368-9A80-4A04-9F8A-85E03885548E}"/>
               </a:ext>
             </a:extLst>
           </p:cNvPr>
@@ -5424,7 +5394,7 @@
           </a:p>
           <a:p>
             <a:r>
-              <a:rPr lang="en-US" sz="1000" dirty="0" smtClean="0">
+              <a:rPr lang="en-US" sz="1000" dirty="0">
                 <a:solidFill>
                   <a:srgbClr val="011F5B"/>
                 </a:solidFill>
@@ -5441,28 +5411,12 @@
           </a:p>
           <a:p>
             <a:r>
-              <a:rPr lang="en-US" sz="1000" dirty="0" smtClean="0">
-                <a:solidFill>
-                  <a:srgbClr val="011F5B"/>
-                </a:solidFill>
-              </a:rPr>
-              <a:t>SVM and Logistic Regression performed the best, as they are both very similar linear classifiers and can be expected to behave similarly. The </a:t>
-            </a:r>
-            <a:r>
               <a:rPr lang="en-US" sz="1000" dirty="0">
                 <a:solidFill>
                   <a:srgbClr val="011F5B"/>
                 </a:solidFill>
               </a:rPr>
-              <a:t>N</a:t>
-            </a:r>
-            <a:r>
-              <a:rPr lang="en-US" sz="1000" dirty="0" smtClean="0">
-                <a:solidFill>
-                  <a:srgbClr val="011F5B"/>
-                </a:solidFill>
-              </a:rPr>
-              <a:t>aïve Bayes classifier did not perform as well as it relied more on the prior distribution of the y values than the features that differed between them, biasing its predictions. The four layer neural net faced a similar struggle in differentiating its outputs, but this was likely due to the low number of labeled examples, 281.</a:t>
+              <a:t>SVM and Logistic Regression performed the best, as they are both very similar linear classifiers and can be expected to behave similarly. The Naïve Bayes classifier did not perform as well as it relied more on the prior distribution of the y values than the features that differed between them, biasing its predictions. The four layer neural net faced a similar struggle in differentiating its outputs, but this was likely due to the low number of labeled examples, 281.</a:t>
             </a:r>
           </a:p>
           <a:p>
@@ -5473,13 +5427,6 @@
             </a:endParaRPr>
           </a:p>
           <a:p>
-            <a:endParaRPr lang="en-US" sz="1000" dirty="0" smtClean="0">
-              <a:solidFill>
-                <a:srgbClr val="011F5B"/>
-              </a:solidFill>
-            </a:endParaRPr>
-          </a:p>
-          <a:p>
             <a:endParaRPr lang="en-US" sz="1000" dirty="0">
               <a:solidFill>
                 <a:srgbClr val="011F5B"/>
@@ -5487,7 +5434,14 @@
             </a:endParaRPr>
           </a:p>
           <a:p>
-            <a:endParaRPr lang="en-US" sz="1000" dirty="0" smtClean="0">
+            <a:endParaRPr lang="en-US" sz="1000" dirty="0">
+              <a:solidFill>
+                <a:srgbClr val="011F5B"/>
+              </a:solidFill>
+            </a:endParaRPr>
+          </a:p>
+          <a:p>
+            <a:endParaRPr lang="en-US" sz="1000" dirty="0">
               <a:solidFill>
                 <a:srgbClr val="011F5B"/>
               </a:solidFill>
@@ -5521,7 +5475,7 @@
           <p:cNvPr id="21" name="TextBox 20">
             <a:extLst>
               <a:ext uri="{FF2B5EF4-FFF2-40B4-BE49-F238E27FC236}">
-                <a16:creationId xmlns="" xmlns:a16="http://schemas.microsoft.com/office/drawing/2014/main" id="{89951AAD-7622-4490-A4E3-0CB642DFDA44}"/>
+                <a16:creationId xmlns:a16="http://schemas.microsoft.com/office/drawing/2014/main" id="{89951AAD-7622-4490-A4E3-0CB642DFDA44}"/>
               </a:ext>
             </a:extLst>
           </p:cNvPr>
@@ -5571,7 +5525,7 @@
               <p:cNvPr id="22" name="TextBox 21">
                 <a:extLst>
                   <a:ext uri="{FF2B5EF4-FFF2-40B4-BE49-F238E27FC236}">
-                    <a16:creationId xmlns="" xmlns:a16="http://schemas.microsoft.com/office/drawing/2014/main" id="{73D5816F-EF48-4F3C-8E5A-54FFD05B92D6}"/>
+                    <a16:creationId xmlns:a16="http://schemas.microsoft.com/office/drawing/2014/main" id="{73D5816F-EF48-4F3C-8E5A-54FFD05B92D6}"/>
                   </a:ext>
                 </a:extLst>
               </p:cNvPr>
@@ -5666,7 +5620,7 @@
                               <a:solidFill>
                                 <a:srgbClr val="011F5B"/>
                               </a:solidFill>
-                              <a:latin typeface="Cambria Math" charset="0"/>
+                              <a:latin typeface="Cambria Math" panose="02040503050406030204" pitchFamily="18" charset="0"/>
                             </a:rPr>
                           </m:ctrlPr>
                         </m:dPr>
@@ -5738,7 +5692,7 @@
                               <a:solidFill>
                                 <a:srgbClr val="011F5B"/>
                               </a:solidFill>
-                              <a:latin typeface="Cambria Math" charset="0"/>
+                              <a:latin typeface="Cambria Math" panose="02040503050406030204" pitchFamily="18" charset="0"/>
                             </a:rPr>
                           </m:ctrlPr>
                         </m:dPr>
@@ -5790,7 +5744,7 @@
                               <a:solidFill>
                                 <a:srgbClr val="011F5B"/>
                               </a:solidFill>
-                              <a:latin typeface="Cambria Math" charset="0"/>
+                              <a:latin typeface="Cambria Math" panose="02040503050406030204" pitchFamily="18" charset="0"/>
                             </a:rPr>
                           </m:ctrlPr>
                         </m:dPr>
@@ -5914,26 +5868,11 @@
                       <a:srgbClr val="011F5B"/>
                     </a:solidFill>
                   </a:rPr>
-                  <a:t>Finance </a:t>
-                </a:r>
-                <a:r>
-                  <a:rPr lang="en-US" sz="1000" dirty="0" smtClean="0">
-                    <a:solidFill>
-                      <a:srgbClr val="011F5B"/>
-                    </a:solidFill>
-                  </a:rPr>
-                  <a:t>dictionary</a:t>
+                  <a:t>Finance dictionary</a:t>
                 </a:r>
               </a:p>
               <a:p>
                 <a:endParaRPr lang="en-US" sz="1000" dirty="0">
-                  <a:solidFill>
-                    <a:srgbClr val="011F5B"/>
-                  </a:solidFill>
-                </a:endParaRPr>
-              </a:p>
-              <a:p>
-                <a:endParaRPr lang="en-US" sz="1000" dirty="0" smtClean="0">
                   <a:solidFill>
                     <a:srgbClr val="011F5B"/>
                   </a:solidFill>
@@ -5947,7 +5886,14 @@
                 </a:endParaRPr>
               </a:p>
               <a:p>
-                <a:endParaRPr lang="en-US" sz="1000" dirty="0" smtClean="0">
+                <a:endParaRPr lang="en-US" sz="1000" dirty="0">
+                  <a:solidFill>
+                    <a:srgbClr val="011F5B"/>
+                  </a:solidFill>
+                </a:endParaRPr>
+              </a:p>
+              <a:p>
+                <a:endParaRPr lang="en-US" sz="1000" dirty="0">
                   <a:solidFill>
                     <a:srgbClr val="011F5B"/>
                   </a:solidFill>
@@ -6032,7 +5978,7 @@
           <p:cNvPr id="23" name="TextBox 22">
             <a:extLst>
               <a:ext uri="{FF2B5EF4-FFF2-40B4-BE49-F238E27FC236}">
-                <a16:creationId xmlns="" xmlns:a16="http://schemas.microsoft.com/office/drawing/2014/main" id="{A905B64D-C01B-4DF9-8AE8-4206EEE06C55}"/>
+                <a16:creationId xmlns:a16="http://schemas.microsoft.com/office/drawing/2014/main" id="{A905B64D-C01B-4DF9-8AE8-4206EEE06C55}"/>
               </a:ext>
             </a:extLst>
           </p:cNvPr>
@@ -6080,7 +6026,7 @@
           <p:cNvPr id="5" name="Table 4">
             <a:extLst>
               <a:ext uri="{FF2B5EF4-FFF2-40B4-BE49-F238E27FC236}">
-                <a16:creationId xmlns="" xmlns:a16="http://schemas.microsoft.com/office/drawing/2014/main" id="{37BD625B-551D-49A4-895F-BFE014F4F99A}"/>
+                <a16:creationId xmlns:a16="http://schemas.microsoft.com/office/drawing/2014/main" id="{37BD625B-551D-49A4-895F-BFE014F4F99A}"/>
               </a:ext>
             </a:extLst>
           </p:cNvPr>
@@ -6109,21 +6055,21 @@
                 <a:gridCol w="1408253">
                   <a:extLst>
                     <a:ext uri="{9D8B030D-6E8A-4147-A177-3AD203B41FA5}">
-                      <a16:colId xmlns="" xmlns:a16="http://schemas.microsoft.com/office/drawing/2014/main" val="3247188750"/>
+                      <a16:colId xmlns:a16="http://schemas.microsoft.com/office/drawing/2014/main" val="3247188750"/>
                     </a:ext>
                   </a:extLst>
                 </a:gridCol>
                 <a:gridCol w="1408253">
                   <a:extLst>
                     <a:ext uri="{9D8B030D-6E8A-4147-A177-3AD203B41FA5}">
-                      <a16:colId xmlns="" xmlns:a16="http://schemas.microsoft.com/office/drawing/2014/main" val="1214523097"/>
+                      <a16:colId xmlns:a16="http://schemas.microsoft.com/office/drawing/2014/main" val="1214523097"/>
                     </a:ext>
                   </a:extLst>
                 </a:gridCol>
                 <a:gridCol w="1408253">
                   <a:extLst>
                     <a:ext uri="{9D8B030D-6E8A-4147-A177-3AD203B41FA5}">
-                      <a16:colId xmlns="" xmlns:a16="http://schemas.microsoft.com/office/drawing/2014/main" val="3255143547"/>
+                      <a16:colId xmlns:a16="http://schemas.microsoft.com/office/drawing/2014/main" val="3255143547"/>
                     </a:ext>
                   </a:extLst>
                 </a:gridCol>
@@ -6165,7 +6111,7 @@
                 </a:tc>
                 <a:extLst>
                   <a:ext uri="{0D108BD9-81ED-4DB2-BD59-A6C34878D82A}">
-                    <a16:rowId xmlns="" xmlns:a16="http://schemas.microsoft.com/office/drawing/2014/main" val="426857068"/>
+                    <a16:rowId xmlns:a16="http://schemas.microsoft.com/office/drawing/2014/main" val="426857068"/>
                   </a:ext>
                 </a:extLst>
               </a:tr>
@@ -6212,7 +6158,7 @@
                 </a:tc>
                 <a:extLst>
                   <a:ext uri="{0D108BD9-81ED-4DB2-BD59-A6C34878D82A}">
-                    <a16:rowId xmlns="" xmlns:a16="http://schemas.microsoft.com/office/drawing/2014/main" val="4254030744"/>
+                    <a16:rowId xmlns:a16="http://schemas.microsoft.com/office/drawing/2014/main" val="4254030744"/>
                   </a:ext>
                 </a:extLst>
               </a:tr>
@@ -6259,7 +6205,7 @@
                 </a:tc>
                 <a:extLst>
                   <a:ext uri="{0D108BD9-81ED-4DB2-BD59-A6C34878D82A}">
-                    <a16:rowId xmlns="" xmlns:a16="http://schemas.microsoft.com/office/drawing/2014/main" val="2348030731"/>
+                    <a16:rowId xmlns:a16="http://schemas.microsoft.com/office/drawing/2014/main" val="2348030731"/>
                   </a:ext>
                 </a:extLst>
               </a:tr>
@@ -6307,7 +6253,7 @@
                 </a:tc>
                 <a:extLst>
                   <a:ext uri="{0D108BD9-81ED-4DB2-BD59-A6C34878D82A}">
-                    <a16:rowId xmlns="" xmlns:a16="http://schemas.microsoft.com/office/drawing/2014/main" val="575309201"/>
+                    <a16:rowId xmlns:a16="http://schemas.microsoft.com/office/drawing/2014/main" val="575309201"/>
                   </a:ext>
                 </a:extLst>
               </a:tr>
@@ -6320,7 +6266,7 @@
           <p:cNvPr id="26" name="TextBox 25">
             <a:extLst>
               <a:ext uri="{FF2B5EF4-FFF2-40B4-BE49-F238E27FC236}">
-                <a16:creationId xmlns="" xmlns:a16="http://schemas.microsoft.com/office/drawing/2014/main" id="{BE099189-C81E-41C7-BA90-461E1F0BDA19}"/>
+                <a16:creationId xmlns:a16="http://schemas.microsoft.com/office/drawing/2014/main" id="{BE099189-C81E-41C7-BA90-461E1F0BDA19}"/>
               </a:ext>
             </a:extLst>
           </p:cNvPr>
@@ -6350,13 +6296,6 @@
           </a:bodyPr>
           <a:lstStyle/>
           <a:p>
-            <a:endParaRPr lang="en-US" sz="1000" dirty="0" smtClean="0">
-              <a:solidFill>
-                <a:srgbClr val="011F5B"/>
-              </a:solidFill>
-            </a:endParaRPr>
-          </a:p>
-          <a:p>
             <a:endParaRPr lang="en-US" sz="1000" dirty="0">
               <a:solidFill>
                 <a:srgbClr val="011F5B"/>
@@ -6364,26 +6303,28 @@
             </a:endParaRPr>
           </a:p>
           <a:p>
-            <a:endParaRPr lang="en-US" sz="1000" dirty="0" smtClean="0">
+            <a:endParaRPr lang="en-US" sz="1000" dirty="0">
               <a:solidFill>
                 <a:srgbClr val="011F5B"/>
               </a:solidFill>
             </a:endParaRPr>
           </a:p>
           <a:p>
-            <a:r>
-              <a:rPr lang="en-US" sz="1000" dirty="0" smtClean="0">
+            <a:endParaRPr lang="en-US" sz="1000" dirty="0">
+              <a:solidFill>
+                <a:srgbClr val="011F5B"/>
+              </a:solidFill>
+            </a:endParaRPr>
+          </a:p>
+          <a:p>
+            <a:r>
+              <a:rPr lang="en-US" sz="1000" dirty="0">
                 <a:solidFill>
                   <a:srgbClr val="011F5B"/>
                 </a:solidFill>
               </a:rPr>
               <a:t>To compute sentiment analysis, several techniques were deployed including traditional tokenization and sentiment methods using NLTK, as well as bag of words and variable weighting trained during reinforced learning. Initially pre-process was completed using a tokenizer, stemmer, and a lower-caser. After the initial pre-processing, a perceptron was used as a way to update the various word weight vectors. </a:t>
             </a:r>
-            <a:endParaRPr lang="en-US" sz="1000" dirty="0" smtClean="0">
-              <a:solidFill>
-                <a:srgbClr val="011F5B"/>
-              </a:solidFill>
-            </a:endParaRPr>
           </a:p>
           <a:p>
             <a:endParaRPr lang="en-US" sz="1000" dirty="0">
@@ -6394,7 +6335,7 @@
           </a:p>
           <a:p>
             <a:r>
-              <a:rPr lang="en-US" sz="1000" dirty="0" smtClean="0">
+              <a:rPr lang="en-US" sz="1000" dirty="0">
                 <a:solidFill>
                   <a:srgbClr val="011F5B"/>
                 </a:solidFill>
@@ -6402,7 +6343,7 @@
               <a:t>If </a:t>
             </a:r>
             <a:r>
-              <a:rPr lang="en-US" sz="1000" dirty="0" err="1" smtClean="0">
+              <a:rPr lang="en-US" sz="1000" dirty="0" err="1">
                 <a:solidFill>
                   <a:srgbClr val="011F5B"/>
                 </a:solidFill>
@@ -6410,7 +6351,7 @@
               <a:t>word_sentiment</a:t>
             </a:r>
             <a:r>
-              <a:rPr lang="en-US" sz="1000" dirty="0" smtClean="0">
+              <a:rPr lang="en-US" sz="1000" dirty="0">
                 <a:solidFill>
                   <a:srgbClr val="011F5B"/>
                 </a:solidFill>
@@ -6418,7 +6359,7 @@
               <a:t> == </a:t>
             </a:r>
             <a:r>
-              <a:rPr lang="en-US" sz="1000" dirty="0" err="1" smtClean="0">
+              <a:rPr lang="en-US" sz="1000" dirty="0" err="1">
                 <a:solidFill>
                   <a:srgbClr val="011F5B"/>
                 </a:solidFill>
@@ -6426,12 +6367,64 @@
               <a:t>wordDict_sentiment</a:t>
             </a:r>
             <a:r>
-              <a:rPr lang="en-US" sz="1000" dirty="0" smtClean="0">
+              <a:rPr lang="en-US" sz="1000" dirty="0">
                 <a:solidFill>
                   <a:srgbClr val="011F5B"/>
                 </a:solidFill>
               </a:rPr>
               <a:t>:</a:t>
+            </a:r>
+          </a:p>
+          <a:p>
+            <a:r>
+              <a:rPr lang="en-US" sz="1000" dirty="0">
+                <a:solidFill>
+                  <a:srgbClr val="011F5B"/>
+                </a:solidFill>
+              </a:rPr>
+              <a:t>	Tweet Sentiment = </a:t>
+            </a:r>
+            <a:r>
+              <a:rPr lang="en-US" sz="1000" dirty="0" err="1">
+                <a:solidFill>
+                  <a:srgbClr val="011F5B"/>
+                </a:solidFill>
+              </a:rPr>
+              <a:t>Tweet_sentiment</a:t>
+            </a:r>
+            <a:r>
+              <a:rPr lang="en-US" sz="1000" dirty="0">
+                <a:solidFill>
+                  <a:srgbClr val="011F5B"/>
+                </a:solidFill>
+              </a:rPr>
+              <a:t> + </a:t>
+            </a:r>
+            <a:r>
+              <a:rPr lang="en-US" sz="1000" dirty="0" err="1">
+                <a:solidFill>
+                  <a:srgbClr val="011F5B"/>
+                </a:solidFill>
+              </a:rPr>
+              <a:t>wordDict</a:t>
+            </a:r>
+            <a:r>
+              <a:rPr lang="en-US" sz="1000" dirty="0">
+                <a:solidFill>
+                  <a:srgbClr val="011F5B"/>
+                </a:solidFill>
+              </a:rPr>
+              <a:t>[word]</a:t>
+            </a:r>
+          </a:p>
+          <a:p>
+            <a:r>
+              <a:rPr lang="en-US" sz="1000" dirty="0">
+                <a:solidFill>
+                  <a:srgbClr val="011F5B"/>
+                </a:solidFill>
+              </a:rPr>
+              <a:t>Else:</a:t>
             </a:r>
           </a:p>
           <a:p>
@@ -6444,82 +6437,6 @@
               <a:t>	</a:t>
             </a:r>
             <a:r>
-              <a:rPr lang="en-US" sz="1000" dirty="0" smtClean="0">
-                <a:solidFill>
-                  <a:srgbClr val="011F5B"/>
-                </a:solidFill>
-              </a:rPr>
-              <a:t>Tweet Sentiment = </a:t>
-            </a:r>
-            <a:r>
-              <a:rPr lang="en-US" sz="1000" dirty="0" err="1" smtClean="0">
-                <a:solidFill>
-                  <a:srgbClr val="011F5B"/>
-                </a:solidFill>
-              </a:rPr>
-              <a:t>Tweet_sentiment</a:t>
-            </a:r>
-            <a:r>
-              <a:rPr lang="en-US" sz="1000" dirty="0" smtClean="0">
-                <a:solidFill>
-                  <a:srgbClr val="011F5B"/>
-                </a:solidFill>
-              </a:rPr>
-              <a:t> + </a:t>
-            </a:r>
-            <a:r>
-              <a:rPr lang="en-US" sz="1000" dirty="0" err="1" smtClean="0">
-                <a:solidFill>
-                  <a:srgbClr val="011F5B"/>
-                </a:solidFill>
-              </a:rPr>
-              <a:t>wordDict</a:t>
-            </a:r>
-            <a:r>
-              <a:rPr lang="en-US" sz="1000" dirty="0" smtClean="0">
-                <a:solidFill>
-                  <a:srgbClr val="011F5B"/>
-                </a:solidFill>
-              </a:rPr>
-              <a:t>[word]</a:t>
-            </a:r>
-          </a:p>
-          <a:p>
-            <a:r>
-              <a:rPr lang="en-US" sz="1000" dirty="0" smtClean="0">
-                <a:solidFill>
-                  <a:srgbClr val="011F5B"/>
-                </a:solidFill>
-              </a:rPr>
-              <a:t>Else:</a:t>
-            </a:r>
-          </a:p>
-          <a:p>
-            <a:r>
-              <a:rPr lang="en-US" sz="1000" dirty="0" smtClean="0">
-                <a:solidFill>
-                  <a:srgbClr val="011F5B"/>
-                </a:solidFill>
-              </a:rPr>
-              <a:t>	</a:t>
-            </a:r>
-            <a:r>
-              <a:rPr lang="en-US" sz="1000" dirty="0" err="1" smtClean="0">
-                <a:solidFill>
-                  <a:srgbClr val="011F5B"/>
-                </a:solidFill>
-              </a:rPr>
-              <a:t>wordDict</a:t>
-            </a:r>
-            <a:r>
-              <a:rPr lang="en-US" sz="1000" dirty="0" smtClean="0">
-                <a:solidFill>
-                  <a:srgbClr val="011F5B"/>
-                </a:solidFill>
-              </a:rPr>
-              <a:t>[word] = </a:t>
-            </a:r>
-            <a:r>
               <a:rPr lang="en-US" sz="1000" dirty="0" err="1">
                 <a:solidFill>
                   <a:srgbClr val="011F5B"/>
@@ -6533,18 +6450,26 @@
                   <a:srgbClr val="011F5B"/>
                 </a:solidFill>
               </a:rPr>
-              <a:t>[word] </a:t>
-            </a:r>
-            <a:r>
-              <a:rPr lang="en-US" sz="1000" dirty="0" smtClean="0">
+              <a:t>[word] = </a:t>
+            </a:r>
+            <a:r>
+              <a:rPr lang="en-US" sz="1000" dirty="0" err="1">
                 <a:solidFill>
                   <a:srgbClr val="011F5B"/>
                 </a:solidFill>
               </a:rPr>
-              <a:t>+ </a:t>
-            </a:r>
-            <a:r>
-              <a:rPr lang="en-US" sz="1000" dirty="0" err="1" smtClean="0">
+              <a:t>wordDict</a:t>
+            </a:r>
+            <a:r>
+              <a:rPr lang="en-US" sz="1000" dirty="0">
+                <a:solidFill>
+                  <a:srgbClr val="011F5B"/>
+                </a:solidFill>
+              </a:rPr>
+              <a:t>[word] + </a:t>
+            </a:r>
+            <a:r>
+              <a:rPr lang="en-US" sz="1000" dirty="0" err="1">
                 <a:solidFill>
                   <a:srgbClr val="011F5B"/>
                 </a:solidFill>
@@ -6552,7 +6477,7 @@
               <a:t>weightUpdate</a:t>
             </a:r>
             <a:r>
-              <a:rPr lang="en-US" sz="1000" dirty="0" smtClean="0">
+              <a:rPr lang="en-US" sz="1000" dirty="0">
                 <a:solidFill>
                   <a:srgbClr val="011F5B"/>
                 </a:solidFill>
@@ -6569,7 +6494,7 @@
           </a:p>
           <a:p>
             <a:r>
-              <a:rPr lang="en-US" sz="1000" dirty="0" smtClean="0">
+              <a:rPr lang="en-US" sz="1000" dirty="0">
                 <a:solidFill>
                   <a:srgbClr val="011F5B"/>
                 </a:solidFill>
@@ -6578,7 +6503,7 @@
             </a:r>
           </a:p>
           <a:p>
-            <a:endParaRPr lang="en-US" sz="1000" dirty="0" smtClean="0">
+            <a:endParaRPr lang="en-US" sz="1000" dirty="0">
               <a:solidFill>
                 <a:srgbClr val="011F5B"/>
               </a:solidFill>
@@ -6591,7 +6516,7 @@
           <p:cNvPr id="27" name="TextBox 26">
             <a:extLst>
               <a:ext uri="{FF2B5EF4-FFF2-40B4-BE49-F238E27FC236}">
-                <a16:creationId xmlns="" xmlns:a16="http://schemas.microsoft.com/office/drawing/2014/main" id="{4D78901C-AF9C-488F-9AF6-E8AF582AB9AA}"/>
+                <a16:creationId xmlns:a16="http://schemas.microsoft.com/office/drawing/2014/main" id="{4D78901C-AF9C-488F-9AF6-E8AF582AB9AA}"/>
               </a:ext>
             </a:extLst>
           </p:cNvPr>
@@ -6639,7 +6564,7 @@
           <p:cNvPr id="3" name="Table 2">
             <a:extLst>
               <a:ext uri="{FF2B5EF4-FFF2-40B4-BE49-F238E27FC236}">
-                <a16:creationId xmlns="" xmlns:a16="http://schemas.microsoft.com/office/drawing/2014/main" id="{89C3DB6B-8AD8-4EDB-8718-A0FE2085A03C}"/>
+                <a16:creationId xmlns:a16="http://schemas.microsoft.com/office/drawing/2014/main" id="{89C3DB6B-8AD8-4EDB-8718-A0FE2085A03C}"/>
               </a:ext>
             </a:extLst>
           </p:cNvPr>
@@ -6668,14 +6593,14 @@
                 <a:gridCol w="1372707">
                   <a:extLst>
                     <a:ext uri="{9D8B030D-6E8A-4147-A177-3AD203B41FA5}">
-                      <a16:colId xmlns="" xmlns:a16="http://schemas.microsoft.com/office/drawing/2014/main" val="1358636601"/>
+                      <a16:colId xmlns:a16="http://schemas.microsoft.com/office/drawing/2014/main" val="1358636601"/>
                     </a:ext>
                   </a:extLst>
                 </a:gridCol>
                 <a:gridCol w="7509277">
                   <a:extLst>
                     <a:ext uri="{9D8B030D-6E8A-4147-A177-3AD203B41FA5}">
-                      <a16:colId xmlns="" xmlns:a16="http://schemas.microsoft.com/office/drawing/2014/main" val="3610811052"/>
+                      <a16:colId xmlns:a16="http://schemas.microsoft.com/office/drawing/2014/main" val="3610811052"/>
                     </a:ext>
                   </a:extLst>
                 </a:gridCol>
@@ -6707,7 +6632,7 @@
                 </a:tc>
                 <a:extLst>
                   <a:ext uri="{0D108BD9-81ED-4DB2-BD59-A6C34878D82A}">
-                    <a16:rowId xmlns="" xmlns:a16="http://schemas.microsoft.com/office/drawing/2014/main" val="2614706741"/>
+                    <a16:rowId xmlns:a16="http://schemas.microsoft.com/office/drawing/2014/main" val="2614706741"/>
                   </a:ext>
                 </a:extLst>
               </a:tr>
@@ -6740,7 +6665,7 @@
                 </a:tc>
                 <a:extLst>
                   <a:ext uri="{0D108BD9-81ED-4DB2-BD59-A6C34878D82A}">
-                    <a16:rowId xmlns="" xmlns:a16="http://schemas.microsoft.com/office/drawing/2014/main" val="3546821875"/>
+                    <a16:rowId xmlns:a16="http://schemas.microsoft.com/office/drawing/2014/main" val="3546821875"/>
                   </a:ext>
                 </a:extLst>
               </a:tr>
@@ -6773,7 +6698,7 @@
                 </a:tc>
                 <a:extLst>
                   <a:ext uri="{0D108BD9-81ED-4DB2-BD59-A6C34878D82A}">
-                    <a16:rowId xmlns="" xmlns:a16="http://schemas.microsoft.com/office/drawing/2014/main" val="1427118731"/>
+                    <a16:rowId xmlns:a16="http://schemas.microsoft.com/office/drawing/2014/main" val="1427118731"/>
                   </a:ext>
                 </a:extLst>
               </a:tr>
@@ -6851,7 +6776,7 @@
                 </a:tc>
                 <a:extLst>
                   <a:ext uri="{0D108BD9-81ED-4DB2-BD59-A6C34878D82A}">
-                    <a16:rowId xmlns="" xmlns:a16="http://schemas.microsoft.com/office/drawing/2014/main" val="113192575"/>
+                    <a16:rowId xmlns:a16="http://schemas.microsoft.com/office/drawing/2014/main" val="113192575"/>
                   </a:ext>
                 </a:extLst>
               </a:tr>
@@ -6937,7 +6862,7 @@
                 </a:tc>
                 <a:extLst>
                   <a:ext uri="{0D108BD9-81ED-4DB2-BD59-A6C34878D82A}">
-                    <a16:rowId xmlns="" xmlns:a16="http://schemas.microsoft.com/office/drawing/2014/main" val="2286269774"/>
+                    <a16:rowId xmlns:a16="http://schemas.microsoft.com/office/drawing/2014/main" val="2286269774"/>
                   </a:ext>
                 </a:extLst>
               </a:tr>
@@ -7002,7 +6927,7 @@
                 </a:tc>
                 <a:extLst>
                   <a:ext uri="{0D108BD9-81ED-4DB2-BD59-A6C34878D82A}">
-                    <a16:rowId xmlns="" xmlns:a16="http://schemas.microsoft.com/office/drawing/2014/main" val="2050594596"/>
+                    <a16:rowId xmlns:a16="http://schemas.microsoft.com/office/drawing/2014/main" val="2050594596"/>
                   </a:ext>
                 </a:extLst>
               </a:tr>
@@ -7059,7 +6984,7 @@
                 </a:tc>
                 <a:extLst>
                   <a:ext uri="{0D108BD9-81ED-4DB2-BD59-A6C34878D82A}">
-                    <a16:rowId xmlns="" xmlns:a16="http://schemas.microsoft.com/office/drawing/2014/main" val="1747425152"/>
+                    <a16:rowId xmlns:a16="http://schemas.microsoft.com/office/drawing/2014/main" val="1747425152"/>
                   </a:ext>
                 </a:extLst>
               </a:tr>
@@ -7137,7 +7062,7 @@
                 </a:tc>
                 <a:extLst>
                   <a:ext uri="{0D108BD9-81ED-4DB2-BD59-A6C34878D82A}">
-                    <a16:rowId xmlns="" xmlns:a16="http://schemas.microsoft.com/office/drawing/2014/main" val="42610138"/>
+                    <a16:rowId xmlns:a16="http://schemas.microsoft.com/office/drawing/2014/main" val="42610138"/>
                   </a:ext>
                 </a:extLst>
               </a:tr>
@@ -7182,7 +7107,7 @@
               <p:cNvPr id="28" name="Table 27">
                 <a:extLst>
                   <a:ext uri="{FF2B5EF4-FFF2-40B4-BE49-F238E27FC236}">
-                    <a16:creationId xmlns="" xmlns:a16="http://schemas.microsoft.com/office/drawing/2014/main" id="{37BD625B-551D-49A4-895F-BFE014F4F99A}"/>
+                    <a16:creationId xmlns:a16="http://schemas.microsoft.com/office/drawing/2014/main" id="{37BD625B-551D-49A4-895F-BFE014F4F99A}"/>
                   </a:ext>
                 </a:extLst>
               </p:cNvPr>
@@ -7211,25 +7136,31 @@
                     <a:gridCol w="1233387">
                       <a:extLst>
                         <a:ext uri="{9D8B030D-6E8A-4147-A177-3AD203B41FA5}">
-                          <a16:colId xmlns="" xmlns:a16="http://schemas.microsoft.com/office/drawing/2014/main" val="3247188750"/>
+                          <a16:colId xmlns:a16="http://schemas.microsoft.com/office/drawing/2014/main" val="3247188750"/>
                         </a:ext>
                       </a:extLst>
                     </a:gridCol>
                     <a:gridCol w="616017">
                       <a:extLst>
                         <a:ext uri="{9D8B030D-6E8A-4147-A177-3AD203B41FA5}">
-                          <a16:colId xmlns="" xmlns:a16="http://schemas.microsoft.com/office/drawing/2014/main" val="1214523097"/>
+                          <a16:colId xmlns:a16="http://schemas.microsoft.com/office/drawing/2014/main" val="1214523097"/>
                         </a:ext>
                       </a:extLst>
                     </a:gridCol>
                     <a:gridCol w="664143">
                       <a:extLst>
                         <a:ext uri="{9D8B030D-6E8A-4147-A177-3AD203B41FA5}">
-                          <a16:colId xmlns="" xmlns:a16="http://schemas.microsoft.com/office/drawing/2014/main" val="3255143547"/>
+                          <a16:colId xmlns:a16="http://schemas.microsoft.com/office/drawing/2014/main" val="3255143547"/>
                         </a:ext>
                       </a:extLst>
                     </a:gridCol>
-                    <a:gridCol w="1711212"/>
+                    <a:gridCol w="1711212">
+                      <a:extLst>
+                        <a:ext uri="{9D8B030D-6E8A-4147-A177-3AD203B41FA5}">
+                          <a16:colId xmlns:a16="http://schemas.microsoft.com/office/drawing/2014/main" val="20003"/>
+                        </a:ext>
+                      </a:extLst>
+                    </a:gridCol>
                   </a:tblGrid>
                   <a:tr h="265518">
                     <a:tc gridSpan="4">
@@ -7239,10 +7170,9 @@
                         <a:p>
                           <a:pPr algn="ctr"/>
                           <a:r>
-                            <a:rPr lang="en-US" sz="1000" dirty="0" smtClean="0"/>
+                            <a:rPr lang="en-US" sz="1000" dirty="0"/>
                             <a:t>Model Accuracies</a:t>
                           </a:r>
-                          <a:endParaRPr lang="en-US" sz="1000" dirty="0"/>
                         </a:p>
                       </a:txBody>
                       <a:tcPr/>
@@ -7280,7 +7210,7 @@
                     </a:tc>
                     <a:extLst>
                       <a:ext uri="{0D108BD9-81ED-4DB2-BD59-A6C34878D82A}">
-                        <a16:rowId xmlns="" xmlns:a16="http://schemas.microsoft.com/office/drawing/2014/main" val="426857068"/>
+                        <a16:rowId xmlns:a16="http://schemas.microsoft.com/office/drawing/2014/main" val="426857068"/>
                       </a:ext>
                     </a:extLst>
                   </a:tr>
@@ -7291,10 +7221,9 @@
                         <a:lstStyle/>
                         <a:p>
                           <a:r>
-                            <a:rPr lang="en-US" sz="1000" dirty="0" smtClean="0"/>
+                            <a:rPr lang="en-US" sz="1000" dirty="0"/>
                             <a:t>Classifier</a:t>
                           </a:r>
-                          <a:endParaRPr lang="en-US" sz="1000" dirty="0"/>
                         </a:p>
                       </a:txBody>
                       <a:tcPr/>
@@ -7305,10 +7234,9 @@
                         <a:lstStyle/>
                         <a:p>
                           <a:r>
-                            <a:rPr lang="en-US" sz="1000" dirty="0" smtClean="0"/>
+                            <a:rPr lang="en-US" sz="1000" dirty="0"/>
                             <a:t>1 Hour</a:t>
                           </a:r>
-                          <a:endParaRPr lang="en-US" sz="1000" dirty="0"/>
                         </a:p>
                       </a:txBody>
                       <a:tcPr/>
@@ -7319,11 +7247,11 @@
                         <a:lstStyle/>
                         <a:p>
                           <a:r>
-                            <a:rPr lang="en-US" sz="1000" dirty="0" smtClean="0"/>
+                            <a:rPr lang="en-US" sz="1000" dirty="0"/>
                             <a:t>2</a:t>
                           </a:r>
                           <a:r>
-                            <a:rPr lang="en-US" sz="1000" baseline="0" dirty="0" smtClean="0"/>
+                            <a:rPr lang="en-US" sz="1000" baseline="0" dirty="0"/>
                             <a:t> Hours</a:t>
                           </a:r>
                           <a:endParaRPr lang="en-US" sz="1000" dirty="0"/>
@@ -7338,17 +7266,16 @@
                         <a:p>
                           <a:pPr algn="ctr"/>
                           <a:r>
-                            <a:rPr lang="en-US" sz="1000" dirty="0" smtClean="0"/>
+                            <a:rPr lang="en-US" sz="1000" dirty="0"/>
                             <a:t>Equation</a:t>
                           </a:r>
-                          <a:endParaRPr lang="en-US" sz="1000" dirty="0"/>
                         </a:p>
                       </a:txBody>
                       <a:tcPr/>
                     </a:tc>
                     <a:extLst>
                       <a:ext uri="{0D108BD9-81ED-4DB2-BD59-A6C34878D82A}">
-                        <a16:rowId xmlns="" xmlns:a16="http://schemas.microsoft.com/office/drawing/2014/main" val="4254030744"/>
+                        <a16:rowId xmlns:a16="http://schemas.microsoft.com/office/drawing/2014/main" val="4254030744"/>
                       </a:ext>
                     </a:extLst>
                   </a:tr>
@@ -7359,10 +7286,9 @@
                         <a:lstStyle/>
                         <a:p>
                           <a:r>
-                            <a:rPr lang="en-US" sz="1000" dirty="0" smtClean="0"/>
+                            <a:rPr lang="en-US" sz="1000" dirty="0"/>
                             <a:t>SVM</a:t>
                           </a:r>
-                          <a:endParaRPr lang="en-US" sz="1000" dirty="0"/>
                         </a:p>
                       </a:txBody>
                       <a:tcPr/>
@@ -7373,7 +7299,7 @@
                         <a:lstStyle/>
                         <a:p>
                           <a:r>
-                            <a:rPr lang="nb-NO" sz="1000" dirty="0" smtClean="0"/>
+                            <a:rPr lang="nb-NO" sz="1000" dirty="0"/>
                             <a:t>50.88%</a:t>
                           </a:r>
                           <a:endParaRPr lang="en-US" sz="1000" dirty="0"/>
@@ -7387,10 +7313,9 @@
                         <a:lstStyle/>
                         <a:p>
                           <a:r>
-                            <a:rPr lang="en-US" sz="1000" dirty="0" smtClean="0"/>
+                            <a:rPr lang="en-US" sz="1000" dirty="0"/>
                             <a:t>51.72%</a:t>
                           </a:r>
-                          <a:endParaRPr lang="en-US" sz="1000" dirty="0"/>
                         </a:p>
                       </a:txBody>
                       <a:tcPr/>
@@ -7411,7 +7336,7 @@
                                   <m:funcPr>
                                     <m:ctrlPr>
                                       <a:rPr lang="en-US" sz="500" b="0" i="1" smtClean="0">
-                                        <a:latin typeface="Cambria Math" charset="0"/>
+                                        <a:latin typeface="Cambria Math" panose="02040503050406030204" pitchFamily="18" charset="0"/>
                                       </a:rPr>
                                     </m:ctrlPr>
                                   </m:funcPr>
@@ -7431,7 +7356,7 @@
                                       <m:sSupPr>
                                         <m:ctrlPr>
                                           <a:rPr lang="en-US" sz="500" b="0" i="1" smtClean="0">
-                                            <a:latin typeface="Cambria Math" charset="0"/>
+                                            <a:latin typeface="Cambria Math" panose="02040503050406030204" pitchFamily="18" charset="0"/>
                                           </a:rPr>
                                         </m:ctrlPr>
                                       </m:sSupPr>
@@ -7448,7 +7373,7 @@
                                             <m:endChr m:val="|"/>
                                             <m:ctrlPr>
                                               <a:rPr lang="en-US" sz="500" b="0" i="1" smtClean="0">
-                                                <a:latin typeface="Cambria Math" charset="0"/>
+                                                <a:latin typeface="Cambria Math" panose="02040503050406030204" pitchFamily="18" charset="0"/>
                                               </a:rPr>
                                             </m:ctrlPr>
                                           </m:dPr>
@@ -7496,7 +7421,7 @@
                                         <m:supHide m:val="on"/>
                                         <m:ctrlPr>
                                           <a:rPr lang="en-US" sz="500" b="0" i="1" smtClean="0">
-                                            <a:latin typeface="Cambria Math" charset="0"/>
+                                            <a:latin typeface="Cambria Math" panose="02040503050406030204" pitchFamily="18" charset="0"/>
                                           </a:rPr>
                                         </m:ctrlPr>
                                       </m:naryPr>
@@ -7507,7 +7432,7 @@
                                           <m:funcPr>
                                             <m:ctrlPr>
                                               <a:rPr lang="en-US" sz="500" b="0" i="1" smtClean="0">
-                                                <a:latin typeface="Cambria Math" charset="0"/>
+                                                <a:latin typeface="Cambria Math" panose="02040503050406030204" pitchFamily="18" charset="0"/>
                                               </a:rPr>
                                             </m:ctrlPr>
                                           </m:funcPr>
@@ -7533,7 +7458,7 @@
                                               <m:sSubPr>
                                                 <m:ctrlPr>
                                                   <a:rPr lang="en-US" sz="500" b="0" i="1" smtClean="0">
-                                                    <a:latin typeface="Cambria Math" charset="0"/>
+                                                    <a:latin typeface="Cambria Math" panose="02040503050406030204" pitchFamily="18" charset="0"/>
                                                   </a:rPr>
                                                 </m:ctrlPr>
                                               </m:sSubPr>
@@ -7564,7 +7489,7 @@
                                               <m:sSupPr>
                                                 <m:ctrlPr>
                                                   <a:rPr lang="en-US" sz="500" b="0" i="1" smtClean="0">
-                                                    <a:latin typeface="Cambria Math" charset="0"/>
+                                                    <a:latin typeface="Cambria Math" panose="02040503050406030204" pitchFamily="18" charset="0"/>
                                                   </a:rPr>
                                                 </m:ctrlPr>
                                               </m:sSupPr>
@@ -7589,7 +7514,7 @@
                                               <m:sSubPr>
                                                 <m:ctrlPr>
                                                   <a:rPr lang="en-US" sz="500" b="0" i="1" smtClean="0">
-                                                    <a:latin typeface="Cambria Math" charset="0"/>
+                                                    <a:latin typeface="Cambria Math" panose="02040503050406030204" pitchFamily="18" charset="0"/>
                                                   </a:rPr>
                                                 </m:ctrlPr>
                                               </m:sSubPr>
@@ -7644,7 +7569,7 @@
                     </a:tc>
                     <a:extLst>
                       <a:ext uri="{0D108BD9-81ED-4DB2-BD59-A6C34878D82A}">
-                        <a16:rowId xmlns="" xmlns:a16="http://schemas.microsoft.com/office/drawing/2014/main" val="2348030731"/>
+                        <a16:rowId xmlns:a16="http://schemas.microsoft.com/office/drawing/2014/main" val="2348030731"/>
                       </a:ext>
                     </a:extLst>
                   </a:tr>
@@ -7655,11 +7580,11 @@
                         <a:lstStyle/>
                         <a:p>
                           <a:r>
-                            <a:rPr lang="en-US" sz="1000" dirty="0" smtClean="0"/>
+                            <a:rPr lang="en-US" sz="1000" dirty="0"/>
                             <a:t>Logistic</a:t>
                           </a:r>
                           <a:r>
-                            <a:rPr lang="en-US" sz="1000" baseline="0" dirty="0" smtClean="0"/>
+                            <a:rPr lang="en-US" sz="1000" baseline="0" dirty="0"/>
                             <a:t> Regression</a:t>
                           </a:r>
                           <a:endParaRPr lang="en-US" sz="1000" dirty="0"/>
@@ -7673,7 +7598,7 @@
                         <a:lstStyle/>
                         <a:p>
                           <a:r>
-                            <a:rPr lang="hr-HR" sz="1000" dirty="0" smtClean="0"/>
+                            <a:rPr lang="hr-HR" sz="1000" dirty="0"/>
                             <a:t>52.63%</a:t>
                           </a:r>
                           <a:endParaRPr lang="en-US" sz="1000" dirty="0"/>
@@ -7687,10 +7612,9 @@
                         <a:lstStyle/>
                         <a:p>
                           <a:r>
-                            <a:rPr lang="en-US" sz="1000" dirty="0" smtClean="0"/>
+                            <a:rPr lang="en-US" sz="1000" dirty="0"/>
                             <a:t>50.26%</a:t>
                           </a:r>
-                          <a:endParaRPr lang="en-US" sz="1000" dirty="0"/>
                         </a:p>
                       </a:txBody>
                       <a:tcPr/>
@@ -7730,7 +7654,7 @@
                                         <a:solidFill>
                                           <a:srgbClr val="011F5B"/>
                                         </a:solidFill>
-                                        <a:latin typeface="Cambria Math" charset="0"/>
+                                        <a:latin typeface="Cambria Math" panose="02040503050406030204" pitchFamily="18" charset="0"/>
                                         <a:ea typeface="Calibri" charset="0"/>
                                         <a:cs typeface="Calibri" charset="0"/>
                                       </a:rPr>
@@ -7763,7 +7687,7 @@
                                             <a:solidFill>
                                               <a:srgbClr val="011F5B"/>
                                             </a:solidFill>
-                                            <a:latin typeface="Cambria Math" charset="0"/>
+                                            <a:latin typeface="Cambria Math" panose="02040503050406030204" pitchFamily="18" charset="0"/>
                                             <a:ea typeface="Calibri" charset="0"/>
                                             <a:cs typeface="Calibri" charset="0"/>
                                           </a:rPr>
@@ -7779,7 +7703,7 @@
                                                 <a:solidFill>
                                                   <a:srgbClr val="011F5B"/>
                                                 </a:solidFill>
-                                                <a:latin typeface="Cambria Math" charset="0"/>
+                                                <a:latin typeface="Cambria Math" panose="02040503050406030204" pitchFamily="18" charset="0"/>
                                                 <a:ea typeface="Cambria Math" charset="0"/>
                                                 <a:cs typeface="Cambria Math" charset="0"/>
                                               </a:rPr>
@@ -7804,7 +7728,7 @@
                                                     <a:solidFill>
                                                       <a:srgbClr val="011F5B"/>
                                                     </a:solidFill>
-                                                    <a:latin typeface="Cambria Math" charset="0"/>
+                                                    <a:latin typeface="Cambria Math" panose="02040503050406030204" pitchFamily="18" charset="0"/>
                                                     <a:ea typeface="Cambria Math" charset="0"/>
                                                     <a:cs typeface="Cambria Math" charset="0"/>
                                                   </a:rPr>
@@ -7818,7 +7742,7 @@
                                                         <a:solidFill>
                                                           <a:srgbClr val="011F5B"/>
                                                         </a:solidFill>
-                                                        <a:latin typeface="Cambria Math" charset="0"/>
+                                                        <a:latin typeface="Cambria Math" panose="02040503050406030204" pitchFamily="18" charset="0"/>
                                                         <a:ea typeface="Cambria Math" charset="0"/>
                                                         <a:cs typeface="Cambria Math" charset="0"/>
                                                       </a:rPr>
@@ -7862,7 +7786,7 @@
                                                     <a:solidFill>
                                                       <a:srgbClr val="011F5B"/>
                                                     </a:solidFill>
-                                                    <a:latin typeface="Cambria Math" charset="0"/>
+                                                    <a:latin typeface="Cambria Math" panose="02040503050406030204" pitchFamily="18" charset="0"/>
                                                     <a:ea typeface="Cambria Math" charset="0"/>
                                                     <a:cs typeface="Cambria Math" charset="0"/>
                                                   </a:rPr>
@@ -7904,7 +7828,7 @@
                                                 <a:solidFill>
                                                   <a:srgbClr val="011F5B"/>
                                                 </a:solidFill>
-                                                <a:latin typeface="Cambria Math" charset="0"/>
+                                                <a:latin typeface="Cambria Math" panose="02040503050406030204" pitchFamily="18" charset="0"/>
                                                 <a:ea typeface="Cambria Math" charset="0"/>
                                                 <a:cs typeface="Cambria Math" charset="0"/>
                                               </a:rPr>
@@ -7918,7 +7842,7 @@
                                                     <a:solidFill>
                                                       <a:srgbClr val="011F5B"/>
                                                     </a:solidFill>
-                                                    <a:latin typeface="Cambria Math" charset="0"/>
+                                                    <a:latin typeface="Cambria Math" panose="02040503050406030204" pitchFamily="18" charset="0"/>
                                                     <a:ea typeface="Cambria Math" charset="0"/>
                                                     <a:cs typeface="Cambria Math" charset="0"/>
                                                   </a:rPr>
@@ -7954,7 +7878,7 @@
                                                         <a:solidFill>
                                                           <a:srgbClr val="011F5B"/>
                                                         </a:solidFill>
-                                                        <a:latin typeface="Cambria Math" charset="0"/>
+                                                        <a:latin typeface="Cambria Math" panose="02040503050406030204" pitchFamily="18" charset="0"/>
                                                         <a:ea typeface="Cambria Math" charset="0"/>
                                                         <a:cs typeface="Cambria Math" charset="0"/>
                                                       </a:rPr>
@@ -7968,7 +7892,7 @@
                                                             <a:solidFill>
                                                               <a:srgbClr val="011F5B"/>
                                                             </a:solidFill>
-                                                            <a:latin typeface="Cambria Math" charset="0"/>
+                                                            <a:latin typeface="Cambria Math" panose="02040503050406030204" pitchFamily="18" charset="0"/>
                                                             <a:ea typeface="Cambria Math" charset="0"/>
                                                             <a:cs typeface="Cambria Math" charset="0"/>
                                                           </a:rPr>
@@ -8025,7 +7949,7 @@
                                                     <a:solidFill>
                                                       <a:srgbClr val="011F5B"/>
                                                     </a:solidFill>
-                                                    <a:latin typeface="Cambria Math" charset="0"/>
+                                                    <a:latin typeface="Cambria Math" panose="02040503050406030204" pitchFamily="18" charset="0"/>
                                                     <a:ea typeface="Cambria Math" charset="0"/>
                                                     <a:cs typeface="Cambria Math" charset="0"/>
                                                   </a:rPr>
@@ -8091,7 +8015,7 @@
                                             <a:solidFill>
                                               <a:srgbClr val="011F5B"/>
                                             </a:solidFill>
-                                            <a:latin typeface="Cambria Math" charset="0"/>
+                                            <a:latin typeface="Cambria Math" panose="02040503050406030204" pitchFamily="18" charset="0"/>
                                             <a:ea typeface="Cambria Math" charset="0"/>
                                             <a:cs typeface="Cambria Math" charset="0"/>
                                           </a:rPr>
@@ -8129,7 +8053,7 @@
                                             <a:solidFill>
                                               <a:srgbClr val="011F5B"/>
                                             </a:solidFill>
-                                            <a:latin typeface="Cambria Math" charset="0"/>
+                                            <a:latin typeface="Cambria Math" panose="02040503050406030204" pitchFamily="18" charset="0"/>
                                             <a:ea typeface="Cambria Math" charset="0"/>
                                             <a:cs typeface="Cambria Math" charset="0"/>
                                           </a:rPr>
@@ -8167,7 +8091,7 @@
                                                 <a:solidFill>
                                                   <a:srgbClr val="011F5B"/>
                                                 </a:solidFill>
-                                                <a:latin typeface="Cambria Math" charset="0"/>
+                                                <a:latin typeface="Cambria Math" panose="02040503050406030204" pitchFamily="18" charset="0"/>
                                                 <a:ea typeface="Cambria Math" charset="0"/>
                                                 <a:cs typeface="Cambria Math" charset="0"/>
                                               </a:rPr>
@@ -8205,7 +8129,7 @@
                                                     <a:solidFill>
                                                       <a:srgbClr val="011F5B"/>
                                                     </a:solidFill>
-                                                    <a:latin typeface="Cambria Math" charset="0"/>
+                                                    <a:latin typeface="Cambria Math" panose="02040503050406030204" pitchFamily="18" charset="0"/>
                                                     <a:ea typeface="Cambria Math" charset="0"/>
                                                     <a:cs typeface="Cambria Math" charset="0"/>
                                                   </a:rPr>
@@ -8272,7 +8196,7 @@
                     </a:tc>
                     <a:extLst>
                       <a:ext uri="{0D108BD9-81ED-4DB2-BD59-A6C34878D82A}">
-                        <a16:rowId xmlns="" xmlns:a16="http://schemas.microsoft.com/office/drawing/2014/main" val="575309201"/>
+                        <a16:rowId xmlns:a16="http://schemas.microsoft.com/office/drawing/2014/main" val="575309201"/>
                       </a:ext>
                     </a:extLst>
                   </a:tr>
@@ -8283,10 +8207,9 @@
                         <a:lstStyle/>
                         <a:p>
                           <a:r>
-                            <a:rPr lang="en-US" sz="1000" dirty="0" smtClean="0"/>
+                            <a:rPr lang="en-US" sz="1000" dirty="0"/>
                             <a:t>Naïve Bayes</a:t>
                           </a:r>
-                          <a:endParaRPr lang="en-US" sz="1000" dirty="0"/>
                         </a:p>
                       </a:txBody>
                       <a:tcPr/>
@@ -8297,7 +8220,7 @@
                         <a:lstStyle/>
                         <a:p>
                           <a:r>
-                            <a:rPr lang="nb-NO" sz="1000" dirty="0" smtClean="0"/>
+                            <a:rPr lang="nb-NO" sz="1000" dirty="0"/>
                             <a:t>47.37%</a:t>
                           </a:r>
                           <a:endParaRPr lang="en-US" sz="1000" dirty="0"/>
@@ -8311,10 +8234,9 @@
                         <a:lstStyle/>
                         <a:p>
                           <a:r>
-                            <a:rPr lang="en-US" sz="1000" dirty="0" smtClean="0"/>
+                            <a:rPr lang="en-US" sz="1000" dirty="0"/>
                             <a:t>48.30%</a:t>
                           </a:r>
-                          <a:endParaRPr lang="en-US" sz="1000" dirty="0"/>
                         </a:p>
                       </a:txBody>
                       <a:tcPr/>
@@ -8355,7 +8277,7 @@
                                         <a:solidFill>
                                           <a:srgbClr val="011F5B"/>
                                         </a:solidFill>
-                                        <a:latin typeface="Cambria Math" charset="0"/>
+                                        <a:latin typeface="Cambria Math" panose="02040503050406030204" pitchFamily="18" charset="0"/>
                                         <a:ea typeface="Calibri" charset="0"/>
                                         <a:cs typeface="Calibri" charset="0"/>
                                       </a:rPr>
@@ -8393,7 +8315,7 @@
                                         <a:solidFill>
                                           <a:srgbClr val="011F5B"/>
                                         </a:solidFill>
-                                        <a:latin typeface="Cambria Math" charset="0"/>
+                                        <a:latin typeface="Cambria Math" panose="02040503050406030204" pitchFamily="18" charset="0"/>
                                         <a:ea typeface="Calibri" charset="0"/>
                                         <a:cs typeface="Calibri" charset="0"/>
                                       </a:rPr>
@@ -8407,7 +8329,7 @@
                                             <a:solidFill>
                                               <a:srgbClr val="011F5B"/>
                                             </a:solidFill>
-                                            <a:latin typeface="Cambria Math" charset="0"/>
+                                            <a:latin typeface="Cambria Math" panose="02040503050406030204" pitchFamily="18" charset="0"/>
                                             <a:ea typeface="Calibri" charset="0"/>
                                             <a:cs typeface="Calibri" charset="0"/>
                                           </a:rPr>
@@ -8474,7 +8396,7 @@
                                             <a:solidFill>
                                               <a:srgbClr val="011F5B"/>
                                             </a:solidFill>
-                                            <a:latin typeface="Cambria Math" charset="0"/>
+                                            <a:latin typeface="Cambria Math" panose="02040503050406030204" pitchFamily="18" charset="0"/>
                                             <a:ea typeface="Calibri" charset="0"/>
                                             <a:cs typeface="Calibri" charset="0"/>
                                           </a:rPr>
@@ -8488,7 +8410,7 @@
                                                 <a:solidFill>
                                                   <a:srgbClr val="011F5B"/>
                                                 </a:solidFill>
-                                                <a:latin typeface="Cambria Math" charset="0"/>
+                                                <a:latin typeface="Cambria Math" panose="02040503050406030204" pitchFamily="18" charset="0"/>
                                                 <a:ea typeface="Calibri" charset="0"/>
                                                 <a:cs typeface="Calibri" charset="0"/>
                                               </a:rPr>
@@ -8533,7 +8455,7 @@
                                             <a:solidFill>
                                               <a:srgbClr val="011F5B"/>
                                             </a:solidFill>
-                                            <a:latin typeface="Cambria Math" charset="0"/>
+                                            <a:latin typeface="Cambria Math" panose="02040503050406030204" pitchFamily="18" charset="0"/>
                                             <a:ea typeface="Calibri" charset="0"/>
                                             <a:cs typeface="Calibri" charset="0"/>
                                           </a:rPr>
@@ -8560,7 +8482,7 @@
                                                 <a:solidFill>
                                                   <a:srgbClr val="011F5B"/>
                                                 </a:solidFill>
-                                                <a:latin typeface="Cambria Math" charset="0"/>
+                                                <a:latin typeface="Cambria Math" panose="02040503050406030204" pitchFamily="18" charset="0"/>
                                                 <a:ea typeface="Calibri" charset="0"/>
                                                 <a:cs typeface="Calibri" charset="0"/>
                                               </a:rPr>
@@ -8574,7 +8496,7 @@
                                                     <a:solidFill>
                                                       <a:srgbClr val="011F5B"/>
                                                     </a:solidFill>
-                                                    <a:latin typeface="Cambria Math" charset="0"/>
+                                                    <a:latin typeface="Cambria Math" panose="02040503050406030204" pitchFamily="18" charset="0"/>
                                                     <a:ea typeface="Calibri" charset="0"/>
                                                     <a:cs typeface="Calibri" charset="0"/>
                                                   </a:rPr>
@@ -8616,7 +8538,7 @@
                                                     <a:solidFill>
                                                       <a:srgbClr val="011F5B"/>
                                                     </a:solidFill>
-                                                    <a:latin typeface="Cambria Math" charset="0"/>
+                                                    <a:latin typeface="Cambria Math" panose="02040503050406030204" pitchFamily="18" charset="0"/>
                                                     <a:ea typeface="Calibri" charset="0"/>
                                                     <a:cs typeface="Calibri" charset="0"/>
                                                   </a:rPr>
@@ -8670,6 +8592,11 @@
                       </a:txBody>
                       <a:tcPr/>
                     </a:tc>
+                    <a:extLst>
+                      <a:ext uri="{0D108BD9-81ED-4DB2-BD59-A6C34878D82A}">
+                        <a16:rowId xmlns:a16="http://schemas.microsoft.com/office/drawing/2014/main" val="10004"/>
+                      </a:ext>
+                    </a:extLst>
                   </a:tr>
                   <a:tr h="265518">
                     <a:tc>
@@ -8678,10 +8605,9 @@
                         <a:lstStyle/>
                         <a:p>
                           <a:r>
-                            <a:rPr lang="en-US" sz="1000" dirty="0" smtClean="0"/>
+                            <a:rPr lang="en-US" sz="1000" dirty="0"/>
                             <a:t>Neural Net</a:t>
                           </a:r>
-                          <a:endParaRPr lang="en-US" sz="1000" dirty="0"/>
                         </a:p>
                       </a:txBody>
                       <a:tcPr/>
@@ -8692,10 +8618,9 @@
                         <a:lstStyle/>
                         <a:p>
                           <a:r>
-                            <a:rPr lang="en-US" sz="1000" dirty="0" smtClean="0"/>
+                            <a:rPr lang="en-US" sz="1000" dirty="0"/>
                             <a:t>47.39%</a:t>
                           </a:r>
-                          <a:endParaRPr lang="en-US" sz="1000" dirty="0"/>
                         </a:p>
                       </a:txBody>
                       <a:tcPr/>
@@ -8706,10 +8631,9 @@
                         <a:lstStyle/>
                         <a:p>
                           <a:r>
-                            <a:rPr lang="en-US" sz="1000" dirty="0" smtClean="0"/>
+                            <a:rPr lang="en-US" sz="1000" dirty="0"/>
                             <a:t>48.28%</a:t>
                           </a:r>
-                          <a:endParaRPr lang="en-US" sz="1000" dirty="0"/>
                         </a:p>
                       </a:txBody>
                       <a:tcPr/>
@@ -8721,15 +8645,15 @@
                         <a:p>
                           <a:pPr algn="ctr"/>
                           <a:r>
-                            <a:rPr lang="en-US" sz="500" dirty="0" smtClean="0"/>
+                            <a:rPr lang="en-US" sz="500" dirty="0"/>
                             <a:t>Two</a:t>
                           </a:r>
                           <a:r>
-                            <a:rPr lang="en-US" sz="500" baseline="0" dirty="0" smtClean="0"/>
+                            <a:rPr lang="en-US" sz="500" baseline="0" dirty="0"/>
                             <a:t> hidden fully collected layers, followed by </a:t>
                           </a:r>
                           <a:r>
-                            <a:rPr lang="en-US" sz="500" baseline="0" dirty="0" err="1" smtClean="0"/>
+                            <a:rPr lang="en-US" sz="500" baseline="0" dirty="0" err="1"/>
                             <a:t>Relu</a:t>
                           </a:r>
                           <a:endParaRPr lang="en-US" sz="500" dirty="0"/>
@@ -8737,6 +8661,11 @@
                       </a:txBody>
                       <a:tcPr/>
                     </a:tc>
+                    <a:extLst>
+                      <a:ext uri="{0D108BD9-81ED-4DB2-BD59-A6C34878D82A}">
+                        <a16:rowId xmlns:a16="http://schemas.microsoft.com/office/drawing/2014/main" val="10005"/>
+                      </a:ext>
+                    </a:extLst>
                   </a:tr>
                 </a:tbl>
               </a:graphicData>

--- a/Poster.pptx
+++ b/Poster.pptx
@@ -3367,7 +3367,7 @@
         </p:nvGrpSpPr>
         <p:grpSpPr>
           <a:xfrm>
-            <a:off x="9483634" y="12013212"/>
+            <a:off x="9226540" y="10680537"/>
             <a:ext cx="3697772" cy="3255312"/>
             <a:chOff x="4668387" y="11519864"/>
             <a:chExt cx="4366720" cy="3844216"/>
@@ -3806,7 +3806,7 @@
         </p:nvSpPr>
         <p:spPr>
           <a:xfrm>
-            <a:off x="131031" y="6008145"/>
+            <a:off x="131031" y="5703345"/>
             <a:ext cx="4357654" cy="3170099"/>
           </a:xfrm>
           <a:prstGeom prst="rect">
@@ -4015,7 +4015,7 @@
         </p:nvSpPr>
         <p:spPr>
           <a:xfrm>
-            <a:off x="131031" y="6008144"/>
+            <a:off x="131031" y="5703344"/>
             <a:ext cx="4357654" cy="348878"/>
           </a:xfrm>
           <a:prstGeom prst="rect">
@@ -4049,8 +4049,8 @@
           </a:p>
         </p:txBody>
       </p:sp>
-      <mc:AlternateContent xmlns:mc="http://schemas.openxmlformats.org/markup-compatibility/2006" xmlns:a14="http://schemas.microsoft.com/office/drawing/2010/main">
-        <mc:Choice Requires="a14">
+      <mc:AlternateContent xmlns:mc="http://schemas.openxmlformats.org/markup-compatibility/2006">
+        <mc:Choice xmlns:a14="http://schemas.microsoft.com/office/drawing/2010/main" Requires="a14">
           <p:sp>
             <p:nvSpPr>
               <p:cNvPr id="15" name="TextBox 14">
@@ -4065,8 +4065,8 @@
             </p:nvSpPr>
             <p:spPr>
               <a:xfrm>
-                <a:off x="131031" y="9731859"/>
-                <a:ext cx="4357654" cy="6665671"/>
+                <a:off x="146192" y="8994055"/>
+                <a:ext cx="4357654" cy="6360203"/>
               </a:xfrm>
               <a:prstGeom prst="rect">
                 <a:avLst/>
@@ -4107,7 +4107,7 @@
               </a:p>
               <a:p>
                 <a:r>
-                  <a:rPr lang="en-US" sz="1000" dirty="0">
+                  <a:rPr lang="en-US" sz="1000" b="1" dirty="0">
                     <a:solidFill>
                       <a:srgbClr val="011F5B"/>
                     </a:solidFill>
@@ -4372,118 +4372,8 @@
                     <a:ea typeface="Calibri" charset="0"/>
                     <a:cs typeface="Calibri" charset="0"/>
                   </a:rPr>
-                  <a:t>From this analysis we labeled any tweet containing:</a:t>
+                  <a:t>From this analysis we labeled any tweet containing the following words as spam:</a:t>
                 </a:r>
-              </a:p>
-              <a:p>
-                <a:endParaRPr lang="en-US" sz="1000" dirty="0">
-                  <a:solidFill>
-                    <a:srgbClr val="011F5B"/>
-                  </a:solidFill>
-                  <a:latin typeface="Calibri" charset="0"/>
-                  <a:ea typeface="Calibri" charset="0"/>
-                  <a:cs typeface="Calibri" charset="0"/>
-                </a:endParaRPr>
-              </a:p>
-              <a:p>
-                <a:endParaRPr lang="en-US" sz="1000" dirty="0">
-                  <a:solidFill>
-                    <a:srgbClr val="011F5B"/>
-                  </a:solidFill>
-                  <a:latin typeface="Calibri" charset="0"/>
-                  <a:ea typeface="Calibri" charset="0"/>
-                  <a:cs typeface="Calibri" charset="0"/>
-                </a:endParaRPr>
-              </a:p>
-              <a:p>
-                <a:endParaRPr lang="en-US" sz="1000" dirty="0">
-                  <a:solidFill>
-                    <a:srgbClr val="011F5B"/>
-                  </a:solidFill>
-                  <a:latin typeface="Calibri" charset="0"/>
-                  <a:ea typeface="Calibri" charset="0"/>
-                  <a:cs typeface="Calibri" charset="0"/>
-                </a:endParaRPr>
-              </a:p>
-              <a:p>
-                <a:endParaRPr lang="en-US" sz="1000" dirty="0">
-                  <a:solidFill>
-                    <a:srgbClr val="011F5B"/>
-                  </a:solidFill>
-                  <a:latin typeface="Calibri" charset="0"/>
-                  <a:ea typeface="Calibri" charset="0"/>
-                  <a:cs typeface="Calibri" charset="0"/>
-                </a:endParaRPr>
-              </a:p>
-              <a:p>
-                <a:endParaRPr lang="en-US" sz="1000" dirty="0">
-                  <a:solidFill>
-                    <a:srgbClr val="011F5B"/>
-                  </a:solidFill>
-                  <a:latin typeface="Calibri" charset="0"/>
-                  <a:ea typeface="Calibri" charset="0"/>
-                  <a:cs typeface="Calibri" charset="0"/>
-                </a:endParaRPr>
-              </a:p>
-              <a:p>
-                <a:endParaRPr lang="en-US" sz="1000" dirty="0">
-                  <a:solidFill>
-                    <a:srgbClr val="011F5B"/>
-                  </a:solidFill>
-                  <a:latin typeface="Calibri" charset="0"/>
-                  <a:ea typeface="Calibri" charset="0"/>
-                  <a:cs typeface="Calibri" charset="0"/>
-                </a:endParaRPr>
-              </a:p>
-              <a:p>
-                <a:endParaRPr lang="en-US" sz="1000" dirty="0">
-                  <a:solidFill>
-                    <a:srgbClr val="011F5B"/>
-                  </a:solidFill>
-                  <a:latin typeface="Calibri" charset="0"/>
-                  <a:ea typeface="Calibri" charset="0"/>
-                  <a:cs typeface="Calibri" charset="0"/>
-                </a:endParaRPr>
-              </a:p>
-              <a:p>
-                <a:endParaRPr lang="en-US" sz="1000" dirty="0">
-                  <a:solidFill>
-                    <a:srgbClr val="011F5B"/>
-                  </a:solidFill>
-                  <a:latin typeface="Calibri" charset="0"/>
-                  <a:ea typeface="Calibri" charset="0"/>
-                  <a:cs typeface="Calibri" charset="0"/>
-                </a:endParaRPr>
-              </a:p>
-              <a:p>
-                <a:endParaRPr lang="en-US" sz="1000" dirty="0">
-                  <a:solidFill>
-                    <a:srgbClr val="011F5B"/>
-                  </a:solidFill>
-                  <a:latin typeface="Calibri" charset="0"/>
-                  <a:ea typeface="Calibri" charset="0"/>
-                  <a:cs typeface="Calibri" charset="0"/>
-                </a:endParaRPr>
-              </a:p>
-              <a:p>
-                <a:endParaRPr lang="en-US" sz="1000" dirty="0">
-                  <a:solidFill>
-                    <a:srgbClr val="011F5B"/>
-                  </a:solidFill>
-                  <a:latin typeface="Calibri" charset="0"/>
-                  <a:ea typeface="Calibri" charset="0"/>
-                  <a:cs typeface="Calibri" charset="0"/>
-                </a:endParaRPr>
-              </a:p>
-              <a:p>
-                <a:endParaRPr lang="en-US" sz="1000" dirty="0">
-                  <a:solidFill>
-                    <a:srgbClr val="011F5B"/>
-                  </a:solidFill>
-                  <a:latin typeface="Calibri" charset="0"/>
-                  <a:ea typeface="Calibri" charset="0"/>
-                  <a:cs typeface="Calibri" charset="0"/>
-                </a:endParaRPr>
               </a:p>
               <a:p>
                 <a:endParaRPr lang="en-US" sz="1000" dirty="0">
@@ -4575,7 +4465,7 @@
                     <a:ea typeface="Calibri" charset="0"/>
                     <a:cs typeface="Calibri" charset="0"/>
                   </a:rPr>
-                  <a:t>For spam classification a Naïve-Bayes filter was applied. A Naïve-Bayes classifier generates predictions according to:</a:t>
+                  <a:t>For spam classification a Naïve-Bayes filter was applied with TF-IDF tokenization. A Naïve-Bayes classifier generates predictions according to:</a:t>
                 </a:r>
               </a:p>
               <a:p>
@@ -4952,7 +4842,65 @@
                     <a:ea typeface="Calibri" charset="0"/>
                     <a:cs typeface="Calibri" charset="0"/>
                   </a:rPr>
-                  <a:t>We only used data from our Top30 sources as positive examples and spam as negative. We held out 20% of the group for testing and were able to achieve 99.5% training accuracy and 98.4% testing accuracy. </a:t>
+                  <a:t>We only used data from our Top30 sources as positive examples and spam as negative. Despite, training and testing accuracies of 99.5 and 98% respectively, the probability distribution showed that there was extreme overfitting due to similar tweets from the bots and that future data would be hard to filter.</a:t>
+                </a:r>
+              </a:p>
+              <a:p>
+                <a:endParaRPr lang="en-US" sz="1000" dirty="0">
+                  <a:solidFill>
+                    <a:srgbClr val="011F5B"/>
+                  </a:solidFill>
+                  <a:latin typeface="Calibri" charset="0"/>
+                  <a:ea typeface="Calibri" charset="0"/>
+                  <a:cs typeface="Calibri" charset="0"/>
+                </a:endParaRPr>
+              </a:p>
+              <a:p>
+                <a:r>
+                  <a:rPr lang="en-US" sz="1000" b="1" dirty="0">
+                    <a:solidFill>
+                      <a:srgbClr val="011F5B"/>
+                    </a:solidFill>
+                    <a:latin typeface="Calibri" charset="0"/>
+                    <a:ea typeface="Calibri" charset="0"/>
+                    <a:cs typeface="Calibri" charset="0"/>
+                  </a:rPr>
+                  <a:t>Measuring Trustworthiness:</a:t>
+                </a:r>
+              </a:p>
+              <a:p>
+                <a:r>
+                  <a:rPr lang="en-US" sz="1000" dirty="0">
+                    <a:solidFill>
+                      <a:srgbClr val="011F5B"/>
+                    </a:solidFill>
+                    <a:latin typeface="Calibri" charset="0"/>
+                    <a:ea typeface="Calibri" charset="0"/>
+                    <a:cs typeface="Calibri" charset="0"/>
+                  </a:rPr>
+                  <a:t>An expanded feature set was applied to measure trustworthiness. This feature set included the number of favorites, replies, mentions, hashtags, exclamations, questions, words, characters, and tokens as well as binary features representing the presence of media, replies, or </a:t>
+                </a:r>
+                <a:r>
+                  <a:rPr lang="en-US" sz="1000" dirty="0" err="1">
+                    <a:solidFill>
+                      <a:srgbClr val="011F5B"/>
+                    </a:solidFill>
+                    <a:latin typeface="Calibri" charset="0"/>
+                    <a:ea typeface="Calibri" charset="0"/>
+                    <a:cs typeface="Calibri" charset="0"/>
+                  </a:rPr>
+                  <a:t>urls</a:t>
+                </a:r>
+                <a:r>
+                  <a:rPr lang="en-US" sz="1000" dirty="0">
+                    <a:solidFill>
+                      <a:srgbClr val="011F5B"/>
+                    </a:solidFill>
+                    <a:latin typeface="Calibri" charset="0"/>
+                    <a:ea typeface="Calibri" charset="0"/>
+                    <a:cs typeface="Calibri" charset="0"/>
+                  </a:rPr>
+                  <a:t>.</a:t>
                 </a:r>
               </a:p>
               <a:p>
@@ -4975,19 +4923,41 @@
                     <a:ea typeface="Calibri" charset="0"/>
                     <a:cs typeface="Calibri" charset="0"/>
                   </a:rPr>
-                  <a:t>Once the model was trained, we applied it to the general set of 80k tweets and increased the threshold </a:t>
+                  <a:t>A </a:t>
+                </a:r>
+                <a:r>
+                  <a:rPr lang="en-US" sz="1000" dirty="0" err="1">
+                    <a:solidFill>
+                      <a:srgbClr val="011F5B"/>
+                    </a:solidFill>
+                    <a:latin typeface="Calibri" charset="0"/>
+                    <a:ea typeface="Calibri" charset="0"/>
+                    <a:cs typeface="Calibri" charset="0"/>
+                  </a:rPr>
+                  <a:t>Bernouli</a:t>
+                </a:r>
+                <a:r>
+                  <a:rPr lang="en-US" sz="1000" dirty="0">
+                    <a:solidFill>
+                      <a:srgbClr val="011F5B"/>
+                    </a:solidFill>
+                    <a:latin typeface="Calibri" charset="0"/>
+                    <a:ea typeface="Calibri" charset="0"/>
+                    <a:cs typeface="Calibri" charset="0"/>
+                  </a:rPr>
+                  <a:t> Naïve Bayes classifier was applied to the expanded set as well as a Random Forrest Classifier with maximum depth of 7. The expanded feature set showed significant improvement in the bimodality of the probability distribution as seen in the attached graphs.</a:t>
                 </a:r>
               </a:p>
             </p:txBody>
           </p:sp>
         </mc:Choice>
-        <mc:Fallback xmlns="">
+        <mc:Fallback>
           <p:sp>
             <p:nvSpPr>
               <p:cNvPr id="15" name="TextBox 14">
                 <a:extLst>
                   <a:ext uri="{FF2B5EF4-FFF2-40B4-BE49-F238E27FC236}">
-                    <a16:creationId xmlns="" xmlns:a16="http://schemas.microsoft.com/office/drawing/2014/main" xmlns:a14="http://schemas.microsoft.com/office/drawing/2010/main" id="{72250C3B-DB37-480D-BB9C-66854635BA3F}"/>
+                    <a16:creationId xmlns:a16="http://schemas.microsoft.com/office/drawing/2014/main" id="{72250C3B-DB37-480D-BB9C-66854635BA3F}"/>
                   </a:ext>
                 </a:extLst>
               </p:cNvPr>
@@ -4998,13 +4968,13 @@
             </p:nvSpPr>
             <p:spPr>
               <a:xfrm>
-                <a:off x="131031" y="9731859"/>
-                <a:ext cx="4357654" cy="6665671"/>
+                <a:off x="146192" y="8994055"/>
+                <a:ext cx="4357654" cy="6360203"/>
               </a:xfrm>
               <a:prstGeom prst="rect">
                 <a:avLst/>
               </a:prstGeom>
-              <a:blipFill rotWithShape="0">
+              <a:blipFill>
                 <a:blip r:embed="rId10"/>
                 <a:stretch>
                   <a:fillRect/>
@@ -5045,7 +5015,7 @@
         </p:nvSpPr>
         <p:spPr>
           <a:xfrm>
-            <a:off x="131031" y="9731857"/>
+            <a:off x="146192" y="8994053"/>
             <a:ext cx="4357654" cy="348878"/>
           </a:xfrm>
           <a:prstGeom prst="rect">
@@ -5352,7 +5322,7 @@
         <p:spPr>
           <a:xfrm>
             <a:off x="9203502" y="2512349"/>
-            <a:ext cx="4357654" cy="4071548"/>
+            <a:ext cx="4357654" cy="3096452"/>
           </a:xfrm>
           <a:prstGeom prst="rect">
             <a:avLst/>
@@ -5418,55 +5388,6 @@
               </a:rPr>
               <a:t>SVM and Logistic Regression performed the best, as they are both very similar linear classifiers and can be expected to behave similarly. The Naïve Bayes classifier did not perform as well as it relied more on the prior distribution of the y values than the features that differed between them, biasing its predictions. The four layer neural net faced a similar struggle in differentiating its outputs, but this was likely due to the low number of labeled examples, 281.</a:t>
             </a:r>
-          </a:p>
-          <a:p>
-            <a:endParaRPr lang="en-US" sz="1000" dirty="0">
-              <a:solidFill>
-                <a:srgbClr val="011F5B"/>
-              </a:solidFill>
-            </a:endParaRPr>
-          </a:p>
-          <a:p>
-            <a:endParaRPr lang="en-US" sz="1000" dirty="0">
-              <a:solidFill>
-                <a:srgbClr val="011F5B"/>
-              </a:solidFill>
-            </a:endParaRPr>
-          </a:p>
-          <a:p>
-            <a:endParaRPr lang="en-US" sz="1000" dirty="0">
-              <a:solidFill>
-                <a:srgbClr val="011F5B"/>
-              </a:solidFill>
-            </a:endParaRPr>
-          </a:p>
-          <a:p>
-            <a:endParaRPr lang="en-US" sz="1000" dirty="0">
-              <a:solidFill>
-                <a:srgbClr val="011F5B"/>
-              </a:solidFill>
-            </a:endParaRPr>
-          </a:p>
-          <a:p>
-            <a:endParaRPr lang="en-US" sz="1000" dirty="0">
-              <a:solidFill>
-                <a:srgbClr val="011F5B"/>
-              </a:solidFill>
-            </a:endParaRPr>
-          </a:p>
-          <a:p>
-            <a:endParaRPr lang="en-US" sz="1000" dirty="0">
-              <a:solidFill>
-                <a:srgbClr val="011F5B"/>
-              </a:solidFill>
-            </a:endParaRPr>
-          </a:p>
-          <a:p>
-            <a:endParaRPr lang="en-US" sz="1000" dirty="0">
-              <a:solidFill>
-                <a:srgbClr val="011F5B"/>
-              </a:solidFill>
-            </a:endParaRPr>
           </a:p>
         </p:txBody>
       </p:sp>
@@ -5518,8 +5439,8 @@
           </a:p>
         </p:txBody>
       </p:sp>
-      <mc:AlternateContent xmlns:mc="http://schemas.openxmlformats.org/markup-compatibility/2006" xmlns:a14="http://schemas.microsoft.com/office/drawing/2010/main">
-        <mc:Choice Requires="a14">
+      <mc:AlternateContent xmlns:mc="http://schemas.openxmlformats.org/markup-compatibility/2006">
+        <mc:Choice xmlns:a14="http://schemas.microsoft.com/office/drawing/2010/main" Requires="a14">
           <p:sp>
             <p:nvSpPr>
               <p:cNvPr id="22" name="TextBox 21">
@@ -5534,8 +5455,8 @@
             </p:nvSpPr>
             <p:spPr>
               <a:xfrm>
-                <a:off x="9203502" y="6924034"/>
-                <a:ext cx="4357654" cy="4862870"/>
+                <a:off x="9203502" y="5708284"/>
+                <a:ext cx="4357654" cy="4708981"/>
               </a:xfrm>
               <a:prstGeom prst="rect">
                 <a:avLst/>
@@ -5804,23 +5725,7 @@
                       <a:srgbClr val="011F5B"/>
                     </a:solidFill>
                   </a:rPr>
-                  <a:t>Another method to supplement the Spam filter is to evaluate the properties of each user that tweets come from. Studies have shown </a:t>
-                </a:r>
-                <a:r>
-                  <a:rPr lang="en-US" sz="1000" dirty="0">
-                    <a:solidFill>
-                      <a:srgbClr val="FF0000"/>
-                    </a:solidFill>
-                  </a:rPr>
-                  <a:t>(Cite) </a:t>
-                </a:r>
-                <a:r>
-                  <a:rPr lang="en-US" sz="1000" dirty="0">
-                    <a:solidFill>
-                      <a:srgbClr val="011F5B"/>
-                    </a:solidFill>
-                  </a:rPr>
-                  <a:t>that lexical diversity is a good indicator to distinguish bots from humans. This approach requires collecting all of the tweets for a given user and then associating a LD score with their </a:t>
+                  <a:t>Another method to supplement the Spam filter is to evaluate the properties of each user that tweets come from. Studies have shown that lexical diversity is a good indicator to distinguish bots from humans. This approach requires collecting all of the tweets for a given user and then associating a LD score with their </a:t>
                 </a:r>
                 <a:r>
                   <a:rPr lang="en-US" sz="1000" dirty="0" err="1">
@@ -5848,6 +5753,23 @@
               </a:p>
               <a:p>
                 <a:r>
+                  <a:rPr lang="en-US" sz="1000" dirty="0">
+                    <a:solidFill>
+                      <a:srgbClr val="011F5B"/>
+                    </a:solidFill>
+                  </a:rPr>
+                  <a:t>To improve accuracy, we hope to implement the Spam Classifier with the Expanded Feature set as discussed in Spam Filtering.</a:t>
+                </a:r>
+              </a:p>
+              <a:p>
+                <a:endParaRPr lang="en-US" sz="1000" dirty="0">
+                  <a:solidFill>
+                    <a:srgbClr val="011F5B"/>
+                  </a:solidFill>
+                </a:endParaRPr>
+              </a:p>
+              <a:p>
+                <a:r>
                   <a:rPr lang="en-US" sz="1000" b="1" dirty="0">
                     <a:solidFill>
                       <a:srgbClr val="011F5B"/>
@@ -5863,43 +5785,13 @@
               </a:p>
               <a:p>
                 <a:r>
-                  <a:rPr lang="en-US" sz="1000" dirty="0">
+                  <a:rPr lang="en-US" sz="1000">
                     <a:solidFill>
                       <a:srgbClr val="011F5B"/>
                     </a:solidFill>
                   </a:rPr>
                   <a:t>Finance dictionary</a:t>
                 </a:r>
-              </a:p>
-              <a:p>
-                <a:endParaRPr lang="en-US" sz="1000" dirty="0">
-                  <a:solidFill>
-                    <a:srgbClr val="011F5B"/>
-                  </a:solidFill>
-                </a:endParaRPr>
-              </a:p>
-              <a:p>
-                <a:endParaRPr lang="en-US" sz="1000" dirty="0">
-                  <a:solidFill>
-                    <a:srgbClr val="011F5B"/>
-                  </a:solidFill>
-                </a:endParaRPr>
-              </a:p>
-              <a:p>
-                <a:endParaRPr lang="en-US" sz="1000" dirty="0">
-                  <a:solidFill>
-                    <a:srgbClr val="011F5B"/>
-                  </a:solidFill>
-                </a:endParaRPr>
-              </a:p>
-              <a:p>
-                <a:endParaRPr lang="en-US" sz="1000" dirty="0">
-                  <a:solidFill>
-                    <a:srgbClr val="011F5B"/>
-                  </a:solidFill>
-                </a:endParaRPr>
-              </a:p>
-              <a:p>
                 <a:endParaRPr lang="en-US" sz="1000" dirty="0">
                   <a:solidFill>
                     <a:srgbClr val="011F5B"/>
@@ -5923,13 +5815,13 @@
             </p:txBody>
           </p:sp>
         </mc:Choice>
-        <mc:Fallback xmlns="">
+        <mc:Fallback>
           <p:sp>
             <p:nvSpPr>
               <p:cNvPr id="22" name="TextBox 21">
                 <a:extLst>
                   <a:ext uri="{FF2B5EF4-FFF2-40B4-BE49-F238E27FC236}">
-                    <a16:creationId xmlns:a16="http://schemas.microsoft.com/office/drawing/2014/main" xmlns="" xmlns:a14="http://schemas.microsoft.com/office/drawing/2010/main" id="{73D5816F-EF48-4F3C-8E5A-54FFD05B92D6}"/>
+                    <a16:creationId xmlns:a16="http://schemas.microsoft.com/office/drawing/2014/main" id="{73D5816F-EF48-4F3C-8E5A-54FFD05B92D6}"/>
                   </a:ext>
                 </a:extLst>
               </p:cNvPr>
@@ -5940,13 +5832,13 @@
             </p:nvSpPr>
             <p:spPr>
               <a:xfrm>
-                <a:off x="9203502" y="6924034"/>
-                <a:ext cx="4357654" cy="4862870"/>
+                <a:off x="9203502" y="5708284"/>
+                <a:ext cx="4357654" cy="4708981"/>
               </a:xfrm>
               <a:prstGeom prst="rect">
                 <a:avLst/>
               </a:prstGeom>
-              <a:blipFill rotWithShape="0">
+              <a:blipFill>
                 <a:blip r:embed="rId11"/>
                 <a:stretch>
                   <a:fillRect r="-139"/>
@@ -5987,7 +5879,7 @@
         </p:nvSpPr>
         <p:spPr>
           <a:xfrm>
-            <a:off x="9203502" y="6924033"/>
+            <a:off x="9203502" y="5708283"/>
             <a:ext cx="4357654" cy="348878"/>
           </a:xfrm>
           <a:prstGeom prst="rect">
@@ -6036,13 +5928,13 @@
           <p:nvPr>
             <p:extLst>
               <p:ext uri="{D42A27DB-BD31-4B8C-83A1-F6EECF244321}">
-                <p14:modId xmlns:p14="http://schemas.microsoft.com/office/powerpoint/2010/main" val="1562164899"/>
+                <p14:modId xmlns:p14="http://schemas.microsoft.com/office/powerpoint/2010/main" val="3206775983"/>
               </p:ext>
             </p:extLst>
           </p:nvPr>
         </p:nvGraphicFramePr>
         <p:xfrm>
-          <a:off x="197478" y="11948100"/>
+          <a:off x="212639" y="11067972"/>
           <a:ext cx="4224759" cy="1061730"/>
         </p:xfrm>
         <a:graphic>
@@ -6574,14 +6466,14 @@
           <p:nvPr>
             <p:extLst>
               <p:ext uri="{D42A27DB-BD31-4B8C-83A1-F6EECF244321}">
-                <p14:modId xmlns:p14="http://schemas.microsoft.com/office/powerpoint/2010/main" val="2070138231"/>
+                <p14:modId xmlns:p14="http://schemas.microsoft.com/office/powerpoint/2010/main" val="1385159611"/>
               </p:ext>
             </p:extLst>
           </p:nvPr>
         </p:nvGraphicFramePr>
         <p:xfrm>
-          <a:off x="4679172" y="15542445"/>
-          <a:ext cx="8881984" cy="2560320"/>
+          <a:off x="9203502" y="14047251"/>
+          <a:ext cx="4357654" cy="3840480"/>
         </p:xfrm>
         <a:graphic>
           <a:graphicData uri="http://schemas.openxmlformats.org/drawingml/2006/table">
@@ -6590,14 +6482,14 @@
                 <a:tableStyleId>{5C22544A-7EE6-4342-B048-85BDC9FD1C3A}</a:tableStyleId>
               </a:tblPr>
               <a:tblGrid>
-                <a:gridCol w="1372707">
+                <a:gridCol w="673474">
                   <a:extLst>
                     <a:ext uri="{9D8B030D-6E8A-4147-A177-3AD203B41FA5}">
                       <a16:colId xmlns:a16="http://schemas.microsoft.com/office/drawing/2014/main" val="1358636601"/>
                     </a:ext>
                   </a:extLst>
                 </a:gridCol>
-                <a:gridCol w="7509277">
+                <a:gridCol w="3684180">
                   <a:extLst>
                     <a:ext uri="{9D8B030D-6E8A-4147-A177-3AD203B41FA5}">
                       <a16:colId xmlns:a16="http://schemas.microsoft.com/office/drawing/2014/main" val="3610811052"/>
@@ -9148,6 +9040,150 @@
           </a:prstGeom>
         </p:spPr>
       </p:pic>
+      <p:pic>
+        <p:nvPicPr>
+          <p:cNvPr id="25" name="Picture 24" descr="A screenshot of a cell phone&#10;&#10;Description generated with very high confidence">
+            <a:extLst>
+              <a:ext uri="{FF2B5EF4-FFF2-40B4-BE49-F238E27FC236}">
+                <a16:creationId xmlns:a16="http://schemas.microsoft.com/office/drawing/2014/main" id="{2DC56460-762D-4145-8AF4-B031A0095FCD}"/>
+              </a:ext>
+            </a:extLst>
+          </p:cNvPr>
+          <p:cNvPicPr>
+            <a:picLocks noChangeAspect="1"/>
+          </p:cNvPicPr>
+          <p:nvPr/>
+        </p:nvPicPr>
+        <p:blipFill>
+          <a:blip r:embed="rId15">
+            <a:extLst>
+              <a:ext uri="{28A0092B-C50C-407E-A947-70E740481C1C}">
+                <a14:useLocalDpi xmlns:a14="http://schemas.microsoft.com/office/drawing/2010/main" val="0"/>
+              </a:ext>
+            </a:extLst>
+          </a:blip>
+          <a:stretch>
+            <a:fillRect/>
+          </a:stretch>
+        </p:blipFill>
+        <p:spPr>
+          <a:xfrm>
+            <a:off x="4690075" y="14062705"/>
+            <a:ext cx="4349717" cy="2899811"/>
+          </a:xfrm>
+          <a:prstGeom prst="rect">
+            <a:avLst/>
+          </a:prstGeom>
+        </p:spPr>
+      </p:pic>
+      <p:pic>
+        <p:nvPicPr>
+          <p:cNvPr id="30" name="Picture 29" descr="A close up of a map&#10;&#10;Description generated with high confidence">
+            <a:extLst>
+              <a:ext uri="{FF2B5EF4-FFF2-40B4-BE49-F238E27FC236}">
+                <a16:creationId xmlns:a16="http://schemas.microsoft.com/office/drawing/2014/main" id="{B6BDF4AB-75A0-4926-BAEB-313D3292830B}"/>
+              </a:ext>
+            </a:extLst>
+          </p:cNvPr>
+          <p:cNvPicPr>
+            <a:picLocks noChangeAspect="1"/>
+          </p:cNvPicPr>
+          <p:nvPr/>
+        </p:nvPicPr>
+        <p:blipFill>
+          <a:blip r:embed="rId16">
+            <a:extLst>
+              <a:ext uri="{28A0092B-C50C-407E-A947-70E740481C1C}">
+                <a14:useLocalDpi xmlns:a14="http://schemas.microsoft.com/office/drawing/2010/main" val="0"/>
+              </a:ext>
+            </a:extLst>
+          </a:blip>
+          <a:stretch>
+            <a:fillRect/>
+          </a:stretch>
+        </p:blipFill>
+        <p:spPr>
+          <a:xfrm>
+            <a:off x="-5752002" y="8365623"/>
+            <a:ext cx="4573042" cy="4573042"/>
+          </a:xfrm>
+          <a:prstGeom prst="rect">
+            <a:avLst/>
+          </a:prstGeom>
+        </p:spPr>
+      </p:pic>
+      <p:pic>
+        <p:nvPicPr>
+          <p:cNvPr id="32" name="Picture 31" descr="A close up of a map&#10;&#10;Description generated with very high confidence">
+            <a:extLst>
+              <a:ext uri="{FF2B5EF4-FFF2-40B4-BE49-F238E27FC236}">
+                <a16:creationId xmlns:a16="http://schemas.microsoft.com/office/drawing/2014/main" id="{2BA37F15-08B8-4412-BA63-6F77A48A6A45}"/>
+              </a:ext>
+            </a:extLst>
+          </p:cNvPr>
+          <p:cNvPicPr>
+            <a:picLocks noChangeAspect="1"/>
+          </p:cNvPicPr>
+          <p:nvPr/>
+        </p:nvPicPr>
+        <p:blipFill>
+          <a:blip r:embed="rId17">
+            <a:extLst>
+              <a:ext uri="{28A0092B-C50C-407E-A947-70E740481C1C}">
+                <a14:useLocalDpi xmlns:a14="http://schemas.microsoft.com/office/drawing/2010/main" val="0"/>
+              </a:ext>
+            </a:extLst>
+          </a:blip>
+          <a:stretch>
+            <a:fillRect/>
+          </a:stretch>
+        </p:blipFill>
+        <p:spPr>
+          <a:xfrm>
+            <a:off x="-5752002" y="13448299"/>
+            <a:ext cx="4573042" cy="4573042"/>
+          </a:xfrm>
+          <a:prstGeom prst="rect">
+            <a:avLst/>
+          </a:prstGeom>
+        </p:spPr>
+      </p:pic>
+      <p:pic>
+        <p:nvPicPr>
+          <p:cNvPr id="41" name="Picture 40" descr="Original Naive Bayes">
+            <a:extLst>
+              <a:ext uri="{FF2B5EF4-FFF2-40B4-BE49-F238E27FC236}">
+                <a16:creationId xmlns:a16="http://schemas.microsoft.com/office/drawing/2014/main" id="{05177ED2-3129-47A6-83AC-D27195FC7682}"/>
+              </a:ext>
+            </a:extLst>
+          </p:cNvPr>
+          <p:cNvPicPr>
+            <a:picLocks noChangeAspect="1"/>
+          </p:cNvPicPr>
+          <p:nvPr/>
+        </p:nvPicPr>
+        <p:blipFill>
+          <a:blip r:embed="rId18">
+            <a:extLst>
+              <a:ext uri="{28A0092B-C50C-407E-A947-70E740481C1C}">
+                <a14:useLocalDpi xmlns:a14="http://schemas.microsoft.com/office/drawing/2010/main" val="0"/>
+              </a:ext>
+            </a:extLst>
+          </a:blip>
+          <a:stretch>
+            <a:fillRect/>
+          </a:stretch>
+        </p:blipFill>
+        <p:spPr>
+          <a:xfrm>
+            <a:off x="4686366" y="10979873"/>
+            <a:ext cx="4357654" cy="2905103"/>
+          </a:xfrm>
+          <a:prstGeom prst="rect">
+            <a:avLst/>
+          </a:prstGeom>
+        </p:spPr>
+      </p:pic>
     </p:spTree>
     <p:extLst>
       <p:ext uri="{BB962C8B-B14F-4D97-AF65-F5344CB8AC3E}">

--- a/Poster.pptx
+++ b/Poster.pptx
@@ -197,7 +197,7 @@
           <a:p>
             <a:fld id="{40FFB66C-989F-9348-8E4D-5A4E8F248AB8}" type="datetimeFigureOut">
               <a:rPr lang="en-US" smtClean="0"/>
-              <a:t>5/4/2018</a:t>
+              <a:t>5/4/18</a:t>
             </a:fld>
             <a:endParaRPr lang="en-US"/>
           </a:p>
@@ -595,7 +595,7 @@
           <a:p>
             <a:fld id="{9D3AC320-B950-4C88-844B-3041557FCF54}" type="datetimeFigureOut">
               <a:rPr lang="en-US" smtClean="0"/>
-              <a:t>5/4/2018</a:t>
+              <a:t>5/4/18</a:t>
             </a:fld>
             <a:endParaRPr lang="en-US"/>
           </a:p>
@@ -765,7 +765,7 @@
           <a:p>
             <a:fld id="{9D3AC320-B950-4C88-844B-3041557FCF54}" type="datetimeFigureOut">
               <a:rPr lang="en-US" smtClean="0"/>
-              <a:t>5/4/2018</a:t>
+              <a:t>5/4/18</a:t>
             </a:fld>
             <a:endParaRPr lang="en-US"/>
           </a:p>
@@ -945,7 +945,7 @@
           <a:p>
             <a:fld id="{9D3AC320-B950-4C88-844B-3041557FCF54}" type="datetimeFigureOut">
               <a:rPr lang="en-US" smtClean="0"/>
-              <a:t>5/4/2018</a:t>
+              <a:t>5/4/18</a:t>
             </a:fld>
             <a:endParaRPr lang="en-US"/>
           </a:p>
@@ -1115,7 +1115,7 @@
           <a:p>
             <a:fld id="{9D3AC320-B950-4C88-844B-3041557FCF54}" type="datetimeFigureOut">
               <a:rPr lang="en-US" smtClean="0"/>
-              <a:t>5/4/2018</a:t>
+              <a:t>5/4/18</a:t>
             </a:fld>
             <a:endParaRPr lang="en-US"/>
           </a:p>
@@ -1359,7 +1359,7 @@
           <a:p>
             <a:fld id="{9D3AC320-B950-4C88-844B-3041557FCF54}" type="datetimeFigureOut">
               <a:rPr lang="en-US" smtClean="0"/>
-              <a:t>5/4/2018</a:t>
+              <a:t>5/4/18</a:t>
             </a:fld>
             <a:endParaRPr lang="en-US"/>
           </a:p>
@@ -1591,7 +1591,7 @@
           <a:p>
             <a:fld id="{9D3AC320-B950-4C88-844B-3041557FCF54}" type="datetimeFigureOut">
               <a:rPr lang="en-US" smtClean="0"/>
-              <a:t>5/4/2018</a:t>
+              <a:t>5/4/18</a:t>
             </a:fld>
             <a:endParaRPr lang="en-US"/>
           </a:p>
@@ -1958,7 +1958,7 @@
           <a:p>
             <a:fld id="{9D3AC320-B950-4C88-844B-3041557FCF54}" type="datetimeFigureOut">
               <a:rPr lang="en-US" smtClean="0"/>
-              <a:t>5/4/2018</a:t>
+              <a:t>5/4/18</a:t>
             </a:fld>
             <a:endParaRPr lang="en-US"/>
           </a:p>
@@ -2076,7 +2076,7 @@
           <a:p>
             <a:fld id="{9D3AC320-B950-4C88-844B-3041557FCF54}" type="datetimeFigureOut">
               <a:rPr lang="en-US" smtClean="0"/>
-              <a:t>5/4/2018</a:t>
+              <a:t>5/4/18</a:t>
             </a:fld>
             <a:endParaRPr lang="en-US"/>
           </a:p>
@@ -2171,7 +2171,7 @@
           <a:p>
             <a:fld id="{9D3AC320-B950-4C88-844B-3041557FCF54}" type="datetimeFigureOut">
               <a:rPr lang="en-US" smtClean="0"/>
-              <a:t>5/4/2018</a:t>
+              <a:t>5/4/18</a:t>
             </a:fld>
             <a:endParaRPr lang="en-US"/>
           </a:p>
@@ -2448,7 +2448,7 @@
           <a:p>
             <a:fld id="{9D3AC320-B950-4C88-844B-3041557FCF54}" type="datetimeFigureOut">
               <a:rPr lang="en-US" smtClean="0"/>
-              <a:t>5/4/2018</a:t>
+              <a:t>5/4/18</a:t>
             </a:fld>
             <a:endParaRPr lang="en-US"/>
           </a:p>
@@ -2705,7 +2705,7 @@
           <a:p>
             <a:fld id="{9D3AC320-B950-4C88-844B-3041557FCF54}" type="datetimeFigureOut">
               <a:rPr lang="en-US" smtClean="0"/>
-              <a:t>5/4/2018</a:t>
+              <a:t>5/4/18</a:t>
             </a:fld>
             <a:endParaRPr lang="en-US"/>
           </a:p>
@@ -2918,7 +2918,7 @@
           <a:p>
             <a:fld id="{9D3AC320-B950-4C88-844B-3041557FCF54}" type="datetimeFigureOut">
               <a:rPr lang="en-US" smtClean="0"/>
-              <a:t>5/4/2018</a:t>
+              <a:t>5/4/18</a:t>
             </a:fld>
             <a:endParaRPr lang="en-US"/>
           </a:p>
@@ -3367,8 +3367,8 @@
         </p:nvGrpSpPr>
         <p:grpSpPr>
           <a:xfrm>
-            <a:off x="9483634" y="12013212"/>
-            <a:ext cx="3697772" cy="3255312"/>
+            <a:off x="9864241" y="10676565"/>
+            <a:ext cx="3373184" cy="2969563"/>
             <a:chOff x="4668387" y="11519864"/>
             <a:chExt cx="4366720" cy="3844216"/>
           </a:xfrm>
@@ -3495,7 +3495,7 @@
           <p:cNvPr id="2" name="Title 1">
             <a:extLst>
               <a:ext uri="{FF2B5EF4-FFF2-40B4-BE49-F238E27FC236}">
-                <a16:creationId xmlns:a16="http://schemas.microsoft.com/office/drawing/2014/main" id="{A14FAE80-3C54-468F-997F-C6E1D174050F}"/>
+                <a16:creationId xmlns:a16="http://schemas.microsoft.com/office/drawing/2014/main" xmlns="" id="{A14FAE80-3C54-468F-997F-C6E1D174050F}"/>
               </a:ext>
             </a:extLst>
           </p:cNvPr>
@@ -3532,6 +3532,12 @@
               </a:rPr>
               <a:t>Using Twitter Sentiment Classification to Predict Hourly Changes in XRP Price</a:t>
             </a:r>
+            <a:r>
+              <a:rPr lang="en-US" sz="4167" dirty="0">
+                <a:latin typeface="Garamond" panose="02020404030301010803" pitchFamily="18" charset="0"/>
+              </a:rPr>
+              <a:t/>
+            </a:r>
             <a:br>
               <a:rPr lang="en-US" sz="4167" dirty="0">
                 <a:latin typeface="Garamond" panose="02020404030301010803" pitchFamily="18" charset="0"/>
@@ -3541,19 +3547,7 @@
               <a:rPr lang="en-US" sz="2000" dirty="0">
                 <a:latin typeface="Garamond" panose="02020404030301010803" pitchFamily="18" charset="0"/>
               </a:rPr>
-              <a:t>Braden </a:t>
-            </a:r>
-            <a:r>
-              <a:rPr lang="en-US" sz="2000" dirty="0" err="1">
-                <a:latin typeface="Garamond" panose="02020404030301010803" pitchFamily="18" charset="0"/>
-              </a:rPr>
-              <a:t>Fineberg</a:t>
-            </a:r>
-            <a:r>
-              <a:rPr lang="en-US" sz="2000" dirty="0">
-                <a:latin typeface="Garamond" panose="02020404030301010803" pitchFamily="18" charset="0"/>
-              </a:rPr>
-              <a:t> (</a:t>
+              <a:t>Braden Fineberg (</a:t>
             </a:r>
             <a:r>
               <a:rPr lang="en-US" sz="2000" dirty="0">
@@ -3563,10 +3557,16 @@
               <a:t>bfine@seas.upenn.edu</a:t>
             </a:r>
             <a:r>
+              <a:rPr lang="en-US" sz="2000" smtClean="0">
+                <a:latin typeface="Garamond" panose="02020404030301010803" pitchFamily="18" charset="0"/>
+              </a:rPr>
+              <a:t>), </a:t>
+            </a:r>
+            <a:r>
               <a:rPr lang="en-US" sz="2000" dirty="0">
                 <a:latin typeface="Garamond" panose="02020404030301010803" pitchFamily="18" charset="0"/>
               </a:rPr>
-              <a:t>) , Matt Oslin (</a:t>
+              <a:t>Matt Oslin (</a:t>
             </a:r>
             <a:r>
               <a:rPr lang="en-US" sz="2000" dirty="0">
@@ -3576,10 +3576,27 @@
               <a:t>moslin@seas.upenn.edu</a:t>
             </a:r>
             <a:r>
+              <a:rPr lang="en-US" sz="2000" dirty="0" smtClean="0">
+                <a:latin typeface="Garamond" panose="02020404030301010803" pitchFamily="18" charset="0"/>
+              </a:rPr>
+              <a:t>) </a:t>
+            </a:r>
+            <a:br>
+              <a:rPr lang="en-US" sz="2000" dirty="0" smtClean="0">
+                <a:latin typeface="Garamond" panose="02020404030301010803" pitchFamily="18" charset="0"/>
+              </a:rPr>
+            </a:br>
+            <a:r>
+              <a:rPr lang="en-US" sz="2000" dirty="0" smtClean="0">
+                <a:latin typeface="Garamond" panose="02020404030301010803" pitchFamily="18" charset="0"/>
+              </a:rPr>
+              <a:t>Sam </a:t>
+            </a:r>
+            <a:r>
               <a:rPr lang="en-US" sz="2000" dirty="0">
                 <a:latin typeface="Garamond" panose="02020404030301010803" pitchFamily="18" charset="0"/>
               </a:rPr>
-              <a:t>) , Sam Weintraub (</a:t>
+              <a:t>Weintraub (</a:t>
             </a:r>
             <a:r>
               <a:rPr lang="en-US" sz="2000" dirty="0">
@@ -3610,7 +3627,7 @@
           <p:cNvPr id="6" name="Picture 5">
             <a:extLst>
               <a:ext uri="{FF2B5EF4-FFF2-40B4-BE49-F238E27FC236}">
-                <a16:creationId xmlns:a16="http://schemas.microsoft.com/office/drawing/2014/main" id="{D7B121C7-A408-4DCD-8061-5C978599BC20}"/>
+                <a16:creationId xmlns:a16="http://schemas.microsoft.com/office/drawing/2014/main" xmlns="" id="{D7B121C7-A408-4DCD-8061-5C978599BC20}"/>
               </a:ext>
             </a:extLst>
           </p:cNvPr>
@@ -3646,7 +3663,7 @@
           <p:cNvPr id="7" name="Picture 6">
             <a:extLst>
               <a:ext uri="{FF2B5EF4-FFF2-40B4-BE49-F238E27FC236}">
-                <a16:creationId xmlns:a16="http://schemas.microsoft.com/office/drawing/2014/main" id="{7D221A5E-A9DE-4268-BCD0-6E8CAA09079D}"/>
+                <a16:creationId xmlns:a16="http://schemas.microsoft.com/office/drawing/2014/main" xmlns="" id="{7D221A5E-A9DE-4268-BCD0-6E8CAA09079D}"/>
               </a:ext>
             </a:extLst>
           </p:cNvPr>
@@ -3682,7 +3699,7 @@
           <p:cNvPr id="10" name="TextBox 9">
             <a:extLst>
               <a:ext uri="{FF2B5EF4-FFF2-40B4-BE49-F238E27FC236}">
-                <a16:creationId xmlns:a16="http://schemas.microsoft.com/office/drawing/2014/main" id="{A0CDFDE6-452A-4FD0-8498-BE0CEC8B6ACC}"/>
+                <a16:creationId xmlns:a16="http://schemas.microsoft.com/office/drawing/2014/main" xmlns="" id="{A0CDFDE6-452A-4FD0-8498-BE0CEC8B6ACC}"/>
               </a:ext>
             </a:extLst>
           </p:cNvPr>
@@ -3692,7 +3709,7 @@
         <p:spPr>
           <a:xfrm>
             <a:off x="131031" y="2512349"/>
-            <a:ext cx="4357654" cy="3096452"/>
+            <a:ext cx="4357654" cy="2230339"/>
           </a:xfrm>
           <a:prstGeom prst="rect">
             <a:avLst/>
@@ -3739,8 +3756,45 @@
                   <a:srgbClr val="011F5B"/>
                 </a:solidFill>
               </a:rPr>
-              <a:t>This project uses machine learning to predict the change in the crypto currency Ripple based on Twitter data. Crypto currencies are highly speculative, and hence depend strongly on market sentiment. One way to capture market sentiment is by observing individual Tweets relating to the currency and combining all related Tweets to predict the future price. Data is collected and processed, and Tweet trustworthiness is evaluated to remove spam. Each good Tweet is classified based on its sentiment using a learned sentiment classifier. A count bag of words feature space is generated for each hour and classifiers are tuned to learn price change from the given features.</a:t>
-            </a:r>
+              <a:t>This project uses machine learning to predict the change in the crypto currency </a:t>
+            </a:r>
+            <a:r>
+              <a:rPr lang="en-US" sz="1000" dirty="0" smtClean="0">
+                <a:solidFill>
+                  <a:srgbClr val="011F5B"/>
+                </a:solidFill>
+              </a:rPr>
+              <a:t>Ripple (XRP) </a:t>
+            </a:r>
+            <a:r>
+              <a:rPr lang="en-US" sz="1000" dirty="0">
+                <a:solidFill>
+                  <a:srgbClr val="011F5B"/>
+                </a:solidFill>
+              </a:rPr>
+              <a:t>based on Twitter data. Crypto currencies are highly speculative, and hence depend strongly on market sentiment. One way to capture market sentiment is by observing individual Tweets relating to the currency and combining all related Tweets to predict the future price. Data is collected and processed, and Tweet trustworthiness is evaluated to remove spam. Each good Tweet is classified based on its sentiment using a learned sentiment classifier. A count bag of words feature space is generated for each hour and classifiers are tuned to learn price change from the given features</a:t>
+            </a:r>
+            <a:r>
+              <a:rPr lang="en-US" sz="1000" dirty="0" smtClean="0">
+                <a:solidFill>
+                  <a:srgbClr val="011F5B"/>
+                </a:solidFill>
+              </a:rPr>
+              <a:t>. In addition, other features such as exclamation points, ellipses</a:t>
+            </a:r>
+            <a:r>
+              <a:rPr lang="en-US" sz="1000" dirty="0" smtClean="0">
+                <a:solidFill>
+                  <a:srgbClr val="011F5B"/>
+                </a:solidFill>
+              </a:rPr>
+              <a:t>, and capitalization were used to determine sentiment. </a:t>
+            </a:r>
+            <a:endParaRPr lang="en-US" sz="1000" dirty="0">
+              <a:solidFill>
+                <a:srgbClr val="011F5B"/>
+              </a:solidFill>
+            </a:endParaRPr>
           </a:p>
         </p:txBody>
       </p:sp>
@@ -3749,7 +3803,7 @@
           <p:cNvPr id="11" name="TextBox 10">
             <a:extLst>
               <a:ext uri="{FF2B5EF4-FFF2-40B4-BE49-F238E27FC236}">
-                <a16:creationId xmlns:a16="http://schemas.microsoft.com/office/drawing/2014/main" id="{0B657177-A18C-4721-9FEF-D80F98046F6C}"/>
+                <a16:creationId xmlns:a16="http://schemas.microsoft.com/office/drawing/2014/main" xmlns="" id="{0B657177-A18C-4721-9FEF-D80F98046F6C}"/>
               </a:ext>
             </a:extLst>
           </p:cNvPr>
@@ -3792,271 +3846,260 @@
           </a:p>
         </p:txBody>
       </p:sp>
-      <p:sp>
-        <p:nvSpPr>
-          <p:cNvPr id="13" name="TextBox 12">
-            <a:extLst>
-              <a:ext uri="{FF2B5EF4-FFF2-40B4-BE49-F238E27FC236}">
-                <a16:creationId xmlns:a16="http://schemas.microsoft.com/office/drawing/2014/main" id="{350B0135-6184-4979-BB40-37C979E657FF}"/>
-              </a:ext>
-            </a:extLst>
-          </p:cNvPr>
-          <p:cNvSpPr txBox="1"/>
+      <p:grpSp>
+        <p:nvGrpSpPr>
+          <p:cNvPr id="9" name="Group 8"/>
+          <p:cNvGrpSpPr/>
           <p:nvPr/>
-        </p:nvSpPr>
-        <p:spPr>
+        </p:nvGrpSpPr>
+        <p:grpSpPr>
           <a:xfrm>
-            <a:off x="131031" y="6008145"/>
-            <a:ext cx="4357654" cy="3170099"/>
+            <a:off x="142938" y="4917539"/>
+            <a:ext cx="4357654" cy="3170100"/>
+            <a:chOff x="131031" y="5630192"/>
+            <a:chExt cx="4357654" cy="3170100"/>
           </a:xfrm>
-          <a:prstGeom prst="rect">
-            <a:avLst/>
-          </a:prstGeom>
-          <a:solidFill>
-            <a:schemeClr val="bg1"/>
-          </a:solidFill>
-          <a:ln>
+        </p:grpSpPr>
+        <mc:AlternateContent xmlns:mc="http://schemas.openxmlformats.org/markup-compatibility/2006">
+          <mc:Choice xmlns:a14="http://schemas.microsoft.com/office/drawing/2010/main" Requires="a14">
+            <p:sp>
+              <p:nvSpPr>
+                <p:cNvPr id="13" name="TextBox 12">
+                  <a:extLst>
+                    <a:ext uri="{FF2B5EF4-FFF2-40B4-BE49-F238E27FC236}">
+                      <a16:creationId xmlns:a16="http://schemas.microsoft.com/office/drawing/2014/main" xmlns="" id="{350B0135-6184-4979-BB40-37C979E657FF}"/>
+                    </a:ext>
+                  </a:extLst>
+                </p:cNvPr>
+                <p:cNvSpPr txBox="1"/>
+                <p:nvPr/>
+              </p:nvSpPr>
+              <p:spPr>
+                <a:xfrm>
+                  <a:off x="131031" y="5630193"/>
+                  <a:ext cx="4357654" cy="3170099"/>
+                </a:xfrm>
+                <a:prstGeom prst="rect">
+                  <a:avLst/>
+                </a:prstGeom>
+                <a:solidFill>
+                  <a:schemeClr val="bg1"/>
+                </a:solidFill>
+                <a:ln>
+                  <a:solidFill>
+                    <a:srgbClr val="011F5B"/>
+                  </a:solidFill>
+                </a:ln>
+              </p:spPr>
+              <p:txBody>
+                <a:bodyPr wrap="square" rtlCol="0">
+                  <a:spAutoFit/>
+                </a:bodyPr>
+                <a:lstStyle/>
+                <a:p>
+                  <a:endParaRPr lang="en-US" sz="1500" dirty="0" smtClean="0">
+                    <a:solidFill>
+                      <a:srgbClr val="011F5B"/>
+                    </a:solidFill>
+                  </a:endParaRPr>
+                </a:p>
+                <a:p>
+                  <a:endParaRPr lang="en-US" sz="1500" dirty="0">
+                    <a:solidFill>
+                      <a:srgbClr val="011F5B"/>
+                    </a:solidFill>
+                  </a:endParaRPr>
+                </a:p>
+                <a:p>
+                  <a:r>
+                    <a:rPr lang="en-US" sz="1000" dirty="0" smtClean="0">
+                      <a:solidFill>
+                        <a:srgbClr val="011F5B"/>
+                      </a:solidFill>
+                    </a:rPr>
+                    <a:t>To collect the tweets, we deployed a scrappy scraper on a </a:t>
+                  </a:r>
+                  <a:r>
+                    <a:rPr lang="en-US" sz="1000" dirty="0">
+                      <a:solidFill>
+                        <a:srgbClr val="011F5B"/>
+                      </a:solidFill>
+                    </a:rPr>
+                    <a:t>T</a:t>
+                  </a:r>
+                  <a:r>
+                    <a:rPr lang="en-US" sz="1000" dirty="0" smtClean="0">
+                      <a:solidFill>
+                        <a:srgbClr val="011F5B"/>
+                      </a:solidFill>
+                    </a:rPr>
+                    <a:t>witter search. Initially, our goal was to determine the difference between quality and poor data so we looked at the top 30 crypto currency accounts and then a series of crypto bots. Each set of data was used to construct a search that allowed us to target very specific tweets within a 12 day window from April 13-Arpil 15. After constructing our search to include the terms ‘XRP or Ripple,’ but excluding some terms like “ICO, airdrop, and token sale,” we collected just over 87k tweets from the 12 days.</a:t>
+                  </a:r>
+                </a:p>
+                <a:p>
+                  <a:r>
+                    <a:rPr lang="en-US" sz="1000" dirty="0" smtClean="0">
+                      <a:solidFill>
+                        <a:srgbClr val="011F5B"/>
+                      </a:solidFill>
+                    </a:rPr>
+                    <a:t>While we had a large sample size, the variability within the quality in the tweets was very high. We used a series of tokenizers, stemmers, and transformations to turn text in to features that our models could process. In addition, we normalized the times by shifting all tweets to the next closest hour. </a:t>
+                  </a:r>
+                </a:p>
+                <a:p>
+                  <a:r>
+                    <a:rPr lang="en-US" sz="1000" dirty="0" smtClean="0">
+                      <a:solidFill>
+                        <a:srgbClr val="011F5B"/>
+                      </a:solidFill>
+                    </a:rPr>
+                    <a:t>We then paired this tweet data with XRP pricing. Finally, we classified each of our 287 hourly epochs into one of 3 block: “positive”, “neutral”, or ”negative” depending on the change in price. Tweets with a greater change that </a:t>
+                  </a:r>
+                  <a14:m>
+                    <m:oMath xmlns:m="http://schemas.openxmlformats.org/officeDocument/2006/math">
+                      <m:r>
+                        <a:rPr lang="en-US" sz="1000" i="1" smtClean="0">
+                          <a:solidFill>
+                            <a:srgbClr val="011F5B"/>
+                          </a:solidFill>
+                          <a:latin typeface="Cambria Math" charset="0"/>
+                          <a:ea typeface="Cambria Math" charset="0"/>
+                          <a:cs typeface="Cambria Math" charset="0"/>
+                        </a:rPr>
+                        <m:t>±</m:t>
+                      </m:r>
+                      <m:r>
+                        <a:rPr lang="en-US" sz="1000" b="0" i="1" smtClean="0">
+                          <a:solidFill>
+                            <a:srgbClr val="011F5B"/>
+                          </a:solidFill>
+                          <a:latin typeface="Cambria Math" charset="0"/>
+                          <a:ea typeface="Cambria Math" charset="0"/>
+                          <a:cs typeface="Cambria Math" charset="0"/>
+                        </a:rPr>
+                        <m:t>0.05%</m:t>
+                      </m:r>
+                    </m:oMath>
+                  </a14:m>
+                  <a:r>
+                    <a:rPr lang="en-US" sz="1000" dirty="0" smtClean="0">
+                      <a:solidFill>
+                        <a:srgbClr val="011F5B"/>
+                      </a:solidFill>
+                    </a:rPr>
+                    <a:t> were classified as “positive” or “negative” while anything in between was “neutral.”</a:t>
+                  </a:r>
+                </a:p>
+              </p:txBody>
+            </p:sp>
+          </mc:Choice>
+          <mc:Fallback>
+            <p:sp>
+              <p:nvSpPr>
+                <p:cNvPr id="13" name="TextBox 12">
+                  <a:extLst>
+                    <a:ext uri="{FF2B5EF4-FFF2-40B4-BE49-F238E27FC236}">
+                      <a16:creationId xmlns:a16="http://schemas.microsoft.com/office/drawing/2014/main" xmlns="" id="{350B0135-6184-4979-BB40-37C979E657FF}"/>
+                    </a:ext>
+                  </a:extLst>
+                </p:cNvPr>
+                <p:cNvSpPr txBox="1">
+                  <a:spLocks noRot="1" noChangeAspect="1" noMove="1" noResize="1" noEditPoints="1" noAdjustHandles="1" noChangeArrowheads="1" noChangeShapeType="1" noTextEdit="1"/>
+                </p:cNvSpPr>
+                <p:nvPr/>
+              </p:nvSpPr>
+              <p:spPr>
+                <a:xfrm>
+                  <a:off x="131031" y="5630193"/>
+                  <a:ext cx="4357654" cy="3170099"/>
+                </a:xfrm>
+                <a:prstGeom prst="rect">
+                  <a:avLst/>
+                </a:prstGeom>
+                <a:blipFill rotWithShape="0">
+                  <a:blip r:embed="rId10"/>
+                  <a:stretch>
+                    <a:fillRect r="-139"/>
+                  </a:stretch>
+                </a:blipFill>
+                <a:ln>
+                  <a:solidFill>
+                    <a:srgbClr val="011F5B"/>
+                  </a:solidFill>
+                </a:ln>
+              </p:spPr>
+              <p:txBody>
+                <a:bodyPr/>
+                <a:lstStyle/>
+                <a:p>
+                  <a:r>
+                    <a:rPr lang="en-US">
+                      <a:noFill/>
+                    </a:rPr>
+                    <a:t> </a:t>
+                  </a:r>
+                </a:p>
+              </p:txBody>
+            </p:sp>
+          </mc:Fallback>
+        </mc:AlternateContent>
+        <p:sp>
+          <p:nvSpPr>
+            <p:cNvPr id="14" name="TextBox 13">
+              <a:extLst>
+                <a:ext uri="{FF2B5EF4-FFF2-40B4-BE49-F238E27FC236}">
+                  <a16:creationId xmlns:a16="http://schemas.microsoft.com/office/drawing/2014/main" xmlns="" id="{8A29E2F6-DCC5-419F-8203-4FD2EDF588FE}"/>
+                </a:ext>
+              </a:extLst>
+            </p:cNvPr>
+            <p:cNvSpPr txBox="1"/>
+            <p:nvPr/>
+          </p:nvSpPr>
+          <p:spPr>
+            <a:xfrm>
+              <a:off x="131031" y="5630192"/>
+              <a:ext cx="4357654" cy="348878"/>
+            </a:xfrm>
+            <a:prstGeom prst="rect">
+              <a:avLst/>
+            </a:prstGeom>
             <a:solidFill>
               <a:srgbClr val="011F5B"/>
             </a:solidFill>
-          </a:ln>
-        </p:spPr>
-        <p:txBody>
-          <a:bodyPr wrap="square" rtlCol="0">
-            <a:spAutoFit/>
-          </a:bodyPr>
-          <a:lstStyle/>
-          <a:p>
-            <a:endParaRPr lang="en-US" sz="1500" dirty="0">
+            <a:ln>
               <a:solidFill>
                 <a:srgbClr val="011F5B"/>
               </a:solidFill>
-            </a:endParaRPr>
-          </a:p>
-          <a:p>
-            <a:endParaRPr lang="en-US" sz="1500" dirty="0">
-              <a:solidFill>
-                <a:srgbClr val="011F5B"/>
-              </a:solidFill>
-            </a:endParaRPr>
-          </a:p>
-          <a:p>
-            <a:r>
-              <a:rPr lang="en-US" sz="1000" dirty="0">
-                <a:solidFill>
-                  <a:srgbClr val="011F5B"/>
-                </a:solidFill>
-              </a:rPr>
-              <a:t>Tweets:</a:t>
-            </a:r>
-          </a:p>
-          <a:p>
-            <a:r>
-              <a:rPr lang="en-US" sz="1000" dirty="0">
-                <a:solidFill>
-                  <a:srgbClr val="011F5B"/>
-                </a:solidFill>
-              </a:rPr>
-              <a:t>Web-scraper on ‘Top 30 Crypto Accounts to Follow’ </a:t>
-            </a:r>
-            <a:r>
-              <a:rPr lang="en-US" sz="1000" dirty="0">
-                <a:solidFill>
-                  <a:srgbClr val="011F5B"/>
-                </a:solidFill>
-                <a:sym typeface="Wingdings" panose="05000000000000000000" pitchFamily="2" charset="2"/>
-              </a:rPr>
-              <a:t> Good data (17000 tweets)</a:t>
-            </a:r>
-            <a:endParaRPr lang="en-US" sz="1000" dirty="0">
-              <a:solidFill>
-                <a:srgbClr val="011F5B"/>
-              </a:solidFill>
-            </a:endParaRPr>
-          </a:p>
-          <a:p>
-            <a:r>
-              <a:rPr lang="en-US" sz="1000" dirty="0">
-                <a:solidFill>
-                  <a:srgbClr val="011F5B"/>
-                </a:solidFill>
-              </a:rPr>
-              <a:t>Web-scraper on words containing ‘XRP or Ripple’ from April 13 to April 25 </a:t>
-            </a:r>
-            <a:r>
-              <a:rPr lang="en-US" sz="1000" dirty="0">
-                <a:solidFill>
-                  <a:srgbClr val="011F5B"/>
-                </a:solidFill>
-                <a:sym typeface="Wingdings" panose="05000000000000000000" pitchFamily="2" charset="2"/>
-              </a:rPr>
-              <a:t> 80k tweets</a:t>
-            </a:r>
-            <a:endParaRPr lang="en-US" sz="1000" dirty="0">
-              <a:solidFill>
-                <a:srgbClr val="011F5B"/>
-              </a:solidFill>
-            </a:endParaRPr>
-          </a:p>
-          <a:p>
-            <a:r>
-              <a:rPr lang="en-US" sz="1000" dirty="0">
-                <a:solidFill>
-                  <a:srgbClr val="FF0000"/>
-                </a:solidFill>
-              </a:rPr>
-              <a:t>Include samples</a:t>
-            </a:r>
-          </a:p>
-          <a:p>
-            <a:endParaRPr lang="en-US" sz="1000" dirty="0">
-              <a:solidFill>
-                <a:srgbClr val="011F5B"/>
-              </a:solidFill>
-            </a:endParaRPr>
-          </a:p>
-          <a:p>
-            <a:endParaRPr lang="en-US" sz="1000" dirty="0">
-              <a:solidFill>
-                <a:srgbClr val="011F5B"/>
-              </a:solidFill>
-            </a:endParaRPr>
-          </a:p>
-          <a:p>
-            <a:r>
-              <a:rPr lang="en-US" sz="1000" dirty="0">
-                <a:solidFill>
-                  <a:srgbClr val="011F5B"/>
-                </a:solidFill>
-              </a:rPr>
-              <a:t>Web-scraper returned the following string which was split into a pandas data frame using Regex patterns.</a:t>
-            </a:r>
-          </a:p>
-          <a:p>
-            <a:endParaRPr lang="en-US" sz="1000" dirty="0">
-              <a:solidFill>
-                <a:srgbClr val="011F5B"/>
-              </a:solidFill>
-            </a:endParaRPr>
-          </a:p>
-          <a:p>
-            <a:r>
-              <a:rPr lang="en-US" sz="1000" dirty="0">
-                <a:solidFill>
-                  <a:srgbClr val="011F5B"/>
-                </a:solidFill>
-              </a:rPr>
-              <a:t>XRP Price Data:</a:t>
-            </a:r>
-          </a:p>
-          <a:p>
-            <a:r>
-              <a:rPr lang="en-US" sz="1000" dirty="0">
-                <a:solidFill>
-                  <a:srgbClr val="011F5B"/>
-                </a:solidFill>
-              </a:rPr>
-              <a:t>XRP </a:t>
-            </a:r>
-            <a:r>
-              <a:rPr lang="en-US" sz="1000" dirty="0" err="1">
-                <a:solidFill>
-                  <a:srgbClr val="011F5B"/>
-                </a:solidFill>
-              </a:rPr>
-              <a:t>api</a:t>
-            </a:r>
-            <a:r>
-              <a:rPr lang="en-US" sz="1000" dirty="0">
-                <a:solidFill>
-                  <a:srgbClr val="011F5B"/>
-                </a:solidFill>
-              </a:rPr>
-              <a:t> queried hourly..</a:t>
-            </a:r>
-          </a:p>
-          <a:p>
-            <a:endParaRPr lang="en-US" sz="1000" dirty="0">
-              <a:solidFill>
-                <a:srgbClr val="011F5B"/>
-              </a:solidFill>
-            </a:endParaRPr>
-          </a:p>
-          <a:p>
-            <a:endParaRPr lang="en-US" sz="1000" dirty="0">
-              <a:solidFill>
-                <a:srgbClr val="011F5B"/>
-              </a:solidFill>
-            </a:endParaRPr>
-          </a:p>
-          <a:p>
-            <a:r>
-              <a:rPr lang="en-US" sz="1000" dirty="0">
-                <a:solidFill>
-                  <a:srgbClr val="011F5B"/>
-                </a:solidFill>
-              </a:rPr>
-              <a:t>Each hour window was classified as the price increasing, decreasing, or remaining neutral based on a threshold of 0.5%.</a:t>
-            </a:r>
-          </a:p>
-        </p:txBody>
-      </p:sp>
-      <p:sp>
-        <p:nvSpPr>
-          <p:cNvPr id="14" name="TextBox 13">
-            <a:extLst>
-              <a:ext uri="{FF2B5EF4-FFF2-40B4-BE49-F238E27FC236}">
-                <a16:creationId xmlns:a16="http://schemas.microsoft.com/office/drawing/2014/main" id="{8A29E2F6-DCC5-419F-8203-4FD2EDF588FE}"/>
-              </a:ext>
-            </a:extLst>
-          </p:cNvPr>
-          <p:cNvSpPr txBox="1"/>
-          <p:nvPr/>
-        </p:nvSpPr>
-        <p:spPr>
-          <a:xfrm>
-            <a:off x="131031" y="6008144"/>
-            <a:ext cx="4357654" cy="348878"/>
-          </a:xfrm>
-          <a:prstGeom prst="rect">
-            <a:avLst/>
-          </a:prstGeom>
-          <a:solidFill>
-            <a:srgbClr val="011F5B"/>
-          </a:solidFill>
-          <a:ln>
-            <a:solidFill>
-              <a:srgbClr val="011F5B"/>
-            </a:solidFill>
-          </a:ln>
-        </p:spPr>
-        <p:txBody>
-          <a:bodyPr wrap="square" rtlCol="0">
-            <a:spAutoFit/>
-          </a:bodyPr>
-          <a:lstStyle/>
-          <a:p>
-            <a:pPr algn="ctr"/>
-            <a:r>
-              <a:rPr lang="en-US" sz="1667" b="1" dirty="0">
-                <a:solidFill>
-                  <a:schemeClr val="bg1"/>
-                </a:solidFill>
-                <a:latin typeface="Garamond" panose="02020404030301010803" pitchFamily="18" charset="0"/>
-              </a:rPr>
-              <a:t>Data Collection &amp; Pre-processing</a:t>
-            </a:r>
-          </a:p>
-        </p:txBody>
-      </p:sp>
-      <mc:AlternateContent xmlns:mc="http://schemas.openxmlformats.org/markup-compatibility/2006" xmlns:a14="http://schemas.microsoft.com/office/drawing/2010/main">
-        <mc:Choice Requires="a14">
+            </a:ln>
+          </p:spPr>
+          <p:txBody>
+            <a:bodyPr wrap="square" rtlCol="0">
+              <a:spAutoFit/>
+            </a:bodyPr>
+            <a:lstStyle/>
+            <a:p>
+              <a:pPr algn="ctr"/>
+              <a:r>
+                <a:rPr lang="en-US" sz="1667" b="1" dirty="0">
+                  <a:solidFill>
+                    <a:schemeClr val="bg1"/>
+                  </a:solidFill>
+                  <a:latin typeface="Garamond" panose="02020404030301010803" pitchFamily="18" charset="0"/>
+                </a:rPr>
+                <a:t>Data Collection &amp; Pre-processing</a:t>
+              </a:r>
+            </a:p>
+          </p:txBody>
+        </p:sp>
+      </p:grpSp>
+      <mc:AlternateContent xmlns:mc="http://schemas.openxmlformats.org/markup-compatibility/2006">
+        <mc:Choice xmlns:a14="http://schemas.microsoft.com/office/drawing/2010/main" Requires="a14">
           <p:sp>
             <p:nvSpPr>
               <p:cNvPr id="15" name="TextBox 14">
                 <a:extLst>
                   <a:ext uri="{FF2B5EF4-FFF2-40B4-BE49-F238E27FC236}">
-                    <a16:creationId xmlns:a16="http://schemas.microsoft.com/office/drawing/2014/main" id="{72250C3B-DB37-480D-BB9C-66854635BA3F}"/>
+                    <a16:creationId xmlns:a16="http://schemas.microsoft.com/office/drawing/2014/main" xmlns="" id="{72250C3B-DB37-480D-BB9C-66854635BA3F}"/>
                   </a:ext>
                 </a:extLst>
               </p:cNvPr>
@@ -4065,8 +4108,8 @@
             </p:nvSpPr>
             <p:spPr>
               <a:xfrm>
-                <a:off x="131031" y="9731859"/>
-                <a:ext cx="4357654" cy="6665671"/>
+                <a:off x="146192" y="9969415"/>
+                <a:ext cx="4357654" cy="6514091"/>
               </a:xfrm>
               <a:prstGeom prst="rect">
                 <a:avLst/>
@@ -4107,7 +4150,7 @@
               </a:p>
               <a:p>
                 <a:r>
-                  <a:rPr lang="en-US" sz="1000" dirty="0">
+                  <a:rPr lang="en-US" sz="1000" b="1" dirty="0">
                     <a:solidFill>
                       <a:srgbClr val="011F5B"/>
                     </a:solidFill>
@@ -4372,7 +4415,18 @@
                     <a:ea typeface="Calibri" charset="0"/>
                     <a:cs typeface="Calibri" charset="0"/>
                   </a:rPr>
-                  <a:t>From this analysis we labeled any tweet containing:</a:t>
+                  <a:t>From this analysis we labeled any tweet containing the following words as spam</a:t>
+                </a:r>
+                <a:r>
+                  <a:rPr lang="en-US" sz="1000" dirty="0" smtClean="0">
+                    <a:solidFill>
+                      <a:srgbClr val="011F5B"/>
+                    </a:solidFill>
+                    <a:latin typeface="Calibri" charset="0"/>
+                    <a:ea typeface="Calibri" charset="0"/>
+                    <a:cs typeface="Calibri" charset="0"/>
+                  </a:rPr>
+                  <a:t>:</a:t>
                 </a:r>
               </a:p>
               <a:p>
@@ -4386,117 +4440,7 @@
                 </a:endParaRPr>
               </a:p>
               <a:p>
-                <a:endParaRPr lang="en-US" sz="1000" dirty="0">
-                  <a:solidFill>
-                    <a:srgbClr val="011F5B"/>
-                  </a:solidFill>
-                  <a:latin typeface="Calibri" charset="0"/>
-                  <a:ea typeface="Calibri" charset="0"/>
-                  <a:cs typeface="Calibri" charset="0"/>
-                </a:endParaRPr>
-              </a:p>
-              <a:p>
-                <a:endParaRPr lang="en-US" sz="1000" dirty="0">
-                  <a:solidFill>
-                    <a:srgbClr val="011F5B"/>
-                  </a:solidFill>
-                  <a:latin typeface="Calibri" charset="0"/>
-                  <a:ea typeface="Calibri" charset="0"/>
-                  <a:cs typeface="Calibri" charset="0"/>
-                </a:endParaRPr>
-              </a:p>
-              <a:p>
-                <a:endParaRPr lang="en-US" sz="1000" dirty="0">
-                  <a:solidFill>
-                    <a:srgbClr val="011F5B"/>
-                  </a:solidFill>
-                  <a:latin typeface="Calibri" charset="0"/>
-                  <a:ea typeface="Calibri" charset="0"/>
-                  <a:cs typeface="Calibri" charset="0"/>
-                </a:endParaRPr>
-              </a:p>
-              <a:p>
-                <a:endParaRPr lang="en-US" sz="1000" dirty="0">
-                  <a:solidFill>
-                    <a:srgbClr val="011F5B"/>
-                  </a:solidFill>
-                  <a:latin typeface="Calibri" charset="0"/>
-                  <a:ea typeface="Calibri" charset="0"/>
-                  <a:cs typeface="Calibri" charset="0"/>
-                </a:endParaRPr>
-              </a:p>
-              <a:p>
-                <a:endParaRPr lang="en-US" sz="1000" dirty="0">
-                  <a:solidFill>
-                    <a:srgbClr val="011F5B"/>
-                  </a:solidFill>
-                  <a:latin typeface="Calibri" charset="0"/>
-                  <a:ea typeface="Calibri" charset="0"/>
-                  <a:cs typeface="Calibri" charset="0"/>
-                </a:endParaRPr>
-              </a:p>
-              <a:p>
-                <a:endParaRPr lang="en-US" sz="1000" dirty="0">
-                  <a:solidFill>
-                    <a:srgbClr val="011F5B"/>
-                  </a:solidFill>
-                  <a:latin typeface="Calibri" charset="0"/>
-                  <a:ea typeface="Calibri" charset="0"/>
-                  <a:cs typeface="Calibri" charset="0"/>
-                </a:endParaRPr>
-              </a:p>
-              <a:p>
-                <a:endParaRPr lang="en-US" sz="1000" dirty="0">
-                  <a:solidFill>
-                    <a:srgbClr val="011F5B"/>
-                  </a:solidFill>
-                  <a:latin typeface="Calibri" charset="0"/>
-                  <a:ea typeface="Calibri" charset="0"/>
-                  <a:cs typeface="Calibri" charset="0"/>
-                </a:endParaRPr>
-              </a:p>
-              <a:p>
-                <a:endParaRPr lang="en-US" sz="1000" dirty="0">
-                  <a:solidFill>
-                    <a:srgbClr val="011F5B"/>
-                  </a:solidFill>
-                  <a:latin typeface="Calibri" charset="0"/>
-                  <a:ea typeface="Calibri" charset="0"/>
-                  <a:cs typeface="Calibri" charset="0"/>
-                </a:endParaRPr>
-              </a:p>
-              <a:p>
-                <a:endParaRPr lang="en-US" sz="1000" dirty="0">
-                  <a:solidFill>
-                    <a:srgbClr val="011F5B"/>
-                  </a:solidFill>
-                  <a:latin typeface="Calibri" charset="0"/>
-                  <a:ea typeface="Calibri" charset="0"/>
-                  <a:cs typeface="Calibri" charset="0"/>
-                </a:endParaRPr>
-              </a:p>
-              <a:p>
-                <a:endParaRPr lang="en-US" sz="1000" dirty="0">
-                  <a:solidFill>
-                    <a:srgbClr val="011F5B"/>
-                  </a:solidFill>
-                  <a:latin typeface="Calibri" charset="0"/>
-                  <a:ea typeface="Calibri" charset="0"/>
-                  <a:cs typeface="Calibri" charset="0"/>
-                </a:endParaRPr>
-              </a:p>
-              <a:p>
-                <a:endParaRPr lang="en-US" sz="1000" dirty="0">
-                  <a:solidFill>
-                    <a:srgbClr val="011F5B"/>
-                  </a:solidFill>
-                  <a:latin typeface="Calibri" charset="0"/>
-                  <a:ea typeface="Calibri" charset="0"/>
-                  <a:cs typeface="Calibri" charset="0"/>
-                </a:endParaRPr>
-              </a:p>
-              <a:p>
-                <a:endParaRPr lang="en-US" sz="1000" dirty="0">
+                <a:endParaRPr lang="en-US" sz="1000" dirty="0" smtClean="0">
                   <a:solidFill>
                     <a:srgbClr val="011F5B"/>
                   </a:solidFill>
@@ -4567,6 +4511,17 @@
               </a:p>
               <a:p>
                 <a:r>
+                  <a:rPr lang="en-US" sz="1000" dirty="0" smtClean="0">
+                    <a:solidFill>
+                      <a:srgbClr val="011F5B"/>
+                    </a:solidFill>
+                    <a:latin typeface="Calibri" charset="0"/>
+                    <a:ea typeface="Calibri" charset="0"/>
+                    <a:cs typeface="Calibri" charset="0"/>
+                  </a:rPr>
+                  <a:t>For </a:t>
+                </a:r>
+                <a:r>
                   <a:rPr lang="en-US" sz="1000" dirty="0">
                     <a:solidFill>
                       <a:srgbClr val="011F5B"/>
@@ -4575,7 +4530,7 @@
                     <a:ea typeface="Calibri" charset="0"/>
                     <a:cs typeface="Calibri" charset="0"/>
                   </a:rPr>
-                  <a:t>For spam classification a Naïve-Bayes filter was applied. A Naïve-Bayes classifier generates predictions according to:</a:t>
+                  <a:t>spam classification a Naïve-Bayes filter was applied with TF-IDF tokenization. A Naïve-Bayes classifier generates predictions according to:</a:t>
                 </a:r>
               </a:p>
               <a:p>
@@ -4594,7 +4549,7 @@
                               <a:solidFill>
                                 <a:srgbClr val="011F5B"/>
                               </a:solidFill>
-                              <a:latin typeface="Cambria Math" panose="02040503050406030204" pitchFamily="18" charset="0"/>
+                              <a:latin typeface="Cambria Math" charset="0"/>
                               <a:ea typeface="Calibri" charset="0"/>
                               <a:cs typeface="Calibri" charset="0"/>
                             </a:rPr>
@@ -4632,7 +4587,7 @@
                               <a:solidFill>
                                 <a:srgbClr val="011F5B"/>
                               </a:solidFill>
-                              <a:latin typeface="Cambria Math" panose="02040503050406030204" pitchFamily="18" charset="0"/>
+                              <a:latin typeface="Cambria Math" charset="0"/>
                               <a:ea typeface="Calibri" charset="0"/>
                               <a:cs typeface="Calibri" charset="0"/>
                             </a:rPr>
@@ -4646,7 +4601,7 @@
                                   <a:solidFill>
                                     <a:srgbClr val="011F5B"/>
                                   </a:solidFill>
-                                  <a:latin typeface="Cambria Math" panose="02040503050406030204" pitchFamily="18" charset="0"/>
+                                  <a:latin typeface="Cambria Math" charset="0"/>
                                   <a:ea typeface="Calibri" charset="0"/>
                                   <a:cs typeface="Calibri" charset="0"/>
                                 </a:rPr>
@@ -4713,7 +4668,7 @@
                                   <a:solidFill>
                                     <a:srgbClr val="011F5B"/>
                                   </a:solidFill>
-                                  <a:latin typeface="Cambria Math" panose="02040503050406030204" pitchFamily="18" charset="0"/>
+                                  <a:latin typeface="Cambria Math" charset="0"/>
                                   <a:ea typeface="Calibri" charset="0"/>
                                   <a:cs typeface="Calibri" charset="0"/>
                                 </a:rPr>
@@ -4727,7 +4682,7 @@
                                       <a:solidFill>
                                         <a:srgbClr val="011F5B"/>
                                       </a:solidFill>
-                                      <a:latin typeface="Cambria Math" panose="02040503050406030204" pitchFamily="18" charset="0"/>
+                                      <a:latin typeface="Cambria Math" charset="0"/>
                                       <a:ea typeface="Calibri" charset="0"/>
                                       <a:cs typeface="Calibri" charset="0"/>
                                     </a:rPr>
@@ -4770,7 +4725,7 @@
                                   <a:solidFill>
                                     <a:srgbClr val="011F5B"/>
                                   </a:solidFill>
-                                  <a:latin typeface="Cambria Math" panose="02040503050406030204" pitchFamily="18" charset="0"/>
+                                  <a:latin typeface="Cambria Math" charset="0"/>
                                   <a:ea typeface="Calibri" charset="0"/>
                                   <a:cs typeface="Calibri" charset="0"/>
                                 </a:rPr>
@@ -4835,7 +4790,7 @@
                                       <a:solidFill>
                                         <a:srgbClr val="011F5B"/>
                                       </a:solidFill>
-                                      <a:latin typeface="Cambria Math" panose="02040503050406030204" pitchFamily="18" charset="0"/>
+                                      <a:latin typeface="Cambria Math" charset="0"/>
                                       <a:ea typeface="Calibri" charset="0"/>
                                       <a:cs typeface="Calibri" charset="0"/>
                                     </a:rPr>
@@ -4849,7 +4804,7 @@
                                           <a:solidFill>
                                             <a:srgbClr val="011F5B"/>
                                           </a:solidFill>
-                                          <a:latin typeface="Cambria Math" panose="02040503050406030204" pitchFamily="18" charset="0"/>
+                                          <a:latin typeface="Cambria Math" charset="0"/>
                                           <a:ea typeface="Calibri" charset="0"/>
                                           <a:cs typeface="Calibri" charset="0"/>
                                         </a:rPr>
@@ -4891,7 +4846,7 @@
                                           <a:solidFill>
                                             <a:srgbClr val="011F5B"/>
                                           </a:solidFill>
-                                          <a:latin typeface="Cambria Math" panose="02040503050406030204" pitchFamily="18" charset="0"/>
+                                          <a:latin typeface="Cambria Math" charset="0"/>
                                           <a:ea typeface="Calibri" charset="0"/>
                                           <a:cs typeface="Calibri" charset="0"/>
                                         </a:rPr>
@@ -4952,7 +4907,65 @@
                     <a:ea typeface="Calibri" charset="0"/>
                     <a:cs typeface="Calibri" charset="0"/>
                   </a:rPr>
-                  <a:t>We only used data from our Top30 sources as positive examples and spam as negative. We held out 20% of the group for testing and were able to achieve 99.5% training accuracy and 98.4% testing accuracy. </a:t>
+                  <a:t>We only used data from our Top30 sources as positive examples and spam as negative. Despite, training and testing accuracies of 99.5 and 98% respectively, the probability distribution showed that there was extreme overfitting due to similar tweets from the bots and that future data would be hard to filter.</a:t>
+                </a:r>
+              </a:p>
+              <a:p>
+                <a:endParaRPr lang="en-US" sz="1000" dirty="0">
+                  <a:solidFill>
+                    <a:srgbClr val="011F5B"/>
+                  </a:solidFill>
+                  <a:latin typeface="Calibri" charset="0"/>
+                  <a:ea typeface="Calibri" charset="0"/>
+                  <a:cs typeface="Calibri" charset="0"/>
+                </a:endParaRPr>
+              </a:p>
+              <a:p>
+                <a:r>
+                  <a:rPr lang="en-US" sz="1000" b="1" dirty="0">
+                    <a:solidFill>
+                      <a:srgbClr val="011F5B"/>
+                    </a:solidFill>
+                    <a:latin typeface="Calibri" charset="0"/>
+                    <a:ea typeface="Calibri" charset="0"/>
+                    <a:cs typeface="Calibri" charset="0"/>
+                  </a:rPr>
+                  <a:t>Measuring Trustworthiness:</a:t>
+                </a:r>
+              </a:p>
+              <a:p>
+                <a:r>
+                  <a:rPr lang="en-US" sz="1000" dirty="0">
+                    <a:solidFill>
+                      <a:srgbClr val="011F5B"/>
+                    </a:solidFill>
+                    <a:latin typeface="Calibri" charset="0"/>
+                    <a:ea typeface="Calibri" charset="0"/>
+                    <a:cs typeface="Calibri" charset="0"/>
+                  </a:rPr>
+                  <a:t>An expanded feature set was applied to measure trustworthiness. This feature set included the number of favorites, replies, mentions, hashtags, exclamations, questions, words, characters, and tokens as well as binary features representing the presence of media, replies, or </a:t>
+                </a:r>
+                <a:r>
+                  <a:rPr lang="en-US" sz="1000" dirty="0" err="1">
+                    <a:solidFill>
+                      <a:srgbClr val="011F5B"/>
+                    </a:solidFill>
+                    <a:latin typeface="Calibri" charset="0"/>
+                    <a:ea typeface="Calibri" charset="0"/>
+                    <a:cs typeface="Calibri" charset="0"/>
+                  </a:rPr>
+                  <a:t>urls</a:t>
+                </a:r>
+                <a:r>
+                  <a:rPr lang="en-US" sz="1000" dirty="0">
+                    <a:solidFill>
+                      <a:srgbClr val="011F5B"/>
+                    </a:solidFill>
+                    <a:latin typeface="Calibri" charset="0"/>
+                    <a:ea typeface="Calibri" charset="0"/>
+                    <a:cs typeface="Calibri" charset="0"/>
+                  </a:rPr>
+                  <a:t>.</a:t>
                 </a:r>
               </a:p>
               <a:p>
@@ -4975,19 +4988,41 @@
                     <a:ea typeface="Calibri" charset="0"/>
                     <a:cs typeface="Calibri" charset="0"/>
                   </a:rPr>
-                  <a:t>Once the model was trained, we applied it to the general set of 80k tweets and increased the threshold </a:t>
+                  <a:t>A </a:t>
+                </a:r>
+                <a:r>
+                  <a:rPr lang="en-US" sz="1000" dirty="0" err="1">
+                    <a:solidFill>
+                      <a:srgbClr val="011F5B"/>
+                    </a:solidFill>
+                    <a:latin typeface="Calibri" charset="0"/>
+                    <a:ea typeface="Calibri" charset="0"/>
+                    <a:cs typeface="Calibri" charset="0"/>
+                  </a:rPr>
+                  <a:t>Bernouli</a:t>
+                </a:r>
+                <a:r>
+                  <a:rPr lang="en-US" sz="1000" dirty="0">
+                    <a:solidFill>
+                      <a:srgbClr val="011F5B"/>
+                    </a:solidFill>
+                    <a:latin typeface="Calibri" charset="0"/>
+                    <a:ea typeface="Calibri" charset="0"/>
+                    <a:cs typeface="Calibri" charset="0"/>
+                  </a:rPr>
+                  <a:t> Naïve Bayes classifier was applied to the expanded set as well as a Random Forrest Classifier with maximum depth of 7. The expanded feature set showed significant improvement in the bimodality of the probability distribution as seen in the attached graphs.</a:t>
                 </a:r>
               </a:p>
             </p:txBody>
           </p:sp>
         </mc:Choice>
-        <mc:Fallback xmlns="">
+        <mc:Fallback>
           <p:sp>
             <p:nvSpPr>
               <p:cNvPr id="15" name="TextBox 14">
                 <a:extLst>
                   <a:ext uri="{FF2B5EF4-FFF2-40B4-BE49-F238E27FC236}">
-                    <a16:creationId xmlns="" xmlns:a16="http://schemas.microsoft.com/office/drawing/2014/main" xmlns:a14="http://schemas.microsoft.com/office/drawing/2010/main" id="{72250C3B-DB37-480D-BB9C-66854635BA3F}"/>
+                    <a16:creationId xmlns:a16="http://schemas.microsoft.com/office/drawing/2014/main" xmlns:a14="http://schemas.microsoft.com/office/drawing/2010/main" xmlns="" id="{72250C3B-DB37-480D-BB9C-66854635BA3F}"/>
                   </a:ext>
                 </a:extLst>
               </p:cNvPr>
@@ -4998,14 +5033,14 @@
             </p:nvSpPr>
             <p:spPr>
               <a:xfrm>
-                <a:off x="131031" y="9731859"/>
-                <a:ext cx="4357654" cy="6665671"/>
+                <a:off x="146192" y="9969415"/>
+                <a:ext cx="4357654" cy="6514091"/>
               </a:xfrm>
               <a:prstGeom prst="rect">
                 <a:avLst/>
               </a:prstGeom>
               <a:blipFill rotWithShape="0">
-                <a:blip r:embed="rId10"/>
+                <a:blip r:embed="rId11"/>
                 <a:stretch>
                   <a:fillRect/>
                 </a:stretch>
@@ -5036,7 +5071,7 @@
           <p:cNvPr id="16" name="TextBox 15">
             <a:extLst>
               <a:ext uri="{FF2B5EF4-FFF2-40B4-BE49-F238E27FC236}">
-                <a16:creationId xmlns:a16="http://schemas.microsoft.com/office/drawing/2014/main" id="{0DAD262F-8D38-404E-9AFD-3722DE8FBBF0}"/>
+                <a16:creationId xmlns:a16="http://schemas.microsoft.com/office/drawing/2014/main" xmlns="" id="{0DAD262F-8D38-404E-9AFD-3722DE8FBBF0}"/>
               </a:ext>
             </a:extLst>
           </p:cNvPr>
@@ -5045,7 +5080,7 @@
         </p:nvSpPr>
         <p:spPr>
           <a:xfrm>
-            <a:off x="131031" y="9731857"/>
+            <a:off x="146192" y="9969413"/>
             <a:ext cx="4357654" cy="348878"/>
           </a:xfrm>
           <a:prstGeom prst="rect">
@@ -5081,268 +5116,10 @@
       </p:sp>
       <p:sp>
         <p:nvSpPr>
-          <p:cNvPr id="18" name="TextBox 17">
-            <a:extLst>
-              <a:ext uri="{FF2B5EF4-FFF2-40B4-BE49-F238E27FC236}">
-                <a16:creationId xmlns:a16="http://schemas.microsoft.com/office/drawing/2014/main" id="{4551F3FF-1DC6-4312-B013-B3DAF7C19194}"/>
-              </a:ext>
-            </a:extLst>
-          </p:cNvPr>
-          <p:cNvSpPr txBox="1"/>
-          <p:nvPr/>
-        </p:nvSpPr>
-        <p:spPr>
-          <a:xfrm>
-            <a:off x="4686366" y="6247051"/>
-            <a:ext cx="4357654" cy="4555093"/>
-          </a:xfrm>
-          <a:prstGeom prst="rect">
-            <a:avLst/>
-          </a:prstGeom>
-          <a:solidFill>
-            <a:schemeClr val="bg1"/>
-          </a:solidFill>
-          <a:ln>
-            <a:solidFill>
-              <a:srgbClr val="011F5B"/>
-            </a:solidFill>
-          </a:ln>
-        </p:spPr>
-        <p:txBody>
-          <a:bodyPr wrap="square" rtlCol="0">
-            <a:spAutoFit/>
-          </a:bodyPr>
-          <a:lstStyle/>
-          <a:p>
-            <a:endParaRPr lang="en-US" sz="1000" dirty="0">
-              <a:solidFill>
-                <a:srgbClr val="011F5B"/>
-              </a:solidFill>
-            </a:endParaRPr>
-          </a:p>
-          <a:p>
-            <a:endParaRPr lang="en-US" sz="1000" dirty="0">
-              <a:solidFill>
-                <a:srgbClr val="011F5B"/>
-              </a:solidFill>
-            </a:endParaRPr>
-          </a:p>
-          <a:p>
-            <a:endParaRPr lang="en-US" sz="1000" dirty="0">
-              <a:solidFill>
-                <a:srgbClr val="011F5B"/>
-              </a:solidFill>
-            </a:endParaRPr>
-          </a:p>
-          <a:p>
-            <a:r>
-              <a:rPr lang="en-US" sz="1000" dirty="0">
-                <a:solidFill>
-                  <a:srgbClr val="011F5B"/>
-                </a:solidFill>
-              </a:rPr>
-              <a:t>A variety of models were tuned on a count bag of words feature space. This baseline feature space has the number of tweets a stemmed word or bigram appears in each hour. Two hour windows were also explored.</a:t>
-            </a:r>
-          </a:p>
-          <a:p>
-            <a:endParaRPr lang="en-US" sz="1000" dirty="0">
-              <a:solidFill>
-                <a:srgbClr val="011F5B"/>
-              </a:solidFill>
-            </a:endParaRPr>
-          </a:p>
-          <a:p>
-            <a:endParaRPr lang="en-US" sz="1000" dirty="0">
-              <a:solidFill>
-                <a:srgbClr val="011F5B"/>
-              </a:solidFill>
-            </a:endParaRPr>
-          </a:p>
-          <a:p>
-            <a:endParaRPr lang="en-US" sz="1000" dirty="0">
-              <a:solidFill>
-                <a:srgbClr val="011F5B"/>
-              </a:solidFill>
-            </a:endParaRPr>
-          </a:p>
-          <a:p>
-            <a:endParaRPr lang="en-US" sz="1000" dirty="0">
-              <a:solidFill>
-                <a:srgbClr val="011F5B"/>
-              </a:solidFill>
-            </a:endParaRPr>
-          </a:p>
-          <a:p>
-            <a:endParaRPr lang="en-US" sz="1000" dirty="0">
-              <a:solidFill>
-                <a:srgbClr val="011F5B"/>
-              </a:solidFill>
-            </a:endParaRPr>
-          </a:p>
-          <a:p>
-            <a:endParaRPr lang="en-US" sz="1000" dirty="0">
-              <a:solidFill>
-                <a:srgbClr val="011F5B"/>
-              </a:solidFill>
-            </a:endParaRPr>
-          </a:p>
-          <a:p>
-            <a:endParaRPr lang="en-US" sz="1000" dirty="0">
-              <a:solidFill>
-                <a:srgbClr val="011F5B"/>
-              </a:solidFill>
-            </a:endParaRPr>
-          </a:p>
-          <a:p>
-            <a:endParaRPr lang="en-US" sz="1000" dirty="0">
-              <a:solidFill>
-                <a:srgbClr val="011F5B"/>
-              </a:solidFill>
-            </a:endParaRPr>
-          </a:p>
-          <a:p>
-            <a:endParaRPr lang="en-US" sz="1000" dirty="0">
-              <a:solidFill>
-                <a:srgbClr val="011F5B"/>
-              </a:solidFill>
-            </a:endParaRPr>
-          </a:p>
-          <a:p>
-            <a:endParaRPr lang="en-US" sz="1000" dirty="0">
-              <a:solidFill>
-                <a:srgbClr val="011F5B"/>
-              </a:solidFill>
-            </a:endParaRPr>
-          </a:p>
-          <a:p>
-            <a:endParaRPr lang="en-US" sz="1000" dirty="0">
-              <a:solidFill>
-                <a:srgbClr val="011F5B"/>
-              </a:solidFill>
-            </a:endParaRPr>
-          </a:p>
-          <a:p>
-            <a:r>
-              <a:rPr lang="en-US" sz="1000" dirty="0">
-                <a:solidFill>
-                  <a:srgbClr val="011F5B"/>
-                </a:solidFill>
-              </a:rPr>
-              <a:t>Temporal relations in the dataset were also considered. One surprising result shows that delaying the hour in which price change is measured from when the tweet data is collected can actually improve classifier accuracy. This indicates that the market may have a delay in price response to twitter activity.</a:t>
-            </a:r>
-          </a:p>
-          <a:p>
-            <a:endParaRPr lang="en-US" sz="1000" dirty="0">
-              <a:solidFill>
-                <a:srgbClr val="011F5B"/>
-              </a:solidFill>
-            </a:endParaRPr>
-          </a:p>
-          <a:p>
-            <a:endParaRPr lang="en-US" sz="1000" dirty="0">
-              <a:solidFill>
-                <a:srgbClr val="011F5B"/>
-              </a:solidFill>
-            </a:endParaRPr>
-          </a:p>
-          <a:p>
-            <a:endParaRPr lang="en-US" sz="1000" dirty="0">
-              <a:solidFill>
-                <a:srgbClr val="011F5B"/>
-              </a:solidFill>
-            </a:endParaRPr>
-          </a:p>
-          <a:p>
-            <a:endParaRPr lang="en-US" sz="1000" dirty="0">
-              <a:solidFill>
-                <a:srgbClr val="011F5B"/>
-              </a:solidFill>
-            </a:endParaRPr>
-          </a:p>
-          <a:p>
-            <a:endParaRPr lang="en-US" sz="1000" dirty="0">
-              <a:solidFill>
-                <a:srgbClr val="011F5B"/>
-              </a:solidFill>
-            </a:endParaRPr>
-          </a:p>
-          <a:p>
-            <a:endParaRPr lang="en-US" sz="1000" dirty="0">
-              <a:solidFill>
-                <a:srgbClr val="011F5B"/>
-              </a:solidFill>
-            </a:endParaRPr>
-          </a:p>
-          <a:p>
-            <a:endParaRPr lang="en-US" sz="1000" dirty="0">
-              <a:solidFill>
-                <a:srgbClr val="011F5B"/>
-              </a:solidFill>
-            </a:endParaRPr>
-          </a:p>
-          <a:p>
-            <a:endParaRPr lang="en-US" sz="1000" dirty="0">
-              <a:solidFill>
-                <a:srgbClr val="011F5B"/>
-              </a:solidFill>
-            </a:endParaRPr>
-          </a:p>
-        </p:txBody>
-      </p:sp>
-      <p:sp>
-        <p:nvSpPr>
-          <p:cNvPr id="19" name="TextBox 18">
-            <a:extLst>
-              <a:ext uri="{FF2B5EF4-FFF2-40B4-BE49-F238E27FC236}">
-                <a16:creationId xmlns:a16="http://schemas.microsoft.com/office/drawing/2014/main" id="{0F3F0241-CF38-4C35-8814-BD73D9A52062}"/>
-              </a:ext>
-            </a:extLst>
-          </p:cNvPr>
-          <p:cNvSpPr txBox="1"/>
-          <p:nvPr/>
-        </p:nvSpPr>
-        <p:spPr>
-          <a:xfrm>
-            <a:off x="4686366" y="6235019"/>
-            <a:ext cx="4357654" cy="348878"/>
-          </a:xfrm>
-          <a:prstGeom prst="rect">
-            <a:avLst/>
-          </a:prstGeom>
-          <a:solidFill>
-            <a:srgbClr val="011F5B"/>
-          </a:solidFill>
-          <a:ln>
-            <a:solidFill>
-              <a:srgbClr val="011F5B"/>
-            </a:solidFill>
-          </a:ln>
-        </p:spPr>
-        <p:txBody>
-          <a:bodyPr wrap="square" rtlCol="0">
-            <a:spAutoFit/>
-          </a:bodyPr>
-          <a:lstStyle/>
-          <a:p>
-            <a:pPr algn="ctr"/>
-            <a:r>
-              <a:rPr lang="en-US" sz="1667" b="1" dirty="0">
-                <a:solidFill>
-                  <a:schemeClr val="bg1"/>
-                </a:solidFill>
-                <a:latin typeface="Garamond" panose="02020404030301010803" pitchFamily="18" charset="0"/>
-              </a:rPr>
-              <a:t>Models</a:t>
-            </a:r>
-          </a:p>
-        </p:txBody>
-      </p:sp>
-      <p:sp>
-        <p:nvSpPr>
           <p:cNvPr id="20" name="TextBox 19">
             <a:extLst>
               <a:ext uri="{FF2B5EF4-FFF2-40B4-BE49-F238E27FC236}">
-                <a16:creationId xmlns:a16="http://schemas.microsoft.com/office/drawing/2014/main" id="{B73F7368-9A80-4A04-9F8A-85E03885548E}"/>
+                <a16:creationId xmlns:a16="http://schemas.microsoft.com/office/drawing/2014/main" xmlns="" id="{B73F7368-9A80-4A04-9F8A-85E03885548E}"/>
               </a:ext>
             </a:extLst>
           </p:cNvPr>
@@ -5352,7 +5129,7 @@
         <p:spPr>
           <a:xfrm>
             <a:off x="9203502" y="2512349"/>
-            <a:ext cx="4357654" cy="4071548"/>
+            <a:ext cx="4357654" cy="3096452"/>
           </a:xfrm>
           <a:prstGeom prst="rect">
             <a:avLst/>
@@ -5416,7 +5193,15 @@
                   <a:srgbClr val="011F5B"/>
                 </a:solidFill>
               </a:rPr>
-              <a:t>SVM and Logistic Regression performed the best, as they are both very similar linear classifiers and can be expected to behave similarly. The Naïve Bayes classifier did not perform as well as it relied more on the prior distribution of the y values than the features that differed between them, biasing its predictions. The four layer neural net faced a similar struggle in differentiating its outputs, but this was likely due to the low number of labeled examples, 281.</a:t>
+              <a:t>SVM and Logistic Regression performed the best, as they are both very similar linear classifiers and can be expected to behave similarly. The Naïve Bayes classifier did not perform as well as it relied more on the prior distribution of the y values than the features that differed between them, biasing its predictions. The four layer neural net faced a similar struggle in differentiating its outputs, but this was likely due to the low number of labeled examples, 281</a:t>
+            </a:r>
+            <a:r>
+              <a:rPr lang="en-US" sz="1000" dirty="0" smtClean="0">
+                <a:solidFill>
+                  <a:srgbClr val="011F5B"/>
+                </a:solidFill>
+              </a:rPr>
+              <a:t>.</a:t>
             </a:r>
           </a:p>
           <a:p>
@@ -5427,41 +5212,30 @@
             </a:endParaRPr>
           </a:p>
           <a:p>
-            <a:endParaRPr lang="en-US" sz="1000" dirty="0">
-              <a:solidFill>
-                <a:srgbClr val="011F5B"/>
-              </a:solidFill>
-            </a:endParaRPr>
-          </a:p>
-          <a:p>
-            <a:endParaRPr lang="en-US" sz="1000" dirty="0">
-              <a:solidFill>
-                <a:srgbClr val="011F5B"/>
-              </a:solidFill>
-            </a:endParaRPr>
-          </a:p>
-          <a:p>
-            <a:endParaRPr lang="en-US" sz="1000" dirty="0">
-              <a:solidFill>
-                <a:srgbClr val="011F5B"/>
-              </a:solidFill>
-            </a:endParaRPr>
-          </a:p>
-          <a:p>
-            <a:endParaRPr lang="en-US" sz="1000" dirty="0">
-              <a:solidFill>
-                <a:srgbClr val="011F5B"/>
-              </a:solidFill>
-            </a:endParaRPr>
-          </a:p>
-          <a:p>
-            <a:endParaRPr lang="en-US" sz="1000" dirty="0">
-              <a:solidFill>
-                <a:srgbClr val="011F5B"/>
-              </a:solidFill>
-            </a:endParaRPr>
-          </a:p>
-          <a:p>
+            <a:r>
+              <a:rPr lang="en-US" sz="1000" dirty="0" smtClean="0">
+                <a:solidFill>
+                  <a:srgbClr val="011F5B"/>
+                </a:solidFill>
+              </a:rPr>
+              <a:t>While a sentiment analysis appears to show some correlation with the market change, we don</a:t>
+            </a:r>
+            <a:r>
+              <a:rPr lang="mr-IN" sz="1000" dirty="0" smtClean="0">
+                <a:solidFill>
+                  <a:srgbClr val="011F5B"/>
+                </a:solidFill>
+              </a:rPr>
+              <a:t>’</a:t>
+            </a:r>
+            <a:r>
+              <a:rPr lang="en-US" sz="1000" dirty="0" smtClean="0">
+                <a:solidFill>
+                  <a:srgbClr val="011F5B"/>
+                </a:solidFill>
+              </a:rPr>
+              <a:t>t believe there is enough data to truly compute what will happen; therefore, we believe that the sentiment analysis will best be used as a feature for a SVM or Logistic Regression</a:t>
+            </a:r>
             <a:endParaRPr lang="en-US" sz="1000" dirty="0">
               <a:solidFill>
                 <a:srgbClr val="011F5B"/>
@@ -5475,7 +5249,7 @@
           <p:cNvPr id="21" name="TextBox 20">
             <a:extLst>
               <a:ext uri="{FF2B5EF4-FFF2-40B4-BE49-F238E27FC236}">
-                <a16:creationId xmlns:a16="http://schemas.microsoft.com/office/drawing/2014/main" id="{89951AAD-7622-4490-A4E3-0CB642DFDA44}"/>
+                <a16:creationId xmlns:a16="http://schemas.microsoft.com/office/drawing/2014/main" xmlns="" id="{89951AAD-7622-4490-A4E3-0CB642DFDA44}"/>
               </a:ext>
             </a:extLst>
           </p:cNvPr>
@@ -5518,14 +5292,14 @@
           </a:p>
         </p:txBody>
       </p:sp>
-      <mc:AlternateContent xmlns:mc="http://schemas.openxmlformats.org/markup-compatibility/2006" xmlns:a14="http://schemas.microsoft.com/office/drawing/2010/main">
-        <mc:Choice Requires="a14">
+      <mc:AlternateContent xmlns:mc="http://schemas.openxmlformats.org/markup-compatibility/2006">
+        <mc:Choice xmlns:a14="http://schemas.microsoft.com/office/drawing/2010/main" Requires="a14">
           <p:sp>
             <p:nvSpPr>
               <p:cNvPr id="22" name="TextBox 21">
                 <a:extLst>
                   <a:ext uri="{FF2B5EF4-FFF2-40B4-BE49-F238E27FC236}">
-                    <a16:creationId xmlns:a16="http://schemas.microsoft.com/office/drawing/2014/main" id="{73D5816F-EF48-4F3C-8E5A-54FFD05B92D6}"/>
+                    <a16:creationId xmlns:a16="http://schemas.microsoft.com/office/drawing/2014/main" xmlns="" id="{73D5816F-EF48-4F3C-8E5A-54FFD05B92D6}"/>
                   </a:ext>
                 </a:extLst>
               </p:cNvPr>
@@ -5534,8 +5308,8 @@
             </p:nvSpPr>
             <p:spPr>
               <a:xfrm>
-                <a:off x="9203502" y="6924034"/>
-                <a:ext cx="4357654" cy="4862870"/>
+                <a:off x="9203502" y="5708284"/>
+                <a:ext cx="4357654" cy="4708981"/>
               </a:xfrm>
               <a:prstGeom prst="rect">
                 <a:avLst/>
@@ -5620,7 +5394,7 @@
                               <a:solidFill>
                                 <a:srgbClr val="011F5B"/>
                               </a:solidFill>
-                              <a:latin typeface="Cambria Math" panose="02040503050406030204" pitchFamily="18" charset="0"/>
+                              <a:latin typeface="Cambria Math" charset="0"/>
                             </a:rPr>
                           </m:ctrlPr>
                         </m:dPr>
@@ -5692,7 +5466,7 @@
                               <a:solidFill>
                                 <a:srgbClr val="011F5B"/>
                               </a:solidFill>
-                              <a:latin typeface="Cambria Math" panose="02040503050406030204" pitchFamily="18" charset="0"/>
+                              <a:latin typeface="Cambria Math" charset="0"/>
                             </a:rPr>
                           </m:ctrlPr>
                         </m:dPr>
@@ -5744,7 +5518,7 @@
                               <a:solidFill>
                                 <a:srgbClr val="011F5B"/>
                               </a:solidFill>
-                              <a:latin typeface="Cambria Math" panose="02040503050406030204" pitchFamily="18" charset="0"/>
+                              <a:latin typeface="Cambria Math" charset="0"/>
                             </a:rPr>
                           </m:ctrlPr>
                         </m:dPr>
@@ -5791,11 +5565,30 @@
                 </a:r>
               </a:p>
               <a:p>
-                <a:endParaRPr lang="en-US" sz="1000" dirty="0">
-                  <a:solidFill>
-                    <a:srgbClr val="011F5B"/>
-                  </a:solidFill>
-                </a:endParaRPr>
+                <a:r>
+                  <a:rPr lang="en-US" sz="1000" dirty="0">
+                    <a:solidFill>
+                      <a:srgbClr val="011F5B"/>
+                    </a:solidFill>
+                  </a:rPr>
+                  <a:t>Another method to supplement the Spam filter is to evaluate the properties of each user that tweets come from. Studies have shown that lexical diversity is a good indicator to distinguish bots from humans. This approach requires collecting all of the tweets for a given user and then associating a LD score with their </a:t>
+                </a:r>
+                <a:r>
+                  <a:rPr lang="en-US" sz="1000" dirty="0" smtClean="0">
+                    <a:solidFill>
+                      <a:srgbClr val="011F5B"/>
+                    </a:solidFill>
+                  </a:rPr>
+                  <a:t>user id</a:t>
+                </a:r>
+                <a:r>
+                  <a:rPr lang="en-US" sz="1000" dirty="0">
+                    <a:solidFill>
+                      <a:srgbClr val="011F5B"/>
+                    </a:solidFill>
+                  </a:rPr>
+                  <a:t>. We could not implement this because we did not have enough tweets to limit to only repeat tweeters. In the future we would like to implement this. </a:t>
+                </a:r>
               </a:p>
               <a:p>
                 <a:r>
@@ -5804,39 +5597,7 @@
                       <a:srgbClr val="011F5B"/>
                     </a:solidFill>
                   </a:rPr>
-                  <a:t>Another method to supplement the Spam filter is to evaluate the properties of each user that tweets come from. Studies have shown </a:t>
-                </a:r>
-                <a:r>
-                  <a:rPr lang="en-US" sz="1000" dirty="0">
-                    <a:solidFill>
-                      <a:srgbClr val="FF0000"/>
-                    </a:solidFill>
-                  </a:rPr>
-                  <a:t>(Cite) </a:t>
-                </a:r>
-                <a:r>
-                  <a:rPr lang="en-US" sz="1000" dirty="0">
-                    <a:solidFill>
-                      <a:srgbClr val="011F5B"/>
-                    </a:solidFill>
-                  </a:rPr>
-                  <a:t>that lexical diversity is a good indicator to distinguish bots from humans. This approach requires collecting all of the tweets for a given user and then associating a LD score with their </a:t>
-                </a:r>
-                <a:r>
-                  <a:rPr lang="en-US" sz="1000" dirty="0" err="1">
-                    <a:solidFill>
-                      <a:srgbClr val="011F5B"/>
-                    </a:solidFill>
-                  </a:rPr>
-                  <a:t>user_id</a:t>
-                </a:r>
-                <a:r>
-                  <a:rPr lang="en-US" sz="1000" dirty="0">
-                    <a:solidFill>
-                      <a:srgbClr val="011F5B"/>
-                    </a:solidFill>
-                  </a:rPr>
-                  <a:t>. We could not implement this because we did not have enough tweets to limit to only repeat tweeters. In the future we would like to implement this. </a:t>
+                  <a:t>To improve accuracy, we hope to implement the Spam Classifier with the Expanded Feature set as discussed in Spam Filtering.</a:t>
                 </a:r>
               </a:p>
               <a:p>
@@ -5863,57 +5624,13 @@
               </a:p>
               <a:p>
                 <a:r>
-                  <a:rPr lang="en-US" sz="1000" dirty="0">
+                  <a:rPr lang="en-US" sz="1000" dirty="0" smtClean="0">
                     <a:solidFill>
                       <a:srgbClr val="011F5B"/>
                     </a:solidFill>
                   </a:rPr>
-                  <a:t>Finance dictionary</a:t>
+                  <a:t>The largest drawback to the sentiment analysis was the lack of quality data. Unfortunately, a tweet of 140 characters isn’t enough to understand a market epoch. Instead, we hope to aggregate thousands of tweets for each epoch to create a word list long enough to capture sentiment. In addition, we would need a training set that includes slang frequently used on twitter as well as a finance dictionary. </a:t>
                 </a:r>
-              </a:p>
-              <a:p>
-                <a:endParaRPr lang="en-US" sz="1000" dirty="0">
-                  <a:solidFill>
-                    <a:srgbClr val="011F5B"/>
-                  </a:solidFill>
-                </a:endParaRPr>
-              </a:p>
-              <a:p>
-                <a:endParaRPr lang="en-US" sz="1000" dirty="0">
-                  <a:solidFill>
-                    <a:srgbClr val="011F5B"/>
-                  </a:solidFill>
-                </a:endParaRPr>
-              </a:p>
-              <a:p>
-                <a:endParaRPr lang="en-US" sz="1000" dirty="0">
-                  <a:solidFill>
-                    <a:srgbClr val="011F5B"/>
-                  </a:solidFill>
-                </a:endParaRPr>
-              </a:p>
-              <a:p>
-                <a:endParaRPr lang="en-US" sz="1000" dirty="0">
-                  <a:solidFill>
-                    <a:srgbClr val="011F5B"/>
-                  </a:solidFill>
-                </a:endParaRPr>
-              </a:p>
-              <a:p>
-                <a:endParaRPr lang="en-US" sz="1000" dirty="0">
-                  <a:solidFill>
-                    <a:srgbClr val="011F5B"/>
-                  </a:solidFill>
-                </a:endParaRPr>
-              </a:p>
-              <a:p>
-                <a:endParaRPr lang="en-US" sz="1000" dirty="0">
-                  <a:solidFill>
-                    <a:srgbClr val="011F5B"/>
-                  </a:solidFill>
-                </a:endParaRPr>
-              </a:p>
-              <a:p>
                 <a:endParaRPr lang="en-US" sz="1000" dirty="0">
                   <a:solidFill>
                     <a:srgbClr val="011F5B"/>
@@ -5923,13 +5640,13 @@
             </p:txBody>
           </p:sp>
         </mc:Choice>
-        <mc:Fallback xmlns="">
+        <mc:Fallback>
           <p:sp>
             <p:nvSpPr>
               <p:cNvPr id="22" name="TextBox 21">
                 <a:extLst>
                   <a:ext uri="{FF2B5EF4-FFF2-40B4-BE49-F238E27FC236}">
-                    <a16:creationId xmlns:a16="http://schemas.microsoft.com/office/drawing/2014/main" xmlns="" xmlns:a14="http://schemas.microsoft.com/office/drawing/2010/main" id="{73D5816F-EF48-4F3C-8E5A-54FFD05B92D6}"/>
+                    <a16:creationId xmlns:a16="http://schemas.microsoft.com/office/drawing/2014/main" xmlns:a14="http://schemas.microsoft.com/office/drawing/2010/main" xmlns="" id="{73D5816F-EF48-4F3C-8E5A-54FFD05B92D6}"/>
                   </a:ext>
                 </a:extLst>
               </p:cNvPr>
@@ -5940,14 +5657,14 @@
             </p:nvSpPr>
             <p:spPr>
               <a:xfrm>
-                <a:off x="9203502" y="6924034"/>
-                <a:ext cx="4357654" cy="4862870"/>
+                <a:off x="9203502" y="5708284"/>
+                <a:ext cx="4357654" cy="4708981"/>
               </a:xfrm>
               <a:prstGeom prst="rect">
                 <a:avLst/>
               </a:prstGeom>
               <a:blipFill rotWithShape="0">
-                <a:blip r:embed="rId11"/>
+                <a:blip r:embed="rId12"/>
                 <a:stretch>
                   <a:fillRect r="-139"/>
                 </a:stretch>
@@ -5978,7 +5695,7 @@
           <p:cNvPr id="23" name="TextBox 22">
             <a:extLst>
               <a:ext uri="{FF2B5EF4-FFF2-40B4-BE49-F238E27FC236}">
-                <a16:creationId xmlns:a16="http://schemas.microsoft.com/office/drawing/2014/main" id="{A905B64D-C01B-4DF9-8AE8-4206EEE06C55}"/>
+                <a16:creationId xmlns:a16="http://schemas.microsoft.com/office/drawing/2014/main" xmlns="" id="{A905B64D-C01B-4DF9-8AE8-4206EEE06C55}"/>
               </a:ext>
             </a:extLst>
           </p:cNvPr>
@@ -5987,7 +5704,7 @@
         </p:nvSpPr>
         <p:spPr>
           <a:xfrm>
-            <a:off x="9203502" y="6924033"/>
+            <a:off x="9203502" y="5708283"/>
             <a:ext cx="4357654" cy="348878"/>
           </a:xfrm>
           <a:prstGeom prst="rect">
@@ -6026,7 +5743,7 @@
           <p:cNvPr id="5" name="Table 4">
             <a:extLst>
               <a:ext uri="{FF2B5EF4-FFF2-40B4-BE49-F238E27FC236}">
-                <a16:creationId xmlns:a16="http://schemas.microsoft.com/office/drawing/2014/main" id="{37BD625B-551D-49A4-895F-BFE014F4F99A}"/>
+                <a16:creationId xmlns:a16="http://schemas.microsoft.com/office/drawing/2014/main" xmlns="" id="{37BD625B-551D-49A4-895F-BFE014F4F99A}"/>
               </a:ext>
             </a:extLst>
           </p:cNvPr>
@@ -6036,13 +5753,13 @@
           <p:nvPr>
             <p:extLst>
               <p:ext uri="{D42A27DB-BD31-4B8C-83A1-F6EECF244321}">
-                <p14:modId xmlns:p14="http://schemas.microsoft.com/office/powerpoint/2010/main" val="1562164899"/>
+                <p14:modId xmlns:p14="http://schemas.microsoft.com/office/powerpoint/2010/main" val="2008543216"/>
               </p:ext>
             </p:extLst>
           </p:nvPr>
         </p:nvGraphicFramePr>
         <p:xfrm>
-          <a:off x="197478" y="11948100"/>
+          <a:off x="197478" y="12051948"/>
           <a:ext cx="4224759" cy="1061730"/>
         </p:xfrm>
         <a:graphic>
@@ -6055,21 +5772,21 @@
                 <a:gridCol w="1408253">
                   <a:extLst>
                     <a:ext uri="{9D8B030D-6E8A-4147-A177-3AD203B41FA5}">
-                      <a16:colId xmlns:a16="http://schemas.microsoft.com/office/drawing/2014/main" val="3247188750"/>
+                      <a16:colId xmlns:a16="http://schemas.microsoft.com/office/drawing/2014/main" xmlns="" val="3247188750"/>
                     </a:ext>
                   </a:extLst>
                 </a:gridCol>
                 <a:gridCol w="1408253">
                   <a:extLst>
                     <a:ext uri="{9D8B030D-6E8A-4147-A177-3AD203B41FA5}">
-                      <a16:colId xmlns:a16="http://schemas.microsoft.com/office/drawing/2014/main" val="1214523097"/>
+                      <a16:colId xmlns:a16="http://schemas.microsoft.com/office/drawing/2014/main" xmlns="" val="1214523097"/>
                     </a:ext>
                   </a:extLst>
                 </a:gridCol>
                 <a:gridCol w="1408253">
                   <a:extLst>
                     <a:ext uri="{9D8B030D-6E8A-4147-A177-3AD203B41FA5}">
-                      <a16:colId xmlns:a16="http://schemas.microsoft.com/office/drawing/2014/main" val="3255143547"/>
+                      <a16:colId xmlns:a16="http://schemas.microsoft.com/office/drawing/2014/main" xmlns="" val="3255143547"/>
                     </a:ext>
                   </a:extLst>
                 </a:gridCol>
@@ -6111,7 +5828,7 @@
                 </a:tc>
                 <a:extLst>
                   <a:ext uri="{0D108BD9-81ED-4DB2-BD59-A6C34878D82A}">
-                    <a16:rowId xmlns:a16="http://schemas.microsoft.com/office/drawing/2014/main" val="426857068"/>
+                    <a16:rowId xmlns:a16="http://schemas.microsoft.com/office/drawing/2014/main" xmlns="" val="426857068"/>
                   </a:ext>
                 </a:extLst>
               </a:tr>
@@ -6158,7 +5875,7 @@
                 </a:tc>
                 <a:extLst>
                   <a:ext uri="{0D108BD9-81ED-4DB2-BD59-A6C34878D82A}">
-                    <a16:rowId xmlns:a16="http://schemas.microsoft.com/office/drawing/2014/main" val="4254030744"/>
+                    <a16:rowId xmlns:a16="http://schemas.microsoft.com/office/drawing/2014/main" xmlns="" val="4254030744"/>
                   </a:ext>
                 </a:extLst>
               </a:tr>
@@ -6205,7 +5922,7 @@
                 </a:tc>
                 <a:extLst>
                   <a:ext uri="{0D108BD9-81ED-4DB2-BD59-A6C34878D82A}">
-                    <a16:rowId xmlns:a16="http://schemas.microsoft.com/office/drawing/2014/main" val="2348030731"/>
+                    <a16:rowId xmlns:a16="http://schemas.microsoft.com/office/drawing/2014/main" xmlns="" val="2348030731"/>
                   </a:ext>
                 </a:extLst>
               </a:tr>
@@ -6253,7 +5970,7 @@
                 </a:tc>
                 <a:extLst>
                   <a:ext uri="{0D108BD9-81ED-4DB2-BD59-A6C34878D82A}">
-                    <a16:rowId xmlns:a16="http://schemas.microsoft.com/office/drawing/2014/main" val="575309201"/>
+                    <a16:rowId xmlns:a16="http://schemas.microsoft.com/office/drawing/2014/main" xmlns="" val="575309201"/>
                   </a:ext>
                 </a:extLst>
               </a:tr>
@@ -6266,7 +5983,7 @@
           <p:cNvPr id="26" name="TextBox 25">
             <a:extLst>
               <a:ext uri="{FF2B5EF4-FFF2-40B4-BE49-F238E27FC236}">
-                <a16:creationId xmlns:a16="http://schemas.microsoft.com/office/drawing/2014/main" id="{BE099189-C81E-41C7-BA90-461E1F0BDA19}"/>
+                <a16:creationId xmlns:a16="http://schemas.microsoft.com/office/drawing/2014/main" xmlns="" id="{BE099189-C81E-41C7-BA90-461E1F0BDA19}"/>
               </a:ext>
             </a:extLst>
           </p:cNvPr>
@@ -6276,7 +5993,7 @@
         <p:spPr>
           <a:xfrm>
             <a:off x="4679173" y="2537210"/>
-            <a:ext cx="4357654" cy="3470934"/>
+            <a:ext cx="4357654" cy="2954369"/>
           </a:xfrm>
           <a:prstGeom prst="rect">
             <a:avLst/>
@@ -6516,7 +6233,7 @@
           <p:cNvPr id="27" name="TextBox 26">
             <a:extLst>
               <a:ext uri="{FF2B5EF4-FFF2-40B4-BE49-F238E27FC236}">
-                <a16:creationId xmlns:a16="http://schemas.microsoft.com/office/drawing/2014/main" id="{4D78901C-AF9C-488F-9AF6-E8AF582AB9AA}"/>
+                <a16:creationId xmlns:a16="http://schemas.microsoft.com/office/drawing/2014/main" xmlns="" id="{4D78901C-AF9C-488F-9AF6-E8AF582AB9AA}"/>
               </a:ext>
             </a:extLst>
           </p:cNvPr>
@@ -6564,7 +6281,7 @@
           <p:cNvPr id="3" name="Table 2">
             <a:extLst>
               <a:ext uri="{FF2B5EF4-FFF2-40B4-BE49-F238E27FC236}">
-                <a16:creationId xmlns:a16="http://schemas.microsoft.com/office/drawing/2014/main" id="{89C3DB6B-8AD8-4EDB-8718-A0FE2085A03C}"/>
+                <a16:creationId xmlns:a16="http://schemas.microsoft.com/office/drawing/2014/main" xmlns="" id="{89C3DB6B-8AD8-4EDB-8718-A0FE2085A03C}"/>
               </a:ext>
             </a:extLst>
           </p:cNvPr>
@@ -6574,14 +6291,14 @@
           <p:nvPr>
             <p:extLst>
               <p:ext uri="{D42A27DB-BD31-4B8C-83A1-F6EECF244321}">
-                <p14:modId xmlns:p14="http://schemas.microsoft.com/office/powerpoint/2010/main" val="2070138231"/>
+                <p14:modId xmlns:p14="http://schemas.microsoft.com/office/powerpoint/2010/main" val="1280566379"/>
               </p:ext>
             </p:extLst>
           </p:nvPr>
         </p:nvGraphicFramePr>
         <p:xfrm>
-          <a:off x="4679172" y="15542445"/>
-          <a:ext cx="8881984" cy="2560320"/>
+          <a:off x="1893716" y="16571243"/>
+          <a:ext cx="10403428" cy="1645920"/>
         </p:xfrm>
         <a:graphic>
           <a:graphicData uri="http://schemas.openxmlformats.org/drawingml/2006/table">
@@ -6590,22 +6307,22 @@
                 <a:tableStyleId>{5C22544A-7EE6-4342-B048-85BDC9FD1C3A}</a:tableStyleId>
               </a:tblPr>
               <a:tblGrid>
-                <a:gridCol w="1372707">
+                <a:gridCol w="1607846">
                   <a:extLst>
                     <a:ext uri="{9D8B030D-6E8A-4147-A177-3AD203B41FA5}">
-                      <a16:colId xmlns:a16="http://schemas.microsoft.com/office/drawing/2014/main" val="1358636601"/>
+                      <a16:colId xmlns:a16="http://schemas.microsoft.com/office/drawing/2014/main" xmlns="" val="1358636601"/>
                     </a:ext>
                   </a:extLst>
                 </a:gridCol>
-                <a:gridCol w="7509277">
+                <a:gridCol w="8795582">
                   <a:extLst>
                     <a:ext uri="{9D8B030D-6E8A-4147-A177-3AD203B41FA5}">
-                      <a16:colId xmlns:a16="http://schemas.microsoft.com/office/drawing/2014/main" val="3610811052"/>
+                      <a16:colId xmlns:a16="http://schemas.microsoft.com/office/drawing/2014/main" xmlns="" val="3610811052"/>
                     </a:ext>
                   </a:extLst>
                 </a:gridCol>
               </a:tblGrid>
-              <a:tr h="118657">
+              <a:tr h="0">
                 <a:tc gridSpan="2">
                   <a:txBody>
                     <a:bodyPr/>
@@ -6632,11 +6349,11 @@
                 </a:tc>
                 <a:extLst>
                   <a:ext uri="{0D108BD9-81ED-4DB2-BD59-A6C34878D82A}">
-                    <a16:rowId xmlns:a16="http://schemas.microsoft.com/office/drawing/2014/main" val="2614706741"/>
+                    <a16:rowId xmlns:a16="http://schemas.microsoft.com/office/drawing/2014/main" xmlns="" val="2614706741"/>
                   </a:ext>
                 </a:extLst>
               </a:tr>
-              <a:tr h="118657">
+              <a:tr h="184578">
                 <a:tc>
                   <a:txBody>
                     <a:bodyPr/>
@@ -6665,11 +6382,11 @@
                 </a:tc>
                 <a:extLst>
                   <a:ext uri="{0D108BD9-81ED-4DB2-BD59-A6C34878D82A}">
-                    <a16:rowId xmlns:a16="http://schemas.microsoft.com/office/drawing/2014/main" val="3546821875"/>
+                    <a16:rowId xmlns:a16="http://schemas.microsoft.com/office/drawing/2014/main" xmlns="" val="3546821875"/>
                   </a:ext>
                 </a:extLst>
               </a:tr>
-              <a:tr h="197761">
+              <a:tr h="258409">
                 <a:tc>
                   <a:txBody>
                     <a:bodyPr/>
@@ -6698,11 +6415,11 @@
                 </a:tc>
                 <a:extLst>
                   <a:ext uri="{0D108BD9-81ED-4DB2-BD59-A6C34878D82A}">
-                    <a16:rowId xmlns:a16="http://schemas.microsoft.com/office/drawing/2014/main" val="1427118731"/>
+                    <a16:rowId xmlns:a16="http://schemas.microsoft.com/office/drawing/2014/main" xmlns="" val="1427118731"/>
                   </a:ext>
                 </a:extLst>
               </a:tr>
-              <a:tr h="197761">
+              <a:tr h="258409">
                 <a:tc>
                   <a:txBody>
                     <a:bodyPr/>
@@ -6776,11 +6493,11 @@
                 </a:tc>
                 <a:extLst>
                   <a:ext uri="{0D108BD9-81ED-4DB2-BD59-A6C34878D82A}">
-                    <a16:rowId xmlns:a16="http://schemas.microsoft.com/office/drawing/2014/main" val="113192575"/>
+                    <a16:rowId xmlns:a16="http://schemas.microsoft.com/office/drawing/2014/main" xmlns="" val="113192575"/>
                   </a:ext>
                 </a:extLst>
               </a:tr>
-              <a:tr h="118657">
+              <a:tr h="184578">
                 <a:tc>
                   <a:txBody>
                     <a:bodyPr/>
@@ -6862,11 +6579,11 @@
                 </a:tc>
                 <a:extLst>
                   <a:ext uri="{0D108BD9-81ED-4DB2-BD59-A6C34878D82A}">
-                    <a16:rowId xmlns:a16="http://schemas.microsoft.com/office/drawing/2014/main" val="2286269774"/>
+                    <a16:rowId xmlns:a16="http://schemas.microsoft.com/office/drawing/2014/main" xmlns="" val="2286269774"/>
                   </a:ext>
                 </a:extLst>
               </a:tr>
-              <a:tr h="118657">
+              <a:tr h="184578">
                 <a:tc>
                   <a:txBody>
                     <a:bodyPr/>
@@ -6927,142 +6644,7 @@
                 </a:tc>
                 <a:extLst>
                   <a:ext uri="{0D108BD9-81ED-4DB2-BD59-A6C34878D82A}">
-                    <a16:rowId xmlns:a16="http://schemas.microsoft.com/office/drawing/2014/main" val="2050594596"/>
-                  </a:ext>
-                </a:extLst>
-              </a:tr>
-              <a:tr h="118657">
-                <a:tc>
-                  <a:txBody>
-                    <a:bodyPr/>
-                    <a:lstStyle/>
-                    <a:p>
-                      <a:r>
-                        <a:rPr lang="en-US" sz="1200" dirty="0"/>
-                        <a:t>Post-Filter</a:t>
-                      </a:r>
-                    </a:p>
-                  </a:txBody>
-                  <a:tcPr/>
-                </a:tc>
-                <a:tc>
-                  <a:txBody>
-                    <a:bodyPr/>
-                    <a:lstStyle/>
-                    <a:p>
-                      <a:r>
-                        <a:rPr lang="en-US" sz="1200" dirty="0"/>
-                        <a:t>ripple invests $25 million in </a:t>
-                      </a:r>
-                      <a:r>
-                        <a:rPr lang="en-US" sz="1200" dirty="0" err="1"/>
-                        <a:t>xrp</a:t>
-                      </a:r>
-                      <a:r>
-                        <a:rPr lang="en-US" sz="1200" dirty="0"/>
-                        <a:t> in blockchain capital’s $150 million </a:t>
-                      </a:r>
-                      <a:r>
-                        <a:rPr lang="en-US" sz="1200" dirty="0" err="1"/>
-                        <a:t>vc</a:t>
-                      </a:r>
-                      <a:r>
-                        <a:rPr lang="en-US" sz="1200" dirty="0"/>
-                        <a:t> fund _</a:t>
-                      </a:r>
-                      <a:r>
-                        <a:rPr lang="en-US" sz="1200" dirty="0" err="1"/>
-                        <a:t>url</a:t>
-                      </a:r>
-                      <a:r>
-                        <a:rPr lang="en-US" sz="1200" dirty="0"/>
-                        <a:t>_</a:t>
-                      </a:r>
-                    </a:p>
-                  </a:txBody>
-                  <a:tcPr/>
-                </a:tc>
-                <a:extLst>
-                  <a:ext uri="{0D108BD9-81ED-4DB2-BD59-A6C34878D82A}">
-                    <a16:rowId xmlns:a16="http://schemas.microsoft.com/office/drawing/2014/main" val="1747425152"/>
-                  </a:ext>
-                </a:extLst>
-              </a:tr>
-              <a:tr h="118657">
-                <a:tc>
-                  <a:txBody>
-                    <a:bodyPr/>
-                    <a:lstStyle/>
-                    <a:p>
-                      <a:r>
-                        <a:rPr lang="en-US" sz="1200" dirty="0"/>
-                        <a:t>Post-Filter</a:t>
-                      </a:r>
-                    </a:p>
-                  </a:txBody>
-                  <a:tcPr/>
-                </a:tc>
-                <a:tc>
-                  <a:txBody>
-                    <a:bodyPr/>
-                    <a:lstStyle/>
-                    <a:p>
-                      <a:r>
-                        <a:rPr lang="en-US" sz="1200" dirty="0"/>
-                        <a:t>why ripple 's </a:t>
-                      </a:r>
-                      <a:r>
-                        <a:rPr lang="en-US" sz="1200" dirty="0" err="1"/>
-                        <a:t>xrp</a:t>
-                      </a:r>
-                      <a:r>
-                        <a:rPr lang="en-US" sz="1200" dirty="0"/>
-                        <a:t> outperformed the other top cryptos this week </a:t>
-                      </a:r>
-                      <a:r>
-                        <a:rPr lang="en-US" sz="1200" u="none" strike="noStrike" kern="1200" dirty="0">
-                          <a:solidFill>
-                            <a:schemeClr val="dk1"/>
-                          </a:solidFill>
-                          <a:effectLst/>
-                          <a:latin typeface="+mn-lt"/>
-                          <a:ea typeface="+mn-ea"/>
-                          <a:cs typeface="+mn-cs"/>
-                        </a:rPr>
-                        <a:t>_</a:t>
-                      </a:r>
-                      <a:r>
-                        <a:rPr lang="en-US" sz="1200" u="none" strike="noStrike" kern="1200" dirty="0" err="1">
-                          <a:solidFill>
-                            <a:schemeClr val="dk1"/>
-                          </a:solidFill>
-                          <a:effectLst/>
-                          <a:latin typeface="+mn-lt"/>
-                          <a:ea typeface="+mn-ea"/>
-                          <a:cs typeface="+mn-cs"/>
-                        </a:rPr>
-                        <a:t>url</a:t>
-                      </a:r>
-                      <a:r>
-                        <a:rPr lang="en-US" sz="1200" u="none" strike="noStrike" kern="1200" dirty="0">
-                          <a:solidFill>
-                            <a:schemeClr val="dk1"/>
-                          </a:solidFill>
-                          <a:effectLst/>
-                          <a:latin typeface="+mn-lt"/>
-                          <a:ea typeface="+mn-ea"/>
-                          <a:cs typeface="+mn-cs"/>
-                        </a:rPr>
-                        <a:t>_</a:t>
-                      </a:r>
-                      <a:endParaRPr lang="en-US" sz="1200" dirty="0"/>
-                    </a:p>
-                  </a:txBody>
-                  <a:tcPr/>
-                </a:tc>
-                <a:extLst>
-                  <a:ext uri="{0D108BD9-81ED-4DB2-BD59-A6C34878D82A}">
-                    <a16:rowId xmlns:a16="http://schemas.microsoft.com/office/drawing/2014/main" val="42610138"/>
+                    <a16:rowId xmlns:a16="http://schemas.microsoft.com/office/drawing/2014/main" xmlns="" val="2050594596"/>
                   </a:ext>
                 </a:extLst>
               </a:tr>
@@ -7070,44 +6652,347 @@
           </a:graphicData>
         </a:graphic>
       </p:graphicFrame>
-      <p:pic>
-        <p:nvPicPr>
-          <p:cNvPr id="4" name="Picture 3"/>
-          <p:cNvPicPr>
-            <a:picLocks noChangeAspect="1"/>
-          </p:cNvPicPr>
+      <p:grpSp>
+        <p:nvGrpSpPr>
+          <p:cNvPr id="29" name="Group 28"/>
+          <p:cNvGrpSpPr/>
           <p:nvPr/>
-        </p:nvPicPr>
-        <p:blipFill>
-          <a:blip r:embed="rId12">
-            <a:extLst>
-              <a:ext uri="{28A0092B-C50C-407E-A947-70E740481C1C}">
-                <a14:useLocalDpi xmlns:a14="http://schemas.microsoft.com/office/drawing/2010/main" val="0"/>
-              </a:ext>
-            </a:extLst>
-          </a:blip>
-          <a:stretch>
-            <a:fillRect/>
-          </a:stretch>
-        </p:blipFill>
-        <p:spPr>
+        </p:nvGrpSpPr>
+        <p:grpSpPr>
           <a:xfrm>
-            <a:off x="6901738" y="9514729"/>
-            <a:ext cx="1828800" cy="1219199"/>
+            <a:off x="4686366" y="8967610"/>
+            <a:ext cx="4357654" cy="4567125"/>
+            <a:chOff x="4686366" y="7198187"/>
+            <a:chExt cx="4357654" cy="4567125"/>
           </a:xfrm>
-          <a:prstGeom prst="rect">
-            <a:avLst/>
-          </a:prstGeom>
-        </p:spPr>
-      </p:pic>
-      <mc:AlternateContent xmlns:mc="http://schemas.openxmlformats.org/markup-compatibility/2006" xmlns:a14="http://schemas.microsoft.com/office/drawing/2010/main">
-        <mc:Choice Requires="a14">
+        </p:grpSpPr>
+        <p:sp>
+          <p:nvSpPr>
+            <p:cNvPr id="18" name="TextBox 17">
+              <a:extLst>
+                <a:ext uri="{FF2B5EF4-FFF2-40B4-BE49-F238E27FC236}">
+                  <a16:creationId xmlns:a16="http://schemas.microsoft.com/office/drawing/2014/main" xmlns="" id="{4551F3FF-1DC6-4312-B013-B3DAF7C19194}"/>
+                </a:ext>
+              </a:extLst>
+            </p:cNvPr>
+            <p:cNvSpPr txBox="1"/>
+            <p:nvPr/>
+          </p:nvSpPr>
+          <p:spPr>
+            <a:xfrm>
+              <a:off x="4686366" y="7210219"/>
+              <a:ext cx="4357654" cy="4555093"/>
+            </a:xfrm>
+            <a:prstGeom prst="rect">
+              <a:avLst/>
+            </a:prstGeom>
+            <a:solidFill>
+              <a:schemeClr val="bg1"/>
+            </a:solidFill>
+            <a:ln>
+              <a:solidFill>
+                <a:srgbClr val="011F5B"/>
+              </a:solidFill>
+            </a:ln>
+          </p:spPr>
+          <p:txBody>
+            <a:bodyPr wrap="square" rtlCol="0">
+              <a:spAutoFit/>
+            </a:bodyPr>
+            <a:lstStyle/>
+            <a:p>
+              <a:endParaRPr lang="en-US" sz="1000" dirty="0">
+                <a:solidFill>
+                  <a:srgbClr val="011F5B"/>
+                </a:solidFill>
+              </a:endParaRPr>
+            </a:p>
+            <a:p>
+              <a:endParaRPr lang="en-US" sz="1000" dirty="0">
+                <a:solidFill>
+                  <a:srgbClr val="011F5B"/>
+                </a:solidFill>
+              </a:endParaRPr>
+            </a:p>
+            <a:p>
+              <a:endParaRPr lang="en-US" sz="1000" dirty="0">
+                <a:solidFill>
+                  <a:srgbClr val="011F5B"/>
+                </a:solidFill>
+              </a:endParaRPr>
+            </a:p>
+            <a:p>
+              <a:r>
+                <a:rPr lang="en-US" sz="1000" dirty="0">
+                  <a:solidFill>
+                    <a:srgbClr val="011F5B"/>
+                  </a:solidFill>
+                </a:rPr>
+                <a:t>A variety of models were tuned on a count bag of words feature space. This baseline feature space has the number of tweets a stemmed word or bigram appears in each hour. Two hour windows were also explored.</a:t>
+              </a:r>
+            </a:p>
+            <a:p>
+              <a:endParaRPr lang="en-US" sz="1000" dirty="0">
+                <a:solidFill>
+                  <a:srgbClr val="011F5B"/>
+                </a:solidFill>
+              </a:endParaRPr>
+            </a:p>
+            <a:p>
+              <a:endParaRPr lang="en-US" sz="1000" dirty="0">
+                <a:solidFill>
+                  <a:srgbClr val="011F5B"/>
+                </a:solidFill>
+              </a:endParaRPr>
+            </a:p>
+            <a:p>
+              <a:endParaRPr lang="en-US" sz="1000" dirty="0">
+                <a:solidFill>
+                  <a:srgbClr val="011F5B"/>
+                </a:solidFill>
+              </a:endParaRPr>
+            </a:p>
+            <a:p>
+              <a:endParaRPr lang="en-US" sz="1000" dirty="0">
+                <a:solidFill>
+                  <a:srgbClr val="011F5B"/>
+                </a:solidFill>
+              </a:endParaRPr>
+            </a:p>
+            <a:p>
+              <a:endParaRPr lang="en-US" sz="1000" dirty="0">
+                <a:solidFill>
+                  <a:srgbClr val="011F5B"/>
+                </a:solidFill>
+              </a:endParaRPr>
+            </a:p>
+            <a:p>
+              <a:endParaRPr lang="en-US" sz="1000" dirty="0">
+                <a:solidFill>
+                  <a:srgbClr val="011F5B"/>
+                </a:solidFill>
+              </a:endParaRPr>
+            </a:p>
+            <a:p>
+              <a:endParaRPr lang="en-US" sz="1000" dirty="0">
+                <a:solidFill>
+                  <a:srgbClr val="011F5B"/>
+                </a:solidFill>
+              </a:endParaRPr>
+            </a:p>
+            <a:p>
+              <a:endParaRPr lang="en-US" sz="1000" dirty="0">
+                <a:solidFill>
+                  <a:srgbClr val="011F5B"/>
+                </a:solidFill>
+              </a:endParaRPr>
+            </a:p>
+            <a:p>
+              <a:endParaRPr lang="en-US" sz="1000" dirty="0">
+                <a:solidFill>
+                  <a:srgbClr val="011F5B"/>
+                </a:solidFill>
+              </a:endParaRPr>
+            </a:p>
+            <a:p>
+              <a:endParaRPr lang="en-US" sz="1000" dirty="0">
+                <a:solidFill>
+                  <a:srgbClr val="011F5B"/>
+                </a:solidFill>
+              </a:endParaRPr>
+            </a:p>
+            <a:p>
+              <a:endParaRPr lang="en-US" sz="1000" dirty="0">
+                <a:solidFill>
+                  <a:srgbClr val="011F5B"/>
+                </a:solidFill>
+              </a:endParaRPr>
+            </a:p>
+            <a:p>
+              <a:r>
+                <a:rPr lang="en-US" sz="1000" dirty="0">
+                  <a:solidFill>
+                    <a:srgbClr val="011F5B"/>
+                  </a:solidFill>
+                </a:rPr>
+                <a:t>Temporal relations in the dataset were also considered. One surprising result shows that delaying the hour in which price change is measured from when the tweet data is collected can actually improve classifier accuracy. This indicates that the market may have a delay in price response to twitter activity.</a:t>
+              </a:r>
+            </a:p>
+            <a:p>
+              <a:endParaRPr lang="en-US" sz="1000" dirty="0">
+                <a:solidFill>
+                  <a:srgbClr val="011F5B"/>
+                </a:solidFill>
+              </a:endParaRPr>
+            </a:p>
+            <a:p>
+              <a:endParaRPr lang="en-US" sz="1000" dirty="0">
+                <a:solidFill>
+                  <a:srgbClr val="011F5B"/>
+                </a:solidFill>
+              </a:endParaRPr>
+            </a:p>
+            <a:p>
+              <a:endParaRPr lang="en-US" sz="1000" dirty="0">
+                <a:solidFill>
+                  <a:srgbClr val="011F5B"/>
+                </a:solidFill>
+              </a:endParaRPr>
+            </a:p>
+            <a:p>
+              <a:endParaRPr lang="en-US" sz="1000" dirty="0">
+                <a:solidFill>
+                  <a:srgbClr val="011F5B"/>
+                </a:solidFill>
+              </a:endParaRPr>
+            </a:p>
+            <a:p>
+              <a:endParaRPr lang="en-US" sz="1000" dirty="0">
+                <a:solidFill>
+                  <a:srgbClr val="011F5B"/>
+                </a:solidFill>
+              </a:endParaRPr>
+            </a:p>
+            <a:p>
+              <a:endParaRPr lang="en-US" sz="1000" dirty="0">
+                <a:solidFill>
+                  <a:srgbClr val="011F5B"/>
+                </a:solidFill>
+              </a:endParaRPr>
+            </a:p>
+            <a:p>
+              <a:endParaRPr lang="en-US" sz="1000" dirty="0">
+                <a:solidFill>
+                  <a:srgbClr val="011F5B"/>
+                </a:solidFill>
+              </a:endParaRPr>
+            </a:p>
+            <a:p>
+              <a:endParaRPr lang="en-US" sz="1000" dirty="0">
+                <a:solidFill>
+                  <a:srgbClr val="011F5B"/>
+                </a:solidFill>
+              </a:endParaRPr>
+            </a:p>
+          </p:txBody>
+        </p:sp>
+        <p:sp>
+          <p:nvSpPr>
+            <p:cNvPr id="19" name="TextBox 18">
+              <a:extLst>
+                <a:ext uri="{FF2B5EF4-FFF2-40B4-BE49-F238E27FC236}">
+                  <a16:creationId xmlns:a16="http://schemas.microsoft.com/office/drawing/2014/main" xmlns="" id="{0F3F0241-CF38-4C35-8814-BD73D9A52062}"/>
+                </a:ext>
+              </a:extLst>
+            </p:cNvPr>
+            <p:cNvSpPr txBox="1"/>
+            <p:nvPr/>
+          </p:nvSpPr>
+          <p:spPr>
+            <a:xfrm>
+              <a:off x="4686366" y="7198187"/>
+              <a:ext cx="4357654" cy="348878"/>
+            </a:xfrm>
+            <a:prstGeom prst="rect">
+              <a:avLst/>
+            </a:prstGeom>
+            <a:solidFill>
+              <a:srgbClr val="011F5B"/>
+            </a:solidFill>
+            <a:ln>
+              <a:solidFill>
+                <a:srgbClr val="011F5B"/>
+              </a:solidFill>
+            </a:ln>
+          </p:spPr>
+          <p:txBody>
+            <a:bodyPr wrap="square" rtlCol="0">
+              <a:spAutoFit/>
+            </a:bodyPr>
+            <a:lstStyle/>
+            <a:p>
+              <a:pPr algn="ctr"/>
+              <a:r>
+                <a:rPr lang="en-US" sz="1667" b="1" dirty="0">
+                  <a:solidFill>
+                    <a:schemeClr val="bg1"/>
+                  </a:solidFill>
+                  <a:latin typeface="Garamond" panose="02020404030301010803" pitchFamily="18" charset="0"/>
+                </a:rPr>
+                <a:t>Models</a:t>
+              </a:r>
+            </a:p>
+          </p:txBody>
+        </p:sp>
+        <p:pic>
+          <p:nvPicPr>
+            <p:cNvPr id="4" name="Picture 3"/>
+            <p:cNvPicPr>
+              <a:picLocks noChangeAspect="1"/>
+            </p:cNvPicPr>
+            <p:nvPr/>
+          </p:nvPicPr>
+          <p:blipFill>
+            <a:blip r:embed="rId13">
+              <a:extLst>
+                <a:ext uri="{28A0092B-C50C-407E-A947-70E740481C1C}">
+                  <a14:useLocalDpi xmlns:a14="http://schemas.microsoft.com/office/drawing/2010/main" val="0"/>
+                </a:ext>
+              </a:extLst>
+            </a:blip>
+            <a:stretch>
+              <a:fillRect/>
+            </a:stretch>
+          </p:blipFill>
+          <p:spPr>
+            <a:xfrm>
+              <a:off x="6901738" y="10477897"/>
+              <a:ext cx="1828800" cy="1219199"/>
+            </a:xfrm>
+            <a:prstGeom prst="rect">
+              <a:avLst/>
+            </a:prstGeom>
+          </p:spPr>
+        </p:pic>
+        <p:pic>
+          <p:nvPicPr>
+            <p:cNvPr id="8" name="Picture 7"/>
+            <p:cNvPicPr>
+              <a:picLocks noChangeAspect="1"/>
+            </p:cNvPicPr>
+            <p:nvPr/>
+          </p:nvPicPr>
+          <p:blipFill>
+            <a:blip r:embed="rId14">
+              <a:extLst>
+                <a:ext uri="{28A0092B-C50C-407E-A947-70E740481C1C}">
+                  <a14:useLocalDpi xmlns:a14="http://schemas.microsoft.com/office/drawing/2010/main" val="0"/>
+                </a:ext>
+              </a:extLst>
+            </a:blip>
+            <a:stretch>
+              <a:fillRect/>
+            </a:stretch>
+          </p:blipFill>
+          <p:spPr>
+            <a:xfrm>
+              <a:off x="5013792" y="10516862"/>
+              <a:ext cx="1690265" cy="1126843"/>
+            </a:xfrm>
+            <a:prstGeom prst="rect">
+              <a:avLst/>
+            </a:prstGeom>
+          </p:spPr>
+        </p:pic>
+      </p:grpSp>
+      <mc:AlternateContent xmlns:mc="http://schemas.openxmlformats.org/markup-compatibility/2006">
+        <mc:Choice xmlns:a14="http://schemas.microsoft.com/office/drawing/2010/main" Requires="a14">
           <p:graphicFrame>
             <p:nvGraphicFramePr>
               <p:cNvPr id="28" name="Table 27">
                 <a:extLst>
                   <a:ext uri="{FF2B5EF4-FFF2-40B4-BE49-F238E27FC236}">
-                    <a16:creationId xmlns:a16="http://schemas.microsoft.com/office/drawing/2014/main" id="{37BD625B-551D-49A4-895F-BFE014F4F99A}"/>
+                    <a16:creationId xmlns:a16="http://schemas.microsoft.com/office/drawing/2014/main" xmlns="" id="{37BD625B-551D-49A4-895F-BFE014F4F99A}"/>
                   </a:ext>
                 </a:extLst>
               </p:cNvPr>
@@ -7117,13 +7002,13 @@
               <p:nvPr>
                 <p:extLst>
                   <p:ext uri="{D42A27DB-BD31-4B8C-83A1-F6EECF244321}">
-                    <p14:modId xmlns:p14="http://schemas.microsoft.com/office/powerpoint/2010/main" val="863858431"/>
+                    <p14:modId xmlns:p14="http://schemas.microsoft.com/office/powerpoint/2010/main" val="1637815723"/>
                   </p:ext>
                 </p:extLst>
               </p:nvPr>
             </p:nvGraphicFramePr>
             <p:xfrm>
-              <a:off x="4743901" y="7237174"/>
+              <a:off x="4743901" y="9969765"/>
               <a:ext cx="4224759" cy="1624278"/>
             </p:xfrm>
             <a:graphic>
@@ -7136,28 +7021,28 @@
                     <a:gridCol w="1233387">
                       <a:extLst>
                         <a:ext uri="{9D8B030D-6E8A-4147-A177-3AD203B41FA5}">
-                          <a16:colId xmlns:a16="http://schemas.microsoft.com/office/drawing/2014/main" val="3247188750"/>
+                          <a16:colId xmlns:a16="http://schemas.microsoft.com/office/drawing/2014/main" xmlns="" val="3247188750"/>
                         </a:ext>
                       </a:extLst>
                     </a:gridCol>
                     <a:gridCol w="616017">
                       <a:extLst>
                         <a:ext uri="{9D8B030D-6E8A-4147-A177-3AD203B41FA5}">
-                          <a16:colId xmlns:a16="http://schemas.microsoft.com/office/drawing/2014/main" val="1214523097"/>
+                          <a16:colId xmlns:a16="http://schemas.microsoft.com/office/drawing/2014/main" xmlns="" val="1214523097"/>
                         </a:ext>
                       </a:extLst>
                     </a:gridCol>
                     <a:gridCol w="664143">
                       <a:extLst>
                         <a:ext uri="{9D8B030D-6E8A-4147-A177-3AD203B41FA5}">
-                          <a16:colId xmlns:a16="http://schemas.microsoft.com/office/drawing/2014/main" val="3255143547"/>
+                          <a16:colId xmlns:a16="http://schemas.microsoft.com/office/drawing/2014/main" xmlns="" val="3255143547"/>
                         </a:ext>
                       </a:extLst>
                     </a:gridCol>
                     <a:gridCol w="1711212">
                       <a:extLst>
                         <a:ext uri="{9D8B030D-6E8A-4147-A177-3AD203B41FA5}">
-                          <a16:colId xmlns:a16="http://schemas.microsoft.com/office/drawing/2014/main" val="20003"/>
+                          <a16:colId xmlns:a16="http://schemas.microsoft.com/office/drawing/2014/main" xmlns="" val="20003"/>
                         </a:ext>
                       </a:extLst>
                     </a:gridCol>
@@ -7210,7 +7095,7 @@
                     </a:tc>
                     <a:extLst>
                       <a:ext uri="{0D108BD9-81ED-4DB2-BD59-A6C34878D82A}">
-                        <a16:rowId xmlns:a16="http://schemas.microsoft.com/office/drawing/2014/main" val="426857068"/>
+                        <a16:rowId xmlns:a16="http://schemas.microsoft.com/office/drawing/2014/main" xmlns="" val="426857068"/>
                       </a:ext>
                     </a:extLst>
                   </a:tr>
@@ -7275,7 +7160,7 @@
                     </a:tc>
                     <a:extLst>
                       <a:ext uri="{0D108BD9-81ED-4DB2-BD59-A6C34878D82A}">
-                        <a16:rowId xmlns:a16="http://schemas.microsoft.com/office/drawing/2014/main" val="4254030744"/>
+                        <a16:rowId xmlns:a16="http://schemas.microsoft.com/office/drawing/2014/main" xmlns="" val="4254030744"/>
                       </a:ext>
                     </a:extLst>
                   </a:tr>
@@ -7336,7 +7221,7 @@
                                   <m:funcPr>
                                     <m:ctrlPr>
                                       <a:rPr lang="en-US" sz="500" b="0" i="1" smtClean="0">
-                                        <a:latin typeface="Cambria Math" panose="02040503050406030204" pitchFamily="18" charset="0"/>
+                                        <a:latin typeface="Cambria Math" charset="0"/>
                                       </a:rPr>
                                     </m:ctrlPr>
                                   </m:funcPr>
@@ -7356,7 +7241,7 @@
                                       <m:sSupPr>
                                         <m:ctrlPr>
                                           <a:rPr lang="en-US" sz="500" b="0" i="1" smtClean="0">
-                                            <a:latin typeface="Cambria Math" panose="02040503050406030204" pitchFamily="18" charset="0"/>
+                                            <a:latin typeface="Cambria Math" charset="0"/>
                                           </a:rPr>
                                         </m:ctrlPr>
                                       </m:sSupPr>
@@ -7373,7 +7258,7 @@
                                             <m:endChr m:val="|"/>
                                             <m:ctrlPr>
                                               <a:rPr lang="en-US" sz="500" b="0" i="1" smtClean="0">
-                                                <a:latin typeface="Cambria Math" panose="02040503050406030204" pitchFamily="18" charset="0"/>
+                                                <a:latin typeface="Cambria Math" charset="0"/>
                                               </a:rPr>
                                             </m:ctrlPr>
                                           </m:dPr>
@@ -7421,7 +7306,7 @@
                                         <m:supHide m:val="on"/>
                                         <m:ctrlPr>
                                           <a:rPr lang="en-US" sz="500" b="0" i="1" smtClean="0">
-                                            <a:latin typeface="Cambria Math" panose="02040503050406030204" pitchFamily="18" charset="0"/>
+                                            <a:latin typeface="Cambria Math" charset="0"/>
                                           </a:rPr>
                                         </m:ctrlPr>
                                       </m:naryPr>
@@ -7432,7 +7317,7 @@
                                           <m:funcPr>
                                             <m:ctrlPr>
                                               <a:rPr lang="en-US" sz="500" b="0" i="1" smtClean="0">
-                                                <a:latin typeface="Cambria Math" panose="02040503050406030204" pitchFamily="18" charset="0"/>
+                                                <a:latin typeface="Cambria Math" charset="0"/>
                                               </a:rPr>
                                             </m:ctrlPr>
                                           </m:funcPr>
@@ -7458,7 +7343,7 @@
                                               <m:sSubPr>
                                                 <m:ctrlPr>
                                                   <a:rPr lang="en-US" sz="500" b="0" i="1" smtClean="0">
-                                                    <a:latin typeface="Cambria Math" panose="02040503050406030204" pitchFamily="18" charset="0"/>
+                                                    <a:latin typeface="Cambria Math" charset="0"/>
                                                   </a:rPr>
                                                 </m:ctrlPr>
                                               </m:sSubPr>
@@ -7489,7 +7374,7 @@
                                               <m:sSupPr>
                                                 <m:ctrlPr>
                                                   <a:rPr lang="en-US" sz="500" b="0" i="1" smtClean="0">
-                                                    <a:latin typeface="Cambria Math" panose="02040503050406030204" pitchFamily="18" charset="0"/>
+                                                    <a:latin typeface="Cambria Math" charset="0"/>
                                                   </a:rPr>
                                                 </m:ctrlPr>
                                               </m:sSupPr>
@@ -7514,7 +7399,7 @@
                                               <m:sSubPr>
                                                 <m:ctrlPr>
                                                   <a:rPr lang="en-US" sz="500" b="0" i="1" smtClean="0">
-                                                    <a:latin typeface="Cambria Math" panose="02040503050406030204" pitchFamily="18" charset="0"/>
+                                                    <a:latin typeface="Cambria Math" charset="0"/>
                                                   </a:rPr>
                                                 </m:ctrlPr>
                                               </m:sSubPr>
@@ -7569,7 +7454,7 @@
                     </a:tc>
                     <a:extLst>
                       <a:ext uri="{0D108BD9-81ED-4DB2-BD59-A6C34878D82A}">
-                        <a16:rowId xmlns:a16="http://schemas.microsoft.com/office/drawing/2014/main" val="2348030731"/>
+                        <a16:rowId xmlns:a16="http://schemas.microsoft.com/office/drawing/2014/main" xmlns="" val="2348030731"/>
                       </a:ext>
                     </a:extLst>
                   </a:tr>
@@ -7654,7 +7539,7 @@
                                         <a:solidFill>
                                           <a:srgbClr val="011F5B"/>
                                         </a:solidFill>
-                                        <a:latin typeface="Cambria Math" panose="02040503050406030204" pitchFamily="18" charset="0"/>
+                                        <a:latin typeface="Cambria Math" charset="0"/>
                                         <a:ea typeface="Calibri" charset="0"/>
                                         <a:cs typeface="Calibri" charset="0"/>
                                       </a:rPr>
@@ -7687,7 +7572,7 @@
                                             <a:solidFill>
                                               <a:srgbClr val="011F5B"/>
                                             </a:solidFill>
-                                            <a:latin typeface="Cambria Math" panose="02040503050406030204" pitchFamily="18" charset="0"/>
+                                            <a:latin typeface="Cambria Math" charset="0"/>
                                             <a:ea typeface="Calibri" charset="0"/>
                                             <a:cs typeface="Calibri" charset="0"/>
                                           </a:rPr>
@@ -7703,7 +7588,7 @@
                                                 <a:solidFill>
                                                   <a:srgbClr val="011F5B"/>
                                                 </a:solidFill>
-                                                <a:latin typeface="Cambria Math" panose="02040503050406030204" pitchFamily="18" charset="0"/>
+                                                <a:latin typeface="Cambria Math" charset="0"/>
                                                 <a:ea typeface="Cambria Math" charset="0"/>
                                                 <a:cs typeface="Cambria Math" charset="0"/>
                                               </a:rPr>
@@ -7728,7 +7613,7 @@
                                                     <a:solidFill>
                                                       <a:srgbClr val="011F5B"/>
                                                     </a:solidFill>
-                                                    <a:latin typeface="Cambria Math" panose="02040503050406030204" pitchFamily="18" charset="0"/>
+                                                    <a:latin typeface="Cambria Math" charset="0"/>
                                                     <a:ea typeface="Cambria Math" charset="0"/>
                                                     <a:cs typeface="Cambria Math" charset="0"/>
                                                   </a:rPr>
@@ -7742,7 +7627,7 @@
                                                         <a:solidFill>
                                                           <a:srgbClr val="011F5B"/>
                                                         </a:solidFill>
-                                                        <a:latin typeface="Cambria Math" panose="02040503050406030204" pitchFamily="18" charset="0"/>
+                                                        <a:latin typeface="Cambria Math" charset="0"/>
                                                         <a:ea typeface="Cambria Math" charset="0"/>
                                                         <a:cs typeface="Cambria Math" charset="0"/>
                                                       </a:rPr>
@@ -7786,7 +7671,7 @@
                                                     <a:solidFill>
                                                       <a:srgbClr val="011F5B"/>
                                                     </a:solidFill>
-                                                    <a:latin typeface="Cambria Math" panose="02040503050406030204" pitchFamily="18" charset="0"/>
+                                                    <a:latin typeface="Cambria Math" charset="0"/>
                                                     <a:ea typeface="Cambria Math" charset="0"/>
                                                     <a:cs typeface="Cambria Math" charset="0"/>
                                                   </a:rPr>
@@ -7828,7 +7713,7 @@
                                                 <a:solidFill>
                                                   <a:srgbClr val="011F5B"/>
                                                 </a:solidFill>
-                                                <a:latin typeface="Cambria Math" panose="02040503050406030204" pitchFamily="18" charset="0"/>
+                                                <a:latin typeface="Cambria Math" charset="0"/>
                                                 <a:ea typeface="Cambria Math" charset="0"/>
                                                 <a:cs typeface="Cambria Math" charset="0"/>
                                               </a:rPr>
@@ -7842,7 +7727,7 @@
                                                     <a:solidFill>
                                                       <a:srgbClr val="011F5B"/>
                                                     </a:solidFill>
-                                                    <a:latin typeface="Cambria Math" panose="02040503050406030204" pitchFamily="18" charset="0"/>
+                                                    <a:latin typeface="Cambria Math" charset="0"/>
                                                     <a:ea typeface="Cambria Math" charset="0"/>
                                                     <a:cs typeface="Cambria Math" charset="0"/>
                                                   </a:rPr>
@@ -7878,7 +7763,7 @@
                                                         <a:solidFill>
                                                           <a:srgbClr val="011F5B"/>
                                                         </a:solidFill>
-                                                        <a:latin typeface="Cambria Math" panose="02040503050406030204" pitchFamily="18" charset="0"/>
+                                                        <a:latin typeface="Cambria Math" charset="0"/>
                                                         <a:ea typeface="Cambria Math" charset="0"/>
                                                         <a:cs typeface="Cambria Math" charset="0"/>
                                                       </a:rPr>
@@ -7892,7 +7777,7 @@
                                                             <a:solidFill>
                                                               <a:srgbClr val="011F5B"/>
                                                             </a:solidFill>
-                                                            <a:latin typeface="Cambria Math" panose="02040503050406030204" pitchFamily="18" charset="0"/>
+                                                            <a:latin typeface="Cambria Math" charset="0"/>
                                                             <a:ea typeface="Cambria Math" charset="0"/>
                                                             <a:cs typeface="Cambria Math" charset="0"/>
                                                           </a:rPr>
@@ -7949,7 +7834,7 @@
                                                     <a:solidFill>
                                                       <a:srgbClr val="011F5B"/>
                                                     </a:solidFill>
-                                                    <a:latin typeface="Cambria Math" panose="02040503050406030204" pitchFamily="18" charset="0"/>
+                                                    <a:latin typeface="Cambria Math" charset="0"/>
                                                     <a:ea typeface="Cambria Math" charset="0"/>
                                                     <a:cs typeface="Cambria Math" charset="0"/>
                                                   </a:rPr>
@@ -8015,7 +7900,7 @@
                                             <a:solidFill>
                                               <a:srgbClr val="011F5B"/>
                                             </a:solidFill>
-                                            <a:latin typeface="Cambria Math" panose="02040503050406030204" pitchFamily="18" charset="0"/>
+                                            <a:latin typeface="Cambria Math" charset="0"/>
                                             <a:ea typeface="Cambria Math" charset="0"/>
                                             <a:cs typeface="Cambria Math" charset="0"/>
                                           </a:rPr>
@@ -8053,7 +7938,7 @@
                                             <a:solidFill>
                                               <a:srgbClr val="011F5B"/>
                                             </a:solidFill>
-                                            <a:latin typeface="Cambria Math" panose="02040503050406030204" pitchFamily="18" charset="0"/>
+                                            <a:latin typeface="Cambria Math" charset="0"/>
                                             <a:ea typeface="Cambria Math" charset="0"/>
                                             <a:cs typeface="Cambria Math" charset="0"/>
                                           </a:rPr>
@@ -8091,7 +7976,7 @@
                                                 <a:solidFill>
                                                   <a:srgbClr val="011F5B"/>
                                                 </a:solidFill>
-                                                <a:latin typeface="Cambria Math" panose="02040503050406030204" pitchFamily="18" charset="0"/>
+                                                <a:latin typeface="Cambria Math" charset="0"/>
                                                 <a:ea typeface="Cambria Math" charset="0"/>
                                                 <a:cs typeface="Cambria Math" charset="0"/>
                                               </a:rPr>
@@ -8129,7 +8014,7 @@
                                                     <a:solidFill>
                                                       <a:srgbClr val="011F5B"/>
                                                     </a:solidFill>
-                                                    <a:latin typeface="Cambria Math" panose="02040503050406030204" pitchFamily="18" charset="0"/>
+                                                    <a:latin typeface="Cambria Math" charset="0"/>
                                                     <a:ea typeface="Cambria Math" charset="0"/>
                                                     <a:cs typeface="Cambria Math" charset="0"/>
                                                   </a:rPr>
@@ -8196,7 +8081,7 @@
                     </a:tc>
                     <a:extLst>
                       <a:ext uri="{0D108BD9-81ED-4DB2-BD59-A6C34878D82A}">
-                        <a16:rowId xmlns:a16="http://schemas.microsoft.com/office/drawing/2014/main" val="575309201"/>
+                        <a16:rowId xmlns:a16="http://schemas.microsoft.com/office/drawing/2014/main" xmlns="" val="575309201"/>
                       </a:ext>
                     </a:extLst>
                   </a:tr>
@@ -8277,7 +8162,7 @@
                                         <a:solidFill>
                                           <a:srgbClr val="011F5B"/>
                                         </a:solidFill>
-                                        <a:latin typeface="Cambria Math" panose="02040503050406030204" pitchFamily="18" charset="0"/>
+                                        <a:latin typeface="Cambria Math" charset="0"/>
                                         <a:ea typeface="Calibri" charset="0"/>
                                         <a:cs typeface="Calibri" charset="0"/>
                                       </a:rPr>
@@ -8315,7 +8200,7 @@
                                         <a:solidFill>
                                           <a:srgbClr val="011F5B"/>
                                         </a:solidFill>
-                                        <a:latin typeface="Cambria Math" panose="02040503050406030204" pitchFamily="18" charset="0"/>
+                                        <a:latin typeface="Cambria Math" charset="0"/>
                                         <a:ea typeface="Calibri" charset="0"/>
                                         <a:cs typeface="Calibri" charset="0"/>
                                       </a:rPr>
@@ -8329,7 +8214,7 @@
                                             <a:solidFill>
                                               <a:srgbClr val="011F5B"/>
                                             </a:solidFill>
-                                            <a:latin typeface="Cambria Math" panose="02040503050406030204" pitchFamily="18" charset="0"/>
+                                            <a:latin typeface="Cambria Math" charset="0"/>
                                             <a:ea typeface="Calibri" charset="0"/>
                                             <a:cs typeface="Calibri" charset="0"/>
                                           </a:rPr>
@@ -8396,7 +8281,7 @@
                                             <a:solidFill>
                                               <a:srgbClr val="011F5B"/>
                                             </a:solidFill>
-                                            <a:latin typeface="Cambria Math" panose="02040503050406030204" pitchFamily="18" charset="0"/>
+                                            <a:latin typeface="Cambria Math" charset="0"/>
                                             <a:ea typeface="Calibri" charset="0"/>
                                             <a:cs typeface="Calibri" charset="0"/>
                                           </a:rPr>
@@ -8410,7 +8295,7 @@
                                                 <a:solidFill>
                                                   <a:srgbClr val="011F5B"/>
                                                 </a:solidFill>
-                                                <a:latin typeface="Cambria Math" panose="02040503050406030204" pitchFamily="18" charset="0"/>
+                                                <a:latin typeface="Cambria Math" charset="0"/>
                                                 <a:ea typeface="Calibri" charset="0"/>
                                                 <a:cs typeface="Calibri" charset="0"/>
                                               </a:rPr>
@@ -8455,7 +8340,7 @@
                                             <a:solidFill>
                                               <a:srgbClr val="011F5B"/>
                                             </a:solidFill>
-                                            <a:latin typeface="Cambria Math" panose="02040503050406030204" pitchFamily="18" charset="0"/>
+                                            <a:latin typeface="Cambria Math" charset="0"/>
                                             <a:ea typeface="Calibri" charset="0"/>
                                             <a:cs typeface="Calibri" charset="0"/>
                                           </a:rPr>
@@ -8482,7 +8367,7 @@
                                                 <a:solidFill>
                                                   <a:srgbClr val="011F5B"/>
                                                 </a:solidFill>
-                                                <a:latin typeface="Cambria Math" panose="02040503050406030204" pitchFamily="18" charset="0"/>
+                                                <a:latin typeface="Cambria Math" charset="0"/>
                                                 <a:ea typeface="Calibri" charset="0"/>
                                                 <a:cs typeface="Calibri" charset="0"/>
                                               </a:rPr>
@@ -8496,7 +8381,7 @@
                                                     <a:solidFill>
                                                       <a:srgbClr val="011F5B"/>
                                                     </a:solidFill>
-                                                    <a:latin typeface="Cambria Math" panose="02040503050406030204" pitchFamily="18" charset="0"/>
+                                                    <a:latin typeface="Cambria Math" charset="0"/>
                                                     <a:ea typeface="Calibri" charset="0"/>
                                                     <a:cs typeface="Calibri" charset="0"/>
                                                   </a:rPr>
@@ -8538,7 +8423,7 @@
                                                     <a:solidFill>
                                                       <a:srgbClr val="011F5B"/>
                                                     </a:solidFill>
-                                                    <a:latin typeface="Cambria Math" panose="02040503050406030204" pitchFamily="18" charset="0"/>
+                                                    <a:latin typeface="Cambria Math" charset="0"/>
                                                     <a:ea typeface="Calibri" charset="0"/>
                                                     <a:cs typeface="Calibri" charset="0"/>
                                                   </a:rPr>
@@ -8594,7 +8479,7 @@
                     </a:tc>
                     <a:extLst>
                       <a:ext uri="{0D108BD9-81ED-4DB2-BD59-A6C34878D82A}">
-                        <a16:rowId xmlns:a16="http://schemas.microsoft.com/office/drawing/2014/main" val="10004"/>
+                        <a16:rowId xmlns:a16="http://schemas.microsoft.com/office/drawing/2014/main" xmlns="" val="10004"/>
                       </a:ext>
                     </a:extLst>
                   </a:tr>
@@ -8605,8 +8490,12 @@
                         <a:lstStyle/>
                         <a:p>
                           <a:r>
+                            <a:rPr lang="en-US" sz="1000" dirty="0" smtClean="0"/>
+                            <a:t>Neural </a:t>
+                          </a:r>
+                          <a:r>
                             <a:rPr lang="en-US" sz="1000" dirty="0"/>
-                            <a:t>Neural Net</a:t>
+                            <a:t>Net</a:t>
                           </a:r>
                         </a:p>
                       </a:txBody>
@@ -8663,7 +8552,7 @@
                     </a:tc>
                     <a:extLst>
                       <a:ext uri="{0D108BD9-81ED-4DB2-BD59-A6C34878D82A}">
-                        <a16:rowId xmlns:a16="http://schemas.microsoft.com/office/drawing/2014/main" val="10005"/>
+                        <a16:rowId xmlns:a16="http://schemas.microsoft.com/office/drawing/2014/main" xmlns="" val="10005"/>
                       </a:ext>
                     </a:extLst>
                   </a:tr>
@@ -8672,13 +8561,13 @@
             </a:graphic>
           </p:graphicFrame>
         </mc:Choice>
-        <mc:Fallback xmlns="">
+        <mc:Fallback>
           <p:graphicFrame>
             <p:nvGraphicFramePr>
               <p:cNvPr id="28" name="Table 27">
                 <a:extLst>
                   <a:ext uri="{FF2B5EF4-FFF2-40B4-BE49-F238E27FC236}">
-                    <a16:creationId xmlns="" xmlns:a16="http://schemas.microsoft.com/office/drawing/2014/main" id="{37BD625B-551D-49A4-895F-BFE014F4F99A}"/>
+                    <a16:creationId xmlns:a16="http://schemas.microsoft.com/office/drawing/2014/main" xmlns:a14="http://schemas.microsoft.com/office/drawing/2010/main" xmlns="" id="{37BD625B-551D-49A4-895F-BFE014F4F99A}"/>
                   </a:ext>
                 </a:extLst>
               </p:cNvPr>
@@ -8688,13 +8577,13 @@
               <p:nvPr>
                 <p:extLst>
                   <p:ext uri="{D42A27DB-BD31-4B8C-83A1-F6EECF244321}">
-                    <p14:modId xmlns:p14="http://schemas.microsoft.com/office/powerpoint/2010/main" val="863858431"/>
+                    <p14:modId xmlns:p14="http://schemas.microsoft.com/office/powerpoint/2010/main" val="1637815723"/>
                   </p:ext>
                 </p:extLst>
               </p:nvPr>
             </p:nvGraphicFramePr>
             <p:xfrm>
-              <a:off x="4743901" y="7237174"/>
+              <a:off x="4743901" y="9969765"/>
               <a:ext cx="4224759" cy="1624278"/>
             </p:xfrm>
             <a:graphic>
@@ -8707,25 +8596,31 @@
                     <a:gridCol w="1233387">
                       <a:extLst>
                         <a:ext uri="{9D8B030D-6E8A-4147-A177-3AD203B41FA5}">
-                          <a16:colId xmlns="" xmlns:a16="http://schemas.microsoft.com/office/drawing/2014/main" val="3247188750"/>
+                          <a16:colId xmlns:a16="http://schemas.microsoft.com/office/drawing/2014/main" xmlns:a14="http://schemas.microsoft.com/office/drawing/2010/main" xmlns="" val="3247188750"/>
                         </a:ext>
                       </a:extLst>
                     </a:gridCol>
                     <a:gridCol w="616017">
                       <a:extLst>
                         <a:ext uri="{9D8B030D-6E8A-4147-A177-3AD203B41FA5}">
-                          <a16:colId xmlns="" xmlns:a16="http://schemas.microsoft.com/office/drawing/2014/main" val="1214523097"/>
+                          <a16:colId xmlns:a16="http://schemas.microsoft.com/office/drawing/2014/main" xmlns:a14="http://schemas.microsoft.com/office/drawing/2010/main" xmlns="" val="1214523097"/>
                         </a:ext>
                       </a:extLst>
                     </a:gridCol>
                     <a:gridCol w="664143">
                       <a:extLst>
                         <a:ext uri="{9D8B030D-6E8A-4147-A177-3AD203B41FA5}">
-                          <a16:colId xmlns="" xmlns:a16="http://schemas.microsoft.com/office/drawing/2014/main" val="3255143547"/>
+                          <a16:colId xmlns:a16="http://schemas.microsoft.com/office/drawing/2014/main" xmlns:a14="http://schemas.microsoft.com/office/drawing/2010/main" xmlns="" val="3255143547"/>
                         </a:ext>
                       </a:extLst>
                     </a:gridCol>
-                    <a:gridCol w="1711212"/>
+                    <a:gridCol w="1711212">
+                      <a:extLst>
+                        <a:ext uri="{9D8B030D-6E8A-4147-A177-3AD203B41FA5}">
+                          <a16:colId xmlns:a16="http://schemas.microsoft.com/office/drawing/2014/main" xmlns:a14="http://schemas.microsoft.com/office/drawing/2010/main" xmlns="" val="20003"/>
+                        </a:ext>
+                      </a:extLst>
+                    </a:gridCol>
                   </a:tblGrid>
                   <a:tr h="265518">
                     <a:tc gridSpan="4">
@@ -8735,10 +8630,9 @@
                         <a:p>
                           <a:pPr algn="ctr"/>
                           <a:r>
-                            <a:rPr lang="en-US" sz="1000" dirty="0" smtClean="0"/>
+                            <a:rPr lang="en-US" sz="1000" dirty="0"/>
                             <a:t>Model Accuracies</a:t>
                           </a:r>
-                          <a:endParaRPr lang="en-US" sz="1000" dirty="0"/>
                         </a:p>
                       </a:txBody>
                       <a:tcPr/>
@@ -8776,7 +8670,7 @@
                     </a:tc>
                     <a:extLst>
                       <a:ext uri="{0D108BD9-81ED-4DB2-BD59-A6C34878D82A}">
-                        <a16:rowId xmlns="" xmlns:a16="http://schemas.microsoft.com/office/drawing/2014/main" val="426857068"/>
+                        <a16:rowId xmlns:a16="http://schemas.microsoft.com/office/drawing/2014/main" xmlns:a14="http://schemas.microsoft.com/office/drawing/2010/main" xmlns="" val="426857068"/>
                       </a:ext>
                     </a:extLst>
                   </a:tr>
@@ -8787,10 +8681,9 @@
                         <a:lstStyle/>
                         <a:p>
                           <a:r>
-                            <a:rPr lang="en-US" sz="1000" dirty="0" smtClean="0"/>
+                            <a:rPr lang="en-US" sz="1000" dirty="0"/>
                             <a:t>Classifier</a:t>
                           </a:r>
-                          <a:endParaRPr lang="en-US" sz="1000" dirty="0"/>
                         </a:p>
                       </a:txBody>
                       <a:tcPr/>
@@ -8801,10 +8694,9 @@
                         <a:lstStyle/>
                         <a:p>
                           <a:r>
-                            <a:rPr lang="en-US" sz="1000" dirty="0" smtClean="0"/>
+                            <a:rPr lang="en-US" sz="1000" dirty="0"/>
                             <a:t>1 Hour</a:t>
                           </a:r>
-                          <a:endParaRPr lang="en-US" sz="1000" dirty="0"/>
                         </a:p>
                       </a:txBody>
                       <a:tcPr/>
@@ -8815,11 +8707,11 @@
                         <a:lstStyle/>
                         <a:p>
                           <a:r>
-                            <a:rPr lang="en-US" sz="1000" dirty="0" smtClean="0"/>
+                            <a:rPr lang="en-US" sz="1000" dirty="0"/>
                             <a:t>2</a:t>
                           </a:r>
                           <a:r>
-                            <a:rPr lang="en-US" sz="1000" baseline="0" dirty="0" smtClean="0"/>
+                            <a:rPr lang="en-US" sz="1000" baseline="0" dirty="0"/>
                             <a:t> Hours</a:t>
                           </a:r>
                           <a:endParaRPr lang="en-US" sz="1000" dirty="0"/>
@@ -8834,17 +8726,16 @@
                         <a:p>
                           <a:pPr algn="ctr"/>
                           <a:r>
-                            <a:rPr lang="en-US" sz="1000" dirty="0" smtClean="0"/>
+                            <a:rPr lang="en-US" sz="1000" dirty="0"/>
                             <a:t>Equation</a:t>
                           </a:r>
-                          <a:endParaRPr lang="en-US" sz="1000" dirty="0"/>
                         </a:p>
                       </a:txBody>
                       <a:tcPr/>
                     </a:tc>
                     <a:extLst>
                       <a:ext uri="{0D108BD9-81ED-4DB2-BD59-A6C34878D82A}">
-                        <a16:rowId xmlns="" xmlns:a16="http://schemas.microsoft.com/office/drawing/2014/main" val="4254030744"/>
+                        <a16:rowId xmlns:a16="http://schemas.microsoft.com/office/drawing/2014/main" xmlns:a14="http://schemas.microsoft.com/office/drawing/2010/main" xmlns="" val="4254030744"/>
                       </a:ext>
                     </a:extLst>
                   </a:tr>
@@ -8855,10 +8746,9 @@
                         <a:lstStyle/>
                         <a:p>
                           <a:r>
-                            <a:rPr lang="en-US" sz="1000" dirty="0" smtClean="0"/>
+                            <a:rPr lang="en-US" sz="1000" dirty="0"/>
                             <a:t>SVM</a:t>
                           </a:r>
-                          <a:endParaRPr lang="en-US" sz="1000" dirty="0"/>
                         </a:p>
                       </a:txBody>
                       <a:tcPr/>
@@ -8869,7 +8759,7 @@
                         <a:lstStyle/>
                         <a:p>
                           <a:r>
-                            <a:rPr lang="nb-NO" sz="1000" dirty="0" smtClean="0"/>
+                            <a:rPr lang="nb-NO" sz="1000" dirty="0"/>
                             <a:t>50.88%</a:t>
                           </a:r>
                           <a:endParaRPr lang="en-US" sz="1000" dirty="0"/>
@@ -8883,10 +8773,9 @@
                         <a:lstStyle/>
                         <a:p>
                           <a:r>
-                            <a:rPr lang="en-US" sz="1000" dirty="0" smtClean="0"/>
+                            <a:rPr lang="en-US" sz="1000" dirty="0"/>
                             <a:t>51.72%</a:t>
                           </a:r>
-                          <a:endParaRPr lang="en-US" sz="1000" dirty="0"/>
                         </a:p>
                       </a:txBody>
                       <a:tcPr/>
@@ -8901,7 +8790,7 @@
                       </a:txBody>
                       <a:tcPr>
                         <a:blipFill rotWithShape="0">
-                          <a:blip r:embed="rId13"/>
+                          <a:blip r:embed="rId15"/>
                           <a:stretch>
                             <a:fillRect l="-147331" t="-191304" r="-1423" b="-310870"/>
                           </a:stretch>
@@ -8910,7 +8799,7 @@
                     </a:tc>
                     <a:extLst>
                       <a:ext uri="{0D108BD9-81ED-4DB2-BD59-A6C34878D82A}">
-                        <a16:rowId xmlns="" xmlns:a16="http://schemas.microsoft.com/office/drawing/2014/main" val="2348030731"/>
+                        <a16:rowId xmlns:a16="http://schemas.microsoft.com/office/drawing/2014/main" xmlns:a14="http://schemas.microsoft.com/office/drawing/2010/main" xmlns="" val="2348030731"/>
                       </a:ext>
                     </a:extLst>
                   </a:tr>
@@ -8921,11 +8810,11 @@
                         <a:lstStyle/>
                         <a:p>
                           <a:r>
-                            <a:rPr lang="en-US" sz="1000" dirty="0" smtClean="0"/>
+                            <a:rPr lang="en-US" sz="1000" dirty="0"/>
                             <a:t>Logistic</a:t>
                           </a:r>
                           <a:r>
-                            <a:rPr lang="en-US" sz="1000" baseline="0" dirty="0" smtClean="0"/>
+                            <a:rPr lang="en-US" sz="1000" baseline="0" dirty="0"/>
                             <a:t> Regression</a:t>
                           </a:r>
                           <a:endParaRPr lang="en-US" sz="1000" dirty="0"/>
@@ -8939,7 +8828,7 @@
                         <a:lstStyle/>
                         <a:p>
                           <a:r>
-                            <a:rPr lang="hr-HR" sz="1000" dirty="0" smtClean="0"/>
+                            <a:rPr lang="hr-HR" sz="1000" dirty="0"/>
                             <a:t>52.63%</a:t>
                           </a:r>
                           <a:endParaRPr lang="en-US" sz="1000" dirty="0"/>
@@ -8953,10 +8842,9 @@
                         <a:lstStyle/>
                         <a:p>
                           <a:r>
-                            <a:rPr lang="en-US" sz="1000" dirty="0" smtClean="0"/>
+                            <a:rPr lang="en-US" sz="1000" dirty="0"/>
                             <a:t>50.26%</a:t>
                           </a:r>
-                          <a:endParaRPr lang="en-US" sz="1000" dirty="0"/>
                         </a:p>
                       </a:txBody>
                       <a:tcPr/>
@@ -8971,7 +8859,7 @@
                       </a:txBody>
                       <a:tcPr>
                         <a:blipFill rotWithShape="0">
-                          <a:blip r:embed="rId13"/>
+                          <a:blip r:embed="rId15"/>
                           <a:stretch>
                             <a:fillRect l="-147331" t="-297778" r="-1423" b="-217778"/>
                           </a:stretch>
@@ -8980,7 +8868,7 @@
                     </a:tc>
                     <a:extLst>
                       <a:ext uri="{0D108BD9-81ED-4DB2-BD59-A6C34878D82A}">
-                        <a16:rowId xmlns="" xmlns:a16="http://schemas.microsoft.com/office/drawing/2014/main" val="575309201"/>
+                        <a16:rowId xmlns:a16="http://schemas.microsoft.com/office/drawing/2014/main" xmlns:a14="http://schemas.microsoft.com/office/drawing/2010/main" xmlns="" val="575309201"/>
                       </a:ext>
                     </a:extLst>
                   </a:tr>
@@ -8991,10 +8879,9 @@
                         <a:lstStyle/>
                         <a:p>
                           <a:r>
-                            <a:rPr lang="en-US" sz="1000" dirty="0" smtClean="0"/>
+                            <a:rPr lang="en-US" sz="1000" dirty="0"/>
                             <a:t>Naïve Bayes</a:t>
                           </a:r>
-                          <a:endParaRPr lang="en-US" sz="1000" dirty="0"/>
                         </a:p>
                       </a:txBody>
                       <a:tcPr/>
@@ -9005,7 +8892,7 @@
                         <a:lstStyle/>
                         <a:p>
                           <a:r>
-                            <a:rPr lang="nb-NO" sz="1000" dirty="0" smtClean="0"/>
+                            <a:rPr lang="nb-NO" sz="1000" dirty="0"/>
                             <a:t>47.37%</a:t>
                           </a:r>
                           <a:endParaRPr lang="en-US" sz="1000" dirty="0"/>
@@ -9019,10 +8906,9 @@
                         <a:lstStyle/>
                         <a:p>
                           <a:r>
-                            <a:rPr lang="en-US" sz="1000" dirty="0" smtClean="0"/>
+                            <a:rPr lang="en-US" sz="1000" dirty="0"/>
                             <a:t>48.30%</a:t>
                           </a:r>
-                          <a:endParaRPr lang="en-US" sz="1000" dirty="0"/>
                         </a:p>
                       </a:txBody>
                       <a:tcPr/>
@@ -9037,13 +8923,18 @@
                       </a:txBody>
                       <a:tcPr>
                         <a:blipFill rotWithShape="0">
-                          <a:blip r:embed="rId13"/>
+                          <a:blip r:embed="rId15"/>
                           <a:stretch>
                             <a:fillRect l="-147331" t="-397778" r="-1423" b="-117778"/>
                           </a:stretch>
                         </a:blipFill>
                       </a:tcPr>
                     </a:tc>
+                    <a:extLst>
+                      <a:ext uri="{0D108BD9-81ED-4DB2-BD59-A6C34878D82A}">
+                        <a16:rowId xmlns:a16="http://schemas.microsoft.com/office/drawing/2014/main" xmlns:a14="http://schemas.microsoft.com/office/drawing/2010/main" xmlns="" val="10004"/>
+                      </a:ext>
+                    </a:extLst>
                   </a:tr>
                   <a:tr h="265518">
                     <a:tc>
@@ -9053,9 +8944,12 @@
                         <a:p>
                           <a:r>
                             <a:rPr lang="en-US" sz="1000" dirty="0" smtClean="0"/>
-                            <a:t>Neural Net</a:t>
+                            <a:t>Neural </a:t>
                           </a:r>
-                          <a:endParaRPr lang="en-US" sz="1000" dirty="0"/>
+                          <a:r>
+                            <a:rPr lang="en-US" sz="1000" dirty="0"/>
+                            <a:t>Net</a:t>
+                          </a:r>
                         </a:p>
                       </a:txBody>
                       <a:tcPr/>
@@ -9066,10 +8960,9 @@
                         <a:lstStyle/>
                         <a:p>
                           <a:r>
-                            <a:rPr lang="en-US" sz="1000" dirty="0" smtClean="0"/>
+                            <a:rPr lang="en-US" sz="1000" dirty="0"/>
                             <a:t>47.39%</a:t>
                           </a:r>
-                          <a:endParaRPr lang="en-US" sz="1000" dirty="0"/>
                         </a:p>
                       </a:txBody>
                       <a:tcPr/>
@@ -9080,10 +8973,9 @@
                         <a:lstStyle/>
                         <a:p>
                           <a:r>
-                            <a:rPr lang="en-US" sz="1000" dirty="0" smtClean="0"/>
+                            <a:rPr lang="en-US" sz="1000" dirty="0"/>
                             <a:t>48.28%</a:t>
                           </a:r>
-                          <a:endParaRPr lang="en-US" sz="1000" dirty="0"/>
                         </a:p>
                       </a:txBody>
                       <a:tcPr/>
@@ -9095,15 +8987,15 @@
                         <a:p>
                           <a:pPr algn="ctr"/>
                           <a:r>
-                            <a:rPr lang="en-US" sz="500" dirty="0" smtClean="0"/>
+                            <a:rPr lang="en-US" sz="500" dirty="0"/>
                             <a:t>Two</a:t>
                           </a:r>
                           <a:r>
-                            <a:rPr lang="en-US" sz="500" baseline="0" dirty="0" smtClean="0"/>
+                            <a:rPr lang="en-US" sz="500" baseline="0" dirty="0"/>
                             <a:t> hidden fully collected layers, followed by </a:t>
                           </a:r>
                           <a:r>
-                            <a:rPr lang="en-US" sz="500" baseline="0" dirty="0" err="1" smtClean="0"/>
+                            <a:rPr lang="en-US" sz="500" baseline="0" dirty="0" err="1"/>
                             <a:t>Relu</a:t>
                           </a:r>
                           <a:endParaRPr lang="en-US" sz="500" dirty="0"/>
@@ -9111,6 +9003,11 @@
                       </a:txBody>
                       <a:tcPr/>
                     </a:tc>
+                    <a:extLst>
+                      <a:ext uri="{0D108BD9-81ED-4DB2-BD59-A6C34878D82A}">
+                        <a16:rowId xmlns:a16="http://schemas.microsoft.com/office/drawing/2014/main" xmlns:a14="http://schemas.microsoft.com/office/drawing/2010/main" xmlns="" val="10005"/>
+                      </a:ext>
+                    </a:extLst>
                   </a:tr>
                 </a:tbl>
               </a:graphicData>
@@ -9120,14 +9017,20 @@
       </mc:AlternateContent>
       <p:pic>
         <p:nvPicPr>
-          <p:cNvPr id="8" name="Picture 7"/>
+          <p:cNvPr id="25" name="Picture 24" descr="A screenshot of a cell phone&#10;&#10;Description generated with very high confidence">
+            <a:extLst>
+              <a:ext uri="{FF2B5EF4-FFF2-40B4-BE49-F238E27FC236}">
+                <a16:creationId xmlns:a16="http://schemas.microsoft.com/office/drawing/2014/main" xmlns="" id="{2DC56460-762D-4145-8AF4-B031A0095FCD}"/>
+              </a:ext>
+            </a:extLst>
+          </p:cNvPr>
           <p:cNvPicPr>
             <a:picLocks noChangeAspect="1"/>
           </p:cNvPicPr>
           <p:nvPr/>
         </p:nvPicPr>
         <p:blipFill>
-          <a:blip r:embed="rId14">
+          <a:blip r:embed="rId16">
             <a:extLst>
               <a:ext uri="{28A0092B-C50C-407E-A947-70E740481C1C}">
                 <a14:useLocalDpi xmlns:a14="http://schemas.microsoft.com/office/drawing/2010/main" val="0"/>
@@ -9140,14 +9043,354 @@
         </p:blipFill>
         <p:spPr>
           <a:xfrm>
-            <a:off x="5013792" y="9553694"/>
-            <a:ext cx="1690265" cy="1126843"/>
+            <a:off x="5071844" y="13944996"/>
+            <a:ext cx="3756961" cy="2504640"/>
           </a:xfrm>
           <a:prstGeom prst="rect">
             <a:avLst/>
           </a:prstGeom>
         </p:spPr>
       </p:pic>
+      <p:pic>
+        <p:nvPicPr>
+          <p:cNvPr id="32" name="Picture 31" descr="A close up of a map&#10;&#10;Description generated with very high confidence">
+            <a:extLst>
+              <a:ext uri="{FF2B5EF4-FFF2-40B4-BE49-F238E27FC236}">
+                <a16:creationId xmlns:a16="http://schemas.microsoft.com/office/drawing/2014/main" xmlns="" id="{2BA37F15-08B8-4412-BA63-6F77A48A6A45}"/>
+              </a:ext>
+            </a:extLst>
+          </p:cNvPr>
+          <p:cNvPicPr>
+            <a:picLocks noChangeAspect="1"/>
+          </p:cNvPicPr>
+          <p:nvPr/>
+        </p:nvPicPr>
+        <p:blipFill>
+          <a:blip r:embed="rId17">
+            <a:extLst>
+              <a:ext uri="{28A0092B-C50C-407E-A947-70E740481C1C}">
+                <a14:useLocalDpi xmlns:a14="http://schemas.microsoft.com/office/drawing/2010/main" val="0"/>
+              </a:ext>
+            </a:extLst>
+          </a:blip>
+          <a:stretch>
+            <a:fillRect/>
+          </a:stretch>
+        </p:blipFill>
+        <p:spPr>
+          <a:xfrm>
+            <a:off x="5117933" y="5579316"/>
+            <a:ext cx="3172248" cy="3172248"/>
+          </a:xfrm>
+          <a:prstGeom prst="rect">
+            <a:avLst/>
+          </a:prstGeom>
+        </p:spPr>
+      </p:pic>
+      <p:grpSp>
+        <p:nvGrpSpPr>
+          <p:cNvPr id="35" name="Group 34"/>
+          <p:cNvGrpSpPr/>
+          <p:nvPr/>
+        </p:nvGrpSpPr>
+        <p:grpSpPr>
+          <a:xfrm>
+            <a:off x="164999" y="8185038"/>
+            <a:ext cx="4357654" cy="1631217"/>
+            <a:chOff x="131031" y="5630192"/>
+            <a:chExt cx="4357654" cy="1631217"/>
+          </a:xfrm>
+        </p:grpSpPr>
+        <p:sp>
+          <p:nvSpPr>
+            <p:cNvPr id="36" name="TextBox 35">
+              <a:extLst>
+                <a:ext uri="{FF2B5EF4-FFF2-40B4-BE49-F238E27FC236}">
+                  <a16:creationId xmlns:a16="http://schemas.microsoft.com/office/drawing/2014/main" xmlns="" id="{350B0135-6184-4979-BB40-37C979E657FF}"/>
+                </a:ext>
+              </a:extLst>
+            </p:cNvPr>
+            <p:cNvSpPr txBox="1"/>
+            <p:nvPr/>
+          </p:nvSpPr>
+          <p:spPr>
+            <a:xfrm>
+              <a:off x="131031" y="5630193"/>
+              <a:ext cx="4357654" cy="1631216"/>
+            </a:xfrm>
+            <a:prstGeom prst="rect">
+              <a:avLst/>
+            </a:prstGeom>
+            <a:solidFill>
+              <a:schemeClr val="bg1"/>
+            </a:solidFill>
+            <a:ln>
+              <a:solidFill>
+                <a:srgbClr val="011F5B"/>
+              </a:solidFill>
+            </a:ln>
+          </p:spPr>
+          <p:txBody>
+            <a:bodyPr wrap="square" rtlCol="0">
+              <a:spAutoFit/>
+            </a:bodyPr>
+            <a:lstStyle/>
+            <a:p>
+              <a:endParaRPr lang="en-US" sz="1000" dirty="0" smtClean="0">
+                <a:solidFill>
+                  <a:srgbClr val="011F5B"/>
+                </a:solidFill>
+              </a:endParaRPr>
+            </a:p>
+            <a:p>
+              <a:endParaRPr lang="en-US" sz="1000" dirty="0" smtClean="0">
+                <a:solidFill>
+                  <a:srgbClr val="011F5B"/>
+                </a:solidFill>
+              </a:endParaRPr>
+            </a:p>
+            <a:p>
+              <a:endParaRPr lang="en-US" sz="1000" dirty="0" smtClean="0">
+                <a:solidFill>
+                  <a:srgbClr val="011F5B"/>
+                </a:solidFill>
+              </a:endParaRPr>
+            </a:p>
+            <a:p>
+              <a:r>
+                <a:rPr lang="en-US" sz="1000" b="1" dirty="0" smtClean="0">
+                  <a:solidFill>
+                    <a:srgbClr val="011F5B"/>
+                  </a:solidFill>
+                </a:rPr>
+                <a:t>Raw Tweet:</a:t>
+              </a:r>
+            </a:p>
+            <a:p>
+              <a:r>
+                <a:rPr lang="en-US" sz="1000" b="1" dirty="0" smtClean="0">
+                  <a:solidFill>
+                    <a:srgbClr val="011F5B"/>
+                  </a:solidFill>
+                </a:rPr>
+                <a:t>“</a:t>
+              </a:r>
+              <a:r>
+                <a:rPr lang="en-US" sz="1000" dirty="0" smtClean="0"/>
+                <a:t>'# </a:t>
+              </a:r>
+              <a:r>
+                <a:rPr lang="en-US" sz="1000" dirty="0"/>
+                <a:t>XRP ‘100 Percent Not a #Security ,’ #Ripple Claims\n\n </a:t>
+              </a:r>
+              <a:r>
+                <a:rPr lang="en-US" sz="1000" dirty="0">
+                  <a:hlinkClick r:id="rId18" invalidUrl="http:" action="ppaction://hlinkfile"/>
+                </a:rPr>
+                <a:t>http://</a:t>
+              </a:r>
+              <a:r>
+                <a:rPr lang="en-US" sz="1000" dirty="0"/>
+                <a:t> </a:t>
+              </a:r>
+              <a:r>
+                <a:rPr lang="en-US" sz="1000" dirty="0" err="1"/>
+                <a:t>bit.ly</a:t>
+              </a:r>
+              <a:r>
+                <a:rPr lang="en-US" sz="1000" dirty="0"/>
+                <a:t>/2v5gC26 \</a:t>
+              </a:r>
+              <a:r>
+                <a:rPr lang="en-US" sz="1000" dirty="0" smtClean="0"/>
+                <a:t>xa0”</a:t>
+              </a:r>
+            </a:p>
+            <a:p>
+              <a:endParaRPr lang="en-US" sz="1000" b="1" dirty="0">
+                <a:solidFill>
+                  <a:srgbClr val="011F5B"/>
+                </a:solidFill>
+              </a:endParaRPr>
+            </a:p>
+            <a:p>
+              <a:r>
+                <a:rPr lang="en-US" sz="1000" b="1" dirty="0" smtClean="0">
+                  <a:solidFill>
+                    <a:srgbClr val="011F5B"/>
+                  </a:solidFill>
+                </a:rPr>
+                <a:t>Post-Processing:</a:t>
+              </a:r>
+            </a:p>
+            <a:p>
+              <a:r>
+                <a:rPr lang="en-US" sz="1000" b="1" dirty="0" smtClean="0">
+                  <a:solidFill>
+                    <a:srgbClr val="011F5B"/>
+                  </a:solidFill>
+                </a:rPr>
+                <a:t>“</a:t>
+              </a:r>
+              <a:r>
+                <a:rPr lang="en-US" sz="1000" dirty="0" smtClean="0"/>
+                <a:t>'XRP 100 </a:t>
+              </a:r>
+              <a:r>
+                <a:rPr lang="en-US" sz="1000" dirty="0"/>
+                <a:t>Percent Not a </a:t>
+              </a:r>
+              <a:r>
+                <a:rPr lang="en-US" sz="1000" dirty="0" smtClean="0"/>
+                <a:t>Security Ripple Claims _URL_”</a:t>
+              </a:r>
+              <a:endParaRPr lang="en-US" sz="1000" dirty="0"/>
+            </a:p>
+            <a:p>
+              <a:endParaRPr lang="en-US" sz="1000" b="1" dirty="0">
+                <a:solidFill>
+                  <a:srgbClr val="011F5B"/>
+                </a:solidFill>
+              </a:endParaRPr>
+            </a:p>
+          </p:txBody>
+        </p:sp>
+        <p:sp>
+          <p:nvSpPr>
+            <p:cNvPr id="42" name="TextBox 41">
+              <a:extLst>
+                <a:ext uri="{FF2B5EF4-FFF2-40B4-BE49-F238E27FC236}">
+                  <a16:creationId xmlns:a16="http://schemas.microsoft.com/office/drawing/2014/main" xmlns="" id="{8A29E2F6-DCC5-419F-8203-4FD2EDF588FE}"/>
+                </a:ext>
+              </a:extLst>
+            </p:cNvPr>
+            <p:cNvSpPr txBox="1"/>
+            <p:nvPr/>
+          </p:nvSpPr>
+          <p:spPr>
+            <a:xfrm>
+              <a:off x="131031" y="5630192"/>
+              <a:ext cx="4357654" cy="348878"/>
+            </a:xfrm>
+            <a:prstGeom prst="rect">
+              <a:avLst/>
+            </a:prstGeom>
+            <a:solidFill>
+              <a:srgbClr val="011F5B"/>
+            </a:solidFill>
+            <a:ln>
+              <a:solidFill>
+                <a:srgbClr val="011F5B"/>
+              </a:solidFill>
+            </a:ln>
+          </p:spPr>
+          <p:txBody>
+            <a:bodyPr wrap="square" rtlCol="0">
+              <a:spAutoFit/>
+            </a:bodyPr>
+            <a:lstStyle/>
+            <a:p>
+              <a:pPr algn="ctr"/>
+              <a:r>
+                <a:rPr lang="en-US" sz="1667" b="1" dirty="0" smtClean="0">
+                  <a:solidFill>
+                    <a:schemeClr val="bg1"/>
+                  </a:solidFill>
+                  <a:latin typeface="Garamond" panose="02020404030301010803" pitchFamily="18" charset="0"/>
+                </a:rPr>
+                <a:t>Examples</a:t>
+              </a:r>
+              <a:endParaRPr lang="en-US" sz="1667" b="1" dirty="0">
+                <a:solidFill>
+                  <a:schemeClr val="bg1"/>
+                </a:solidFill>
+                <a:latin typeface="Garamond" panose="02020404030301010803" pitchFamily="18" charset="0"/>
+              </a:endParaRPr>
+            </a:p>
+          </p:txBody>
+        </p:sp>
+      </p:grpSp>
+      <p:grpSp>
+        <p:nvGrpSpPr>
+          <p:cNvPr id="24" name="Group 23"/>
+          <p:cNvGrpSpPr/>
+          <p:nvPr/>
+        </p:nvGrpSpPr>
+        <p:grpSpPr>
+          <a:xfrm>
+            <a:off x="9733812" y="13944996"/>
+            <a:ext cx="3634042" cy="2422695"/>
+            <a:chOff x="9733812" y="13944996"/>
+            <a:chExt cx="3634042" cy="2422695"/>
+          </a:xfrm>
+        </p:grpSpPr>
+        <p:pic>
+          <p:nvPicPr>
+            <p:cNvPr id="41" name="Picture 40" descr="Original Naive Bayes">
+              <a:extLst>
+                <a:ext uri="{FF2B5EF4-FFF2-40B4-BE49-F238E27FC236}">
+                  <a16:creationId xmlns:a16="http://schemas.microsoft.com/office/drawing/2014/main" xmlns="" id="{05177ED2-3129-47A6-83AC-D27195FC7682}"/>
+                </a:ext>
+              </a:extLst>
+            </p:cNvPr>
+            <p:cNvPicPr>
+              <a:picLocks noChangeAspect="1"/>
+            </p:cNvPicPr>
+            <p:nvPr/>
+          </p:nvPicPr>
+          <p:blipFill>
+            <a:blip r:embed="rId19">
+              <a:extLst>
+                <a:ext uri="{28A0092B-C50C-407E-A947-70E740481C1C}">
+                  <a14:useLocalDpi xmlns:a14="http://schemas.microsoft.com/office/drawing/2010/main" val="0"/>
+                </a:ext>
+              </a:extLst>
+            </a:blip>
+            <a:stretch>
+              <a:fillRect/>
+            </a:stretch>
+          </p:blipFill>
+          <p:spPr>
+            <a:xfrm>
+              <a:off x="9733812" y="13944996"/>
+              <a:ext cx="3634042" cy="2422695"/>
+            </a:xfrm>
+            <a:prstGeom prst="rect">
+              <a:avLst/>
+            </a:prstGeom>
+          </p:spPr>
+        </p:pic>
+        <p:sp>
+          <p:nvSpPr>
+            <p:cNvPr id="17" name="TextBox 16"/>
+            <p:cNvSpPr txBox="1"/>
+            <p:nvPr/>
+          </p:nvSpPr>
+          <p:spPr>
+            <a:xfrm>
+              <a:off x="11186555" y="13971377"/>
+              <a:ext cx="1754389" cy="246221"/>
+            </a:xfrm>
+            <a:prstGeom prst="rect">
+              <a:avLst/>
+            </a:prstGeom>
+            <a:noFill/>
+          </p:spPr>
+          <p:txBody>
+            <a:bodyPr wrap="square" rtlCol="0">
+              <a:spAutoFit/>
+            </a:bodyPr>
+            <a:lstStyle/>
+            <a:p>
+              <a:r>
+                <a:rPr lang="en-US" sz="1000" dirty="0" smtClean="0"/>
+                <a:t>BBOW Naive Bayes</a:t>
+              </a:r>
+              <a:endParaRPr lang="en-US" sz="1000" dirty="0"/>
+            </a:p>
+          </p:txBody>
+        </p:sp>
+      </p:grpSp>
     </p:spTree>
     <p:extLst>
       <p:ext uri="{BB962C8B-B14F-4D97-AF65-F5344CB8AC3E}">
